--- a/1 Web Scraping.pptx
+++ b/1 Web Scraping.pptx
@@ -5,7 +5,7 @@
     <p:sldMasterId id="2147483648" r:id="rId1"/>
   </p:sldMasterIdLst>
   <p:notesMasterIdLst>
-    <p:notesMasterId r:id="rId37"/>
+    <p:notesMasterId r:id="rId38"/>
   </p:notesMasterIdLst>
   <p:sldIdLst>
     <p:sldId id="256" r:id="rId2"/>
@@ -43,6 +43,7 @@
     <p:sldId id="275" r:id="rId34"/>
     <p:sldId id="298" r:id="rId35"/>
     <p:sldId id="299" r:id="rId36"/>
+    <p:sldId id="300" r:id="rId37"/>
   </p:sldIdLst>
   <p:sldSz cx="12192000" cy="6858000"/>
   <p:notesSz cx="6858000" cy="9144000"/>
@@ -201,6 +202,7 @@
           <p14:sldIdLst>
             <p14:sldId id="298"/>
             <p14:sldId id="299"/>
+            <p14:sldId id="300"/>
           </p14:sldIdLst>
         </p14:section>
       </p14:sectionLst>
@@ -4605,36 +4607,36 @@
     </dgm:pt>
   </dgm:ptLst>
   <dgm:cxnLst>
+    <dgm:cxn modelId="{94A61738-EA86-4770-A1DA-6913C0D55F76}" type="presOf" srcId="{28E6F0B8-5606-4E29-B534-5FB925CCE30D}" destId="{9B569091-8D86-41FE-B93C-38F7B5B69DFC}" srcOrd="0" destOrd="0" presId="urn:microsoft.com/office/officeart/2008/layout/NameandTitleOrganizationalChart"/>
+    <dgm:cxn modelId="{B587E6BE-1356-4DA9-A39F-8DE13EC4FC8C}" type="presOf" srcId="{F795F928-FC42-4D36-B95A-2189358912A1}" destId="{5BECA3EF-535E-4E9A-8C99-221DAC0D06EC}" srcOrd="0" destOrd="0" presId="urn:microsoft.com/office/officeart/2008/layout/NameandTitleOrganizationalChart"/>
+    <dgm:cxn modelId="{BB14EE0A-97ED-4A86-BB9F-F58404292E77}" type="presOf" srcId="{160F6224-8F49-4A93-ACAC-8F02D93BB1A4}" destId="{A7ECF4E3-645D-4E1C-B834-632E89E6E879}" srcOrd="1" destOrd="0" presId="urn:microsoft.com/office/officeart/2008/layout/NameandTitleOrganizationalChart"/>
+    <dgm:cxn modelId="{205390E6-3036-4FFF-B5DD-6E2FE4AC8BC3}" type="presOf" srcId="{18830811-5FEC-4517-9313-F195CE0292B1}" destId="{84E6CF01-0915-425A-8A0B-C030E751BC63}" srcOrd="0" destOrd="0" presId="urn:microsoft.com/office/officeart/2008/layout/NameandTitleOrganizationalChart"/>
+    <dgm:cxn modelId="{7669BFB4-6217-4A38-9BA2-96AFE5043D4E}" type="presOf" srcId="{11CB8B76-DCB4-45D0-86E6-5A42D54AAEF4}" destId="{93BD2DE6-25B6-4F4F-B97B-5CD255C38FCF}" srcOrd="0" destOrd="0" presId="urn:microsoft.com/office/officeart/2008/layout/NameandTitleOrganizationalChart"/>
+    <dgm:cxn modelId="{08718F60-6590-480E-86F3-4C29ABA8E01F}" type="presOf" srcId="{081F3A00-2ECA-43EC-9523-248E948F9AA3}" destId="{66E63E2B-5119-4C5A-8D80-791FBF02CCD3}" srcOrd="0" destOrd="0" presId="urn:microsoft.com/office/officeart/2008/layout/NameandTitleOrganizationalChart"/>
+    <dgm:cxn modelId="{3F707D5D-9ADF-4A3D-9B87-C5311EA8BA39}" type="presOf" srcId="{C6626210-EDF1-4D2C-8833-F4AABBD6E1DB}" destId="{25B9C48D-5038-4128-A7F0-C32EBEF0B530}" srcOrd="0" destOrd="0" presId="urn:microsoft.com/office/officeart/2008/layout/NameandTitleOrganizationalChart"/>
+    <dgm:cxn modelId="{50F9A25B-0E23-49FA-A48C-80C4BAA50525}" type="presOf" srcId="{160F6224-8F49-4A93-ACAC-8F02D93BB1A4}" destId="{439184CC-EF3D-4D42-AD69-B78645E5125F}" srcOrd="0" destOrd="0" presId="urn:microsoft.com/office/officeart/2008/layout/NameandTitleOrganizationalChart"/>
+    <dgm:cxn modelId="{A9F22DA9-ED60-4D7A-ABCE-0E1360171278}" type="presOf" srcId="{7F13DEF7-7ECD-4302-A151-46B5569E70EA}" destId="{941AE7BF-C43F-4250-9753-CD914A0CE5D9}" srcOrd="0" destOrd="0" presId="urn:microsoft.com/office/officeart/2008/layout/NameandTitleOrganizationalChart"/>
+    <dgm:cxn modelId="{39891148-10A1-42BB-A59A-378648BEDFF0}" srcId="{C6626210-EDF1-4D2C-8833-F4AABBD6E1DB}" destId="{28E6F0B8-5606-4E29-B534-5FB925CCE30D}" srcOrd="1" destOrd="0" parTransId="{11CB8B76-DCB4-45D0-86E6-5A42D54AAEF4}" sibTransId="{7F13DEF7-7ECD-4302-A151-46B5569E70EA}"/>
+    <dgm:cxn modelId="{60D6DF28-F9E3-4BD4-867E-4D5A16BE854D}" type="presOf" srcId="{F795F928-FC42-4D36-B95A-2189358912A1}" destId="{AB2D7DBC-445E-40EF-B80B-06647E493A1F}" srcOrd="1" destOrd="0" presId="urn:microsoft.com/office/officeart/2008/layout/NameandTitleOrganizationalChart"/>
+    <dgm:cxn modelId="{90C4651D-3379-4F8A-B014-5C317A4EF96E}" type="presOf" srcId="{0E847332-1086-44FC-A948-0B79940CD005}" destId="{C36D1678-7A5A-45DC-A8E0-0D4AB66AD4F3}" srcOrd="1" destOrd="0" presId="urn:microsoft.com/office/officeart/2008/layout/NameandTitleOrganizationalChart"/>
+    <dgm:cxn modelId="{9ED616C0-5A23-4D88-BC5F-634A35E96DE3}" type="presOf" srcId="{0A7D810A-E044-4B63-B180-08666377213A}" destId="{B5284699-9B8C-4EB1-9115-B09448B43637}" srcOrd="0" destOrd="0" presId="urn:microsoft.com/office/officeart/2008/layout/NameandTitleOrganizationalChart"/>
+    <dgm:cxn modelId="{240B3888-B4E4-493D-B639-AF18A6279148}" srcId="{28E6F0B8-5606-4E29-B534-5FB925CCE30D}" destId="{F795F928-FC42-4D36-B95A-2189358912A1}" srcOrd="0" destOrd="0" parTransId="{89B00270-1F8F-434C-8069-7C7BA791613E}" sibTransId="{18830811-5FEC-4517-9313-F195CE0292B1}"/>
+    <dgm:cxn modelId="{9481EFDC-0DFF-4BF4-A12D-A1484BB67689}" type="presOf" srcId="{0E847332-1086-44FC-A948-0B79940CD005}" destId="{C82FB286-EE2F-444F-B79A-0D45C69E12A0}" srcOrd="0" destOrd="0" presId="urn:microsoft.com/office/officeart/2008/layout/NameandTitleOrganizationalChart"/>
+    <dgm:cxn modelId="{F2C7C63D-5EDC-4CDD-9D75-C1C833FF6C17}" type="presOf" srcId="{06F31BDF-A2C6-430C-B0FF-859BA2805A87}" destId="{55595938-3EE0-412D-834F-85C5B02DB0A5}" srcOrd="0" destOrd="0" presId="urn:microsoft.com/office/officeart/2008/layout/NameandTitleOrganizationalChart"/>
+    <dgm:cxn modelId="{842B219E-F62D-4863-ADBA-1AC33DB751FC}" srcId="{28E6F0B8-5606-4E29-B534-5FB925CCE30D}" destId="{0E847332-1086-44FC-A948-0B79940CD005}" srcOrd="1" destOrd="0" parTransId="{0A7D810A-E044-4B63-B180-08666377213A}" sibTransId="{8258D9B7-3D48-485F-A20B-E9D7E73DCBB9}"/>
+    <dgm:cxn modelId="{C2D9BF9A-9DDF-485D-83DD-D78654E55E8D}" type="presOf" srcId="{9892A53E-2CEB-4B5A-82AF-A1165EC2FF4C}" destId="{B032C6F9-0FF1-4A79-8874-FDA35F8B9CAF}" srcOrd="0" destOrd="0" presId="urn:microsoft.com/office/officeart/2008/layout/NameandTitleOrganizationalChart"/>
+    <dgm:cxn modelId="{EA1A628F-DA74-4190-9791-2D7337A48C5D}" srcId="{BAAA0547-2B39-44F0-9BF6-186B7B9C6F6B}" destId="{160F6224-8F49-4A93-ACAC-8F02D93BB1A4}" srcOrd="0" destOrd="0" parTransId="{9734A782-4DFC-4C58-AC07-B7D759D64D03}" sibTransId="{081F3A00-2ECA-43EC-9523-248E948F9AA3}"/>
+    <dgm:cxn modelId="{72F54182-465D-4A76-AB79-F8C510C2F04C}" type="presOf" srcId="{9734A782-4DFC-4C58-AC07-B7D759D64D03}" destId="{D85A22FA-2BCC-4169-A3C8-BC1AA25D8404}" srcOrd="0" destOrd="0" presId="urn:microsoft.com/office/officeart/2008/layout/NameandTitleOrganizationalChart"/>
+    <dgm:cxn modelId="{0AB9A3BC-CEF5-4F26-8182-0BAA1BD7EBBE}" type="presOf" srcId="{C6626210-EDF1-4D2C-8833-F4AABBD6E1DB}" destId="{02F49B20-E4E2-4205-875D-AA0DEF760A2D}" srcOrd="1" destOrd="0" presId="urn:microsoft.com/office/officeart/2008/layout/NameandTitleOrganizationalChart"/>
+    <dgm:cxn modelId="{792FAB06-BC18-413B-B0D8-CD21CA5EC08F}" type="presOf" srcId="{8258D9B7-3D48-485F-A20B-E9D7E73DCBB9}" destId="{5ED5DF8D-9402-40FD-ADA4-A20FCE148068}" srcOrd="0" destOrd="0" presId="urn:microsoft.com/office/officeart/2008/layout/NameandTitleOrganizationalChart"/>
+    <dgm:cxn modelId="{635DEC1A-FD4A-4066-B030-791243AE39D0}" type="presOf" srcId="{BAAA0547-2B39-44F0-9BF6-186B7B9C6F6B}" destId="{09D85D4C-5017-416D-807E-1BE5413066F8}" srcOrd="0" destOrd="0" presId="urn:microsoft.com/office/officeart/2008/layout/NameandTitleOrganizationalChart"/>
+    <dgm:cxn modelId="{D40C643A-89B1-431B-8C6A-D6B258A6A4E4}" type="presOf" srcId="{BAAA0547-2B39-44F0-9BF6-186B7B9C6F6B}" destId="{BBC1CD80-974A-468C-ADCA-03583AAB1B6E}" srcOrd="1" destOrd="0" presId="urn:microsoft.com/office/officeart/2008/layout/NameandTitleOrganizationalChart"/>
+    <dgm:cxn modelId="{7B709663-D040-409A-887C-6CD2FF10CC98}" srcId="{EA8AAEF4-DE44-4BA2-86B2-699494E5E358}" destId="{C6626210-EDF1-4D2C-8833-F4AABBD6E1DB}" srcOrd="0" destOrd="0" parTransId="{3C468C6D-CEF7-43C6-B0D0-D6099986B4BF}" sibTransId="{06F31BDF-A2C6-430C-B0FF-859BA2805A87}"/>
+    <dgm:cxn modelId="{A4A64E0D-B87F-4DA8-A254-3BF547D34BE4}" type="presOf" srcId="{81740615-26ED-4070-8A30-CCB122686685}" destId="{59B338BB-B822-4BDD-A904-A0BEEC455DB2}" srcOrd="0" destOrd="0" presId="urn:microsoft.com/office/officeart/2008/layout/NameandTitleOrganizationalChart"/>
+    <dgm:cxn modelId="{7855F358-2346-4C94-8481-A047B179CC90}" srcId="{C6626210-EDF1-4D2C-8833-F4AABBD6E1DB}" destId="{BAAA0547-2B39-44F0-9BF6-186B7B9C6F6B}" srcOrd="0" destOrd="0" parTransId="{81740615-26ED-4070-8A30-CCB122686685}" sibTransId="{9892A53E-2CEB-4B5A-82AF-A1165EC2FF4C}"/>
+    <dgm:cxn modelId="{36782ACD-56CD-42A4-BE31-586F38A497C5}" type="presOf" srcId="{28E6F0B8-5606-4E29-B534-5FB925CCE30D}" destId="{BF52C6F9-F086-4C15-8A3A-9C4BC04389CD}" srcOrd="1" destOrd="0" presId="urn:microsoft.com/office/officeart/2008/layout/NameandTitleOrganizationalChart"/>
     <dgm:cxn modelId="{6CF20D58-7182-4C17-BC73-1E36E9F9E4E4}" type="presOf" srcId="{89B00270-1F8F-434C-8069-7C7BA791613E}" destId="{ADE171C0-DB64-407C-B361-F999AF72977D}" srcOrd="0" destOrd="0" presId="urn:microsoft.com/office/officeart/2008/layout/NameandTitleOrganizationalChart"/>
-    <dgm:cxn modelId="{240B3888-B4E4-493D-B639-AF18A6279148}" srcId="{28E6F0B8-5606-4E29-B534-5FB925CCE30D}" destId="{F795F928-FC42-4D36-B95A-2189358912A1}" srcOrd="0" destOrd="0" parTransId="{89B00270-1F8F-434C-8069-7C7BA791613E}" sibTransId="{18830811-5FEC-4517-9313-F195CE0292B1}"/>
-    <dgm:cxn modelId="{9ED616C0-5A23-4D88-BC5F-634A35E96DE3}" type="presOf" srcId="{0A7D810A-E044-4B63-B180-08666377213A}" destId="{B5284699-9B8C-4EB1-9115-B09448B43637}" srcOrd="0" destOrd="0" presId="urn:microsoft.com/office/officeart/2008/layout/NameandTitleOrganizationalChart"/>
-    <dgm:cxn modelId="{842B219E-F62D-4863-ADBA-1AC33DB751FC}" srcId="{28E6F0B8-5606-4E29-B534-5FB925CCE30D}" destId="{0E847332-1086-44FC-A948-0B79940CD005}" srcOrd="1" destOrd="0" parTransId="{0A7D810A-E044-4B63-B180-08666377213A}" sibTransId="{8258D9B7-3D48-485F-A20B-E9D7E73DCBB9}"/>
-    <dgm:cxn modelId="{9481EFDC-0DFF-4BF4-A12D-A1484BB67689}" type="presOf" srcId="{0E847332-1086-44FC-A948-0B79940CD005}" destId="{C82FB286-EE2F-444F-B79A-0D45C69E12A0}" srcOrd="0" destOrd="0" presId="urn:microsoft.com/office/officeart/2008/layout/NameandTitleOrganizationalChart"/>
-    <dgm:cxn modelId="{635DEC1A-FD4A-4066-B030-791243AE39D0}" type="presOf" srcId="{BAAA0547-2B39-44F0-9BF6-186B7B9C6F6B}" destId="{09D85D4C-5017-416D-807E-1BE5413066F8}" srcOrd="0" destOrd="0" presId="urn:microsoft.com/office/officeart/2008/layout/NameandTitleOrganizationalChart"/>
     <dgm:cxn modelId="{84B062B5-1DFC-4D78-99BF-685063255C10}" type="presOf" srcId="{EA8AAEF4-DE44-4BA2-86B2-699494E5E358}" destId="{87689055-3068-4F40-9155-AA1074F61163}" srcOrd="0" destOrd="0" presId="urn:microsoft.com/office/officeart/2008/layout/NameandTitleOrganizationalChart"/>
-    <dgm:cxn modelId="{36782ACD-56CD-42A4-BE31-586F38A497C5}" type="presOf" srcId="{28E6F0B8-5606-4E29-B534-5FB925CCE30D}" destId="{BF52C6F9-F086-4C15-8A3A-9C4BC04389CD}" srcOrd="1" destOrd="0" presId="urn:microsoft.com/office/officeart/2008/layout/NameandTitleOrganizationalChart"/>
-    <dgm:cxn modelId="{205390E6-3036-4FFF-B5DD-6E2FE4AC8BC3}" type="presOf" srcId="{18830811-5FEC-4517-9313-F195CE0292B1}" destId="{84E6CF01-0915-425A-8A0B-C030E751BC63}" srcOrd="0" destOrd="0" presId="urn:microsoft.com/office/officeart/2008/layout/NameandTitleOrganizationalChart"/>
-    <dgm:cxn modelId="{F2C7C63D-5EDC-4CDD-9D75-C1C833FF6C17}" type="presOf" srcId="{06F31BDF-A2C6-430C-B0FF-859BA2805A87}" destId="{55595938-3EE0-412D-834F-85C5B02DB0A5}" srcOrd="0" destOrd="0" presId="urn:microsoft.com/office/officeart/2008/layout/NameandTitleOrganizationalChart"/>
-    <dgm:cxn modelId="{90C4651D-3379-4F8A-B014-5C317A4EF96E}" type="presOf" srcId="{0E847332-1086-44FC-A948-0B79940CD005}" destId="{C36D1678-7A5A-45DC-A8E0-0D4AB66AD4F3}" srcOrd="1" destOrd="0" presId="urn:microsoft.com/office/officeart/2008/layout/NameandTitleOrganizationalChart"/>
-    <dgm:cxn modelId="{39891148-10A1-42BB-A59A-378648BEDFF0}" srcId="{C6626210-EDF1-4D2C-8833-F4AABBD6E1DB}" destId="{28E6F0B8-5606-4E29-B534-5FB925CCE30D}" srcOrd="1" destOrd="0" parTransId="{11CB8B76-DCB4-45D0-86E6-5A42D54AAEF4}" sibTransId="{7F13DEF7-7ECD-4302-A151-46B5569E70EA}"/>
-    <dgm:cxn modelId="{94A61738-EA86-4770-A1DA-6913C0D55F76}" type="presOf" srcId="{28E6F0B8-5606-4E29-B534-5FB925CCE30D}" destId="{9B569091-8D86-41FE-B93C-38F7B5B69DFC}" srcOrd="0" destOrd="0" presId="urn:microsoft.com/office/officeart/2008/layout/NameandTitleOrganizationalChart"/>
-    <dgm:cxn modelId="{7669BFB4-6217-4A38-9BA2-96AFE5043D4E}" type="presOf" srcId="{11CB8B76-DCB4-45D0-86E6-5A42D54AAEF4}" destId="{93BD2DE6-25B6-4F4F-B97B-5CD255C38FCF}" srcOrd="0" destOrd="0" presId="urn:microsoft.com/office/officeart/2008/layout/NameandTitleOrganizationalChart"/>
-    <dgm:cxn modelId="{7B709663-D040-409A-887C-6CD2FF10CC98}" srcId="{EA8AAEF4-DE44-4BA2-86B2-699494E5E358}" destId="{C6626210-EDF1-4D2C-8833-F4AABBD6E1DB}" srcOrd="0" destOrd="0" parTransId="{3C468C6D-CEF7-43C6-B0D0-D6099986B4BF}" sibTransId="{06F31BDF-A2C6-430C-B0FF-859BA2805A87}"/>
-    <dgm:cxn modelId="{C2D9BF9A-9DDF-485D-83DD-D78654E55E8D}" type="presOf" srcId="{9892A53E-2CEB-4B5A-82AF-A1165EC2FF4C}" destId="{B032C6F9-0FF1-4A79-8874-FDA35F8B9CAF}" srcOrd="0" destOrd="0" presId="urn:microsoft.com/office/officeart/2008/layout/NameandTitleOrganizationalChart"/>
-    <dgm:cxn modelId="{7855F358-2346-4C94-8481-A047B179CC90}" srcId="{C6626210-EDF1-4D2C-8833-F4AABBD6E1DB}" destId="{BAAA0547-2B39-44F0-9BF6-186B7B9C6F6B}" srcOrd="0" destOrd="0" parTransId="{81740615-26ED-4070-8A30-CCB122686685}" sibTransId="{9892A53E-2CEB-4B5A-82AF-A1165EC2FF4C}"/>
-    <dgm:cxn modelId="{A4A64E0D-B87F-4DA8-A254-3BF547D34BE4}" type="presOf" srcId="{81740615-26ED-4070-8A30-CCB122686685}" destId="{59B338BB-B822-4BDD-A904-A0BEEC455DB2}" srcOrd="0" destOrd="0" presId="urn:microsoft.com/office/officeart/2008/layout/NameandTitleOrganizationalChart"/>
-    <dgm:cxn modelId="{3F707D5D-9ADF-4A3D-9B87-C5311EA8BA39}" type="presOf" srcId="{C6626210-EDF1-4D2C-8833-F4AABBD6E1DB}" destId="{25B9C48D-5038-4128-A7F0-C32EBEF0B530}" srcOrd="0" destOrd="0" presId="urn:microsoft.com/office/officeart/2008/layout/NameandTitleOrganizationalChart"/>
-    <dgm:cxn modelId="{A9F22DA9-ED60-4D7A-ABCE-0E1360171278}" type="presOf" srcId="{7F13DEF7-7ECD-4302-A151-46B5569E70EA}" destId="{941AE7BF-C43F-4250-9753-CD914A0CE5D9}" srcOrd="0" destOrd="0" presId="urn:microsoft.com/office/officeart/2008/layout/NameandTitleOrganizationalChart"/>
-    <dgm:cxn modelId="{60D6DF28-F9E3-4BD4-867E-4D5A16BE854D}" type="presOf" srcId="{F795F928-FC42-4D36-B95A-2189358912A1}" destId="{AB2D7DBC-445E-40EF-B80B-06647E493A1F}" srcOrd="1" destOrd="0" presId="urn:microsoft.com/office/officeart/2008/layout/NameandTitleOrganizationalChart"/>
-    <dgm:cxn modelId="{08718F60-6590-480E-86F3-4C29ABA8E01F}" type="presOf" srcId="{081F3A00-2ECA-43EC-9523-248E948F9AA3}" destId="{66E63E2B-5119-4C5A-8D80-791FBF02CCD3}" srcOrd="0" destOrd="0" presId="urn:microsoft.com/office/officeart/2008/layout/NameandTitleOrganizationalChart"/>
-    <dgm:cxn modelId="{B587E6BE-1356-4DA9-A39F-8DE13EC4FC8C}" type="presOf" srcId="{F795F928-FC42-4D36-B95A-2189358912A1}" destId="{5BECA3EF-535E-4E9A-8C99-221DAC0D06EC}" srcOrd="0" destOrd="0" presId="urn:microsoft.com/office/officeart/2008/layout/NameandTitleOrganizationalChart"/>
-    <dgm:cxn modelId="{50F9A25B-0E23-49FA-A48C-80C4BAA50525}" type="presOf" srcId="{160F6224-8F49-4A93-ACAC-8F02D93BB1A4}" destId="{439184CC-EF3D-4D42-AD69-B78645E5125F}" srcOrd="0" destOrd="0" presId="urn:microsoft.com/office/officeart/2008/layout/NameandTitleOrganizationalChart"/>
-    <dgm:cxn modelId="{72F54182-465D-4A76-AB79-F8C510C2F04C}" type="presOf" srcId="{9734A782-4DFC-4C58-AC07-B7D759D64D03}" destId="{D85A22FA-2BCC-4169-A3C8-BC1AA25D8404}" srcOrd="0" destOrd="0" presId="urn:microsoft.com/office/officeart/2008/layout/NameandTitleOrganizationalChart"/>
-    <dgm:cxn modelId="{792FAB06-BC18-413B-B0D8-CD21CA5EC08F}" type="presOf" srcId="{8258D9B7-3D48-485F-A20B-E9D7E73DCBB9}" destId="{5ED5DF8D-9402-40FD-ADA4-A20FCE148068}" srcOrd="0" destOrd="0" presId="urn:microsoft.com/office/officeart/2008/layout/NameandTitleOrganizationalChart"/>
-    <dgm:cxn modelId="{EA1A628F-DA74-4190-9791-2D7337A48C5D}" srcId="{BAAA0547-2B39-44F0-9BF6-186B7B9C6F6B}" destId="{160F6224-8F49-4A93-ACAC-8F02D93BB1A4}" srcOrd="0" destOrd="0" parTransId="{9734A782-4DFC-4C58-AC07-B7D759D64D03}" sibTransId="{081F3A00-2ECA-43EC-9523-248E948F9AA3}"/>
-    <dgm:cxn modelId="{BB14EE0A-97ED-4A86-BB9F-F58404292E77}" type="presOf" srcId="{160F6224-8F49-4A93-ACAC-8F02D93BB1A4}" destId="{A7ECF4E3-645D-4E1C-B834-632E89E6E879}" srcOrd="1" destOrd="0" presId="urn:microsoft.com/office/officeart/2008/layout/NameandTitleOrganizationalChart"/>
-    <dgm:cxn modelId="{D40C643A-89B1-431B-8C6A-D6B258A6A4E4}" type="presOf" srcId="{BAAA0547-2B39-44F0-9BF6-186B7B9C6F6B}" destId="{BBC1CD80-974A-468C-ADCA-03583AAB1B6E}" srcOrd="1" destOrd="0" presId="urn:microsoft.com/office/officeart/2008/layout/NameandTitleOrganizationalChart"/>
-    <dgm:cxn modelId="{0AB9A3BC-CEF5-4F26-8182-0BAA1BD7EBBE}" type="presOf" srcId="{C6626210-EDF1-4D2C-8833-F4AABBD6E1DB}" destId="{02F49B20-E4E2-4205-875D-AA0DEF760A2D}" srcOrd="1" destOrd="0" presId="urn:microsoft.com/office/officeart/2008/layout/NameandTitleOrganizationalChart"/>
     <dgm:cxn modelId="{3B5E3E34-8DAA-4988-9CC3-9C8E08505C96}" type="presParOf" srcId="{87689055-3068-4F40-9155-AA1074F61163}" destId="{4295AEE6-11A9-40BA-BF79-71A4EC4749E1}" srcOrd="0" destOrd="0" presId="urn:microsoft.com/office/officeart/2008/layout/NameandTitleOrganizationalChart"/>
     <dgm:cxn modelId="{258D0C68-F655-4433-BCEC-5B38C9B76466}" type="presParOf" srcId="{4295AEE6-11A9-40BA-BF79-71A4EC4749E1}" destId="{1449B146-A8BE-406F-8F07-8E4F1D5521F3}" srcOrd="0" destOrd="0" presId="urn:microsoft.com/office/officeart/2008/layout/NameandTitleOrganizationalChart"/>
     <dgm:cxn modelId="{0F4E7F3B-490F-4B9A-BE87-9A1ED04C8672}" type="presParOf" srcId="{1449B146-A8BE-406F-8F07-8E4F1D5521F3}" destId="{25B9C48D-5038-4128-A7F0-C32EBEF0B530}" srcOrd="0" destOrd="0" presId="urn:microsoft.com/office/officeart/2008/layout/NameandTitleOrganizationalChart"/>
@@ -4701,607 +4703,6 @@
       <dsp:cNvGrpSpPr/>
     </dsp:nvGrpSpPr>
     <dsp:grpSpPr/>
-    <dsp:sp modelId="{0A1D9A32-B69B-423A-ABEC-3956B5E6237D}">
-      <dsp:nvSpPr>
-        <dsp:cNvPr id="0" name=""/>
-        <dsp:cNvSpPr/>
-      </dsp:nvSpPr>
-      <dsp:spPr>
-        <a:xfrm rot="5400000">
-          <a:off x="417337" y="1612195"/>
-          <a:ext cx="1244154" cy="2070245"/>
-        </a:xfrm>
-        <a:prstGeom prst="corner">
-          <a:avLst>
-            <a:gd name="adj1" fmla="val 16120"/>
-            <a:gd name="adj2" fmla="val 16110"/>
-          </a:avLst>
-        </a:prstGeom>
-        <a:solidFill>
-          <a:schemeClr val="accent1">
-            <a:hueOff val="0"/>
-            <a:satOff val="0"/>
-            <a:lumOff val="0"/>
-            <a:alphaOff val="0"/>
-          </a:schemeClr>
-        </a:solidFill>
-        <a:ln w="19050" cap="rnd" cmpd="sng" algn="ctr">
-          <a:solidFill>
-            <a:schemeClr val="accent1">
-              <a:hueOff val="0"/>
-              <a:satOff val="0"/>
-              <a:lumOff val="0"/>
-              <a:alphaOff val="0"/>
-            </a:schemeClr>
-          </a:solidFill>
-          <a:prstDash val="solid"/>
-        </a:ln>
-        <a:effectLst/>
-      </dsp:spPr>
-      <dsp:style>
-        <a:lnRef idx="2">
-          <a:scrgbClr r="0" g="0" b="0"/>
-        </a:lnRef>
-        <a:fillRef idx="1">
-          <a:scrgbClr r="0" g="0" b="0"/>
-        </a:fillRef>
-        <a:effectRef idx="0">
-          <a:scrgbClr r="0" g="0" b="0"/>
-        </a:effectRef>
-        <a:fontRef idx="minor">
-          <a:schemeClr val="lt1"/>
-        </a:fontRef>
-      </dsp:style>
-    </dsp:sp>
-    <dsp:sp modelId="{50DF9324-B05F-4740-92BC-ADC2070B2E80}">
-      <dsp:nvSpPr>
-        <dsp:cNvPr id="0" name=""/>
-        <dsp:cNvSpPr/>
-      </dsp:nvSpPr>
-      <dsp:spPr>
-        <a:xfrm>
-          <a:off x="209656" y="2230753"/>
-          <a:ext cx="1869029" cy="1638313"/>
-        </a:xfrm>
-        <a:prstGeom prst="rect">
-          <a:avLst/>
-        </a:prstGeom>
-        <a:noFill/>
-        <a:ln>
-          <a:noFill/>
-        </a:ln>
-        <a:effectLst/>
-      </dsp:spPr>
-      <dsp:style>
-        <a:lnRef idx="0">
-          <a:scrgbClr r="0" g="0" b="0"/>
-        </a:lnRef>
-        <a:fillRef idx="0">
-          <a:scrgbClr r="0" g="0" b="0"/>
-        </a:fillRef>
-        <a:effectRef idx="0">
-          <a:scrgbClr r="0" g="0" b="0"/>
-        </a:effectRef>
-        <a:fontRef idx="minor"/>
-      </dsp:style>
-      <dsp:txBody>
-        <a:bodyPr spcFirstLastPara="0" vert="horz" wrap="square" lIns="95250" tIns="95250" rIns="95250" bIns="95250" numCol="1" spcCol="1270" anchor="t" anchorCtr="0">
-          <a:noAutofit/>
-        </a:bodyPr>
-        <a:lstStyle/>
-        <a:p>
-          <a:pPr lvl="0" algn="l" defTabSz="1111250">
-            <a:lnSpc>
-              <a:spcPct val="90000"/>
-            </a:lnSpc>
-            <a:spcBef>
-              <a:spcPct val="0"/>
-            </a:spcBef>
-            <a:spcAft>
-              <a:spcPct val="35000"/>
-            </a:spcAft>
-          </a:pPr>
-          <a:r>
-            <a:rPr lang="en-US" sz="2500" kern="1200" dirty="0" smtClean="0"/>
-            <a:t>Web Scraping</a:t>
-          </a:r>
-          <a:endParaRPr lang="en-US" sz="2500" kern="1200" dirty="0"/>
-        </a:p>
-      </dsp:txBody>
-      <dsp:txXfrm>
-        <a:off x="209656" y="2230753"/>
-        <a:ext cx="1869029" cy="1638313"/>
-      </dsp:txXfrm>
-    </dsp:sp>
-    <dsp:sp modelId="{658718AC-AA68-41C0-8E01-8AEF054FEFC4}">
-      <dsp:nvSpPr>
-        <dsp:cNvPr id="0" name=""/>
-        <dsp:cNvSpPr/>
-      </dsp:nvSpPr>
-      <dsp:spPr>
-        <a:xfrm>
-          <a:off x="1726039" y="1459781"/>
-          <a:ext cx="352647" cy="352647"/>
-        </a:xfrm>
-        <a:prstGeom prst="triangle">
-          <a:avLst>
-            <a:gd name="adj" fmla="val 100000"/>
-          </a:avLst>
-        </a:prstGeom>
-        <a:solidFill>
-          <a:schemeClr val="accent1">
-            <a:hueOff val="0"/>
-            <a:satOff val="0"/>
-            <a:lumOff val="0"/>
-            <a:alphaOff val="0"/>
-          </a:schemeClr>
-        </a:solidFill>
-        <a:ln w="19050" cap="rnd" cmpd="sng" algn="ctr">
-          <a:solidFill>
-            <a:schemeClr val="accent1">
-              <a:hueOff val="0"/>
-              <a:satOff val="0"/>
-              <a:lumOff val="0"/>
-              <a:alphaOff val="0"/>
-            </a:schemeClr>
-          </a:solidFill>
-          <a:prstDash val="solid"/>
-        </a:ln>
-        <a:effectLst/>
-      </dsp:spPr>
-      <dsp:style>
-        <a:lnRef idx="2">
-          <a:scrgbClr r="0" g="0" b="0"/>
-        </a:lnRef>
-        <a:fillRef idx="1">
-          <a:scrgbClr r="0" g="0" b="0"/>
-        </a:fillRef>
-        <a:effectRef idx="0">
-          <a:scrgbClr r="0" g="0" b="0"/>
-        </a:effectRef>
-        <a:fontRef idx="minor">
-          <a:schemeClr val="lt1"/>
-        </a:fontRef>
-      </dsp:style>
-    </dsp:sp>
-    <dsp:sp modelId="{1A36B47A-72B9-4350-91A0-76DB4EEF26D4}">
-      <dsp:nvSpPr>
-        <dsp:cNvPr id="0" name=""/>
-        <dsp:cNvSpPr/>
-      </dsp:nvSpPr>
-      <dsp:spPr>
-        <a:xfrm rot="5400000">
-          <a:off x="2705394" y="1046013"/>
-          <a:ext cx="1244154" cy="2070245"/>
-        </a:xfrm>
-        <a:prstGeom prst="corner">
-          <a:avLst>
-            <a:gd name="adj1" fmla="val 16120"/>
-            <a:gd name="adj2" fmla="val 16110"/>
-          </a:avLst>
-        </a:prstGeom>
-        <a:solidFill>
-          <a:schemeClr val="accent1">
-            <a:hueOff val="0"/>
-            <a:satOff val="0"/>
-            <a:lumOff val="0"/>
-            <a:alphaOff val="0"/>
-          </a:schemeClr>
-        </a:solidFill>
-        <a:ln w="19050" cap="rnd" cmpd="sng" algn="ctr">
-          <a:solidFill>
-            <a:schemeClr val="accent1">
-              <a:hueOff val="0"/>
-              <a:satOff val="0"/>
-              <a:lumOff val="0"/>
-              <a:alphaOff val="0"/>
-            </a:schemeClr>
-          </a:solidFill>
-          <a:prstDash val="solid"/>
-        </a:ln>
-        <a:effectLst/>
-      </dsp:spPr>
-      <dsp:style>
-        <a:lnRef idx="2">
-          <a:scrgbClr r="0" g="0" b="0"/>
-        </a:lnRef>
-        <a:fillRef idx="1">
-          <a:scrgbClr r="0" g="0" b="0"/>
-        </a:fillRef>
-        <a:effectRef idx="0">
-          <a:scrgbClr r="0" g="0" b="0"/>
-        </a:effectRef>
-        <a:fontRef idx="minor">
-          <a:schemeClr val="lt1"/>
-        </a:fontRef>
-      </dsp:style>
-    </dsp:sp>
-    <dsp:sp modelId="{DF4CEAF0-1775-42B5-84D7-03C43C8E726F}">
-      <dsp:nvSpPr>
-        <dsp:cNvPr id="0" name=""/>
-        <dsp:cNvSpPr/>
-      </dsp:nvSpPr>
-      <dsp:spPr>
-        <a:xfrm>
-          <a:off x="2497714" y="1664571"/>
-          <a:ext cx="1869029" cy="1638313"/>
-        </a:xfrm>
-        <a:prstGeom prst="rect">
-          <a:avLst/>
-        </a:prstGeom>
-        <a:noFill/>
-        <a:ln>
-          <a:noFill/>
-        </a:ln>
-        <a:effectLst/>
-      </dsp:spPr>
-      <dsp:style>
-        <a:lnRef idx="0">
-          <a:scrgbClr r="0" g="0" b="0"/>
-        </a:lnRef>
-        <a:fillRef idx="0">
-          <a:scrgbClr r="0" g="0" b="0"/>
-        </a:fillRef>
-        <a:effectRef idx="0">
-          <a:scrgbClr r="0" g="0" b="0"/>
-        </a:effectRef>
-        <a:fontRef idx="minor"/>
-      </dsp:style>
-      <dsp:txBody>
-        <a:bodyPr spcFirstLastPara="0" vert="horz" wrap="square" lIns="95250" tIns="95250" rIns="95250" bIns="95250" numCol="1" spcCol="1270" anchor="t" anchorCtr="0">
-          <a:noAutofit/>
-        </a:bodyPr>
-        <a:lstStyle/>
-        <a:p>
-          <a:pPr lvl="0" algn="l" defTabSz="1111250">
-            <a:lnSpc>
-              <a:spcPct val="90000"/>
-            </a:lnSpc>
-            <a:spcBef>
-              <a:spcPct val="0"/>
-            </a:spcBef>
-            <a:spcAft>
-              <a:spcPct val="35000"/>
-            </a:spcAft>
-          </a:pPr>
-          <a:r>
-            <a:rPr lang="en-US" sz="2500" kern="1200" dirty="0" smtClean="0"/>
-            <a:t>Data Mining</a:t>
-          </a:r>
-          <a:endParaRPr lang="en-US" sz="2500" kern="1200" dirty="0"/>
-        </a:p>
-      </dsp:txBody>
-      <dsp:txXfrm>
-        <a:off x="2497714" y="1664571"/>
-        <a:ext cx="1869029" cy="1638313"/>
-      </dsp:txXfrm>
-    </dsp:sp>
-    <dsp:sp modelId="{4FAD0D33-BC59-4195-A64E-123D812CE676}">
-      <dsp:nvSpPr>
-        <dsp:cNvPr id="0" name=""/>
-        <dsp:cNvSpPr/>
-      </dsp:nvSpPr>
-      <dsp:spPr>
-        <a:xfrm>
-          <a:off x="4014096" y="893599"/>
-          <a:ext cx="352647" cy="352647"/>
-        </a:xfrm>
-        <a:prstGeom prst="triangle">
-          <a:avLst>
-            <a:gd name="adj" fmla="val 100000"/>
-          </a:avLst>
-        </a:prstGeom>
-        <a:solidFill>
-          <a:schemeClr val="accent1">
-            <a:hueOff val="0"/>
-            <a:satOff val="0"/>
-            <a:lumOff val="0"/>
-            <a:alphaOff val="0"/>
-          </a:schemeClr>
-        </a:solidFill>
-        <a:ln w="19050" cap="rnd" cmpd="sng" algn="ctr">
-          <a:solidFill>
-            <a:schemeClr val="accent1">
-              <a:hueOff val="0"/>
-              <a:satOff val="0"/>
-              <a:lumOff val="0"/>
-              <a:alphaOff val="0"/>
-            </a:schemeClr>
-          </a:solidFill>
-          <a:prstDash val="solid"/>
-        </a:ln>
-        <a:effectLst/>
-      </dsp:spPr>
-      <dsp:style>
-        <a:lnRef idx="2">
-          <a:scrgbClr r="0" g="0" b="0"/>
-        </a:lnRef>
-        <a:fillRef idx="1">
-          <a:scrgbClr r="0" g="0" b="0"/>
-        </a:fillRef>
-        <a:effectRef idx="0">
-          <a:scrgbClr r="0" g="0" b="0"/>
-        </a:effectRef>
-        <a:fontRef idx="minor">
-          <a:schemeClr val="lt1"/>
-        </a:fontRef>
-      </dsp:style>
-    </dsp:sp>
-    <dsp:sp modelId="{5971BF2D-0E07-4047-A66B-28B0B819E7DC}">
-      <dsp:nvSpPr>
-        <dsp:cNvPr id="0" name=""/>
-        <dsp:cNvSpPr/>
-      </dsp:nvSpPr>
-      <dsp:spPr>
-        <a:xfrm rot="5400000">
-          <a:off x="4993451" y="479831"/>
-          <a:ext cx="1244154" cy="2070245"/>
-        </a:xfrm>
-        <a:prstGeom prst="corner">
-          <a:avLst>
-            <a:gd name="adj1" fmla="val 16120"/>
-            <a:gd name="adj2" fmla="val 16110"/>
-          </a:avLst>
-        </a:prstGeom>
-        <a:solidFill>
-          <a:schemeClr val="accent1">
-            <a:hueOff val="0"/>
-            <a:satOff val="0"/>
-            <a:lumOff val="0"/>
-            <a:alphaOff val="0"/>
-          </a:schemeClr>
-        </a:solidFill>
-        <a:ln w="19050" cap="rnd" cmpd="sng" algn="ctr">
-          <a:solidFill>
-            <a:schemeClr val="accent1">
-              <a:hueOff val="0"/>
-              <a:satOff val="0"/>
-              <a:lumOff val="0"/>
-              <a:alphaOff val="0"/>
-            </a:schemeClr>
-          </a:solidFill>
-          <a:prstDash val="solid"/>
-        </a:ln>
-        <a:effectLst/>
-      </dsp:spPr>
-      <dsp:style>
-        <a:lnRef idx="2">
-          <a:scrgbClr r="0" g="0" b="0"/>
-        </a:lnRef>
-        <a:fillRef idx="1">
-          <a:scrgbClr r="0" g="0" b="0"/>
-        </a:fillRef>
-        <a:effectRef idx="0">
-          <a:scrgbClr r="0" g="0" b="0"/>
-        </a:effectRef>
-        <a:fontRef idx="minor">
-          <a:schemeClr val="lt1"/>
-        </a:fontRef>
-      </dsp:style>
-    </dsp:sp>
-    <dsp:sp modelId="{48B5B226-F6CF-414C-B392-83D1E73B36F6}">
-      <dsp:nvSpPr>
-        <dsp:cNvPr id="0" name=""/>
-        <dsp:cNvSpPr/>
-      </dsp:nvSpPr>
-      <dsp:spPr>
-        <a:xfrm>
-          <a:off x="4785771" y="1098389"/>
-          <a:ext cx="1869029" cy="1638313"/>
-        </a:xfrm>
-        <a:prstGeom prst="rect">
-          <a:avLst/>
-        </a:prstGeom>
-        <a:noFill/>
-        <a:ln>
-          <a:noFill/>
-        </a:ln>
-        <a:effectLst/>
-      </dsp:spPr>
-      <dsp:style>
-        <a:lnRef idx="0">
-          <a:scrgbClr r="0" g="0" b="0"/>
-        </a:lnRef>
-        <a:fillRef idx="0">
-          <a:scrgbClr r="0" g="0" b="0"/>
-        </a:fillRef>
-        <a:effectRef idx="0">
-          <a:scrgbClr r="0" g="0" b="0"/>
-        </a:effectRef>
-        <a:fontRef idx="minor"/>
-      </dsp:style>
-      <dsp:txBody>
-        <a:bodyPr spcFirstLastPara="0" vert="horz" wrap="square" lIns="95250" tIns="95250" rIns="95250" bIns="95250" numCol="1" spcCol="1270" anchor="t" anchorCtr="0">
-          <a:noAutofit/>
-        </a:bodyPr>
-        <a:lstStyle/>
-        <a:p>
-          <a:pPr lvl="0" algn="l" defTabSz="1111250">
-            <a:lnSpc>
-              <a:spcPct val="90000"/>
-            </a:lnSpc>
-            <a:spcBef>
-              <a:spcPct val="0"/>
-            </a:spcBef>
-            <a:spcAft>
-              <a:spcPct val="35000"/>
-            </a:spcAft>
-          </a:pPr>
-          <a:r>
-            <a:rPr lang="en-US" sz="2500" kern="1200" dirty="0" smtClean="0"/>
-            <a:t>Choosing a Model</a:t>
-          </a:r>
-          <a:endParaRPr lang="en-US" sz="2500" kern="1200" dirty="0"/>
-        </a:p>
-      </dsp:txBody>
-      <dsp:txXfrm>
-        <a:off x="4785771" y="1098389"/>
-        <a:ext cx="1869029" cy="1638313"/>
-      </dsp:txXfrm>
-    </dsp:sp>
-    <dsp:sp modelId="{24A59108-EE20-4D9C-85F8-D522615EEA07}">
-      <dsp:nvSpPr>
-        <dsp:cNvPr id="0" name=""/>
-        <dsp:cNvSpPr/>
-      </dsp:nvSpPr>
-      <dsp:spPr>
-        <a:xfrm>
-          <a:off x="6302153" y="327417"/>
-          <a:ext cx="352647" cy="352647"/>
-        </a:xfrm>
-        <a:prstGeom prst="triangle">
-          <a:avLst>
-            <a:gd name="adj" fmla="val 100000"/>
-          </a:avLst>
-        </a:prstGeom>
-        <a:solidFill>
-          <a:schemeClr val="accent1">
-            <a:hueOff val="0"/>
-            <a:satOff val="0"/>
-            <a:lumOff val="0"/>
-            <a:alphaOff val="0"/>
-          </a:schemeClr>
-        </a:solidFill>
-        <a:ln w="19050" cap="rnd" cmpd="sng" algn="ctr">
-          <a:solidFill>
-            <a:schemeClr val="accent1">
-              <a:hueOff val="0"/>
-              <a:satOff val="0"/>
-              <a:lumOff val="0"/>
-              <a:alphaOff val="0"/>
-            </a:schemeClr>
-          </a:solidFill>
-          <a:prstDash val="solid"/>
-        </a:ln>
-        <a:effectLst/>
-      </dsp:spPr>
-      <dsp:style>
-        <a:lnRef idx="2">
-          <a:scrgbClr r="0" g="0" b="0"/>
-        </a:lnRef>
-        <a:fillRef idx="1">
-          <a:scrgbClr r="0" g="0" b="0"/>
-        </a:fillRef>
-        <a:effectRef idx="0">
-          <a:scrgbClr r="0" g="0" b="0"/>
-        </a:effectRef>
-        <a:fontRef idx="minor">
-          <a:schemeClr val="lt1"/>
-        </a:fontRef>
-      </dsp:style>
-    </dsp:sp>
-    <dsp:sp modelId="{6C3A8A82-DF5D-4231-8E92-DF24AD5E02B5}">
-      <dsp:nvSpPr>
-        <dsp:cNvPr id="0" name=""/>
-        <dsp:cNvSpPr/>
-      </dsp:nvSpPr>
-      <dsp:spPr>
-        <a:xfrm rot="5400000">
-          <a:off x="7281508" y="-86350"/>
-          <a:ext cx="1244154" cy="2070245"/>
-        </a:xfrm>
-        <a:prstGeom prst="corner">
-          <a:avLst>
-            <a:gd name="adj1" fmla="val 16120"/>
-            <a:gd name="adj2" fmla="val 16110"/>
-          </a:avLst>
-        </a:prstGeom>
-        <a:solidFill>
-          <a:schemeClr val="accent1">
-            <a:hueOff val="0"/>
-            <a:satOff val="0"/>
-            <a:lumOff val="0"/>
-            <a:alphaOff val="0"/>
-          </a:schemeClr>
-        </a:solidFill>
-        <a:ln w="19050" cap="rnd" cmpd="sng" algn="ctr">
-          <a:solidFill>
-            <a:schemeClr val="accent1">
-              <a:hueOff val="0"/>
-              <a:satOff val="0"/>
-              <a:lumOff val="0"/>
-              <a:alphaOff val="0"/>
-            </a:schemeClr>
-          </a:solidFill>
-          <a:prstDash val="solid"/>
-        </a:ln>
-        <a:effectLst/>
-      </dsp:spPr>
-      <dsp:style>
-        <a:lnRef idx="2">
-          <a:scrgbClr r="0" g="0" b="0"/>
-        </a:lnRef>
-        <a:fillRef idx="1">
-          <a:scrgbClr r="0" g="0" b="0"/>
-        </a:fillRef>
-        <a:effectRef idx="0">
-          <a:scrgbClr r="0" g="0" b="0"/>
-        </a:effectRef>
-        <a:fontRef idx="minor">
-          <a:schemeClr val="lt1"/>
-        </a:fontRef>
-      </dsp:style>
-    </dsp:sp>
-    <dsp:sp modelId="{4A5FD8DD-4A8B-47CE-A868-B314B709632A}">
-      <dsp:nvSpPr>
-        <dsp:cNvPr id="0" name=""/>
-        <dsp:cNvSpPr/>
-      </dsp:nvSpPr>
-      <dsp:spPr>
-        <a:xfrm>
-          <a:off x="7073828" y="532207"/>
-          <a:ext cx="1869029" cy="1638313"/>
-        </a:xfrm>
-        <a:prstGeom prst="rect">
-          <a:avLst/>
-        </a:prstGeom>
-        <a:noFill/>
-        <a:ln>
-          <a:noFill/>
-        </a:ln>
-        <a:effectLst/>
-      </dsp:spPr>
-      <dsp:style>
-        <a:lnRef idx="0">
-          <a:scrgbClr r="0" g="0" b="0"/>
-        </a:lnRef>
-        <a:fillRef idx="0">
-          <a:scrgbClr r="0" g="0" b="0"/>
-        </a:fillRef>
-        <a:effectRef idx="0">
-          <a:scrgbClr r="0" g="0" b="0"/>
-        </a:effectRef>
-        <a:fontRef idx="minor"/>
-      </dsp:style>
-      <dsp:txBody>
-        <a:bodyPr spcFirstLastPara="0" vert="horz" wrap="square" lIns="95250" tIns="95250" rIns="95250" bIns="95250" numCol="1" spcCol="1270" anchor="t" anchorCtr="0">
-          <a:noAutofit/>
-        </a:bodyPr>
-        <a:lstStyle/>
-        <a:p>
-          <a:pPr lvl="0" algn="l" defTabSz="1111250">
-            <a:lnSpc>
-              <a:spcPct val="90000"/>
-            </a:lnSpc>
-            <a:spcBef>
-              <a:spcPct val="0"/>
-            </a:spcBef>
-            <a:spcAft>
-              <a:spcPct val="35000"/>
-            </a:spcAft>
-          </a:pPr>
-          <a:r>
-            <a:rPr lang="en-US" sz="2500" kern="1200" dirty="0" smtClean="0"/>
-            <a:t>Model Evaluation</a:t>
-          </a:r>
-          <a:endParaRPr lang="en-US" sz="2500" kern="1200" dirty="0"/>
-        </a:p>
-      </dsp:txBody>
-      <dsp:txXfrm>
-        <a:off x="7073828" y="532207"/>
-        <a:ext cx="1869029" cy="1638313"/>
-      </dsp:txXfrm>
-    </dsp:sp>
   </dsp:spTree>
 </dsp:drawing>
 </file>
@@ -5314,1318 +4715,6 @@
       <dsp:cNvGrpSpPr/>
     </dsp:nvGrpSpPr>
     <dsp:grpSpPr/>
-    <dsp:sp modelId="{A0A4AD83-3F95-454E-8EFD-7A4D58A5823E}">
-      <dsp:nvSpPr>
-        <dsp:cNvPr id="0" name=""/>
-        <dsp:cNvSpPr/>
-      </dsp:nvSpPr>
-      <dsp:spPr>
-        <a:xfrm>
-          <a:off x="6403022" y="1930449"/>
-          <a:ext cx="167431" cy="733509"/>
-        </a:xfrm>
-        <a:custGeom>
-          <a:avLst/>
-          <a:gdLst/>
-          <a:ahLst/>
-          <a:cxnLst/>
-          <a:rect l="0" t="0" r="0" b="0"/>
-          <a:pathLst>
-            <a:path>
-              <a:moveTo>
-                <a:pt x="0" y="0"/>
-              </a:moveTo>
-              <a:lnTo>
-                <a:pt x="0" y="733509"/>
-              </a:lnTo>
-              <a:lnTo>
-                <a:pt x="167431" y="733509"/>
-              </a:lnTo>
-            </a:path>
-          </a:pathLst>
-        </a:custGeom>
-        <a:noFill/>
-        <a:ln w="19050" cap="rnd" cmpd="sng" algn="ctr">
-          <a:solidFill>
-            <a:schemeClr val="accent1">
-              <a:shade val="80000"/>
-              <a:hueOff val="0"/>
-              <a:satOff val="0"/>
-              <a:lumOff val="0"/>
-              <a:alphaOff val="0"/>
-            </a:schemeClr>
-          </a:solidFill>
-          <a:prstDash val="solid"/>
-        </a:ln>
-        <a:effectLst/>
-      </dsp:spPr>
-      <dsp:style>
-        <a:lnRef idx="2">
-          <a:scrgbClr r="0" g="0" b="0"/>
-        </a:lnRef>
-        <a:fillRef idx="0">
-          <a:scrgbClr r="0" g="0" b="0"/>
-        </a:fillRef>
-        <a:effectRef idx="0">
-          <a:scrgbClr r="0" g="0" b="0"/>
-        </a:effectRef>
-        <a:fontRef idx="minor"/>
-      </dsp:style>
-    </dsp:sp>
-    <dsp:sp modelId="{6D0CEE98-950C-46E0-BE9D-752CCF940233}">
-      <dsp:nvSpPr>
-        <dsp:cNvPr id="0" name=""/>
-        <dsp:cNvSpPr/>
-      </dsp:nvSpPr>
-      <dsp:spPr>
-        <a:xfrm>
-          <a:off x="6235591" y="1930449"/>
-          <a:ext cx="167431" cy="733509"/>
-        </a:xfrm>
-        <a:custGeom>
-          <a:avLst/>
-          <a:gdLst/>
-          <a:ahLst/>
-          <a:cxnLst/>
-          <a:rect l="0" t="0" r="0" b="0"/>
-          <a:pathLst>
-            <a:path>
-              <a:moveTo>
-                <a:pt x="167431" y="0"/>
-              </a:moveTo>
-              <a:lnTo>
-                <a:pt x="167431" y="733509"/>
-              </a:lnTo>
-              <a:lnTo>
-                <a:pt x="0" y="733509"/>
-              </a:lnTo>
-            </a:path>
-          </a:pathLst>
-        </a:custGeom>
-        <a:noFill/>
-        <a:ln w="19050" cap="rnd" cmpd="sng" algn="ctr">
-          <a:solidFill>
-            <a:schemeClr val="accent1">
-              <a:shade val="80000"/>
-              <a:hueOff val="0"/>
-              <a:satOff val="0"/>
-              <a:lumOff val="0"/>
-              <a:alphaOff val="0"/>
-            </a:schemeClr>
-          </a:solidFill>
-          <a:prstDash val="solid"/>
-        </a:ln>
-        <a:effectLst/>
-      </dsp:spPr>
-      <dsp:style>
-        <a:lnRef idx="2">
-          <a:scrgbClr r="0" g="0" b="0"/>
-        </a:lnRef>
-        <a:fillRef idx="0">
-          <a:scrgbClr r="0" g="0" b="0"/>
-        </a:fillRef>
-        <a:effectRef idx="0">
-          <a:scrgbClr r="0" g="0" b="0"/>
-        </a:effectRef>
-        <a:fontRef idx="minor"/>
-      </dsp:style>
-    </dsp:sp>
-    <dsp:sp modelId="{D1E6D966-301E-475F-8C52-AE0046E288DF}">
-      <dsp:nvSpPr>
-        <dsp:cNvPr id="0" name=""/>
-        <dsp:cNvSpPr/>
-      </dsp:nvSpPr>
-      <dsp:spPr>
-        <a:xfrm>
-          <a:off x="4473574" y="798294"/>
-          <a:ext cx="1132155" cy="733509"/>
-        </a:xfrm>
-        <a:custGeom>
-          <a:avLst/>
-          <a:gdLst/>
-          <a:ahLst/>
-          <a:cxnLst/>
-          <a:rect l="0" t="0" r="0" b="0"/>
-          <a:pathLst>
-            <a:path>
-              <a:moveTo>
-                <a:pt x="0" y="0"/>
-              </a:moveTo>
-              <a:lnTo>
-                <a:pt x="0" y="733509"/>
-              </a:lnTo>
-              <a:lnTo>
-                <a:pt x="1132155" y="733509"/>
-              </a:lnTo>
-            </a:path>
-          </a:pathLst>
-        </a:custGeom>
-        <a:noFill/>
-        <a:ln w="19050" cap="rnd" cmpd="sng" algn="ctr">
-          <a:solidFill>
-            <a:schemeClr val="accent1">
-              <a:shade val="60000"/>
-              <a:hueOff val="0"/>
-              <a:satOff val="0"/>
-              <a:lumOff val="0"/>
-              <a:alphaOff val="0"/>
-            </a:schemeClr>
-          </a:solidFill>
-          <a:prstDash val="solid"/>
-        </a:ln>
-        <a:effectLst/>
-      </dsp:spPr>
-      <dsp:style>
-        <a:lnRef idx="2">
-          <a:scrgbClr r="0" g="0" b="0"/>
-        </a:lnRef>
-        <a:fillRef idx="0">
-          <a:scrgbClr r="0" g="0" b="0"/>
-        </a:fillRef>
-        <a:effectRef idx="0">
-          <a:scrgbClr r="0" g="0" b="0"/>
-        </a:effectRef>
-        <a:fontRef idx="minor"/>
-      </dsp:style>
-    </dsp:sp>
-    <dsp:sp modelId="{412F66D9-3CE8-4F81-BD2F-0DDF5AE8BE15}">
-      <dsp:nvSpPr>
-        <dsp:cNvPr id="0" name=""/>
-        <dsp:cNvSpPr/>
-      </dsp:nvSpPr>
-      <dsp:spPr>
-        <a:xfrm>
-          <a:off x="3341419" y="1930449"/>
-          <a:ext cx="167431" cy="733509"/>
-        </a:xfrm>
-        <a:custGeom>
-          <a:avLst/>
-          <a:gdLst/>
-          <a:ahLst/>
-          <a:cxnLst/>
-          <a:rect l="0" t="0" r="0" b="0"/>
-          <a:pathLst>
-            <a:path>
-              <a:moveTo>
-                <a:pt x="167431" y="0"/>
-              </a:moveTo>
-              <a:lnTo>
-                <a:pt x="167431" y="733509"/>
-              </a:lnTo>
-              <a:lnTo>
-                <a:pt x="0" y="733509"/>
-              </a:lnTo>
-            </a:path>
-          </a:pathLst>
-        </a:custGeom>
-        <a:noFill/>
-        <a:ln w="19050" cap="rnd" cmpd="sng" algn="ctr">
-          <a:solidFill>
-            <a:schemeClr val="accent1">
-              <a:shade val="80000"/>
-              <a:hueOff val="0"/>
-              <a:satOff val="0"/>
-              <a:lumOff val="0"/>
-              <a:alphaOff val="0"/>
-            </a:schemeClr>
-          </a:solidFill>
-          <a:prstDash val="solid"/>
-        </a:ln>
-        <a:effectLst/>
-      </dsp:spPr>
-      <dsp:style>
-        <a:lnRef idx="2">
-          <a:scrgbClr r="0" g="0" b="0"/>
-        </a:lnRef>
-        <a:fillRef idx="0">
-          <a:scrgbClr r="0" g="0" b="0"/>
-        </a:fillRef>
-        <a:effectRef idx="0">
-          <a:scrgbClr r="0" g="0" b="0"/>
-        </a:effectRef>
-        <a:fontRef idx="minor"/>
-      </dsp:style>
-    </dsp:sp>
-    <dsp:sp modelId="{D7F994C2-7F69-42D9-8049-51A90081921F}">
-      <dsp:nvSpPr>
-        <dsp:cNvPr id="0" name=""/>
-        <dsp:cNvSpPr/>
-      </dsp:nvSpPr>
-      <dsp:spPr>
-        <a:xfrm>
-          <a:off x="4306143" y="798294"/>
-          <a:ext cx="167431" cy="733509"/>
-        </a:xfrm>
-        <a:custGeom>
-          <a:avLst/>
-          <a:gdLst/>
-          <a:ahLst/>
-          <a:cxnLst/>
-          <a:rect l="0" t="0" r="0" b="0"/>
-          <a:pathLst>
-            <a:path>
-              <a:moveTo>
-                <a:pt x="167431" y="0"/>
-              </a:moveTo>
-              <a:lnTo>
-                <a:pt x="167431" y="733509"/>
-              </a:lnTo>
-              <a:lnTo>
-                <a:pt x="0" y="733509"/>
-              </a:lnTo>
-            </a:path>
-          </a:pathLst>
-        </a:custGeom>
-        <a:noFill/>
-        <a:ln w="19050" cap="rnd" cmpd="sng" algn="ctr">
-          <a:solidFill>
-            <a:schemeClr val="accent1">
-              <a:shade val="60000"/>
-              <a:hueOff val="0"/>
-              <a:satOff val="0"/>
-              <a:lumOff val="0"/>
-              <a:alphaOff val="0"/>
-            </a:schemeClr>
-          </a:solidFill>
-          <a:prstDash val="solid"/>
-        </a:ln>
-        <a:effectLst/>
-      </dsp:spPr>
-      <dsp:style>
-        <a:lnRef idx="2">
-          <a:scrgbClr r="0" g="0" b="0"/>
-        </a:lnRef>
-        <a:fillRef idx="0">
-          <a:scrgbClr r="0" g="0" b="0"/>
-        </a:fillRef>
-        <a:effectRef idx="0">
-          <a:scrgbClr r="0" g="0" b="0"/>
-        </a:effectRef>
-        <a:fontRef idx="minor"/>
-      </dsp:style>
-    </dsp:sp>
-    <dsp:sp modelId="{6D2E717F-881B-46C7-934A-56F90CC9DB1F}">
-      <dsp:nvSpPr>
-        <dsp:cNvPr id="0" name=""/>
-        <dsp:cNvSpPr/>
-      </dsp:nvSpPr>
-      <dsp:spPr>
-        <a:xfrm>
-          <a:off x="4473574" y="798294"/>
-          <a:ext cx="2894171" cy="2599173"/>
-        </a:xfrm>
-        <a:custGeom>
-          <a:avLst/>
-          <a:gdLst/>
-          <a:ahLst/>
-          <a:cxnLst/>
-          <a:rect l="0" t="0" r="0" b="0"/>
-          <a:pathLst>
-            <a:path>
-              <a:moveTo>
-                <a:pt x="0" y="0"/>
-              </a:moveTo>
-              <a:lnTo>
-                <a:pt x="0" y="2431741"/>
-              </a:lnTo>
-              <a:lnTo>
-                <a:pt x="2894171" y="2431741"/>
-              </a:lnTo>
-              <a:lnTo>
-                <a:pt x="2894171" y="2599173"/>
-              </a:lnTo>
-            </a:path>
-          </a:pathLst>
-        </a:custGeom>
-        <a:noFill/>
-        <a:ln w="19050" cap="rnd" cmpd="sng" algn="ctr">
-          <a:solidFill>
-            <a:schemeClr val="accent1">
-              <a:shade val="60000"/>
-              <a:hueOff val="0"/>
-              <a:satOff val="0"/>
-              <a:lumOff val="0"/>
-              <a:alphaOff val="0"/>
-            </a:schemeClr>
-          </a:solidFill>
-          <a:prstDash val="solid"/>
-        </a:ln>
-        <a:effectLst/>
-      </dsp:spPr>
-      <dsp:style>
-        <a:lnRef idx="2">
-          <a:scrgbClr r="0" g="0" b="0"/>
-        </a:lnRef>
-        <a:fillRef idx="0">
-          <a:scrgbClr r="0" g="0" b="0"/>
-        </a:fillRef>
-        <a:effectRef idx="0">
-          <a:scrgbClr r="0" g="0" b="0"/>
-        </a:effectRef>
-        <a:fontRef idx="minor"/>
-      </dsp:style>
-    </dsp:sp>
-    <dsp:sp modelId="{81FD1D1E-74F9-4760-B490-6CF016DDA012}">
-      <dsp:nvSpPr>
-        <dsp:cNvPr id="0" name=""/>
-        <dsp:cNvSpPr/>
-      </dsp:nvSpPr>
-      <dsp:spPr>
-        <a:xfrm>
-          <a:off x="4473574" y="798294"/>
-          <a:ext cx="964723" cy="2599173"/>
-        </a:xfrm>
-        <a:custGeom>
-          <a:avLst/>
-          <a:gdLst/>
-          <a:ahLst/>
-          <a:cxnLst/>
-          <a:rect l="0" t="0" r="0" b="0"/>
-          <a:pathLst>
-            <a:path>
-              <a:moveTo>
-                <a:pt x="0" y="0"/>
-              </a:moveTo>
-              <a:lnTo>
-                <a:pt x="0" y="2431741"/>
-              </a:lnTo>
-              <a:lnTo>
-                <a:pt x="964723" y="2431741"/>
-              </a:lnTo>
-              <a:lnTo>
-                <a:pt x="964723" y="2599173"/>
-              </a:lnTo>
-            </a:path>
-          </a:pathLst>
-        </a:custGeom>
-        <a:noFill/>
-        <a:ln w="19050" cap="rnd" cmpd="sng" algn="ctr">
-          <a:solidFill>
-            <a:schemeClr val="accent1">
-              <a:shade val="60000"/>
-              <a:hueOff val="0"/>
-              <a:satOff val="0"/>
-              <a:lumOff val="0"/>
-              <a:alphaOff val="0"/>
-            </a:schemeClr>
-          </a:solidFill>
-          <a:prstDash val="solid"/>
-        </a:ln>
-        <a:effectLst/>
-      </dsp:spPr>
-      <dsp:style>
-        <a:lnRef idx="2">
-          <a:scrgbClr r="0" g="0" b="0"/>
-        </a:lnRef>
-        <a:fillRef idx="0">
-          <a:scrgbClr r="0" g="0" b="0"/>
-        </a:fillRef>
-        <a:effectRef idx="0">
-          <a:scrgbClr r="0" g="0" b="0"/>
-        </a:effectRef>
-        <a:fontRef idx="minor"/>
-      </dsp:style>
-    </dsp:sp>
-    <dsp:sp modelId="{99E35ADB-0E65-434B-A111-5F36B125A0AC}">
-      <dsp:nvSpPr>
-        <dsp:cNvPr id="0" name=""/>
-        <dsp:cNvSpPr/>
-      </dsp:nvSpPr>
-      <dsp:spPr>
-        <a:xfrm>
-          <a:off x="3508851" y="798294"/>
-          <a:ext cx="964723" cy="2599173"/>
-        </a:xfrm>
-        <a:custGeom>
-          <a:avLst/>
-          <a:gdLst/>
-          <a:ahLst/>
-          <a:cxnLst/>
-          <a:rect l="0" t="0" r="0" b="0"/>
-          <a:pathLst>
-            <a:path>
-              <a:moveTo>
-                <a:pt x="964723" y="0"/>
-              </a:moveTo>
-              <a:lnTo>
-                <a:pt x="964723" y="2431741"/>
-              </a:lnTo>
-              <a:lnTo>
-                <a:pt x="0" y="2431741"/>
-              </a:lnTo>
-              <a:lnTo>
-                <a:pt x="0" y="2599173"/>
-              </a:lnTo>
-            </a:path>
-          </a:pathLst>
-        </a:custGeom>
-        <a:noFill/>
-        <a:ln w="19050" cap="rnd" cmpd="sng" algn="ctr">
-          <a:solidFill>
-            <a:schemeClr val="accent1">
-              <a:shade val="60000"/>
-              <a:hueOff val="0"/>
-              <a:satOff val="0"/>
-              <a:lumOff val="0"/>
-              <a:alphaOff val="0"/>
-            </a:schemeClr>
-          </a:solidFill>
-          <a:prstDash val="solid"/>
-        </a:ln>
-        <a:effectLst/>
-      </dsp:spPr>
-      <dsp:style>
-        <a:lnRef idx="2">
-          <a:scrgbClr r="0" g="0" b="0"/>
-        </a:lnRef>
-        <a:fillRef idx="0">
-          <a:scrgbClr r="0" g="0" b="0"/>
-        </a:fillRef>
-        <a:effectRef idx="0">
-          <a:scrgbClr r="0" g="0" b="0"/>
-        </a:effectRef>
-        <a:fontRef idx="minor"/>
-      </dsp:style>
-    </dsp:sp>
-    <dsp:sp modelId="{8908DE9D-ABD1-469B-A59D-C2912D296CB9}">
-      <dsp:nvSpPr>
-        <dsp:cNvPr id="0" name=""/>
-        <dsp:cNvSpPr/>
-      </dsp:nvSpPr>
-      <dsp:spPr>
-        <a:xfrm>
-          <a:off x="1579403" y="798294"/>
-          <a:ext cx="2894171" cy="2599173"/>
-        </a:xfrm>
-        <a:custGeom>
-          <a:avLst/>
-          <a:gdLst/>
-          <a:ahLst/>
-          <a:cxnLst/>
-          <a:rect l="0" t="0" r="0" b="0"/>
-          <a:pathLst>
-            <a:path>
-              <a:moveTo>
-                <a:pt x="2894171" y="0"/>
-              </a:moveTo>
-              <a:lnTo>
-                <a:pt x="2894171" y="2431741"/>
-              </a:lnTo>
-              <a:lnTo>
-                <a:pt x="0" y="2431741"/>
-              </a:lnTo>
-              <a:lnTo>
-                <a:pt x="0" y="2599173"/>
-              </a:lnTo>
-            </a:path>
-          </a:pathLst>
-        </a:custGeom>
-        <a:noFill/>
-        <a:ln w="19050" cap="rnd" cmpd="sng" algn="ctr">
-          <a:solidFill>
-            <a:schemeClr val="accent1">
-              <a:shade val="60000"/>
-              <a:hueOff val="0"/>
-              <a:satOff val="0"/>
-              <a:lumOff val="0"/>
-              <a:alphaOff val="0"/>
-            </a:schemeClr>
-          </a:solidFill>
-          <a:prstDash val="solid"/>
-        </a:ln>
-        <a:effectLst/>
-      </dsp:spPr>
-      <dsp:style>
-        <a:lnRef idx="2">
-          <a:scrgbClr r="0" g="0" b="0"/>
-        </a:lnRef>
-        <a:fillRef idx="0">
-          <a:scrgbClr r="0" g="0" b="0"/>
-        </a:fillRef>
-        <a:effectRef idx="0">
-          <a:scrgbClr r="0" g="0" b="0"/>
-        </a:effectRef>
-        <a:fontRef idx="minor"/>
-      </dsp:style>
-    </dsp:sp>
-    <dsp:sp modelId="{43FF3914-308D-4F90-BA4A-17E953742314}">
-      <dsp:nvSpPr>
-        <dsp:cNvPr id="0" name=""/>
-        <dsp:cNvSpPr/>
-      </dsp:nvSpPr>
-      <dsp:spPr>
-        <a:xfrm>
-          <a:off x="3676282" y="1001"/>
-          <a:ext cx="1594584" cy="797292"/>
-        </a:xfrm>
-        <a:prstGeom prst="rect">
-          <a:avLst/>
-        </a:prstGeom>
-        <a:solidFill>
-          <a:schemeClr val="accent1">
-            <a:hueOff val="0"/>
-            <a:satOff val="0"/>
-            <a:lumOff val="0"/>
-            <a:alphaOff val="0"/>
-          </a:schemeClr>
-        </a:solidFill>
-        <a:ln w="19050" cap="rnd" cmpd="sng" algn="ctr">
-          <a:solidFill>
-            <a:schemeClr val="lt1">
-              <a:hueOff val="0"/>
-              <a:satOff val="0"/>
-              <a:lumOff val="0"/>
-              <a:alphaOff val="0"/>
-            </a:schemeClr>
-          </a:solidFill>
-          <a:prstDash val="solid"/>
-        </a:ln>
-        <a:effectLst/>
-      </dsp:spPr>
-      <dsp:style>
-        <a:lnRef idx="2">
-          <a:scrgbClr r="0" g="0" b="0"/>
-        </a:lnRef>
-        <a:fillRef idx="1">
-          <a:scrgbClr r="0" g="0" b="0"/>
-        </a:fillRef>
-        <a:effectRef idx="0">
-          <a:scrgbClr r="0" g="0" b="0"/>
-        </a:effectRef>
-        <a:fontRef idx="minor">
-          <a:schemeClr val="lt1"/>
-        </a:fontRef>
-      </dsp:style>
-      <dsp:txBody>
-        <a:bodyPr spcFirstLastPara="0" vert="horz" wrap="square" lIns="8255" tIns="8255" rIns="8255" bIns="8255" numCol="1" spcCol="1270" anchor="ctr" anchorCtr="0">
-          <a:noAutofit/>
-        </a:bodyPr>
-        <a:lstStyle/>
-        <a:p>
-          <a:pPr lvl="0" algn="ctr" defTabSz="577850">
-            <a:lnSpc>
-              <a:spcPct val="90000"/>
-            </a:lnSpc>
-            <a:spcBef>
-              <a:spcPct val="0"/>
-            </a:spcBef>
-            <a:spcAft>
-              <a:spcPct val="35000"/>
-            </a:spcAft>
-          </a:pPr>
-          <a:r>
-            <a:rPr lang="en-US" sz="1300" kern="1200" dirty="0" smtClean="0"/>
-            <a:t>Nick’s Workshops</a:t>
-          </a:r>
-          <a:endParaRPr lang="en-US" sz="1300" kern="1200" dirty="0"/>
-        </a:p>
-      </dsp:txBody>
-      <dsp:txXfrm>
-        <a:off x="3676282" y="1001"/>
-        <a:ext cx="1594584" cy="797292"/>
-      </dsp:txXfrm>
-    </dsp:sp>
-    <dsp:sp modelId="{857903D6-923A-4009-B9D7-652F80152976}">
-      <dsp:nvSpPr>
-        <dsp:cNvPr id="0" name=""/>
-        <dsp:cNvSpPr/>
-      </dsp:nvSpPr>
-      <dsp:spPr>
-        <a:xfrm>
-          <a:off x="782111" y="3397467"/>
-          <a:ext cx="1594584" cy="797292"/>
-        </a:xfrm>
-        <a:prstGeom prst="rect">
-          <a:avLst/>
-        </a:prstGeom>
-        <a:solidFill>
-          <a:schemeClr val="accent1">
-            <a:hueOff val="0"/>
-            <a:satOff val="0"/>
-            <a:lumOff val="0"/>
-            <a:alphaOff val="0"/>
-          </a:schemeClr>
-        </a:solidFill>
-        <a:ln w="19050" cap="rnd" cmpd="sng" algn="ctr">
-          <a:solidFill>
-            <a:schemeClr val="lt1">
-              <a:hueOff val="0"/>
-              <a:satOff val="0"/>
-              <a:lumOff val="0"/>
-              <a:alphaOff val="0"/>
-            </a:schemeClr>
-          </a:solidFill>
-          <a:prstDash val="solid"/>
-        </a:ln>
-        <a:effectLst/>
-      </dsp:spPr>
-      <dsp:style>
-        <a:lnRef idx="2">
-          <a:scrgbClr r="0" g="0" b="0"/>
-        </a:lnRef>
-        <a:fillRef idx="1">
-          <a:scrgbClr r="0" g="0" b="0"/>
-        </a:fillRef>
-        <a:effectRef idx="0">
-          <a:scrgbClr r="0" g="0" b="0"/>
-        </a:effectRef>
-        <a:fontRef idx="minor">
-          <a:schemeClr val="lt1"/>
-        </a:fontRef>
-      </dsp:style>
-      <dsp:txBody>
-        <a:bodyPr spcFirstLastPara="0" vert="horz" wrap="square" lIns="8255" tIns="8255" rIns="8255" bIns="8255" numCol="1" spcCol="1270" anchor="ctr" anchorCtr="0">
-          <a:noAutofit/>
-        </a:bodyPr>
-        <a:lstStyle/>
-        <a:p>
-          <a:pPr lvl="0" algn="ctr" defTabSz="577850">
-            <a:lnSpc>
-              <a:spcPct val="90000"/>
-            </a:lnSpc>
-            <a:spcBef>
-              <a:spcPct val="0"/>
-            </a:spcBef>
-            <a:spcAft>
-              <a:spcPct val="35000"/>
-            </a:spcAft>
-          </a:pPr>
-          <a:r>
-            <a:rPr lang="en-US" sz="1300" kern="1200" dirty="0" smtClean="0"/>
-            <a:t>1 Web Scraping with BeautifulSoup.pptx</a:t>
-          </a:r>
-          <a:endParaRPr lang="en-US" sz="1300" kern="1200" dirty="0"/>
-        </a:p>
-      </dsp:txBody>
-      <dsp:txXfrm>
-        <a:off x="782111" y="3397467"/>
-        <a:ext cx="1594584" cy="797292"/>
-      </dsp:txXfrm>
-    </dsp:sp>
-    <dsp:sp modelId="{BA727F91-8384-4C2B-8A88-CE67BB9DEDB4}">
-      <dsp:nvSpPr>
-        <dsp:cNvPr id="0" name=""/>
-        <dsp:cNvSpPr/>
-      </dsp:nvSpPr>
-      <dsp:spPr>
-        <a:xfrm>
-          <a:off x="2711558" y="3397467"/>
-          <a:ext cx="1594584" cy="797292"/>
-        </a:xfrm>
-        <a:prstGeom prst="rect">
-          <a:avLst/>
-        </a:prstGeom>
-        <a:solidFill>
-          <a:schemeClr val="accent1">
-            <a:hueOff val="0"/>
-            <a:satOff val="0"/>
-            <a:lumOff val="0"/>
-            <a:alphaOff val="0"/>
-          </a:schemeClr>
-        </a:solidFill>
-        <a:ln w="19050" cap="rnd" cmpd="sng" algn="ctr">
-          <a:solidFill>
-            <a:schemeClr val="lt1">
-              <a:hueOff val="0"/>
-              <a:satOff val="0"/>
-              <a:lumOff val="0"/>
-              <a:alphaOff val="0"/>
-            </a:schemeClr>
-          </a:solidFill>
-          <a:prstDash val="solid"/>
-        </a:ln>
-        <a:effectLst/>
-      </dsp:spPr>
-      <dsp:style>
-        <a:lnRef idx="2">
-          <a:scrgbClr r="0" g="0" b="0"/>
-        </a:lnRef>
-        <a:fillRef idx="1">
-          <a:scrgbClr r="0" g="0" b="0"/>
-        </a:fillRef>
-        <a:effectRef idx="0">
-          <a:scrgbClr r="0" g="0" b="0"/>
-        </a:effectRef>
-        <a:fontRef idx="minor">
-          <a:schemeClr val="lt1"/>
-        </a:fontRef>
-      </dsp:style>
-      <dsp:txBody>
-        <a:bodyPr spcFirstLastPara="0" vert="horz" wrap="square" lIns="8255" tIns="8255" rIns="8255" bIns="8255" numCol="1" spcCol="1270" anchor="ctr" anchorCtr="0">
-          <a:noAutofit/>
-        </a:bodyPr>
-        <a:lstStyle/>
-        <a:p>
-          <a:pPr lvl="0" algn="ctr" defTabSz="577850">
-            <a:lnSpc>
-              <a:spcPct val="90000"/>
-            </a:lnSpc>
-            <a:spcBef>
-              <a:spcPct val="0"/>
-            </a:spcBef>
-            <a:spcAft>
-              <a:spcPct val="35000"/>
-            </a:spcAft>
-          </a:pPr>
-          <a:r>
-            <a:rPr lang="en-US" sz="1300" kern="1200" smtClean="0"/>
-            <a:t>2 Mining and Feature Engineering.pptx</a:t>
-          </a:r>
-          <a:endParaRPr lang="en-US" sz="1300" kern="1200" dirty="0" smtClean="0"/>
-        </a:p>
-      </dsp:txBody>
-      <dsp:txXfrm>
-        <a:off x="2711558" y="3397467"/>
-        <a:ext cx="1594584" cy="797292"/>
-      </dsp:txXfrm>
-    </dsp:sp>
-    <dsp:sp modelId="{264AA752-9F96-4898-86CD-18D0F403C648}">
-      <dsp:nvSpPr>
-        <dsp:cNvPr id="0" name=""/>
-        <dsp:cNvSpPr/>
-      </dsp:nvSpPr>
-      <dsp:spPr>
-        <a:xfrm>
-          <a:off x="4641006" y="3397467"/>
-          <a:ext cx="1594584" cy="797292"/>
-        </a:xfrm>
-        <a:prstGeom prst="rect">
-          <a:avLst/>
-        </a:prstGeom>
-        <a:solidFill>
-          <a:schemeClr val="accent1">
-            <a:hueOff val="0"/>
-            <a:satOff val="0"/>
-            <a:lumOff val="0"/>
-            <a:alphaOff val="0"/>
-          </a:schemeClr>
-        </a:solidFill>
-        <a:ln w="19050" cap="rnd" cmpd="sng" algn="ctr">
-          <a:solidFill>
-            <a:schemeClr val="lt1">
-              <a:hueOff val="0"/>
-              <a:satOff val="0"/>
-              <a:lumOff val="0"/>
-              <a:alphaOff val="0"/>
-            </a:schemeClr>
-          </a:solidFill>
-          <a:prstDash val="solid"/>
-        </a:ln>
-        <a:effectLst/>
-      </dsp:spPr>
-      <dsp:style>
-        <a:lnRef idx="2">
-          <a:scrgbClr r="0" g="0" b="0"/>
-        </a:lnRef>
-        <a:fillRef idx="1">
-          <a:scrgbClr r="0" g="0" b="0"/>
-        </a:fillRef>
-        <a:effectRef idx="0">
-          <a:scrgbClr r="0" g="0" b="0"/>
-        </a:effectRef>
-        <a:fontRef idx="minor">
-          <a:schemeClr val="lt1"/>
-        </a:fontRef>
-      </dsp:style>
-      <dsp:txBody>
-        <a:bodyPr spcFirstLastPara="0" vert="horz" wrap="square" lIns="8255" tIns="8255" rIns="8255" bIns="8255" numCol="1" spcCol="1270" anchor="ctr" anchorCtr="0">
-          <a:noAutofit/>
-        </a:bodyPr>
-        <a:lstStyle/>
-        <a:p>
-          <a:pPr lvl="0" algn="ctr" defTabSz="577850">
-            <a:lnSpc>
-              <a:spcPct val="90000"/>
-            </a:lnSpc>
-            <a:spcBef>
-              <a:spcPct val="0"/>
-            </a:spcBef>
-            <a:spcAft>
-              <a:spcPct val="35000"/>
-            </a:spcAft>
-          </a:pPr>
-          <a:r>
-            <a:rPr lang="en-US" sz="1300" kern="1200" smtClean="0"/>
-            <a:t>3 Choosing a Model.pptx</a:t>
-          </a:r>
-          <a:endParaRPr lang="en-US" sz="1300" kern="1200" dirty="0" smtClean="0"/>
-        </a:p>
-      </dsp:txBody>
-      <dsp:txXfrm>
-        <a:off x="4641006" y="3397467"/>
-        <a:ext cx="1594584" cy="797292"/>
-      </dsp:txXfrm>
-    </dsp:sp>
-    <dsp:sp modelId="{8321E97F-F96A-4C3D-B1A7-5A0B36A1C082}">
-      <dsp:nvSpPr>
-        <dsp:cNvPr id="0" name=""/>
-        <dsp:cNvSpPr/>
-      </dsp:nvSpPr>
-      <dsp:spPr>
-        <a:xfrm>
-          <a:off x="6570454" y="3397467"/>
-          <a:ext cx="1594584" cy="797292"/>
-        </a:xfrm>
-        <a:prstGeom prst="rect">
-          <a:avLst/>
-        </a:prstGeom>
-        <a:solidFill>
-          <a:schemeClr val="accent1">
-            <a:hueOff val="0"/>
-            <a:satOff val="0"/>
-            <a:lumOff val="0"/>
-            <a:alphaOff val="0"/>
-          </a:schemeClr>
-        </a:solidFill>
-        <a:ln w="19050" cap="rnd" cmpd="sng" algn="ctr">
-          <a:solidFill>
-            <a:schemeClr val="lt1">
-              <a:hueOff val="0"/>
-              <a:satOff val="0"/>
-              <a:lumOff val="0"/>
-              <a:alphaOff val="0"/>
-            </a:schemeClr>
-          </a:solidFill>
-          <a:prstDash val="solid"/>
-        </a:ln>
-        <a:effectLst/>
-      </dsp:spPr>
-      <dsp:style>
-        <a:lnRef idx="2">
-          <a:scrgbClr r="0" g="0" b="0"/>
-        </a:lnRef>
-        <a:fillRef idx="1">
-          <a:scrgbClr r="0" g="0" b="0"/>
-        </a:fillRef>
-        <a:effectRef idx="0">
-          <a:scrgbClr r="0" g="0" b="0"/>
-        </a:effectRef>
-        <a:fontRef idx="minor">
-          <a:schemeClr val="lt1"/>
-        </a:fontRef>
-      </dsp:style>
-      <dsp:txBody>
-        <a:bodyPr spcFirstLastPara="0" vert="horz" wrap="square" lIns="8255" tIns="8255" rIns="8255" bIns="8255" numCol="1" spcCol="1270" anchor="ctr" anchorCtr="0">
-          <a:noAutofit/>
-        </a:bodyPr>
-        <a:lstStyle/>
-        <a:p>
-          <a:pPr lvl="0" algn="ctr" defTabSz="577850">
-            <a:lnSpc>
-              <a:spcPct val="90000"/>
-            </a:lnSpc>
-            <a:spcBef>
-              <a:spcPct val="0"/>
-            </a:spcBef>
-            <a:spcAft>
-              <a:spcPct val="35000"/>
-            </a:spcAft>
-          </a:pPr>
-          <a:r>
-            <a:rPr lang="en-US" sz="1300" kern="1200" smtClean="0"/>
-            <a:t>4 Model Evaluation.pptx</a:t>
-          </a:r>
-          <a:endParaRPr lang="en-US" sz="1300" kern="1200" dirty="0" smtClean="0"/>
-        </a:p>
-      </dsp:txBody>
-      <dsp:txXfrm>
-        <a:off x="6570454" y="3397467"/>
-        <a:ext cx="1594584" cy="797292"/>
-      </dsp:txXfrm>
-    </dsp:sp>
-    <dsp:sp modelId="{2F8105D8-F8C8-461A-9AEB-CF07AB4A31CF}">
-      <dsp:nvSpPr>
-        <dsp:cNvPr id="0" name=""/>
-        <dsp:cNvSpPr/>
-      </dsp:nvSpPr>
-      <dsp:spPr>
-        <a:xfrm>
-          <a:off x="2711558" y="1133157"/>
-          <a:ext cx="1594584" cy="797292"/>
-        </a:xfrm>
-        <a:prstGeom prst="rect">
-          <a:avLst/>
-        </a:prstGeom>
-        <a:solidFill>
-          <a:schemeClr val="accent1">
-            <a:hueOff val="0"/>
-            <a:satOff val="0"/>
-            <a:lumOff val="0"/>
-            <a:alphaOff val="0"/>
-          </a:schemeClr>
-        </a:solidFill>
-        <a:ln w="19050" cap="rnd" cmpd="sng" algn="ctr">
-          <a:solidFill>
-            <a:schemeClr val="lt1">
-              <a:hueOff val="0"/>
-              <a:satOff val="0"/>
-              <a:lumOff val="0"/>
-              <a:alphaOff val="0"/>
-            </a:schemeClr>
-          </a:solidFill>
-          <a:prstDash val="solid"/>
-        </a:ln>
-        <a:effectLst/>
-      </dsp:spPr>
-      <dsp:style>
-        <a:lnRef idx="2">
-          <a:scrgbClr r="0" g="0" b="0"/>
-        </a:lnRef>
-        <a:fillRef idx="1">
-          <a:scrgbClr r="0" g="0" b="0"/>
-        </a:fillRef>
-        <a:effectRef idx="0">
-          <a:scrgbClr r="0" g="0" b="0"/>
-        </a:effectRef>
-        <a:fontRef idx="minor">
-          <a:schemeClr val="lt1"/>
-        </a:fontRef>
-      </dsp:style>
-      <dsp:txBody>
-        <a:bodyPr spcFirstLastPara="0" vert="horz" wrap="square" lIns="8255" tIns="8255" rIns="8255" bIns="8255" numCol="1" spcCol="1270" anchor="ctr" anchorCtr="0">
-          <a:noAutofit/>
-        </a:bodyPr>
-        <a:lstStyle/>
-        <a:p>
-          <a:pPr lvl="0" algn="ctr" defTabSz="577850">
-            <a:lnSpc>
-              <a:spcPct val="90000"/>
-            </a:lnSpc>
-            <a:spcBef>
-              <a:spcPct val="0"/>
-            </a:spcBef>
-            <a:spcAft>
-              <a:spcPct val="35000"/>
-            </a:spcAft>
-          </a:pPr>
-          <a:r>
-            <a:rPr lang="en-US" sz="1300" kern="1200" dirty="0" smtClean="0"/>
-            <a:t>/data</a:t>
-          </a:r>
-          <a:endParaRPr lang="en-US" sz="1300" kern="1200" dirty="0"/>
-        </a:p>
-      </dsp:txBody>
-      <dsp:txXfrm>
-        <a:off x="2711558" y="1133157"/>
-        <a:ext cx="1594584" cy="797292"/>
-      </dsp:txXfrm>
-    </dsp:sp>
-    <dsp:sp modelId="{75D86200-1305-4C21-ABF6-53C1C9812393}">
-      <dsp:nvSpPr>
-        <dsp:cNvPr id="0" name=""/>
-        <dsp:cNvSpPr/>
-      </dsp:nvSpPr>
-      <dsp:spPr>
-        <a:xfrm>
-          <a:off x="1746834" y="2265312"/>
-          <a:ext cx="1594584" cy="797292"/>
-        </a:xfrm>
-        <a:prstGeom prst="rect">
-          <a:avLst/>
-        </a:prstGeom>
-        <a:solidFill>
-          <a:schemeClr val="accent1">
-            <a:hueOff val="0"/>
-            <a:satOff val="0"/>
-            <a:lumOff val="0"/>
-            <a:alphaOff val="0"/>
-          </a:schemeClr>
-        </a:solidFill>
-        <a:ln w="19050" cap="rnd" cmpd="sng" algn="ctr">
-          <a:solidFill>
-            <a:schemeClr val="lt1">
-              <a:hueOff val="0"/>
-              <a:satOff val="0"/>
-              <a:lumOff val="0"/>
-              <a:alphaOff val="0"/>
-            </a:schemeClr>
-          </a:solidFill>
-          <a:prstDash val="solid"/>
-        </a:ln>
-        <a:effectLst/>
-      </dsp:spPr>
-      <dsp:style>
-        <a:lnRef idx="2">
-          <a:scrgbClr r="0" g="0" b="0"/>
-        </a:lnRef>
-        <a:fillRef idx="1">
-          <a:scrgbClr r="0" g="0" b="0"/>
-        </a:fillRef>
-        <a:effectRef idx="0">
-          <a:scrgbClr r="0" g="0" b="0"/>
-        </a:effectRef>
-        <a:fontRef idx="minor">
-          <a:schemeClr val="lt1"/>
-        </a:fontRef>
-      </dsp:style>
-      <dsp:txBody>
-        <a:bodyPr spcFirstLastPara="0" vert="horz" wrap="square" lIns="8255" tIns="8255" rIns="8255" bIns="8255" numCol="1" spcCol="1270" anchor="ctr" anchorCtr="0">
-          <a:noAutofit/>
-        </a:bodyPr>
-        <a:lstStyle/>
-        <a:p>
-          <a:pPr lvl="0" algn="ctr" defTabSz="577850">
-            <a:lnSpc>
-              <a:spcPct val="90000"/>
-            </a:lnSpc>
-            <a:spcBef>
-              <a:spcPct val="0"/>
-            </a:spcBef>
-            <a:spcAft>
-              <a:spcPct val="35000"/>
-            </a:spcAft>
-          </a:pPr>
-          <a:r>
-            <a:rPr lang="en-US" sz="1300" kern="1200" dirty="0" err="1" smtClean="0"/>
-            <a:t>cbb</a:t>
-          </a:r>
-          <a:r>
-            <a:rPr lang="en-US" sz="1300" kern="1200" dirty="0" smtClean="0"/>
-            <a:t>-scores…</a:t>
-          </a:r>
-          <a:endParaRPr lang="en-US" sz="1300" kern="1200" dirty="0"/>
-        </a:p>
-      </dsp:txBody>
-      <dsp:txXfrm>
-        <a:off x="1746834" y="2265312"/>
-        <a:ext cx="1594584" cy="797292"/>
-      </dsp:txXfrm>
-    </dsp:sp>
-    <dsp:sp modelId="{80CB30EF-2042-4DAB-B81E-BFC2D3BCB688}">
-      <dsp:nvSpPr>
-        <dsp:cNvPr id="0" name=""/>
-        <dsp:cNvSpPr/>
-      </dsp:nvSpPr>
-      <dsp:spPr>
-        <a:xfrm>
-          <a:off x="5605730" y="1133157"/>
-          <a:ext cx="1594584" cy="797292"/>
-        </a:xfrm>
-        <a:prstGeom prst="rect">
-          <a:avLst/>
-        </a:prstGeom>
-        <a:solidFill>
-          <a:schemeClr val="accent1">
-            <a:hueOff val="0"/>
-            <a:satOff val="0"/>
-            <a:lumOff val="0"/>
-            <a:alphaOff val="0"/>
-          </a:schemeClr>
-        </a:solidFill>
-        <a:ln w="19050" cap="rnd" cmpd="sng" algn="ctr">
-          <a:solidFill>
-            <a:schemeClr val="lt1">
-              <a:hueOff val="0"/>
-              <a:satOff val="0"/>
-              <a:lumOff val="0"/>
-              <a:alphaOff val="0"/>
-            </a:schemeClr>
-          </a:solidFill>
-          <a:prstDash val="solid"/>
-        </a:ln>
-        <a:effectLst/>
-      </dsp:spPr>
-      <dsp:style>
-        <a:lnRef idx="2">
-          <a:scrgbClr r="0" g="0" b="0"/>
-        </a:lnRef>
-        <a:fillRef idx="1">
-          <a:scrgbClr r="0" g="0" b="0"/>
-        </a:fillRef>
-        <a:effectRef idx="0">
-          <a:scrgbClr r="0" g="0" b="0"/>
-        </a:effectRef>
-        <a:fontRef idx="minor">
-          <a:schemeClr val="lt1"/>
-        </a:fontRef>
-      </dsp:style>
-      <dsp:txBody>
-        <a:bodyPr spcFirstLastPara="0" vert="horz" wrap="square" lIns="8255" tIns="8255" rIns="8255" bIns="8255" numCol="1" spcCol="1270" anchor="ctr" anchorCtr="0">
-          <a:noAutofit/>
-        </a:bodyPr>
-        <a:lstStyle/>
-        <a:p>
-          <a:pPr lvl="0" algn="ctr" defTabSz="577850">
-            <a:lnSpc>
-              <a:spcPct val="90000"/>
-            </a:lnSpc>
-            <a:spcBef>
-              <a:spcPct val="0"/>
-            </a:spcBef>
-            <a:spcAft>
-              <a:spcPct val="35000"/>
-            </a:spcAft>
-          </a:pPr>
-          <a:r>
-            <a:rPr lang="en-US" sz="1300" kern="1200" dirty="0" smtClean="0"/>
-            <a:t>/</a:t>
-          </a:r>
-          <a:r>
-            <a:rPr lang="en-US" sz="1300" kern="1200" dirty="0" err="1" smtClean="0"/>
-            <a:t>src</a:t>
-          </a:r>
-          <a:endParaRPr lang="en-US" sz="1300" kern="1200" dirty="0"/>
-        </a:p>
-      </dsp:txBody>
-      <dsp:txXfrm>
-        <a:off x="5605730" y="1133157"/>
-        <a:ext cx="1594584" cy="797292"/>
-      </dsp:txXfrm>
-    </dsp:sp>
-    <dsp:sp modelId="{AD15BC69-FE60-4521-99BF-85708947F5AA}">
-      <dsp:nvSpPr>
-        <dsp:cNvPr id="0" name=""/>
-        <dsp:cNvSpPr/>
-      </dsp:nvSpPr>
-      <dsp:spPr>
-        <a:xfrm>
-          <a:off x="4641006" y="2265312"/>
-          <a:ext cx="1594584" cy="797292"/>
-        </a:xfrm>
-        <a:prstGeom prst="rect">
-          <a:avLst/>
-        </a:prstGeom>
-        <a:solidFill>
-          <a:schemeClr val="accent1">
-            <a:hueOff val="0"/>
-            <a:satOff val="0"/>
-            <a:lumOff val="0"/>
-            <a:alphaOff val="0"/>
-          </a:schemeClr>
-        </a:solidFill>
-        <a:ln w="19050" cap="rnd" cmpd="sng" algn="ctr">
-          <a:solidFill>
-            <a:schemeClr val="lt1">
-              <a:hueOff val="0"/>
-              <a:satOff val="0"/>
-              <a:lumOff val="0"/>
-              <a:alphaOff val="0"/>
-            </a:schemeClr>
-          </a:solidFill>
-          <a:prstDash val="solid"/>
-        </a:ln>
-        <a:effectLst/>
-      </dsp:spPr>
-      <dsp:style>
-        <a:lnRef idx="2">
-          <a:scrgbClr r="0" g="0" b="0"/>
-        </a:lnRef>
-        <a:fillRef idx="1">
-          <a:scrgbClr r="0" g="0" b="0"/>
-        </a:fillRef>
-        <a:effectRef idx="0">
-          <a:scrgbClr r="0" g="0" b="0"/>
-        </a:effectRef>
-        <a:fontRef idx="minor">
-          <a:schemeClr val="lt1"/>
-        </a:fontRef>
-      </dsp:style>
-      <dsp:txBody>
-        <a:bodyPr spcFirstLastPara="0" vert="horz" wrap="square" lIns="8255" tIns="8255" rIns="8255" bIns="8255" numCol="1" spcCol="1270" anchor="ctr" anchorCtr="0">
-          <a:noAutofit/>
-        </a:bodyPr>
-        <a:lstStyle/>
-        <a:p>
-          <a:pPr lvl="0" algn="ctr" defTabSz="577850">
-            <a:lnSpc>
-              <a:spcPct val="90000"/>
-            </a:lnSpc>
-            <a:spcBef>
-              <a:spcPct val="0"/>
-            </a:spcBef>
-            <a:spcAft>
-              <a:spcPct val="35000"/>
-            </a:spcAft>
-          </a:pPr>
-          <a:r>
-            <a:rPr lang="en-US" sz="1300" kern="1200" dirty="0" smtClean="0"/>
-            <a:t>Scraper.py</a:t>
-          </a:r>
-          <a:endParaRPr lang="en-US" sz="1300" kern="1200" dirty="0"/>
-        </a:p>
-      </dsp:txBody>
-      <dsp:txXfrm>
-        <a:off x="4641006" y="2265312"/>
-        <a:ext cx="1594584" cy="797292"/>
-      </dsp:txXfrm>
-    </dsp:sp>
-    <dsp:sp modelId="{71712256-5060-4300-83A6-B00847658845}">
-      <dsp:nvSpPr>
-        <dsp:cNvPr id="0" name=""/>
-        <dsp:cNvSpPr/>
-      </dsp:nvSpPr>
-      <dsp:spPr>
-        <a:xfrm>
-          <a:off x="6570454" y="2265312"/>
-          <a:ext cx="1594584" cy="797292"/>
-        </a:xfrm>
-        <a:prstGeom prst="rect">
-          <a:avLst/>
-        </a:prstGeom>
-        <a:solidFill>
-          <a:schemeClr val="accent1">
-            <a:hueOff val="0"/>
-            <a:satOff val="0"/>
-            <a:lumOff val="0"/>
-            <a:alphaOff val="0"/>
-          </a:schemeClr>
-        </a:solidFill>
-        <a:ln w="19050" cap="rnd" cmpd="sng" algn="ctr">
-          <a:solidFill>
-            <a:schemeClr val="lt1">
-              <a:hueOff val="0"/>
-              <a:satOff val="0"/>
-              <a:lumOff val="0"/>
-              <a:alphaOff val="0"/>
-            </a:schemeClr>
-          </a:solidFill>
-          <a:prstDash val="solid"/>
-        </a:ln>
-        <a:effectLst/>
-      </dsp:spPr>
-      <dsp:style>
-        <a:lnRef idx="2">
-          <a:scrgbClr r="0" g="0" b="0"/>
-        </a:lnRef>
-        <a:fillRef idx="1">
-          <a:scrgbClr r="0" g="0" b="0"/>
-        </a:fillRef>
-        <a:effectRef idx="0">
-          <a:scrgbClr r="0" g="0" b="0"/>
-        </a:effectRef>
-        <a:fontRef idx="minor">
-          <a:schemeClr val="lt1"/>
-        </a:fontRef>
-      </dsp:style>
-      <dsp:txBody>
-        <a:bodyPr spcFirstLastPara="0" vert="horz" wrap="square" lIns="8255" tIns="8255" rIns="8255" bIns="8255" numCol="1" spcCol="1270" anchor="ctr" anchorCtr="0">
-          <a:noAutofit/>
-        </a:bodyPr>
-        <a:lstStyle/>
-        <a:p>
-          <a:pPr lvl="0" algn="ctr" defTabSz="577850">
-            <a:lnSpc>
-              <a:spcPct val="90000"/>
-            </a:lnSpc>
-            <a:spcBef>
-              <a:spcPct val="0"/>
-            </a:spcBef>
-            <a:spcAft>
-              <a:spcPct val="35000"/>
-            </a:spcAft>
-          </a:pPr>
-          <a:r>
-            <a:rPr lang="en-US" sz="1300" kern="1200" dirty="0" smtClean="0"/>
-            <a:t>web-scraping…</a:t>
-          </a:r>
-          <a:endParaRPr lang="en-US" sz="1300" kern="1200" dirty="0"/>
-        </a:p>
-      </dsp:txBody>
-      <dsp:txXfrm>
-        <a:off x="6570454" y="2265312"/>
-        <a:ext cx="1594584" cy="797292"/>
-      </dsp:txXfrm>
-    </dsp:sp>
   </dsp:spTree>
 </dsp:drawing>
 </file>
@@ -13607,7 +11696,7 @@
           <a:p>
             <a:fld id="{46CFC84F-3F87-4488-8EE9-5F46004A67D9}" type="datetimeFigureOut">
               <a:rPr lang="en-US" smtClean="0"/>
-              <a:t>2/4/2017</a:t>
+              <a:t>2/5/2017</a:t>
             </a:fld>
             <a:endParaRPr lang="en-US"/>
           </a:p>
@@ -13925,7 +12014,11 @@
             </a:r>
             <a:r>
               <a:rPr lang="en-US" baseline="0" dirty="0" smtClean="0"/>
-              <a:t> these links for easy access during presentation:</a:t>
+              <a:t> these links for easy access during presentation</a:t>
+            </a:r>
+            <a:r>
+              <a:rPr lang="en-US" baseline="0" dirty="0" smtClean="0"/>
+              <a:t>:</a:t>
             </a:r>
           </a:p>
           <a:p>
@@ -16014,7 +14107,7 @@
           <a:p>
             <a:fld id="{4AAD347D-5ACD-4C99-B74B-A9C85AD731AF}" type="datetimeFigureOut">
               <a:rPr lang="en-US" dirty="0"/>
-              <a:t>2/4/2017</a:t>
+              <a:t>2/5/2017</a:t>
             </a:fld>
             <a:endParaRPr lang="en-US" dirty="0"/>
           </a:p>
@@ -16284,7 +14377,7 @@
           <a:p>
             <a:fld id="{4509A250-FF31-4206-8172-F9D3106AACB1}" type="datetimeFigureOut">
               <a:rPr lang="en-US" dirty="0"/>
-              <a:t>2/4/2017</a:t>
+              <a:t>2/5/2017</a:t>
             </a:fld>
             <a:endParaRPr lang="en-US" dirty="0"/>
           </a:p>
@@ -16473,7 +14566,7 @@
           <a:p>
             <a:fld id="{4509A250-FF31-4206-8172-F9D3106AACB1}" type="datetimeFigureOut">
               <a:rPr lang="en-US" dirty="0"/>
-              <a:t>2/4/2017</a:t>
+              <a:t>2/5/2017</a:t>
             </a:fld>
             <a:endParaRPr lang="en-US" dirty="0"/>
           </a:p>
@@ -16741,7 +14834,7 @@
           <a:p>
             <a:fld id="{4509A250-FF31-4206-8172-F9D3106AACB1}" type="datetimeFigureOut">
               <a:rPr lang="en-US" dirty="0"/>
-              <a:t>2/4/2017</a:t>
+              <a:t>2/5/2017</a:t>
             </a:fld>
             <a:endParaRPr lang="en-US" dirty="0"/>
           </a:p>
@@ -17077,7 +15170,7 @@
           <a:p>
             <a:fld id="{4509A250-FF31-4206-8172-F9D3106AACB1}" type="datetimeFigureOut">
               <a:rPr lang="en-US" dirty="0"/>
-              <a:t>2/4/2017</a:t>
+              <a:t>2/5/2017</a:t>
             </a:fld>
             <a:endParaRPr lang="en-US" dirty="0"/>
           </a:p>
@@ -17695,7 +15788,7 @@
           <a:p>
             <a:fld id="{4509A250-FF31-4206-8172-F9D3106AACB1}" type="datetimeFigureOut">
               <a:rPr lang="en-US" dirty="0"/>
-              <a:t>2/4/2017</a:t>
+              <a:t>2/5/2017</a:t>
             </a:fld>
             <a:endParaRPr lang="en-US" dirty="0"/>
           </a:p>
@@ -18550,7 +16643,7 @@
           <a:p>
             <a:fld id="{4509A250-FF31-4206-8172-F9D3106AACB1}" type="datetimeFigureOut">
               <a:rPr lang="en-US" dirty="0"/>
-              <a:t>2/4/2017</a:t>
+              <a:t>2/5/2017</a:t>
             </a:fld>
             <a:endParaRPr lang="en-US" dirty="0"/>
           </a:p>
@@ -18715,7 +16808,7 @@
           <a:p>
             <a:fld id="{4509A250-FF31-4206-8172-F9D3106AACB1}" type="datetimeFigureOut">
               <a:rPr lang="en-US" dirty="0"/>
-              <a:t>2/4/2017</a:t>
+              <a:t>2/5/2017</a:t>
             </a:fld>
             <a:endParaRPr lang="en-US" dirty="0"/>
           </a:p>
@@ -18890,7 +16983,7 @@
           <a:p>
             <a:fld id="{4509A250-FF31-4206-8172-F9D3106AACB1}" type="datetimeFigureOut">
               <a:rPr lang="en-US" dirty="0"/>
-              <a:t>2/4/2017</a:t>
+              <a:t>2/5/2017</a:t>
             </a:fld>
             <a:endParaRPr lang="en-US" dirty="0"/>
           </a:p>
@@ -19055,7 +17148,7 @@
           <a:p>
             <a:fld id="{4509A250-FF31-4206-8172-F9D3106AACB1}" type="datetimeFigureOut">
               <a:rPr lang="en-US" dirty="0"/>
-              <a:t>2/4/2017</a:t>
+              <a:t>2/5/2017</a:t>
             </a:fld>
             <a:endParaRPr lang="en-US" dirty="0"/>
           </a:p>
@@ -19297,7 +17390,7 @@
           <a:p>
             <a:fld id="{9796027F-7875-4030-9381-8BD8C4F21935}" type="datetimeFigureOut">
               <a:rPr lang="en-US" dirty="0"/>
-              <a:t>2/4/2017</a:t>
+              <a:t>2/5/2017</a:t>
             </a:fld>
             <a:endParaRPr lang="en-US" dirty="0"/>
           </a:p>
@@ -19584,7 +17677,7 @@
           <a:p>
             <a:fld id="{9796027F-7875-4030-9381-8BD8C4F21935}" type="datetimeFigureOut">
               <a:rPr lang="en-US" dirty="0"/>
-              <a:t>2/4/2017</a:t>
+              <a:t>2/5/2017</a:t>
             </a:fld>
             <a:endParaRPr lang="en-US" dirty="0"/>
           </a:p>
@@ -20023,7 +18116,7 @@
           <a:p>
             <a:fld id="{9796027F-7875-4030-9381-8BD8C4F21935}" type="datetimeFigureOut">
               <a:rPr lang="en-US" dirty="0"/>
-              <a:t>2/4/2017</a:t>
+              <a:t>2/5/2017</a:t>
             </a:fld>
             <a:endParaRPr lang="en-US" dirty="0"/>
           </a:p>
@@ -20136,7 +18229,7 @@
           <a:p>
             <a:fld id="{4509A250-FF31-4206-8172-F9D3106AACB1}" type="datetimeFigureOut">
               <a:rPr lang="en-US" dirty="0"/>
-              <a:t>2/4/2017</a:t>
+              <a:t>2/5/2017</a:t>
             </a:fld>
             <a:endParaRPr lang="en-US" dirty="0"/>
           </a:p>
@@ -20226,7 +18319,7 @@
           <a:p>
             <a:fld id="{4509A250-FF31-4206-8172-F9D3106AACB1}" type="datetimeFigureOut">
               <a:rPr lang="en-US" dirty="0"/>
-              <a:t>2/4/2017</a:t>
+              <a:t>2/5/2017</a:t>
             </a:fld>
             <a:endParaRPr lang="en-US" dirty="0"/>
           </a:p>
@@ -20500,7 +18593,7 @@
           <a:p>
             <a:fld id="{4509A250-FF31-4206-8172-F9D3106AACB1}" type="datetimeFigureOut">
               <a:rPr lang="en-US" dirty="0"/>
-              <a:t>2/4/2017</a:t>
+              <a:t>2/5/2017</a:t>
             </a:fld>
             <a:endParaRPr lang="en-US" dirty="0"/>
           </a:p>
@@ -20770,7 +18863,7 @@
           <a:p>
             <a:fld id="{4509A250-FF31-4206-8172-F9D3106AACB1}" type="datetimeFigureOut">
               <a:rPr lang="en-US" dirty="0"/>
-              <a:t>2/4/2017</a:t>
+              <a:t>2/5/2017</a:t>
             </a:fld>
             <a:endParaRPr lang="en-US" dirty="0"/>
           </a:p>
@@ -21194,7 +19287,7 @@
           <a:p>
             <a:fld id="{4AAD347D-5ACD-4C99-B74B-A9C85AD731AF}" type="datetimeFigureOut">
               <a:rPr lang="en-US" dirty="0"/>
-              <a:t>2/4/2017</a:t>
+              <a:t>2/5/2017</a:t>
             </a:fld>
             <a:endParaRPr lang="en-US" dirty="0"/>
           </a:p>
@@ -21851,7 +19944,7 @@
           <a:p>
             <a:r>
               <a:rPr lang="en-US" cap="none" dirty="0" smtClean="0"/>
-              <a:t>Interacting with webpages in Python</a:t>
+              <a:t>Ask nicely and you get a webpage.</a:t>
             </a:r>
             <a:endParaRPr lang="en-US" cap="none" dirty="0"/>
           </a:p>
@@ -22018,7 +20111,6 @@
               <a:rPr lang="en-US" dirty="0" smtClean="0"/>
               <a:t>Hexadecimal is easily recognizable as an ID in your dataset. </a:t>
             </a:r>
-            <a:endParaRPr lang="en-US" dirty="0" smtClean="0"/>
           </a:p>
           <a:p>
             <a:pPr lvl="1"/>
@@ -24172,7 +22264,6 @@
               <a:rPr lang="en-US" dirty="0"/>
               <a:t>to demonstrate. </a:t>
             </a:r>
-            <a:endParaRPr lang="en-US" dirty="0"/>
           </a:p>
         </p:txBody>
       </p:sp>
@@ -24371,7 +22462,6 @@
               <a:rPr lang="en-US" dirty="0"/>
               <a:t>get the box score data, we must make a similar correction. </a:t>
             </a:r>
-            <a:endParaRPr lang="en-US" dirty="0"/>
           </a:p>
         </p:txBody>
       </p:sp>
@@ -24570,7 +22660,6 @@
               <a:rPr lang="en-US" dirty="0"/>
               <a:t>get the box score data, we must make a similar correction. </a:t>
             </a:r>
-            <a:endParaRPr lang="en-US" dirty="0"/>
           </a:p>
         </p:txBody>
       </p:sp>
@@ -25037,6 +23126,10 @@
           <a:bodyPr/>
           <a:lstStyle/>
           <a:p>
+            <a:r>
+              <a:rPr lang="en-US" cap="none" dirty="0" smtClean="0"/>
+              <a:t>Check yourself before you wreck yourself.</a:t>
+            </a:r>
             <a:endParaRPr lang="en-US" cap="none" dirty="0"/>
           </a:p>
         </p:txBody>
@@ -25451,7 +23544,6 @@
               <a:rPr lang="en-US" dirty="0" smtClean="0"/>
               <a:t>Don’t scrape if you can help it.</a:t>
             </a:r>
-            <a:endParaRPr lang="en-US" dirty="0" smtClean="0"/>
           </a:p>
           <a:p>
             <a:endParaRPr lang="en-US" dirty="0" smtClean="0"/>
@@ -25538,7 +23630,19 @@
           <a:p>
             <a:r>
               <a:rPr lang="en-US" cap="none" dirty="0" smtClean="0"/>
-              <a:t>Structure your program properly to make debugging and updating easier!</a:t>
+              <a:t>Structure your program </a:t>
+            </a:r>
+            <a:r>
+              <a:rPr lang="en-US" cap="none" dirty="0" smtClean="0"/>
+              <a:t>to </a:t>
+            </a:r>
+            <a:r>
+              <a:rPr lang="en-US" cap="none" dirty="0" smtClean="0"/>
+              <a:t>make debugging and updating </a:t>
+            </a:r>
+            <a:r>
+              <a:rPr lang="en-US" cap="none" dirty="0" smtClean="0"/>
+              <a:t>easier.</a:t>
             </a:r>
             <a:endParaRPr lang="en-US" cap="none" dirty="0"/>
           </a:p>
@@ -25620,7 +23724,26 @@
           <a:p>
             <a:r>
               <a:rPr lang="en-US" dirty="0" smtClean="0"/>
-              <a:t>Object-oriented code is the norm in industry (for better or worse)</a:t>
+              <a:t>Object-oriented code is the norm in industry (for better or worse</a:t>
+            </a:r>
+            <a:r>
+              <a:rPr lang="en-US" dirty="0" smtClean="0"/>
+              <a:t>).</a:t>
+            </a:r>
+          </a:p>
+          <a:p>
+            <a:r>
+              <a:rPr lang="en-US" dirty="0" smtClean="0"/>
+              <a:t>Write object oriented code.</a:t>
+            </a:r>
+          </a:p>
+          <a:p>
+            <a:endParaRPr lang="en-US" dirty="0"/>
+          </a:p>
+          <a:p>
+            <a:r>
+              <a:rPr lang="en-US" dirty="0" smtClean="0"/>
+              <a:t>Let’s walk through the Scraper class in the Scraper.py file.</a:t>
             </a:r>
             <a:endParaRPr lang="en-US" dirty="0"/>
           </a:p>
@@ -25630,6 +23753,97 @@
     <p:extLst>
       <p:ext uri="{BB962C8B-B14F-4D97-AF65-F5344CB8AC3E}">
         <p14:creationId xmlns:p14="http://schemas.microsoft.com/office/powerpoint/2010/main" val="2438925654"/>
+      </p:ext>
+    </p:extLst>
+  </p:cSld>
+  <p:clrMapOvr>
+    <a:masterClrMapping/>
+  </p:clrMapOvr>
+</p:sld>
+</file>
+
+<file path=ppt/slides/slide36.xml><?xml version="1.0" encoding="utf-8"?>
+<p:sld xmlns:a="http://schemas.openxmlformats.org/drawingml/2006/main" xmlns:r="http://schemas.openxmlformats.org/officeDocument/2006/relationships" xmlns:p="http://schemas.openxmlformats.org/presentationml/2006/main">
+  <p:cSld>
+    <p:spTree>
+      <p:nvGrpSpPr>
+        <p:cNvPr id="1" name=""/>
+        <p:cNvGrpSpPr/>
+        <p:nvPr/>
+      </p:nvGrpSpPr>
+      <p:grpSpPr>
+        <a:xfrm>
+          <a:off x="0" y="0"/>
+          <a:ext cx="0" cy="0"/>
+          <a:chOff x="0" y="0"/>
+          <a:chExt cx="0" cy="0"/>
+        </a:xfrm>
+      </p:grpSpPr>
+      <p:sp>
+        <p:nvSpPr>
+          <p:cNvPr id="2" name="Title 1"/>
+          <p:cNvSpPr>
+            <a:spLocks noGrp="1"/>
+          </p:cNvSpPr>
+          <p:nvPr>
+            <p:ph type="title"/>
+          </p:nvPr>
+        </p:nvSpPr>
+        <p:spPr/>
+        <p:txBody>
+          <a:bodyPr/>
+          <a:lstStyle/>
+          <a:p>
+            <a:r>
+              <a:rPr lang="en-US" dirty="0" smtClean="0"/>
+              <a:t>Program Architecture</a:t>
+            </a:r>
+            <a:endParaRPr lang="en-US" dirty="0"/>
+          </a:p>
+        </p:txBody>
+      </p:sp>
+      <p:sp>
+        <p:nvSpPr>
+          <p:cNvPr id="3" name="Content Placeholder 2"/>
+          <p:cNvSpPr>
+            <a:spLocks noGrp="1"/>
+          </p:cNvSpPr>
+          <p:nvPr>
+            <p:ph idx="1"/>
+          </p:nvPr>
+        </p:nvSpPr>
+        <p:spPr/>
+        <p:txBody>
+          <a:bodyPr/>
+          <a:lstStyle/>
+          <a:p>
+            <a:r>
+              <a:rPr lang="en-US" smtClean="0"/>
+              <a:t>Simplify procedural code. </a:t>
+            </a:r>
+          </a:p>
+          <a:p>
+            <a:r>
+              <a:rPr lang="en-US" dirty="0" smtClean="0"/>
+              <a:t>Document everything. You will forget it later. </a:t>
+            </a:r>
+          </a:p>
+          <a:p>
+            <a:pPr lvl="1"/>
+            <a:r>
+              <a:rPr lang="en-US" dirty="0" smtClean="0"/>
+              <a:t>Python 3.6 has type hints. Use them. </a:t>
+            </a:r>
+          </a:p>
+          <a:p>
+            <a:endParaRPr lang="en-US" dirty="0"/>
+          </a:p>
+        </p:txBody>
+      </p:sp>
+    </p:spTree>
+    <p:extLst>
+      <p:ext uri="{BB962C8B-B14F-4D97-AF65-F5344CB8AC3E}">
+        <p14:creationId xmlns:p14="http://schemas.microsoft.com/office/powerpoint/2010/main" val="751826669"/>
       </p:ext>
     </p:extLst>
   </p:cSld>
@@ -25946,11 +24160,7 @@
             </a:r>
             <a:r>
               <a:rPr lang="en-US" sz="1800" dirty="0" smtClean="0"/>
-              <a:t> </a:t>
-            </a:r>
-            <a:r>
-              <a:rPr lang="en-US" sz="1800" dirty="0" smtClean="0"/>
-              <a:t>library</a:t>
+              <a:t> library</a:t>
             </a:r>
             <a:endParaRPr lang="en-US" sz="1800" dirty="0"/>
           </a:p>
@@ -25973,7 +24183,6 @@
               <a:rPr lang="en-US" sz="1800" dirty="0" smtClean="0"/>
               <a:t>Crawling</a:t>
             </a:r>
-            <a:endParaRPr lang="en-US" sz="1800" dirty="0" smtClean="0"/>
           </a:p>
           <a:p>
             <a:pPr marL="285750" indent="-285750">
@@ -25988,7 +24197,6 @@
               <a:rPr lang="en-US" sz="1800" dirty="0" smtClean="0"/>
               <a:t>Stuff</a:t>
             </a:r>
-            <a:endParaRPr lang="en-US" sz="1800" dirty="0" smtClean="0"/>
           </a:p>
           <a:p>
             <a:pPr marL="285750" indent="-285750">

--- a/1 Web Scraping.pptx
+++ b/1 Web Scraping.pptx
@@ -5,47 +5,48 @@
     <p:sldMasterId id="2147483648" r:id="rId1"/>
   </p:sldMasterIdLst>
   <p:notesMasterIdLst>
-    <p:notesMasterId r:id="rId40"/>
+    <p:notesMasterId r:id="rId41"/>
   </p:notesMasterIdLst>
   <p:sldIdLst>
     <p:sldId id="256" r:id="rId2"/>
-    <p:sldId id="257" r:id="rId3"/>
-    <p:sldId id="301" r:id="rId4"/>
-    <p:sldId id="272" r:id="rId5"/>
-    <p:sldId id="265" r:id="rId6"/>
+    <p:sldId id="265" r:id="rId3"/>
+    <p:sldId id="257" r:id="rId4"/>
+    <p:sldId id="301" r:id="rId5"/>
+    <p:sldId id="272" r:id="rId6"/>
     <p:sldId id="266" r:id="rId7"/>
     <p:sldId id="304" r:id="rId8"/>
-    <p:sldId id="259" r:id="rId9"/>
-    <p:sldId id="258" r:id="rId10"/>
-    <p:sldId id="268" r:id="rId11"/>
-    <p:sldId id="282" r:id="rId12"/>
-    <p:sldId id="281" r:id="rId13"/>
-    <p:sldId id="302" r:id="rId14"/>
-    <p:sldId id="280" r:id="rId15"/>
-    <p:sldId id="283" r:id="rId16"/>
-    <p:sldId id="286" r:id="rId17"/>
-    <p:sldId id="269" r:id="rId18"/>
-    <p:sldId id="260" r:id="rId19"/>
-    <p:sldId id="276" r:id="rId20"/>
-    <p:sldId id="278" r:id="rId21"/>
-    <p:sldId id="277" r:id="rId22"/>
-    <p:sldId id="270" r:id="rId23"/>
-    <p:sldId id="289" r:id="rId24"/>
-    <p:sldId id="288" r:id="rId25"/>
-    <p:sldId id="261" r:id="rId26"/>
-    <p:sldId id="293" r:id="rId27"/>
-    <p:sldId id="290" r:id="rId28"/>
-    <p:sldId id="294" r:id="rId29"/>
-    <p:sldId id="295" r:id="rId30"/>
-    <p:sldId id="296" r:id="rId31"/>
-    <p:sldId id="297" r:id="rId32"/>
-    <p:sldId id="287" r:id="rId33"/>
-    <p:sldId id="291" r:id="rId34"/>
-    <p:sldId id="264" r:id="rId35"/>
-    <p:sldId id="275" r:id="rId36"/>
-    <p:sldId id="298" r:id="rId37"/>
-    <p:sldId id="299" r:id="rId38"/>
-    <p:sldId id="300" r:id="rId39"/>
+    <p:sldId id="306" r:id="rId9"/>
+    <p:sldId id="259" r:id="rId10"/>
+    <p:sldId id="258" r:id="rId11"/>
+    <p:sldId id="268" r:id="rId12"/>
+    <p:sldId id="282" r:id="rId13"/>
+    <p:sldId id="281" r:id="rId14"/>
+    <p:sldId id="302" r:id="rId15"/>
+    <p:sldId id="280" r:id="rId16"/>
+    <p:sldId id="283" r:id="rId17"/>
+    <p:sldId id="286" r:id="rId18"/>
+    <p:sldId id="269" r:id="rId19"/>
+    <p:sldId id="260" r:id="rId20"/>
+    <p:sldId id="276" r:id="rId21"/>
+    <p:sldId id="278" r:id="rId22"/>
+    <p:sldId id="277" r:id="rId23"/>
+    <p:sldId id="270" r:id="rId24"/>
+    <p:sldId id="289" r:id="rId25"/>
+    <p:sldId id="288" r:id="rId26"/>
+    <p:sldId id="261" r:id="rId27"/>
+    <p:sldId id="293" r:id="rId28"/>
+    <p:sldId id="290" r:id="rId29"/>
+    <p:sldId id="294" r:id="rId30"/>
+    <p:sldId id="295" r:id="rId31"/>
+    <p:sldId id="296" r:id="rId32"/>
+    <p:sldId id="297" r:id="rId33"/>
+    <p:sldId id="287" r:id="rId34"/>
+    <p:sldId id="291" r:id="rId35"/>
+    <p:sldId id="264" r:id="rId36"/>
+    <p:sldId id="275" r:id="rId37"/>
+    <p:sldId id="298" r:id="rId38"/>
+    <p:sldId id="299" r:id="rId39"/>
+    <p:sldId id="300" r:id="rId40"/>
   </p:sldIdLst>
   <p:sldSz cx="12192000" cy="6858000"/>
   <p:notesSz cx="6858000" cy="9144000"/>
@@ -150,12 +151,13 @@
         <p14:section name="Introduction" id="{2659FC27-F8FD-4FDF-956A-2C8740FB1B16}">
           <p14:sldIdLst>
             <p14:sldId id="256"/>
+            <p14:sldId id="265"/>
             <p14:sldId id="257"/>
             <p14:sldId id="301"/>
             <p14:sldId id="272"/>
-            <p14:sldId id="265"/>
             <p14:sldId id="266"/>
             <p14:sldId id="304"/>
+            <p14:sldId id="306"/>
             <p14:sldId id="259"/>
             <p14:sldId id="258"/>
             <p14:sldId id="268"/>
@@ -13613,7 +13615,7 @@
           <a:p>
             <a:fld id="{46CFC84F-3F87-4488-8EE9-5F46004A67D9}" type="datetimeFigureOut">
               <a:rPr lang="en-US" smtClean="0"/>
-              <a:t>2/5/2017</a:t>
+              <a:t>2/6/2017</a:t>
             </a:fld>
             <a:endParaRPr lang="en-US"/>
           </a:p>
@@ -14061,47 +14063,128 @@
           <a:p>
             <a:r>
               <a:rPr lang="en-US" dirty="0" smtClean="0"/>
-              <a:t>We now know how to find internal links on a page. There are two things we want to do next:</a:t>
-            </a:r>
-          </a:p>
-          <a:p>
-            <a:pPr marL="800100" lvl="1" indent="-342900">
-              <a:buFont typeface="+mj-lt"/>
-              <a:buAutoNum type="arabicPeriod"/>
-            </a:pPr>
+              <a:t>Be careful of what objects are being returned.</a:t>
+            </a:r>
+          </a:p>
+          <a:p>
+            <a:pPr lvl="1"/>
             <a:r>
               <a:rPr lang="en-US" dirty="0" smtClean="0"/>
-              <a:t>Scrape the box scores for more game data;</a:t>
-            </a:r>
-          </a:p>
-          <a:p>
-            <a:pPr marL="800100" lvl="1" indent="-342900">
-              <a:buFont typeface="+mj-lt"/>
-              <a:buAutoNum type="arabicPeriod"/>
-            </a:pPr>
+              <a:t>The </a:t>
+            </a:r>
+            <a:r>
+              <a:rPr lang="en-US" dirty="0" smtClean="0">
+                <a:latin typeface="Consolas" panose="020B0609020204030204" pitchFamily="49" charset="0"/>
+              </a:rPr>
+              <a:t>find</a:t>
+            </a:r>
             <a:r>
               <a:rPr lang="en-US" dirty="0" smtClean="0"/>
-              <a:t>Find scores from different dates. </a:t>
-            </a:r>
-          </a:p>
-          <a:p>
-            <a:endParaRPr lang="en-US" dirty="0" smtClean="0"/>
-          </a:p>
-          <a:p>
+              <a:t> method returns a </a:t>
+            </a:r>
+            <a:r>
+              <a:rPr lang="en-US" dirty="0" smtClean="0">
+                <a:latin typeface="Consolas" panose="020B0609020204030204" pitchFamily="49" charset="0"/>
+              </a:rPr>
+              <a:t>Tag</a:t>
+            </a:r>
             <a:r>
               <a:rPr lang="en-US" dirty="0" smtClean="0"/>
-              <a:t>We'll switch gears now to scraping </a:t>
+              <a:t> object.</a:t>
+            </a:r>
+          </a:p>
+          <a:p>
+            <a:pPr lvl="1"/>
+            <a:r>
+              <a:rPr lang="en-US" dirty="0" smtClean="0"/>
+              <a:t>The </a:t>
+            </a:r>
+            <a:r>
+              <a:rPr lang="en-US" dirty="0" err="1" smtClean="0">
+                <a:latin typeface="Consolas" panose="020B0609020204030204" pitchFamily="49" charset="0"/>
+              </a:rPr>
+              <a:t>find_all</a:t>
+            </a:r>
+            <a:r>
+              <a:rPr lang="en-US" dirty="0" smtClean="0"/>
+              <a:t> method returns a </a:t>
+            </a:r>
+            <a:r>
+              <a:rPr lang="en-US" dirty="0" err="1" smtClean="0">
+                <a:latin typeface="Consolas" panose="020B0609020204030204" pitchFamily="49" charset="0"/>
+              </a:rPr>
+              <a:t>ResultSet</a:t>
+            </a:r>
+            <a:r>
+              <a:rPr lang="en-US" dirty="0" smtClean="0"/>
+              <a:t> object.</a:t>
+            </a:r>
+          </a:p>
+          <a:p>
+            <a:pPr lvl="2"/>
+            <a:r>
+              <a:rPr lang="en-US" dirty="0" smtClean="0"/>
+              <a:t>You can’t chain </a:t>
+            </a:r>
+            <a:r>
+              <a:rPr lang="en-US" dirty="0" err="1" smtClean="0">
+                <a:latin typeface="Consolas" panose="020B0609020204030204" pitchFamily="49" charset="0"/>
+              </a:rPr>
+              <a:t>ResultSet</a:t>
+            </a:r>
+            <a:r>
+              <a:rPr lang="en-US" dirty="0" smtClean="0"/>
+              <a:t> objects together like you can with </a:t>
             </a:r>
             <a:r>
               <a:rPr lang="en-US" dirty="0" smtClean="0">
-                <a:hlinkClick r:id="rId3"/>
+                <a:latin typeface="Consolas" panose="020B0609020204030204" pitchFamily="49" charset="0"/>
               </a:rPr>
-              <a:t>NCAA basketball box scores on sports-reference</a:t>
+              <a:t>Tag</a:t>
             </a:r>
             <a:r>
               <a:rPr lang="en-US" dirty="0" smtClean="0"/>
-              <a:t> to demonstrate. </a:t>
-            </a:r>
+              <a:t> attributes and methods.</a:t>
+            </a:r>
+          </a:p>
+          <a:p>
+            <a:r>
+              <a:rPr lang="en-US" dirty="0" smtClean="0"/>
+              <a:t>In practice, we need more information to find the proper links.</a:t>
+            </a:r>
+          </a:p>
+          <a:p>
+            <a:pPr lvl="1"/>
+            <a:r>
+              <a:rPr lang="en-US" dirty="0" smtClean="0"/>
+              <a:t>Chrome has a </a:t>
+            </a:r>
+            <a:r>
+              <a:rPr lang="en-US" dirty="0" err="1" smtClean="0"/>
+              <a:t>SelectorGadget</a:t>
+            </a:r>
+            <a:r>
+              <a:rPr lang="en-US" dirty="0" smtClean="0"/>
+              <a:t> add-on which makes finding the proper html tags </a:t>
+            </a:r>
+            <a:r>
+              <a:rPr lang="en-US" i="1" dirty="0" smtClean="0"/>
+              <a:t>much</a:t>
+            </a:r>
+            <a:r>
+              <a:rPr lang="en-US" dirty="0" smtClean="0"/>
+              <a:t> easier.</a:t>
+            </a:r>
+          </a:p>
+          <a:p>
+            <a:pPr lvl="1"/>
+            <a:r>
+              <a:rPr lang="en-US" dirty="0" smtClean="0"/>
+              <a:t>We’ll cover this in more depth during the data mining workshop. It has deeper applications there. </a:t>
+            </a:r>
+          </a:p>
+          <a:p>
+            <a:endParaRPr lang="en-US" dirty="0"/>
           </a:p>
         </p:txBody>
       </p:sp>
@@ -14131,7 +14214,7 @@
     </p:spTree>
     <p:extLst>
       <p:ext uri="{BB962C8B-B14F-4D97-AF65-F5344CB8AC3E}">
-        <p14:creationId xmlns:p14="http://schemas.microsoft.com/office/powerpoint/2010/main" val="1663674737"/>
+        <p14:creationId xmlns:p14="http://schemas.microsoft.com/office/powerpoint/2010/main" val="1126334594"/>
       </p:ext>
     </p:extLst>
   </p:cSld>
@@ -14185,109 +14268,49 @@
           <a:bodyPr/>
           <a:lstStyle/>
           <a:p>
-            <a:pPr marL="171450" indent="-171450">
-              <a:buFont typeface="Arial" panose="020B0604020202020204" pitchFamily="34" charset="0"/>
-              <a:buChar char="•"/>
+            <a:r>
+              <a:rPr lang="en-US" dirty="0" smtClean="0"/>
+              <a:t>We now know how to find internal links on a page. There are two things we want to do next:</a:t>
+            </a:r>
+          </a:p>
+          <a:p>
+            <a:pPr marL="800100" lvl="1" indent="-342900">
+              <a:buFont typeface="+mj-lt"/>
+              <a:buAutoNum type="arabicPeriod"/>
             </a:pPr>
             <a:r>
               <a:rPr lang="en-US" dirty="0" smtClean="0"/>
-              <a:t>Web pages contain </a:t>
-            </a:r>
-            <a:r>
-              <a:rPr lang="en-US" u="sng" dirty="0" smtClean="0"/>
-              <a:t>absolute</a:t>
-            </a:r>
+              <a:t>Scrape the box scores for more game data;</a:t>
+            </a:r>
+          </a:p>
+          <a:p>
+            <a:pPr marL="800100" lvl="1" indent="-342900">
+              <a:buFont typeface="+mj-lt"/>
+              <a:buAutoNum type="arabicPeriod"/>
+            </a:pPr>
             <a:r>
               <a:rPr lang="en-US" dirty="0" smtClean="0"/>
-              <a:t> paths and </a:t>
-            </a:r>
-            <a:r>
-              <a:rPr lang="en-US" u="sng" dirty="0" smtClean="0"/>
-              <a:t>relative</a:t>
-            </a:r>
+              <a:t>Find scores from different dates. </a:t>
+            </a:r>
+          </a:p>
+          <a:p>
+            <a:endParaRPr lang="en-US" dirty="0" smtClean="0"/>
+          </a:p>
+          <a:p>
             <a:r>
               <a:rPr lang="en-US" dirty="0" smtClean="0"/>
-              <a:t> paths. </a:t>
-            </a:r>
-          </a:p>
-          <a:p>
-            <a:pPr marL="628650" lvl="1" indent="-171450">
-              <a:buFont typeface="Arial" panose="020B0604020202020204" pitchFamily="34" charset="0"/>
-              <a:buChar char="•"/>
-            </a:pPr>
+              <a:t>We'll switch gears now to scraping </a:t>
+            </a:r>
+            <a:r>
+              <a:rPr lang="en-US" dirty="0" smtClean="0">
+                <a:hlinkClick r:id="rId3"/>
+              </a:rPr>
+              <a:t>NCAA basketball box scores on sports-reference</a:t>
+            </a:r>
             <a:r>
               <a:rPr lang="en-US" dirty="0" smtClean="0"/>
-              <a:t>An </a:t>
-            </a:r>
-            <a:r>
-              <a:rPr lang="en-US" u="sng" dirty="0" smtClean="0"/>
-              <a:t>absolute</a:t>
-            </a:r>
-            <a:r>
-              <a:rPr lang="en-US" dirty="0" smtClean="0"/>
-              <a:t> path contains the entire address to a link. </a:t>
-            </a:r>
-          </a:p>
-          <a:p>
-            <a:pPr marL="628650" lvl="1" indent="-171450">
-              <a:buFont typeface="Arial" panose="020B0604020202020204" pitchFamily="34" charset="0"/>
-              <a:buChar char="•"/>
-            </a:pPr>
-            <a:r>
-              <a:rPr lang="en-US" dirty="0" smtClean="0"/>
-              <a:t>A </a:t>
-            </a:r>
-            <a:r>
-              <a:rPr lang="en-US" u="sng" dirty="0" smtClean="0"/>
-              <a:t>relative</a:t>
-            </a:r>
-            <a:r>
-              <a:rPr lang="en-US" dirty="0" smtClean="0"/>
-              <a:t> path contains the address </a:t>
-            </a:r>
-            <a:r>
-              <a:rPr lang="en-US" i="1" dirty="0" smtClean="0"/>
-              <a:t>relative</a:t>
-            </a:r>
-            <a:r>
-              <a:rPr lang="en-US" dirty="0" smtClean="0"/>
-              <a:t> to another base address. </a:t>
-            </a:r>
-          </a:p>
-          <a:p>
-            <a:pPr marL="171450" indent="-171450">
-              <a:buFont typeface="Arial" panose="020B0604020202020204" pitchFamily="34" charset="0"/>
-              <a:buChar char="•"/>
-            </a:pPr>
-            <a:r>
-              <a:rPr lang="en-US" dirty="0" smtClean="0"/>
-              <a:t>Internal links almost always contain relative paths. </a:t>
-            </a:r>
-          </a:p>
-          <a:p>
-            <a:pPr marL="628650" lvl="1" indent="-171450">
-              <a:buFont typeface="Arial" panose="020B0604020202020204" pitchFamily="34" charset="0"/>
-              <a:buChar char="•"/>
-            </a:pPr>
-            <a:r>
-              <a:rPr lang="en-US" dirty="0" smtClean="0"/>
-              <a:t>For example, the link to college basketball stats on sports-reference(http://sports-reference.com) is "/</a:t>
-            </a:r>
-            <a:r>
-              <a:rPr lang="en-US" dirty="0" err="1" smtClean="0"/>
-              <a:t>cbb</a:t>
-            </a:r>
-            <a:r>
-              <a:rPr lang="en-US" dirty="0" smtClean="0"/>
-              <a:t>". The web pages knows this is an internal link and will send the user to http://sports-reference.com/cbb. </a:t>
-            </a:r>
-          </a:p>
-          <a:p>
-            <a:pPr marL="171450" indent="-171450">
-              <a:buFont typeface="Arial" panose="020B0604020202020204" pitchFamily="34" charset="0"/>
-              <a:buChar char="•"/>
-            </a:pPr>
-            <a:endParaRPr lang="en-US" dirty="0"/>
+              <a:t> to demonstrate. </a:t>
+            </a:r>
           </a:p>
         </p:txBody>
       </p:sp>
@@ -14317,7 +14340,7 @@
     </p:spTree>
     <p:extLst>
       <p:ext uri="{BB962C8B-B14F-4D97-AF65-F5344CB8AC3E}">
-        <p14:creationId xmlns:p14="http://schemas.microsoft.com/office/powerpoint/2010/main" val="3159618904"/>
+        <p14:creationId xmlns:p14="http://schemas.microsoft.com/office/powerpoint/2010/main" val="1663674737"/>
       </p:ext>
     </p:extLst>
   </p:cSld>
@@ -14503,7 +14526,7 @@
     </p:spTree>
     <p:extLst>
       <p:ext uri="{BB962C8B-B14F-4D97-AF65-F5344CB8AC3E}">
-        <p14:creationId xmlns:p14="http://schemas.microsoft.com/office/powerpoint/2010/main" val="3359136749"/>
+        <p14:creationId xmlns:p14="http://schemas.microsoft.com/office/powerpoint/2010/main" val="3159618904"/>
       </p:ext>
     </p:extLst>
   </p:cSld>
@@ -14563,6 +14586,192 @@
             </a:pPr>
             <a:r>
               <a:rPr lang="en-US" dirty="0" smtClean="0"/>
+              <a:t>Web pages contain </a:t>
+            </a:r>
+            <a:r>
+              <a:rPr lang="en-US" u="sng" dirty="0" smtClean="0"/>
+              <a:t>absolute</a:t>
+            </a:r>
+            <a:r>
+              <a:rPr lang="en-US" dirty="0" smtClean="0"/>
+              <a:t> paths and </a:t>
+            </a:r>
+            <a:r>
+              <a:rPr lang="en-US" u="sng" dirty="0" smtClean="0"/>
+              <a:t>relative</a:t>
+            </a:r>
+            <a:r>
+              <a:rPr lang="en-US" dirty="0" smtClean="0"/>
+              <a:t> paths. </a:t>
+            </a:r>
+          </a:p>
+          <a:p>
+            <a:pPr marL="628650" lvl="1" indent="-171450">
+              <a:buFont typeface="Arial" panose="020B0604020202020204" pitchFamily="34" charset="0"/>
+              <a:buChar char="•"/>
+            </a:pPr>
+            <a:r>
+              <a:rPr lang="en-US" dirty="0" smtClean="0"/>
+              <a:t>An </a:t>
+            </a:r>
+            <a:r>
+              <a:rPr lang="en-US" u="sng" dirty="0" smtClean="0"/>
+              <a:t>absolute</a:t>
+            </a:r>
+            <a:r>
+              <a:rPr lang="en-US" dirty="0" smtClean="0"/>
+              <a:t> path contains the entire address to a link. </a:t>
+            </a:r>
+          </a:p>
+          <a:p>
+            <a:pPr marL="628650" lvl="1" indent="-171450">
+              <a:buFont typeface="Arial" panose="020B0604020202020204" pitchFamily="34" charset="0"/>
+              <a:buChar char="•"/>
+            </a:pPr>
+            <a:r>
+              <a:rPr lang="en-US" dirty="0" smtClean="0"/>
+              <a:t>A </a:t>
+            </a:r>
+            <a:r>
+              <a:rPr lang="en-US" u="sng" dirty="0" smtClean="0"/>
+              <a:t>relative</a:t>
+            </a:r>
+            <a:r>
+              <a:rPr lang="en-US" dirty="0" smtClean="0"/>
+              <a:t> path contains the address </a:t>
+            </a:r>
+            <a:r>
+              <a:rPr lang="en-US" i="1" dirty="0" smtClean="0"/>
+              <a:t>relative</a:t>
+            </a:r>
+            <a:r>
+              <a:rPr lang="en-US" dirty="0" smtClean="0"/>
+              <a:t> to another base address. </a:t>
+            </a:r>
+          </a:p>
+          <a:p>
+            <a:pPr marL="171450" indent="-171450">
+              <a:buFont typeface="Arial" panose="020B0604020202020204" pitchFamily="34" charset="0"/>
+              <a:buChar char="•"/>
+            </a:pPr>
+            <a:r>
+              <a:rPr lang="en-US" dirty="0" smtClean="0"/>
+              <a:t>Internal links almost always contain relative paths. </a:t>
+            </a:r>
+          </a:p>
+          <a:p>
+            <a:pPr marL="628650" lvl="1" indent="-171450">
+              <a:buFont typeface="Arial" panose="020B0604020202020204" pitchFamily="34" charset="0"/>
+              <a:buChar char="•"/>
+            </a:pPr>
+            <a:r>
+              <a:rPr lang="en-US" dirty="0" smtClean="0"/>
+              <a:t>For example, the link to college basketball stats on sports-reference(http://sports-reference.com) is "/</a:t>
+            </a:r>
+            <a:r>
+              <a:rPr lang="en-US" dirty="0" err="1" smtClean="0"/>
+              <a:t>cbb</a:t>
+            </a:r>
+            <a:r>
+              <a:rPr lang="en-US" dirty="0" smtClean="0"/>
+              <a:t>". The web pages knows this is an internal link and will send the user to http://sports-reference.com/cbb. </a:t>
+            </a:r>
+          </a:p>
+          <a:p>
+            <a:pPr marL="171450" indent="-171450">
+              <a:buFont typeface="Arial" panose="020B0604020202020204" pitchFamily="34" charset="0"/>
+              <a:buChar char="•"/>
+            </a:pPr>
+            <a:endParaRPr lang="en-US" dirty="0"/>
+          </a:p>
+        </p:txBody>
+      </p:sp>
+      <p:sp>
+        <p:nvSpPr>
+          <p:cNvPr id="4" name="Slide Number Placeholder 3"/>
+          <p:cNvSpPr>
+            <a:spLocks noGrp="1"/>
+          </p:cNvSpPr>
+          <p:nvPr>
+            <p:ph type="sldNum" sz="quarter" idx="10"/>
+          </p:nvPr>
+        </p:nvSpPr>
+        <p:spPr/>
+        <p:txBody>
+          <a:bodyPr/>
+          <a:lstStyle/>
+          <a:p>
+            <a:fld id="{E8AD8B35-8AAF-4BB4-99C7-CC4175DA3045}" type="slidenum">
+              <a:rPr lang="en-US" smtClean="0"/>
+              <a:t>31</a:t>
+            </a:fld>
+            <a:endParaRPr lang="en-US"/>
+          </a:p>
+        </p:txBody>
+      </p:sp>
+    </p:spTree>
+    <p:extLst>
+      <p:ext uri="{BB962C8B-B14F-4D97-AF65-F5344CB8AC3E}">
+        <p14:creationId xmlns:p14="http://schemas.microsoft.com/office/powerpoint/2010/main" val="3359136749"/>
+      </p:ext>
+    </p:extLst>
+  </p:cSld>
+  <p:clrMapOvr>
+    <a:masterClrMapping/>
+  </p:clrMapOvr>
+</p:notes>
+</file>
+
+<file path=ppt/notesSlides/notesSlide14.xml><?xml version="1.0" encoding="utf-8"?>
+<p:notes xmlns:a="http://schemas.openxmlformats.org/drawingml/2006/main" xmlns:r="http://schemas.openxmlformats.org/officeDocument/2006/relationships" xmlns:p="http://schemas.openxmlformats.org/presentationml/2006/main">
+  <p:cSld>
+    <p:spTree>
+      <p:nvGrpSpPr>
+        <p:cNvPr id="1" name=""/>
+        <p:cNvGrpSpPr/>
+        <p:nvPr/>
+      </p:nvGrpSpPr>
+      <p:grpSpPr>
+        <a:xfrm>
+          <a:off x="0" y="0"/>
+          <a:ext cx="0" cy="0"/>
+          <a:chOff x="0" y="0"/>
+          <a:chExt cx="0" cy="0"/>
+        </a:xfrm>
+      </p:grpSpPr>
+      <p:sp>
+        <p:nvSpPr>
+          <p:cNvPr id="2" name="Slide Image Placeholder 1"/>
+          <p:cNvSpPr>
+            <a:spLocks noGrp="1" noRot="1" noChangeAspect="1"/>
+          </p:cNvSpPr>
+          <p:nvPr>
+            <p:ph type="sldImg"/>
+          </p:nvPr>
+        </p:nvSpPr>
+        <p:spPr/>
+      </p:sp>
+      <p:sp>
+        <p:nvSpPr>
+          <p:cNvPr id="3" name="Notes Placeholder 2"/>
+          <p:cNvSpPr>
+            <a:spLocks noGrp="1"/>
+          </p:cNvSpPr>
+          <p:nvPr>
+            <p:ph type="body" idx="1"/>
+          </p:nvPr>
+        </p:nvSpPr>
+        <p:spPr/>
+        <p:txBody>
+          <a:bodyPr/>
+          <a:lstStyle/>
+          <a:p>
+            <a:pPr marL="171450" indent="-171450">
+              <a:buFont typeface="Arial" panose="020B0604020202020204" pitchFamily="34" charset="0"/>
+              <a:buChar char="•"/>
+            </a:pPr>
+            <a:r>
+              <a:rPr lang="en-US" dirty="0" smtClean="0"/>
               <a:t>We may be tempted to navigate to other </a:t>
             </a:r>
             <a:r>
@@ -14691,7 +14900,7 @@
           <a:p>
             <a:fld id="{E8AD8B35-8AAF-4BB4-99C7-CC4175DA3045}" type="slidenum">
               <a:rPr lang="en-US" smtClean="0"/>
-              <a:t>31</a:t>
+              <a:t>32</a:t>
             </a:fld>
             <a:endParaRPr lang="en-US"/>
           </a:p>
@@ -14783,7 +14992,7 @@
           <a:p>
             <a:fld id="{E8AD8B35-8AAF-4BB4-99C7-CC4175DA3045}" type="slidenum">
               <a:rPr lang="en-US" smtClean="0"/>
-              <a:t>2</a:t>
+              <a:t>3</a:t>
             </a:fld>
             <a:endParaRPr lang="en-US"/>
           </a:p>
@@ -14876,7 +15085,7 @@
     </p:spTree>
     <p:extLst>
       <p:ext uri="{BB962C8B-B14F-4D97-AF65-F5344CB8AC3E}">
-        <p14:creationId xmlns:p14="http://schemas.microsoft.com/office/powerpoint/2010/main" val="1422019846"/>
+        <p14:creationId xmlns:p14="http://schemas.microsoft.com/office/powerpoint/2010/main" val="3087187693"/>
       </p:ext>
     </p:extLst>
   </p:cSld>
@@ -14930,81 +15139,7 @@
           <a:bodyPr/>
           <a:lstStyle/>
           <a:p>
-            <a:r>
-              <a:rPr lang="en-US" dirty="0" smtClean="0"/>
-              <a:t>Farmer Analogy</a:t>
-            </a:r>
-          </a:p>
-          <a:p>
-            <a:pPr marL="171450" indent="-171450">
-              <a:buFont typeface="Arial" panose="020B0604020202020204" pitchFamily="34" charset="0"/>
-              <a:buChar char="•"/>
-            </a:pPr>
-            <a:r>
-              <a:rPr lang="en-US" dirty="0" smtClean="0"/>
-              <a:t>If</a:t>
-            </a:r>
-            <a:r>
-              <a:rPr lang="en-US" baseline="0" dirty="0" smtClean="0"/>
-              <a:t> you have no food, you have some options:</a:t>
-            </a:r>
-          </a:p>
-          <a:p>
-            <a:pPr marL="628650" marR="0" lvl="1" indent="-171450" algn="l" defTabSz="914400" rtl="0" eaLnBrk="1" fontAlgn="auto" latinLnBrk="0" hangingPunct="1">
-              <a:lnSpc>
-                <a:spcPct val="100000"/>
-              </a:lnSpc>
-              <a:spcBef>
-                <a:spcPts val="0"/>
-              </a:spcBef>
-              <a:spcAft>
-                <a:spcPts val="0"/>
-              </a:spcAft>
-              <a:buClrTx/>
-              <a:buSzTx/>
-              <a:buFont typeface="Arial" panose="020B0604020202020204" pitchFamily="34" charset="0"/>
-              <a:buChar char="•"/>
-              <a:tabLst/>
-              <a:defRPr/>
-            </a:pPr>
-            <a:r>
-              <a:rPr lang="en-US" baseline="0" dirty="0" smtClean="0"/>
-              <a:t>Create your own data (start a garden)</a:t>
-            </a:r>
-          </a:p>
-          <a:p>
-            <a:pPr marL="628650" lvl="1" indent="-171450">
-              <a:buFont typeface="Arial" panose="020B0604020202020204" pitchFamily="34" charset="0"/>
-              <a:buChar char="•"/>
-            </a:pPr>
-            <a:r>
-              <a:rPr lang="en-US" baseline="0" dirty="0" smtClean="0"/>
-              <a:t>Use Open Data (go to McDonald’s)</a:t>
-            </a:r>
-          </a:p>
-          <a:p>
-            <a:pPr marL="628650" lvl="1" indent="-171450">
-              <a:buFont typeface="Arial" panose="020B0604020202020204" pitchFamily="34" charset="0"/>
-              <a:buChar char="•"/>
-            </a:pPr>
-            <a:r>
-              <a:rPr lang="en-US" baseline="0" dirty="0" smtClean="0"/>
-              <a:t>Scrape the data (go grocery shopping)</a:t>
-            </a:r>
-          </a:p>
-          <a:p>
-            <a:pPr marL="628650" lvl="1" indent="-171450">
-              <a:buFont typeface="Arial" panose="020B0604020202020204" pitchFamily="34" charset="0"/>
-              <a:buChar char="•"/>
-            </a:pPr>
-            <a:endParaRPr lang="en-US" baseline="0" dirty="0" smtClean="0"/>
-          </a:p>
-          <a:p>
-            <a:pPr marL="628650" lvl="1" indent="-171450">
-              <a:buFont typeface="Arial" panose="020B0604020202020204" pitchFamily="34" charset="0"/>
-              <a:buChar char="•"/>
-            </a:pPr>
-            <a:endParaRPr lang="en-US" dirty="0"/>
+            <a:endParaRPr lang="en-US"/>
           </a:p>
         </p:txBody>
       </p:sp>
@@ -15034,7 +15169,7 @@
     </p:spTree>
     <p:extLst>
       <p:ext uri="{BB962C8B-B14F-4D97-AF65-F5344CB8AC3E}">
-        <p14:creationId xmlns:p14="http://schemas.microsoft.com/office/powerpoint/2010/main" val="4015911554"/>
+        <p14:creationId xmlns:p14="http://schemas.microsoft.com/office/powerpoint/2010/main" val="1422019846"/>
       </p:ext>
     </p:extLst>
   </p:cSld>
@@ -15088,13 +15223,46 @@
           <a:bodyPr/>
           <a:lstStyle/>
           <a:p>
+            <a:r>
+              <a:rPr lang="en-US" dirty="0" smtClean="0"/>
+              <a:t>Farmer Analogy</a:t>
+            </a:r>
+          </a:p>
+          <a:p>
             <a:pPr marL="171450" indent="-171450">
               <a:buFont typeface="Arial" panose="020B0604020202020204" pitchFamily="34" charset="0"/>
               <a:buChar char="•"/>
             </a:pPr>
             <a:r>
               <a:rPr lang="en-US" dirty="0" smtClean="0"/>
-              <a:t>DEMANDS</a:t>
+              <a:t>If</a:t>
+            </a:r>
+            <a:r>
+              <a:rPr lang="en-US" baseline="0" dirty="0" smtClean="0"/>
+              <a:t> you have no food, you have some options:</a:t>
+            </a:r>
+          </a:p>
+          <a:p>
+            <a:pPr marL="628650" marR="0" lvl="1" indent="-171450" algn="l" defTabSz="914400" rtl="0" eaLnBrk="1" fontAlgn="auto" latinLnBrk="0" hangingPunct="1">
+              <a:lnSpc>
+                <a:spcPct val="100000"/>
+              </a:lnSpc>
+              <a:spcBef>
+                <a:spcPts val="0"/>
+              </a:spcBef>
+              <a:spcAft>
+                <a:spcPts val="0"/>
+              </a:spcAft>
+              <a:buClrTx/>
+              <a:buSzTx/>
+              <a:buFont typeface="Arial" panose="020B0604020202020204" pitchFamily="34" charset="0"/>
+              <a:buChar char="•"/>
+              <a:tabLst/>
+              <a:defRPr/>
+            </a:pPr>
+            <a:r>
+              <a:rPr lang="en-US" baseline="0" dirty="0" smtClean="0"/>
+              <a:t>Create your own data (start a garden)</a:t>
             </a:r>
           </a:p>
           <a:p>
@@ -15104,7 +15272,7 @@
             </a:pPr>
             <a:r>
               <a:rPr lang="en-US" baseline="0" dirty="0" smtClean="0"/>
-              <a:t>Do your questions make sense?</a:t>
+              <a:t>Use Open Data (go to McDonald’s)</a:t>
             </a:r>
           </a:p>
           <a:p>
@@ -15114,232 +15282,22 @@
             </a:pPr>
             <a:r>
               <a:rPr lang="en-US" baseline="0" dirty="0" smtClean="0"/>
-              <a:t>Will your model answer the questions you’re asking?</a:t>
-            </a:r>
-            <a:endParaRPr lang="en-US" dirty="0" smtClean="0"/>
+              <a:t>Scrape the data (go grocery shopping)</a:t>
+            </a:r>
           </a:p>
           <a:p>
             <a:pPr marL="628650" lvl="1" indent="-171450">
               <a:buFont typeface="Arial" panose="020B0604020202020204" pitchFamily="34" charset="0"/>
               <a:buChar char="•"/>
             </a:pPr>
-            <a:r>
-              <a:rPr lang="en-US" b="1" dirty="0" smtClean="0"/>
-              <a:t>What</a:t>
-            </a:r>
-            <a:r>
-              <a:rPr lang="en-US" b="1" baseline="0" dirty="0" smtClean="0"/>
-              <a:t> data do you need to do the analysis? </a:t>
-            </a:r>
-          </a:p>
-          <a:p>
-            <a:pPr marL="1085850" lvl="2" indent="-171450">
-              <a:buFont typeface="Arial" panose="020B0604020202020204" pitchFamily="34" charset="0"/>
-              <a:buChar char="•"/>
-            </a:pPr>
-            <a:r>
-              <a:rPr lang="en-US" baseline="0" dirty="0" smtClean="0"/>
-              <a:t>Make a list of variables; are they attainable?</a:t>
-            </a:r>
-          </a:p>
-          <a:p>
-            <a:pPr marL="171450" lvl="0" indent="-171450">
-              <a:buFont typeface="Arial" panose="020B0604020202020204" pitchFamily="34" charset="0"/>
-              <a:buChar char="•"/>
-            </a:pPr>
-            <a:r>
-              <a:rPr lang="en-US" baseline="0" dirty="0" smtClean="0"/>
-              <a:t>ONLINE SOURCES</a:t>
-            </a:r>
+            <a:endParaRPr lang="en-US" baseline="0" dirty="0" smtClean="0"/>
           </a:p>
           <a:p>
             <a:pPr marL="628650" lvl="1" indent="-171450">
               <a:buFont typeface="Arial" panose="020B0604020202020204" pitchFamily="34" charset="0"/>
               <a:buChar char="•"/>
             </a:pPr>
-            <a:r>
-              <a:rPr lang="en-US" baseline="0" dirty="0" smtClean="0"/>
-              <a:t>There are countless “</a:t>
-            </a:r>
-            <a:r>
-              <a:rPr lang="en-US" baseline="0" dirty="0" err="1" smtClean="0"/>
-              <a:t>opendata</a:t>
-            </a:r>
-            <a:r>
-              <a:rPr lang="en-US" baseline="0" dirty="0" smtClean="0"/>
-              <a:t>” databases available for free online.</a:t>
-            </a:r>
-          </a:p>
-          <a:p>
-            <a:pPr marL="628650" lvl="1" indent="-171450">
-              <a:buFont typeface="Arial" panose="020B0604020202020204" pitchFamily="34" charset="0"/>
-              <a:buChar char="•"/>
-            </a:pPr>
-            <a:r>
-              <a:rPr lang="en-US" baseline="0" dirty="0" smtClean="0"/>
-              <a:t>Forums like </a:t>
-            </a:r>
-            <a:r>
-              <a:rPr lang="en-US" baseline="0" dirty="0" err="1" smtClean="0"/>
-              <a:t>Reddit</a:t>
-            </a:r>
-            <a:r>
-              <a:rPr lang="en-US" baseline="0" dirty="0" smtClean="0"/>
-              <a:t> and </a:t>
-            </a:r>
-            <a:r>
-              <a:rPr lang="en-US" baseline="0" dirty="0" err="1" smtClean="0"/>
-              <a:t>Quora</a:t>
-            </a:r>
-            <a:r>
-              <a:rPr lang="en-US" baseline="0" dirty="0" smtClean="0"/>
-              <a:t> are great for asking questions.</a:t>
-            </a:r>
-          </a:p>
-          <a:p>
-            <a:pPr marL="628650" lvl="1" indent="-171450">
-              <a:buFont typeface="Arial" panose="020B0604020202020204" pitchFamily="34" charset="0"/>
-              <a:buChar char="•"/>
-            </a:pPr>
-            <a:r>
-              <a:rPr lang="en-US" baseline="0" dirty="0" smtClean="0"/>
-              <a:t>Python may have a module that retrieves the data you’re looking for.</a:t>
-            </a:r>
-          </a:p>
-          <a:p>
-            <a:pPr marL="628650" lvl="1" indent="-171450">
-              <a:buFont typeface="Arial" panose="020B0604020202020204" pitchFamily="34" charset="0"/>
-              <a:buChar char="•"/>
-            </a:pPr>
-            <a:r>
-              <a:rPr lang="en-US" baseline="0" dirty="0" smtClean="0"/>
-              <a:t>Best case: someone already did the same project!</a:t>
-            </a:r>
-          </a:p>
-          <a:p>
-            <a:pPr marL="171450" lvl="0" indent="-171450">
-              <a:buFont typeface="Arial" panose="020B0604020202020204" pitchFamily="34" charset="0"/>
-              <a:buChar char="•"/>
-            </a:pPr>
-            <a:r>
-              <a:rPr lang="en-US" baseline="0" dirty="0" smtClean="0"/>
-              <a:t>NETWORK</a:t>
-            </a:r>
-          </a:p>
-          <a:p>
-            <a:pPr marL="628650" lvl="1" indent="-171450">
-              <a:buFont typeface="Arial" panose="020B0604020202020204" pitchFamily="34" charset="0"/>
-              <a:buChar char="•"/>
-            </a:pPr>
-            <a:r>
-              <a:rPr lang="en-US" baseline="0" dirty="0" smtClean="0"/>
-              <a:t>Talk to a professor about your project.</a:t>
-            </a:r>
-          </a:p>
-          <a:p>
-            <a:pPr marL="628650" lvl="1" indent="-171450">
-              <a:buFont typeface="Arial" panose="020B0604020202020204" pitchFamily="34" charset="0"/>
-              <a:buChar char="•"/>
-            </a:pPr>
-            <a:r>
-              <a:rPr lang="en-US" baseline="0" dirty="0" smtClean="0"/>
-              <a:t>Search databases available only through MSU’s paid subscriptions.</a:t>
-            </a:r>
-          </a:p>
-          <a:p>
-            <a:pPr marL="171450" lvl="0" indent="-171450">
-              <a:buFont typeface="Arial" panose="020B0604020202020204" pitchFamily="34" charset="0"/>
-              <a:buChar char="•"/>
-            </a:pPr>
-            <a:r>
-              <a:rPr lang="en-US" baseline="0" dirty="0" smtClean="0"/>
-              <a:t>TRY SOMETHING ELSE</a:t>
-            </a:r>
-          </a:p>
-          <a:p>
-            <a:pPr marL="628650" lvl="1" indent="-171450">
-              <a:buFont typeface="Arial" panose="020B0604020202020204" pitchFamily="34" charset="0"/>
-              <a:buChar char="•"/>
-            </a:pPr>
-            <a:r>
-              <a:rPr lang="en-US" baseline="0" dirty="0" smtClean="0"/>
-              <a:t>The first solution is rarely the best solution.</a:t>
-            </a:r>
-          </a:p>
-          <a:p>
-            <a:pPr marL="1085850" lvl="2" indent="-171450">
-              <a:buFont typeface="Arial" panose="020B0604020202020204" pitchFamily="34" charset="0"/>
-              <a:buChar char="•"/>
-            </a:pPr>
-            <a:r>
-              <a:rPr lang="en-US" baseline="0" dirty="0" smtClean="0"/>
-              <a:t>Think about the problem for 5 minutes, then continue.</a:t>
-            </a:r>
-          </a:p>
-          <a:p>
-            <a:pPr marL="628650" lvl="1" indent="-171450">
-              <a:buFont typeface="Arial" panose="020B0604020202020204" pitchFamily="34" charset="0"/>
-              <a:buChar char="•"/>
-            </a:pPr>
-            <a:r>
-              <a:rPr lang="en-US" baseline="0" dirty="0" smtClean="0"/>
-              <a:t>Is it even worth your time?</a:t>
-            </a:r>
-          </a:p>
-          <a:p>
-            <a:pPr marL="628650" lvl="1" indent="-171450">
-              <a:buFont typeface="Arial" panose="020B0604020202020204" pitchFamily="34" charset="0"/>
-              <a:buChar char="•"/>
-            </a:pPr>
-            <a:r>
-              <a:rPr lang="en-US" baseline="0" dirty="0" smtClean="0"/>
-              <a:t>Web scraping programs can be time-consuming to create.</a:t>
-            </a:r>
-          </a:p>
-          <a:p>
-            <a:pPr marL="1085850" lvl="2" indent="-171450">
-              <a:buFont typeface="Arial" panose="020B0604020202020204" pitchFamily="34" charset="0"/>
-              <a:buChar char="•"/>
-            </a:pPr>
-            <a:r>
-              <a:rPr lang="en-US" baseline="0" dirty="0" smtClean="0"/>
-              <a:t>Many online sources are structured in simple HTML</a:t>
-            </a:r>
-          </a:p>
-          <a:p>
-            <a:pPr marL="1085850" lvl="2" indent="-171450">
-              <a:buFont typeface="Arial" panose="020B0604020202020204" pitchFamily="34" charset="0"/>
-              <a:buChar char="•"/>
-            </a:pPr>
-            <a:r>
-              <a:rPr lang="en-US" baseline="0" dirty="0" smtClean="0"/>
-              <a:t>But many more are generated with </a:t>
-            </a:r>
-            <a:r>
-              <a:rPr lang="en-US" baseline="0" dirty="0" err="1" smtClean="0"/>
-              <a:t>jquery</a:t>
-            </a:r>
-            <a:endParaRPr lang="en-US" baseline="0" dirty="0" smtClean="0"/>
-          </a:p>
-          <a:p>
-            <a:pPr marL="628650" lvl="1" indent="-171450">
-              <a:buFont typeface="Arial" panose="020B0604020202020204" pitchFamily="34" charset="0"/>
-              <a:buChar char="•"/>
-            </a:pPr>
-            <a:r>
-              <a:rPr lang="en-US" baseline="0" dirty="0" smtClean="0"/>
-              <a:t>Difficult to maintain.</a:t>
-            </a:r>
-          </a:p>
-          <a:p>
-            <a:pPr marL="1085850" lvl="2" indent="-171450">
-              <a:buFont typeface="Arial" panose="020B0604020202020204" pitchFamily="34" charset="0"/>
-              <a:buChar char="•"/>
-            </a:pPr>
-            <a:r>
-              <a:rPr lang="en-US" baseline="0" dirty="0" smtClean="0"/>
-              <a:t>Many websites frequently change their layouts. </a:t>
-            </a:r>
+            <a:endParaRPr lang="en-US" dirty="0"/>
           </a:p>
         </p:txBody>
       </p:sp>
@@ -15369,7 +15327,7 @@
     </p:spTree>
     <p:extLst>
       <p:ext uri="{BB962C8B-B14F-4D97-AF65-F5344CB8AC3E}">
-        <p14:creationId xmlns:p14="http://schemas.microsoft.com/office/powerpoint/2010/main" val="900668656"/>
+        <p14:creationId xmlns:p14="http://schemas.microsoft.com/office/powerpoint/2010/main" val="4015911554"/>
       </p:ext>
     </p:extLst>
   </p:cSld>
@@ -15429,21 +15387,7 @@
             </a:pPr>
             <a:r>
               <a:rPr lang="en-US" dirty="0" smtClean="0"/>
-              <a:t>Store</a:t>
-            </a:r>
-            <a:r>
-              <a:rPr lang="en-US" baseline="0" dirty="0" smtClean="0"/>
-              <a:t> data locally</a:t>
-            </a:r>
-          </a:p>
-          <a:p>
-            <a:pPr marL="171450" indent="-171450">
-              <a:buFont typeface="Arial" panose="020B0604020202020204" pitchFamily="34" charset="0"/>
-              <a:buChar char="•"/>
-            </a:pPr>
-            <a:r>
-              <a:rPr lang="en-US" baseline="0" dirty="0" smtClean="0"/>
-              <a:t>Always write encoded bytes</a:t>
+              <a:t>DEMANDS</a:t>
             </a:r>
           </a:p>
           <a:p>
@@ -15453,21 +15397,7 @@
             </a:pPr>
             <a:r>
               <a:rPr lang="en-US" baseline="0" dirty="0" smtClean="0"/>
-              <a:t>It’s a headache you don’t want. </a:t>
-            </a:r>
-          </a:p>
-          <a:p>
-            <a:pPr marL="171450" indent="-171450">
-              <a:buFont typeface="Arial" panose="020B0604020202020204" pitchFamily="34" charset="0"/>
-              <a:buChar char="•"/>
-            </a:pPr>
-            <a:r>
-              <a:rPr lang="en-US" dirty="0" smtClean="0"/>
-              <a:t>ID</a:t>
-            </a:r>
-            <a:r>
-              <a:rPr lang="en-US" baseline="0" dirty="0" smtClean="0"/>
-              <a:t> your html files.</a:t>
+              <a:t>Do your questions make sense?</a:t>
             </a:r>
           </a:p>
           <a:p>
@@ -15477,7 +15407,7 @@
             </a:pPr>
             <a:r>
               <a:rPr lang="en-US" baseline="0" dirty="0" smtClean="0"/>
-              <a:t>I had a case where there were two football players with the same name. It’s bullshit, but it can happen.</a:t>
+              <a:t>Will your model answer the questions you’re asking?</a:t>
             </a:r>
             <a:endParaRPr lang="en-US" dirty="0" smtClean="0"/>
           </a:p>
@@ -15487,14 +15417,222 @@
               <a:buChar char="•"/>
             </a:pPr>
             <a:r>
-              <a:rPr lang="en-US" dirty="0" smtClean="0"/>
-              <a:t>Why hexadecimal?</a:t>
-            </a:r>
+              <a:rPr lang="en-US" b="1" dirty="0" smtClean="0"/>
+              <a:t>What</a:t>
+            </a:r>
+            <a:r>
+              <a:rPr lang="en-US" b="1" baseline="0" dirty="0" smtClean="0"/>
+              <a:t> data do you need to do the analysis? </a:t>
+            </a:r>
+          </a:p>
+          <a:p>
+            <a:pPr marL="1085850" lvl="2" indent="-171450">
+              <a:buFont typeface="Arial" panose="020B0604020202020204" pitchFamily="34" charset="0"/>
+              <a:buChar char="•"/>
+            </a:pPr>
             <a:r>
               <a:rPr lang="en-US" baseline="0" dirty="0" smtClean="0"/>
-              <a:t> A column of numbers or illegible strings aren’t obviously ID numbers. Hexadecimal is easy to see and recognize as an ID number.</a:t>
-            </a:r>
-            <a:endParaRPr lang="en-US" dirty="0"/>
+              <a:t>Make a list of variables; are they attainable?</a:t>
+            </a:r>
+          </a:p>
+          <a:p>
+            <a:pPr marL="171450" lvl="0" indent="-171450">
+              <a:buFont typeface="Arial" panose="020B0604020202020204" pitchFamily="34" charset="0"/>
+              <a:buChar char="•"/>
+            </a:pPr>
+            <a:r>
+              <a:rPr lang="en-US" baseline="0" dirty="0" smtClean="0"/>
+              <a:t>ONLINE SOURCES</a:t>
+            </a:r>
+          </a:p>
+          <a:p>
+            <a:pPr marL="628650" lvl="1" indent="-171450">
+              <a:buFont typeface="Arial" panose="020B0604020202020204" pitchFamily="34" charset="0"/>
+              <a:buChar char="•"/>
+            </a:pPr>
+            <a:r>
+              <a:rPr lang="en-US" baseline="0" dirty="0" smtClean="0"/>
+              <a:t>There are countless “</a:t>
+            </a:r>
+            <a:r>
+              <a:rPr lang="en-US" baseline="0" dirty="0" err="1" smtClean="0"/>
+              <a:t>opendata</a:t>
+            </a:r>
+            <a:r>
+              <a:rPr lang="en-US" baseline="0" dirty="0" smtClean="0"/>
+              <a:t>” databases available for free online.</a:t>
+            </a:r>
+          </a:p>
+          <a:p>
+            <a:pPr marL="628650" lvl="1" indent="-171450">
+              <a:buFont typeface="Arial" panose="020B0604020202020204" pitchFamily="34" charset="0"/>
+              <a:buChar char="•"/>
+            </a:pPr>
+            <a:r>
+              <a:rPr lang="en-US" baseline="0" dirty="0" smtClean="0"/>
+              <a:t>Forums like </a:t>
+            </a:r>
+            <a:r>
+              <a:rPr lang="en-US" baseline="0" dirty="0" err="1" smtClean="0"/>
+              <a:t>Reddit</a:t>
+            </a:r>
+            <a:r>
+              <a:rPr lang="en-US" baseline="0" dirty="0" smtClean="0"/>
+              <a:t> and </a:t>
+            </a:r>
+            <a:r>
+              <a:rPr lang="en-US" baseline="0" dirty="0" err="1" smtClean="0"/>
+              <a:t>Quora</a:t>
+            </a:r>
+            <a:r>
+              <a:rPr lang="en-US" baseline="0" dirty="0" smtClean="0"/>
+              <a:t> are great for asking questions.</a:t>
+            </a:r>
+          </a:p>
+          <a:p>
+            <a:pPr marL="628650" lvl="1" indent="-171450">
+              <a:buFont typeface="Arial" panose="020B0604020202020204" pitchFamily="34" charset="0"/>
+              <a:buChar char="•"/>
+            </a:pPr>
+            <a:r>
+              <a:rPr lang="en-US" baseline="0" dirty="0" smtClean="0"/>
+              <a:t>Python may have a module that retrieves the data you’re looking for.</a:t>
+            </a:r>
+          </a:p>
+          <a:p>
+            <a:pPr marL="628650" lvl="1" indent="-171450">
+              <a:buFont typeface="Arial" panose="020B0604020202020204" pitchFamily="34" charset="0"/>
+              <a:buChar char="•"/>
+            </a:pPr>
+            <a:r>
+              <a:rPr lang="en-US" baseline="0" dirty="0" smtClean="0"/>
+              <a:t>Best case: someone already did the same project!</a:t>
+            </a:r>
+          </a:p>
+          <a:p>
+            <a:pPr marL="171450" lvl="0" indent="-171450">
+              <a:buFont typeface="Arial" panose="020B0604020202020204" pitchFamily="34" charset="0"/>
+              <a:buChar char="•"/>
+            </a:pPr>
+            <a:r>
+              <a:rPr lang="en-US" baseline="0" dirty="0" smtClean="0"/>
+              <a:t>NETWORK</a:t>
+            </a:r>
+          </a:p>
+          <a:p>
+            <a:pPr marL="628650" lvl="1" indent="-171450">
+              <a:buFont typeface="Arial" panose="020B0604020202020204" pitchFamily="34" charset="0"/>
+              <a:buChar char="•"/>
+            </a:pPr>
+            <a:r>
+              <a:rPr lang="en-US" baseline="0" dirty="0" smtClean="0"/>
+              <a:t>Talk to a professor about your project.</a:t>
+            </a:r>
+          </a:p>
+          <a:p>
+            <a:pPr marL="628650" lvl="1" indent="-171450">
+              <a:buFont typeface="Arial" panose="020B0604020202020204" pitchFamily="34" charset="0"/>
+              <a:buChar char="•"/>
+            </a:pPr>
+            <a:r>
+              <a:rPr lang="en-US" baseline="0" dirty="0" smtClean="0"/>
+              <a:t>Search databases available only through MSU’s paid subscriptions.</a:t>
+            </a:r>
+          </a:p>
+          <a:p>
+            <a:pPr marL="171450" lvl="0" indent="-171450">
+              <a:buFont typeface="Arial" panose="020B0604020202020204" pitchFamily="34" charset="0"/>
+              <a:buChar char="•"/>
+            </a:pPr>
+            <a:r>
+              <a:rPr lang="en-US" baseline="0" dirty="0" smtClean="0"/>
+              <a:t>TRY SOMETHING ELSE</a:t>
+            </a:r>
+          </a:p>
+          <a:p>
+            <a:pPr marL="628650" lvl="1" indent="-171450">
+              <a:buFont typeface="Arial" panose="020B0604020202020204" pitchFamily="34" charset="0"/>
+              <a:buChar char="•"/>
+            </a:pPr>
+            <a:r>
+              <a:rPr lang="en-US" baseline="0" dirty="0" smtClean="0"/>
+              <a:t>The first solution is rarely the best solution.</a:t>
+            </a:r>
+          </a:p>
+          <a:p>
+            <a:pPr marL="1085850" lvl="2" indent="-171450">
+              <a:buFont typeface="Arial" panose="020B0604020202020204" pitchFamily="34" charset="0"/>
+              <a:buChar char="•"/>
+            </a:pPr>
+            <a:r>
+              <a:rPr lang="en-US" baseline="0" dirty="0" smtClean="0"/>
+              <a:t>Think about the problem for 5 minutes, then continue.</a:t>
+            </a:r>
+          </a:p>
+          <a:p>
+            <a:pPr marL="628650" lvl="1" indent="-171450">
+              <a:buFont typeface="Arial" panose="020B0604020202020204" pitchFamily="34" charset="0"/>
+              <a:buChar char="•"/>
+            </a:pPr>
+            <a:r>
+              <a:rPr lang="en-US" baseline="0" dirty="0" smtClean="0"/>
+              <a:t>Is it even worth your time?</a:t>
+            </a:r>
+          </a:p>
+          <a:p>
+            <a:pPr marL="628650" lvl="1" indent="-171450">
+              <a:buFont typeface="Arial" panose="020B0604020202020204" pitchFamily="34" charset="0"/>
+              <a:buChar char="•"/>
+            </a:pPr>
+            <a:r>
+              <a:rPr lang="en-US" baseline="0" dirty="0" smtClean="0"/>
+              <a:t>Web scraping programs can be time-consuming to create.</a:t>
+            </a:r>
+          </a:p>
+          <a:p>
+            <a:pPr marL="1085850" lvl="2" indent="-171450">
+              <a:buFont typeface="Arial" panose="020B0604020202020204" pitchFamily="34" charset="0"/>
+              <a:buChar char="•"/>
+            </a:pPr>
+            <a:r>
+              <a:rPr lang="en-US" baseline="0" dirty="0" smtClean="0"/>
+              <a:t>Many online sources are structured in simple HTML</a:t>
+            </a:r>
+          </a:p>
+          <a:p>
+            <a:pPr marL="1085850" lvl="2" indent="-171450">
+              <a:buFont typeface="Arial" panose="020B0604020202020204" pitchFamily="34" charset="0"/>
+              <a:buChar char="•"/>
+            </a:pPr>
+            <a:r>
+              <a:rPr lang="en-US" baseline="0" dirty="0" smtClean="0"/>
+              <a:t>But many more are generated with </a:t>
+            </a:r>
+            <a:r>
+              <a:rPr lang="en-US" baseline="0" dirty="0" err="1" smtClean="0"/>
+              <a:t>jquery</a:t>
+            </a:r>
+            <a:endParaRPr lang="en-US" baseline="0" dirty="0" smtClean="0"/>
+          </a:p>
+          <a:p>
+            <a:pPr marL="628650" lvl="1" indent="-171450">
+              <a:buFont typeface="Arial" panose="020B0604020202020204" pitchFamily="34" charset="0"/>
+              <a:buChar char="•"/>
+            </a:pPr>
+            <a:r>
+              <a:rPr lang="en-US" baseline="0" dirty="0" smtClean="0"/>
+              <a:t>Difficult to maintain.</a:t>
+            </a:r>
+          </a:p>
+          <a:p>
+            <a:pPr marL="1085850" lvl="2" indent="-171450">
+              <a:buFont typeface="Arial" panose="020B0604020202020204" pitchFamily="34" charset="0"/>
+              <a:buChar char="•"/>
+            </a:pPr>
+            <a:r>
+              <a:rPr lang="en-US" baseline="0" dirty="0" smtClean="0"/>
+              <a:t>Many websites frequently change their layouts. </a:t>
+            </a:r>
           </a:p>
         </p:txBody>
       </p:sp>
@@ -15515,7 +15653,7 @@
           <a:p>
             <a:fld id="{E8AD8B35-8AAF-4BB4-99C7-CC4175DA3045}" type="slidenum">
               <a:rPr lang="en-US" smtClean="0"/>
-              <a:t>14</a:t>
+              <a:t>11</a:t>
             </a:fld>
             <a:endParaRPr lang="en-US"/>
           </a:p>
@@ -15524,7 +15662,7 @@
     </p:spTree>
     <p:extLst>
       <p:ext uri="{BB962C8B-B14F-4D97-AF65-F5344CB8AC3E}">
-        <p14:creationId xmlns:p14="http://schemas.microsoft.com/office/powerpoint/2010/main" val="110066483"/>
+        <p14:creationId xmlns:p14="http://schemas.microsoft.com/office/powerpoint/2010/main" val="900668656"/>
       </p:ext>
     </p:extLst>
   </p:cSld>
@@ -15584,7 +15722,11 @@
             </a:pPr>
             <a:r>
               <a:rPr lang="en-US" dirty="0" smtClean="0"/>
-              <a:t>Return encoded bytes or text depending on your needs</a:t>
+              <a:t>Store</a:t>
+            </a:r>
+            <a:r>
+              <a:rPr lang="en-US" baseline="0" dirty="0" smtClean="0"/>
+              <a:t> data locally</a:t>
             </a:r>
           </a:p>
           <a:p>
@@ -15593,16 +15735,57 @@
               <a:buChar char="•"/>
             </a:pPr>
             <a:r>
+              <a:rPr lang="en-US" baseline="0" dirty="0" smtClean="0"/>
+              <a:t>Always write encoded bytes</a:t>
+            </a:r>
+          </a:p>
+          <a:p>
+            <a:pPr marL="628650" lvl="1" indent="-171450">
+              <a:buFont typeface="Arial" panose="020B0604020202020204" pitchFamily="34" charset="0"/>
+              <a:buChar char="•"/>
+            </a:pPr>
+            <a:r>
+              <a:rPr lang="en-US" baseline="0" dirty="0" smtClean="0"/>
+              <a:t>It’s a headache you don’t want. </a:t>
+            </a:r>
+          </a:p>
+          <a:p>
+            <a:pPr marL="171450" indent="-171450">
+              <a:buFont typeface="Arial" panose="020B0604020202020204" pitchFamily="34" charset="0"/>
+              <a:buChar char="•"/>
+            </a:pPr>
+            <a:r>
               <a:rPr lang="en-US" dirty="0" smtClean="0"/>
-              <a:t>Outsmart</a:t>
+              <a:t>ID</a:t>
             </a:r>
             <a:r>
               <a:rPr lang="en-US" baseline="0" dirty="0" smtClean="0"/>
-              <a:t> the </a:t>
-            </a:r>
-            <a:r>
-              <a:rPr lang="en-US" baseline="0" dirty="0" err="1" smtClean="0"/>
-              <a:t>webdev</a:t>
+              <a:t> your html files.</a:t>
+            </a:r>
+          </a:p>
+          <a:p>
+            <a:pPr marL="628650" lvl="1" indent="-171450">
+              <a:buFont typeface="Arial" panose="020B0604020202020204" pitchFamily="34" charset="0"/>
+              <a:buChar char="•"/>
+            </a:pPr>
+            <a:r>
+              <a:rPr lang="en-US" baseline="0" dirty="0" smtClean="0"/>
+              <a:t>I had a case where there were two football players with the same name. It’s bullshit, but it can happen.</a:t>
+            </a:r>
+            <a:endParaRPr lang="en-US" dirty="0" smtClean="0"/>
+          </a:p>
+          <a:p>
+            <a:pPr marL="628650" lvl="1" indent="-171450">
+              <a:buFont typeface="Arial" panose="020B0604020202020204" pitchFamily="34" charset="0"/>
+              <a:buChar char="•"/>
+            </a:pPr>
+            <a:r>
+              <a:rPr lang="en-US" dirty="0" smtClean="0"/>
+              <a:t>Why hexadecimal?</a:t>
+            </a:r>
+            <a:r>
+              <a:rPr lang="en-US" baseline="0" dirty="0" smtClean="0"/>
+              <a:t> A column of numbers or illegible strings aren’t obviously ID numbers. Hexadecimal is easy to see and recognize as an ID number.</a:t>
             </a:r>
             <a:endParaRPr lang="en-US" dirty="0"/>
           </a:p>
@@ -15634,7 +15817,7 @@
     </p:spTree>
     <p:extLst>
       <p:ext uri="{BB962C8B-B14F-4D97-AF65-F5344CB8AC3E}">
-        <p14:creationId xmlns:p14="http://schemas.microsoft.com/office/powerpoint/2010/main" val="3014645166"/>
+        <p14:creationId xmlns:p14="http://schemas.microsoft.com/office/powerpoint/2010/main" val="110066483"/>
       </p:ext>
     </p:extLst>
   </p:cSld>
@@ -15688,19 +15871,31 @@
           <a:bodyPr/>
           <a:lstStyle/>
           <a:p>
+            <a:pPr marL="171450" indent="-171450">
+              <a:buFont typeface="Arial" panose="020B0604020202020204" pitchFamily="34" charset="0"/>
+              <a:buChar char="•"/>
+            </a:pPr>
             <a:r>
               <a:rPr lang="en-US" dirty="0" smtClean="0"/>
-              <a:t>Hypertext</a:t>
+              <a:t>Return encoded bytes or text depending on your needs</a:t>
+            </a:r>
+          </a:p>
+          <a:p>
+            <a:pPr marL="171450" indent="-171450">
+              <a:buFont typeface="Arial" panose="020B0604020202020204" pitchFamily="34" charset="0"/>
+              <a:buChar char="•"/>
+            </a:pPr>
+            <a:r>
+              <a:rPr lang="en-US" dirty="0" smtClean="0"/>
+              <a:t>Outsmart</a:t>
             </a:r>
             <a:r>
               <a:rPr lang="en-US" baseline="0" dirty="0" smtClean="0"/>
-              <a:t>: Think “hyperlink.” Hypertext facilitates linking topics within text.</a:t>
-            </a:r>
-          </a:p>
-          <a:p>
-            <a:r>
-              <a:rPr lang="en-US" dirty="0" smtClean="0"/>
-              <a:t>HTML is structured data</a:t>
+              <a:t> the </a:t>
+            </a:r>
+            <a:r>
+              <a:rPr lang="en-US" baseline="0" dirty="0" err="1" smtClean="0"/>
+              <a:t>webdev</a:t>
             </a:r>
             <a:endParaRPr lang="en-US" dirty="0"/>
           </a:p>
@@ -15723,7 +15918,7 @@
           <a:p>
             <a:fld id="{E8AD8B35-8AAF-4BB4-99C7-CC4175DA3045}" type="slidenum">
               <a:rPr lang="en-US" smtClean="0"/>
-              <a:t>18</a:t>
+              <a:t>16</a:t>
             </a:fld>
             <a:endParaRPr lang="en-US"/>
           </a:p>
@@ -15732,7 +15927,7 @@
     </p:spTree>
     <p:extLst>
       <p:ext uri="{BB962C8B-B14F-4D97-AF65-F5344CB8AC3E}">
-        <p14:creationId xmlns:p14="http://schemas.microsoft.com/office/powerpoint/2010/main" val="125822522"/>
+        <p14:creationId xmlns:p14="http://schemas.microsoft.com/office/powerpoint/2010/main" val="3014645166"/>
       </p:ext>
     </p:extLst>
   </p:cSld>
@@ -15788,127 +15983,18 @@
           <a:p>
             <a:r>
               <a:rPr lang="en-US" dirty="0" smtClean="0"/>
-              <a:t>Be careful of what objects are being returned.</a:t>
-            </a:r>
-          </a:p>
-          <a:p>
-            <a:pPr lvl="1"/>
+              <a:t>Hypertext</a:t>
+            </a:r>
+            <a:r>
+              <a:rPr lang="en-US" baseline="0" dirty="0" smtClean="0"/>
+              <a:t>: Think “hyperlink.” Hypertext facilitates linking topics within text.</a:t>
+            </a:r>
+          </a:p>
+          <a:p>
             <a:r>
               <a:rPr lang="en-US" dirty="0" smtClean="0"/>
-              <a:t>The </a:t>
-            </a:r>
-            <a:r>
-              <a:rPr lang="en-US" dirty="0" smtClean="0">
-                <a:latin typeface="Consolas" panose="020B0609020204030204" pitchFamily="49" charset="0"/>
-              </a:rPr>
-              <a:t>find</a:t>
-            </a:r>
-            <a:r>
-              <a:rPr lang="en-US" dirty="0" smtClean="0"/>
-              <a:t> method returns a </a:t>
-            </a:r>
-            <a:r>
-              <a:rPr lang="en-US" dirty="0" smtClean="0">
-                <a:latin typeface="Consolas" panose="020B0609020204030204" pitchFamily="49" charset="0"/>
-              </a:rPr>
-              <a:t>Tag</a:t>
-            </a:r>
-            <a:r>
-              <a:rPr lang="en-US" dirty="0" smtClean="0"/>
-              <a:t> object.</a:t>
-            </a:r>
-          </a:p>
-          <a:p>
-            <a:pPr lvl="1"/>
-            <a:r>
-              <a:rPr lang="en-US" dirty="0" smtClean="0"/>
-              <a:t>The </a:t>
-            </a:r>
-            <a:r>
-              <a:rPr lang="en-US" dirty="0" err="1" smtClean="0">
-                <a:latin typeface="Consolas" panose="020B0609020204030204" pitchFamily="49" charset="0"/>
-              </a:rPr>
-              <a:t>find_all</a:t>
-            </a:r>
-            <a:r>
-              <a:rPr lang="en-US" dirty="0" smtClean="0"/>
-              <a:t> method returns a </a:t>
-            </a:r>
-            <a:r>
-              <a:rPr lang="en-US" dirty="0" err="1" smtClean="0">
-                <a:latin typeface="Consolas" panose="020B0609020204030204" pitchFamily="49" charset="0"/>
-              </a:rPr>
-              <a:t>ResultSet</a:t>
-            </a:r>
-            <a:r>
-              <a:rPr lang="en-US" dirty="0" smtClean="0"/>
-              <a:t> object.</a:t>
-            </a:r>
-          </a:p>
-          <a:p>
-            <a:pPr lvl="2"/>
-            <a:r>
-              <a:rPr lang="en-US" dirty="0" smtClean="0"/>
-              <a:t>You can’t chain </a:t>
-            </a:r>
-            <a:r>
-              <a:rPr lang="en-US" dirty="0" err="1" smtClean="0">
-                <a:latin typeface="Consolas" panose="020B0609020204030204" pitchFamily="49" charset="0"/>
-              </a:rPr>
-              <a:t>ResultSet</a:t>
-            </a:r>
-            <a:r>
-              <a:rPr lang="en-US" dirty="0" smtClean="0"/>
-              <a:t> objects together like you can with </a:t>
-            </a:r>
-            <a:r>
-              <a:rPr lang="en-US" dirty="0" smtClean="0">
-                <a:latin typeface="Consolas" panose="020B0609020204030204" pitchFamily="49" charset="0"/>
-              </a:rPr>
-              <a:t>Tag</a:t>
-            </a:r>
-            <a:r>
-              <a:rPr lang="en-US" dirty="0" smtClean="0"/>
-              <a:t> attributes and methods.</a:t>
-            </a:r>
-          </a:p>
-          <a:p>
-            <a:r>
-              <a:rPr lang="en-US" dirty="0" smtClean="0"/>
-              <a:t>In practice, we need more information to find the proper links.</a:t>
-            </a:r>
-          </a:p>
-          <a:p>
-            <a:pPr lvl="1"/>
-            <a:r>
-              <a:rPr lang="en-US" dirty="0" smtClean="0"/>
-              <a:t>Chrome has a </a:t>
-            </a:r>
-            <a:r>
-              <a:rPr lang="en-US" dirty="0" err="1" smtClean="0"/>
-              <a:t>SelectorGadget</a:t>
-            </a:r>
-            <a:r>
-              <a:rPr lang="en-US" dirty="0" smtClean="0"/>
-              <a:t> add-on which makes finding the proper html tags </a:t>
-            </a:r>
-            <a:r>
-              <a:rPr lang="en-US" i="1" dirty="0" smtClean="0"/>
-              <a:t>much</a:t>
-            </a:r>
-            <a:r>
-              <a:rPr lang="en-US" dirty="0" smtClean="0"/>
-              <a:t> easier.</a:t>
-            </a:r>
-          </a:p>
-          <a:p>
-            <a:pPr lvl="1"/>
-            <a:r>
-              <a:rPr lang="en-US" dirty="0" smtClean="0"/>
-              <a:t>We’ll cover this in more depth during the data mining workshop. It has deeper applications there. </a:t>
-            </a:r>
-          </a:p>
-          <a:p>
+              <a:t>HTML is structured data</a:t>
+            </a:r>
             <a:endParaRPr lang="en-US" dirty="0"/>
           </a:p>
         </p:txBody>
@@ -15930,7 +16016,7 @@
           <a:p>
             <a:fld id="{E8AD8B35-8AAF-4BB4-99C7-CC4175DA3045}" type="slidenum">
               <a:rPr lang="en-US" smtClean="0"/>
-              <a:t>27</a:t>
+              <a:t>19</a:t>
             </a:fld>
             <a:endParaRPr lang="en-US"/>
           </a:p>
@@ -15939,7 +16025,7 @@
     </p:spTree>
     <p:extLst>
       <p:ext uri="{BB962C8B-B14F-4D97-AF65-F5344CB8AC3E}">
-        <p14:creationId xmlns:p14="http://schemas.microsoft.com/office/powerpoint/2010/main" val="1126334594"/>
+        <p14:creationId xmlns:p14="http://schemas.microsoft.com/office/powerpoint/2010/main" val="125822522"/>
       </p:ext>
     </p:extLst>
   </p:cSld>
@@ -16135,7 +16221,7 @@
           <a:p>
             <a:fld id="{52215607-11D6-43DB-A632-8959DE9E22C1}" type="datetime1">
               <a:rPr lang="en-US" smtClean="0"/>
-              <a:t>2/5/2017</a:t>
+              <a:t>2/6/2017</a:t>
             </a:fld>
             <a:endParaRPr lang="en-US" dirty="0"/>
           </a:p>
@@ -16405,7 +16491,7 @@
           <a:p>
             <a:fld id="{44ACA27A-25E7-4621-8AD5-0A8AB93F880A}" type="datetime1">
               <a:rPr lang="en-US" smtClean="0"/>
-              <a:t>2/5/2017</a:t>
+              <a:t>2/6/2017</a:t>
             </a:fld>
             <a:endParaRPr lang="en-US" dirty="0"/>
           </a:p>
@@ -16594,7 +16680,7 @@
           <a:p>
             <a:fld id="{B344382C-58EE-4C23-8B63-C9F9955A5B78}" type="datetime1">
               <a:rPr lang="en-US" smtClean="0"/>
-              <a:t>2/5/2017</a:t>
+              <a:t>2/6/2017</a:t>
             </a:fld>
             <a:endParaRPr lang="en-US" dirty="0"/>
           </a:p>
@@ -16862,7 +16948,7 @@
           <a:p>
             <a:fld id="{5CBA7B5F-7A6F-4D02-8A77-7CB44DA9CFAA}" type="datetime1">
               <a:rPr lang="en-US" smtClean="0"/>
-              <a:t>2/5/2017</a:t>
+              <a:t>2/6/2017</a:t>
             </a:fld>
             <a:endParaRPr lang="en-US" dirty="0"/>
           </a:p>
@@ -17198,7 +17284,7 @@
           <a:p>
             <a:fld id="{ED5FADB8-28FF-45EF-8748-E571C5DA7FB3}" type="datetime1">
               <a:rPr lang="en-US" smtClean="0"/>
-              <a:t>2/5/2017</a:t>
+              <a:t>2/6/2017</a:t>
             </a:fld>
             <a:endParaRPr lang="en-US" dirty="0"/>
           </a:p>
@@ -17816,7 +17902,7 @@
           <a:p>
             <a:fld id="{53F02B18-3F8E-442B-8BEC-123156B77920}" type="datetime1">
               <a:rPr lang="en-US" smtClean="0"/>
-              <a:t>2/5/2017</a:t>
+              <a:t>2/6/2017</a:t>
             </a:fld>
             <a:endParaRPr lang="en-US" dirty="0"/>
           </a:p>
@@ -18671,7 +18757,7 @@
           <a:p>
             <a:fld id="{F75AC12D-22ED-4ABD-B9E2-1A5601B066AA}" type="datetime1">
               <a:rPr lang="en-US" smtClean="0"/>
-              <a:t>2/5/2017</a:t>
+              <a:t>2/6/2017</a:t>
             </a:fld>
             <a:endParaRPr lang="en-US" dirty="0"/>
           </a:p>
@@ -18836,7 +18922,7 @@
           <a:p>
             <a:fld id="{BFC26C43-F271-48BC-BCD0-53BD1AC65372}" type="datetime1">
               <a:rPr lang="en-US" smtClean="0"/>
-              <a:t>2/5/2017</a:t>
+              <a:t>2/6/2017</a:t>
             </a:fld>
             <a:endParaRPr lang="en-US" dirty="0"/>
           </a:p>
@@ -19011,7 +19097,7 @@
           <a:p>
             <a:fld id="{3B0189E2-2673-4C25-8890-56550F871584}" type="datetime1">
               <a:rPr lang="en-US" smtClean="0"/>
-              <a:t>2/5/2017</a:t>
+              <a:t>2/6/2017</a:t>
             </a:fld>
             <a:endParaRPr lang="en-US" dirty="0"/>
           </a:p>
@@ -19176,7 +19262,7 @@
           <a:p>
             <a:fld id="{78589E4E-23A2-4B5C-848B-A1D5BD4593E9}" type="datetime1">
               <a:rPr lang="en-US" smtClean="0"/>
-              <a:t>2/5/2017</a:t>
+              <a:t>2/6/2017</a:t>
             </a:fld>
             <a:endParaRPr lang="en-US" dirty="0"/>
           </a:p>
@@ -19418,7 +19504,7 @@
           <a:p>
             <a:fld id="{529A1154-F7C7-479B-BB0E-5B17D597C8D3}" type="datetime1">
               <a:rPr lang="en-US" smtClean="0"/>
-              <a:t>2/5/2017</a:t>
+              <a:t>2/6/2017</a:t>
             </a:fld>
             <a:endParaRPr lang="en-US" dirty="0"/>
           </a:p>
@@ -19705,7 +19791,7 @@
           <a:p>
             <a:fld id="{B953DC87-DD4E-4463-BE8A-B59FA2A5C50C}" type="datetime1">
               <a:rPr lang="en-US" smtClean="0"/>
-              <a:t>2/5/2017</a:t>
+              <a:t>2/6/2017</a:t>
             </a:fld>
             <a:endParaRPr lang="en-US" dirty="0"/>
           </a:p>
@@ -20144,7 +20230,7 @@
           <a:p>
             <a:fld id="{7BF4F230-9E82-4837-9D72-60E87803C205}" type="datetime1">
               <a:rPr lang="en-US" smtClean="0"/>
-              <a:t>2/5/2017</a:t>
+              <a:t>2/6/2017</a:t>
             </a:fld>
             <a:endParaRPr lang="en-US" dirty="0"/>
           </a:p>
@@ -20257,7 +20343,7 @@
           <a:p>
             <a:fld id="{D63B9926-7E8F-4566-972C-19AE6D51A39E}" type="datetime1">
               <a:rPr lang="en-US" smtClean="0"/>
-              <a:t>2/5/2017</a:t>
+              <a:t>2/6/2017</a:t>
             </a:fld>
             <a:endParaRPr lang="en-US" dirty="0"/>
           </a:p>
@@ -20347,7 +20433,7 @@
           <a:p>
             <a:fld id="{199EED17-0739-49D6-903B-C771CC2BEC87}" type="datetime1">
               <a:rPr lang="en-US" smtClean="0"/>
-              <a:t>2/5/2017</a:t>
+              <a:t>2/6/2017</a:t>
             </a:fld>
             <a:endParaRPr lang="en-US" dirty="0"/>
           </a:p>
@@ -20621,7 +20707,7 @@
           <a:p>
             <a:fld id="{10A759F7-BCCD-4355-8E98-6162F05F2014}" type="datetime1">
               <a:rPr lang="en-US" smtClean="0"/>
-              <a:t>2/5/2017</a:t>
+              <a:t>2/6/2017</a:t>
             </a:fld>
             <a:endParaRPr lang="en-US" dirty="0"/>
           </a:p>
@@ -20891,7 +20977,7 @@
           <a:p>
             <a:fld id="{F3F29709-1B23-47BB-BA02-798BA809FF80}" type="datetime1">
               <a:rPr lang="en-US" smtClean="0"/>
-              <a:t>2/5/2017</a:t>
+              <a:t>2/6/2017</a:t>
             </a:fld>
             <a:endParaRPr lang="en-US" dirty="0"/>
           </a:p>
@@ -21315,7 +21401,7 @@
           <a:p>
             <a:fld id="{9F2C2186-9C19-4671-8648-DCE56BD60161}" type="datetime1">
               <a:rPr lang="en-US" smtClean="0"/>
-              <a:t>2/5/2017</a:t>
+              <a:t>2/6/2017</a:t>
             </a:fld>
             <a:endParaRPr lang="en-US" dirty="0"/>
           </a:p>
@@ -21856,7 +21942,29 @@
           <a:p>
             <a:r>
               <a:rPr lang="en-US" dirty="0" smtClean="0"/>
-              <a:t>Modeling the NCAA Tournament with Python</a:t>
+              <a:t>Modeling </a:t>
+            </a:r>
+            <a:r>
+              <a:rPr lang="en-US" dirty="0" smtClean="0"/>
+              <a:t/>
+            </a:r>
+            <a:br>
+              <a:rPr lang="en-US" dirty="0" smtClean="0"/>
+            </a:br>
+            <a:r>
+              <a:rPr lang="en-US" dirty="0" smtClean="0"/>
+              <a:t>March Madness</a:t>
+            </a:r>
+            <a:br>
+              <a:rPr lang="en-US" dirty="0" smtClean="0"/>
+            </a:br>
+            <a:r>
+              <a:rPr lang="en-US" dirty="0" smtClean="0"/>
+              <a:t>with </a:t>
+            </a:r>
+            <a:r>
+              <a:rPr lang="en-US" dirty="0" smtClean="0"/>
+              <a:t>Python</a:t>
             </a:r>
             <a:endParaRPr lang="en-US" dirty="0"/>
           </a:p>
@@ -21872,24 +21980,43 @@
             <p:ph type="subTitle" idx="1"/>
           </p:nvPr>
         </p:nvSpPr>
-        <p:spPr/>
+        <p:spPr>
+          <a:xfrm>
+            <a:off x="1154955" y="4777380"/>
+            <a:ext cx="8825658" cy="975720"/>
+          </a:xfrm>
+        </p:spPr>
         <p:txBody>
-          <a:bodyPr/>
+          <a:bodyPr>
+            <a:normAutofit/>
+          </a:bodyPr>
           <a:lstStyle/>
           <a:p>
             <a:r>
               <a:rPr lang="en-US" cap="none" dirty="0" smtClean="0"/>
-              <a:t>A </a:t>
-            </a:r>
-            <a:r>
-              <a:rPr lang="en-US" cap="none" dirty="0" smtClean="0"/>
-              <a:t>four </a:t>
-            </a:r>
-            <a:r>
-              <a:rPr lang="en-US" cap="none" dirty="0" smtClean="0"/>
-              <a:t>part series! </a:t>
-            </a:r>
-            <a:endParaRPr lang="en-US" cap="none" dirty="0"/>
+              <a:t>Follow along at: </a:t>
+            </a:r>
+          </a:p>
+          <a:p>
+            <a:r>
+              <a:rPr lang="en-US" cap="none" dirty="0" smtClean="0">
+                <a:hlinkClick r:id="rId3"/>
+              </a:rPr>
+              <a:t>github.com/</a:t>
+            </a:r>
+            <a:r>
+              <a:rPr lang="en-US" cap="none" dirty="0" err="1" smtClean="0">
+                <a:hlinkClick r:id="rId3"/>
+              </a:rPr>
+              <a:t>nicholas-vogt</a:t>
+            </a:r>
+            <a:r>
+              <a:rPr lang="en-US" cap="none" dirty="0" smtClean="0">
+                <a:hlinkClick r:id="rId3"/>
+              </a:rPr>
+              <a:t>/modeling-march-madness</a:t>
+            </a:r>
+            <a:endParaRPr lang="en-US" cap="none" dirty="0" smtClean="0"/>
           </a:p>
         </p:txBody>
       </p:sp>
@@ -21937,6 +22064,211 @@
 </file>
 
 <file path=ppt/slides/slide10.xml><?xml version="1.0" encoding="utf-8"?>
+<p:sld xmlns:a="http://schemas.openxmlformats.org/drawingml/2006/main" xmlns:r="http://schemas.openxmlformats.org/officeDocument/2006/relationships" xmlns:p="http://schemas.openxmlformats.org/presentationml/2006/main">
+  <p:cSld>
+    <p:spTree>
+      <p:nvGrpSpPr>
+        <p:cNvPr id="1" name=""/>
+        <p:cNvGrpSpPr/>
+        <p:nvPr/>
+      </p:nvGrpSpPr>
+      <p:grpSpPr>
+        <a:xfrm>
+          <a:off x="0" y="0"/>
+          <a:ext cx="0" cy="0"/>
+          <a:chOff x="0" y="0"/>
+          <a:chExt cx="0" cy="0"/>
+        </a:xfrm>
+      </p:grpSpPr>
+      <p:sp>
+        <p:nvSpPr>
+          <p:cNvPr id="2" name="Title 1"/>
+          <p:cNvSpPr>
+            <a:spLocks noGrp="1"/>
+          </p:cNvSpPr>
+          <p:nvPr>
+            <p:ph type="title"/>
+          </p:nvPr>
+        </p:nvSpPr>
+        <p:spPr/>
+        <p:txBody>
+          <a:bodyPr/>
+          <a:lstStyle/>
+          <a:p>
+            <a:r>
+              <a:rPr lang="en-US" dirty="0" smtClean="0"/>
+              <a:t>Why Do I Need Web Scraping?</a:t>
+            </a:r>
+            <a:endParaRPr lang="en-US" dirty="0"/>
+          </a:p>
+        </p:txBody>
+      </p:sp>
+      <p:sp>
+        <p:nvSpPr>
+          <p:cNvPr id="3" name="Content Placeholder 2"/>
+          <p:cNvSpPr>
+            <a:spLocks noGrp="1"/>
+          </p:cNvSpPr>
+          <p:nvPr>
+            <p:ph idx="1"/>
+          </p:nvPr>
+        </p:nvSpPr>
+        <p:spPr/>
+        <p:txBody>
+          <a:bodyPr>
+            <a:normAutofit/>
+          </a:bodyPr>
+          <a:lstStyle/>
+          <a:p>
+            <a:r>
+              <a:rPr lang="en-US" dirty="0" smtClean="0"/>
+              <a:t>Data Mining is Sexy</a:t>
+            </a:r>
+          </a:p>
+          <a:p>
+            <a:pPr lvl="1"/>
+            <a:r>
+              <a:rPr lang="en-US" dirty="0" smtClean="0"/>
+              <a:t>Web scraping is data mining’s less attractive, dumpy friend.</a:t>
+            </a:r>
+          </a:p>
+          <a:p>
+            <a:r>
+              <a:rPr lang="en-US" dirty="0" smtClean="0"/>
+              <a:t>You have an interesting question, but no data. What do you do?</a:t>
+            </a:r>
+          </a:p>
+          <a:p>
+            <a:pPr lvl="1"/>
+            <a:r>
+              <a:rPr lang="en-US" dirty="0" smtClean="0"/>
+              <a:t>Create your own data</a:t>
+            </a:r>
+          </a:p>
+          <a:p>
+            <a:pPr lvl="2"/>
+            <a:r>
+              <a:rPr lang="en-US" dirty="0" smtClean="0"/>
+              <a:t>Large companies can do this. </a:t>
+            </a:r>
+            <a:r>
+              <a:rPr lang="en-US" i="1" dirty="0" smtClean="0"/>
+              <a:t>You</a:t>
+            </a:r>
+            <a:r>
+              <a:rPr lang="en-US" dirty="0" smtClean="0"/>
+              <a:t> cannot do this.</a:t>
+            </a:r>
+          </a:p>
+          <a:p>
+            <a:pPr lvl="1"/>
+            <a:r>
+              <a:rPr lang="en-US" dirty="0" smtClean="0"/>
+              <a:t>Use </a:t>
+            </a:r>
+            <a:r>
+              <a:rPr lang="en-US" dirty="0"/>
+              <a:t>o</a:t>
+            </a:r>
+            <a:r>
+              <a:rPr lang="en-US" dirty="0" smtClean="0"/>
+              <a:t>pen data</a:t>
+            </a:r>
+          </a:p>
+          <a:p>
+            <a:pPr lvl="2"/>
+            <a:r>
+              <a:rPr lang="en-US" dirty="0" smtClean="0"/>
+              <a:t>/r/</a:t>
+            </a:r>
+            <a:r>
+              <a:rPr lang="en-US" dirty="0" err="1" smtClean="0"/>
+              <a:t>opendata</a:t>
+            </a:r>
+            <a:r>
+              <a:rPr lang="en-US" dirty="0" smtClean="0"/>
+              <a:t>, /r/datasets, various </a:t>
+            </a:r>
+            <a:r>
+              <a:rPr lang="en-US" dirty="0" err="1" smtClean="0"/>
+              <a:t>github</a:t>
+            </a:r>
+            <a:r>
+              <a:rPr lang="en-US" dirty="0" smtClean="0"/>
+              <a:t> repositories.</a:t>
+            </a:r>
+          </a:p>
+          <a:p>
+            <a:pPr lvl="1"/>
+            <a:r>
+              <a:rPr lang="en-US" dirty="0" smtClean="0"/>
+              <a:t> </a:t>
+            </a:r>
+            <a:r>
+              <a:rPr lang="en-US" strike="sngStrike" dirty="0" smtClean="0"/>
+              <a:t>Steal</a:t>
+            </a:r>
+            <a:r>
+              <a:rPr lang="en-US" dirty="0" smtClean="0"/>
+              <a:t> Scrape the data</a:t>
+            </a:r>
+          </a:p>
+          <a:p>
+            <a:pPr lvl="2"/>
+            <a:r>
+              <a:rPr lang="en-US" dirty="0" smtClean="0"/>
+              <a:t>Your weapon of last resort. </a:t>
+            </a:r>
+          </a:p>
+          <a:p>
+            <a:endParaRPr lang="en-US" dirty="0" smtClean="0"/>
+          </a:p>
+        </p:txBody>
+      </p:sp>
+      <p:sp>
+        <p:nvSpPr>
+          <p:cNvPr id="4" name="Slide Number Placeholder 3"/>
+          <p:cNvSpPr>
+            <a:spLocks noGrp="1"/>
+          </p:cNvSpPr>
+          <p:nvPr>
+            <p:ph type="sldNum" sz="quarter" idx="12"/>
+          </p:nvPr>
+        </p:nvSpPr>
+        <p:spPr/>
+        <p:txBody>
+          <a:bodyPr/>
+          <a:lstStyle/>
+          <a:p>
+            <a:fld id="{D57F1E4F-1CFF-5643-939E-02111984F565}" type="slidenum">
+              <a:rPr lang="en-US" smtClean="0"/>
+              <a:t>10</a:t>
+            </a:fld>
+            <a:endParaRPr lang="en-US" dirty="0"/>
+          </a:p>
+        </p:txBody>
+      </p:sp>
+    </p:spTree>
+    <p:extLst>
+      <p:ext uri="{BB962C8B-B14F-4D97-AF65-F5344CB8AC3E}">
+        <p14:creationId xmlns:p14="http://schemas.microsoft.com/office/powerpoint/2010/main" val="946318614"/>
+      </p:ext>
+    </p:extLst>
+  </p:cSld>
+  <p:clrMapOvr>
+    <a:masterClrMapping/>
+  </p:clrMapOvr>
+  <p:timing>
+    <p:tnLst>
+      <p:par>
+        <p:cTn id="1" dur="indefinite" restart="never" nodeType="tmRoot"/>
+      </p:par>
+    </p:tnLst>
+  </p:timing>
+</p:sld>
+</file>
+
+<file path=ppt/slides/slide11.xml><?xml version="1.0" encoding="utf-8"?>
 <p:sld xmlns:a="http://schemas.openxmlformats.org/drawingml/2006/main" xmlns:r="http://schemas.openxmlformats.org/officeDocument/2006/relationships" xmlns:p="http://schemas.openxmlformats.org/presentationml/2006/main">
   <p:cSld>
     <p:spTree>
@@ -22415,7 +22747,7 @@
           <a:p>
             <a:fld id="{D57F1E4F-1CFF-5643-939E-02111984F565}" type="slidenum">
               <a:rPr lang="en-US" smtClean="0"/>
-              <a:t>10</a:t>
+              <a:t>11</a:t>
             </a:fld>
             <a:endParaRPr lang="en-US" dirty="0"/>
           </a:p>
@@ -23139,134 +23471,6 @@
 </p:sld>
 </file>
 
-<file path=ppt/slides/slide11.xml><?xml version="1.0" encoding="utf-8"?>
-<p:sld xmlns:a="http://schemas.openxmlformats.org/drawingml/2006/main" xmlns:r="http://schemas.openxmlformats.org/officeDocument/2006/relationships" xmlns:p="http://schemas.openxmlformats.org/presentationml/2006/main">
-  <p:cSld>
-    <p:spTree>
-      <p:nvGrpSpPr>
-        <p:cNvPr id="1" name=""/>
-        <p:cNvGrpSpPr/>
-        <p:nvPr/>
-      </p:nvGrpSpPr>
-      <p:grpSpPr>
-        <a:xfrm>
-          <a:off x="0" y="0"/>
-          <a:ext cx="0" cy="0"/>
-          <a:chOff x="0" y="0"/>
-          <a:chExt cx="0" cy="0"/>
-        </a:xfrm>
-      </p:grpSpPr>
-      <p:sp>
-        <p:nvSpPr>
-          <p:cNvPr id="2" name="Title 1"/>
-          <p:cNvSpPr>
-            <a:spLocks noGrp="1"/>
-          </p:cNvSpPr>
-          <p:nvPr>
-            <p:ph type="title"/>
-          </p:nvPr>
-        </p:nvSpPr>
-        <p:spPr/>
-        <p:txBody>
-          <a:bodyPr/>
-          <a:lstStyle/>
-          <a:p>
-            <a:r>
-              <a:rPr lang="en-US" dirty="0" smtClean="0"/>
-              <a:t>What’s the Goal?</a:t>
-            </a:r>
-            <a:endParaRPr lang="en-US" dirty="0"/>
-          </a:p>
-        </p:txBody>
-      </p:sp>
-      <p:pic>
-        <p:nvPicPr>
-          <p:cNvPr id="5" name="Content Placeholder 4"/>
-          <p:cNvPicPr>
-            <a:picLocks noGrp="1" noChangeAspect="1"/>
-          </p:cNvPicPr>
-          <p:nvPr>
-            <p:ph sz="half" idx="1"/>
-          </p:nvPr>
-        </p:nvPicPr>
-        <p:blipFill>
-          <a:blip r:embed="rId2"/>
-          <a:stretch>
-            <a:fillRect/>
-          </a:stretch>
-        </p:blipFill>
-        <p:spPr>
-          <a:xfrm>
-            <a:off x="1103313" y="2303873"/>
-            <a:ext cx="4395787" cy="3709166"/>
-          </a:xfrm>
-          <a:prstGeom prst="rect">
-            <a:avLst/>
-          </a:prstGeom>
-        </p:spPr>
-      </p:pic>
-      <p:pic>
-        <p:nvPicPr>
-          <p:cNvPr id="6" name="Content Placeholder 5"/>
-          <p:cNvPicPr>
-            <a:picLocks noGrp="1" noChangeAspect="1"/>
-          </p:cNvPicPr>
-          <p:nvPr>
-            <p:ph sz="half" idx="2"/>
-          </p:nvPr>
-        </p:nvPicPr>
-        <p:blipFill>
-          <a:blip r:embed="rId3"/>
-          <a:stretch>
-            <a:fillRect/>
-          </a:stretch>
-        </p:blipFill>
-        <p:spPr>
-          <a:xfrm>
-            <a:off x="6138069" y="2974975"/>
-            <a:ext cx="3429000" cy="2362200"/>
-          </a:xfrm>
-          <a:prstGeom prst="rect">
-            <a:avLst/>
-          </a:prstGeom>
-        </p:spPr>
-      </p:pic>
-      <p:sp>
-        <p:nvSpPr>
-          <p:cNvPr id="7" name="Slide Number Placeholder 6"/>
-          <p:cNvSpPr>
-            <a:spLocks noGrp="1"/>
-          </p:cNvSpPr>
-          <p:nvPr>
-            <p:ph type="sldNum" sz="quarter" idx="12"/>
-          </p:nvPr>
-        </p:nvSpPr>
-        <p:spPr/>
-        <p:txBody>
-          <a:bodyPr/>
-          <a:lstStyle/>
-          <a:p>
-            <a:fld id="{D57F1E4F-1CFF-5643-939E-02111984F565}" type="slidenum">
-              <a:rPr lang="en-US" smtClean="0"/>
-              <a:t>11</a:t>
-            </a:fld>
-            <a:endParaRPr lang="en-US" dirty="0"/>
-          </a:p>
-        </p:txBody>
-      </p:sp>
-    </p:spTree>
-    <p:extLst>
-      <p:ext uri="{BB962C8B-B14F-4D97-AF65-F5344CB8AC3E}">
-        <p14:creationId xmlns:p14="http://schemas.microsoft.com/office/powerpoint/2010/main" val="3853329331"/>
-      </p:ext>
-    </p:extLst>
-  </p:cSld>
-  <p:clrMapOvr>
-    <a:masterClrMapping/>
-  </p:clrMapOvr>
-</p:sld>
-</file>
-
 <file path=ppt/slides/slide12.xml><?xml version="1.0" encoding="utf-8"?>
 <p:sld xmlns:a="http://schemas.openxmlformats.org/drawingml/2006/main" xmlns:r="http://schemas.openxmlformats.org/officeDocument/2006/relationships" xmlns:p="http://schemas.openxmlformats.org/presentationml/2006/main">
   <p:cSld>
@@ -23301,17 +23505,7 @@
           <a:p>
             <a:r>
               <a:rPr lang="en-US" dirty="0" smtClean="0"/>
-              <a:t>The </a:t>
-            </a:r>
-            <a:r>
-              <a:rPr lang="en-US" dirty="0" smtClean="0">
-                <a:latin typeface="Consolas" panose="020B0609020204030204" pitchFamily="49" charset="0"/>
-              </a:rPr>
-              <a:t>requests</a:t>
-            </a:r>
-            <a:r>
-              <a:rPr lang="en-US" dirty="0" smtClean="0"/>
-              <a:t> Library</a:t>
+              <a:t>What’s the Goal?</a:t>
             </a:r>
             <a:endParaRPr lang="en-US" dirty="0"/>
           </a:p>
@@ -23333,16 +23527,91 @@
           <a:lstStyle/>
           <a:p>
             <a:r>
-              <a:rPr lang="en-US" cap="none" dirty="0" smtClean="0"/>
-              <a:t>Ask nicely and you get a webpage.</a:t>
-            </a:r>
-            <a:endParaRPr lang="en-US" cap="none" dirty="0"/>
+              <a:rPr lang="en-US" dirty="0" smtClean="0"/>
+              <a:t>Go from here…</a:t>
+            </a:r>
+            <a:endParaRPr lang="en-US" dirty="0"/>
           </a:p>
         </p:txBody>
       </p:sp>
+      <p:pic>
+        <p:nvPicPr>
+          <p:cNvPr id="5" name="Content Placeholder 4"/>
+          <p:cNvPicPr>
+            <a:picLocks noGrp="1" noChangeAspect="1"/>
+          </p:cNvPicPr>
+          <p:nvPr>
+            <p:ph sz="half" idx="2"/>
+          </p:nvPr>
+        </p:nvPicPr>
+        <p:blipFill>
+          <a:blip r:embed="rId2"/>
+          <a:stretch>
+            <a:fillRect/>
+          </a:stretch>
+        </p:blipFill>
+        <p:spPr>
+          <a:xfrm>
+            <a:off x="1103313" y="2530886"/>
+            <a:ext cx="4395787" cy="3709166"/>
+          </a:xfrm>
+          <a:prstGeom prst="rect">
+            <a:avLst/>
+          </a:prstGeom>
+        </p:spPr>
+      </p:pic>
       <p:sp>
         <p:nvSpPr>
-          <p:cNvPr id="4" name="Slide Number Placeholder 3"/>
+          <p:cNvPr id="4" name="Text Placeholder 3"/>
+          <p:cNvSpPr>
+            <a:spLocks noGrp="1"/>
+          </p:cNvSpPr>
+          <p:nvPr>
+            <p:ph type="body" sz="quarter" idx="3"/>
+          </p:nvPr>
+        </p:nvSpPr>
+        <p:spPr/>
+        <p:txBody>
+          <a:bodyPr/>
+          <a:lstStyle/>
+          <a:p>
+            <a:r>
+              <a:rPr lang="en-US" dirty="0" smtClean="0"/>
+              <a:t>To here</a:t>
+            </a:r>
+            <a:endParaRPr lang="en-US" dirty="0"/>
+          </a:p>
+        </p:txBody>
+      </p:sp>
+      <p:pic>
+        <p:nvPicPr>
+          <p:cNvPr id="6" name="Content Placeholder 5"/>
+          <p:cNvPicPr>
+            <a:picLocks noGrp="1" noChangeAspect="1"/>
+          </p:cNvPicPr>
+          <p:nvPr>
+            <p:ph sz="quarter" idx="4"/>
+          </p:nvPr>
+        </p:nvPicPr>
+        <p:blipFill>
+          <a:blip r:embed="rId3"/>
+          <a:stretch>
+            <a:fillRect/>
+          </a:stretch>
+        </p:blipFill>
+        <p:spPr>
+          <a:xfrm>
+            <a:off x="6138068" y="2530886"/>
+            <a:ext cx="4406637" cy="3035683"/>
+          </a:xfrm>
+          <a:prstGeom prst="rect">
+            <a:avLst/>
+          </a:prstGeom>
+        </p:spPr>
+      </p:pic>
+      <p:sp>
+        <p:nvSpPr>
+          <p:cNvPr id="7" name="Slide Number Placeholder 6"/>
           <p:cNvSpPr>
             <a:spLocks noGrp="1"/>
           </p:cNvSpPr>
@@ -23366,13 +23635,20 @@
     </p:spTree>
     <p:extLst>
       <p:ext uri="{BB962C8B-B14F-4D97-AF65-F5344CB8AC3E}">
-        <p14:creationId xmlns:p14="http://schemas.microsoft.com/office/powerpoint/2010/main" val="3279535423"/>
+        <p14:creationId xmlns:p14="http://schemas.microsoft.com/office/powerpoint/2010/main" val="3853329331"/>
       </p:ext>
     </p:extLst>
   </p:cSld>
   <p:clrMapOvr>
     <a:masterClrMapping/>
   </p:clrMapOvr>
+  <p:timing>
+    <p:tnLst>
+      <p:par>
+        <p:cTn id="1" dur="indefinite" restart="never" nodeType="tmRoot"/>
+      </p:par>
+    </p:tnLst>
+  </p:timing>
 </p:sld>
 </file>
 
@@ -23410,7 +23686,17 @@
           <a:p>
             <a:r>
               <a:rPr lang="en-US" dirty="0" smtClean="0"/>
-              <a:t>Why scrape the whole page?</a:t>
+              <a:t>The </a:t>
+            </a:r>
+            <a:r>
+              <a:rPr lang="en-US" dirty="0" smtClean="0">
+                <a:latin typeface="Consolas" panose="020B0609020204030204" pitchFamily="49" charset="0"/>
+              </a:rPr>
+              <a:t>requests</a:t>
+            </a:r>
+            <a:r>
+              <a:rPr lang="en-US" dirty="0" smtClean="0"/>
+              <a:t> Library</a:t>
             </a:r>
             <a:endParaRPr lang="en-US" dirty="0"/>
           </a:p>
@@ -23418,12 +23704,12 @@
       </p:sp>
       <p:sp>
         <p:nvSpPr>
-          <p:cNvPr id="3" name="Content Placeholder 2"/>
+          <p:cNvPr id="3" name="Text Placeholder 2"/>
           <p:cNvSpPr>
             <a:spLocks noGrp="1"/>
           </p:cNvSpPr>
           <p:nvPr>
-            <p:ph idx="1"/>
+            <p:ph type="body" idx="1"/>
           </p:nvPr>
         </p:nvSpPr>
         <p:spPr/>
@@ -23432,16 +23718,10 @@
           <a:lstStyle/>
           <a:p>
             <a:r>
-              <a:rPr lang="en-US" dirty="0" smtClean="0"/>
-              <a:t>Avoid extra calls to the server when debugging mining script.</a:t>
-            </a:r>
-          </a:p>
-          <a:p>
-            <a:r>
-              <a:rPr lang="en-US" dirty="0" smtClean="0"/>
-              <a:t>Protect formatting in case of future changes to webpage. </a:t>
-            </a:r>
-            <a:endParaRPr lang="en-US" dirty="0"/>
+              <a:rPr lang="en-US" cap="none" dirty="0" smtClean="0"/>
+              <a:t>Ask nicely and you get a webpage.</a:t>
+            </a:r>
+            <a:endParaRPr lang="en-US" cap="none" dirty="0"/>
           </a:p>
         </p:txBody>
       </p:sp>
@@ -23471,13 +23751,20 @@
     </p:spTree>
     <p:extLst>
       <p:ext uri="{BB962C8B-B14F-4D97-AF65-F5344CB8AC3E}">
-        <p14:creationId xmlns:p14="http://schemas.microsoft.com/office/powerpoint/2010/main" val="3982374691"/>
+        <p14:creationId xmlns:p14="http://schemas.microsoft.com/office/powerpoint/2010/main" val="3279535423"/>
       </p:ext>
     </p:extLst>
   </p:cSld>
   <p:clrMapOvr>
     <a:masterClrMapping/>
   </p:clrMapOvr>
+  <p:timing>
+    <p:tnLst>
+      <p:par>
+        <p:cTn id="1" dur="indefinite" restart="never" nodeType="tmRoot"/>
+      </p:par>
+    </p:tnLst>
+  </p:timing>
 </p:sld>
 </file>
 
@@ -23515,7 +23802,7 @@
           <a:p>
             <a:r>
               <a:rPr lang="en-US" dirty="0" smtClean="0"/>
-              <a:t>Write raw html</a:t>
+              <a:t>Why scrape the whole page?</a:t>
             </a:r>
             <a:endParaRPr lang="en-US" dirty="0"/>
           </a:p>
@@ -23538,101 +23825,15 @@
           <a:p>
             <a:r>
               <a:rPr lang="en-US" dirty="0" smtClean="0"/>
-              <a:t>If </a:t>
-            </a:r>
-            <a:r>
-              <a:rPr lang="en-US" dirty="0"/>
-              <a:t>you're writing and debugging code, store the data locally. There are two good reasons:</a:t>
-            </a:r>
-          </a:p>
-          <a:p>
-            <a:pPr marL="800100" lvl="1" indent="-342900">
-              <a:buFont typeface="+mj-lt"/>
-              <a:buAutoNum type="arabicPeriod"/>
-            </a:pPr>
-            <a:r>
-              <a:rPr lang="en-US" dirty="0"/>
-              <a:t>Sending the same request to a server dozens or possibly hundreds of times puts unnecessary burden on their systems.</a:t>
-            </a:r>
-          </a:p>
-          <a:p>
-            <a:pPr marL="800100" lvl="1" indent="-342900">
-              <a:buFont typeface="+mj-lt"/>
-              <a:buAutoNum type="arabicPeriod"/>
-            </a:pPr>
-            <a:r>
-              <a:rPr lang="en-US" dirty="0"/>
-              <a:t>It's faster to pull data from a local file.</a:t>
-            </a:r>
-          </a:p>
-          <a:p>
-            <a:r>
-              <a:rPr lang="en-US" dirty="0"/>
-              <a:t>Always write encoded bytes. </a:t>
-            </a:r>
-            <a:endParaRPr lang="en-US" dirty="0" smtClean="0"/>
-          </a:p>
-          <a:p>
-            <a:pPr lvl="1"/>
+              <a:t>Avoid extra calls to the server when debugging mining script.</a:t>
+            </a:r>
+          </a:p>
+          <a:p>
             <a:r>
               <a:rPr lang="en-US" dirty="0" smtClean="0"/>
-              <a:t>If </a:t>
-            </a:r>
-            <a:r>
-              <a:rPr lang="en-US" dirty="0"/>
-              <a:t>you don't yet know why, </a:t>
-            </a:r>
-            <a:r>
-              <a:rPr lang="en-US" dirty="0">
-                <a:hlinkClick r:id="rId3"/>
-              </a:rPr>
-              <a:t>check out Ned </a:t>
-            </a:r>
-            <a:r>
-              <a:rPr lang="en-US" dirty="0" err="1">
-                <a:hlinkClick r:id="rId3"/>
-              </a:rPr>
-              <a:t>Batchelder's</a:t>
-            </a:r>
-            <a:r>
-              <a:rPr lang="en-US" dirty="0">
-                <a:hlinkClick r:id="rId3"/>
-              </a:rPr>
-              <a:t> </a:t>
-            </a:r>
-            <a:r>
-              <a:rPr lang="en-US" dirty="0" err="1">
-                <a:hlinkClick r:id="rId3"/>
-              </a:rPr>
-              <a:t>PyCon</a:t>
-            </a:r>
-            <a:r>
-              <a:rPr lang="en-US" dirty="0">
-                <a:hlinkClick r:id="rId3"/>
-              </a:rPr>
-              <a:t> talk</a:t>
-            </a:r>
-            <a:r>
-              <a:rPr lang="en-US" dirty="0"/>
-              <a:t>. Watch every second of it. </a:t>
-            </a:r>
-          </a:p>
-          <a:p>
-            <a:r>
-              <a:rPr lang="en-US" dirty="0" smtClean="0"/>
-              <a:t>Add an ID number to each html file.</a:t>
-            </a:r>
-          </a:p>
-          <a:p>
-            <a:pPr lvl="1"/>
-            <a:r>
-              <a:rPr lang="en-US" dirty="0" smtClean="0"/>
-              <a:t>Hexadecimal is easily recognizable as an ID in your dataset. </a:t>
-            </a:r>
-          </a:p>
-          <a:p>
-            <a:pPr lvl="1"/>
-            <a:endParaRPr lang="en-US" dirty="0" smtClean="0"/>
+              <a:t>Protect formatting in case of future changes to webpage. </a:t>
+            </a:r>
+            <a:endParaRPr lang="en-US" dirty="0"/>
           </a:p>
         </p:txBody>
       </p:sp>
@@ -23662,7 +23863,7 @@
     </p:spTree>
     <p:extLst>
       <p:ext uri="{BB962C8B-B14F-4D97-AF65-F5344CB8AC3E}">
-        <p14:creationId xmlns:p14="http://schemas.microsoft.com/office/powerpoint/2010/main" val="468135147"/>
+        <p14:creationId xmlns:p14="http://schemas.microsoft.com/office/powerpoint/2010/main" val="3982374691"/>
       </p:ext>
     </p:extLst>
   </p:cSld>
@@ -23706,6 +23907,197 @@
           <a:p>
             <a:r>
               <a:rPr lang="en-US" dirty="0" smtClean="0"/>
+              <a:t>Write raw html</a:t>
+            </a:r>
+            <a:endParaRPr lang="en-US" dirty="0"/>
+          </a:p>
+        </p:txBody>
+      </p:sp>
+      <p:sp>
+        <p:nvSpPr>
+          <p:cNvPr id="3" name="Content Placeholder 2"/>
+          <p:cNvSpPr>
+            <a:spLocks noGrp="1"/>
+          </p:cNvSpPr>
+          <p:nvPr>
+            <p:ph idx="1"/>
+          </p:nvPr>
+        </p:nvSpPr>
+        <p:spPr/>
+        <p:txBody>
+          <a:bodyPr/>
+          <a:lstStyle/>
+          <a:p>
+            <a:r>
+              <a:rPr lang="en-US" dirty="0" smtClean="0"/>
+              <a:t>If </a:t>
+            </a:r>
+            <a:r>
+              <a:rPr lang="en-US" dirty="0"/>
+              <a:t>you're writing and debugging code, store the data locally. There are two good reasons:</a:t>
+            </a:r>
+          </a:p>
+          <a:p>
+            <a:pPr marL="800100" lvl="1" indent="-342900">
+              <a:buFont typeface="+mj-lt"/>
+              <a:buAutoNum type="arabicPeriod"/>
+            </a:pPr>
+            <a:r>
+              <a:rPr lang="en-US" dirty="0"/>
+              <a:t>Sending the same request to a server dozens or possibly hundreds of times puts unnecessary burden on their systems.</a:t>
+            </a:r>
+          </a:p>
+          <a:p>
+            <a:pPr marL="800100" lvl="1" indent="-342900">
+              <a:buFont typeface="+mj-lt"/>
+              <a:buAutoNum type="arabicPeriod"/>
+            </a:pPr>
+            <a:r>
+              <a:rPr lang="en-US" dirty="0"/>
+              <a:t>It's faster to pull data from a local file.</a:t>
+            </a:r>
+          </a:p>
+          <a:p>
+            <a:r>
+              <a:rPr lang="en-US" dirty="0"/>
+              <a:t>Always write encoded bytes. </a:t>
+            </a:r>
+            <a:endParaRPr lang="en-US" dirty="0" smtClean="0"/>
+          </a:p>
+          <a:p>
+            <a:pPr lvl="1"/>
+            <a:r>
+              <a:rPr lang="en-US" dirty="0" smtClean="0"/>
+              <a:t>If </a:t>
+            </a:r>
+            <a:r>
+              <a:rPr lang="en-US" dirty="0"/>
+              <a:t>you don't yet know why, </a:t>
+            </a:r>
+            <a:r>
+              <a:rPr lang="en-US" dirty="0">
+                <a:hlinkClick r:id="rId3"/>
+              </a:rPr>
+              <a:t>check out Ned </a:t>
+            </a:r>
+            <a:r>
+              <a:rPr lang="en-US" dirty="0" err="1">
+                <a:hlinkClick r:id="rId3"/>
+              </a:rPr>
+              <a:t>Batchelder's</a:t>
+            </a:r>
+            <a:r>
+              <a:rPr lang="en-US" dirty="0">
+                <a:hlinkClick r:id="rId3"/>
+              </a:rPr>
+              <a:t> </a:t>
+            </a:r>
+            <a:r>
+              <a:rPr lang="en-US" dirty="0" err="1">
+                <a:hlinkClick r:id="rId3"/>
+              </a:rPr>
+              <a:t>PyCon</a:t>
+            </a:r>
+            <a:r>
+              <a:rPr lang="en-US" dirty="0">
+                <a:hlinkClick r:id="rId3"/>
+              </a:rPr>
+              <a:t> talk</a:t>
+            </a:r>
+            <a:r>
+              <a:rPr lang="en-US" dirty="0"/>
+              <a:t>. Watch every second of it. </a:t>
+            </a:r>
+          </a:p>
+          <a:p>
+            <a:r>
+              <a:rPr lang="en-US" dirty="0" smtClean="0"/>
+              <a:t>Add an ID number to each html file.</a:t>
+            </a:r>
+          </a:p>
+          <a:p>
+            <a:pPr lvl="1"/>
+            <a:r>
+              <a:rPr lang="en-US" dirty="0" smtClean="0"/>
+              <a:t>Hexadecimal is easily recognizable as an ID in your dataset. </a:t>
+            </a:r>
+          </a:p>
+          <a:p>
+            <a:pPr lvl="1"/>
+            <a:endParaRPr lang="en-US" dirty="0" smtClean="0"/>
+          </a:p>
+        </p:txBody>
+      </p:sp>
+      <p:sp>
+        <p:nvSpPr>
+          <p:cNvPr id="4" name="Slide Number Placeholder 3"/>
+          <p:cNvSpPr>
+            <a:spLocks noGrp="1"/>
+          </p:cNvSpPr>
+          <p:nvPr>
+            <p:ph type="sldNum" sz="quarter" idx="12"/>
+          </p:nvPr>
+        </p:nvSpPr>
+        <p:spPr/>
+        <p:txBody>
+          <a:bodyPr/>
+          <a:lstStyle/>
+          <a:p>
+            <a:fld id="{D57F1E4F-1CFF-5643-939E-02111984F565}" type="slidenum">
+              <a:rPr lang="en-US" smtClean="0"/>
+              <a:t>15</a:t>
+            </a:fld>
+            <a:endParaRPr lang="en-US" dirty="0"/>
+          </a:p>
+        </p:txBody>
+      </p:sp>
+    </p:spTree>
+    <p:extLst>
+      <p:ext uri="{BB962C8B-B14F-4D97-AF65-F5344CB8AC3E}">
+        <p14:creationId xmlns:p14="http://schemas.microsoft.com/office/powerpoint/2010/main" val="468135147"/>
+      </p:ext>
+    </p:extLst>
+  </p:cSld>
+  <p:clrMapOvr>
+    <a:masterClrMapping/>
+  </p:clrMapOvr>
+</p:sld>
+</file>
+
+<file path=ppt/slides/slide16.xml><?xml version="1.0" encoding="utf-8"?>
+<p:sld xmlns:a="http://schemas.openxmlformats.org/drawingml/2006/main" xmlns:r="http://schemas.openxmlformats.org/officeDocument/2006/relationships" xmlns:p="http://schemas.openxmlformats.org/presentationml/2006/main">
+  <p:cSld>
+    <p:spTree>
+      <p:nvGrpSpPr>
+        <p:cNvPr id="1" name=""/>
+        <p:cNvGrpSpPr/>
+        <p:nvPr/>
+      </p:nvGrpSpPr>
+      <p:grpSpPr>
+        <a:xfrm>
+          <a:off x="0" y="0"/>
+          <a:ext cx="0" cy="0"/>
+          <a:chOff x="0" y="0"/>
+          <a:chExt cx="0" cy="0"/>
+        </a:xfrm>
+      </p:grpSpPr>
+      <p:sp>
+        <p:nvSpPr>
+          <p:cNvPr id="2" name="Title 1"/>
+          <p:cNvSpPr>
+            <a:spLocks noGrp="1"/>
+          </p:cNvSpPr>
+          <p:nvPr>
+            <p:ph type="title"/>
+          </p:nvPr>
+        </p:nvSpPr>
+        <p:spPr/>
+        <p:txBody>
+          <a:bodyPr/>
+          <a:lstStyle/>
+          <a:p>
+            <a:r>
+              <a:rPr lang="en-US" dirty="0" smtClean="0"/>
               <a:t>Bonus Tips</a:t>
             </a:r>
             <a:endParaRPr lang="en-US" dirty="0"/>
@@ -23885,7 +24277,7 @@
           <a:p>
             <a:fld id="{D57F1E4F-1CFF-5643-939E-02111984F565}" type="slidenum">
               <a:rPr lang="en-US" smtClean="0"/>
-              <a:t>15</a:t>
+              <a:t>16</a:t>
             </a:fld>
             <a:endParaRPr lang="en-US" dirty="0"/>
           </a:p>
@@ -23904,7 +24296,7 @@
 </p:sld>
 </file>
 
-<file path=ppt/slides/slide16.xml><?xml version="1.0" encoding="utf-8"?>
+<file path=ppt/slides/slide17.xml><?xml version="1.0" encoding="utf-8"?>
 <p:sld xmlns:a="http://schemas.openxmlformats.org/drawingml/2006/main" xmlns:r="http://schemas.openxmlformats.org/officeDocument/2006/relationships" xmlns:p="http://schemas.openxmlformats.org/presentationml/2006/main">
   <p:cSld>
     <p:spTree>
@@ -23986,7 +24378,7 @@
           <a:p>
             <a:fld id="{D57F1E4F-1CFF-5643-939E-02111984F565}" type="slidenum">
               <a:rPr lang="en-US" smtClean="0"/>
-              <a:t>16</a:t>
+              <a:t>17</a:t>
             </a:fld>
             <a:endParaRPr lang="en-US" dirty="0"/>
           </a:p>
@@ -24002,112 +24394,6 @@
   <p:clrMapOvr>
     <a:masterClrMapping/>
   </p:clrMapOvr>
-</p:sld>
-</file>
-
-<file path=ppt/slides/slide17.xml><?xml version="1.0" encoding="utf-8"?>
-<p:sld xmlns:a="http://schemas.openxmlformats.org/drawingml/2006/main" xmlns:r="http://schemas.openxmlformats.org/officeDocument/2006/relationships" xmlns:p="http://schemas.openxmlformats.org/presentationml/2006/main">
-  <p:cSld>
-    <p:spTree>
-      <p:nvGrpSpPr>
-        <p:cNvPr id="1" name=""/>
-        <p:cNvGrpSpPr/>
-        <p:nvPr/>
-      </p:nvGrpSpPr>
-      <p:grpSpPr>
-        <a:xfrm>
-          <a:off x="0" y="0"/>
-          <a:ext cx="0" cy="0"/>
-          <a:chOff x="0" y="0"/>
-          <a:chExt cx="0" cy="0"/>
-        </a:xfrm>
-      </p:grpSpPr>
-      <p:sp>
-        <p:nvSpPr>
-          <p:cNvPr id="2" name="Title 1"/>
-          <p:cNvSpPr>
-            <a:spLocks noGrp="1"/>
-          </p:cNvSpPr>
-          <p:nvPr>
-            <p:ph type="title"/>
-          </p:nvPr>
-        </p:nvSpPr>
-        <p:spPr/>
-        <p:txBody>
-          <a:bodyPr/>
-          <a:lstStyle/>
-          <a:p>
-            <a:r>
-              <a:rPr lang="en-US" dirty="0" smtClean="0"/>
-              <a:t>Navigating HTML</a:t>
-            </a:r>
-            <a:endParaRPr lang="en-US" dirty="0"/>
-          </a:p>
-        </p:txBody>
-      </p:sp>
-      <p:sp>
-        <p:nvSpPr>
-          <p:cNvPr id="3" name="Text Placeholder 2"/>
-          <p:cNvSpPr>
-            <a:spLocks noGrp="1"/>
-          </p:cNvSpPr>
-          <p:nvPr>
-            <p:ph type="body" idx="1"/>
-          </p:nvPr>
-        </p:nvSpPr>
-        <p:spPr/>
-        <p:txBody>
-          <a:bodyPr/>
-          <a:lstStyle/>
-          <a:p>
-            <a:r>
-              <a:rPr lang="en-US" cap="none" dirty="0" smtClean="0"/>
-              <a:t>Everything is a tree</a:t>
-            </a:r>
-            <a:endParaRPr lang="en-US" cap="none" dirty="0"/>
-          </a:p>
-        </p:txBody>
-      </p:sp>
-      <p:sp>
-        <p:nvSpPr>
-          <p:cNvPr id="4" name="Slide Number Placeholder 3"/>
-          <p:cNvSpPr>
-            <a:spLocks noGrp="1"/>
-          </p:cNvSpPr>
-          <p:nvPr>
-            <p:ph type="sldNum" sz="quarter" idx="12"/>
-          </p:nvPr>
-        </p:nvSpPr>
-        <p:spPr/>
-        <p:txBody>
-          <a:bodyPr/>
-          <a:lstStyle/>
-          <a:p>
-            <a:fld id="{D57F1E4F-1CFF-5643-939E-02111984F565}" type="slidenum">
-              <a:rPr lang="en-US" smtClean="0"/>
-              <a:t>17</a:t>
-            </a:fld>
-            <a:endParaRPr lang="en-US" dirty="0"/>
-          </a:p>
-        </p:txBody>
-      </p:sp>
-    </p:spTree>
-    <p:extLst>
-      <p:ext uri="{BB962C8B-B14F-4D97-AF65-F5344CB8AC3E}">
-        <p14:creationId xmlns:p14="http://schemas.microsoft.com/office/powerpoint/2010/main" val="2932477637"/>
-      </p:ext>
-    </p:extLst>
-  </p:cSld>
-  <p:clrMapOvr>
-    <a:masterClrMapping/>
-  </p:clrMapOvr>
-  <p:timing>
-    <p:tnLst>
-      <p:par>
-        <p:cTn id="1" dur="indefinite" restart="never" nodeType="tmRoot"/>
-      </p:par>
-    </p:tnLst>
-  </p:timing>
 </p:sld>
 </file>
 
@@ -24145,7 +24431,7 @@
           <a:p>
             <a:r>
               <a:rPr lang="en-US" dirty="0" smtClean="0"/>
-              <a:t>&lt;h1&gt;Review of HTML&lt;/h1&gt;</a:t>
+              <a:t>Navigating HTML</a:t>
             </a:r>
             <a:endParaRPr lang="en-US" dirty="0"/>
           </a:p>
@@ -24153,76 +24439,24 @@
       </p:sp>
       <p:sp>
         <p:nvSpPr>
-          <p:cNvPr id="3" name="Content Placeholder 2"/>
+          <p:cNvPr id="3" name="Text Placeholder 2"/>
           <p:cNvSpPr>
             <a:spLocks noGrp="1"/>
           </p:cNvSpPr>
           <p:nvPr>
-            <p:ph idx="1"/>
+            <p:ph type="body" idx="1"/>
           </p:nvPr>
         </p:nvSpPr>
         <p:spPr/>
         <p:txBody>
-          <a:bodyPr>
-            <a:normAutofit/>
-          </a:bodyPr>
+          <a:bodyPr/>
           <a:lstStyle/>
           <a:p>
             <a:r>
-              <a:rPr lang="en-US" dirty="0" smtClean="0"/>
-              <a:t>Hyper-Text Markup Language</a:t>
-            </a:r>
-          </a:p>
-          <a:p>
-            <a:pPr lvl="1"/>
-            <a:r>
-              <a:rPr lang="en-US" dirty="0" smtClean="0"/>
-              <a:t>Structured Data</a:t>
-            </a:r>
-          </a:p>
-          <a:p>
-            <a:pPr lvl="1"/>
-            <a:r>
-              <a:rPr lang="en-US" dirty="0" smtClean="0"/>
-              <a:t>How the internet talks</a:t>
-            </a:r>
-          </a:p>
-          <a:p>
-            <a:r>
-              <a:rPr lang="en-US" dirty="0" smtClean="0"/>
-              <a:t>You don’t need to be a web dev to scrape effectively</a:t>
-            </a:r>
-            <a:r>
-              <a:rPr lang="en-US" dirty="0" smtClean="0"/>
-              <a:t>!</a:t>
-            </a:r>
-          </a:p>
-          <a:p>
-            <a:r>
-              <a:rPr lang="en-US" dirty="0"/>
-              <a:t>If you get confused along the way, I encourage you to take </a:t>
-            </a:r>
-            <a:r>
-              <a:rPr lang="en-US" dirty="0" err="1">
-                <a:hlinkClick r:id="rId3"/>
-              </a:rPr>
-              <a:t>Codecademy's</a:t>
-            </a:r>
-            <a:r>
-              <a:rPr lang="en-US" dirty="0">
-                <a:hlinkClick r:id="rId3"/>
-              </a:rPr>
-              <a:t> HTML Basics</a:t>
-            </a:r>
-            <a:r>
-              <a:rPr lang="en-US" dirty="0"/>
-              <a:t> course. It's short and explains things better than I can in this workshop</a:t>
-            </a:r>
-            <a:r>
-              <a:rPr lang="en-US" dirty="0" smtClean="0"/>
-              <a:t>.</a:t>
-            </a:r>
-            <a:endParaRPr lang="en-US" dirty="0"/>
+              <a:rPr lang="en-US" cap="none" dirty="0" smtClean="0"/>
+              <a:t>Everything is a tree</a:t>
+            </a:r>
+            <a:endParaRPr lang="en-US" cap="none" dirty="0"/>
           </a:p>
         </p:txBody>
       </p:sp>
@@ -24252,7 +24486,7 @@
     </p:spTree>
     <p:extLst>
       <p:ext uri="{BB962C8B-B14F-4D97-AF65-F5344CB8AC3E}">
-        <p14:creationId xmlns:p14="http://schemas.microsoft.com/office/powerpoint/2010/main" val="1080653822"/>
+        <p14:creationId xmlns:p14="http://schemas.microsoft.com/office/powerpoint/2010/main" val="2932477637"/>
       </p:ext>
     </p:extLst>
   </p:cSld>
@@ -24303,7 +24537,165 @@
           <a:p>
             <a:r>
               <a:rPr lang="en-US" dirty="0" smtClean="0"/>
-              <a:t>Let’s Talk about Trees</a:t>
+              <a:t>&lt;h1&gt;Review of HTML&lt;/h1&gt;</a:t>
+            </a:r>
+            <a:endParaRPr lang="en-US" dirty="0"/>
+          </a:p>
+        </p:txBody>
+      </p:sp>
+      <p:sp>
+        <p:nvSpPr>
+          <p:cNvPr id="3" name="Content Placeholder 2"/>
+          <p:cNvSpPr>
+            <a:spLocks noGrp="1"/>
+          </p:cNvSpPr>
+          <p:nvPr>
+            <p:ph idx="1"/>
+          </p:nvPr>
+        </p:nvSpPr>
+        <p:spPr/>
+        <p:txBody>
+          <a:bodyPr>
+            <a:normAutofit/>
+          </a:bodyPr>
+          <a:lstStyle/>
+          <a:p>
+            <a:r>
+              <a:rPr lang="en-US" dirty="0" smtClean="0"/>
+              <a:t>Hyper-Text Markup Language</a:t>
+            </a:r>
+          </a:p>
+          <a:p>
+            <a:pPr lvl="1"/>
+            <a:r>
+              <a:rPr lang="en-US" dirty="0" smtClean="0"/>
+              <a:t>Structured Data</a:t>
+            </a:r>
+          </a:p>
+          <a:p>
+            <a:pPr lvl="1"/>
+            <a:r>
+              <a:rPr lang="en-US" dirty="0" smtClean="0"/>
+              <a:t>How the internet talks</a:t>
+            </a:r>
+          </a:p>
+          <a:p>
+            <a:r>
+              <a:rPr lang="en-US" dirty="0" smtClean="0"/>
+              <a:t>You don’t need to be a web dev to scrape effectively!</a:t>
+            </a:r>
+          </a:p>
+          <a:p>
+            <a:r>
+              <a:rPr lang="en-US" dirty="0"/>
+              <a:t>If you get confused along the way, I encourage you to take </a:t>
+            </a:r>
+            <a:r>
+              <a:rPr lang="en-US" dirty="0" err="1">
+                <a:hlinkClick r:id="rId3"/>
+              </a:rPr>
+              <a:t>Codecademy's</a:t>
+            </a:r>
+            <a:r>
+              <a:rPr lang="en-US" dirty="0">
+                <a:hlinkClick r:id="rId3"/>
+              </a:rPr>
+              <a:t> HTML Basics</a:t>
+            </a:r>
+            <a:r>
+              <a:rPr lang="en-US" dirty="0"/>
+              <a:t> course. It's short and explains things better than I can in this workshop</a:t>
+            </a:r>
+            <a:r>
+              <a:rPr lang="en-US" dirty="0" smtClean="0"/>
+              <a:t>.</a:t>
+            </a:r>
+            <a:endParaRPr lang="en-US" dirty="0"/>
+          </a:p>
+        </p:txBody>
+      </p:sp>
+      <p:sp>
+        <p:nvSpPr>
+          <p:cNvPr id="4" name="Slide Number Placeholder 3"/>
+          <p:cNvSpPr>
+            <a:spLocks noGrp="1"/>
+          </p:cNvSpPr>
+          <p:nvPr>
+            <p:ph type="sldNum" sz="quarter" idx="12"/>
+          </p:nvPr>
+        </p:nvSpPr>
+        <p:spPr/>
+        <p:txBody>
+          <a:bodyPr/>
+          <a:lstStyle/>
+          <a:p>
+            <a:fld id="{D57F1E4F-1CFF-5643-939E-02111984F565}" type="slidenum">
+              <a:rPr lang="en-US" smtClean="0"/>
+              <a:t>19</a:t>
+            </a:fld>
+            <a:endParaRPr lang="en-US" dirty="0"/>
+          </a:p>
+        </p:txBody>
+      </p:sp>
+    </p:spTree>
+    <p:extLst>
+      <p:ext uri="{BB962C8B-B14F-4D97-AF65-F5344CB8AC3E}">
+        <p14:creationId xmlns:p14="http://schemas.microsoft.com/office/powerpoint/2010/main" val="1080653822"/>
+      </p:ext>
+    </p:extLst>
+  </p:cSld>
+  <p:clrMapOvr>
+    <a:masterClrMapping/>
+  </p:clrMapOvr>
+  <p:timing>
+    <p:tnLst>
+      <p:par>
+        <p:cTn id="1" dur="indefinite" restart="never" nodeType="tmRoot"/>
+      </p:par>
+    </p:tnLst>
+  </p:timing>
+</p:sld>
+</file>
+
+<file path=ppt/slides/slide2.xml><?xml version="1.0" encoding="utf-8"?>
+<p:sld xmlns:a="http://schemas.openxmlformats.org/drawingml/2006/main" xmlns:r="http://schemas.openxmlformats.org/officeDocument/2006/relationships" xmlns:p="http://schemas.openxmlformats.org/presentationml/2006/main">
+  <p:cSld>
+    <p:spTree>
+      <p:nvGrpSpPr>
+        <p:cNvPr id="1" name=""/>
+        <p:cNvGrpSpPr/>
+        <p:nvPr/>
+      </p:nvGrpSpPr>
+      <p:grpSpPr>
+        <a:xfrm>
+          <a:off x="0" y="0"/>
+          <a:ext cx="0" cy="0"/>
+          <a:chOff x="0" y="0"/>
+          <a:chExt cx="0" cy="0"/>
+        </a:xfrm>
+      </p:grpSpPr>
+      <p:sp>
+        <p:nvSpPr>
+          <p:cNvPr id="2" name="Title 1"/>
+          <p:cNvSpPr>
+            <a:spLocks noGrp="1"/>
+          </p:cNvSpPr>
+          <p:nvPr>
+            <p:ph type="title"/>
+          </p:nvPr>
+        </p:nvSpPr>
+        <p:spPr/>
+        <p:txBody>
+          <a:bodyPr/>
+          <a:lstStyle/>
+          <a:p>
+            <a:r>
+              <a:rPr lang="en-US" dirty="0" smtClean="0"/>
+              <a:t>Who am I? </a:t>
+            </a:r>
+            <a:r>
+              <a:rPr lang="en-US" dirty="0" smtClean="0"/>
+              <a:t>Nick Vogt</a:t>
             </a:r>
             <a:endParaRPr lang="en-US" dirty="0"/>
           </a:p>
@@ -24326,102 +24718,55 @@
           <a:p>
             <a:r>
               <a:rPr lang="en-US" dirty="0" smtClean="0"/>
-              <a:t>Nick’s Workshops 2017</a:t>
-            </a:r>
-          </a:p>
-          <a:p>
-            <a:pPr lvl="1"/>
+              <a:t>B.S. Economics</a:t>
+            </a:r>
+            <a:r>
+              <a:rPr lang="en-US" dirty="0"/>
+              <a:t> </a:t>
+            </a:r>
             <a:r>
               <a:rPr lang="en-US" dirty="0" smtClean="0"/>
-              <a:t>/data</a:t>
-            </a:r>
-          </a:p>
-          <a:p>
-            <a:pPr lvl="2"/>
+              <a:t>&amp; Computational Mathematics</a:t>
+            </a:r>
+          </a:p>
+          <a:p>
+            <a:r>
+              <a:rPr lang="en-US" dirty="0"/>
+              <a:t>Vice President, Co-Founder, MSU Data Science</a:t>
+            </a:r>
+            <a:endParaRPr lang="en-US" dirty="0" smtClean="0"/>
+          </a:p>
+          <a:p>
             <a:r>
               <a:rPr lang="en-US" dirty="0" smtClean="0"/>
-              <a:t>cbb-scores-2016-2017.csv</a:t>
-            </a:r>
-          </a:p>
-          <a:p>
-            <a:pPr lvl="1"/>
+              <a:t>Python </a:t>
+            </a:r>
             <a:r>
               <a:rPr lang="en-US" dirty="0" smtClean="0"/>
-              <a:t>/</a:t>
-            </a:r>
-            <a:r>
-              <a:rPr lang="en-US" dirty="0" err="1" smtClean="0"/>
-              <a:t>src</a:t>
+              <a:t>Enthusiast</a:t>
+            </a:r>
+            <a:endParaRPr lang="en-US" dirty="0"/>
+          </a:p>
+          <a:p>
+            <a:r>
+              <a:rPr lang="en-US" dirty="0" smtClean="0"/>
+              <a:t>Sports </a:t>
+            </a:r>
+            <a:r>
+              <a:rPr lang="en-US" dirty="0" smtClean="0"/>
+              <a:t>Fanatic</a:t>
+            </a:r>
+          </a:p>
+          <a:p>
+            <a:r>
+              <a:rPr lang="en-US" dirty="0"/>
+              <a:t>Future Data Scientist at </a:t>
+            </a:r>
+            <a:r>
+              <a:rPr lang="en-US" dirty="0" smtClean="0"/>
+              <a:t>Ford</a:t>
             </a:r>
             <a:endParaRPr lang="en-US" dirty="0" smtClean="0"/>
-          </a:p>
-          <a:p>
-            <a:pPr lvl="2"/>
-            <a:r>
-              <a:rPr lang="en-US" dirty="0" smtClean="0"/>
-              <a:t>Scraper.py</a:t>
-            </a:r>
-          </a:p>
-          <a:p>
-            <a:pPr lvl="2"/>
-            <a:r>
-              <a:rPr lang="en-US" dirty="0" smtClean="0"/>
-              <a:t>web-scraping-with-beautiful-</a:t>
-            </a:r>
-            <a:r>
-              <a:rPr lang="en-US" dirty="0" err="1" smtClean="0"/>
-              <a:t>soup.ipynb</a:t>
-            </a:r>
-            <a:endParaRPr lang="en-US" dirty="0" smtClean="0"/>
-          </a:p>
-          <a:p>
-            <a:pPr lvl="1"/>
-            <a:r>
-              <a:rPr lang="en-US" dirty="0"/>
-              <a:t>1 Web Scraping with </a:t>
-            </a:r>
-            <a:r>
-              <a:rPr lang="en-US" dirty="0" smtClean="0"/>
-              <a:t>BeautifulSoup.pptx</a:t>
-            </a:r>
-          </a:p>
-          <a:p>
-            <a:pPr lvl="1"/>
-            <a:r>
-              <a:rPr lang="en-US" dirty="0" smtClean="0"/>
-              <a:t>2 </a:t>
-            </a:r>
-            <a:r>
-              <a:rPr lang="en-US" dirty="0"/>
-              <a:t>Mining and Feature </a:t>
-            </a:r>
-            <a:r>
-              <a:rPr lang="en-US" dirty="0" smtClean="0"/>
-              <a:t>Engineering.pptx</a:t>
-            </a:r>
-          </a:p>
-          <a:p>
-            <a:pPr lvl="1"/>
-            <a:r>
-              <a:rPr lang="en-US" dirty="0"/>
-              <a:t>3 Choosing a </a:t>
-            </a:r>
-            <a:r>
-              <a:rPr lang="en-US" dirty="0" smtClean="0"/>
-              <a:t>Model.pptx</a:t>
-            </a:r>
-          </a:p>
-          <a:p>
-            <a:pPr lvl="1"/>
-            <a:r>
-              <a:rPr lang="en-US" dirty="0"/>
-              <a:t>4 Model Evaluation.pptx</a:t>
-            </a:r>
-            <a:endParaRPr lang="en-US" dirty="0" smtClean="0"/>
-          </a:p>
-          <a:p>
-            <a:pPr lvl="1"/>
-            <a:endParaRPr lang="en-US" dirty="0"/>
           </a:p>
         </p:txBody>
       </p:sp>
@@ -24442,7 +24787,206 @@
           <a:p>
             <a:fld id="{D57F1E4F-1CFF-5643-939E-02111984F565}" type="slidenum">
               <a:rPr lang="en-US" smtClean="0"/>
-              <a:t>19</a:t>
+              <a:t>2</a:t>
+            </a:fld>
+            <a:endParaRPr lang="en-US" dirty="0"/>
+          </a:p>
+        </p:txBody>
+      </p:sp>
+    </p:spTree>
+    <p:extLst>
+      <p:ext uri="{BB962C8B-B14F-4D97-AF65-F5344CB8AC3E}">
+        <p14:creationId xmlns:p14="http://schemas.microsoft.com/office/powerpoint/2010/main" val="3296893481"/>
+      </p:ext>
+    </p:extLst>
+  </p:cSld>
+  <p:clrMapOvr>
+    <a:masterClrMapping/>
+  </p:clrMapOvr>
+  <p:timing>
+    <p:tnLst>
+      <p:par>
+        <p:cTn id="1" dur="indefinite" restart="never" nodeType="tmRoot"/>
+      </p:par>
+    </p:tnLst>
+  </p:timing>
+</p:sld>
+</file>
+
+<file path=ppt/slides/slide20.xml><?xml version="1.0" encoding="utf-8"?>
+<p:sld xmlns:a="http://schemas.openxmlformats.org/drawingml/2006/main" xmlns:r="http://schemas.openxmlformats.org/officeDocument/2006/relationships" xmlns:p="http://schemas.openxmlformats.org/presentationml/2006/main">
+  <p:cSld>
+    <p:spTree>
+      <p:nvGrpSpPr>
+        <p:cNvPr id="1" name=""/>
+        <p:cNvGrpSpPr/>
+        <p:nvPr/>
+      </p:nvGrpSpPr>
+      <p:grpSpPr>
+        <a:xfrm>
+          <a:off x="0" y="0"/>
+          <a:ext cx="0" cy="0"/>
+          <a:chOff x="0" y="0"/>
+          <a:chExt cx="0" cy="0"/>
+        </a:xfrm>
+      </p:grpSpPr>
+      <p:sp>
+        <p:nvSpPr>
+          <p:cNvPr id="2" name="Title 1"/>
+          <p:cNvSpPr>
+            <a:spLocks noGrp="1"/>
+          </p:cNvSpPr>
+          <p:nvPr>
+            <p:ph type="title"/>
+          </p:nvPr>
+        </p:nvSpPr>
+        <p:spPr/>
+        <p:txBody>
+          <a:bodyPr/>
+          <a:lstStyle/>
+          <a:p>
+            <a:r>
+              <a:rPr lang="en-US" dirty="0" smtClean="0"/>
+              <a:t>Let’s Talk about Trees</a:t>
+            </a:r>
+            <a:endParaRPr lang="en-US" dirty="0"/>
+          </a:p>
+        </p:txBody>
+      </p:sp>
+      <p:sp>
+        <p:nvSpPr>
+          <p:cNvPr id="3" name="Content Placeholder 2"/>
+          <p:cNvSpPr>
+            <a:spLocks noGrp="1"/>
+          </p:cNvSpPr>
+          <p:nvPr>
+            <p:ph idx="1"/>
+          </p:nvPr>
+        </p:nvSpPr>
+        <p:spPr/>
+        <p:txBody>
+          <a:bodyPr/>
+          <a:lstStyle/>
+          <a:p>
+            <a:r>
+              <a:rPr lang="en-US" dirty="0" smtClean="0"/>
+              <a:t>Nick’s Workshops 2017</a:t>
+            </a:r>
+          </a:p>
+          <a:p>
+            <a:pPr lvl="1"/>
+            <a:r>
+              <a:rPr lang="en-US" dirty="0" smtClean="0"/>
+              <a:t>/data</a:t>
+            </a:r>
+          </a:p>
+          <a:p>
+            <a:pPr lvl="2"/>
+            <a:r>
+              <a:rPr lang="en-US" dirty="0" smtClean="0"/>
+              <a:t>cbb-scores-2016-2017.csv</a:t>
+            </a:r>
+          </a:p>
+          <a:p>
+            <a:pPr lvl="1"/>
+            <a:r>
+              <a:rPr lang="en-US" dirty="0" smtClean="0"/>
+              <a:t>/</a:t>
+            </a:r>
+            <a:r>
+              <a:rPr lang="en-US" dirty="0" err="1" smtClean="0"/>
+              <a:t>src</a:t>
+            </a:r>
+            <a:endParaRPr lang="en-US" dirty="0" smtClean="0"/>
+          </a:p>
+          <a:p>
+            <a:pPr lvl="2"/>
+            <a:r>
+              <a:rPr lang="en-US" dirty="0" smtClean="0"/>
+              <a:t>Scraper.py</a:t>
+            </a:r>
+          </a:p>
+          <a:p>
+            <a:pPr lvl="2"/>
+            <a:r>
+              <a:rPr lang="en-US" dirty="0" smtClean="0"/>
+              <a:t>web-scraping-with-beautiful-</a:t>
+            </a:r>
+            <a:r>
+              <a:rPr lang="en-US" dirty="0" err="1" smtClean="0"/>
+              <a:t>soup.ipynb</a:t>
+            </a:r>
+            <a:endParaRPr lang="en-US" dirty="0" smtClean="0"/>
+          </a:p>
+          <a:p>
+            <a:pPr lvl="1"/>
+            <a:r>
+              <a:rPr lang="en-US" dirty="0"/>
+              <a:t>1 Web Scraping with </a:t>
+            </a:r>
+            <a:r>
+              <a:rPr lang="en-US" dirty="0" smtClean="0"/>
+              <a:t>BeautifulSoup.pptx</a:t>
+            </a:r>
+          </a:p>
+          <a:p>
+            <a:pPr lvl="1"/>
+            <a:r>
+              <a:rPr lang="en-US" dirty="0" smtClean="0"/>
+              <a:t>2 </a:t>
+            </a:r>
+            <a:r>
+              <a:rPr lang="en-US" dirty="0"/>
+              <a:t>Mining and Feature </a:t>
+            </a:r>
+            <a:r>
+              <a:rPr lang="en-US" dirty="0" smtClean="0"/>
+              <a:t>Engineering.pptx</a:t>
+            </a:r>
+          </a:p>
+          <a:p>
+            <a:pPr lvl="1"/>
+            <a:r>
+              <a:rPr lang="en-US" dirty="0"/>
+              <a:t>3 Choosing a </a:t>
+            </a:r>
+            <a:r>
+              <a:rPr lang="en-US" dirty="0" smtClean="0"/>
+              <a:t>Model.pptx</a:t>
+            </a:r>
+          </a:p>
+          <a:p>
+            <a:pPr lvl="1"/>
+            <a:r>
+              <a:rPr lang="en-US" dirty="0"/>
+              <a:t>4 Model Evaluation.pptx</a:t>
+            </a:r>
+            <a:endParaRPr lang="en-US" dirty="0" smtClean="0"/>
+          </a:p>
+          <a:p>
+            <a:pPr lvl="1"/>
+            <a:endParaRPr lang="en-US" dirty="0"/>
+          </a:p>
+        </p:txBody>
+      </p:sp>
+      <p:sp>
+        <p:nvSpPr>
+          <p:cNvPr id="4" name="Slide Number Placeholder 3"/>
+          <p:cNvSpPr>
+            <a:spLocks noGrp="1"/>
+          </p:cNvSpPr>
+          <p:nvPr>
+            <p:ph type="sldNum" sz="quarter" idx="12"/>
+          </p:nvPr>
+        </p:nvSpPr>
+        <p:spPr/>
+        <p:txBody>
+          <a:bodyPr/>
+          <a:lstStyle/>
+          <a:p>
+            <a:fld id="{D57F1E4F-1CFF-5643-939E-02111984F565}" type="slidenum">
+              <a:rPr lang="en-US" smtClean="0"/>
+              <a:t>20</a:t>
             </a:fld>
             <a:endParaRPr lang="en-US" dirty="0"/>
           </a:p>
@@ -24468,7 +25012,1544 @@
 </p:sld>
 </file>
 
-<file path=ppt/slides/slide2.xml><?xml version="1.0" encoding="utf-8"?>
+<file path=ppt/slides/slide21.xml><?xml version="1.0" encoding="utf-8"?>
+<p:sld xmlns:a="http://schemas.openxmlformats.org/drawingml/2006/main" xmlns:r="http://schemas.openxmlformats.org/officeDocument/2006/relationships" xmlns:p="http://schemas.openxmlformats.org/presentationml/2006/main">
+  <p:cSld>
+    <p:spTree>
+      <p:nvGrpSpPr>
+        <p:cNvPr id="1" name=""/>
+        <p:cNvGrpSpPr/>
+        <p:nvPr/>
+      </p:nvGrpSpPr>
+      <p:grpSpPr>
+        <a:xfrm>
+          <a:off x="0" y="0"/>
+          <a:ext cx="0" cy="0"/>
+          <a:chOff x="0" y="0"/>
+          <a:chExt cx="0" cy="0"/>
+        </a:xfrm>
+      </p:grpSpPr>
+      <p:sp>
+        <p:nvSpPr>
+          <p:cNvPr id="2" name="Title 1"/>
+          <p:cNvSpPr>
+            <a:spLocks noGrp="1"/>
+          </p:cNvSpPr>
+          <p:nvPr>
+            <p:ph type="title"/>
+          </p:nvPr>
+        </p:nvSpPr>
+        <p:spPr/>
+        <p:txBody>
+          <a:bodyPr/>
+          <a:lstStyle/>
+          <a:p>
+            <a:r>
+              <a:rPr lang="en-US" dirty="0" smtClean="0"/>
+              <a:t>Let’s Talk about Trees</a:t>
+            </a:r>
+            <a:endParaRPr lang="en-US" dirty="0"/>
+          </a:p>
+        </p:txBody>
+      </p:sp>
+      <p:graphicFrame>
+        <p:nvGraphicFramePr>
+          <p:cNvPr id="4" name="Content Placeholder 3"/>
+          <p:cNvGraphicFramePr>
+            <a:graphicFrameLocks noGrp="1"/>
+          </p:cNvGraphicFramePr>
+          <p:nvPr>
+            <p:ph idx="1"/>
+            <p:extLst>
+              <p:ext uri="{D42A27DB-BD31-4B8C-83A1-F6EECF244321}">
+                <p14:modId xmlns:p14="http://schemas.microsoft.com/office/powerpoint/2010/main" val="3096344208"/>
+              </p:ext>
+            </p:extLst>
+          </p:nvPr>
+        </p:nvGraphicFramePr>
+        <p:xfrm>
+          <a:off x="1103313" y="2052638"/>
+          <a:ext cx="8947150" cy="4195762"/>
+        </p:xfrm>
+        <a:graphic>
+          <a:graphicData uri="http://schemas.openxmlformats.org/drawingml/2006/diagram">
+            <dgm:relIds xmlns:dgm="http://schemas.openxmlformats.org/drawingml/2006/diagram" xmlns:r="http://schemas.openxmlformats.org/officeDocument/2006/relationships" r:dm="rId2" r:lo="rId3" r:qs="rId4" r:cs="rId5"/>
+          </a:graphicData>
+        </a:graphic>
+      </p:graphicFrame>
+      <p:sp>
+        <p:nvSpPr>
+          <p:cNvPr id="3" name="Slide Number Placeholder 2"/>
+          <p:cNvSpPr>
+            <a:spLocks noGrp="1"/>
+          </p:cNvSpPr>
+          <p:nvPr>
+            <p:ph type="sldNum" sz="quarter" idx="12"/>
+          </p:nvPr>
+        </p:nvSpPr>
+        <p:spPr/>
+        <p:txBody>
+          <a:bodyPr/>
+          <a:lstStyle/>
+          <a:p>
+            <a:fld id="{D57F1E4F-1CFF-5643-939E-02111984F565}" type="slidenum">
+              <a:rPr lang="en-US" smtClean="0"/>
+              <a:t>21</a:t>
+            </a:fld>
+            <a:endParaRPr lang="en-US" dirty="0"/>
+          </a:p>
+        </p:txBody>
+      </p:sp>
+    </p:spTree>
+    <p:extLst>
+      <p:ext uri="{BB962C8B-B14F-4D97-AF65-F5344CB8AC3E}">
+        <p14:creationId xmlns:p14="http://schemas.microsoft.com/office/powerpoint/2010/main" val="4012767007"/>
+      </p:ext>
+    </p:extLst>
+  </p:cSld>
+  <p:clrMapOvr>
+    <a:masterClrMapping/>
+  </p:clrMapOvr>
+  <p:timing>
+    <p:tnLst>
+      <p:par>
+        <p:cTn id="1" dur="indefinite" restart="never" nodeType="tmRoot"/>
+      </p:par>
+    </p:tnLst>
+  </p:timing>
+</p:sld>
+</file>
+
+<file path=ppt/slides/slide22.xml><?xml version="1.0" encoding="utf-8"?>
+<p:sld xmlns:a="http://schemas.openxmlformats.org/drawingml/2006/main" xmlns:r="http://schemas.openxmlformats.org/officeDocument/2006/relationships" xmlns:p="http://schemas.openxmlformats.org/presentationml/2006/main">
+  <p:cSld>
+    <p:spTree>
+      <p:nvGrpSpPr>
+        <p:cNvPr id="1" name=""/>
+        <p:cNvGrpSpPr/>
+        <p:nvPr/>
+      </p:nvGrpSpPr>
+      <p:grpSpPr>
+        <a:xfrm>
+          <a:off x="0" y="0"/>
+          <a:ext cx="0" cy="0"/>
+          <a:chOff x="0" y="0"/>
+          <a:chExt cx="0" cy="0"/>
+        </a:xfrm>
+      </p:grpSpPr>
+      <p:sp>
+        <p:nvSpPr>
+          <p:cNvPr id="2" name="Title 1"/>
+          <p:cNvSpPr>
+            <a:spLocks noGrp="1"/>
+          </p:cNvSpPr>
+          <p:nvPr>
+            <p:ph type="title"/>
+          </p:nvPr>
+        </p:nvSpPr>
+        <p:spPr/>
+        <p:txBody>
+          <a:bodyPr/>
+          <a:lstStyle/>
+          <a:p>
+            <a:r>
+              <a:rPr lang="en-US" dirty="0" smtClean="0"/>
+              <a:t>HTML stores information as a tree</a:t>
+            </a:r>
+            <a:endParaRPr lang="en-US" dirty="0"/>
+          </a:p>
+        </p:txBody>
+      </p:sp>
+      <p:graphicFrame>
+        <p:nvGraphicFramePr>
+          <p:cNvPr id="10" name="Content Placeholder 9"/>
+          <p:cNvGraphicFramePr>
+            <a:graphicFrameLocks noGrp="1"/>
+          </p:cNvGraphicFramePr>
+          <p:nvPr>
+            <p:ph idx="1"/>
+            <p:extLst>
+              <p:ext uri="{D42A27DB-BD31-4B8C-83A1-F6EECF244321}">
+                <p14:modId xmlns:p14="http://schemas.microsoft.com/office/powerpoint/2010/main" val="4013477464"/>
+              </p:ext>
+            </p:extLst>
+          </p:nvPr>
+        </p:nvGraphicFramePr>
+        <p:xfrm>
+          <a:off x="1103313" y="2052638"/>
+          <a:ext cx="8947150" cy="4195762"/>
+        </p:xfrm>
+        <a:graphic>
+          <a:graphicData uri="http://schemas.openxmlformats.org/drawingml/2006/diagram">
+            <dgm:relIds xmlns:dgm="http://schemas.openxmlformats.org/drawingml/2006/diagram" xmlns:r="http://schemas.openxmlformats.org/officeDocument/2006/relationships" r:dm="rId2" r:lo="rId3" r:qs="rId4" r:cs="rId5"/>
+          </a:graphicData>
+        </a:graphic>
+      </p:graphicFrame>
+      <p:sp>
+        <p:nvSpPr>
+          <p:cNvPr id="3" name="Slide Number Placeholder 2"/>
+          <p:cNvSpPr>
+            <a:spLocks noGrp="1"/>
+          </p:cNvSpPr>
+          <p:nvPr>
+            <p:ph type="sldNum" sz="quarter" idx="12"/>
+          </p:nvPr>
+        </p:nvSpPr>
+        <p:spPr/>
+        <p:txBody>
+          <a:bodyPr/>
+          <a:lstStyle/>
+          <a:p>
+            <a:fld id="{D57F1E4F-1CFF-5643-939E-02111984F565}" type="slidenum">
+              <a:rPr lang="en-US" smtClean="0"/>
+              <a:t>22</a:t>
+            </a:fld>
+            <a:endParaRPr lang="en-US" dirty="0"/>
+          </a:p>
+        </p:txBody>
+      </p:sp>
+    </p:spTree>
+    <p:extLst>
+      <p:ext uri="{BB962C8B-B14F-4D97-AF65-F5344CB8AC3E}">
+        <p14:creationId xmlns:p14="http://schemas.microsoft.com/office/powerpoint/2010/main" val="3609874286"/>
+      </p:ext>
+    </p:extLst>
+  </p:cSld>
+  <p:clrMapOvr>
+    <a:masterClrMapping/>
+  </p:clrMapOvr>
+  <p:timing>
+    <p:tnLst>
+      <p:par>
+        <p:cTn id="1" dur="indefinite" restart="never" nodeType="tmRoot"/>
+      </p:par>
+    </p:tnLst>
+  </p:timing>
+</p:sld>
+</file>
+
+<file path=ppt/slides/slide23.xml><?xml version="1.0" encoding="utf-8"?>
+<p:sld xmlns:a="http://schemas.openxmlformats.org/drawingml/2006/main" xmlns:r="http://schemas.openxmlformats.org/officeDocument/2006/relationships" xmlns:p="http://schemas.openxmlformats.org/presentationml/2006/main">
+  <p:cSld>
+    <p:spTree>
+      <p:nvGrpSpPr>
+        <p:cNvPr id="1" name=""/>
+        <p:cNvGrpSpPr/>
+        <p:nvPr/>
+      </p:nvGrpSpPr>
+      <p:grpSpPr>
+        <a:xfrm>
+          <a:off x="0" y="0"/>
+          <a:ext cx="0" cy="0"/>
+          <a:chOff x="0" y="0"/>
+          <a:chExt cx="0" cy="0"/>
+        </a:xfrm>
+      </p:grpSpPr>
+      <p:sp>
+        <p:nvSpPr>
+          <p:cNvPr id="2" name="Title 1"/>
+          <p:cNvSpPr>
+            <a:spLocks noGrp="1"/>
+          </p:cNvSpPr>
+          <p:nvPr>
+            <p:ph type="title"/>
+          </p:nvPr>
+        </p:nvSpPr>
+        <p:spPr/>
+        <p:txBody>
+          <a:bodyPr/>
+          <a:lstStyle/>
+          <a:p>
+            <a:r>
+              <a:rPr lang="en-US" dirty="0"/>
+              <a:t>HTML stores information as a tree</a:t>
+            </a:r>
+          </a:p>
+        </p:txBody>
+      </p:sp>
+      <p:sp>
+        <p:nvSpPr>
+          <p:cNvPr id="3" name="Content Placeholder 2"/>
+          <p:cNvSpPr>
+            <a:spLocks noGrp="1"/>
+          </p:cNvSpPr>
+          <p:nvPr>
+            <p:ph sz="half" idx="1"/>
+          </p:nvPr>
+        </p:nvSpPr>
+        <p:spPr/>
+        <p:txBody>
+          <a:bodyPr>
+            <a:normAutofit/>
+          </a:bodyPr>
+          <a:lstStyle/>
+          <a:p>
+            <a:r>
+              <a:rPr lang="en-US" sz="2800" dirty="0" smtClean="0"/>
+              <a:t>HTML</a:t>
+            </a:r>
+          </a:p>
+          <a:p>
+            <a:pPr lvl="1"/>
+            <a:r>
+              <a:rPr lang="en-US" sz="2400" dirty="0" smtClean="0"/>
+              <a:t>head</a:t>
+            </a:r>
+          </a:p>
+          <a:p>
+            <a:pPr lvl="2"/>
+            <a:r>
+              <a:rPr lang="en-US" sz="2000" dirty="0" smtClean="0"/>
+              <a:t>title “Nick’s Workshop”</a:t>
+            </a:r>
+          </a:p>
+          <a:p>
+            <a:pPr lvl="1"/>
+            <a:r>
+              <a:rPr lang="en-US" sz="2400" dirty="0" smtClean="0"/>
+              <a:t>body</a:t>
+            </a:r>
+          </a:p>
+          <a:p>
+            <a:pPr lvl="2"/>
+            <a:r>
+              <a:rPr lang="en-US" sz="2000" dirty="0" smtClean="0"/>
+              <a:t>h1: “Nick’s Workshop”</a:t>
+            </a:r>
+          </a:p>
+          <a:p>
+            <a:pPr lvl="2"/>
+            <a:r>
+              <a:rPr lang="en-US" sz="2000" dirty="0" smtClean="0"/>
+              <a:t>h3: “Welcome!”</a:t>
+            </a:r>
+          </a:p>
+          <a:p>
+            <a:endParaRPr lang="en-US" sz="2800" dirty="0"/>
+          </a:p>
+        </p:txBody>
+      </p:sp>
+      <p:sp>
+        <p:nvSpPr>
+          <p:cNvPr id="4" name="Content Placeholder 3"/>
+          <p:cNvSpPr>
+            <a:spLocks noGrp="1"/>
+          </p:cNvSpPr>
+          <p:nvPr>
+            <p:ph sz="half" idx="2"/>
+          </p:nvPr>
+        </p:nvSpPr>
+        <p:spPr/>
+        <p:txBody>
+          <a:bodyPr/>
+          <a:lstStyle/>
+          <a:p>
+            <a:pPr marL="0" indent="0">
+              <a:buNone/>
+            </a:pPr>
+            <a:r>
+              <a:rPr lang="en-US" dirty="0" smtClean="0"/>
+              <a:t>&lt;html&gt;</a:t>
+            </a:r>
+            <a:endParaRPr lang="en-US" dirty="0"/>
+          </a:p>
+          <a:p>
+            <a:pPr marL="0" indent="0">
+              <a:buNone/>
+            </a:pPr>
+            <a:r>
+              <a:rPr lang="en-US" dirty="0" smtClean="0"/>
+              <a:t>	&lt;head&gt;</a:t>
+            </a:r>
+          </a:p>
+          <a:p>
+            <a:pPr marL="400050" lvl="1" indent="0">
+              <a:buNone/>
+            </a:pPr>
+            <a:r>
+              <a:rPr lang="en-US" dirty="0"/>
+              <a:t>	</a:t>
+            </a:r>
+            <a:r>
+              <a:rPr lang="en-US" dirty="0" smtClean="0"/>
+              <a:t>	&lt;title&gt;Nick’s Workshop&lt;/title&gt;</a:t>
+            </a:r>
+          </a:p>
+          <a:p>
+            <a:pPr marL="400050" lvl="1" indent="0">
+              <a:buNone/>
+            </a:pPr>
+            <a:r>
+              <a:rPr lang="en-US" dirty="0" smtClean="0"/>
+              <a:t>&lt;/head&gt;</a:t>
+            </a:r>
+          </a:p>
+          <a:p>
+            <a:pPr marL="400050" lvl="1" indent="0">
+              <a:buNone/>
+            </a:pPr>
+            <a:r>
+              <a:rPr lang="en-US" dirty="0" smtClean="0"/>
+              <a:t>&lt;body&gt;</a:t>
+            </a:r>
+          </a:p>
+          <a:p>
+            <a:pPr marL="400050" lvl="1" indent="0">
+              <a:buNone/>
+            </a:pPr>
+            <a:r>
+              <a:rPr lang="en-US" dirty="0"/>
+              <a:t>	</a:t>
+            </a:r>
+            <a:r>
+              <a:rPr lang="en-US" dirty="0" smtClean="0"/>
+              <a:t>	&lt;h1&gt;Nick’s Workshop&lt;/h1&gt;</a:t>
+            </a:r>
+          </a:p>
+          <a:p>
+            <a:pPr marL="400050" lvl="1" indent="0">
+              <a:buNone/>
+            </a:pPr>
+            <a:r>
+              <a:rPr lang="en-US" dirty="0"/>
+              <a:t>	</a:t>
+            </a:r>
+            <a:r>
+              <a:rPr lang="en-US" dirty="0" smtClean="0"/>
+              <a:t>	&lt;h3&gt;Welcome!&lt;/h3&gt;</a:t>
+            </a:r>
+          </a:p>
+          <a:p>
+            <a:pPr marL="400050" lvl="1" indent="0">
+              <a:buNone/>
+            </a:pPr>
+            <a:r>
+              <a:rPr lang="en-US" dirty="0" smtClean="0"/>
+              <a:t>&lt;/body&gt;</a:t>
+            </a:r>
+          </a:p>
+          <a:p>
+            <a:pPr marL="0" indent="0">
+              <a:buNone/>
+            </a:pPr>
+            <a:r>
+              <a:rPr lang="en-US" dirty="0" smtClean="0"/>
+              <a:t>&lt;/html&gt;</a:t>
+            </a:r>
+            <a:endParaRPr lang="en-US" dirty="0"/>
+          </a:p>
+        </p:txBody>
+      </p:sp>
+      <p:sp>
+        <p:nvSpPr>
+          <p:cNvPr id="5" name="Slide Number Placeholder 4"/>
+          <p:cNvSpPr>
+            <a:spLocks noGrp="1"/>
+          </p:cNvSpPr>
+          <p:nvPr>
+            <p:ph type="sldNum" sz="quarter" idx="12"/>
+          </p:nvPr>
+        </p:nvSpPr>
+        <p:spPr/>
+        <p:txBody>
+          <a:bodyPr/>
+          <a:lstStyle/>
+          <a:p>
+            <a:fld id="{D57F1E4F-1CFF-5643-939E-02111984F565}" type="slidenum">
+              <a:rPr lang="en-US" smtClean="0"/>
+              <a:t>23</a:t>
+            </a:fld>
+            <a:endParaRPr lang="en-US" dirty="0"/>
+          </a:p>
+        </p:txBody>
+      </p:sp>
+    </p:spTree>
+    <p:extLst>
+      <p:ext uri="{BB962C8B-B14F-4D97-AF65-F5344CB8AC3E}">
+        <p14:creationId xmlns:p14="http://schemas.microsoft.com/office/powerpoint/2010/main" val="2176810318"/>
+      </p:ext>
+    </p:extLst>
+  </p:cSld>
+  <p:clrMapOvr>
+    <a:masterClrMapping/>
+  </p:clrMapOvr>
+  <p:timing>
+    <p:tnLst>
+      <p:par>
+        <p:cTn id="1" dur="indefinite" restart="never" nodeType="tmRoot"/>
+      </p:par>
+    </p:tnLst>
+  </p:timing>
+</p:sld>
+</file>
+
+<file path=ppt/slides/slide24.xml><?xml version="1.0" encoding="utf-8"?>
+<p:sld xmlns:a="http://schemas.openxmlformats.org/drawingml/2006/main" xmlns:r="http://schemas.openxmlformats.org/officeDocument/2006/relationships" xmlns:p="http://schemas.openxmlformats.org/presentationml/2006/main">
+  <p:cSld>
+    <p:spTree>
+      <p:nvGrpSpPr>
+        <p:cNvPr id="1" name=""/>
+        <p:cNvGrpSpPr/>
+        <p:nvPr/>
+      </p:nvGrpSpPr>
+      <p:grpSpPr>
+        <a:xfrm>
+          <a:off x="0" y="0"/>
+          <a:ext cx="0" cy="0"/>
+          <a:chOff x="0" y="0"/>
+          <a:chExt cx="0" cy="0"/>
+        </a:xfrm>
+      </p:grpSpPr>
+      <p:sp>
+        <p:nvSpPr>
+          <p:cNvPr id="2" name="Title 1"/>
+          <p:cNvSpPr>
+            <a:spLocks noGrp="1"/>
+          </p:cNvSpPr>
+          <p:nvPr>
+            <p:ph type="ctrTitle"/>
+          </p:nvPr>
+        </p:nvSpPr>
+        <p:spPr>
+          <a:xfrm>
+            <a:off x="1154955" y="1447801"/>
+            <a:ext cx="8825658" cy="2568388"/>
+          </a:xfrm>
+        </p:spPr>
+        <p:txBody>
+          <a:bodyPr/>
+          <a:lstStyle/>
+          <a:p>
+            <a:pPr algn="ctr"/>
+            <a:r>
+              <a:rPr lang="en-US" dirty="0" smtClean="0"/>
+              <a:t>Questions?</a:t>
+            </a:r>
+            <a:endParaRPr lang="en-US" dirty="0"/>
+          </a:p>
+        </p:txBody>
+      </p:sp>
+      <p:sp>
+        <p:nvSpPr>
+          <p:cNvPr id="4" name="Subtitle 3"/>
+          <p:cNvSpPr>
+            <a:spLocks noGrp="1"/>
+          </p:cNvSpPr>
+          <p:nvPr>
+            <p:ph type="subTitle" idx="1"/>
+          </p:nvPr>
+        </p:nvSpPr>
+        <p:spPr/>
+        <p:txBody>
+          <a:bodyPr/>
+          <a:lstStyle/>
+          <a:p>
+            <a:endParaRPr lang="en-US"/>
+          </a:p>
+        </p:txBody>
+      </p:sp>
+      <p:sp>
+        <p:nvSpPr>
+          <p:cNvPr id="3" name="Slide Number Placeholder 2"/>
+          <p:cNvSpPr>
+            <a:spLocks noGrp="1"/>
+          </p:cNvSpPr>
+          <p:nvPr>
+            <p:ph type="sldNum" sz="quarter" idx="12"/>
+          </p:nvPr>
+        </p:nvSpPr>
+        <p:spPr/>
+        <p:txBody>
+          <a:bodyPr/>
+          <a:lstStyle/>
+          <a:p>
+            <a:fld id="{D57F1E4F-1CFF-5643-939E-02111984F565}" type="slidenum">
+              <a:rPr lang="en-US" smtClean="0"/>
+              <a:t>24</a:t>
+            </a:fld>
+            <a:endParaRPr lang="en-US" dirty="0"/>
+          </a:p>
+        </p:txBody>
+      </p:sp>
+    </p:spTree>
+    <p:extLst>
+      <p:ext uri="{BB962C8B-B14F-4D97-AF65-F5344CB8AC3E}">
+        <p14:creationId xmlns:p14="http://schemas.microsoft.com/office/powerpoint/2010/main" val="1972493769"/>
+      </p:ext>
+    </p:extLst>
+  </p:cSld>
+  <p:clrMapOvr>
+    <a:masterClrMapping/>
+  </p:clrMapOvr>
+  <p:timing>
+    <p:tnLst>
+      <p:par>
+        <p:cTn id="1" dur="indefinite" restart="never" nodeType="tmRoot"/>
+      </p:par>
+    </p:tnLst>
+  </p:timing>
+</p:sld>
+</file>
+
+<file path=ppt/slides/slide25.xml><?xml version="1.0" encoding="utf-8"?>
+<p:sld xmlns:a="http://schemas.openxmlformats.org/drawingml/2006/main" xmlns:r="http://schemas.openxmlformats.org/officeDocument/2006/relationships" xmlns:p="http://schemas.openxmlformats.org/presentationml/2006/main">
+  <p:cSld>
+    <p:spTree>
+      <p:nvGrpSpPr>
+        <p:cNvPr id="1" name=""/>
+        <p:cNvGrpSpPr/>
+        <p:nvPr/>
+      </p:nvGrpSpPr>
+      <p:grpSpPr>
+        <a:xfrm>
+          <a:off x="0" y="0"/>
+          <a:ext cx="0" cy="0"/>
+          <a:chOff x="0" y="0"/>
+          <a:chExt cx="0" cy="0"/>
+        </a:xfrm>
+      </p:grpSpPr>
+      <p:sp>
+        <p:nvSpPr>
+          <p:cNvPr id="2" name="Title 1"/>
+          <p:cNvSpPr>
+            <a:spLocks noGrp="1"/>
+          </p:cNvSpPr>
+          <p:nvPr>
+            <p:ph type="title"/>
+          </p:nvPr>
+        </p:nvSpPr>
+        <p:spPr/>
+        <p:txBody>
+          <a:bodyPr/>
+          <a:lstStyle/>
+          <a:p>
+            <a:r>
+              <a:rPr lang="en-US" dirty="0" smtClean="0"/>
+              <a:t>Make the crawler </a:t>
+            </a:r>
+            <a:r>
+              <a:rPr lang="en-US" i="1" dirty="0" smtClean="0"/>
+              <a:t>crawl</a:t>
+            </a:r>
+            <a:endParaRPr lang="en-US" dirty="0"/>
+          </a:p>
+        </p:txBody>
+      </p:sp>
+      <p:sp>
+        <p:nvSpPr>
+          <p:cNvPr id="3" name="Text Placeholder 2"/>
+          <p:cNvSpPr>
+            <a:spLocks noGrp="1"/>
+          </p:cNvSpPr>
+          <p:nvPr>
+            <p:ph type="body" idx="1"/>
+          </p:nvPr>
+        </p:nvSpPr>
+        <p:spPr/>
+        <p:txBody>
+          <a:bodyPr/>
+          <a:lstStyle/>
+          <a:p>
+            <a:r>
+              <a:rPr lang="en-US" cap="none" dirty="0" smtClean="0"/>
+              <a:t>Like learning to walk, only with code. </a:t>
+            </a:r>
+            <a:endParaRPr lang="en-US" cap="none" dirty="0"/>
+          </a:p>
+        </p:txBody>
+      </p:sp>
+      <p:sp>
+        <p:nvSpPr>
+          <p:cNvPr id="4" name="Slide Number Placeholder 3"/>
+          <p:cNvSpPr>
+            <a:spLocks noGrp="1"/>
+          </p:cNvSpPr>
+          <p:nvPr>
+            <p:ph type="sldNum" sz="quarter" idx="12"/>
+          </p:nvPr>
+        </p:nvSpPr>
+        <p:spPr/>
+        <p:txBody>
+          <a:bodyPr/>
+          <a:lstStyle/>
+          <a:p>
+            <a:fld id="{D57F1E4F-1CFF-5643-939E-02111984F565}" type="slidenum">
+              <a:rPr lang="en-US" smtClean="0"/>
+              <a:t>25</a:t>
+            </a:fld>
+            <a:endParaRPr lang="en-US" dirty="0"/>
+          </a:p>
+        </p:txBody>
+      </p:sp>
+    </p:spTree>
+    <p:extLst>
+      <p:ext uri="{BB962C8B-B14F-4D97-AF65-F5344CB8AC3E}">
+        <p14:creationId xmlns:p14="http://schemas.microsoft.com/office/powerpoint/2010/main" val="3212936333"/>
+      </p:ext>
+    </p:extLst>
+  </p:cSld>
+  <p:clrMapOvr>
+    <a:masterClrMapping/>
+  </p:clrMapOvr>
+  <p:timing>
+    <p:tnLst>
+      <p:par>
+        <p:cTn id="1" dur="indefinite" restart="never" nodeType="tmRoot"/>
+      </p:par>
+    </p:tnLst>
+  </p:timing>
+</p:sld>
+</file>
+
+<file path=ppt/slides/slide26.xml><?xml version="1.0" encoding="utf-8"?>
+<p:sld xmlns:a="http://schemas.openxmlformats.org/drawingml/2006/main" xmlns:r="http://schemas.openxmlformats.org/officeDocument/2006/relationships" xmlns:p="http://schemas.openxmlformats.org/presentationml/2006/main">
+  <p:cSld>
+    <p:spTree>
+      <p:nvGrpSpPr>
+        <p:cNvPr id="1" name=""/>
+        <p:cNvGrpSpPr/>
+        <p:nvPr/>
+      </p:nvGrpSpPr>
+      <p:grpSpPr>
+        <a:xfrm>
+          <a:off x="0" y="0"/>
+          <a:ext cx="0" cy="0"/>
+          <a:chOff x="0" y="0"/>
+          <a:chExt cx="0" cy="0"/>
+        </a:xfrm>
+      </p:grpSpPr>
+      <p:sp>
+        <p:nvSpPr>
+          <p:cNvPr id="2" name="Title 1"/>
+          <p:cNvSpPr>
+            <a:spLocks noGrp="1"/>
+          </p:cNvSpPr>
+          <p:nvPr>
+            <p:ph type="title"/>
+          </p:nvPr>
+        </p:nvSpPr>
+        <p:spPr/>
+        <p:txBody>
+          <a:bodyPr/>
+          <a:lstStyle/>
+          <a:p>
+            <a:r>
+              <a:rPr lang="en-US" dirty="0" smtClean="0"/>
+              <a:t>Make the crawler </a:t>
+            </a:r>
+            <a:r>
+              <a:rPr lang="en-US" i="1" dirty="0" smtClean="0"/>
+              <a:t>crawl</a:t>
+            </a:r>
+            <a:endParaRPr lang="en-US" i="1" dirty="0"/>
+          </a:p>
+        </p:txBody>
+      </p:sp>
+      <p:sp>
+        <p:nvSpPr>
+          <p:cNvPr id="3" name="Content Placeholder 2"/>
+          <p:cNvSpPr>
+            <a:spLocks noGrp="1"/>
+          </p:cNvSpPr>
+          <p:nvPr>
+            <p:ph idx="1"/>
+          </p:nvPr>
+        </p:nvSpPr>
+        <p:spPr/>
+        <p:txBody>
+          <a:bodyPr>
+            <a:normAutofit/>
+          </a:bodyPr>
+          <a:lstStyle/>
+          <a:p>
+            <a:r>
+              <a:rPr lang="en-US" dirty="0"/>
+              <a:t>We often want to follow internal links on webpages to get to more interesting data. </a:t>
+            </a:r>
+            <a:endParaRPr lang="en-US" dirty="0" smtClean="0"/>
+          </a:p>
+          <a:p>
+            <a:pPr lvl="1"/>
+            <a:r>
+              <a:rPr lang="en-US" dirty="0" err="1" smtClean="0">
+                <a:latin typeface="Consolas" panose="020B0609020204030204" pitchFamily="49" charset="0"/>
+              </a:rPr>
+              <a:t>BeautifulSoup</a:t>
+            </a:r>
+            <a:r>
+              <a:rPr lang="en-US" dirty="0" smtClean="0"/>
+              <a:t> will help </a:t>
+            </a:r>
+            <a:r>
+              <a:rPr lang="en-US" dirty="0"/>
+              <a:t>us navigate HTML documents.</a:t>
+            </a:r>
+          </a:p>
+          <a:p>
+            <a:pPr lvl="2"/>
+            <a:r>
+              <a:rPr lang="en-US" dirty="0" smtClean="0"/>
+              <a:t>We’ll cover this library in more depth in the data mining workshop. It’ll be more important there.</a:t>
+            </a:r>
+          </a:p>
+          <a:p>
+            <a:r>
+              <a:rPr lang="en-US" dirty="0" smtClean="0"/>
+              <a:t>Here's </a:t>
+            </a:r>
+            <a:r>
+              <a:rPr lang="en-US" dirty="0"/>
+              <a:t>the plan of attack:</a:t>
+            </a:r>
+          </a:p>
+          <a:p>
+            <a:pPr lvl="1"/>
+            <a:r>
+              <a:rPr lang="en-US" dirty="0"/>
+              <a:t>Identify links in a webpage. </a:t>
+            </a:r>
+          </a:p>
+          <a:p>
+            <a:pPr lvl="1"/>
+            <a:r>
+              <a:rPr lang="en-US" dirty="0"/>
+              <a:t>Follow those links. </a:t>
+            </a:r>
+          </a:p>
+        </p:txBody>
+      </p:sp>
+      <p:sp>
+        <p:nvSpPr>
+          <p:cNvPr id="4" name="Slide Number Placeholder 3"/>
+          <p:cNvSpPr>
+            <a:spLocks noGrp="1"/>
+          </p:cNvSpPr>
+          <p:nvPr>
+            <p:ph type="sldNum" sz="quarter" idx="12"/>
+          </p:nvPr>
+        </p:nvSpPr>
+        <p:spPr/>
+        <p:txBody>
+          <a:bodyPr/>
+          <a:lstStyle/>
+          <a:p>
+            <a:fld id="{D57F1E4F-1CFF-5643-939E-02111984F565}" type="slidenum">
+              <a:rPr lang="en-US" smtClean="0"/>
+              <a:t>26</a:t>
+            </a:fld>
+            <a:endParaRPr lang="en-US" dirty="0"/>
+          </a:p>
+        </p:txBody>
+      </p:sp>
+    </p:spTree>
+    <p:extLst>
+      <p:ext uri="{BB962C8B-B14F-4D97-AF65-F5344CB8AC3E}">
+        <p14:creationId xmlns:p14="http://schemas.microsoft.com/office/powerpoint/2010/main" val="303214607"/>
+      </p:ext>
+    </p:extLst>
+  </p:cSld>
+  <p:clrMapOvr>
+    <a:masterClrMapping/>
+  </p:clrMapOvr>
+  <p:timing>
+    <p:tnLst>
+      <p:par>
+        <p:cTn id="1" dur="indefinite" restart="never" nodeType="tmRoot"/>
+      </p:par>
+    </p:tnLst>
+  </p:timing>
+</p:sld>
+</file>
+
+<file path=ppt/slides/slide27.xml><?xml version="1.0" encoding="utf-8"?>
+<p:sld xmlns:a="http://schemas.openxmlformats.org/drawingml/2006/main" xmlns:r="http://schemas.openxmlformats.org/officeDocument/2006/relationships" xmlns:p="http://schemas.openxmlformats.org/presentationml/2006/main">
+  <p:cSld>
+    <p:spTree>
+      <p:nvGrpSpPr>
+        <p:cNvPr id="1" name=""/>
+        <p:cNvGrpSpPr/>
+        <p:nvPr/>
+      </p:nvGrpSpPr>
+      <p:grpSpPr>
+        <a:xfrm>
+          <a:off x="0" y="0"/>
+          <a:ext cx="0" cy="0"/>
+          <a:chOff x="0" y="0"/>
+          <a:chExt cx="0" cy="0"/>
+        </a:xfrm>
+      </p:grpSpPr>
+      <p:sp>
+        <p:nvSpPr>
+          <p:cNvPr id="2" name="Title 1"/>
+          <p:cNvSpPr>
+            <a:spLocks noGrp="1"/>
+          </p:cNvSpPr>
+          <p:nvPr>
+            <p:ph type="title"/>
+          </p:nvPr>
+        </p:nvSpPr>
+        <p:spPr/>
+        <p:txBody>
+          <a:bodyPr/>
+          <a:lstStyle/>
+          <a:p>
+            <a:r>
+              <a:rPr lang="en-US" dirty="0" smtClean="0"/>
+              <a:t>Quick intro to </a:t>
+            </a:r>
+            <a:r>
+              <a:rPr lang="en-US" dirty="0" err="1" smtClean="0">
+                <a:latin typeface="Consolas" panose="020B0609020204030204" pitchFamily="49" charset="0"/>
+              </a:rPr>
+              <a:t>BeautifulSoup</a:t>
+            </a:r>
+            <a:endParaRPr lang="en-US" i="1" dirty="0">
+              <a:latin typeface="Consolas" panose="020B0609020204030204" pitchFamily="49" charset="0"/>
+            </a:endParaRPr>
+          </a:p>
+        </p:txBody>
+      </p:sp>
+      <p:sp>
+        <p:nvSpPr>
+          <p:cNvPr id="3" name="Content Placeholder 2"/>
+          <p:cNvSpPr>
+            <a:spLocks noGrp="1"/>
+          </p:cNvSpPr>
+          <p:nvPr>
+            <p:ph idx="1"/>
+          </p:nvPr>
+        </p:nvSpPr>
+        <p:spPr/>
+        <p:txBody>
+          <a:bodyPr>
+            <a:normAutofit/>
+          </a:bodyPr>
+          <a:lstStyle/>
+          <a:p>
+            <a:r>
+              <a:rPr lang="en-US" dirty="0"/>
+              <a:t>We can navigate the tree using html tags in one of two ways</a:t>
+            </a:r>
+            <a:r>
+              <a:rPr lang="en-US" dirty="0" smtClean="0"/>
+              <a:t>:</a:t>
+            </a:r>
+            <a:endParaRPr lang="en-US" dirty="0"/>
+          </a:p>
+          <a:p>
+            <a:pPr marL="400050">
+              <a:buFont typeface="+mj-lt"/>
+              <a:buAutoNum type="arabicPeriod"/>
+            </a:pPr>
+            <a:r>
+              <a:rPr lang="en-US" dirty="0" err="1" smtClean="0">
+                <a:latin typeface="Consolas" panose="020B0609020204030204" pitchFamily="49" charset="0"/>
+              </a:rPr>
+              <a:t>BeautifulSoup</a:t>
+            </a:r>
+            <a:r>
+              <a:rPr lang="en-US" dirty="0" smtClean="0"/>
+              <a:t> attributes</a:t>
+            </a:r>
+          </a:p>
+          <a:p>
+            <a:pPr marL="400050">
+              <a:buFont typeface="+mj-lt"/>
+              <a:buAutoNum type="arabicPeriod"/>
+            </a:pPr>
+            <a:r>
+              <a:rPr lang="en-US" dirty="0" err="1" smtClean="0">
+                <a:latin typeface="Consolas" panose="020B0609020204030204" pitchFamily="49" charset="0"/>
+              </a:rPr>
+              <a:t>BeautifulSoup</a:t>
+            </a:r>
+            <a:r>
+              <a:rPr lang="en-US" dirty="0" smtClean="0"/>
+              <a:t> </a:t>
+            </a:r>
+            <a:r>
+              <a:rPr lang="en-US" dirty="0">
+                <a:latin typeface="Consolas" panose="020B0609020204030204" pitchFamily="49" charset="0"/>
+              </a:rPr>
+              <a:t>find</a:t>
+            </a:r>
+            <a:r>
+              <a:rPr lang="en-US" dirty="0"/>
+              <a:t> and </a:t>
+            </a:r>
+            <a:r>
+              <a:rPr lang="en-US" dirty="0" err="1">
+                <a:latin typeface="Consolas" panose="020B0609020204030204" pitchFamily="49" charset="0"/>
+              </a:rPr>
+              <a:t>find_all</a:t>
+            </a:r>
+            <a:r>
+              <a:rPr lang="en-US" dirty="0"/>
+              <a:t> methods</a:t>
+            </a:r>
+          </a:p>
+          <a:p>
+            <a:r>
+              <a:rPr lang="en-US" dirty="0" smtClean="0"/>
+              <a:t>Attributes and the </a:t>
+            </a:r>
+            <a:r>
+              <a:rPr lang="en-US" dirty="0">
+                <a:latin typeface="Consolas" panose="020B0609020204030204" pitchFamily="49" charset="0"/>
+              </a:rPr>
+              <a:t>find</a:t>
+            </a:r>
+            <a:r>
+              <a:rPr lang="en-US" dirty="0"/>
+              <a:t> </a:t>
+            </a:r>
+            <a:r>
+              <a:rPr lang="en-US" dirty="0" smtClean="0"/>
+              <a:t>method will always </a:t>
+            </a:r>
+            <a:r>
+              <a:rPr lang="en-US" dirty="0"/>
+              <a:t>find the first instance which matches the specifications. </a:t>
+            </a:r>
+            <a:endParaRPr lang="en-US" dirty="0" smtClean="0"/>
+          </a:p>
+          <a:p>
+            <a:pPr lvl="1"/>
+            <a:r>
+              <a:rPr lang="en-US" dirty="0" smtClean="0"/>
+              <a:t>Use </a:t>
+            </a:r>
+            <a:r>
+              <a:rPr lang="en-US" dirty="0" err="1">
+                <a:latin typeface="Consolas" panose="020B0609020204030204" pitchFamily="49" charset="0"/>
+              </a:rPr>
+              <a:t>find_all</a:t>
+            </a:r>
+            <a:r>
+              <a:rPr lang="en-US" dirty="0"/>
+              <a:t> t</a:t>
+            </a:r>
+            <a:r>
+              <a:rPr lang="en-US" dirty="0" smtClean="0"/>
+              <a:t>o </a:t>
+            </a:r>
+            <a:r>
+              <a:rPr lang="en-US" dirty="0"/>
+              <a:t>find all </a:t>
+            </a:r>
+            <a:r>
+              <a:rPr lang="en-US" dirty="0" smtClean="0"/>
+              <a:t>matches.</a:t>
+            </a:r>
+          </a:p>
+          <a:p>
+            <a:r>
+              <a:rPr lang="en-US" dirty="0" smtClean="0"/>
+              <a:t>Link attributes look like this:</a:t>
+            </a:r>
+          </a:p>
+          <a:p>
+            <a:pPr marL="0" indent="0" algn="ctr">
+              <a:buNone/>
+            </a:pPr>
+            <a:r>
+              <a:rPr lang="en-US" dirty="0" smtClean="0"/>
+              <a:t>&lt;a </a:t>
+            </a:r>
+            <a:r>
+              <a:rPr lang="en-US" dirty="0" err="1" smtClean="0"/>
+              <a:t>href</a:t>
+            </a:r>
+            <a:r>
+              <a:rPr lang="en-US" dirty="0" smtClean="0"/>
+              <a:t>=“http://google.com”&gt;Google&lt;/a&gt;</a:t>
+            </a:r>
+            <a:endParaRPr lang="en-US" dirty="0"/>
+          </a:p>
+          <a:p>
+            <a:r>
+              <a:rPr lang="en-US" dirty="0" smtClean="0"/>
+              <a:t>We can extract information about the attribute using the get() method.</a:t>
+            </a:r>
+            <a:endParaRPr lang="en-US" dirty="0"/>
+          </a:p>
+          <a:p>
+            <a:endParaRPr lang="en-US" dirty="0"/>
+          </a:p>
+        </p:txBody>
+      </p:sp>
+      <p:sp>
+        <p:nvSpPr>
+          <p:cNvPr id="4" name="Slide Number Placeholder 3"/>
+          <p:cNvSpPr>
+            <a:spLocks noGrp="1"/>
+          </p:cNvSpPr>
+          <p:nvPr>
+            <p:ph type="sldNum" sz="quarter" idx="12"/>
+          </p:nvPr>
+        </p:nvSpPr>
+        <p:spPr/>
+        <p:txBody>
+          <a:bodyPr/>
+          <a:lstStyle/>
+          <a:p>
+            <a:fld id="{D57F1E4F-1CFF-5643-939E-02111984F565}" type="slidenum">
+              <a:rPr lang="en-US" smtClean="0"/>
+              <a:t>27</a:t>
+            </a:fld>
+            <a:endParaRPr lang="en-US" dirty="0"/>
+          </a:p>
+        </p:txBody>
+      </p:sp>
+    </p:spTree>
+    <p:extLst>
+      <p:ext uri="{BB962C8B-B14F-4D97-AF65-F5344CB8AC3E}">
+        <p14:creationId xmlns:p14="http://schemas.microsoft.com/office/powerpoint/2010/main" val="346961422"/>
+      </p:ext>
+    </p:extLst>
+  </p:cSld>
+  <p:clrMapOvr>
+    <a:masterClrMapping/>
+  </p:clrMapOvr>
+  <p:timing>
+    <p:tnLst>
+      <p:par>
+        <p:cTn id="1" dur="indefinite" restart="never" nodeType="tmRoot"/>
+      </p:par>
+    </p:tnLst>
+  </p:timing>
+</p:sld>
+</file>
+
+<file path=ppt/slides/slide28.xml><?xml version="1.0" encoding="utf-8"?>
+<p:sld xmlns:a="http://schemas.openxmlformats.org/drawingml/2006/main" xmlns:r="http://schemas.openxmlformats.org/officeDocument/2006/relationships" xmlns:p="http://schemas.openxmlformats.org/presentationml/2006/main">
+  <p:cSld>
+    <p:spTree>
+      <p:nvGrpSpPr>
+        <p:cNvPr id="1" name=""/>
+        <p:cNvGrpSpPr/>
+        <p:nvPr/>
+      </p:nvGrpSpPr>
+      <p:grpSpPr>
+        <a:xfrm>
+          <a:off x="0" y="0"/>
+          <a:ext cx="0" cy="0"/>
+          <a:chOff x="0" y="0"/>
+          <a:chExt cx="0" cy="0"/>
+        </a:xfrm>
+      </p:grpSpPr>
+      <p:sp>
+        <p:nvSpPr>
+          <p:cNvPr id="2" name="Title 1"/>
+          <p:cNvSpPr>
+            <a:spLocks noGrp="1"/>
+          </p:cNvSpPr>
+          <p:nvPr>
+            <p:ph type="title"/>
+          </p:nvPr>
+        </p:nvSpPr>
+        <p:spPr/>
+        <p:txBody>
+          <a:bodyPr/>
+          <a:lstStyle/>
+          <a:p>
+            <a:r>
+              <a:rPr lang="en-US" dirty="0" smtClean="0"/>
+              <a:t>Bonus Tips</a:t>
+            </a:r>
+            <a:endParaRPr lang="en-US" dirty="0"/>
+          </a:p>
+        </p:txBody>
+      </p:sp>
+      <p:sp>
+        <p:nvSpPr>
+          <p:cNvPr id="3" name="Content Placeholder 2"/>
+          <p:cNvSpPr>
+            <a:spLocks noGrp="1"/>
+          </p:cNvSpPr>
+          <p:nvPr>
+            <p:ph idx="1"/>
+          </p:nvPr>
+        </p:nvSpPr>
+        <p:spPr/>
+        <p:txBody>
+          <a:bodyPr/>
+          <a:lstStyle/>
+          <a:p>
+            <a:r>
+              <a:rPr lang="en-US" dirty="0" smtClean="0"/>
+              <a:t>Be careful of what objects are being returned.</a:t>
+            </a:r>
+          </a:p>
+          <a:p>
+            <a:pPr lvl="1"/>
+            <a:r>
+              <a:rPr lang="en-US" dirty="0"/>
+              <a:t>The </a:t>
+            </a:r>
+            <a:r>
+              <a:rPr lang="en-US" dirty="0" smtClean="0">
+                <a:latin typeface="Consolas" panose="020B0609020204030204" pitchFamily="49" charset="0"/>
+              </a:rPr>
+              <a:t>find</a:t>
+            </a:r>
+            <a:r>
+              <a:rPr lang="en-US" dirty="0" smtClean="0"/>
+              <a:t> </a:t>
+            </a:r>
+            <a:r>
+              <a:rPr lang="en-US" dirty="0"/>
+              <a:t>method returns a </a:t>
+            </a:r>
+            <a:r>
+              <a:rPr lang="en-US" dirty="0" smtClean="0">
+                <a:latin typeface="Consolas" panose="020B0609020204030204" pitchFamily="49" charset="0"/>
+              </a:rPr>
+              <a:t>Tag</a:t>
+            </a:r>
+            <a:r>
+              <a:rPr lang="en-US" dirty="0" smtClean="0"/>
+              <a:t> object</a:t>
+            </a:r>
+            <a:r>
+              <a:rPr lang="en-US" dirty="0"/>
+              <a:t>.</a:t>
+            </a:r>
+            <a:endParaRPr lang="en-US" dirty="0" smtClean="0"/>
+          </a:p>
+          <a:p>
+            <a:pPr lvl="1"/>
+            <a:r>
+              <a:rPr lang="en-US" dirty="0" smtClean="0"/>
+              <a:t>The </a:t>
+            </a:r>
+            <a:r>
+              <a:rPr lang="en-US" dirty="0" err="1">
+                <a:latin typeface="Consolas" panose="020B0609020204030204" pitchFamily="49" charset="0"/>
+              </a:rPr>
+              <a:t>find_all</a:t>
+            </a:r>
+            <a:r>
+              <a:rPr lang="en-US" dirty="0"/>
+              <a:t> </a:t>
+            </a:r>
+            <a:r>
+              <a:rPr lang="en-US" dirty="0" smtClean="0"/>
+              <a:t>method returns a </a:t>
+            </a:r>
+            <a:r>
+              <a:rPr lang="en-US" dirty="0" err="1" smtClean="0">
+                <a:latin typeface="Consolas" panose="020B0609020204030204" pitchFamily="49" charset="0"/>
+              </a:rPr>
+              <a:t>ResultSet</a:t>
+            </a:r>
+            <a:r>
+              <a:rPr lang="en-US" dirty="0" smtClean="0"/>
+              <a:t> object.</a:t>
+            </a:r>
+          </a:p>
+          <a:p>
+            <a:pPr lvl="2"/>
+            <a:r>
+              <a:rPr lang="en-US" dirty="0" smtClean="0"/>
+              <a:t>You can’t chain</a:t>
+            </a:r>
+            <a:r>
+              <a:rPr lang="en-US" dirty="0"/>
+              <a:t> </a:t>
+            </a:r>
+            <a:r>
+              <a:rPr lang="en-US" dirty="0" err="1" smtClean="0">
+                <a:latin typeface="Consolas" panose="020B0609020204030204" pitchFamily="49" charset="0"/>
+              </a:rPr>
+              <a:t>ResultSet</a:t>
+            </a:r>
+            <a:r>
+              <a:rPr lang="en-US" dirty="0" smtClean="0"/>
+              <a:t> objects together like you can with </a:t>
+            </a:r>
+            <a:r>
+              <a:rPr lang="en-US" dirty="0">
+                <a:latin typeface="Consolas" panose="020B0609020204030204" pitchFamily="49" charset="0"/>
+              </a:rPr>
+              <a:t>Tag</a:t>
+            </a:r>
+            <a:r>
+              <a:rPr lang="en-US" dirty="0"/>
+              <a:t> </a:t>
+            </a:r>
+            <a:r>
+              <a:rPr lang="en-US" dirty="0" smtClean="0"/>
+              <a:t>attributes and methods.</a:t>
+            </a:r>
+          </a:p>
+          <a:p>
+            <a:r>
+              <a:rPr lang="en-US" dirty="0" smtClean="0"/>
+              <a:t>In practice, we need more information to find the proper links.</a:t>
+            </a:r>
+          </a:p>
+          <a:p>
+            <a:pPr lvl="1"/>
+            <a:r>
+              <a:rPr lang="en-US" dirty="0" smtClean="0"/>
+              <a:t>Chrome has a </a:t>
+            </a:r>
+            <a:r>
+              <a:rPr lang="en-US" dirty="0" err="1" smtClean="0"/>
+              <a:t>SelectorGadget</a:t>
+            </a:r>
+            <a:r>
+              <a:rPr lang="en-US" dirty="0" smtClean="0"/>
+              <a:t> add-on which makes finding the proper html tags </a:t>
+            </a:r>
+            <a:r>
+              <a:rPr lang="en-US" i="1" dirty="0" smtClean="0"/>
+              <a:t>much</a:t>
+            </a:r>
+            <a:r>
+              <a:rPr lang="en-US" dirty="0" smtClean="0"/>
+              <a:t> easier.</a:t>
+            </a:r>
+          </a:p>
+          <a:p>
+            <a:pPr lvl="1"/>
+            <a:r>
+              <a:rPr lang="en-US" dirty="0" smtClean="0"/>
+              <a:t>We’ll cover this in more depth during the data mining workshop. It has deeper applications there. </a:t>
+            </a:r>
+            <a:endParaRPr lang="en-US" dirty="0"/>
+          </a:p>
+        </p:txBody>
+      </p:sp>
+      <p:sp>
+        <p:nvSpPr>
+          <p:cNvPr id="4" name="Slide Number Placeholder 3"/>
+          <p:cNvSpPr>
+            <a:spLocks noGrp="1"/>
+          </p:cNvSpPr>
+          <p:nvPr>
+            <p:ph type="sldNum" sz="quarter" idx="12"/>
+          </p:nvPr>
+        </p:nvSpPr>
+        <p:spPr/>
+        <p:txBody>
+          <a:bodyPr/>
+          <a:lstStyle/>
+          <a:p>
+            <a:fld id="{D57F1E4F-1CFF-5643-939E-02111984F565}" type="slidenum">
+              <a:rPr lang="en-US" smtClean="0"/>
+              <a:t>28</a:t>
+            </a:fld>
+            <a:endParaRPr lang="en-US" dirty="0"/>
+          </a:p>
+        </p:txBody>
+      </p:sp>
+    </p:spTree>
+    <p:extLst>
+      <p:ext uri="{BB962C8B-B14F-4D97-AF65-F5344CB8AC3E}">
+        <p14:creationId xmlns:p14="http://schemas.microsoft.com/office/powerpoint/2010/main" val="2943957291"/>
+      </p:ext>
+    </p:extLst>
+  </p:cSld>
+  <p:clrMapOvr>
+    <a:masterClrMapping/>
+  </p:clrMapOvr>
+  <p:timing>
+    <p:tnLst>
+      <p:par>
+        <p:cTn id="1" dur="indefinite" restart="never" nodeType="tmRoot"/>
+      </p:par>
+    </p:tnLst>
+  </p:timing>
+</p:sld>
+</file>
+
+<file path=ppt/slides/slide29.xml><?xml version="1.0" encoding="utf-8"?>
+<p:sld xmlns:a="http://schemas.openxmlformats.org/drawingml/2006/main" xmlns:r="http://schemas.openxmlformats.org/officeDocument/2006/relationships" xmlns:p="http://schemas.openxmlformats.org/presentationml/2006/main">
+  <p:cSld>
+    <p:spTree>
+      <p:nvGrpSpPr>
+        <p:cNvPr id="1" name=""/>
+        <p:cNvGrpSpPr/>
+        <p:nvPr/>
+      </p:nvGrpSpPr>
+      <p:grpSpPr>
+        <a:xfrm>
+          <a:off x="0" y="0"/>
+          <a:ext cx="0" cy="0"/>
+          <a:chOff x="0" y="0"/>
+          <a:chExt cx="0" cy="0"/>
+        </a:xfrm>
+      </p:grpSpPr>
+      <p:sp>
+        <p:nvSpPr>
+          <p:cNvPr id="2" name="Title 1"/>
+          <p:cNvSpPr>
+            <a:spLocks noGrp="1"/>
+          </p:cNvSpPr>
+          <p:nvPr>
+            <p:ph type="title"/>
+          </p:nvPr>
+        </p:nvSpPr>
+        <p:spPr/>
+        <p:txBody>
+          <a:bodyPr/>
+          <a:lstStyle/>
+          <a:p>
+            <a:r>
+              <a:rPr lang="en-US" dirty="0" smtClean="0"/>
+              <a:t>Following internal links</a:t>
+            </a:r>
+            <a:endParaRPr lang="en-US" i="1" dirty="0">
+              <a:latin typeface="Consolas" panose="020B0609020204030204" pitchFamily="49" charset="0"/>
+            </a:endParaRPr>
+          </a:p>
+        </p:txBody>
+      </p:sp>
+      <p:sp>
+        <p:nvSpPr>
+          <p:cNvPr id="3" name="Content Placeholder 2"/>
+          <p:cNvSpPr>
+            <a:spLocks noGrp="1"/>
+          </p:cNvSpPr>
+          <p:nvPr>
+            <p:ph idx="1"/>
+          </p:nvPr>
+        </p:nvSpPr>
+        <p:spPr/>
+        <p:txBody>
+          <a:bodyPr>
+            <a:normAutofit/>
+          </a:bodyPr>
+          <a:lstStyle/>
+          <a:p>
+            <a:r>
+              <a:rPr lang="en-US" dirty="0"/>
+              <a:t>We now know how to find internal links on a page. There are two things we want to do </a:t>
+            </a:r>
+            <a:r>
+              <a:rPr lang="en-US" dirty="0" smtClean="0"/>
+              <a:t>next:</a:t>
+            </a:r>
+          </a:p>
+          <a:p>
+            <a:pPr marL="800100" lvl="1" indent="-342900">
+              <a:buFont typeface="+mj-lt"/>
+              <a:buAutoNum type="arabicPeriod"/>
+            </a:pPr>
+            <a:r>
+              <a:rPr lang="en-US" dirty="0" smtClean="0"/>
+              <a:t>Scrape </a:t>
+            </a:r>
+            <a:r>
+              <a:rPr lang="en-US" dirty="0"/>
+              <a:t>the box scores for more game data</a:t>
+            </a:r>
+            <a:r>
+              <a:rPr lang="en-US" dirty="0" smtClean="0"/>
+              <a:t>;</a:t>
+            </a:r>
+          </a:p>
+          <a:p>
+            <a:pPr marL="800100" lvl="1" indent="-342900">
+              <a:buFont typeface="+mj-lt"/>
+              <a:buAutoNum type="arabicPeriod"/>
+            </a:pPr>
+            <a:r>
+              <a:rPr lang="en-US" dirty="0" smtClean="0"/>
+              <a:t>Find </a:t>
+            </a:r>
+            <a:r>
+              <a:rPr lang="en-US" dirty="0"/>
+              <a:t>scores from different dates. </a:t>
+            </a:r>
+          </a:p>
+          <a:p>
+            <a:endParaRPr lang="en-US" dirty="0" smtClean="0"/>
+          </a:p>
+          <a:p>
+            <a:r>
+              <a:rPr lang="en-US" dirty="0" smtClean="0"/>
+              <a:t>We'll </a:t>
+            </a:r>
+            <a:r>
+              <a:rPr lang="en-US" dirty="0"/>
+              <a:t>switch gears now to scraping </a:t>
+            </a:r>
+            <a:r>
+              <a:rPr lang="en-US" dirty="0" smtClean="0">
+                <a:hlinkClick r:id="rId3"/>
+              </a:rPr>
+              <a:t>NCAA </a:t>
+            </a:r>
+            <a:r>
+              <a:rPr lang="en-US" dirty="0">
+                <a:hlinkClick r:id="rId3"/>
+              </a:rPr>
+              <a:t>basketball box scores on </a:t>
+            </a:r>
+            <a:r>
+              <a:rPr lang="en-US" dirty="0" smtClean="0">
+                <a:hlinkClick r:id="rId3"/>
+              </a:rPr>
+              <a:t>sports-reference</a:t>
+            </a:r>
+            <a:r>
+              <a:rPr lang="en-US" dirty="0" smtClean="0"/>
+              <a:t> </a:t>
+            </a:r>
+            <a:r>
+              <a:rPr lang="en-US" dirty="0"/>
+              <a:t>to demonstrate. </a:t>
+            </a:r>
+          </a:p>
+        </p:txBody>
+      </p:sp>
+      <p:sp>
+        <p:nvSpPr>
+          <p:cNvPr id="4" name="Slide Number Placeholder 3"/>
+          <p:cNvSpPr>
+            <a:spLocks noGrp="1"/>
+          </p:cNvSpPr>
+          <p:nvPr>
+            <p:ph type="sldNum" sz="quarter" idx="12"/>
+          </p:nvPr>
+        </p:nvSpPr>
+        <p:spPr/>
+        <p:txBody>
+          <a:bodyPr/>
+          <a:lstStyle/>
+          <a:p>
+            <a:fld id="{D57F1E4F-1CFF-5643-939E-02111984F565}" type="slidenum">
+              <a:rPr lang="en-US" smtClean="0"/>
+              <a:t>29</a:t>
+            </a:fld>
+            <a:endParaRPr lang="en-US" dirty="0"/>
+          </a:p>
+        </p:txBody>
+      </p:sp>
+    </p:spTree>
+    <p:extLst>
+      <p:ext uri="{BB962C8B-B14F-4D97-AF65-F5344CB8AC3E}">
+        <p14:creationId xmlns:p14="http://schemas.microsoft.com/office/powerpoint/2010/main" val="1712848606"/>
+      </p:ext>
+    </p:extLst>
+  </p:cSld>
+  <p:clrMapOvr>
+    <a:masterClrMapping/>
+  </p:clrMapOvr>
+  <p:timing>
+    <p:tnLst>
+      <p:par>
+        <p:cTn id="1" dur="indefinite" restart="never" nodeType="tmRoot"/>
+      </p:par>
+    </p:tnLst>
+  </p:timing>
+</p:sld>
+</file>
+
+<file path=ppt/slides/slide3.xml><?xml version="1.0" encoding="utf-8"?>
 <p:sld xmlns:a="http://schemas.openxmlformats.org/drawingml/2006/main" xmlns:r="http://schemas.openxmlformats.org/officeDocument/2006/relationships" xmlns:p="http://schemas.openxmlformats.org/presentationml/2006/main">
   <p:cSld>
     <p:spTree>
@@ -24634,7 +26715,7 @@
           <a:p>
             <a:fld id="{D57F1E4F-1CFF-5643-939E-02111984F565}" type="slidenum">
               <a:rPr lang="en-US" smtClean="0"/>
-              <a:t>2</a:t>
+              <a:t>3</a:t>
             </a:fld>
             <a:endParaRPr lang="en-US" dirty="0"/>
           </a:p>
@@ -24657,1925 +26738,6 @@
       </p:par>
     </p:tnLst>
   </p:timing>
-</p:sld>
-</file>
-
-<file path=ppt/slides/slide20.xml><?xml version="1.0" encoding="utf-8"?>
-<p:sld xmlns:a="http://schemas.openxmlformats.org/drawingml/2006/main" xmlns:r="http://schemas.openxmlformats.org/officeDocument/2006/relationships" xmlns:p="http://schemas.openxmlformats.org/presentationml/2006/main">
-  <p:cSld>
-    <p:spTree>
-      <p:nvGrpSpPr>
-        <p:cNvPr id="1" name=""/>
-        <p:cNvGrpSpPr/>
-        <p:nvPr/>
-      </p:nvGrpSpPr>
-      <p:grpSpPr>
-        <a:xfrm>
-          <a:off x="0" y="0"/>
-          <a:ext cx="0" cy="0"/>
-          <a:chOff x="0" y="0"/>
-          <a:chExt cx="0" cy="0"/>
-        </a:xfrm>
-      </p:grpSpPr>
-      <p:sp>
-        <p:nvSpPr>
-          <p:cNvPr id="2" name="Title 1"/>
-          <p:cNvSpPr>
-            <a:spLocks noGrp="1"/>
-          </p:cNvSpPr>
-          <p:nvPr>
-            <p:ph type="title"/>
-          </p:nvPr>
-        </p:nvSpPr>
-        <p:spPr/>
-        <p:txBody>
-          <a:bodyPr/>
-          <a:lstStyle/>
-          <a:p>
-            <a:r>
-              <a:rPr lang="en-US" dirty="0" smtClean="0"/>
-              <a:t>Let’s Talk about Trees</a:t>
-            </a:r>
-            <a:endParaRPr lang="en-US" dirty="0"/>
-          </a:p>
-        </p:txBody>
-      </p:sp>
-      <p:graphicFrame>
-        <p:nvGraphicFramePr>
-          <p:cNvPr id="4" name="Content Placeholder 3"/>
-          <p:cNvGraphicFramePr>
-            <a:graphicFrameLocks noGrp="1"/>
-          </p:cNvGraphicFramePr>
-          <p:nvPr>
-            <p:ph idx="1"/>
-            <p:extLst>
-              <p:ext uri="{D42A27DB-BD31-4B8C-83A1-F6EECF244321}">
-                <p14:modId xmlns:p14="http://schemas.microsoft.com/office/powerpoint/2010/main" val="3096344208"/>
-              </p:ext>
-            </p:extLst>
-          </p:nvPr>
-        </p:nvGraphicFramePr>
-        <p:xfrm>
-          <a:off x="1103313" y="2052638"/>
-          <a:ext cx="8947150" cy="4195762"/>
-        </p:xfrm>
-        <a:graphic>
-          <a:graphicData uri="http://schemas.openxmlformats.org/drawingml/2006/diagram">
-            <dgm:relIds xmlns:dgm="http://schemas.openxmlformats.org/drawingml/2006/diagram" xmlns:r="http://schemas.openxmlformats.org/officeDocument/2006/relationships" r:dm="rId2" r:lo="rId3" r:qs="rId4" r:cs="rId5"/>
-          </a:graphicData>
-        </a:graphic>
-      </p:graphicFrame>
-      <p:sp>
-        <p:nvSpPr>
-          <p:cNvPr id="3" name="Slide Number Placeholder 2"/>
-          <p:cNvSpPr>
-            <a:spLocks noGrp="1"/>
-          </p:cNvSpPr>
-          <p:nvPr>
-            <p:ph type="sldNum" sz="quarter" idx="12"/>
-          </p:nvPr>
-        </p:nvSpPr>
-        <p:spPr/>
-        <p:txBody>
-          <a:bodyPr/>
-          <a:lstStyle/>
-          <a:p>
-            <a:fld id="{D57F1E4F-1CFF-5643-939E-02111984F565}" type="slidenum">
-              <a:rPr lang="en-US" smtClean="0"/>
-              <a:t>20</a:t>
-            </a:fld>
-            <a:endParaRPr lang="en-US" dirty="0"/>
-          </a:p>
-        </p:txBody>
-      </p:sp>
-    </p:spTree>
-    <p:extLst>
-      <p:ext uri="{BB962C8B-B14F-4D97-AF65-F5344CB8AC3E}">
-        <p14:creationId xmlns:p14="http://schemas.microsoft.com/office/powerpoint/2010/main" val="4012767007"/>
-      </p:ext>
-    </p:extLst>
-  </p:cSld>
-  <p:clrMapOvr>
-    <a:masterClrMapping/>
-  </p:clrMapOvr>
-  <p:timing>
-    <p:tnLst>
-      <p:par>
-        <p:cTn id="1" dur="indefinite" restart="never" nodeType="tmRoot"/>
-      </p:par>
-    </p:tnLst>
-  </p:timing>
-</p:sld>
-</file>
-
-<file path=ppt/slides/slide21.xml><?xml version="1.0" encoding="utf-8"?>
-<p:sld xmlns:a="http://schemas.openxmlformats.org/drawingml/2006/main" xmlns:r="http://schemas.openxmlformats.org/officeDocument/2006/relationships" xmlns:p="http://schemas.openxmlformats.org/presentationml/2006/main">
-  <p:cSld>
-    <p:spTree>
-      <p:nvGrpSpPr>
-        <p:cNvPr id="1" name=""/>
-        <p:cNvGrpSpPr/>
-        <p:nvPr/>
-      </p:nvGrpSpPr>
-      <p:grpSpPr>
-        <a:xfrm>
-          <a:off x="0" y="0"/>
-          <a:ext cx="0" cy="0"/>
-          <a:chOff x="0" y="0"/>
-          <a:chExt cx="0" cy="0"/>
-        </a:xfrm>
-      </p:grpSpPr>
-      <p:sp>
-        <p:nvSpPr>
-          <p:cNvPr id="2" name="Title 1"/>
-          <p:cNvSpPr>
-            <a:spLocks noGrp="1"/>
-          </p:cNvSpPr>
-          <p:nvPr>
-            <p:ph type="title"/>
-          </p:nvPr>
-        </p:nvSpPr>
-        <p:spPr/>
-        <p:txBody>
-          <a:bodyPr/>
-          <a:lstStyle/>
-          <a:p>
-            <a:r>
-              <a:rPr lang="en-US" dirty="0" smtClean="0"/>
-              <a:t>HTML stores information as a tree</a:t>
-            </a:r>
-            <a:endParaRPr lang="en-US" dirty="0"/>
-          </a:p>
-        </p:txBody>
-      </p:sp>
-      <p:graphicFrame>
-        <p:nvGraphicFramePr>
-          <p:cNvPr id="10" name="Content Placeholder 9"/>
-          <p:cNvGraphicFramePr>
-            <a:graphicFrameLocks noGrp="1"/>
-          </p:cNvGraphicFramePr>
-          <p:nvPr>
-            <p:ph idx="1"/>
-            <p:extLst>
-              <p:ext uri="{D42A27DB-BD31-4B8C-83A1-F6EECF244321}">
-                <p14:modId xmlns:p14="http://schemas.microsoft.com/office/powerpoint/2010/main" val="4013477464"/>
-              </p:ext>
-            </p:extLst>
-          </p:nvPr>
-        </p:nvGraphicFramePr>
-        <p:xfrm>
-          <a:off x="1103313" y="2052638"/>
-          <a:ext cx="8947150" cy="4195762"/>
-        </p:xfrm>
-        <a:graphic>
-          <a:graphicData uri="http://schemas.openxmlformats.org/drawingml/2006/diagram">
-            <dgm:relIds xmlns:dgm="http://schemas.openxmlformats.org/drawingml/2006/diagram" xmlns:r="http://schemas.openxmlformats.org/officeDocument/2006/relationships" r:dm="rId2" r:lo="rId3" r:qs="rId4" r:cs="rId5"/>
-          </a:graphicData>
-        </a:graphic>
-      </p:graphicFrame>
-      <p:sp>
-        <p:nvSpPr>
-          <p:cNvPr id="3" name="Slide Number Placeholder 2"/>
-          <p:cNvSpPr>
-            <a:spLocks noGrp="1"/>
-          </p:cNvSpPr>
-          <p:nvPr>
-            <p:ph type="sldNum" sz="quarter" idx="12"/>
-          </p:nvPr>
-        </p:nvSpPr>
-        <p:spPr/>
-        <p:txBody>
-          <a:bodyPr/>
-          <a:lstStyle/>
-          <a:p>
-            <a:fld id="{D57F1E4F-1CFF-5643-939E-02111984F565}" type="slidenum">
-              <a:rPr lang="en-US" smtClean="0"/>
-              <a:t>21</a:t>
-            </a:fld>
-            <a:endParaRPr lang="en-US" dirty="0"/>
-          </a:p>
-        </p:txBody>
-      </p:sp>
-    </p:spTree>
-    <p:extLst>
-      <p:ext uri="{BB962C8B-B14F-4D97-AF65-F5344CB8AC3E}">
-        <p14:creationId xmlns:p14="http://schemas.microsoft.com/office/powerpoint/2010/main" val="3609874286"/>
-      </p:ext>
-    </p:extLst>
-  </p:cSld>
-  <p:clrMapOvr>
-    <a:masterClrMapping/>
-  </p:clrMapOvr>
-  <p:timing>
-    <p:tnLst>
-      <p:par>
-        <p:cTn id="1" dur="indefinite" restart="never" nodeType="tmRoot"/>
-      </p:par>
-    </p:tnLst>
-  </p:timing>
-</p:sld>
-</file>
-
-<file path=ppt/slides/slide22.xml><?xml version="1.0" encoding="utf-8"?>
-<p:sld xmlns:a="http://schemas.openxmlformats.org/drawingml/2006/main" xmlns:r="http://schemas.openxmlformats.org/officeDocument/2006/relationships" xmlns:p="http://schemas.openxmlformats.org/presentationml/2006/main">
-  <p:cSld>
-    <p:spTree>
-      <p:nvGrpSpPr>
-        <p:cNvPr id="1" name=""/>
-        <p:cNvGrpSpPr/>
-        <p:nvPr/>
-      </p:nvGrpSpPr>
-      <p:grpSpPr>
-        <a:xfrm>
-          <a:off x="0" y="0"/>
-          <a:ext cx="0" cy="0"/>
-          <a:chOff x="0" y="0"/>
-          <a:chExt cx="0" cy="0"/>
-        </a:xfrm>
-      </p:grpSpPr>
-      <p:sp>
-        <p:nvSpPr>
-          <p:cNvPr id="2" name="Title 1"/>
-          <p:cNvSpPr>
-            <a:spLocks noGrp="1"/>
-          </p:cNvSpPr>
-          <p:nvPr>
-            <p:ph type="title"/>
-          </p:nvPr>
-        </p:nvSpPr>
-        <p:spPr/>
-        <p:txBody>
-          <a:bodyPr/>
-          <a:lstStyle/>
-          <a:p>
-            <a:r>
-              <a:rPr lang="en-US" dirty="0"/>
-              <a:t>HTML stores information as a tree</a:t>
-            </a:r>
-            <a:endParaRPr lang="en-US" dirty="0"/>
-          </a:p>
-        </p:txBody>
-      </p:sp>
-      <p:sp>
-        <p:nvSpPr>
-          <p:cNvPr id="3" name="Content Placeholder 2"/>
-          <p:cNvSpPr>
-            <a:spLocks noGrp="1"/>
-          </p:cNvSpPr>
-          <p:nvPr>
-            <p:ph sz="half" idx="1"/>
-          </p:nvPr>
-        </p:nvSpPr>
-        <p:spPr/>
-        <p:txBody>
-          <a:bodyPr>
-            <a:normAutofit/>
-          </a:bodyPr>
-          <a:lstStyle/>
-          <a:p>
-            <a:r>
-              <a:rPr lang="en-US" sz="2800" dirty="0" smtClean="0"/>
-              <a:t>HTML</a:t>
-            </a:r>
-          </a:p>
-          <a:p>
-            <a:pPr lvl="1"/>
-            <a:r>
-              <a:rPr lang="en-US" sz="2400" dirty="0" smtClean="0"/>
-              <a:t>head</a:t>
-            </a:r>
-          </a:p>
-          <a:p>
-            <a:pPr lvl="2"/>
-            <a:r>
-              <a:rPr lang="en-US" sz="2000" dirty="0" smtClean="0"/>
-              <a:t>title “Nick’s Workshop”</a:t>
-            </a:r>
-          </a:p>
-          <a:p>
-            <a:pPr lvl="1"/>
-            <a:r>
-              <a:rPr lang="en-US" sz="2400" dirty="0" smtClean="0"/>
-              <a:t>body</a:t>
-            </a:r>
-          </a:p>
-          <a:p>
-            <a:pPr lvl="2"/>
-            <a:r>
-              <a:rPr lang="en-US" sz="2000" dirty="0" smtClean="0"/>
-              <a:t>h1: “Nick’s Workshop”</a:t>
-            </a:r>
-          </a:p>
-          <a:p>
-            <a:pPr lvl="2"/>
-            <a:r>
-              <a:rPr lang="en-US" sz="2000" dirty="0" smtClean="0"/>
-              <a:t>h3: “Welcome!”</a:t>
-            </a:r>
-          </a:p>
-          <a:p>
-            <a:endParaRPr lang="en-US" sz="2800" dirty="0"/>
-          </a:p>
-        </p:txBody>
-      </p:sp>
-      <p:sp>
-        <p:nvSpPr>
-          <p:cNvPr id="4" name="Content Placeholder 3"/>
-          <p:cNvSpPr>
-            <a:spLocks noGrp="1"/>
-          </p:cNvSpPr>
-          <p:nvPr>
-            <p:ph sz="half" idx="2"/>
-          </p:nvPr>
-        </p:nvSpPr>
-        <p:spPr/>
-        <p:txBody>
-          <a:bodyPr/>
-          <a:lstStyle/>
-          <a:p>
-            <a:pPr marL="0" indent="0">
-              <a:buNone/>
-            </a:pPr>
-            <a:r>
-              <a:rPr lang="en-US" dirty="0" smtClean="0"/>
-              <a:t>&lt;html&gt;</a:t>
-            </a:r>
-            <a:endParaRPr lang="en-US" dirty="0"/>
-          </a:p>
-          <a:p>
-            <a:pPr marL="0" indent="0">
-              <a:buNone/>
-            </a:pPr>
-            <a:r>
-              <a:rPr lang="en-US" dirty="0" smtClean="0"/>
-              <a:t>	&lt;head&gt;</a:t>
-            </a:r>
-          </a:p>
-          <a:p>
-            <a:pPr marL="400050" lvl="1" indent="0">
-              <a:buNone/>
-            </a:pPr>
-            <a:r>
-              <a:rPr lang="en-US" dirty="0"/>
-              <a:t>	</a:t>
-            </a:r>
-            <a:r>
-              <a:rPr lang="en-US" dirty="0" smtClean="0"/>
-              <a:t>	&lt;title&gt;Nick’s Workshop&lt;/title&gt;</a:t>
-            </a:r>
-          </a:p>
-          <a:p>
-            <a:pPr marL="400050" lvl="1" indent="0">
-              <a:buNone/>
-            </a:pPr>
-            <a:r>
-              <a:rPr lang="en-US" dirty="0" smtClean="0"/>
-              <a:t>&lt;/head&gt;</a:t>
-            </a:r>
-          </a:p>
-          <a:p>
-            <a:pPr marL="400050" lvl="1" indent="0">
-              <a:buNone/>
-            </a:pPr>
-            <a:r>
-              <a:rPr lang="en-US" dirty="0" smtClean="0"/>
-              <a:t>&lt;body&gt;</a:t>
-            </a:r>
-          </a:p>
-          <a:p>
-            <a:pPr marL="400050" lvl="1" indent="0">
-              <a:buNone/>
-            </a:pPr>
-            <a:r>
-              <a:rPr lang="en-US" dirty="0"/>
-              <a:t>	</a:t>
-            </a:r>
-            <a:r>
-              <a:rPr lang="en-US" dirty="0" smtClean="0"/>
-              <a:t>	&lt;h1&gt;Nick’s Workshop&lt;/h1&gt;</a:t>
-            </a:r>
-          </a:p>
-          <a:p>
-            <a:pPr marL="400050" lvl="1" indent="0">
-              <a:buNone/>
-            </a:pPr>
-            <a:r>
-              <a:rPr lang="en-US" dirty="0"/>
-              <a:t>	</a:t>
-            </a:r>
-            <a:r>
-              <a:rPr lang="en-US" dirty="0" smtClean="0"/>
-              <a:t>	&lt;h3&gt;Welcome!&lt;/h3&gt;</a:t>
-            </a:r>
-          </a:p>
-          <a:p>
-            <a:pPr marL="400050" lvl="1" indent="0">
-              <a:buNone/>
-            </a:pPr>
-            <a:r>
-              <a:rPr lang="en-US" dirty="0" smtClean="0"/>
-              <a:t>&lt;/body&gt;</a:t>
-            </a:r>
-          </a:p>
-          <a:p>
-            <a:pPr marL="0" indent="0">
-              <a:buNone/>
-            </a:pPr>
-            <a:r>
-              <a:rPr lang="en-US" dirty="0" smtClean="0"/>
-              <a:t>&lt;/html&gt;</a:t>
-            </a:r>
-            <a:endParaRPr lang="en-US" dirty="0"/>
-          </a:p>
-        </p:txBody>
-      </p:sp>
-      <p:sp>
-        <p:nvSpPr>
-          <p:cNvPr id="5" name="Slide Number Placeholder 4"/>
-          <p:cNvSpPr>
-            <a:spLocks noGrp="1"/>
-          </p:cNvSpPr>
-          <p:nvPr>
-            <p:ph type="sldNum" sz="quarter" idx="12"/>
-          </p:nvPr>
-        </p:nvSpPr>
-        <p:spPr/>
-        <p:txBody>
-          <a:bodyPr/>
-          <a:lstStyle/>
-          <a:p>
-            <a:fld id="{D57F1E4F-1CFF-5643-939E-02111984F565}" type="slidenum">
-              <a:rPr lang="en-US" smtClean="0"/>
-              <a:t>22</a:t>
-            </a:fld>
-            <a:endParaRPr lang="en-US" dirty="0"/>
-          </a:p>
-        </p:txBody>
-      </p:sp>
-    </p:spTree>
-    <p:extLst>
-      <p:ext uri="{BB962C8B-B14F-4D97-AF65-F5344CB8AC3E}">
-        <p14:creationId xmlns:p14="http://schemas.microsoft.com/office/powerpoint/2010/main" val="2176810318"/>
-      </p:ext>
-    </p:extLst>
-  </p:cSld>
-  <p:clrMapOvr>
-    <a:masterClrMapping/>
-  </p:clrMapOvr>
-  <p:timing>
-    <p:tnLst>
-      <p:par>
-        <p:cTn id="1" dur="indefinite" restart="never" nodeType="tmRoot"/>
-      </p:par>
-    </p:tnLst>
-  </p:timing>
-</p:sld>
-</file>
-
-<file path=ppt/slides/slide23.xml><?xml version="1.0" encoding="utf-8"?>
-<p:sld xmlns:a="http://schemas.openxmlformats.org/drawingml/2006/main" xmlns:r="http://schemas.openxmlformats.org/officeDocument/2006/relationships" xmlns:p="http://schemas.openxmlformats.org/presentationml/2006/main">
-  <p:cSld>
-    <p:spTree>
-      <p:nvGrpSpPr>
-        <p:cNvPr id="1" name=""/>
-        <p:cNvGrpSpPr/>
-        <p:nvPr/>
-      </p:nvGrpSpPr>
-      <p:grpSpPr>
-        <a:xfrm>
-          <a:off x="0" y="0"/>
-          <a:ext cx="0" cy="0"/>
-          <a:chOff x="0" y="0"/>
-          <a:chExt cx="0" cy="0"/>
-        </a:xfrm>
-      </p:grpSpPr>
-      <p:sp>
-        <p:nvSpPr>
-          <p:cNvPr id="2" name="Title 1"/>
-          <p:cNvSpPr>
-            <a:spLocks noGrp="1"/>
-          </p:cNvSpPr>
-          <p:nvPr>
-            <p:ph type="ctrTitle"/>
-          </p:nvPr>
-        </p:nvSpPr>
-        <p:spPr>
-          <a:xfrm>
-            <a:off x="1154955" y="1447801"/>
-            <a:ext cx="8825658" cy="2568388"/>
-          </a:xfrm>
-        </p:spPr>
-        <p:txBody>
-          <a:bodyPr/>
-          <a:lstStyle/>
-          <a:p>
-            <a:pPr algn="ctr"/>
-            <a:r>
-              <a:rPr lang="en-US" dirty="0" smtClean="0"/>
-              <a:t>Questions?</a:t>
-            </a:r>
-            <a:endParaRPr lang="en-US" dirty="0"/>
-          </a:p>
-        </p:txBody>
-      </p:sp>
-      <p:sp>
-        <p:nvSpPr>
-          <p:cNvPr id="4" name="Subtitle 3"/>
-          <p:cNvSpPr>
-            <a:spLocks noGrp="1"/>
-          </p:cNvSpPr>
-          <p:nvPr>
-            <p:ph type="subTitle" idx="1"/>
-          </p:nvPr>
-        </p:nvSpPr>
-        <p:spPr/>
-        <p:txBody>
-          <a:bodyPr/>
-          <a:lstStyle/>
-          <a:p>
-            <a:endParaRPr lang="en-US"/>
-          </a:p>
-        </p:txBody>
-      </p:sp>
-      <p:sp>
-        <p:nvSpPr>
-          <p:cNvPr id="3" name="Slide Number Placeholder 2"/>
-          <p:cNvSpPr>
-            <a:spLocks noGrp="1"/>
-          </p:cNvSpPr>
-          <p:nvPr>
-            <p:ph type="sldNum" sz="quarter" idx="12"/>
-          </p:nvPr>
-        </p:nvSpPr>
-        <p:spPr/>
-        <p:txBody>
-          <a:bodyPr/>
-          <a:lstStyle/>
-          <a:p>
-            <a:fld id="{D57F1E4F-1CFF-5643-939E-02111984F565}" type="slidenum">
-              <a:rPr lang="en-US" smtClean="0"/>
-              <a:t>23</a:t>
-            </a:fld>
-            <a:endParaRPr lang="en-US" dirty="0"/>
-          </a:p>
-        </p:txBody>
-      </p:sp>
-    </p:spTree>
-    <p:extLst>
-      <p:ext uri="{BB962C8B-B14F-4D97-AF65-F5344CB8AC3E}">
-        <p14:creationId xmlns:p14="http://schemas.microsoft.com/office/powerpoint/2010/main" val="1972493769"/>
-      </p:ext>
-    </p:extLst>
-  </p:cSld>
-  <p:clrMapOvr>
-    <a:masterClrMapping/>
-  </p:clrMapOvr>
-  <p:timing>
-    <p:tnLst>
-      <p:par>
-        <p:cTn id="1" dur="indefinite" restart="never" nodeType="tmRoot"/>
-      </p:par>
-    </p:tnLst>
-  </p:timing>
-</p:sld>
-</file>
-
-<file path=ppt/slides/slide24.xml><?xml version="1.0" encoding="utf-8"?>
-<p:sld xmlns:a="http://schemas.openxmlformats.org/drawingml/2006/main" xmlns:r="http://schemas.openxmlformats.org/officeDocument/2006/relationships" xmlns:p="http://schemas.openxmlformats.org/presentationml/2006/main">
-  <p:cSld>
-    <p:spTree>
-      <p:nvGrpSpPr>
-        <p:cNvPr id="1" name=""/>
-        <p:cNvGrpSpPr/>
-        <p:nvPr/>
-      </p:nvGrpSpPr>
-      <p:grpSpPr>
-        <a:xfrm>
-          <a:off x="0" y="0"/>
-          <a:ext cx="0" cy="0"/>
-          <a:chOff x="0" y="0"/>
-          <a:chExt cx="0" cy="0"/>
-        </a:xfrm>
-      </p:grpSpPr>
-      <p:sp>
-        <p:nvSpPr>
-          <p:cNvPr id="2" name="Title 1"/>
-          <p:cNvSpPr>
-            <a:spLocks noGrp="1"/>
-          </p:cNvSpPr>
-          <p:nvPr>
-            <p:ph type="title"/>
-          </p:nvPr>
-        </p:nvSpPr>
-        <p:spPr/>
-        <p:txBody>
-          <a:bodyPr/>
-          <a:lstStyle/>
-          <a:p>
-            <a:r>
-              <a:rPr lang="en-US" dirty="0" smtClean="0"/>
-              <a:t>Make the crawler </a:t>
-            </a:r>
-            <a:r>
-              <a:rPr lang="en-US" i="1" dirty="0" smtClean="0"/>
-              <a:t>crawl</a:t>
-            </a:r>
-            <a:endParaRPr lang="en-US" dirty="0"/>
-          </a:p>
-        </p:txBody>
-      </p:sp>
-      <p:sp>
-        <p:nvSpPr>
-          <p:cNvPr id="3" name="Text Placeholder 2"/>
-          <p:cNvSpPr>
-            <a:spLocks noGrp="1"/>
-          </p:cNvSpPr>
-          <p:nvPr>
-            <p:ph type="body" idx="1"/>
-          </p:nvPr>
-        </p:nvSpPr>
-        <p:spPr/>
-        <p:txBody>
-          <a:bodyPr/>
-          <a:lstStyle/>
-          <a:p>
-            <a:r>
-              <a:rPr lang="en-US" cap="none" dirty="0" smtClean="0"/>
-              <a:t>Like learning to walk, only with code. </a:t>
-            </a:r>
-            <a:endParaRPr lang="en-US" cap="none" dirty="0"/>
-          </a:p>
-        </p:txBody>
-      </p:sp>
-      <p:sp>
-        <p:nvSpPr>
-          <p:cNvPr id="4" name="Slide Number Placeholder 3"/>
-          <p:cNvSpPr>
-            <a:spLocks noGrp="1"/>
-          </p:cNvSpPr>
-          <p:nvPr>
-            <p:ph type="sldNum" sz="quarter" idx="12"/>
-          </p:nvPr>
-        </p:nvSpPr>
-        <p:spPr/>
-        <p:txBody>
-          <a:bodyPr/>
-          <a:lstStyle/>
-          <a:p>
-            <a:fld id="{D57F1E4F-1CFF-5643-939E-02111984F565}" type="slidenum">
-              <a:rPr lang="en-US" smtClean="0"/>
-              <a:t>24</a:t>
-            </a:fld>
-            <a:endParaRPr lang="en-US" dirty="0"/>
-          </a:p>
-        </p:txBody>
-      </p:sp>
-    </p:spTree>
-    <p:extLst>
-      <p:ext uri="{BB962C8B-B14F-4D97-AF65-F5344CB8AC3E}">
-        <p14:creationId xmlns:p14="http://schemas.microsoft.com/office/powerpoint/2010/main" val="3212936333"/>
-      </p:ext>
-    </p:extLst>
-  </p:cSld>
-  <p:clrMapOvr>
-    <a:masterClrMapping/>
-  </p:clrMapOvr>
-  <p:timing>
-    <p:tnLst>
-      <p:par>
-        <p:cTn id="1" dur="indefinite" restart="never" nodeType="tmRoot"/>
-      </p:par>
-    </p:tnLst>
-  </p:timing>
-</p:sld>
-</file>
-
-<file path=ppt/slides/slide25.xml><?xml version="1.0" encoding="utf-8"?>
-<p:sld xmlns:a="http://schemas.openxmlformats.org/drawingml/2006/main" xmlns:r="http://schemas.openxmlformats.org/officeDocument/2006/relationships" xmlns:p="http://schemas.openxmlformats.org/presentationml/2006/main">
-  <p:cSld>
-    <p:spTree>
-      <p:nvGrpSpPr>
-        <p:cNvPr id="1" name=""/>
-        <p:cNvGrpSpPr/>
-        <p:nvPr/>
-      </p:nvGrpSpPr>
-      <p:grpSpPr>
-        <a:xfrm>
-          <a:off x="0" y="0"/>
-          <a:ext cx="0" cy="0"/>
-          <a:chOff x="0" y="0"/>
-          <a:chExt cx="0" cy="0"/>
-        </a:xfrm>
-      </p:grpSpPr>
-      <p:sp>
-        <p:nvSpPr>
-          <p:cNvPr id="2" name="Title 1"/>
-          <p:cNvSpPr>
-            <a:spLocks noGrp="1"/>
-          </p:cNvSpPr>
-          <p:nvPr>
-            <p:ph type="title"/>
-          </p:nvPr>
-        </p:nvSpPr>
-        <p:spPr/>
-        <p:txBody>
-          <a:bodyPr/>
-          <a:lstStyle/>
-          <a:p>
-            <a:r>
-              <a:rPr lang="en-US" dirty="0" smtClean="0"/>
-              <a:t>Make the crawler </a:t>
-            </a:r>
-            <a:r>
-              <a:rPr lang="en-US" i="1" dirty="0" smtClean="0"/>
-              <a:t>crawl</a:t>
-            </a:r>
-            <a:endParaRPr lang="en-US" i="1" dirty="0"/>
-          </a:p>
-        </p:txBody>
-      </p:sp>
-      <p:sp>
-        <p:nvSpPr>
-          <p:cNvPr id="3" name="Content Placeholder 2"/>
-          <p:cNvSpPr>
-            <a:spLocks noGrp="1"/>
-          </p:cNvSpPr>
-          <p:nvPr>
-            <p:ph idx="1"/>
-          </p:nvPr>
-        </p:nvSpPr>
-        <p:spPr/>
-        <p:txBody>
-          <a:bodyPr>
-            <a:normAutofit/>
-          </a:bodyPr>
-          <a:lstStyle/>
-          <a:p>
-            <a:r>
-              <a:rPr lang="en-US" dirty="0"/>
-              <a:t>We often want to follow internal links on webpages to get to more interesting data. </a:t>
-            </a:r>
-            <a:endParaRPr lang="en-US" dirty="0" smtClean="0"/>
-          </a:p>
-          <a:p>
-            <a:pPr lvl="1"/>
-            <a:r>
-              <a:rPr lang="en-US" dirty="0" err="1" smtClean="0">
-                <a:latin typeface="Consolas" panose="020B0609020204030204" pitchFamily="49" charset="0"/>
-              </a:rPr>
-              <a:t>BeautifulSoup</a:t>
-            </a:r>
-            <a:r>
-              <a:rPr lang="en-US" dirty="0" smtClean="0"/>
-              <a:t> will help </a:t>
-            </a:r>
-            <a:r>
-              <a:rPr lang="en-US" dirty="0"/>
-              <a:t>us navigate HTML documents.</a:t>
-            </a:r>
-          </a:p>
-          <a:p>
-            <a:pPr lvl="2"/>
-            <a:r>
-              <a:rPr lang="en-US" dirty="0" smtClean="0"/>
-              <a:t>We’ll cover this library in more depth in the data mining workshop. It’ll be more important there.</a:t>
-            </a:r>
-          </a:p>
-          <a:p>
-            <a:r>
-              <a:rPr lang="en-US" dirty="0" smtClean="0"/>
-              <a:t>Here's </a:t>
-            </a:r>
-            <a:r>
-              <a:rPr lang="en-US" dirty="0"/>
-              <a:t>the plan of attack:</a:t>
-            </a:r>
-          </a:p>
-          <a:p>
-            <a:pPr lvl="1"/>
-            <a:r>
-              <a:rPr lang="en-US" dirty="0"/>
-              <a:t>Identify links in a webpage. </a:t>
-            </a:r>
-          </a:p>
-          <a:p>
-            <a:pPr lvl="1"/>
-            <a:r>
-              <a:rPr lang="en-US" dirty="0"/>
-              <a:t>Follow those links. </a:t>
-            </a:r>
-          </a:p>
-        </p:txBody>
-      </p:sp>
-      <p:sp>
-        <p:nvSpPr>
-          <p:cNvPr id="4" name="Slide Number Placeholder 3"/>
-          <p:cNvSpPr>
-            <a:spLocks noGrp="1"/>
-          </p:cNvSpPr>
-          <p:nvPr>
-            <p:ph type="sldNum" sz="quarter" idx="12"/>
-          </p:nvPr>
-        </p:nvSpPr>
-        <p:spPr/>
-        <p:txBody>
-          <a:bodyPr/>
-          <a:lstStyle/>
-          <a:p>
-            <a:fld id="{D57F1E4F-1CFF-5643-939E-02111984F565}" type="slidenum">
-              <a:rPr lang="en-US" smtClean="0"/>
-              <a:t>25</a:t>
-            </a:fld>
-            <a:endParaRPr lang="en-US" dirty="0"/>
-          </a:p>
-        </p:txBody>
-      </p:sp>
-    </p:spTree>
-    <p:extLst>
-      <p:ext uri="{BB962C8B-B14F-4D97-AF65-F5344CB8AC3E}">
-        <p14:creationId xmlns:p14="http://schemas.microsoft.com/office/powerpoint/2010/main" val="303214607"/>
-      </p:ext>
-    </p:extLst>
-  </p:cSld>
-  <p:clrMapOvr>
-    <a:masterClrMapping/>
-  </p:clrMapOvr>
-  <p:timing>
-    <p:tnLst>
-      <p:par>
-        <p:cTn id="1" dur="indefinite" restart="never" nodeType="tmRoot"/>
-      </p:par>
-    </p:tnLst>
-  </p:timing>
-</p:sld>
-</file>
-
-<file path=ppt/slides/slide26.xml><?xml version="1.0" encoding="utf-8"?>
-<p:sld xmlns:a="http://schemas.openxmlformats.org/drawingml/2006/main" xmlns:r="http://schemas.openxmlformats.org/officeDocument/2006/relationships" xmlns:p="http://schemas.openxmlformats.org/presentationml/2006/main">
-  <p:cSld>
-    <p:spTree>
-      <p:nvGrpSpPr>
-        <p:cNvPr id="1" name=""/>
-        <p:cNvGrpSpPr/>
-        <p:nvPr/>
-      </p:nvGrpSpPr>
-      <p:grpSpPr>
-        <a:xfrm>
-          <a:off x="0" y="0"/>
-          <a:ext cx="0" cy="0"/>
-          <a:chOff x="0" y="0"/>
-          <a:chExt cx="0" cy="0"/>
-        </a:xfrm>
-      </p:grpSpPr>
-      <p:sp>
-        <p:nvSpPr>
-          <p:cNvPr id="2" name="Title 1"/>
-          <p:cNvSpPr>
-            <a:spLocks noGrp="1"/>
-          </p:cNvSpPr>
-          <p:nvPr>
-            <p:ph type="title"/>
-          </p:nvPr>
-        </p:nvSpPr>
-        <p:spPr/>
-        <p:txBody>
-          <a:bodyPr/>
-          <a:lstStyle/>
-          <a:p>
-            <a:r>
-              <a:rPr lang="en-US" dirty="0" smtClean="0"/>
-              <a:t>Quick intro to </a:t>
-            </a:r>
-            <a:r>
-              <a:rPr lang="en-US" dirty="0" err="1" smtClean="0">
-                <a:latin typeface="Consolas" panose="020B0609020204030204" pitchFamily="49" charset="0"/>
-              </a:rPr>
-              <a:t>BeautifulSoup</a:t>
-            </a:r>
-            <a:endParaRPr lang="en-US" i="1" dirty="0">
-              <a:latin typeface="Consolas" panose="020B0609020204030204" pitchFamily="49" charset="0"/>
-            </a:endParaRPr>
-          </a:p>
-        </p:txBody>
-      </p:sp>
-      <p:sp>
-        <p:nvSpPr>
-          <p:cNvPr id="3" name="Content Placeholder 2"/>
-          <p:cNvSpPr>
-            <a:spLocks noGrp="1"/>
-          </p:cNvSpPr>
-          <p:nvPr>
-            <p:ph idx="1"/>
-          </p:nvPr>
-        </p:nvSpPr>
-        <p:spPr/>
-        <p:txBody>
-          <a:bodyPr>
-            <a:normAutofit/>
-          </a:bodyPr>
-          <a:lstStyle/>
-          <a:p>
-            <a:r>
-              <a:rPr lang="en-US" dirty="0"/>
-              <a:t>We can navigate the tree using html tags in one of two ways</a:t>
-            </a:r>
-            <a:r>
-              <a:rPr lang="en-US" dirty="0" smtClean="0"/>
-              <a:t>:</a:t>
-            </a:r>
-            <a:endParaRPr lang="en-US" dirty="0"/>
-          </a:p>
-          <a:p>
-            <a:pPr marL="400050">
-              <a:buFont typeface="+mj-lt"/>
-              <a:buAutoNum type="arabicPeriod"/>
-            </a:pPr>
-            <a:r>
-              <a:rPr lang="en-US" dirty="0" err="1" smtClean="0">
-                <a:latin typeface="Consolas" panose="020B0609020204030204" pitchFamily="49" charset="0"/>
-              </a:rPr>
-              <a:t>BeautifulSoup</a:t>
-            </a:r>
-            <a:r>
-              <a:rPr lang="en-US" dirty="0" smtClean="0"/>
-              <a:t> attributes</a:t>
-            </a:r>
-          </a:p>
-          <a:p>
-            <a:pPr marL="400050">
-              <a:buFont typeface="+mj-lt"/>
-              <a:buAutoNum type="arabicPeriod"/>
-            </a:pPr>
-            <a:r>
-              <a:rPr lang="en-US" dirty="0" err="1" smtClean="0">
-                <a:latin typeface="Consolas" panose="020B0609020204030204" pitchFamily="49" charset="0"/>
-              </a:rPr>
-              <a:t>BeautifulSoup</a:t>
-            </a:r>
-            <a:r>
-              <a:rPr lang="en-US" dirty="0" smtClean="0"/>
-              <a:t> </a:t>
-            </a:r>
-            <a:r>
-              <a:rPr lang="en-US" dirty="0">
-                <a:latin typeface="Consolas" panose="020B0609020204030204" pitchFamily="49" charset="0"/>
-              </a:rPr>
-              <a:t>find</a:t>
-            </a:r>
-            <a:r>
-              <a:rPr lang="en-US" dirty="0"/>
-              <a:t> and </a:t>
-            </a:r>
-            <a:r>
-              <a:rPr lang="en-US" dirty="0" err="1">
-                <a:latin typeface="Consolas" panose="020B0609020204030204" pitchFamily="49" charset="0"/>
-              </a:rPr>
-              <a:t>find_all</a:t>
-            </a:r>
-            <a:r>
-              <a:rPr lang="en-US" dirty="0"/>
-              <a:t> methods</a:t>
-            </a:r>
-          </a:p>
-          <a:p>
-            <a:r>
-              <a:rPr lang="en-US" dirty="0" smtClean="0"/>
-              <a:t>Attributes and the </a:t>
-            </a:r>
-            <a:r>
-              <a:rPr lang="en-US" dirty="0">
-                <a:latin typeface="Consolas" panose="020B0609020204030204" pitchFamily="49" charset="0"/>
-              </a:rPr>
-              <a:t>find</a:t>
-            </a:r>
-            <a:r>
-              <a:rPr lang="en-US" dirty="0"/>
-              <a:t> </a:t>
-            </a:r>
-            <a:r>
-              <a:rPr lang="en-US" dirty="0" smtClean="0"/>
-              <a:t>method will always </a:t>
-            </a:r>
-            <a:r>
-              <a:rPr lang="en-US" dirty="0"/>
-              <a:t>find the first instance which matches the specifications. </a:t>
-            </a:r>
-            <a:endParaRPr lang="en-US" dirty="0" smtClean="0"/>
-          </a:p>
-          <a:p>
-            <a:pPr lvl="1"/>
-            <a:r>
-              <a:rPr lang="en-US" dirty="0" smtClean="0"/>
-              <a:t>Use </a:t>
-            </a:r>
-            <a:r>
-              <a:rPr lang="en-US" dirty="0" err="1">
-                <a:latin typeface="Consolas" panose="020B0609020204030204" pitchFamily="49" charset="0"/>
-              </a:rPr>
-              <a:t>find_all</a:t>
-            </a:r>
-            <a:r>
-              <a:rPr lang="en-US" dirty="0"/>
-              <a:t> t</a:t>
-            </a:r>
-            <a:r>
-              <a:rPr lang="en-US" dirty="0" smtClean="0"/>
-              <a:t>o </a:t>
-            </a:r>
-            <a:r>
-              <a:rPr lang="en-US" dirty="0"/>
-              <a:t>find all </a:t>
-            </a:r>
-            <a:r>
-              <a:rPr lang="en-US" dirty="0" smtClean="0"/>
-              <a:t>matches.</a:t>
-            </a:r>
-          </a:p>
-          <a:p>
-            <a:r>
-              <a:rPr lang="en-US" dirty="0" smtClean="0"/>
-              <a:t>Link attributes look like this:</a:t>
-            </a:r>
-          </a:p>
-          <a:p>
-            <a:pPr marL="0" indent="0" algn="ctr">
-              <a:buNone/>
-            </a:pPr>
-            <a:r>
-              <a:rPr lang="en-US" dirty="0" smtClean="0"/>
-              <a:t>&lt;a </a:t>
-            </a:r>
-            <a:r>
-              <a:rPr lang="en-US" dirty="0" err="1" smtClean="0"/>
-              <a:t>href</a:t>
-            </a:r>
-            <a:r>
-              <a:rPr lang="en-US" dirty="0" smtClean="0"/>
-              <a:t>=“http://google.com”&gt;Google&lt;/a&gt;</a:t>
-            </a:r>
-            <a:endParaRPr lang="en-US" dirty="0"/>
-          </a:p>
-          <a:p>
-            <a:r>
-              <a:rPr lang="en-US" dirty="0" smtClean="0"/>
-              <a:t>We can extract information about the attribute using the get() method.</a:t>
-            </a:r>
-            <a:endParaRPr lang="en-US" dirty="0"/>
-          </a:p>
-          <a:p>
-            <a:endParaRPr lang="en-US" dirty="0"/>
-          </a:p>
-        </p:txBody>
-      </p:sp>
-      <p:sp>
-        <p:nvSpPr>
-          <p:cNvPr id="4" name="Slide Number Placeholder 3"/>
-          <p:cNvSpPr>
-            <a:spLocks noGrp="1"/>
-          </p:cNvSpPr>
-          <p:nvPr>
-            <p:ph type="sldNum" sz="quarter" idx="12"/>
-          </p:nvPr>
-        </p:nvSpPr>
-        <p:spPr/>
-        <p:txBody>
-          <a:bodyPr/>
-          <a:lstStyle/>
-          <a:p>
-            <a:fld id="{D57F1E4F-1CFF-5643-939E-02111984F565}" type="slidenum">
-              <a:rPr lang="en-US" smtClean="0"/>
-              <a:t>26</a:t>
-            </a:fld>
-            <a:endParaRPr lang="en-US" dirty="0"/>
-          </a:p>
-        </p:txBody>
-      </p:sp>
-    </p:spTree>
-    <p:extLst>
-      <p:ext uri="{BB962C8B-B14F-4D97-AF65-F5344CB8AC3E}">
-        <p14:creationId xmlns:p14="http://schemas.microsoft.com/office/powerpoint/2010/main" val="346961422"/>
-      </p:ext>
-    </p:extLst>
-  </p:cSld>
-  <p:clrMapOvr>
-    <a:masterClrMapping/>
-  </p:clrMapOvr>
-  <p:timing>
-    <p:tnLst>
-      <p:par>
-        <p:cTn id="1" dur="indefinite" restart="never" nodeType="tmRoot"/>
-      </p:par>
-    </p:tnLst>
-  </p:timing>
-</p:sld>
-</file>
-
-<file path=ppt/slides/slide27.xml><?xml version="1.0" encoding="utf-8"?>
-<p:sld xmlns:a="http://schemas.openxmlformats.org/drawingml/2006/main" xmlns:r="http://schemas.openxmlformats.org/officeDocument/2006/relationships" xmlns:p="http://schemas.openxmlformats.org/presentationml/2006/main">
-  <p:cSld>
-    <p:spTree>
-      <p:nvGrpSpPr>
-        <p:cNvPr id="1" name=""/>
-        <p:cNvGrpSpPr/>
-        <p:nvPr/>
-      </p:nvGrpSpPr>
-      <p:grpSpPr>
-        <a:xfrm>
-          <a:off x="0" y="0"/>
-          <a:ext cx="0" cy="0"/>
-          <a:chOff x="0" y="0"/>
-          <a:chExt cx="0" cy="0"/>
-        </a:xfrm>
-      </p:grpSpPr>
-      <p:sp>
-        <p:nvSpPr>
-          <p:cNvPr id="2" name="Title 1"/>
-          <p:cNvSpPr>
-            <a:spLocks noGrp="1"/>
-          </p:cNvSpPr>
-          <p:nvPr>
-            <p:ph type="title"/>
-          </p:nvPr>
-        </p:nvSpPr>
-        <p:spPr/>
-        <p:txBody>
-          <a:bodyPr/>
-          <a:lstStyle/>
-          <a:p>
-            <a:r>
-              <a:rPr lang="en-US" dirty="0" smtClean="0"/>
-              <a:t>Bonus Tips</a:t>
-            </a:r>
-            <a:endParaRPr lang="en-US" dirty="0"/>
-          </a:p>
-        </p:txBody>
-      </p:sp>
-      <p:sp>
-        <p:nvSpPr>
-          <p:cNvPr id="3" name="Content Placeholder 2"/>
-          <p:cNvSpPr>
-            <a:spLocks noGrp="1"/>
-          </p:cNvSpPr>
-          <p:nvPr>
-            <p:ph idx="1"/>
-          </p:nvPr>
-        </p:nvSpPr>
-        <p:spPr/>
-        <p:txBody>
-          <a:bodyPr/>
-          <a:lstStyle/>
-          <a:p>
-            <a:r>
-              <a:rPr lang="en-US" dirty="0" smtClean="0"/>
-              <a:t>Be careful of what objects are being returned.</a:t>
-            </a:r>
-          </a:p>
-          <a:p>
-            <a:pPr lvl="1"/>
-            <a:r>
-              <a:rPr lang="en-US" dirty="0"/>
-              <a:t>The </a:t>
-            </a:r>
-            <a:r>
-              <a:rPr lang="en-US" dirty="0" smtClean="0">
-                <a:latin typeface="Consolas" panose="020B0609020204030204" pitchFamily="49" charset="0"/>
-              </a:rPr>
-              <a:t>find</a:t>
-            </a:r>
-            <a:r>
-              <a:rPr lang="en-US" dirty="0" smtClean="0"/>
-              <a:t> </a:t>
-            </a:r>
-            <a:r>
-              <a:rPr lang="en-US" dirty="0"/>
-              <a:t>method returns a </a:t>
-            </a:r>
-            <a:r>
-              <a:rPr lang="en-US" dirty="0" smtClean="0">
-                <a:latin typeface="Consolas" panose="020B0609020204030204" pitchFamily="49" charset="0"/>
-              </a:rPr>
-              <a:t>Tag</a:t>
-            </a:r>
-            <a:r>
-              <a:rPr lang="en-US" dirty="0" smtClean="0"/>
-              <a:t> object</a:t>
-            </a:r>
-            <a:r>
-              <a:rPr lang="en-US" dirty="0"/>
-              <a:t>.</a:t>
-            </a:r>
-            <a:endParaRPr lang="en-US" dirty="0" smtClean="0"/>
-          </a:p>
-          <a:p>
-            <a:pPr lvl="1"/>
-            <a:r>
-              <a:rPr lang="en-US" dirty="0" smtClean="0"/>
-              <a:t>The </a:t>
-            </a:r>
-            <a:r>
-              <a:rPr lang="en-US" dirty="0" err="1">
-                <a:latin typeface="Consolas" panose="020B0609020204030204" pitchFamily="49" charset="0"/>
-              </a:rPr>
-              <a:t>find_all</a:t>
-            </a:r>
-            <a:r>
-              <a:rPr lang="en-US" dirty="0"/>
-              <a:t> </a:t>
-            </a:r>
-            <a:r>
-              <a:rPr lang="en-US" dirty="0" smtClean="0"/>
-              <a:t>method returns a </a:t>
-            </a:r>
-            <a:r>
-              <a:rPr lang="en-US" dirty="0" err="1" smtClean="0">
-                <a:latin typeface="Consolas" panose="020B0609020204030204" pitchFamily="49" charset="0"/>
-              </a:rPr>
-              <a:t>ResultSet</a:t>
-            </a:r>
-            <a:r>
-              <a:rPr lang="en-US" dirty="0" smtClean="0"/>
-              <a:t> object.</a:t>
-            </a:r>
-          </a:p>
-          <a:p>
-            <a:pPr lvl="2"/>
-            <a:r>
-              <a:rPr lang="en-US" dirty="0" smtClean="0"/>
-              <a:t>You can’t chain</a:t>
-            </a:r>
-            <a:r>
-              <a:rPr lang="en-US" dirty="0"/>
-              <a:t> </a:t>
-            </a:r>
-            <a:r>
-              <a:rPr lang="en-US" dirty="0" err="1" smtClean="0">
-                <a:latin typeface="Consolas" panose="020B0609020204030204" pitchFamily="49" charset="0"/>
-              </a:rPr>
-              <a:t>ResultSet</a:t>
-            </a:r>
-            <a:r>
-              <a:rPr lang="en-US" dirty="0" smtClean="0"/>
-              <a:t> objects together like you can with </a:t>
-            </a:r>
-            <a:r>
-              <a:rPr lang="en-US" dirty="0">
-                <a:latin typeface="Consolas" panose="020B0609020204030204" pitchFamily="49" charset="0"/>
-              </a:rPr>
-              <a:t>Tag</a:t>
-            </a:r>
-            <a:r>
-              <a:rPr lang="en-US" dirty="0"/>
-              <a:t> </a:t>
-            </a:r>
-            <a:r>
-              <a:rPr lang="en-US" dirty="0" smtClean="0"/>
-              <a:t>attributes and methods.</a:t>
-            </a:r>
-          </a:p>
-          <a:p>
-            <a:r>
-              <a:rPr lang="en-US" dirty="0" smtClean="0"/>
-              <a:t>In practice, we need more information to find the proper links.</a:t>
-            </a:r>
-          </a:p>
-          <a:p>
-            <a:pPr lvl="1"/>
-            <a:r>
-              <a:rPr lang="en-US" dirty="0" smtClean="0"/>
-              <a:t>Chrome has a </a:t>
-            </a:r>
-            <a:r>
-              <a:rPr lang="en-US" dirty="0" err="1" smtClean="0"/>
-              <a:t>SelectorGadget</a:t>
-            </a:r>
-            <a:r>
-              <a:rPr lang="en-US" dirty="0" smtClean="0"/>
-              <a:t> add-on which makes finding the proper html tags </a:t>
-            </a:r>
-            <a:r>
-              <a:rPr lang="en-US" i="1" dirty="0" smtClean="0"/>
-              <a:t>much</a:t>
-            </a:r>
-            <a:r>
-              <a:rPr lang="en-US" dirty="0" smtClean="0"/>
-              <a:t> easier.</a:t>
-            </a:r>
-          </a:p>
-          <a:p>
-            <a:pPr lvl="1"/>
-            <a:r>
-              <a:rPr lang="en-US" dirty="0" smtClean="0"/>
-              <a:t>We’ll cover this in more depth during the data mining workshop. It has deeper applications there. </a:t>
-            </a:r>
-            <a:endParaRPr lang="en-US" dirty="0"/>
-          </a:p>
-        </p:txBody>
-      </p:sp>
-      <p:sp>
-        <p:nvSpPr>
-          <p:cNvPr id="4" name="Slide Number Placeholder 3"/>
-          <p:cNvSpPr>
-            <a:spLocks noGrp="1"/>
-          </p:cNvSpPr>
-          <p:nvPr>
-            <p:ph type="sldNum" sz="quarter" idx="12"/>
-          </p:nvPr>
-        </p:nvSpPr>
-        <p:spPr/>
-        <p:txBody>
-          <a:bodyPr/>
-          <a:lstStyle/>
-          <a:p>
-            <a:fld id="{D57F1E4F-1CFF-5643-939E-02111984F565}" type="slidenum">
-              <a:rPr lang="en-US" smtClean="0"/>
-              <a:t>27</a:t>
-            </a:fld>
-            <a:endParaRPr lang="en-US" dirty="0"/>
-          </a:p>
-        </p:txBody>
-      </p:sp>
-    </p:spTree>
-    <p:extLst>
-      <p:ext uri="{BB962C8B-B14F-4D97-AF65-F5344CB8AC3E}">
-        <p14:creationId xmlns:p14="http://schemas.microsoft.com/office/powerpoint/2010/main" val="2943957291"/>
-      </p:ext>
-    </p:extLst>
-  </p:cSld>
-  <p:clrMapOvr>
-    <a:masterClrMapping/>
-  </p:clrMapOvr>
-  <p:timing>
-    <p:tnLst>
-      <p:par>
-        <p:cTn id="1" dur="indefinite" restart="never" nodeType="tmRoot"/>
-      </p:par>
-    </p:tnLst>
-  </p:timing>
-</p:sld>
-</file>
-
-<file path=ppt/slides/slide28.xml><?xml version="1.0" encoding="utf-8"?>
-<p:sld xmlns:a="http://schemas.openxmlformats.org/drawingml/2006/main" xmlns:r="http://schemas.openxmlformats.org/officeDocument/2006/relationships" xmlns:p="http://schemas.openxmlformats.org/presentationml/2006/main">
-  <p:cSld>
-    <p:spTree>
-      <p:nvGrpSpPr>
-        <p:cNvPr id="1" name=""/>
-        <p:cNvGrpSpPr/>
-        <p:nvPr/>
-      </p:nvGrpSpPr>
-      <p:grpSpPr>
-        <a:xfrm>
-          <a:off x="0" y="0"/>
-          <a:ext cx="0" cy="0"/>
-          <a:chOff x="0" y="0"/>
-          <a:chExt cx="0" cy="0"/>
-        </a:xfrm>
-      </p:grpSpPr>
-      <p:sp>
-        <p:nvSpPr>
-          <p:cNvPr id="2" name="Title 1"/>
-          <p:cNvSpPr>
-            <a:spLocks noGrp="1"/>
-          </p:cNvSpPr>
-          <p:nvPr>
-            <p:ph type="title"/>
-          </p:nvPr>
-        </p:nvSpPr>
-        <p:spPr/>
-        <p:txBody>
-          <a:bodyPr/>
-          <a:lstStyle/>
-          <a:p>
-            <a:r>
-              <a:rPr lang="en-US" dirty="0" smtClean="0"/>
-              <a:t>Following internal links</a:t>
-            </a:r>
-            <a:endParaRPr lang="en-US" i="1" dirty="0">
-              <a:latin typeface="Consolas" panose="020B0609020204030204" pitchFamily="49" charset="0"/>
-            </a:endParaRPr>
-          </a:p>
-        </p:txBody>
-      </p:sp>
-      <p:sp>
-        <p:nvSpPr>
-          <p:cNvPr id="3" name="Content Placeholder 2"/>
-          <p:cNvSpPr>
-            <a:spLocks noGrp="1"/>
-          </p:cNvSpPr>
-          <p:nvPr>
-            <p:ph idx="1"/>
-          </p:nvPr>
-        </p:nvSpPr>
-        <p:spPr/>
-        <p:txBody>
-          <a:bodyPr>
-            <a:normAutofit/>
-          </a:bodyPr>
-          <a:lstStyle/>
-          <a:p>
-            <a:r>
-              <a:rPr lang="en-US" dirty="0"/>
-              <a:t>We now know how to find internal links on a page. There are two things we want to do </a:t>
-            </a:r>
-            <a:r>
-              <a:rPr lang="en-US" dirty="0" smtClean="0"/>
-              <a:t>next:</a:t>
-            </a:r>
-          </a:p>
-          <a:p>
-            <a:pPr marL="800100" lvl="1" indent="-342900">
-              <a:buFont typeface="+mj-lt"/>
-              <a:buAutoNum type="arabicPeriod"/>
-            </a:pPr>
-            <a:r>
-              <a:rPr lang="en-US" dirty="0" smtClean="0"/>
-              <a:t>Scrape </a:t>
-            </a:r>
-            <a:r>
-              <a:rPr lang="en-US" dirty="0"/>
-              <a:t>the box scores for more game data</a:t>
-            </a:r>
-            <a:r>
-              <a:rPr lang="en-US" dirty="0" smtClean="0"/>
-              <a:t>;</a:t>
-            </a:r>
-          </a:p>
-          <a:p>
-            <a:pPr marL="800100" lvl="1" indent="-342900">
-              <a:buFont typeface="+mj-lt"/>
-              <a:buAutoNum type="arabicPeriod"/>
-            </a:pPr>
-            <a:r>
-              <a:rPr lang="en-US" dirty="0" smtClean="0"/>
-              <a:t>Find </a:t>
-            </a:r>
-            <a:r>
-              <a:rPr lang="en-US" dirty="0"/>
-              <a:t>scores from different dates. </a:t>
-            </a:r>
-          </a:p>
-          <a:p>
-            <a:endParaRPr lang="en-US" dirty="0" smtClean="0"/>
-          </a:p>
-          <a:p>
-            <a:r>
-              <a:rPr lang="en-US" dirty="0" smtClean="0"/>
-              <a:t>We'll </a:t>
-            </a:r>
-            <a:r>
-              <a:rPr lang="en-US" dirty="0"/>
-              <a:t>switch gears now to scraping </a:t>
-            </a:r>
-            <a:r>
-              <a:rPr lang="en-US" dirty="0" smtClean="0">
-                <a:hlinkClick r:id="rId3"/>
-              </a:rPr>
-              <a:t>NCAA </a:t>
-            </a:r>
-            <a:r>
-              <a:rPr lang="en-US" dirty="0">
-                <a:hlinkClick r:id="rId3"/>
-              </a:rPr>
-              <a:t>basketball box scores on </a:t>
-            </a:r>
-            <a:r>
-              <a:rPr lang="en-US" dirty="0" smtClean="0">
-                <a:hlinkClick r:id="rId3"/>
-              </a:rPr>
-              <a:t>sports-reference</a:t>
-            </a:r>
-            <a:r>
-              <a:rPr lang="en-US" dirty="0" smtClean="0"/>
-              <a:t> </a:t>
-            </a:r>
-            <a:r>
-              <a:rPr lang="en-US" dirty="0"/>
-              <a:t>to demonstrate. </a:t>
-            </a:r>
-          </a:p>
-        </p:txBody>
-      </p:sp>
-      <p:sp>
-        <p:nvSpPr>
-          <p:cNvPr id="4" name="Slide Number Placeholder 3"/>
-          <p:cNvSpPr>
-            <a:spLocks noGrp="1"/>
-          </p:cNvSpPr>
-          <p:nvPr>
-            <p:ph type="sldNum" sz="quarter" idx="12"/>
-          </p:nvPr>
-        </p:nvSpPr>
-        <p:spPr/>
-        <p:txBody>
-          <a:bodyPr/>
-          <a:lstStyle/>
-          <a:p>
-            <a:fld id="{D57F1E4F-1CFF-5643-939E-02111984F565}" type="slidenum">
-              <a:rPr lang="en-US" smtClean="0"/>
-              <a:t>28</a:t>
-            </a:fld>
-            <a:endParaRPr lang="en-US" dirty="0"/>
-          </a:p>
-        </p:txBody>
-      </p:sp>
-    </p:spTree>
-    <p:extLst>
-      <p:ext uri="{BB962C8B-B14F-4D97-AF65-F5344CB8AC3E}">
-        <p14:creationId xmlns:p14="http://schemas.microsoft.com/office/powerpoint/2010/main" val="1712848606"/>
-      </p:ext>
-    </p:extLst>
-  </p:cSld>
-  <p:clrMapOvr>
-    <a:masterClrMapping/>
-  </p:clrMapOvr>
-  <p:timing>
-    <p:tnLst>
-      <p:par>
-        <p:cTn id="1" dur="indefinite" restart="never" nodeType="tmRoot"/>
-      </p:par>
-    </p:tnLst>
-  </p:timing>
-</p:sld>
-</file>
-
-<file path=ppt/slides/slide29.xml><?xml version="1.0" encoding="utf-8"?>
-<p:sld xmlns:a="http://schemas.openxmlformats.org/drawingml/2006/main" xmlns:r="http://schemas.openxmlformats.org/officeDocument/2006/relationships" xmlns:p="http://schemas.openxmlformats.org/presentationml/2006/main">
-  <p:cSld>
-    <p:spTree>
-      <p:nvGrpSpPr>
-        <p:cNvPr id="1" name=""/>
-        <p:cNvGrpSpPr/>
-        <p:nvPr/>
-      </p:nvGrpSpPr>
-      <p:grpSpPr>
-        <a:xfrm>
-          <a:off x="0" y="0"/>
-          <a:ext cx="0" cy="0"/>
-          <a:chOff x="0" y="0"/>
-          <a:chExt cx="0" cy="0"/>
-        </a:xfrm>
-      </p:grpSpPr>
-      <p:sp>
-        <p:nvSpPr>
-          <p:cNvPr id="2" name="Title 1"/>
-          <p:cNvSpPr>
-            <a:spLocks noGrp="1"/>
-          </p:cNvSpPr>
-          <p:nvPr>
-            <p:ph type="title"/>
-          </p:nvPr>
-        </p:nvSpPr>
-        <p:spPr/>
-        <p:txBody>
-          <a:bodyPr/>
-          <a:lstStyle/>
-          <a:p>
-            <a:r>
-              <a:rPr lang="en-US" dirty="0" smtClean="0"/>
-              <a:t>Absolute and relative paths</a:t>
-            </a:r>
-            <a:endParaRPr lang="en-US" i="1" dirty="0">
-              <a:latin typeface="Consolas" panose="020B0609020204030204" pitchFamily="49" charset="0"/>
-            </a:endParaRPr>
-          </a:p>
-        </p:txBody>
-      </p:sp>
-      <p:sp>
-        <p:nvSpPr>
-          <p:cNvPr id="3" name="Content Placeholder 2"/>
-          <p:cNvSpPr>
-            <a:spLocks noGrp="1"/>
-          </p:cNvSpPr>
-          <p:nvPr>
-            <p:ph idx="1"/>
-          </p:nvPr>
-        </p:nvSpPr>
-        <p:spPr/>
-        <p:txBody>
-          <a:bodyPr>
-            <a:normAutofit/>
-          </a:bodyPr>
-          <a:lstStyle/>
-          <a:p>
-            <a:r>
-              <a:rPr lang="en-US" dirty="0"/>
-              <a:t>Web pages contain </a:t>
-            </a:r>
-            <a:r>
-              <a:rPr lang="en-US" u="sng" dirty="0"/>
-              <a:t>absolute</a:t>
-            </a:r>
-            <a:r>
-              <a:rPr lang="en-US" dirty="0"/>
-              <a:t> paths and </a:t>
-            </a:r>
-            <a:r>
-              <a:rPr lang="en-US" u="sng" dirty="0"/>
-              <a:t>relative</a:t>
-            </a:r>
-            <a:r>
-              <a:rPr lang="en-US" dirty="0"/>
-              <a:t> paths. </a:t>
-            </a:r>
-            <a:endParaRPr lang="en-US" dirty="0" smtClean="0"/>
-          </a:p>
-          <a:p>
-            <a:pPr lvl="1"/>
-            <a:r>
-              <a:rPr lang="en-US" dirty="0" smtClean="0"/>
-              <a:t>An </a:t>
-            </a:r>
-            <a:r>
-              <a:rPr lang="en-US" u="sng" dirty="0"/>
-              <a:t>absolute</a:t>
-            </a:r>
-            <a:r>
-              <a:rPr lang="en-US" dirty="0"/>
-              <a:t> path contains the entire address to a link. </a:t>
-            </a:r>
-            <a:endParaRPr lang="en-US" dirty="0" smtClean="0"/>
-          </a:p>
-          <a:p>
-            <a:pPr lvl="1"/>
-            <a:r>
-              <a:rPr lang="en-US" dirty="0" smtClean="0"/>
-              <a:t>A </a:t>
-            </a:r>
-            <a:r>
-              <a:rPr lang="en-US" u="sng" dirty="0"/>
-              <a:t>relative</a:t>
-            </a:r>
-            <a:r>
-              <a:rPr lang="en-US" dirty="0"/>
-              <a:t> path contains the address </a:t>
-            </a:r>
-            <a:r>
-              <a:rPr lang="en-US" i="1" dirty="0"/>
-              <a:t>relative</a:t>
-            </a:r>
-            <a:r>
-              <a:rPr lang="en-US" dirty="0"/>
-              <a:t> to another base address. </a:t>
-            </a:r>
-          </a:p>
-          <a:p>
-            <a:r>
-              <a:rPr lang="en-US" dirty="0"/>
-              <a:t>Internal links almost always contain relative paths. </a:t>
-            </a:r>
-            <a:endParaRPr lang="en-US" dirty="0" smtClean="0"/>
-          </a:p>
-          <a:p>
-            <a:pPr lvl="1"/>
-            <a:r>
-              <a:rPr lang="en-US" dirty="0" smtClean="0"/>
-              <a:t>For </a:t>
-            </a:r>
-            <a:r>
-              <a:rPr lang="en-US" dirty="0"/>
-              <a:t>example, the link to college basketball stats on </a:t>
-            </a:r>
-            <a:r>
-              <a:rPr lang="en-US" dirty="0" smtClean="0"/>
-              <a:t>sports-reference is </a:t>
-            </a:r>
-            <a:r>
-              <a:rPr lang="en-US" dirty="0"/>
-              <a:t>"/</a:t>
-            </a:r>
-            <a:r>
-              <a:rPr lang="en-US" dirty="0" err="1"/>
-              <a:t>cbb</a:t>
-            </a:r>
-            <a:r>
-              <a:rPr lang="en-US" dirty="0"/>
-              <a:t>". </a:t>
-            </a:r>
-            <a:endParaRPr lang="en-US" dirty="0" smtClean="0"/>
-          </a:p>
-          <a:p>
-            <a:pPr lvl="2"/>
-            <a:r>
-              <a:rPr lang="en-US" dirty="0" smtClean="0"/>
-              <a:t>The </a:t>
-            </a:r>
-            <a:r>
-              <a:rPr lang="en-US" dirty="0"/>
-              <a:t>web pages knows this is an internal link and will send the user to http://sports-reference.com/cbb. </a:t>
-            </a:r>
-          </a:p>
-          <a:p>
-            <a:r>
-              <a:rPr lang="en-US" dirty="0" smtClean="0"/>
-              <a:t>To </a:t>
-            </a:r>
-            <a:r>
-              <a:rPr lang="en-US" dirty="0"/>
-              <a:t>get the box score data, we must make a similar correction. </a:t>
-            </a:r>
-          </a:p>
-        </p:txBody>
-      </p:sp>
-      <p:sp>
-        <p:nvSpPr>
-          <p:cNvPr id="4" name="Slide Number Placeholder 3"/>
-          <p:cNvSpPr>
-            <a:spLocks noGrp="1"/>
-          </p:cNvSpPr>
-          <p:nvPr>
-            <p:ph type="sldNum" sz="quarter" idx="12"/>
-          </p:nvPr>
-        </p:nvSpPr>
-        <p:spPr/>
-        <p:txBody>
-          <a:bodyPr/>
-          <a:lstStyle/>
-          <a:p>
-            <a:fld id="{D57F1E4F-1CFF-5643-939E-02111984F565}" type="slidenum">
-              <a:rPr lang="en-US" smtClean="0"/>
-              <a:t>29</a:t>
-            </a:fld>
-            <a:endParaRPr lang="en-US" dirty="0"/>
-          </a:p>
-        </p:txBody>
-      </p:sp>
-    </p:spTree>
-    <p:extLst>
-      <p:ext uri="{BB962C8B-B14F-4D97-AF65-F5344CB8AC3E}">
-        <p14:creationId xmlns:p14="http://schemas.microsoft.com/office/powerpoint/2010/main" val="2045471823"/>
-      </p:ext>
-    </p:extLst>
-  </p:cSld>
-  <p:clrMapOvr>
-    <a:masterClrMapping/>
-  </p:clrMapOvr>
-  <p:timing>
-    <p:tnLst>
-      <p:par>
-        <p:cTn id="1" dur="indefinite" restart="never" nodeType="tmRoot"/>
-      </p:par>
-    </p:tnLst>
-  </p:timing>
-</p:sld>
-</file>
-
-<file path=ppt/slides/slide3.xml><?xml version="1.0" encoding="utf-8"?>
-<p:sld xmlns:a="http://schemas.openxmlformats.org/drawingml/2006/main" xmlns:r="http://schemas.openxmlformats.org/officeDocument/2006/relationships" xmlns:p="http://schemas.openxmlformats.org/presentationml/2006/main">
-  <p:cSld>
-    <p:spTree>
-      <p:nvGrpSpPr>
-        <p:cNvPr id="1" name=""/>
-        <p:cNvGrpSpPr/>
-        <p:nvPr/>
-      </p:nvGrpSpPr>
-      <p:grpSpPr>
-        <a:xfrm>
-          <a:off x="0" y="0"/>
-          <a:ext cx="0" cy="0"/>
-          <a:chOff x="0" y="0"/>
-          <a:chExt cx="0" cy="0"/>
-        </a:xfrm>
-      </p:grpSpPr>
-      <p:sp>
-        <p:nvSpPr>
-          <p:cNvPr id="2" name="Title 1"/>
-          <p:cNvSpPr>
-            <a:spLocks noGrp="1"/>
-          </p:cNvSpPr>
-          <p:nvPr>
-            <p:ph type="title"/>
-          </p:nvPr>
-        </p:nvSpPr>
-        <p:spPr/>
-        <p:txBody>
-          <a:bodyPr/>
-          <a:lstStyle/>
-          <a:p>
-            <a:r>
-              <a:rPr lang="en-US" dirty="0" smtClean="0"/>
-              <a:t>Two Ways to Participate</a:t>
-            </a:r>
-            <a:endParaRPr lang="en-US" dirty="0"/>
-          </a:p>
-        </p:txBody>
-      </p:sp>
-      <p:sp>
-        <p:nvSpPr>
-          <p:cNvPr id="3" name="Content Placeholder 2"/>
-          <p:cNvSpPr>
-            <a:spLocks noGrp="1"/>
-          </p:cNvSpPr>
-          <p:nvPr>
-            <p:ph idx="1"/>
-          </p:nvPr>
-        </p:nvSpPr>
-        <p:spPr/>
-        <p:txBody>
-          <a:bodyPr/>
-          <a:lstStyle/>
-          <a:p>
-            <a:r>
-              <a:rPr lang="en-US" dirty="0" smtClean="0"/>
-              <a:t>github.io/</a:t>
-            </a:r>
-            <a:r>
-              <a:rPr lang="en-US" dirty="0" err="1" smtClean="0"/>
-              <a:t>nicholas-vogt</a:t>
-            </a:r>
-            <a:r>
-              <a:rPr lang="en-US" dirty="0" smtClean="0"/>
-              <a:t>/modeling-march-madness</a:t>
-            </a:r>
-          </a:p>
-          <a:p>
-            <a:pPr lvl="1"/>
-            <a:r>
-              <a:rPr lang="en-US" sz="4000" b="1" dirty="0" smtClean="0"/>
-              <a:t>Replace with goo.gl </a:t>
-            </a:r>
-            <a:r>
-              <a:rPr lang="en-US" sz="4000" b="1" dirty="0" err="1" smtClean="0"/>
-              <a:t>url</a:t>
-            </a:r>
-            <a:endParaRPr lang="en-US" b="1" dirty="0" smtClean="0"/>
-          </a:p>
-          <a:p>
-            <a:pPr marL="457200" indent="-457200">
-              <a:buFont typeface="+mj-lt"/>
-              <a:buAutoNum type="arabicPeriod"/>
-            </a:pPr>
-            <a:r>
-              <a:rPr lang="en-US" dirty="0" smtClean="0"/>
-              <a:t>Follow along with the </a:t>
-            </a:r>
-            <a:r>
-              <a:rPr lang="en-US" dirty="0" err="1" smtClean="0"/>
-              <a:t>github</a:t>
-            </a:r>
-            <a:r>
-              <a:rPr lang="en-US" dirty="0" smtClean="0"/>
-              <a:t> repo.</a:t>
-            </a:r>
-          </a:p>
-          <a:p>
-            <a:pPr marL="457200" indent="-457200">
-              <a:buFont typeface="+mj-lt"/>
-              <a:buAutoNum type="arabicPeriod"/>
-            </a:pPr>
-            <a:r>
-              <a:rPr lang="en-US" dirty="0" smtClean="0"/>
-              <a:t>Clone the repo and make notes as we go.</a:t>
-            </a:r>
-          </a:p>
-          <a:p>
-            <a:pPr marL="457200" indent="-457200">
-              <a:buFont typeface="+mj-lt"/>
-              <a:buAutoNum type="arabicPeriod"/>
-            </a:pPr>
-            <a:endParaRPr lang="en-US" dirty="0" smtClean="0"/>
-          </a:p>
-          <a:p>
-            <a:pPr marL="457200" indent="-457200">
-              <a:buFont typeface="+mj-lt"/>
-              <a:buAutoNum type="arabicPeriod"/>
-            </a:pPr>
-            <a:endParaRPr lang="en-US" dirty="0"/>
-          </a:p>
-        </p:txBody>
-      </p:sp>
-      <p:sp>
-        <p:nvSpPr>
-          <p:cNvPr id="4" name="Slide Number Placeholder 3"/>
-          <p:cNvSpPr>
-            <a:spLocks noGrp="1"/>
-          </p:cNvSpPr>
-          <p:nvPr>
-            <p:ph type="sldNum" sz="quarter" idx="12"/>
-          </p:nvPr>
-        </p:nvSpPr>
-        <p:spPr/>
-        <p:txBody>
-          <a:bodyPr/>
-          <a:lstStyle/>
-          <a:p>
-            <a:fld id="{D57F1E4F-1CFF-5643-939E-02111984F565}" type="slidenum">
-              <a:rPr lang="en-US" smtClean="0"/>
-              <a:t>3</a:t>
-            </a:fld>
-            <a:endParaRPr lang="en-US" dirty="0"/>
-          </a:p>
-        </p:txBody>
-      </p:sp>
-    </p:spTree>
-    <p:extLst>
-      <p:ext uri="{BB962C8B-B14F-4D97-AF65-F5344CB8AC3E}">
-        <p14:creationId xmlns:p14="http://schemas.microsoft.com/office/powerpoint/2010/main" val="1136497149"/>
-      </p:ext>
-    </p:extLst>
-  </p:cSld>
-  <p:clrMapOvr>
-    <a:masterClrMapping/>
-  </p:clrMapOvr>
 </p:sld>
 </file>
 
@@ -26783,7 +26945,7 @@
     </p:spTree>
     <p:extLst>
       <p:ext uri="{BB962C8B-B14F-4D97-AF65-F5344CB8AC3E}">
-        <p14:creationId xmlns:p14="http://schemas.microsoft.com/office/powerpoint/2010/main" val="2338468529"/>
+        <p14:creationId xmlns:p14="http://schemas.microsoft.com/office/powerpoint/2010/main" val="2045471823"/>
       </p:ext>
     </p:extLst>
   </p:cSld>
@@ -26834,9 +26996,11 @@
           <a:p>
             <a:r>
               <a:rPr lang="en-US" dirty="0" smtClean="0"/>
-              <a:t>Bonus Tips</a:t>
-            </a:r>
-            <a:endParaRPr lang="en-US" dirty="0"/>
+              <a:t>Absolute and relative paths</a:t>
+            </a:r>
+            <a:endParaRPr lang="en-US" i="1" dirty="0">
+              <a:latin typeface="Consolas" panose="020B0609020204030204" pitchFamily="49" charset="0"/>
+            </a:endParaRPr>
           </a:p>
         </p:txBody>
       </p:sp>
@@ -26858,133 +27022,120 @@
           <a:lstStyle/>
           <a:p>
             <a:r>
+              <a:rPr lang="en-US" dirty="0"/>
+              <a:t>Web pages contain </a:t>
+            </a:r>
+            <a:r>
+              <a:rPr lang="en-US" u="sng" dirty="0"/>
+              <a:t>absolute</a:t>
+            </a:r>
+            <a:r>
+              <a:rPr lang="en-US" dirty="0"/>
+              <a:t> paths and </a:t>
+            </a:r>
+            <a:r>
+              <a:rPr lang="en-US" u="sng" dirty="0"/>
+              <a:t>relative</a:t>
+            </a:r>
+            <a:r>
+              <a:rPr lang="en-US" dirty="0"/>
+              <a:t> paths. </a:t>
+            </a:r>
+            <a:endParaRPr lang="en-US" dirty="0" smtClean="0"/>
+          </a:p>
+          <a:p>
+            <a:pPr lvl="1"/>
+            <a:r>
               <a:rPr lang="en-US" dirty="0" smtClean="0"/>
-              <a:t>We </a:t>
+              <a:t>An </a:t>
+            </a:r>
+            <a:r>
+              <a:rPr lang="en-US" u="sng" dirty="0"/>
+              <a:t>absolute</a:t>
             </a:r>
             <a:r>
               <a:rPr lang="en-US" dirty="0"/>
-              <a:t>may be tempted to navigate to other </a:t>
+              <a:t> path contains the entire address to a link. </a:t>
+            </a:r>
+            <a:endParaRPr lang="en-US" dirty="0" smtClean="0"/>
+          </a:p>
+          <a:p>
+            <a:pPr lvl="1"/>
+            <a:r>
+              <a:rPr lang="en-US" dirty="0" smtClean="0"/>
+              <a:t>A </a:t>
+            </a:r>
+            <a:r>
+              <a:rPr lang="en-US" u="sng" dirty="0"/>
+              <a:t>relative</a:t>
+            </a:r>
+            <a:r>
+              <a:rPr lang="en-US" dirty="0"/>
+              <a:t> path contains the address </a:t>
+            </a:r>
+            <a:r>
+              <a:rPr lang="en-US" i="1" dirty="0"/>
+              <a:t>relative</a:t>
+            </a:r>
+            <a:r>
+              <a:rPr lang="en-US" dirty="0"/>
+              <a:t> to another base address. </a:t>
+            </a:r>
+          </a:p>
+          <a:p>
+            <a:r>
+              <a:rPr lang="en-US" dirty="0"/>
+              <a:t>Internal links almost always contain relative paths. </a:t>
+            </a:r>
+            <a:endParaRPr lang="en-US" dirty="0" smtClean="0"/>
+          </a:p>
+          <a:p>
+            <a:pPr lvl="1"/>
+            <a:r>
+              <a:rPr lang="en-US" dirty="0" smtClean="0"/>
+              <a:t>For </a:t>
+            </a:r>
+            <a:r>
+              <a:rPr lang="en-US" dirty="0"/>
+              <a:t>example, the link to college basketball stats on </a:t>
+            </a:r>
+            <a:r>
+              <a:rPr lang="en-US" dirty="0" smtClean="0"/>
+              <a:t>sports-reference is </a:t>
+            </a:r>
+            <a:r>
+              <a:rPr lang="en-US" dirty="0"/>
+              <a:t>"/</a:t>
             </a:r>
             <a:r>
               <a:rPr lang="en-US" dirty="0" err="1"/>
-              <a:t>gamesheets</a:t>
+              <a:t>cbb</a:t>
             </a:r>
             <a:r>
               <a:rPr lang="en-US" dirty="0"/>
-              <a:t> the same </a:t>
-            </a:r>
+              <a:t>". </a:t>
+            </a:r>
+            <a:endParaRPr lang="en-US" dirty="0" smtClean="0"/>
+          </a:p>
+          <a:p>
+            <a:pPr lvl="2"/>
             <a:r>
               <a:rPr lang="en-US" dirty="0" smtClean="0"/>
-              <a:t>way, but there’s a better way:</a:t>
-            </a:r>
-          </a:p>
-          <a:p>
-            <a:pPr lvl="1"/>
+              <a:t>The </a:t>
+            </a:r>
+            <a:r>
+              <a:rPr lang="en-US" dirty="0"/>
+              <a:t>web pages knows this is an internal link and will send the user to http://sports-reference.com/cbb. </a:t>
+            </a:r>
+          </a:p>
+          <a:p>
             <a:r>
               <a:rPr lang="en-US" dirty="0" smtClean="0"/>
-              <a:t>Notice </a:t>
+              <a:t>To </a:t>
             </a:r>
             <a:r>
               <a:rPr lang="en-US" dirty="0"/>
-              <a:t>the URL takes date parameters.</a:t>
-            </a:r>
-          </a:p>
-          <a:p>
-            <a:pPr marL="0" indent="0" algn="ctr">
-              <a:buNone/>
-            </a:pPr>
-            <a:r>
-              <a:rPr lang="en-US" dirty="0" smtClean="0"/>
-              <a:t>?</a:t>
-            </a:r>
-            <a:r>
-              <a:rPr lang="en-US" dirty="0"/>
-              <a:t>month=01&amp;day=22&amp;year=2017 </a:t>
-            </a:r>
-          </a:p>
-          <a:p>
-            <a:r>
-              <a:rPr lang="en-US" dirty="0" smtClean="0"/>
-              <a:t>We </a:t>
-            </a:r>
-            <a:r>
-              <a:rPr lang="en-US" dirty="0"/>
-              <a:t>can </a:t>
-            </a:r>
-            <a:r>
-              <a:rPr lang="en-US" dirty="0" smtClean="0"/>
-              <a:t>scrape </a:t>
-            </a:r>
-            <a:r>
-              <a:rPr lang="en-US" dirty="0"/>
-              <a:t>the scores for a given date and use the date we specified</a:t>
-            </a:r>
-            <a:r>
-              <a:rPr lang="en-US" dirty="0" smtClean="0"/>
-              <a:t>.</a:t>
-            </a:r>
-          </a:p>
-          <a:p>
-            <a:pPr lvl="1"/>
-            <a:r>
-              <a:rPr lang="en-US" dirty="0" smtClean="0"/>
-              <a:t>This </a:t>
-            </a:r>
-            <a:r>
-              <a:rPr lang="en-US" dirty="0"/>
-              <a:t>solves the additional problem of navigating to other dates. It will </a:t>
-            </a:r>
-            <a:r>
-              <a:rPr lang="en-US" dirty="0" smtClean="0"/>
-              <a:t>also </a:t>
-            </a:r>
-            <a:r>
-              <a:rPr lang="en-US" dirty="0"/>
-              <a:t>makes the code </a:t>
-            </a:r>
-            <a:r>
-              <a:rPr lang="en-US" i="1" dirty="0" smtClean="0"/>
-              <a:t>much</a:t>
-            </a:r>
-            <a:r>
-              <a:rPr lang="en-US" dirty="0" smtClean="0"/>
-              <a:t> </a:t>
-            </a:r>
-            <a:r>
-              <a:rPr lang="en-US" dirty="0"/>
-              <a:t>easier to read and debug later on</a:t>
-            </a:r>
-            <a:r>
-              <a:rPr lang="en-US" dirty="0" smtClean="0"/>
-              <a:t>.</a:t>
-            </a:r>
-          </a:p>
-          <a:p>
-            <a:r>
-              <a:rPr lang="en-US" dirty="0" smtClean="0"/>
-              <a:t>URL </a:t>
-            </a:r>
-            <a:r>
-              <a:rPr lang="en-US" dirty="0"/>
-              <a:t>parameters rarely require a specific order. </a:t>
-            </a:r>
-            <a:endParaRPr lang="en-US" dirty="0" smtClean="0"/>
-          </a:p>
-          <a:p>
-            <a:pPr marL="0" indent="0" algn="ctr">
-              <a:buNone/>
-            </a:pPr>
-            <a:r>
-              <a:rPr lang="en-US" dirty="0" smtClean="0"/>
-              <a:t>?</a:t>
-            </a:r>
-            <a:r>
-              <a:rPr lang="en-US" dirty="0"/>
-              <a:t> </a:t>
-            </a:r>
-            <a:r>
-              <a:rPr lang="en-US" dirty="0" smtClean="0"/>
-              <a:t>year=2017&amp;month=01&amp;day=22</a:t>
+              <a:t>get the box score data, we must make a similar correction. </a:t>
             </a:r>
           </a:p>
         </p:txBody>
@@ -27015,7 +27166,7 @@
     </p:spTree>
     <p:extLst>
       <p:ext uri="{BB962C8B-B14F-4D97-AF65-F5344CB8AC3E}">
-        <p14:creationId xmlns:p14="http://schemas.microsoft.com/office/powerpoint/2010/main" val="4076771972"/>
+        <p14:creationId xmlns:p14="http://schemas.microsoft.com/office/powerpoint/2010/main" val="2338468529"/>
       </p:ext>
     </p:extLst>
   </p:cSld>
@@ -27056,36 +27207,7 @@
             <a:spLocks noGrp="1"/>
           </p:cNvSpPr>
           <p:nvPr>
-            <p:ph type="ctrTitle"/>
-          </p:nvPr>
-        </p:nvSpPr>
-        <p:spPr>
-          <a:xfrm>
-            <a:off x="1154955" y="1447801"/>
-            <a:ext cx="8825658" cy="2568388"/>
-          </a:xfrm>
-        </p:spPr>
-        <p:txBody>
-          <a:bodyPr/>
-          <a:lstStyle/>
-          <a:p>
-            <a:pPr algn="ctr"/>
-            <a:r>
-              <a:rPr lang="en-US" dirty="0" smtClean="0"/>
-              <a:t>Questions?</a:t>
-            </a:r>
-            <a:endParaRPr lang="en-US" dirty="0"/>
-          </a:p>
-        </p:txBody>
-      </p:sp>
-      <p:sp>
-        <p:nvSpPr>
-          <p:cNvPr id="4" name="Subtitle 3"/>
-          <p:cNvSpPr>
-            <a:spLocks noGrp="1"/>
-          </p:cNvSpPr>
-          <p:nvPr>
-            <p:ph type="subTitle" idx="1"/>
+            <p:ph type="title"/>
           </p:nvPr>
         </p:nvSpPr>
         <p:spPr/>
@@ -27093,13 +27215,166 @@
           <a:bodyPr/>
           <a:lstStyle/>
           <a:p>
-            <a:endParaRPr lang="en-US"/>
+            <a:r>
+              <a:rPr lang="en-US" dirty="0" smtClean="0"/>
+              <a:t>Bonus Tips</a:t>
+            </a:r>
+            <a:endParaRPr lang="en-US" dirty="0"/>
           </a:p>
         </p:txBody>
       </p:sp>
       <p:sp>
         <p:nvSpPr>
-          <p:cNvPr id="3" name="Slide Number Placeholder 2"/>
+          <p:cNvPr id="3" name="Content Placeholder 2"/>
+          <p:cNvSpPr>
+            <a:spLocks noGrp="1"/>
+          </p:cNvSpPr>
+          <p:nvPr>
+            <p:ph idx="1"/>
+          </p:nvPr>
+        </p:nvSpPr>
+        <p:spPr/>
+        <p:txBody>
+          <a:bodyPr>
+            <a:normAutofit/>
+          </a:bodyPr>
+          <a:lstStyle/>
+          <a:p>
+            <a:r>
+              <a:rPr lang="en-US" dirty="0" smtClean="0"/>
+              <a:t>We </a:t>
+            </a:r>
+            <a:r>
+              <a:rPr lang="en-US" dirty="0"/>
+              <a:t>may be tempted to navigate to other </a:t>
+            </a:r>
+            <a:r>
+              <a:rPr lang="en-US" dirty="0" err="1"/>
+              <a:t>gamesheets</a:t>
+            </a:r>
+            <a:r>
+              <a:rPr lang="en-US" dirty="0"/>
+              <a:t> the same </a:t>
+            </a:r>
+            <a:r>
+              <a:rPr lang="en-US" dirty="0" smtClean="0"/>
+              <a:t>way, but there’s a better way:</a:t>
+            </a:r>
+          </a:p>
+          <a:p>
+            <a:pPr lvl="1"/>
+            <a:r>
+              <a:rPr lang="en-US" dirty="0" smtClean="0"/>
+              <a:t>Notice </a:t>
+            </a:r>
+            <a:r>
+              <a:rPr lang="en-US" dirty="0"/>
+              <a:t>the URL takes date parameters.</a:t>
+            </a:r>
+          </a:p>
+          <a:p>
+            <a:pPr marL="0" indent="0" algn="ctr">
+              <a:buNone/>
+            </a:pPr>
+            <a:r>
+              <a:rPr lang="en-US" dirty="0" smtClean="0"/>
+              <a:t>?</a:t>
+            </a:r>
+            <a:r>
+              <a:rPr lang="en-US" dirty="0"/>
+              <a:t>month=01&amp;day=22&amp;year=2017 </a:t>
+            </a:r>
+          </a:p>
+          <a:p>
+            <a:r>
+              <a:rPr lang="en-US" dirty="0" smtClean="0"/>
+              <a:t>We </a:t>
+            </a:r>
+            <a:r>
+              <a:rPr lang="en-US" dirty="0"/>
+              <a:t>can </a:t>
+            </a:r>
+            <a:r>
+              <a:rPr lang="en-US" dirty="0" smtClean="0"/>
+              <a:t>scrape </a:t>
+            </a:r>
+            <a:r>
+              <a:rPr lang="en-US" dirty="0"/>
+              <a:t>the scores for a given date and use the date we specified</a:t>
+            </a:r>
+            <a:r>
+              <a:rPr lang="en-US" dirty="0" smtClean="0"/>
+              <a:t>.</a:t>
+            </a:r>
+          </a:p>
+          <a:p>
+            <a:pPr lvl="1"/>
+            <a:r>
+              <a:rPr lang="en-US" dirty="0" smtClean="0"/>
+              <a:t>This </a:t>
+            </a:r>
+            <a:r>
+              <a:rPr lang="en-US" dirty="0"/>
+              <a:t>solves the additional problem of navigating to other dates. It will </a:t>
+            </a:r>
+            <a:r>
+              <a:rPr lang="en-US" dirty="0" smtClean="0"/>
+              <a:t>also </a:t>
+            </a:r>
+            <a:r>
+              <a:rPr lang="en-US" dirty="0"/>
+              <a:t>makes the code </a:t>
+            </a:r>
+            <a:r>
+              <a:rPr lang="en-US" i="1" dirty="0" smtClean="0"/>
+              <a:t>much</a:t>
+            </a:r>
+            <a:r>
+              <a:rPr lang="en-US" dirty="0" smtClean="0"/>
+              <a:t> </a:t>
+            </a:r>
+            <a:r>
+              <a:rPr lang="en-US" dirty="0"/>
+              <a:t>easier to read and debug later on</a:t>
+            </a:r>
+            <a:r>
+              <a:rPr lang="en-US" dirty="0" smtClean="0"/>
+              <a:t>.</a:t>
+            </a:r>
+          </a:p>
+          <a:p>
+            <a:r>
+              <a:rPr lang="en-US" dirty="0" smtClean="0"/>
+              <a:t>URL </a:t>
+            </a:r>
+            <a:r>
+              <a:rPr lang="en-US" dirty="0"/>
+              <a:t>parameters rarely require a specific order. </a:t>
+            </a:r>
+            <a:endParaRPr lang="en-US" dirty="0" smtClean="0"/>
+          </a:p>
+          <a:p>
+            <a:pPr marL="0" indent="0" algn="ctr">
+              <a:buNone/>
+            </a:pPr>
+            <a:r>
+              <a:rPr lang="en-US" dirty="0" smtClean="0"/>
+              <a:t>?</a:t>
+            </a:r>
+            <a:r>
+              <a:rPr lang="en-US" dirty="0"/>
+              <a:t> </a:t>
+            </a:r>
+            <a:r>
+              <a:rPr lang="en-US" dirty="0" smtClean="0"/>
+              <a:t>year=2017&amp;month=01&amp;day=22</a:t>
+            </a:r>
+          </a:p>
+        </p:txBody>
+      </p:sp>
+      <p:sp>
+        <p:nvSpPr>
+          <p:cNvPr id="4" name="Slide Number Placeholder 3"/>
           <p:cNvSpPr>
             <a:spLocks noGrp="1"/>
           </p:cNvSpPr>
@@ -27123,7 +27398,7 @@
     </p:spTree>
     <p:extLst>
       <p:ext uri="{BB962C8B-B14F-4D97-AF65-F5344CB8AC3E}">
-        <p14:creationId xmlns:p14="http://schemas.microsoft.com/office/powerpoint/2010/main" val="369632690"/>
+        <p14:creationId xmlns:p14="http://schemas.microsoft.com/office/powerpoint/2010/main" val="4076771972"/>
       </p:ext>
     </p:extLst>
   </p:cSld>
@@ -27164,7 +27439,36 @@
             <a:spLocks noGrp="1"/>
           </p:cNvSpPr>
           <p:nvPr>
-            <p:ph type="title"/>
+            <p:ph type="ctrTitle"/>
+          </p:nvPr>
+        </p:nvSpPr>
+        <p:spPr>
+          <a:xfrm>
+            <a:off x="1154955" y="1447801"/>
+            <a:ext cx="8825658" cy="2568388"/>
+          </a:xfrm>
+        </p:spPr>
+        <p:txBody>
+          <a:bodyPr/>
+          <a:lstStyle/>
+          <a:p>
+            <a:pPr algn="ctr"/>
+            <a:r>
+              <a:rPr lang="en-US" dirty="0" smtClean="0"/>
+              <a:t>Questions?</a:t>
+            </a:r>
+            <a:endParaRPr lang="en-US" dirty="0"/>
+          </a:p>
+        </p:txBody>
+      </p:sp>
+      <p:sp>
+        <p:nvSpPr>
+          <p:cNvPr id="4" name="Subtitle 3"/>
+          <p:cNvSpPr>
+            <a:spLocks noGrp="1"/>
+          </p:cNvSpPr>
+          <p:nvPr>
+            <p:ph type="subTitle" idx="1"/>
           </p:nvPr>
         </p:nvSpPr>
         <p:spPr/>
@@ -27172,40 +27476,13 @@
           <a:bodyPr/>
           <a:lstStyle/>
           <a:p>
-            <a:r>
-              <a:rPr lang="en-US" dirty="0" smtClean="0"/>
-              <a:t>Legal Stuff</a:t>
-            </a:r>
-            <a:endParaRPr lang="en-US" dirty="0"/>
+            <a:endParaRPr lang="en-US"/>
           </a:p>
         </p:txBody>
       </p:sp>
       <p:sp>
         <p:nvSpPr>
-          <p:cNvPr id="3" name="Text Placeholder 2"/>
-          <p:cNvSpPr>
-            <a:spLocks noGrp="1"/>
-          </p:cNvSpPr>
-          <p:nvPr>
-            <p:ph type="body" idx="1"/>
-          </p:nvPr>
-        </p:nvSpPr>
-        <p:spPr/>
-        <p:txBody>
-          <a:bodyPr/>
-          <a:lstStyle/>
-          <a:p>
-            <a:r>
-              <a:rPr lang="en-US" cap="none" dirty="0" smtClean="0"/>
-              <a:t>Check yourself before you wreck yourself.</a:t>
-            </a:r>
-            <a:endParaRPr lang="en-US" cap="none" dirty="0"/>
-          </a:p>
-        </p:txBody>
-      </p:sp>
-      <p:sp>
-        <p:nvSpPr>
-          <p:cNvPr id="4" name="Slide Number Placeholder 3"/>
+          <p:cNvPr id="3" name="Slide Number Placeholder 2"/>
           <p:cNvSpPr>
             <a:spLocks noGrp="1"/>
           </p:cNvSpPr>
@@ -27229,7 +27506,7 @@
     </p:spTree>
     <p:extLst>
       <p:ext uri="{BB962C8B-B14F-4D97-AF65-F5344CB8AC3E}">
-        <p14:creationId xmlns:p14="http://schemas.microsoft.com/office/powerpoint/2010/main" val="3670932340"/>
+        <p14:creationId xmlns:p14="http://schemas.microsoft.com/office/powerpoint/2010/main" val="369632690"/>
       </p:ext>
     </p:extLst>
   </p:cSld>
@@ -27280,7 +27557,7 @@
           <a:p>
             <a:r>
               <a:rPr lang="en-US" dirty="0" smtClean="0"/>
-              <a:t>Scraping Politely (not illegally)</a:t>
+              <a:t>Legal Stuff</a:t>
             </a:r>
             <a:endParaRPr lang="en-US" dirty="0"/>
           </a:p>
@@ -27288,12 +27565,12 @@
       </p:sp>
       <p:sp>
         <p:nvSpPr>
-          <p:cNvPr id="3" name="Content Placeholder 2"/>
+          <p:cNvPr id="3" name="Text Placeholder 2"/>
           <p:cNvSpPr>
             <a:spLocks noGrp="1"/>
           </p:cNvSpPr>
           <p:nvPr>
-            <p:ph idx="1"/>
+            <p:ph type="body" idx="1"/>
           </p:nvPr>
         </p:nvSpPr>
         <p:spPr/>
@@ -27302,91 +27579,10 @@
           <a:lstStyle/>
           <a:p>
             <a:r>
-              <a:rPr lang="en-US" dirty="0" smtClean="0"/>
-              <a:t>Spiders, crawlers, scrapers, etc. are known as </a:t>
-            </a:r>
-            <a:r>
-              <a:rPr lang="en-US" u="sng" dirty="0" smtClean="0"/>
-              <a:t>robots</a:t>
-            </a:r>
-            <a:r>
-              <a:rPr lang="en-US" dirty="0" smtClean="0"/>
-              <a:t> online.</a:t>
-            </a:r>
-          </a:p>
-          <a:p>
-            <a:pPr lvl="1"/>
-            <a:r>
-              <a:rPr lang="en-US" dirty="0" smtClean="0"/>
-              <a:t>Most sites have a robots.txt page which tells robots what they “can and cannot” scrape.</a:t>
-            </a:r>
-          </a:p>
-          <a:p>
-            <a:r>
-              <a:rPr lang="en-US" dirty="0" smtClean="0"/>
-              <a:t>Many websites </a:t>
-            </a:r>
-            <a:r>
-              <a:rPr lang="en-US" dirty="0"/>
-              <a:t>track IPs and other information to identify robots</a:t>
-            </a:r>
-            <a:r>
-              <a:rPr lang="en-US" dirty="0" smtClean="0"/>
-              <a:t>.</a:t>
-            </a:r>
-          </a:p>
-          <a:p>
-            <a:pPr lvl="1"/>
-            <a:r>
-              <a:rPr lang="en-US" dirty="0" smtClean="0"/>
-              <a:t>In my experience, these tracking services are either really bad or poorly maintained.</a:t>
-            </a:r>
-          </a:p>
-          <a:p>
-            <a:r>
-              <a:rPr lang="en-US" dirty="0" smtClean="0"/>
-              <a:t>Websites pay money for their servers.</a:t>
-            </a:r>
-          </a:p>
-          <a:p>
-            <a:pPr lvl="1"/>
-            <a:r>
-              <a:rPr lang="en-US" dirty="0" smtClean="0"/>
-              <a:t>Your scraper uses server time that could instead go to </a:t>
-            </a:r>
-            <a:r>
-              <a:rPr lang="en-US" i="1" dirty="0" smtClean="0"/>
-              <a:t>real</a:t>
-            </a:r>
-            <a:r>
-              <a:rPr lang="en-US" dirty="0" smtClean="0"/>
-              <a:t> users.</a:t>
-            </a:r>
-          </a:p>
-          <a:p>
-            <a:pPr lvl="1"/>
-            <a:r>
-              <a:rPr lang="en-US" dirty="0" smtClean="0"/>
-              <a:t>Websites may ban your IP if they suspect your using a robot.</a:t>
-            </a:r>
-          </a:p>
-          <a:p>
-            <a:r>
-              <a:rPr lang="en-US" dirty="0" smtClean="0"/>
-              <a:t>If you break the servers, </a:t>
-            </a:r>
-            <a:r>
-              <a:rPr lang="en-US" u="sng" dirty="0" smtClean="0"/>
-              <a:t>you can be held liable for damages.</a:t>
-            </a:r>
-            <a:endParaRPr lang="en-US" dirty="0" smtClean="0"/>
-          </a:p>
-          <a:p>
-            <a:pPr lvl="1"/>
-            <a:endParaRPr lang="en-US" dirty="0" smtClean="0"/>
-          </a:p>
-          <a:p>
-            <a:endParaRPr lang="en-US" dirty="0"/>
+              <a:rPr lang="en-US" cap="none" dirty="0" smtClean="0"/>
+              <a:t>Check yourself before you wreck yourself.</a:t>
+            </a:r>
+            <a:endParaRPr lang="en-US" cap="none" dirty="0"/>
           </a:p>
         </p:txBody>
       </p:sp>
@@ -27416,7 +27612,7 @@
     </p:spTree>
     <p:extLst>
       <p:ext uri="{BB962C8B-B14F-4D97-AF65-F5344CB8AC3E}">
-        <p14:creationId xmlns:p14="http://schemas.microsoft.com/office/powerpoint/2010/main" val="1192598336"/>
+        <p14:creationId xmlns:p14="http://schemas.microsoft.com/office/powerpoint/2010/main" val="3670932340"/>
       </p:ext>
     </p:extLst>
   </p:cSld>
@@ -27467,7 +27663,7 @@
           <a:p>
             <a:r>
               <a:rPr lang="en-US" dirty="0" smtClean="0"/>
-              <a:t>So what do you do?</a:t>
+              <a:t>Scraping Politely (not illegally)</a:t>
             </a:r>
             <a:endParaRPr lang="en-US" dirty="0"/>
           </a:p>
@@ -27490,37 +27686,86 @@
           <a:p>
             <a:r>
               <a:rPr lang="en-US" dirty="0" smtClean="0"/>
-              <a:t>Assign a 5 or 10 second crawl-delay to your scraper. </a:t>
+              <a:t>Spiders, crawlers, scrapers, etc. are known as </a:t>
+            </a:r>
+            <a:r>
+              <a:rPr lang="en-US" u="sng" dirty="0" smtClean="0"/>
+              <a:t>robots</a:t>
+            </a:r>
+            <a:r>
+              <a:rPr lang="en-US" dirty="0" smtClean="0"/>
+              <a:t> online.</a:t>
             </a:r>
           </a:p>
           <a:p>
             <a:pPr lvl="1"/>
             <a:r>
               <a:rPr lang="en-US" dirty="0" smtClean="0"/>
-              <a:t>Left unchecked, your scraper may ping (i.e. contact) the server several times per second.</a:t>
+              <a:t>Most sites have a robots.txt page which tells robots what they “can and cannot” scrape.</a:t>
+            </a:r>
+          </a:p>
+          <a:p>
+            <a:r>
+              <a:rPr lang="en-US" dirty="0" smtClean="0"/>
+              <a:t>Many websites </a:t>
+            </a:r>
+            <a:r>
+              <a:rPr lang="en-US" dirty="0"/>
+              <a:t>track IPs and other information to identify robots</a:t>
+            </a:r>
+            <a:r>
+              <a:rPr lang="en-US" dirty="0" smtClean="0"/>
+              <a:t>.</a:t>
             </a:r>
           </a:p>
           <a:p>
             <a:pPr lvl="1"/>
             <a:r>
               <a:rPr lang="en-US" dirty="0" smtClean="0"/>
-              <a:t>Most large websites (e.g. ESPN) can handle that kind of traffic. </a:t>
-            </a:r>
-          </a:p>
-          <a:p>
-            <a:pPr lvl="2"/>
+              <a:t>In my experience, these tracking services are either really bad or poorly maintained.</a:t>
+            </a:r>
+          </a:p>
+          <a:p>
             <a:r>
               <a:rPr lang="en-US" dirty="0" smtClean="0"/>
-              <a:t>Smaller sites cannot.</a:t>
-            </a:r>
-          </a:p>
-          <a:p>
+              <a:t>Websites pay money for their servers.</a:t>
+            </a:r>
+          </a:p>
+          <a:p>
+            <a:pPr lvl="1"/>
             <a:r>
               <a:rPr lang="en-US" dirty="0" smtClean="0"/>
-              <a:t>Don’t scrape if you can help it.</a:t>
-            </a:r>
-          </a:p>
-          <a:p>
+              <a:t>Your scraper uses server time that could instead go to </a:t>
+            </a:r>
+            <a:r>
+              <a:rPr lang="en-US" i="1" dirty="0" smtClean="0"/>
+              <a:t>real</a:t>
+            </a:r>
+            <a:r>
+              <a:rPr lang="en-US" dirty="0" smtClean="0"/>
+              <a:t> users.</a:t>
+            </a:r>
+          </a:p>
+          <a:p>
+            <a:pPr lvl="1"/>
+            <a:r>
+              <a:rPr lang="en-US" dirty="0" smtClean="0"/>
+              <a:t>Websites may ban your IP if they suspect your using a robot.</a:t>
+            </a:r>
+          </a:p>
+          <a:p>
+            <a:r>
+              <a:rPr lang="en-US" dirty="0" smtClean="0"/>
+              <a:t>If you break the servers, </a:t>
+            </a:r>
+            <a:r>
+              <a:rPr lang="en-US" u="sng" dirty="0" smtClean="0"/>
+              <a:t>you can be held liable for damages.</a:t>
+            </a:r>
+            <a:endParaRPr lang="en-US" dirty="0" smtClean="0"/>
+          </a:p>
+          <a:p>
+            <a:pPr lvl="1"/>
             <a:endParaRPr lang="en-US" dirty="0" smtClean="0"/>
           </a:p>
           <a:p>
@@ -27554,7 +27799,7 @@
     </p:spTree>
     <p:extLst>
       <p:ext uri="{BB962C8B-B14F-4D97-AF65-F5344CB8AC3E}">
-        <p14:creationId xmlns:p14="http://schemas.microsoft.com/office/powerpoint/2010/main" val="3270372070"/>
+        <p14:creationId xmlns:p14="http://schemas.microsoft.com/office/powerpoint/2010/main" val="1192598336"/>
       </p:ext>
     </p:extLst>
   </p:cSld>
@@ -27605,7 +27850,7 @@
           <a:p>
             <a:r>
               <a:rPr lang="en-US" dirty="0" smtClean="0"/>
-              <a:t>Program Architecture</a:t>
+              <a:t>So what do you do?</a:t>
             </a:r>
             <a:endParaRPr lang="en-US" dirty="0"/>
           </a:p>
@@ -27613,12 +27858,12 @@
       </p:sp>
       <p:sp>
         <p:nvSpPr>
-          <p:cNvPr id="3" name="Text Placeholder 2"/>
+          <p:cNvPr id="3" name="Content Placeholder 2"/>
           <p:cNvSpPr>
             <a:spLocks noGrp="1"/>
           </p:cNvSpPr>
           <p:nvPr>
-            <p:ph type="body" idx="1"/>
+            <p:ph idx="1"/>
           </p:nvPr>
         </p:nvSpPr>
         <p:spPr/>
@@ -27627,10 +27872,42 @@
           <a:lstStyle/>
           <a:p>
             <a:r>
-              <a:rPr lang="en-US" cap="none" dirty="0" smtClean="0"/>
-              <a:t>Structure your program to make debugging and updating easier.</a:t>
-            </a:r>
-            <a:endParaRPr lang="en-US" cap="none" dirty="0"/>
+              <a:rPr lang="en-US" dirty="0" smtClean="0"/>
+              <a:t>Assign a 5 or 10 second crawl-delay to your scraper. </a:t>
+            </a:r>
+          </a:p>
+          <a:p>
+            <a:pPr lvl="1"/>
+            <a:r>
+              <a:rPr lang="en-US" dirty="0" smtClean="0"/>
+              <a:t>Left unchecked, your scraper may ping (i.e. contact) the server several times per second.</a:t>
+            </a:r>
+          </a:p>
+          <a:p>
+            <a:pPr lvl="1"/>
+            <a:r>
+              <a:rPr lang="en-US" dirty="0" smtClean="0"/>
+              <a:t>Most large websites (e.g. ESPN) can handle that kind of traffic. </a:t>
+            </a:r>
+          </a:p>
+          <a:p>
+            <a:pPr lvl="2"/>
+            <a:r>
+              <a:rPr lang="en-US" dirty="0" smtClean="0"/>
+              <a:t>Smaller sites cannot.</a:t>
+            </a:r>
+          </a:p>
+          <a:p>
+            <a:r>
+              <a:rPr lang="en-US" dirty="0" smtClean="0"/>
+              <a:t>Don’t scrape if you can help it.</a:t>
+            </a:r>
+          </a:p>
+          <a:p>
+            <a:endParaRPr lang="en-US" dirty="0" smtClean="0"/>
+          </a:p>
+          <a:p>
+            <a:endParaRPr lang="en-US" dirty="0"/>
           </a:p>
         </p:txBody>
       </p:sp>
@@ -27660,7 +27937,7 @@
     </p:spTree>
     <p:extLst>
       <p:ext uri="{BB962C8B-B14F-4D97-AF65-F5344CB8AC3E}">
-        <p14:creationId xmlns:p14="http://schemas.microsoft.com/office/powerpoint/2010/main" val="4269547054"/>
+        <p14:creationId xmlns:p14="http://schemas.microsoft.com/office/powerpoint/2010/main" val="3270372070"/>
       </p:ext>
     </p:extLst>
   </p:cSld>
@@ -27719,12 +27996,12 @@
       </p:sp>
       <p:sp>
         <p:nvSpPr>
-          <p:cNvPr id="3" name="Content Placeholder 2"/>
+          <p:cNvPr id="3" name="Text Placeholder 2"/>
           <p:cNvSpPr>
             <a:spLocks noGrp="1"/>
           </p:cNvSpPr>
           <p:nvPr>
-            <p:ph idx="1"/>
+            <p:ph type="body" idx="1"/>
           </p:nvPr>
         </p:nvSpPr>
         <p:spPr/>
@@ -27733,39 +28010,10 @@
           <a:lstStyle/>
           <a:p>
             <a:r>
-              <a:rPr lang="en-US" dirty="0" smtClean="0"/>
-              <a:t>Python is an object-oriented language. </a:t>
-            </a:r>
-          </a:p>
-          <a:p>
-            <a:r>
-              <a:rPr lang="en-US" dirty="0" smtClean="0"/>
-              <a:t>Object-oriented code is the norm in industry (for better or worse).</a:t>
-            </a:r>
-          </a:p>
-          <a:p>
-            <a:r>
-              <a:rPr lang="en-US" dirty="0" smtClean="0"/>
-              <a:t>Write </a:t>
-            </a:r>
-            <a:r>
-              <a:rPr lang="en-US" dirty="0" smtClean="0"/>
-              <a:t>object-oriented </a:t>
-            </a:r>
-            <a:r>
-              <a:rPr lang="en-US" dirty="0" smtClean="0"/>
-              <a:t>code.</a:t>
-            </a:r>
-          </a:p>
-          <a:p>
-            <a:endParaRPr lang="en-US" dirty="0"/>
-          </a:p>
-          <a:p>
-            <a:r>
-              <a:rPr lang="en-US" dirty="0" smtClean="0"/>
-              <a:t>Let’s walk through the Scraper class in the Scraper.py file.</a:t>
-            </a:r>
-            <a:endParaRPr lang="en-US" dirty="0"/>
+              <a:rPr lang="en-US" cap="none" dirty="0" smtClean="0"/>
+              <a:t>Structure your program to make debugging and updating easier.</a:t>
+            </a:r>
+            <a:endParaRPr lang="en-US" cap="none" dirty="0"/>
           </a:p>
         </p:txBody>
       </p:sp>
@@ -27795,7 +28043,7 @@
     </p:spTree>
     <p:extLst>
       <p:ext uri="{BB962C8B-B14F-4D97-AF65-F5344CB8AC3E}">
-        <p14:creationId xmlns:p14="http://schemas.microsoft.com/office/powerpoint/2010/main" val="2438925654"/>
+        <p14:creationId xmlns:p14="http://schemas.microsoft.com/office/powerpoint/2010/main" val="4269547054"/>
       </p:ext>
     </p:extLst>
   </p:cSld>
@@ -27868,25 +28116,34 @@
           <a:lstStyle/>
           <a:p>
             <a:r>
-              <a:rPr lang="en-US" smtClean="0"/>
-              <a:t>Simplify procedural code. </a:t>
-            </a:r>
-          </a:p>
-          <a:p>
-            <a:r>
               <a:rPr lang="en-US" dirty="0" smtClean="0"/>
-              <a:t>Document everything. You will forget it later. </a:t>
-            </a:r>
-          </a:p>
-          <a:p>
-            <a:pPr lvl="1"/>
+              <a:t>Python is an object-oriented language. </a:t>
+            </a:r>
+          </a:p>
+          <a:p>
             <a:r>
               <a:rPr lang="en-US" dirty="0" smtClean="0"/>
-              <a:t>Python 3.6 has type hints. Use them. </a:t>
+              <a:t>Object-oriented code is the norm in industry (for better or worse).</a:t>
+            </a:r>
+          </a:p>
+          <a:p>
+            <a:r>
+              <a:rPr lang="en-US" dirty="0" smtClean="0"/>
+              <a:t>Write object-oriented code.</a:t>
             </a:r>
           </a:p>
           <a:p>
             <a:endParaRPr lang="en-US" dirty="0"/>
+          </a:p>
+          <a:p>
+            <a:r>
+              <a:rPr lang="en-US" dirty="0" smtClean="0"/>
+              <a:t>Let’s walk through the Scraper class in the Scraper.py file</a:t>
+            </a:r>
+            <a:r>
+              <a:rPr lang="en-US" dirty="0" smtClean="0"/>
+              <a:t>.</a:t>
+            </a:r>
           </a:p>
         </p:txBody>
       </p:sp>
@@ -27908,6 +28165,127 @@
             <a:fld id="{D57F1E4F-1CFF-5643-939E-02111984F565}" type="slidenum">
               <a:rPr lang="en-US" smtClean="0"/>
               <a:t>38</a:t>
+            </a:fld>
+            <a:endParaRPr lang="en-US" dirty="0"/>
+          </a:p>
+        </p:txBody>
+      </p:sp>
+    </p:spTree>
+    <p:extLst>
+      <p:ext uri="{BB962C8B-B14F-4D97-AF65-F5344CB8AC3E}">
+        <p14:creationId xmlns:p14="http://schemas.microsoft.com/office/powerpoint/2010/main" val="2438925654"/>
+      </p:ext>
+    </p:extLst>
+  </p:cSld>
+  <p:clrMapOvr>
+    <a:masterClrMapping/>
+  </p:clrMapOvr>
+  <p:timing>
+    <p:tnLst>
+      <p:par>
+        <p:cTn id="1" dur="indefinite" restart="never" nodeType="tmRoot"/>
+      </p:par>
+    </p:tnLst>
+  </p:timing>
+</p:sld>
+</file>
+
+<file path=ppt/slides/slide39.xml><?xml version="1.0" encoding="utf-8"?>
+<p:sld xmlns:a="http://schemas.openxmlformats.org/drawingml/2006/main" xmlns:r="http://schemas.openxmlformats.org/officeDocument/2006/relationships" xmlns:p="http://schemas.openxmlformats.org/presentationml/2006/main">
+  <p:cSld>
+    <p:spTree>
+      <p:nvGrpSpPr>
+        <p:cNvPr id="1" name=""/>
+        <p:cNvGrpSpPr/>
+        <p:nvPr/>
+      </p:nvGrpSpPr>
+      <p:grpSpPr>
+        <a:xfrm>
+          <a:off x="0" y="0"/>
+          <a:ext cx="0" cy="0"/>
+          <a:chOff x="0" y="0"/>
+          <a:chExt cx="0" cy="0"/>
+        </a:xfrm>
+      </p:grpSpPr>
+      <p:sp>
+        <p:nvSpPr>
+          <p:cNvPr id="2" name="Title 1"/>
+          <p:cNvSpPr>
+            <a:spLocks noGrp="1"/>
+          </p:cNvSpPr>
+          <p:nvPr>
+            <p:ph type="title"/>
+          </p:nvPr>
+        </p:nvSpPr>
+        <p:spPr/>
+        <p:txBody>
+          <a:bodyPr/>
+          <a:lstStyle/>
+          <a:p>
+            <a:r>
+              <a:rPr lang="en-US" dirty="0" smtClean="0"/>
+              <a:t>Program Architecture</a:t>
+            </a:r>
+            <a:endParaRPr lang="en-US" dirty="0"/>
+          </a:p>
+        </p:txBody>
+      </p:sp>
+      <p:sp>
+        <p:nvSpPr>
+          <p:cNvPr id="3" name="Content Placeholder 2"/>
+          <p:cNvSpPr>
+            <a:spLocks noGrp="1"/>
+          </p:cNvSpPr>
+          <p:nvPr>
+            <p:ph idx="1"/>
+          </p:nvPr>
+        </p:nvSpPr>
+        <p:spPr/>
+        <p:txBody>
+          <a:bodyPr/>
+          <a:lstStyle/>
+          <a:p>
+            <a:r>
+              <a:rPr lang="en-US" smtClean="0"/>
+              <a:t>Simplify procedural code. </a:t>
+            </a:r>
+          </a:p>
+          <a:p>
+            <a:r>
+              <a:rPr lang="en-US" dirty="0" smtClean="0"/>
+              <a:t>Document everything. You will forget it later. </a:t>
+            </a:r>
+          </a:p>
+          <a:p>
+            <a:pPr lvl="1"/>
+            <a:r>
+              <a:rPr lang="en-US" dirty="0" smtClean="0"/>
+              <a:t>Python 3.6 has type hints. Use them. </a:t>
+            </a:r>
+          </a:p>
+          <a:p>
+            <a:endParaRPr lang="en-US" dirty="0"/>
+          </a:p>
+        </p:txBody>
+      </p:sp>
+      <p:sp>
+        <p:nvSpPr>
+          <p:cNvPr id="4" name="Slide Number Placeholder 3"/>
+          <p:cNvSpPr>
+            <a:spLocks noGrp="1"/>
+          </p:cNvSpPr>
+          <p:nvPr>
+            <p:ph type="sldNum" sz="quarter" idx="12"/>
+          </p:nvPr>
+        </p:nvSpPr>
+        <p:spPr/>
+        <p:txBody>
+          <a:bodyPr/>
+          <a:lstStyle/>
+          <a:p>
+            <a:fld id="{D57F1E4F-1CFF-5643-939E-02111984F565}" type="slidenum">
+              <a:rPr lang="en-US" smtClean="0"/>
+              <a:t>39</a:t>
             </a:fld>
             <a:endParaRPr lang="en-US" dirty="0"/>
           </a:p>
@@ -27960,6 +28338,165 @@
             <p:ph type="title"/>
           </p:nvPr>
         </p:nvSpPr>
+        <p:spPr/>
+        <p:txBody>
+          <a:bodyPr/>
+          <a:lstStyle/>
+          <a:p>
+            <a:r>
+              <a:rPr lang="en-US" dirty="0" smtClean="0"/>
+              <a:t>Two Ways to Participate</a:t>
+            </a:r>
+            <a:endParaRPr lang="en-US" dirty="0"/>
+          </a:p>
+        </p:txBody>
+      </p:sp>
+      <p:sp>
+        <p:nvSpPr>
+          <p:cNvPr id="3" name="Content Placeholder 2"/>
+          <p:cNvSpPr>
+            <a:spLocks noGrp="1"/>
+          </p:cNvSpPr>
+          <p:nvPr>
+            <p:ph idx="1"/>
+          </p:nvPr>
+        </p:nvSpPr>
+        <p:spPr/>
+        <p:txBody>
+          <a:bodyPr/>
+          <a:lstStyle/>
+          <a:p>
+            <a:r>
+              <a:rPr lang="en-US" dirty="0" smtClean="0">
+                <a:hlinkClick r:id="rId2"/>
+              </a:rPr>
+              <a:t>github.com/</a:t>
+            </a:r>
+            <a:r>
+              <a:rPr lang="en-US" dirty="0" err="1" smtClean="0">
+                <a:hlinkClick r:id="rId2"/>
+              </a:rPr>
+              <a:t>nicholas-vogt</a:t>
+            </a:r>
+            <a:r>
+              <a:rPr lang="en-US" dirty="0" smtClean="0">
+                <a:hlinkClick r:id="rId2"/>
+              </a:rPr>
+              <a:t>/modeling-march-madness</a:t>
+            </a:r>
+            <a:endParaRPr lang="en-US" dirty="0" smtClean="0"/>
+          </a:p>
+          <a:p>
+            <a:pPr marL="457200" indent="-457200">
+              <a:buFont typeface="+mj-lt"/>
+              <a:buAutoNum type="arabicPeriod"/>
+            </a:pPr>
+            <a:r>
+              <a:rPr lang="en-US" dirty="0" smtClean="0"/>
+              <a:t>Follow </a:t>
+            </a:r>
+            <a:r>
+              <a:rPr lang="en-US" dirty="0" smtClean="0"/>
+              <a:t>along with the </a:t>
+            </a:r>
+            <a:r>
+              <a:rPr lang="en-US" dirty="0" err="1" smtClean="0"/>
+              <a:t>github</a:t>
+            </a:r>
+            <a:r>
+              <a:rPr lang="en-US" dirty="0" smtClean="0"/>
+              <a:t> repo.</a:t>
+            </a:r>
+          </a:p>
+          <a:p>
+            <a:pPr marL="457200" indent="-457200">
+              <a:buFont typeface="+mj-lt"/>
+              <a:buAutoNum type="arabicPeriod"/>
+            </a:pPr>
+            <a:r>
+              <a:rPr lang="en-US" dirty="0" smtClean="0"/>
+              <a:t>Clone the repo and make notes as we go.</a:t>
+            </a:r>
+          </a:p>
+          <a:p>
+            <a:pPr marL="457200" indent="-457200">
+              <a:buFont typeface="+mj-lt"/>
+              <a:buAutoNum type="arabicPeriod"/>
+            </a:pPr>
+            <a:endParaRPr lang="en-US" dirty="0" smtClean="0"/>
+          </a:p>
+          <a:p>
+            <a:pPr marL="457200" indent="-457200">
+              <a:buFont typeface="+mj-lt"/>
+              <a:buAutoNum type="arabicPeriod"/>
+            </a:pPr>
+            <a:endParaRPr lang="en-US" dirty="0"/>
+          </a:p>
+        </p:txBody>
+      </p:sp>
+      <p:sp>
+        <p:nvSpPr>
+          <p:cNvPr id="4" name="Slide Number Placeholder 3"/>
+          <p:cNvSpPr>
+            <a:spLocks noGrp="1"/>
+          </p:cNvSpPr>
+          <p:nvPr>
+            <p:ph type="sldNum" sz="quarter" idx="12"/>
+          </p:nvPr>
+        </p:nvSpPr>
+        <p:spPr/>
+        <p:txBody>
+          <a:bodyPr/>
+          <a:lstStyle/>
+          <a:p>
+            <a:fld id="{D57F1E4F-1CFF-5643-939E-02111984F565}" type="slidenum">
+              <a:rPr lang="en-US" smtClean="0"/>
+              <a:t>4</a:t>
+            </a:fld>
+            <a:endParaRPr lang="en-US" dirty="0"/>
+          </a:p>
+        </p:txBody>
+      </p:sp>
+    </p:spTree>
+    <p:extLst>
+      <p:ext uri="{BB962C8B-B14F-4D97-AF65-F5344CB8AC3E}">
+        <p14:creationId xmlns:p14="http://schemas.microsoft.com/office/powerpoint/2010/main" val="1136497149"/>
+      </p:ext>
+    </p:extLst>
+  </p:cSld>
+  <p:clrMapOvr>
+    <a:masterClrMapping/>
+  </p:clrMapOvr>
+</p:sld>
+</file>
+
+<file path=ppt/slides/slide5.xml><?xml version="1.0" encoding="utf-8"?>
+<p:sld xmlns:a="http://schemas.openxmlformats.org/drawingml/2006/main" xmlns:r="http://schemas.openxmlformats.org/officeDocument/2006/relationships" xmlns:p="http://schemas.openxmlformats.org/presentationml/2006/main">
+  <p:cSld>
+    <p:spTree>
+      <p:nvGrpSpPr>
+        <p:cNvPr id="1" name=""/>
+        <p:cNvGrpSpPr/>
+        <p:nvPr/>
+      </p:nvGrpSpPr>
+      <p:grpSpPr>
+        <a:xfrm>
+          <a:off x="0" y="0"/>
+          <a:ext cx="0" cy="0"/>
+          <a:chOff x="0" y="0"/>
+          <a:chExt cx="0" cy="0"/>
+        </a:xfrm>
+      </p:grpSpPr>
+      <p:sp>
+        <p:nvSpPr>
+          <p:cNvPr id="2" name="Title 1"/>
+          <p:cNvSpPr>
+            <a:spLocks noGrp="1"/>
+          </p:cNvSpPr>
+          <p:nvPr>
+            <p:ph type="title"/>
+          </p:nvPr>
+        </p:nvSpPr>
         <p:spPr>
           <a:xfrm>
             <a:off x="6305550" y="2224368"/>
@@ -27972,15 +28509,7 @@
           <a:p>
             <a:r>
               <a:rPr lang="en-US" dirty="0" smtClean="0"/>
-              <a:t>You only need Python </a:t>
-            </a:r>
-            <a:r>
-              <a:rPr lang="en-US" dirty="0" smtClean="0"/>
-              <a:t>3.5+ </a:t>
-            </a:r>
-            <a:r>
-              <a:rPr lang="en-US" dirty="0" smtClean="0"/>
-              <a:t>to follow along!</a:t>
+              <a:t>You only need Python 3.5+ to follow along!</a:t>
             </a:r>
             <a:endParaRPr lang="en-US" dirty="0"/>
           </a:p>
@@ -28046,7 +28575,7 @@
           <a:p>
             <a:fld id="{D57F1E4F-1CFF-5643-939E-02111984F565}" type="slidenum">
               <a:rPr lang="en-US" smtClean="0"/>
-              <a:t>4</a:t>
+              <a:t>5</a:t>
             </a:fld>
             <a:endParaRPr lang="en-US" dirty="0"/>
           </a:p>
@@ -28056,145 +28585,6 @@
     <p:extLst>
       <p:ext uri="{BB962C8B-B14F-4D97-AF65-F5344CB8AC3E}">
         <p14:creationId xmlns:p14="http://schemas.microsoft.com/office/powerpoint/2010/main" val="1475032222"/>
-      </p:ext>
-    </p:extLst>
-  </p:cSld>
-  <p:clrMapOvr>
-    <a:masterClrMapping/>
-  </p:clrMapOvr>
-  <p:timing>
-    <p:tnLst>
-      <p:par>
-        <p:cTn id="1" dur="indefinite" restart="never" nodeType="tmRoot"/>
-      </p:par>
-    </p:tnLst>
-  </p:timing>
-</p:sld>
-</file>
-
-<file path=ppt/slides/slide5.xml><?xml version="1.0" encoding="utf-8"?>
-<p:sld xmlns:a="http://schemas.openxmlformats.org/drawingml/2006/main" xmlns:r="http://schemas.openxmlformats.org/officeDocument/2006/relationships" xmlns:p="http://schemas.openxmlformats.org/presentationml/2006/main">
-  <p:cSld>
-    <p:spTree>
-      <p:nvGrpSpPr>
-        <p:cNvPr id="1" name=""/>
-        <p:cNvGrpSpPr/>
-        <p:nvPr/>
-      </p:nvGrpSpPr>
-      <p:grpSpPr>
-        <a:xfrm>
-          <a:off x="0" y="0"/>
-          <a:ext cx="0" cy="0"/>
-          <a:chOff x="0" y="0"/>
-          <a:chExt cx="0" cy="0"/>
-        </a:xfrm>
-      </p:grpSpPr>
-      <p:sp>
-        <p:nvSpPr>
-          <p:cNvPr id="2" name="Title 1"/>
-          <p:cNvSpPr>
-            <a:spLocks noGrp="1"/>
-          </p:cNvSpPr>
-          <p:nvPr>
-            <p:ph type="title"/>
-          </p:nvPr>
-        </p:nvSpPr>
-        <p:spPr/>
-        <p:txBody>
-          <a:bodyPr/>
-          <a:lstStyle/>
-          <a:p>
-            <a:r>
-              <a:rPr lang="en-US" dirty="0" smtClean="0"/>
-              <a:t>Who am I? Nicholas Vogt</a:t>
-            </a:r>
-            <a:endParaRPr lang="en-US" dirty="0"/>
-          </a:p>
-        </p:txBody>
-      </p:sp>
-      <p:sp>
-        <p:nvSpPr>
-          <p:cNvPr id="3" name="Content Placeholder 2"/>
-          <p:cNvSpPr>
-            <a:spLocks noGrp="1"/>
-          </p:cNvSpPr>
-          <p:nvPr>
-            <p:ph idx="1"/>
-          </p:nvPr>
-        </p:nvSpPr>
-        <p:spPr/>
-        <p:txBody>
-          <a:bodyPr/>
-          <a:lstStyle/>
-          <a:p>
-            <a:r>
-              <a:rPr lang="en-US" dirty="0" smtClean="0"/>
-              <a:t>B.S. Economics</a:t>
-            </a:r>
-            <a:r>
-              <a:rPr lang="en-US" dirty="0"/>
-              <a:t> </a:t>
-            </a:r>
-            <a:r>
-              <a:rPr lang="en-US" dirty="0" smtClean="0"/>
-              <a:t>&amp; Computational Mathematics</a:t>
-            </a:r>
-          </a:p>
-          <a:p>
-            <a:r>
-              <a:rPr lang="en-US" dirty="0"/>
-              <a:t>Vice President, Co-Founder, MSU Data Science</a:t>
-            </a:r>
-            <a:endParaRPr lang="en-US" dirty="0" smtClean="0"/>
-          </a:p>
-          <a:p>
-            <a:r>
-              <a:rPr lang="en-US" dirty="0" smtClean="0"/>
-              <a:t>Future Data Scientist at Ford Motor Company</a:t>
-            </a:r>
-          </a:p>
-          <a:p>
-            <a:r>
-              <a:rPr lang="en-US" dirty="0" smtClean="0"/>
-              <a:t>Python Enthusiast</a:t>
-            </a:r>
-            <a:endParaRPr lang="en-US" dirty="0"/>
-          </a:p>
-          <a:p>
-            <a:r>
-              <a:rPr lang="en-US" dirty="0" smtClean="0"/>
-              <a:t>Sports Fanatic</a:t>
-            </a:r>
-          </a:p>
-        </p:txBody>
-      </p:sp>
-      <p:sp>
-        <p:nvSpPr>
-          <p:cNvPr id="4" name="Slide Number Placeholder 3"/>
-          <p:cNvSpPr>
-            <a:spLocks noGrp="1"/>
-          </p:cNvSpPr>
-          <p:nvPr>
-            <p:ph type="sldNum" sz="quarter" idx="12"/>
-          </p:nvPr>
-        </p:nvSpPr>
-        <p:spPr/>
-        <p:txBody>
-          <a:bodyPr/>
-          <a:lstStyle/>
-          <a:p>
-            <a:fld id="{D57F1E4F-1CFF-5643-939E-02111984F565}" type="slidenum">
-              <a:rPr lang="en-US" smtClean="0"/>
-              <a:t>5</a:t>
-            </a:fld>
-            <a:endParaRPr lang="en-US" dirty="0"/>
-          </a:p>
-        </p:txBody>
-      </p:sp>
-    </p:spTree>
-    <p:extLst>
-      <p:ext uri="{BB962C8B-B14F-4D97-AF65-F5344CB8AC3E}">
-        <p14:creationId xmlns:p14="http://schemas.microsoft.com/office/powerpoint/2010/main" val="3296893481"/>
       </p:ext>
     </p:extLst>
   </p:cSld>
@@ -28497,7 +28887,7 @@
           <a:p>
             <a:r>
               <a:rPr lang="en-US" dirty="0" smtClean="0"/>
-              <a:t>What’s Ahead</a:t>
+              <a:t>Presentation Format</a:t>
             </a:r>
             <a:endParaRPr lang="en-US" dirty="0"/>
           </a:p>
@@ -28531,7 +28921,7 @@
             </a:pPr>
             <a:r>
               <a:rPr lang="en-US" sz="1800" dirty="0" smtClean="0"/>
-              <a:t>Why Do I Need to Scrape?</a:t>
+              <a:t>State goals</a:t>
             </a:r>
           </a:p>
           <a:p>
@@ -28541,23 +28931,26 @@
             </a:pPr>
             <a:r>
               <a:rPr lang="en-US" sz="1800" dirty="0" smtClean="0"/>
-              <a:t>The </a:t>
-            </a:r>
-            <a:r>
-              <a:rPr lang="en-US" sz="1800" dirty="0" smtClean="0">
-                <a:latin typeface="Consolas" panose="020B0609020204030204" pitchFamily="49" charset="0"/>
-              </a:rPr>
-              <a:t>requests</a:t>
-            </a:r>
-            <a:r>
-              <a:rPr lang="en-US" sz="1800" dirty="0" smtClean="0"/>
-              <a:t> </a:t>
-            </a:r>
-            <a:r>
-              <a:rPr lang="en-US" sz="1800" dirty="0" smtClean="0"/>
-              <a:t>Library</a:t>
-            </a:r>
-            <a:endParaRPr lang="en-US" sz="1800" dirty="0"/>
+              <a:t>Explain the how and why</a:t>
+            </a:r>
+          </a:p>
+          <a:p>
+            <a:pPr marL="742950" lvl="1" indent="-285750">
+              <a:buFont typeface="Arial" panose="020B0604020202020204" pitchFamily="34" charset="0"/>
+              <a:buChar char="•"/>
+            </a:pPr>
+            <a:r>
+              <a:rPr lang="en-US" sz="1600" dirty="0" smtClean="0"/>
+              <a:t>Split b/t </a:t>
+            </a:r>
+            <a:r>
+              <a:rPr lang="en-US" sz="1600" dirty="0" err="1" smtClean="0"/>
+              <a:t>Powerpoint</a:t>
+            </a:r>
+            <a:r>
+              <a:rPr lang="en-US" sz="1600" dirty="0" smtClean="0"/>
+              <a:t> and Python</a:t>
+            </a:r>
           </a:p>
           <a:p>
             <a:pPr marL="285750" indent="-285750">
@@ -28566,8 +28959,9 @@
             </a:pPr>
             <a:r>
               <a:rPr lang="en-US" sz="1800" dirty="0" smtClean="0"/>
-              <a:t>Navigating HTML</a:t>
-            </a:r>
+              <a:t>Bonus tips for experienced users</a:t>
+            </a:r>
+            <a:endParaRPr lang="en-US" sz="1800" dirty="0" smtClean="0"/>
           </a:p>
           <a:p>
             <a:pPr marL="285750" indent="-285750">
@@ -28576,31 +28970,7 @@
             </a:pPr>
             <a:r>
               <a:rPr lang="en-US" sz="1800" dirty="0" smtClean="0"/>
-              <a:t>Crawling</a:t>
-            </a:r>
-          </a:p>
-          <a:p>
-            <a:pPr marL="285750" indent="-285750">
-              <a:buFont typeface="Arial" panose="020B0604020202020204" pitchFamily="34" charset="0"/>
-              <a:buChar char="•"/>
-            </a:pPr>
-            <a:r>
-              <a:rPr lang="en-US" sz="1800" dirty="0"/>
-              <a:t>Legal </a:t>
-            </a:r>
-            <a:r>
-              <a:rPr lang="en-US" sz="1800" dirty="0" smtClean="0"/>
-              <a:t>Stuff</a:t>
-            </a:r>
-          </a:p>
-          <a:p>
-            <a:pPr marL="285750" indent="-285750">
-              <a:buFont typeface="Arial" panose="020B0604020202020204" pitchFamily="34" charset="0"/>
-              <a:buChar char="•"/>
-            </a:pPr>
-            <a:r>
-              <a:rPr lang="en-US" sz="1800" dirty="0" smtClean="0"/>
-              <a:t>Program Architecture</a:t>
+              <a:t>Pause for questions after each section</a:t>
             </a:r>
           </a:p>
           <a:p>
@@ -28610,7 +28980,7 @@
             </a:pPr>
             <a:r>
               <a:rPr lang="en-US" sz="1600" dirty="0" smtClean="0"/>
-              <a:t>(Probably the most valuable part)</a:t>
+              <a:t>Focus on content rather than Python syntax</a:t>
             </a:r>
           </a:p>
         </p:txBody>
@@ -28684,7 +29054,7 @@
     </p:spTree>
     <p:extLst>
       <p:ext uri="{BB962C8B-B14F-4D97-AF65-F5344CB8AC3E}">
-        <p14:creationId xmlns:p14="http://schemas.microsoft.com/office/powerpoint/2010/main" val="382495023"/>
+        <p14:creationId xmlns:p14="http://schemas.microsoft.com/office/powerpoint/2010/main" val="2013821680"/>
       </p:ext>
     </p:extLst>
   </p:cSld>
@@ -28728,14 +29098,19 @@
             <p:ph type="title"/>
           </p:nvPr>
         </p:nvSpPr>
-        <p:spPr/>
+        <p:spPr>
+          <a:xfrm>
+            <a:off x="1154953" y="723900"/>
+            <a:ext cx="3401064" cy="1447800"/>
+          </a:xfrm>
+        </p:spPr>
         <p:txBody>
           <a:bodyPr/>
           <a:lstStyle/>
           <a:p>
             <a:r>
               <a:rPr lang="en-US" dirty="0" smtClean="0"/>
-              <a:t>Why Do I Need Web Scraping?</a:t>
+              <a:t>What’s Ahead</a:t>
             </a:r>
             <a:endParaRPr lang="en-US" dirty="0"/>
           </a:p>
@@ -28743,129 +29118,153 @@
       </p:sp>
       <p:sp>
         <p:nvSpPr>
-          <p:cNvPr id="3" name="Content Placeholder 2"/>
+          <p:cNvPr id="4" name="Text Placeholder 3"/>
           <p:cNvSpPr>
             <a:spLocks noGrp="1"/>
           </p:cNvSpPr>
           <p:nvPr>
+            <p:ph type="body" sz="half" idx="2"/>
+          </p:nvPr>
+        </p:nvSpPr>
+        <p:spPr>
+          <a:xfrm>
+            <a:off x="1154953" y="2501900"/>
+            <a:ext cx="4267947" cy="3522979"/>
+          </a:xfrm>
+        </p:spPr>
+        <p:txBody>
+          <a:bodyPr>
+            <a:noAutofit/>
+          </a:bodyPr>
+          <a:lstStyle/>
+          <a:p>
+            <a:pPr marL="285750" indent="-285750">
+              <a:buFont typeface="Arial" panose="020B0604020202020204" pitchFamily="34" charset="0"/>
+              <a:buChar char="•"/>
+            </a:pPr>
+            <a:r>
+              <a:rPr lang="en-US" sz="1800" dirty="0" smtClean="0"/>
+              <a:t>Why Do I Need to Scrape?</a:t>
+            </a:r>
+          </a:p>
+          <a:p>
+            <a:pPr marL="285750" indent="-285750">
+              <a:buFont typeface="Arial" panose="020B0604020202020204" pitchFamily="34" charset="0"/>
+              <a:buChar char="•"/>
+            </a:pPr>
+            <a:r>
+              <a:rPr lang="en-US" sz="1800" dirty="0" smtClean="0"/>
+              <a:t>The </a:t>
+            </a:r>
+            <a:r>
+              <a:rPr lang="en-US" sz="1800" dirty="0" smtClean="0">
+                <a:latin typeface="Consolas" panose="020B0609020204030204" pitchFamily="49" charset="0"/>
+              </a:rPr>
+              <a:t>requests</a:t>
+            </a:r>
+            <a:r>
+              <a:rPr lang="en-US" sz="1800" dirty="0" smtClean="0"/>
+              <a:t> Library</a:t>
+            </a:r>
+            <a:endParaRPr lang="en-US" sz="1800" dirty="0"/>
+          </a:p>
+          <a:p>
+            <a:pPr marL="285750" indent="-285750">
+              <a:buFont typeface="Arial" panose="020B0604020202020204" pitchFamily="34" charset="0"/>
+              <a:buChar char="•"/>
+            </a:pPr>
+            <a:r>
+              <a:rPr lang="en-US" sz="1800" dirty="0" smtClean="0"/>
+              <a:t>Navigating HTML</a:t>
+            </a:r>
+          </a:p>
+          <a:p>
+            <a:pPr marL="285750" indent="-285750">
+              <a:buFont typeface="Arial" panose="020B0604020202020204" pitchFamily="34" charset="0"/>
+              <a:buChar char="•"/>
+            </a:pPr>
+            <a:r>
+              <a:rPr lang="en-US" sz="1800" dirty="0" smtClean="0"/>
+              <a:t>Crawling</a:t>
+            </a:r>
+          </a:p>
+          <a:p>
+            <a:pPr marL="285750" indent="-285750">
+              <a:buFont typeface="Arial" panose="020B0604020202020204" pitchFamily="34" charset="0"/>
+              <a:buChar char="•"/>
+            </a:pPr>
+            <a:r>
+              <a:rPr lang="en-US" sz="1800" dirty="0"/>
+              <a:t>Legal </a:t>
+            </a:r>
+            <a:r>
+              <a:rPr lang="en-US" sz="1800" dirty="0" smtClean="0"/>
+              <a:t>Stuff</a:t>
+            </a:r>
+          </a:p>
+          <a:p>
+            <a:pPr marL="285750" indent="-285750">
+              <a:buFont typeface="Arial" panose="020B0604020202020204" pitchFamily="34" charset="0"/>
+              <a:buChar char="•"/>
+            </a:pPr>
+            <a:r>
+              <a:rPr lang="en-US" sz="1800" dirty="0" smtClean="0"/>
+              <a:t>Program </a:t>
+            </a:r>
+            <a:r>
+              <a:rPr lang="en-US" sz="1800" dirty="0" smtClean="0"/>
+              <a:t>Architecture</a:t>
+            </a:r>
+            <a:endParaRPr lang="en-US" sz="1800" dirty="0" smtClean="0"/>
+          </a:p>
+        </p:txBody>
+      </p:sp>
+      <p:pic>
+        <p:nvPicPr>
+          <p:cNvPr id="1026" name="Picture 2" descr="https://singbookswithemily.files.wordpress.com/2015/03/beautiful-soup-can-w-mock-turtle-coin.jpg"/>
+          <p:cNvPicPr>
+            <a:picLocks noGrp="1" noChangeAspect="1" noChangeArrowheads="1"/>
+          </p:cNvPicPr>
+          <p:nvPr>
             <p:ph idx="1"/>
           </p:nvPr>
-        </p:nvSpPr>
-        <p:spPr/>
-        <p:txBody>
-          <a:bodyPr>
-            <a:normAutofit/>
-          </a:bodyPr>
-          <a:lstStyle/>
-          <a:p>
-            <a:r>
-              <a:rPr lang="en-US" dirty="0" smtClean="0"/>
-              <a:t>Data Mining is Sexy</a:t>
-            </a:r>
-          </a:p>
-          <a:p>
-            <a:pPr lvl="1"/>
-            <a:r>
-              <a:rPr lang="en-US" dirty="0" smtClean="0"/>
-              <a:t>Web scraping is data mining’s less attractive, dumpy friend.</a:t>
-            </a:r>
-          </a:p>
-          <a:p>
-            <a:r>
-              <a:rPr lang="en-US" dirty="0" smtClean="0"/>
-              <a:t>You have an interesting question, but no data. What do you do?</a:t>
-            </a:r>
-          </a:p>
-          <a:p>
-            <a:pPr lvl="1"/>
-            <a:r>
-              <a:rPr lang="en-US" dirty="0" smtClean="0"/>
-              <a:t>Create your own data</a:t>
-            </a:r>
-          </a:p>
-          <a:p>
-            <a:pPr lvl="2"/>
-            <a:r>
-              <a:rPr lang="en-US" dirty="0" smtClean="0"/>
-              <a:t>Large companies can do this. </a:t>
-            </a:r>
-            <a:r>
-              <a:rPr lang="en-US" i="1" dirty="0" smtClean="0"/>
-              <a:t>You</a:t>
-            </a:r>
-            <a:r>
-              <a:rPr lang="en-US" dirty="0" smtClean="0"/>
-              <a:t> cannot do this.</a:t>
-            </a:r>
-          </a:p>
-          <a:p>
-            <a:pPr lvl="1"/>
-            <a:r>
-              <a:rPr lang="en-US" dirty="0" smtClean="0"/>
-              <a:t>Use </a:t>
-            </a:r>
-            <a:r>
-              <a:rPr lang="en-US" dirty="0"/>
-              <a:t>o</a:t>
-            </a:r>
-            <a:r>
-              <a:rPr lang="en-US" dirty="0" smtClean="0"/>
-              <a:t>pen data</a:t>
-            </a:r>
-          </a:p>
-          <a:p>
-            <a:pPr lvl="2"/>
-            <a:r>
-              <a:rPr lang="en-US" dirty="0" smtClean="0"/>
-              <a:t>/r/</a:t>
-            </a:r>
-            <a:r>
-              <a:rPr lang="en-US" dirty="0" err="1" smtClean="0"/>
-              <a:t>opendata</a:t>
-            </a:r>
-            <a:r>
-              <a:rPr lang="en-US" dirty="0" smtClean="0"/>
-              <a:t>, /r/datasets, various </a:t>
-            </a:r>
-            <a:r>
-              <a:rPr lang="en-US" dirty="0" err="1" smtClean="0"/>
-              <a:t>github</a:t>
-            </a:r>
-            <a:r>
-              <a:rPr lang="en-US" dirty="0" smtClean="0"/>
-              <a:t> repositories.</a:t>
-            </a:r>
-          </a:p>
-          <a:p>
-            <a:pPr lvl="1"/>
-            <a:r>
-              <a:rPr lang="en-US" dirty="0" smtClean="0"/>
-              <a:t> </a:t>
-            </a:r>
-            <a:r>
-              <a:rPr lang="en-US" strike="sngStrike" dirty="0" smtClean="0"/>
-              <a:t>Steal</a:t>
-            </a:r>
-            <a:r>
-              <a:rPr lang="en-US" dirty="0" smtClean="0"/>
-              <a:t> Scrape the data</a:t>
-            </a:r>
-          </a:p>
-          <a:p>
-            <a:pPr lvl="2"/>
-            <a:r>
-              <a:rPr lang="en-US" dirty="0" smtClean="0"/>
-              <a:t>Your weapon of last resort. </a:t>
-            </a:r>
-          </a:p>
-          <a:p>
-            <a:endParaRPr lang="en-US" dirty="0" smtClean="0"/>
-          </a:p>
-        </p:txBody>
-      </p:sp>
+        </p:nvPicPr>
+        <p:blipFill>
+          <a:blip r:embed="rId3">
+            <a:extLst>
+              <a:ext uri="{28A0092B-C50C-407E-A947-70E740481C1C}">
+                <a14:useLocalDpi xmlns:a14="http://schemas.microsoft.com/office/drawing/2010/main" val="0"/>
+              </a:ext>
+            </a:extLst>
+          </a:blip>
+          <a:srcRect/>
+          <a:stretch>
+            <a:fillRect/>
+          </a:stretch>
+        </p:blipFill>
+        <p:spPr bwMode="auto">
+          <a:xfrm>
+            <a:off x="5860846" y="1447800"/>
+            <a:ext cx="3043645" cy="4572000"/>
+          </a:xfrm>
+          <a:prstGeom prst="rect">
+            <a:avLst/>
+          </a:prstGeom>
+          <a:noFill/>
+          <a:extLst>
+            <a:ext uri="{909E8E84-426E-40DD-AFC4-6F175D3DCCD1}">
+              <a14:hiddenFill xmlns:a14="http://schemas.microsoft.com/office/drawing/2010/main">
+                <a:solidFill>
+                  <a:srgbClr val="FFFFFF"/>
+                </a:solidFill>
+              </a14:hiddenFill>
+            </a:ext>
+          </a:extLst>
+        </p:spPr>
+      </p:pic>
       <p:sp>
         <p:nvSpPr>
-          <p:cNvPr id="4" name="Slide Number Placeholder 3"/>
+          <p:cNvPr id="3" name="Slide Number Placeholder 2"/>
           <p:cNvSpPr>
             <a:spLocks noGrp="1"/>
           </p:cNvSpPr>
@@ -28889,7 +29288,7 @@
     </p:spTree>
     <p:extLst>
       <p:ext uri="{BB962C8B-B14F-4D97-AF65-F5344CB8AC3E}">
-        <p14:creationId xmlns:p14="http://schemas.microsoft.com/office/powerpoint/2010/main" val="946318614"/>
+        <p14:creationId xmlns:p14="http://schemas.microsoft.com/office/powerpoint/2010/main" val="382495023"/>
       </p:ext>
     </p:extLst>
   </p:cSld>

--- a/1 Web Scraping.pptx
+++ b/1 Web Scraping.pptx
@@ -5,48 +5,51 @@
     <p:sldMasterId id="2147483648" r:id="rId1"/>
   </p:sldMasterIdLst>
   <p:notesMasterIdLst>
-    <p:notesMasterId r:id="rId41"/>
+    <p:notesMasterId r:id="rId44"/>
   </p:notesMasterIdLst>
   <p:sldIdLst>
     <p:sldId id="256" r:id="rId2"/>
     <p:sldId id="265" r:id="rId3"/>
     <p:sldId id="257" r:id="rId4"/>
-    <p:sldId id="301" r:id="rId5"/>
+    <p:sldId id="266" r:id="rId5"/>
     <p:sldId id="272" r:id="rId6"/>
-    <p:sldId id="266" r:id="rId7"/>
-    <p:sldId id="304" r:id="rId8"/>
-    <p:sldId id="306" r:id="rId9"/>
-    <p:sldId id="259" r:id="rId10"/>
-    <p:sldId id="258" r:id="rId11"/>
-    <p:sldId id="268" r:id="rId12"/>
-    <p:sldId id="282" r:id="rId13"/>
-    <p:sldId id="281" r:id="rId14"/>
-    <p:sldId id="302" r:id="rId15"/>
-    <p:sldId id="280" r:id="rId16"/>
-    <p:sldId id="283" r:id="rId17"/>
-    <p:sldId id="286" r:id="rId18"/>
-    <p:sldId id="269" r:id="rId19"/>
-    <p:sldId id="260" r:id="rId20"/>
-    <p:sldId id="276" r:id="rId21"/>
-    <p:sldId id="278" r:id="rId22"/>
-    <p:sldId id="277" r:id="rId23"/>
-    <p:sldId id="270" r:id="rId24"/>
-    <p:sldId id="289" r:id="rId25"/>
-    <p:sldId id="288" r:id="rId26"/>
-    <p:sldId id="261" r:id="rId27"/>
-    <p:sldId id="293" r:id="rId28"/>
-    <p:sldId id="290" r:id="rId29"/>
-    <p:sldId id="294" r:id="rId30"/>
-    <p:sldId id="295" r:id="rId31"/>
-    <p:sldId id="296" r:id="rId32"/>
-    <p:sldId id="297" r:id="rId33"/>
-    <p:sldId id="287" r:id="rId34"/>
-    <p:sldId id="291" r:id="rId35"/>
-    <p:sldId id="264" r:id="rId36"/>
-    <p:sldId id="275" r:id="rId37"/>
-    <p:sldId id="298" r:id="rId38"/>
-    <p:sldId id="299" r:id="rId39"/>
-    <p:sldId id="300" r:id="rId40"/>
+    <p:sldId id="308" r:id="rId7"/>
+    <p:sldId id="310" r:id="rId8"/>
+    <p:sldId id="309" r:id="rId9"/>
+    <p:sldId id="304" r:id="rId10"/>
+    <p:sldId id="306" r:id="rId11"/>
+    <p:sldId id="259" r:id="rId12"/>
+    <p:sldId id="258" r:id="rId13"/>
+    <p:sldId id="268" r:id="rId14"/>
+    <p:sldId id="282" r:id="rId15"/>
+    <p:sldId id="301" r:id="rId16"/>
+    <p:sldId id="281" r:id="rId17"/>
+    <p:sldId id="302" r:id="rId18"/>
+    <p:sldId id="280" r:id="rId19"/>
+    <p:sldId id="283" r:id="rId20"/>
+    <p:sldId id="286" r:id="rId21"/>
+    <p:sldId id="269" r:id="rId22"/>
+    <p:sldId id="260" r:id="rId23"/>
+    <p:sldId id="276" r:id="rId24"/>
+    <p:sldId id="278" r:id="rId25"/>
+    <p:sldId id="277" r:id="rId26"/>
+    <p:sldId id="270" r:id="rId27"/>
+    <p:sldId id="289" r:id="rId28"/>
+    <p:sldId id="288" r:id="rId29"/>
+    <p:sldId id="261" r:id="rId30"/>
+    <p:sldId id="293" r:id="rId31"/>
+    <p:sldId id="290" r:id="rId32"/>
+    <p:sldId id="294" r:id="rId33"/>
+    <p:sldId id="295" r:id="rId34"/>
+    <p:sldId id="296" r:id="rId35"/>
+    <p:sldId id="297" r:id="rId36"/>
+    <p:sldId id="287" r:id="rId37"/>
+    <p:sldId id="291" r:id="rId38"/>
+    <p:sldId id="264" r:id="rId39"/>
+    <p:sldId id="275" r:id="rId40"/>
+    <p:sldId id="298" r:id="rId41"/>
+    <p:sldId id="299" r:id="rId42"/>
+    <p:sldId id="300" r:id="rId43"/>
   </p:sldIdLst>
   <p:sldSz cx="12192000" cy="6858000"/>
   <p:notesSz cx="6858000" cy="9144000"/>
@@ -153,15 +156,18 @@
             <p14:sldId id="256"/>
             <p14:sldId id="265"/>
             <p14:sldId id="257"/>
-            <p14:sldId id="301"/>
+            <p14:sldId id="266"/>
             <p14:sldId id="272"/>
-            <p14:sldId id="266"/>
+            <p14:sldId id="308"/>
+            <p14:sldId id="310"/>
+            <p14:sldId id="309"/>
             <p14:sldId id="304"/>
             <p14:sldId id="306"/>
             <p14:sldId id="259"/>
             <p14:sldId id="258"/>
             <p14:sldId id="268"/>
             <p14:sldId id="282"/>
+            <p14:sldId id="301"/>
           </p14:sldIdLst>
         </p14:section>
         <p14:section name="requests library" id="{2EE9FE6D-14E4-4BC0-8991-6F9836D01EC6}">
@@ -5322,1318 +5328,6 @@
       <dsp:cNvGrpSpPr/>
     </dsp:nvGrpSpPr>
     <dsp:grpSpPr/>
-    <dsp:sp modelId="{A0A4AD83-3F95-454E-8EFD-7A4D58A5823E}">
-      <dsp:nvSpPr>
-        <dsp:cNvPr id="0" name=""/>
-        <dsp:cNvSpPr/>
-      </dsp:nvSpPr>
-      <dsp:spPr>
-        <a:xfrm>
-          <a:off x="6403022" y="1930449"/>
-          <a:ext cx="167431" cy="733509"/>
-        </a:xfrm>
-        <a:custGeom>
-          <a:avLst/>
-          <a:gdLst/>
-          <a:ahLst/>
-          <a:cxnLst/>
-          <a:rect l="0" t="0" r="0" b="0"/>
-          <a:pathLst>
-            <a:path>
-              <a:moveTo>
-                <a:pt x="0" y="0"/>
-              </a:moveTo>
-              <a:lnTo>
-                <a:pt x="0" y="733509"/>
-              </a:lnTo>
-              <a:lnTo>
-                <a:pt x="167431" y="733509"/>
-              </a:lnTo>
-            </a:path>
-          </a:pathLst>
-        </a:custGeom>
-        <a:noFill/>
-        <a:ln w="19050" cap="rnd" cmpd="sng" algn="ctr">
-          <a:solidFill>
-            <a:schemeClr val="accent1">
-              <a:shade val="80000"/>
-              <a:hueOff val="0"/>
-              <a:satOff val="0"/>
-              <a:lumOff val="0"/>
-              <a:alphaOff val="0"/>
-            </a:schemeClr>
-          </a:solidFill>
-          <a:prstDash val="solid"/>
-        </a:ln>
-        <a:effectLst/>
-      </dsp:spPr>
-      <dsp:style>
-        <a:lnRef idx="2">
-          <a:scrgbClr r="0" g="0" b="0"/>
-        </a:lnRef>
-        <a:fillRef idx="0">
-          <a:scrgbClr r="0" g="0" b="0"/>
-        </a:fillRef>
-        <a:effectRef idx="0">
-          <a:scrgbClr r="0" g="0" b="0"/>
-        </a:effectRef>
-        <a:fontRef idx="minor"/>
-      </dsp:style>
-    </dsp:sp>
-    <dsp:sp modelId="{6D0CEE98-950C-46E0-BE9D-752CCF940233}">
-      <dsp:nvSpPr>
-        <dsp:cNvPr id="0" name=""/>
-        <dsp:cNvSpPr/>
-      </dsp:nvSpPr>
-      <dsp:spPr>
-        <a:xfrm>
-          <a:off x="6235591" y="1930449"/>
-          <a:ext cx="167431" cy="733509"/>
-        </a:xfrm>
-        <a:custGeom>
-          <a:avLst/>
-          <a:gdLst/>
-          <a:ahLst/>
-          <a:cxnLst/>
-          <a:rect l="0" t="0" r="0" b="0"/>
-          <a:pathLst>
-            <a:path>
-              <a:moveTo>
-                <a:pt x="167431" y="0"/>
-              </a:moveTo>
-              <a:lnTo>
-                <a:pt x="167431" y="733509"/>
-              </a:lnTo>
-              <a:lnTo>
-                <a:pt x="0" y="733509"/>
-              </a:lnTo>
-            </a:path>
-          </a:pathLst>
-        </a:custGeom>
-        <a:noFill/>
-        <a:ln w="19050" cap="rnd" cmpd="sng" algn="ctr">
-          <a:solidFill>
-            <a:schemeClr val="accent1">
-              <a:shade val="80000"/>
-              <a:hueOff val="0"/>
-              <a:satOff val="0"/>
-              <a:lumOff val="0"/>
-              <a:alphaOff val="0"/>
-            </a:schemeClr>
-          </a:solidFill>
-          <a:prstDash val="solid"/>
-        </a:ln>
-        <a:effectLst/>
-      </dsp:spPr>
-      <dsp:style>
-        <a:lnRef idx="2">
-          <a:scrgbClr r="0" g="0" b="0"/>
-        </a:lnRef>
-        <a:fillRef idx="0">
-          <a:scrgbClr r="0" g="0" b="0"/>
-        </a:fillRef>
-        <a:effectRef idx="0">
-          <a:scrgbClr r="0" g="0" b="0"/>
-        </a:effectRef>
-        <a:fontRef idx="minor"/>
-      </dsp:style>
-    </dsp:sp>
-    <dsp:sp modelId="{D1E6D966-301E-475F-8C52-AE0046E288DF}">
-      <dsp:nvSpPr>
-        <dsp:cNvPr id="0" name=""/>
-        <dsp:cNvSpPr/>
-      </dsp:nvSpPr>
-      <dsp:spPr>
-        <a:xfrm>
-          <a:off x="4473574" y="798294"/>
-          <a:ext cx="1132155" cy="733509"/>
-        </a:xfrm>
-        <a:custGeom>
-          <a:avLst/>
-          <a:gdLst/>
-          <a:ahLst/>
-          <a:cxnLst/>
-          <a:rect l="0" t="0" r="0" b="0"/>
-          <a:pathLst>
-            <a:path>
-              <a:moveTo>
-                <a:pt x="0" y="0"/>
-              </a:moveTo>
-              <a:lnTo>
-                <a:pt x="0" y="733509"/>
-              </a:lnTo>
-              <a:lnTo>
-                <a:pt x="1132155" y="733509"/>
-              </a:lnTo>
-            </a:path>
-          </a:pathLst>
-        </a:custGeom>
-        <a:noFill/>
-        <a:ln w="19050" cap="rnd" cmpd="sng" algn="ctr">
-          <a:solidFill>
-            <a:schemeClr val="accent1">
-              <a:shade val="60000"/>
-              <a:hueOff val="0"/>
-              <a:satOff val="0"/>
-              <a:lumOff val="0"/>
-              <a:alphaOff val="0"/>
-            </a:schemeClr>
-          </a:solidFill>
-          <a:prstDash val="solid"/>
-        </a:ln>
-        <a:effectLst/>
-      </dsp:spPr>
-      <dsp:style>
-        <a:lnRef idx="2">
-          <a:scrgbClr r="0" g="0" b="0"/>
-        </a:lnRef>
-        <a:fillRef idx="0">
-          <a:scrgbClr r="0" g="0" b="0"/>
-        </a:fillRef>
-        <a:effectRef idx="0">
-          <a:scrgbClr r="0" g="0" b="0"/>
-        </a:effectRef>
-        <a:fontRef idx="minor"/>
-      </dsp:style>
-    </dsp:sp>
-    <dsp:sp modelId="{412F66D9-3CE8-4F81-BD2F-0DDF5AE8BE15}">
-      <dsp:nvSpPr>
-        <dsp:cNvPr id="0" name=""/>
-        <dsp:cNvSpPr/>
-      </dsp:nvSpPr>
-      <dsp:spPr>
-        <a:xfrm>
-          <a:off x="3341419" y="1930449"/>
-          <a:ext cx="167431" cy="733509"/>
-        </a:xfrm>
-        <a:custGeom>
-          <a:avLst/>
-          <a:gdLst/>
-          <a:ahLst/>
-          <a:cxnLst/>
-          <a:rect l="0" t="0" r="0" b="0"/>
-          <a:pathLst>
-            <a:path>
-              <a:moveTo>
-                <a:pt x="167431" y="0"/>
-              </a:moveTo>
-              <a:lnTo>
-                <a:pt x="167431" y="733509"/>
-              </a:lnTo>
-              <a:lnTo>
-                <a:pt x="0" y="733509"/>
-              </a:lnTo>
-            </a:path>
-          </a:pathLst>
-        </a:custGeom>
-        <a:noFill/>
-        <a:ln w="19050" cap="rnd" cmpd="sng" algn="ctr">
-          <a:solidFill>
-            <a:schemeClr val="accent1">
-              <a:shade val="80000"/>
-              <a:hueOff val="0"/>
-              <a:satOff val="0"/>
-              <a:lumOff val="0"/>
-              <a:alphaOff val="0"/>
-            </a:schemeClr>
-          </a:solidFill>
-          <a:prstDash val="solid"/>
-        </a:ln>
-        <a:effectLst/>
-      </dsp:spPr>
-      <dsp:style>
-        <a:lnRef idx="2">
-          <a:scrgbClr r="0" g="0" b="0"/>
-        </a:lnRef>
-        <a:fillRef idx="0">
-          <a:scrgbClr r="0" g="0" b="0"/>
-        </a:fillRef>
-        <a:effectRef idx="0">
-          <a:scrgbClr r="0" g="0" b="0"/>
-        </a:effectRef>
-        <a:fontRef idx="minor"/>
-      </dsp:style>
-    </dsp:sp>
-    <dsp:sp modelId="{D7F994C2-7F69-42D9-8049-51A90081921F}">
-      <dsp:nvSpPr>
-        <dsp:cNvPr id="0" name=""/>
-        <dsp:cNvSpPr/>
-      </dsp:nvSpPr>
-      <dsp:spPr>
-        <a:xfrm>
-          <a:off x="4306143" y="798294"/>
-          <a:ext cx="167431" cy="733509"/>
-        </a:xfrm>
-        <a:custGeom>
-          <a:avLst/>
-          <a:gdLst/>
-          <a:ahLst/>
-          <a:cxnLst/>
-          <a:rect l="0" t="0" r="0" b="0"/>
-          <a:pathLst>
-            <a:path>
-              <a:moveTo>
-                <a:pt x="167431" y="0"/>
-              </a:moveTo>
-              <a:lnTo>
-                <a:pt x="167431" y="733509"/>
-              </a:lnTo>
-              <a:lnTo>
-                <a:pt x="0" y="733509"/>
-              </a:lnTo>
-            </a:path>
-          </a:pathLst>
-        </a:custGeom>
-        <a:noFill/>
-        <a:ln w="19050" cap="rnd" cmpd="sng" algn="ctr">
-          <a:solidFill>
-            <a:schemeClr val="accent1">
-              <a:shade val="60000"/>
-              <a:hueOff val="0"/>
-              <a:satOff val="0"/>
-              <a:lumOff val="0"/>
-              <a:alphaOff val="0"/>
-            </a:schemeClr>
-          </a:solidFill>
-          <a:prstDash val="solid"/>
-        </a:ln>
-        <a:effectLst/>
-      </dsp:spPr>
-      <dsp:style>
-        <a:lnRef idx="2">
-          <a:scrgbClr r="0" g="0" b="0"/>
-        </a:lnRef>
-        <a:fillRef idx="0">
-          <a:scrgbClr r="0" g="0" b="0"/>
-        </a:fillRef>
-        <a:effectRef idx="0">
-          <a:scrgbClr r="0" g="0" b="0"/>
-        </a:effectRef>
-        <a:fontRef idx="minor"/>
-      </dsp:style>
-    </dsp:sp>
-    <dsp:sp modelId="{6D2E717F-881B-46C7-934A-56F90CC9DB1F}">
-      <dsp:nvSpPr>
-        <dsp:cNvPr id="0" name=""/>
-        <dsp:cNvSpPr/>
-      </dsp:nvSpPr>
-      <dsp:spPr>
-        <a:xfrm>
-          <a:off x="4473574" y="798294"/>
-          <a:ext cx="2894171" cy="2599173"/>
-        </a:xfrm>
-        <a:custGeom>
-          <a:avLst/>
-          <a:gdLst/>
-          <a:ahLst/>
-          <a:cxnLst/>
-          <a:rect l="0" t="0" r="0" b="0"/>
-          <a:pathLst>
-            <a:path>
-              <a:moveTo>
-                <a:pt x="0" y="0"/>
-              </a:moveTo>
-              <a:lnTo>
-                <a:pt x="0" y="2431741"/>
-              </a:lnTo>
-              <a:lnTo>
-                <a:pt x="2894171" y="2431741"/>
-              </a:lnTo>
-              <a:lnTo>
-                <a:pt x="2894171" y="2599173"/>
-              </a:lnTo>
-            </a:path>
-          </a:pathLst>
-        </a:custGeom>
-        <a:noFill/>
-        <a:ln w="19050" cap="rnd" cmpd="sng" algn="ctr">
-          <a:solidFill>
-            <a:schemeClr val="accent1">
-              <a:shade val="60000"/>
-              <a:hueOff val="0"/>
-              <a:satOff val="0"/>
-              <a:lumOff val="0"/>
-              <a:alphaOff val="0"/>
-            </a:schemeClr>
-          </a:solidFill>
-          <a:prstDash val="solid"/>
-        </a:ln>
-        <a:effectLst/>
-      </dsp:spPr>
-      <dsp:style>
-        <a:lnRef idx="2">
-          <a:scrgbClr r="0" g="0" b="0"/>
-        </a:lnRef>
-        <a:fillRef idx="0">
-          <a:scrgbClr r="0" g="0" b="0"/>
-        </a:fillRef>
-        <a:effectRef idx="0">
-          <a:scrgbClr r="0" g="0" b="0"/>
-        </a:effectRef>
-        <a:fontRef idx="minor"/>
-      </dsp:style>
-    </dsp:sp>
-    <dsp:sp modelId="{81FD1D1E-74F9-4760-B490-6CF016DDA012}">
-      <dsp:nvSpPr>
-        <dsp:cNvPr id="0" name=""/>
-        <dsp:cNvSpPr/>
-      </dsp:nvSpPr>
-      <dsp:spPr>
-        <a:xfrm>
-          <a:off x="4473574" y="798294"/>
-          <a:ext cx="964723" cy="2599173"/>
-        </a:xfrm>
-        <a:custGeom>
-          <a:avLst/>
-          <a:gdLst/>
-          <a:ahLst/>
-          <a:cxnLst/>
-          <a:rect l="0" t="0" r="0" b="0"/>
-          <a:pathLst>
-            <a:path>
-              <a:moveTo>
-                <a:pt x="0" y="0"/>
-              </a:moveTo>
-              <a:lnTo>
-                <a:pt x="0" y="2431741"/>
-              </a:lnTo>
-              <a:lnTo>
-                <a:pt x="964723" y="2431741"/>
-              </a:lnTo>
-              <a:lnTo>
-                <a:pt x="964723" y="2599173"/>
-              </a:lnTo>
-            </a:path>
-          </a:pathLst>
-        </a:custGeom>
-        <a:noFill/>
-        <a:ln w="19050" cap="rnd" cmpd="sng" algn="ctr">
-          <a:solidFill>
-            <a:schemeClr val="accent1">
-              <a:shade val="60000"/>
-              <a:hueOff val="0"/>
-              <a:satOff val="0"/>
-              <a:lumOff val="0"/>
-              <a:alphaOff val="0"/>
-            </a:schemeClr>
-          </a:solidFill>
-          <a:prstDash val="solid"/>
-        </a:ln>
-        <a:effectLst/>
-      </dsp:spPr>
-      <dsp:style>
-        <a:lnRef idx="2">
-          <a:scrgbClr r="0" g="0" b="0"/>
-        </a:lnRef>
-        <a:fillRef idx="0">
-          <a:scrgbClr r="0" g="0" b="0"/>
-        </a:fillRef>
-        <a:effectRef idx="0">
-          <a:scrgbClr r="0" g="0" b="0"/>
-        </a:effectRef>
-        <a:fontRef idx="minor"/>
-      </dsp:style>
-    </dsp:sp>
-    <dsp:sp modelId="{99E35ADB-0E65-434B-A111-5F36B125A0AC}">
-      <dsp:nvSpPr>
-        <dsp:cNvPr id="0" name=""/>
-        <dsp:cNvSpPr/>
-      </dsp:nvSpPr>
-      <dsp:spPr>
-        <a:xfrm>
-          <a:off x="3508851" y="798294"/>
-          <a:ext cx="964723" cy="2599173"/>
-        </a:xfrm>
-        <a:custGeom>
-          <a:avLst/>
-          <a:gdLst/>
-          <a:ahLst/>
-          <a:cxnLst/>
-          <a:rect l="0" t="0" r="0" b="0"/>
-          <a:pathLst>
-            <a:path>
-              <a:moveTo>
-                <a:pt x="964723" y="0"/>
-              </a:moveTo>
-              <a:lnTo>
-                <a:pt x="964723" y="2431741"/>
-              </a:lnTo>
-              <a:lnTo>
-                <a:pt x="0" y="2431741"/>
-              </a:lnTo>
-              <a:lnTo>
-                <a:pt x="0" y="2599173"/>
-              </a:lnTo>
-            </a:path>
-          </a:pathLst>
-        </a:custGeom>
-        <a:noFill/>
-        <a:ln w="19050" cap="rnd" cmpd="sng" algn="ctr">
-          <a:solidFill>
-            <a:schemeClr val="accent1">
-              <a:shade val="60000"/>
-              <a:hueOff val="0"/>
-              <a:satOff val="0"/>
-              <a:lumOff val="0"/>
-              <a:alphaOff val="0"/>
-            </a:schemeClr>
-          </a:solidFill>
-          <a:prstDash val="solid"/>
-        </a:ln>
-        <a:effectLst/>
-      </dsp:spPr>
-      <dsp:style>
-        <a:lnRef idx="2">
-          <a:scrgbClr r="0" g="0" b="0"/>
-        </a:lnRef>
-        <a:fillRef idx="0">
-          <a:scrgbClr r="0" g="0" b="0"/>
-        </a:fillRef>
-        <a:effectRef idx="0">
-          <a:scrgbClr r="0" g="0" b="0"/>
-        </a:effectRef>
-        <a:fontRef idx="minor"/>
-      </dsp:style>
-    </dsp:sp>
-    <dsp:sp modelId="{8908DE9D-ABD1-469B-A59D-C2912D296CB9}">
-      <dsp:nvSpPr>
-        <dsp:cNvPr id="0" name=""/>
-        <dsp:cNvSpPr/>
-      </dsp:nvSpPr>
-      <dsp:spPr>
-        <a:xfrm>
-          <a:off x="1579403" y="798294"/>
-          <a:ext cx="2894171" cy="2599173"/>
-        </a:xfrm>
-        <a:custGeom>
-          <a:avLst/>
-          <a:gdLst/>
-          <a:ahLst/>
-          <a:cxnLst/>
-          <a:rect l="0" t="0" r="0" b="0"/>
-          <a:pathLst>
-            <a:path>
-              <a:moveTo>
-                <a:pt x="2894171" y="0"/>
-              </a:moveTo>
-              <a:lnTo>
-                <a:pt x="2894171" y="2431741"/>
-              </a:lnTo>
-              <a:lnTo>
-                <a:pt x="0" y="2431741"/>
-              </a:lnTo>
-              <a:lnTo>
-                <a:pt x="0" y="2599173"/>
-              </a:lnTo>
-            </a:path>
-          </a:pathLst>
-        </a:custGeom>
-        <a:noFill/>
-        <a:ln w="19050" cap="rnd" cmpd="sng" algn="ctr">
-          <a:solidFill>
-            <a:schemeClr val="accent1">
-              <a:shade val="60000"/>
-              <a:hueOff val="0"/>
-              <a:satOff val="0"/>
-              <a:lumOff val="0"/>
-              <a:alphaOff val="0"/>
-            </a:schemeClr>
-          </a:solidFill>
-          <a:prstDash val="solid"/>
-        </a:ln>
-        <a:effectLst/>
-      </dsp:spPr>
-      <dsp:style>
-        <a:lnRef idx="2">
-          <a:scrgbClr r="0" g="0" b="0"/>
-        </a:lnRef>
-        <a:fillRef idx="0">
-          <a:scrgbClr r="0" g="0" b="0"/>
-        </a:fillRef>
-        <a:effectRef idx="0">
-          <a:scrgbClr r="0" g="0" b="0"/>
-        </a:effectRef>
-        <a:fontRef idx="minor"/>
-      </dsp:style>
-    </dsp:sp>
-    <dsp:sp modelId="{43FF3914-308D-4F90-BA4A-17E953742314}">
-      <dsp:nvSpPr>
-        <dsp:cNvPr id="0" name=""/>
-        <dsp:cNvSpPr/>
-      </dsp:nvSpPr>
-      <dsp:spPr>
-        <a:xfrm>
-          <a:off x="3676282" y="1001"/>
-          <a:ext cx="1594584" cy="797292"/>
-        </a:xfrm>
-        <a:prstGeom prst="rect">
-          <a:avLst/>
-        </a:prstGeom>
-        <a:solidFill>
-          <a:schemeClr val="accent1">
-            <a:hueOff val="0"/>
-            <a:satOff val="0"/>
-            <a:lumOff val="0"/>
-            <a:alphaOff val="0"/>
-          </a:schemeClr>
-        </a:solidFill>
-        <a:ln w="19050" cap="rnd" cmpd="sng" algn="ctr">
-          <a:solidFill>
-            <a:schemeClr val="lt1">
-              <a:hueOff val="0"/>
-              <a:satOff val="0"/>
-              <a:lumOff val="0"/>
-              <a:alphaOff val="0"/>
-            </a:schemeClr>
-          </a:solidFill>
-          <a:prstDash val="solid"/>
-        </a:ln>
-        <a:effectLst/>
-      </dsp:spPr>
-      <dsp:style>
-        <a:lnRef idx="2">
-          <a:scrgbClr r="0" g="0" b="0"/>
-        </a:lnRef>
-        <a:fillRef idx="1">
-          <a:scrgbClr r="0" g="0" b="0"/>
-        </a:fillRef>
-        <a:effectRef idx="0">
-          <a:scrgbClr r="0" g="0" b="0"/>
-        </a:effectRef>
-        <a:fontRef idx="minor">
-          <a:schemeClr val="lt1"/>
-        </a:fontRef>
-      </dsp:style>
-      <dsp:txBody>
-        <a:bodyPr spcFirstLastPara="0" vert="horz" wrap="square" lIns="8255" tIns="8255" rIns="8255" bIns="8255" numCol="1" spcCol="1270" anchor="ctr" anchorCtr="0">
-          <a:noAutofit/>
-        </a:bodyPr>
-        <a:lstStyle/>
-        <a:p>
-          <a:pPr lvl="0" algn="ctr" defTabSz="577850">
-            <a:lnSpc>
-              <a:spcPct val="90000"/>
-            </a:lnSpc>
-            <a:spcBef>
-              <a:spcPct val="0"/>
-            </a:spcBef>
-            <a:spcAft>
-              <a:spcPct val="35000"/>
-            </a:spcAft>
-          </a:pPr>
-          <a:r>
-            <a:rPr lang="en-US" sz="1300" kern="1200" dirty="0" smtClean="0"/>
-            <a:t>Nick’s Workshops</a:t>
-          </a:r>
-          <a:endParaRPr lang="en-US" sz="1300" kern="1200" dirty="0"/>
-        </a:p>
-      </dsp:txBody>
-      <dsp:txXfrm>
-        <a:off x="3676282" y="1001"/>
-        <a:ext cx="1594584" cy="797292"/>
-      </dsp:txXfrm>
-    </dsp:sp>
-    <dsp:sp modelId="{857903D6-923A-4009-B9D7-652F80152976}">
-      <dsp:nvSpPr>
-        <dsp:cNvPr id="0" name=""/>
-        <dsp:cNvSpPr/>
-      </dsp:nvSpPr>
-      <dsp:spPr>
-        <a:xfrm>
-          <a:off x="782111" y="3397467"/>
-          <a:ext cx="1594584" cy="797292"/>
-        </a:xfrm>
-        <a:prstGeom prst="rect">
-          <a:avLst/>
-        </a:prstGeom>
-        <a:solidFill>
-          <a:schemeClr val="accent1">
-            <a:hueOff val="0"/>
-            <a:satOff val="0"/>
-            <a:lumOff val="0"/>
-            <a:alphaOff val="0"/>
-          </a:schemeClr>
-        </a:solidFill>
-        <a:ln w="19050" cap="rnd" cmpd="sng" algn="ctr">
-          <a:solidFill>
-            <a:schemeClr val="lt1">
-              <a:hueOff val="0"/>
-              <a:satOff val="0"/>
-              <a:lumOff val="0"/>
-              <a:alphaOff val="0"/>
-            </a:schemeClr>
-          </a:solidFill>
-          <a:prstDash val="solid"/>
-        </a:ln>
-        <a:effectLst/>
-      </dsp:spPr>
-      <dsp:style>
-        <a:lnRef idx="2">
-          <a:scrgbClr r="0" g="0" b="0"/>
-        </a:lnRef>
-        <a:fillRef idx="1">
-          <a:scrgbClr r="0" g="0" b="0"/>
-        </a:fillRef>
-        <a:effectRef idx="0">
-          <a:scrgbClr r="0" g="0" b="0"/>
-        </a:effectRef>
-        <a:fontRef idx="minor">
-          <a:schemeClr val="lt1"/>
-        </a:fontRef>
-      </dsp:style>
-      <dsp:txBody>
-        <a:bodyPr spcFirstLastPara="0" vert="horz" wrap="square" lIns="8255" tIns="8255" rIns="8255" bIns="8255" numCol="1" spcCol="1270" anchor="ctr" anchorCtr="0">
-          <a:noAutofit/>
-        </a:bodyPr>
-        <a:lstStyle/>
-        <a:p>
-          <a:pPr lvl="0" algn="ctr" defTabSz="577850">
-            <a:lnSpc>
-              <a:spcPct val="90000"/>
-            </a:lnSpc>
-            <a:spcBef>
-              <a:spcPct val="0"/>
-            </a:spcBef>
-            <a:spcAft>
-              <a:spcPct val="35000"/>
-            </a:spcAft>
-          </a:pPr>
-          <a:r>
-            <a:rPr lang="en-US" sz="1300" kern="1200" dirty="0" smtClean="0"/>
-            <a:t>1 Web Scraping with BeautifulSoup.pptx</a:t>
-          </a:r>
-          <a:endParaRPr lang="en-US" sz="1300" kern="1200" dirty="0"/>
-        </a:p>
-      </dsp:txBody>
-      <dsp:txXfrm>
-        <a:off x="782111" y="3397467"/>
-        <a:ext cx="1594584" cy="797292"/>
-      </dsp:txXfrm>
-    </dsp:sp>
-    <dsp:sp modelId="{BA727F91-8384-4C2B-8A88-CE67BB9DEDB4}">
-      <dsp:nvSpPr>
-        <dsp:cNvPr id="0" name=""/>
-        <dsp:cNvSpPr/>
-      </dsp:nvSpPr>
-      <dsp:spPr>
-        <a:xfrm>
-          <a:off x="2711558" y="3397467"/>
-          <a:ext cx="1594584" cy="797292"/>
-        </a:xfrm>
-        <a:prstGeom prst="rect">
-          <a:avLst/>
-        </a:prstGeom>
-        <a:solidFill>
-          <a:schemeClr val="accent1">
-            <a:hueOff val="0"/>
-            <a:satOff val="0"/>
-            <a:lumOff val="0"/>
-            <a:alphaOff val="0"/>
-          </a:schemeClr>
-        </a:solidFill>
-        <a:ln w="19050" cap="rnd" cmpd="sng" algn="ctr">
-          <a:solidFill>
-            <a:schemeClr val="lt1">
-              <a:hueOff val="0"/>
-              <a:satOff val="0"/>
-              <a:lumOff val="0"/>
-              <a:alphaOff val="0"/>
-            </a:schemeClr>
-          </a:solidFill>
-          <a:prstDash val="solid"/>
-        </a:ln>
-        <a:effectLst/>
-      </dsp:spPr>
-      <dsp:style>
-        <a:lnRef idx="2">
-          <a:scrgbClr r="0" g="0" b="0"/>
-        </a:lnRef>
-        <a:fillRef idx="1">
-          <a:scrgbClr r="0" g="0" b="0"/>
-        </a:fillRef>
-        <a:effectRef idx="0">
-          <a:scrgbClr r="0" g="0" b="0"/>
-        </a:effectRef>
-        <a:fontRef idx="minor">
-          <a:schemeClr val="lt1"/>
-        </a:fontRef>
-      </dsp:style>
-      <dsp:txBody>
-        <a:bodyPr spcFirstLastPara="0" vert="horz" wrap="square" lIns="8255" tIns="8255" rIns="8255" bIns="8255" numCol="1" spcCol="1270" anchor="ctr" anchorCtr="0">
-          <a:noAutofit/>
-        </a:bodyPr>
-        <a:lstStyle/>
-        <a:p>
-          <a:pPr lvl="0" algn="ctr" defTabSz="577850">
-            <a:lnSpc>
-              <a:spcPct val="90000"/>
-            </a:lnSpc>
-            <a:spcBef>
-              <a:spcPct val="0"/>
-            </a:spcBef>
-            <a:spcAft>
-              <a:spcPct val="35000"/>
-            </a:spcAft>
-          </a:pPr>
-          <a:r>
-            <a:rPr lang="en-US" sz="1300" kern="1200" smtClean="0"/>
-            <a:t>2 Mining and Feature Engineering.pptx</a:t>
-          </a:r>
-          <a:endParaRPr lang="en-US" sz="1300" kern="1200" dirty="0" smtClean="0"/>
-        </a:p>
-      </dsp:txBody>
-      <dsp:txXfrm>
-        <a:off x="2711558" y="3397467"/>
-        <a:ext cx="1594584" cy="797292"/>
-      </dsp:txXfrm>
-    </dsp:sp>
-    <dsp:sp modelId="{264AA752-9F96-4898-86CD-18D0F403C648}">
-      <dsp:nvSpPr>
-        <dsp:cNvPr id="0" name=""/>
-        <dsp:cNvSpPr/>
-      </dsp:nvSpPr>
-      <dsp:spPr>
-        <a:xfrm>
-          <a:off x="4641006" y="3397467"/>
-          <a:ext cx="1594584" cy="797292"/>
-        </a:xfrm>
-        <a:prstGeom prst="rect">
-          <a:avLst/>
-        </a:prstGeom>
-        <a:solidFill>
-          <a:schemeClr val="accent1">
-            <a:hueOff val="0"/>
-            <a:satOff val="0"/>
-            <a:lumOff val="0"/>
-            <a:alphaOff val="0"/>
-          </a:schemeClr>
-        </a:solidFill>
-        <a:ln w="19050" cap="rnd" cmpd="sng" algn="ctr">
-          <a:solidFill>
-            <a:schemeClr val="lt1">
-              <a:hueOff val="0"/>
-              <a:satOff val="0"/>
-              <a:lumOff val="0"/>
-              <a:alphaOff val="0"/>
-            </a:schemeClr>
-          </a:solidFill>
-          <a:prstDash val="solid"/>
-        </a:ln>
-        <a:effectLst/>
-      </dsp:spPr>
-      <dsp:style>
-        <a:lnRef idx="2">
-          <a:scrgbClr r="0" g="0" b="0"/>
-        </a:lnRef>
-        <a:fillRef idx="1">
-          <a:scrgbClr r="0" g="0" b="0"/>
-        </a:fillRef>
-        <a:effectRef idx="0">
-          <a:scrgbClr r="0" g="0" b="0"/>
-        </a:effectRef>
-        <a:fontRef idx="minor">
-          <a:schemeClr val="lt1"/>
-        </a:fontRef>
-      </dsp:style>
-      <dsp:txBody>
-        <a:bodyPr spcFirstLastPara="0" vert="horz" wrap="square" lIns="8255" tIns="8255" rIns="8255" bIns="8255" numCol="1" spcCol="1270" anchor="ctr" anchorCtr="0">
-          <a:noAutofit/>
-        </a:bodyPr>
-        <a:lstStyle/>
-        <a:p>
-          <a:pPr lvl="0" algn="ctr" defTabSz="577850">
-            <a:lnSpc>
-              <a:spcPct val="90000"/>
-            </a:lnSpc>
-            <a:spcBef>
-              <a:spcPct val="0"/>
-            </a:spcBef>
-            <a:spcAft>
-              <a:spcPct val="35000"/>
-            </a:spcAft>
-          </a:pPr>
-          <a:r>
-            <a:rPr lang="en-US" sz="1300" kern="1200" smtClean="0"/>
-            <a:t>3 Choosing a Model.pptx</a:t>
-          </a:r>
-          <a:endParaRPr lang="en-US" sz="1300" kern="1200" dirty="0" smtClean="0"/>
-        </a:p>
-      </dsp:txBody>
-      <dsp:txXfrm>
-        <a:off x="4641006" y="3397467"/>
-        <a:ext cx="1594584" cy="797292"/>
-      </dsp:txXfrm>
-    </dsp:sp>
-    <dsp:sp modelId="{8321E97F-F96A-4C3D-B1A7-5A0B36A1C082}">
-      <dsp:nvSpPr>
-        <dsp:cNvPr id="0" name=""/>
-        <dsp:cNvSpPr/>
-      </dsp:nvSpPr>
-      <dsp:spPr>
-        <a:xfrm>
-          <a:off x="6570454" y="3397467"/>
-          <a:ext cx="1594584" cy="797292"/>
-        </a:xfrm>
-        <a:prstGeom prst="rect">
-          <a:avLst/>
-        </a:prstGeom>
-        <a:solidFill>
-          <a:schemeClr val="accent1">
-            <a:hueOff val="0"/>
-            <a:satOff val="0"/>
-            <a:lumOff val="0"/>
-            <a:alphaOff val="0"/>
-          </a:schemeClr>
-        </a:solidFill>
-        <a:ln w="19050" cap="rnd" cmpd="sng" algn="ctr">
-          <a:solidFill>
-            <a:schemeClr val="lt1">
-              <a:hueOff val="0"/>
-              <a:satOff val="0"/>
-              <a:lumOff val="0"/>
-              <a:alphaOff val="0"/>
-            </a:schemeClr>
-          </a:solidFill>
-          <a:prstDash val="solid"/>
-        </a:ln>
-        <a:effectLst/>
-      </dsp:spPr>
-      <dsp:style>
-        <a:lnRef idx="2">
-          <a:scrgbClr r="0" g="0" b="0"/>
-        </a:lnRef>
-        <a:fillRef idx="1">
-          <a:scrgbClr r="0" g="0" b="0"/>
-        </a:fillRef>
-        <a:effectRef idx="0">
-          <a:scrgbClr r="0" g="0" b="0"/>
-        </a:effectRef>
-        <a:fontRef idx="minor">
-          <a:schemeClr val="lt1"/>
-        </a:fontRef>
-      </dsp:style>
-      <dsp:txBody>
-        <a:bodyPr spcFirstLastPara="0" vert="horz" wrap="square" lIns="8255" tIns="8255" rIns="8255" bIns="8255" numCol="1" spcCol="1270" anchor="ctr" anchorCtr="0">
-          <a:noAutofit/>
-        </a:bodyPr>
-        <a:lstStyle/>
-        <a:p>
-          <a:pPr lvl="0" algn="ctr" defTabSz="577850">
-            <a:lnSpc>
-              <a:spcPct val="90000"/>
-            </a:lnSpc>
-            <a:spcBef>
-              <a:spcPct val="0"/>
-            </a:spcBef>
-            <a:spcAft>
-              <a:spcPct val="35000"/>
-            </a:spcAft>
-          </a:pPr>
-          <a:r>
-            <a:rPr lang="en-US" sz="1300" kern="1200" smtClean="0"/>
-            <a:t>4 Model Evaluation.pptx</a:t>
-          </a:r>
-          <a:endParaRPr lang="en-US" sz="1300" kern="1200" dirty="0" smtClean="0"/>
-        </a:p>
-      </dsp:txBody>
-      <dsp:txXfrm>
-        <a:off x="6570454" y="3397467"/>
-        <a:ext cx="1594584" cy="797292"/>
-      </dsp:txXfrm>
-    </dsp:sp>
-    <dsp:sp modelId="{2F8105D8-F8C8-461A-9AEB-CF07AB4A31CF}">
-      <dsp:nvSpPr>
-        <dsp:cNvPr id="0" name=""/>
-        <dsp:cNvSpPr/>
-      </dsp:nvSpPr>
-      <dsp:spPr>
-        <a:xfrm>
-          <a:off x="2711558" y="1133157"/>
-          <a:ext cx="1594584" cy="797292"/>
-        </a:xfrm>
-        <a:prstGeom prst="rect">
-          <a:avLst/>
-        </a:prstGeom>
-        <a:solidFill>
-          <a:schemeClr val="accent1">
-            <a:hueOff val="0"/>
-            <a:satOff val="0"/>
-            <a:lumOff val="0"/>
-            <a:alphaOff val="0"/>
-          </a:schemeClr>
-        </a:solidFill>
-        <a:ln w="19050" cap="rnd" cmpd="sng" algn="ctr">
-          <a:solidFill>
-            <a:schemeClr val="lt1">
-              <a:hueOff val="0"/>
-              <a:satOff val="0"/>
-              <a:lumOff val="0"/>
-              <a:alphaOff val="0"/>
-            </a:schemeClr>
-          </a:solidFill>
-          <a:prstDash val="solid"/>
-        </a:ln>
-        <a:effectLst/>
-      </dsp:spPr>
-      <dsp:style>
-        <a:lnRef idx="2">
-          <a:scrgbClr r="0" g="0" b="0"/>
-        </a:lnRef>
-        <a:fillRef idx="1">
-          <a:scrgbClr r="0" g="0" b="0"/>
-        </a:fillRef>
-        <a:effectRef idx="0">
-          <a:scrgbClr r="0" g="0" b="0"/>
-        </a:effectRef>
-        <a:fontRef idx="minor">
-          <a:schemeClr val="lt1"/>
-        </a:fontRef>
-      </dsp:style>
-      <dsp:txBody>
-        <a:bodyPr spcFirstLastPara="0" vert="horz" wrap="square" lIns="8255" tIns="8255" rIns="8255" bIns="8255" numCol="1" spcCol="1270" anchor="ctr" anchorCtr="0">
-          <a:noAutofit/>
-        </a:bodyPr>
-        <a:lstStyle/>
-        <a:p>
-          <a:pPr lvl="0" algn="ctr" defTabSz="577850">
-            <a:lnSpc>
-              <a:spcPct val="90000"/>
-            </a:lnSpc>
-            <a:spcBef>
-              <a:spcPct val="0"/>
-            </a:spcBef>
-            <a:spcAft>
-              <a:spcPct val="35000"/>
-            </a:spcAft>
-          </a:pPr>
-          <a:r>
-            <a:rPr lang="en-US" sz="1300" kern="1200" dirty="0" smtClean="0"/>
-            <a:t>/data</a:t>
-          </a:r>
-          <a:endParaRPr lang="en-US" sz="1300" kern="1200" dirty="0"/>
-        </a:p>
-      </dsp:txBody>
-      <dsp:txXfrm>
-        <a:off x="2711558" y="1133157"/>
-        <a:ext cx="1594584" cy="797292"/>
-      </dsp:txXfrm>
-    </dsp:sp>
-    <dsp:sp modelId="{75D86200-1305-4C21-ABF6-53C1C9812393}">
-      <dsp:nvSpPr>
-        <dsp:cNvPr id="0" name=""/>
-        <dsp:cNvSpPr/>
-      </dsp:nvSpPr>
-      <dsp:spPr>
-        <a:xfrm>
-          <a:off x="1746834" y="2265312"/>
-          <a:ext cx="1594584" cy="797292"/>
-        </a:xfrm>
-        <a:prstGeom prst="rect">
-          <a:avLst/>
-        </a:prstGeom>
-        <a:solidFill>
-          <a:schemeClr val="accent1">
-            <a:hueOff val="0"/>
-            <a:satOff val="0"/>
-            <a:lumOff val="0"/>
-            <a:alphaOff val="0"/>
-          </a:schemeClr>
-        </a:solidFill>
-        <a:ln w="19050" cap="rnd" cmpd="sng" algn="ctr">
-          <a:solidFill>
-            <a:schemeClr val="lt1">
-              <a:hueOff val="0"/>
-              <a:satOff val="0"/>
-              <a:lumOff val="0"/>
-              <a:alphaOff val="0"/>
-            </a:schemeClr>
-          </a:solidFill>
-          <a:prstDash val="solid"/>
-        </a:ln>
-        <a:effectLst/>
-      </dsp:spPr>
-      <dsp:style>
-        <a:lnRef idx="2">
-          <a:scrgbClr r="0" g="0" b="0"/>
-        </a:lnRef>
-        <a:fillRef idx="1">
-          <a:scrgbClr r="0" g="0" b="0"/>
-        </a:fillRef>
-        <a:effectRef idx="0">
-          <a:scrgbClr r="0" g="0" b="0"/>
-        </a:effectRef>
-        <a:fontRef idx="minor">
-          <a:schemeClr val="lt1"/>
-        </a:fontRef>
-      </dsp:style>
-      <dsp:txBody>
-        <a:bodyPr spcFirstLastPara="0" vert="horz" wrap="square" lIns="8255" tIns="8255" rIns="8255" bIns="8255" numCol="1" spcCol="1270" anchor="ctr" anchorCtr="0">
-          <a:noAutofit/>
-        </a:bodyPr>
-        <a:lstStyle/>
-        <a:p>
-          <a:pPr lvl="0" algn="ctr" defTabSz="577850">
-            <a:lnSpc>
-              <a:spcPct val="90000"/>
-            </a:lnSpc>
-            <a:spcBef>
-              <a:spcPct val="0"/>
-            </a:spcBef>
-            <a:spcAft>
-              <a:spcPct val="35000"/>
-            </a:spcAft>
-          </a:pPr>
-          <a:r>
-            <a:rPr lang="en-US" sz="1300" kern="1200" dirty="0" err="1" smtClean="0"/>
-            <a:t>cbb</a:t>
-          </a:r>
-          <a:r>
-            <a:rPr lang="en-US" sz="1300" kern="1200" dirty="0" smtClean="0"/>
-            <a:t>-scores…</a:t>
-          </a:r>
-          <a:endParaRPr lang="en-US" sz="1300" kern="1200" dirty="0"/>
-        </a:p>
-      </dsp:txBody>
-      <dsp:txXfrm>
-        <a:off x="1746834" y="2265312"/>
-        <a:ext cx="1594584" cy="797292"/>
-      </dsp:txXfrm>
-    </dsp:sp>
-    <dsp:sp modelId="{80CB30EF-2042-4DAB-B81E-BFC2D3BCB688}">
-      <dsp:nvSpPr>
-        <dsp:cNvPr id="0" name=""/>
-        <dsp:cNvSpPr/>
-      </dsp:nvSpPr>
-      <dsp:spPr>
-        <a:xfrm>
-          <a:off x="5605730" y="1133157"/>
-          <a:ext cx="1594584" cy="797292"/>
-        </a:xfrm>
-        <a:prstGeom prst="rect">
-          <a:avLst/>
-        </a:prstGeom>
-        <a:solidFill>
-          <a:schemeClr val="accent1">
-            <a:hueOff val="0"/>
-            <a:satOff val="0"/>
-            <a:lumOff val="0"/>
-            <a:alphaOff val="0"/>
-          </a:schemeClr>
-        </a:solidFill>
-        <a:ln w="19050" cap="rnd" cmpd="sng" algn="ctr">
-          <a:solidFill>
-            <a:schemeClr val="lt1">
-              <a:hueOff val="0"/>
-              <a:satOff val="0"/>
-              <a:lumOff val="0"/>
-              <a:alphaOff val="0"/>
-            </a:schemeClr>
-          </a:solidFill>
-          <a:prstDash val="solid"/>
-        </a:ln>
-        <a:effectLst/>
-      </dsp:spPr>
-      <dsp:style>
-        <a:lnRef idx="2">
-          <a:scrgbClr r="0" g="0" b="0"/>
-        </a:lnRef>
-        <a:fillRef idx="1">
-          <a:scrgbClr r="0" g="0" b="0"/>
-        </a:fillRef>
-        <a:effectRef idx="0">
-          <a:scrgbClr r="0" g="0" b="0"/>
-        </a:effectRef>
-        <a:fontRef idx="minor">
-          <a:schemeClr val="lt1"/>
-        </a:fontRef>
-      </dsp:style>
-      <dsp:txBody>
-        <a:bodyPr spcFirstLastPara="0" vert="horz" wrap="square" lIns="8255" tIns="8255" rIns="8255" bIns="8255" numCol="1" spcCol="1270" anchor="ctr" anchorCtr="0">
-          <a:noAutofit/>
-        </a:bodyPr>
-        <a:lstStyle/>
-        <a:p>
-          <a:pPr lvl="0" algn="ctr" defTabSz="577850">
-            <a:lnSpc>
-              <a:spcPct val="90000"/>
-            </a:lnSpc>
-            <a:spcBef>
-              <a:spcPct val="0"/>
-            </a:spcBef>
-            <a:spcAft>
-              <a:spcPct val="35000"/>
-            </a:spcAft>
-          </a:pPr>
-          <a:r>
-            <a:rPr lang="en-US" sz="1300" kern="1200" dirty="0" smtClean="0"/>
-            <a:t>/</a:t>
-          </a:r>
-          <a:r>
-            <a:rPr lang="en-US" sz="1300" kern="1200" dirty="0" err="1" smtClean="0"/>
-            <a:t>src</a:t>
-          </a:r>
-          <a:endParaRPr lang="en-US" sz="1300" kern="1200" dirty="0"/>
-        </a:p>
-      </dsp:txBody>
-      <dsp:txXfrm>
-        <a:off x="5605730" y="1133157"/>
-        <a:ext cx="1594584" cy="797292"/>
-      </dsp:txXfrm>
-    </dsp:sp>
-    <dsp:sp modelId="{AD15BC69-FE60-4521-99BF-85708947F5AA}">
-      <dsp:nvSpPr>
-        <dsp:cNvPr id="0" name=""/>
-        <dsp:cNvSpPr/>
-      </dsp:nvSpPr>
-      <dsp:spPr>
-        <a:xfrm>
-          <a:off x="4641006" y="2265312"/>
-          <a:ext cx="1594584" cy="797292"/>
-        </a:xfrm>
-        <a:prstGeom prst="rect">
-          <a:avLst/>
-        </a:prstGeom>
-        <a:solidFill>
-          <a:schemeClr val="accent1">
-            <a:hueOff val="0"/>
-            <a:satOff val="0"/>
-            <a:lumOff val="0"/>
-            <a:alphaOff val="0"/>
-          </a:schemeClr>
-        </a:solidFill>
-        <a:ln w="19050" cap="rnd" cmpd="sng" algn="ctr">
-          <a:solidFill>
-            <a:schemeClr val="lt1">
-              <a:hueOff val="0"/>
-              <a:satOff val="0"/>
-              <a:lumOff val="0"/>
-              <a:alphaOff val="0"/>
-            </a:schemeClr>
-          </a:solidFill>
-          <a:prstDash val="solid"/>
-        </a:ln>
-        <a:effectLst/>
-      </dsp:spPr>
-      <dsp:style>
-        <a:lnRef idx="2">
-          <a:scrgbClr r="0" g="0" b="0"/>
-        </a:lnRef>
-        <a:fillRef idx="1">
-          <a:scrgbClr r="0" g="0" b="0"/>
-        </a:fillRef>
-        <a:effectRef idx="0">
-          <a:scrgbClr r="0" g="0" b="0"/>
-        </a:effectRef>
-        <a:fontRef idx="minor">
-          <a:schemeClr val="lt1"/>
-        </a:fontRef>
-      </dsp:style>
-      <dsp:txBody>
-        <a:bodyPr spcFirstLastPara="0" vert="horz" wrap="square" lIns="8255" tIns="8255" rIns="8255" bIns="8255" numCol="1" spcCol="1270" anchor="ctr" anchorCtr="0">
-          <a:noAutofit/>
-        </a:bodyPr>
-        <a:lstStyle/>
-        <a:p>
-          <a:pPr lvl="0" algn="ctr" defTabSz="577850">
-            <a:lnSpc>
-              <a:spcPct val="90000"/>
-            </a:lnSpc>
-            <a:spcBef>
-              <a:spcPct val="0"/>
-            </a:spcBef>
-            <a:spcAft>
-              <a:spcPct val="35000"/>
-            </a:spcAft>
-          </a:pPr>
-          <a:r>
-            <a:rPr lang="en-US" sz="1300" kern="1200" dirty="0" smtClean="0"/>
-            <a:t>Scraper.py</a:t>
-          </a:r>
-          <a:endParaRPr lang="en-US" sz="1300" kern="1200" dirty="0"/>
-        </a:p>
-      </dsp:txBody>
-      <dsp:txXfrm>
-        <a:off x="4641006" y="2265312"/>
-        <a:ext cx="1594584" cy="797292"/>
-      </dsp:txXfrm>
-    </dsp:sp>
-    <dsp:sp modelId="{71712256-5060-4300-83A6-B00847658845}">
-      <dsp:nvSpPr>
-        <dsp:cNvPr id="0" name=""/>
-        <dsp:cNvSpPr/>
-      </dsp:nvSpPr>
-      <dsp:spPr>
-        <a:xfrm>
-          <a:off x="6570454" y="2265312"/>
-          <a:ext cx="1594584" cy="797292"/>
-        </a:xfrm>
-        <a:prstGeom prst="rect">
-          <a:avLst/>
-        </a:prstGeom>
-        <a:solidFill>
-          <a:schemeClr val="accent1">
-            <a:hueOff val="0"/>
-            <a:satOff val="0"/>
-            <a:lumOff val="0"/>
-            <a:alphaOff val="0"/>
-          </a:schemeClr>
-        </a:solidFill>
-        <a:ln w="19050" cap="rnd" cmpd="sng" algn="ctr">
-          <a:solidFill>
-            <a:schemeClr val="lt1">
-              <a:hueOff val="0"/>
-              <a:satOff val="0"/>
-              <a:lumOff val="0"/>
-              <a:alphaOff val="0"/>
-            </a:schemeClr>
-          </a:solidFill>
-          <a:prstDash val="solid"/>
-        </a:ln>
-        <a:effectLst/>
-      </dsp:spPr>
-      <dsp:style>
-        <a:lnRef idx="2">
-          <a:scrgbClr r="0" g="0" b="0"/>
-        </a:lnRef>
-        <a:fillRef idx="1">
-          <a:scrgbClr r="0" g="0" b="0"/>
-        </a:fillRef>
-        <a:effectRef idx="0">
-          <a:scrgbClr r="0" g="0" b="0"/>
-        </a:effectRef>
-        <a:fontRef idx="minor">
-          <a:schemeClr val="lt1"/>
-        </a:fontRef>
-      </dsp:style>
-      <dsp:txBody>
-        <a:bodyPr spcFirstLastPara="0" vert="horz" wrap="square" lIns="8255" tIns="8255" rIns="8255" bIns="8255" numCol="1" spcCol="1270" anchor="ctr" anchorCtr="0">
-          <a:noAutofit/>
-        </a:bodyPr>
-        <a:lstStyle/>
-        <a:p>
-          <a:pPr lvl="0" algn="ctr" defTabSz="577850">
-            <a:lnSpc>
-              <a:spcPct val="90000"/>
-            </a:lnSpc>
-            <a:spcBef>
-              <a:spcPct val="0"/>
-            </a:spcBef>
-            <a:spcAft>
-              <a:spcPct val="35000"/>
-            </a:spcAft>
-          </a:pPr>
-          <a:r>
-            <a:rPr lang="en-US" sz="1300" kern="1200" dirty="0" smtClean="0"/>
-            <a:t>web-scraping…</a:t>
-          </a:r>
-          <a:endParaRPr lang="en-US" sz="1300" kern="1200" dirty="0"/>
-        </a:p>
-      </dsp:txBody>
-      <dsp:txXfrm>
-        <a:off x="6570454" y="2265312"/>
-        <a:ext cx="1594584" cy="797292"/>
-      </dsp:txXfrm>
-    </dsp:sp>
   </dsp:spTree>
 </dsp:drawing>
 </file>
@@ -6646,1208 +5340,6 @@
       <dsp:cNvGrpSpPr/>
     </dsp:nvGrpSpPr>
     <dsp:grpSpPr/>
-    <dsp:sp modelId="{B5284699-9B8C-4EB1-9115-B09448B43637}">
-      <dsp:nvSpPr>
-        <dsp:cNvPr id="0" name=""/>
-        <dsp:cNvSpPr/>
-      </dsp:nvSpPr>
-      <dsp:spPr>
-        <a:xfrm>
-          <a:off x="6288955" y="2534753"/>
-          <a:ext cx="1273537" cy="567934"/>
-        </a:xfrm>
-        <a:custGeom>
-          <a:avLst/>
-          <a:gdLst/>
-          <a:ahLst/>
-          <a:cxnLst/>
-          <a:rect l="0" t="0" r="0" b="0"/>
-          <a:pathLst>
-            <a:path>
-              <a:moveTo>
-                <a:pt x="0" y="0"/>
-              </a:moveTo>
-              <a:lnTo>
-                <a:pt x="0" y="338576"/>
-              </a:lnTo>
-              <a:lnTo>
-                <a:pt x="1273537" y="338576"/>
-              </a:lnTo>
-              <a:lnTo>
-                <a:pt x="1273537" y="567934"/>
-              </a:lnTo>
-            </a:path>
-          </a:pathLst>
-        </a:custGeom>
-        <a:noFill/>
-        <a:ln w="19050" cap="rnd" cmpd="sng" algn="ctr">
-          <a:solidFill>
-            <a:schemeClr val="accent1">
-              <a:shade val="80000"/>
-              <a:hueOff val="0"/>
-              <a:satOff val="0"/>
-              <a:lumOff val="0"/>
-              <a:alphaOff val="0"/>
-            </a:schemeClr>
-          </a:solidFill>
-          <a:prstDash val="solid"/>
-        </a:ln>
-        <a:effectLst/>
-      </dsp:spPr>
-      <dsp:style>
-        <a:lnRef idx="2">
-          <a:scrgbClr r="0" g="0" b="0"/>
-        </a:lnRef>
-        <a:fillRef idx="0">
-          <a:scrgbClr r="0" g="0" b="0"/>
-        </a:fillRef>
-        <a:effectRef idx="0">
-          <a:scrgbClr r="0" g="0" b="0"/>
-        </a:effectRef>
-        <a:fontRef idx="minor"/>
-      </dsp:style>
-    </dsp:sp>
-    <dsp:sp modelId="{ADE171C0-DB64-407C-B361-F999AF72977D}">
-      <dsp:nvSpPr>
-        <dsp:cNvPr id="0" name=""/>
-        <dsp:cNvSpPr/>
-      </dsp:nvSpPr>
-      <dsp:spPr>
-        <a:xfrm>
-          <a:off x="5015418" y="2534753"/>
-          <a:ext cx="1273537" cy="567934"/>
-        </a:xfrm>
-        <a:custGeom>
-          <a:avLst/>
-          <a:gdLst/>
-          <a:ahLst/>
-          <a:cxnLst/>
-          <a:rect l="0" t="0" r="0" b="0"/>
-          <a:pathLst>
-            <a:path>
-              <a:moveTo>
-                <a:pt x="1273537" y="0"/>
-              </a:moveTo>
-              <a:lnTo>
-                <a:pt x="1273537" y="338576"/>
-              </a:lnTo>
-              <a:lnTo>
-                <a:pt x="0" y="338576"/>
-              </a:lnTo>
-              <a:lnTo>
-                <a:pt x="0" y="567934"/>
-              </a:lnTo>
-            </a:path>
-          </a:pathLst>
-        </a:custGeom>
-        <a:noFill/>
-        <a:ln w="19050" cap="rnd" cmpd="sng" algn="ctr">
-          <a:solidFill>
-            <a:schemeClr val="accent1">
-              <a:shade val="80000"/>
-              <a:hueOff val="0"/>
-              <a:satOff val="0"/>
-              <a:lumOff val="0"/>
-              <a:alphaOff val="0"/>
-            </a:schemeClr>
-          </a:solidFill>
-          <a:prstDash val="solid"/>
-        </a:ln>
-        <a:effectLst/>
-      </dsp:spPr>
-      <dsp:style>
-        <a:lnRef idx="2">
-          <a:scrgbClr r="0" g="0" b="0"/>
-        </a:lnRef>
-        <a:fillRef idx="0">
-          <a:scrgbClr r="0" g="0" b="0"/>
-        </a:fillRef>
-        <a:effectRef idx="0">
-          <a:scrgbClr r="0" g="0" b="0"/>
-        </a:effectRef>
-        <a:fontRef idx="minor"/>
-      </dsp:style>
-    </dsp:sp>
-    <dsp:sp modelId="{93BD2DE6-25B6-4F4F-B97B-5CD255C38FCF}">
-      <dsp:nvSpPr>
-        <dsp:cNvPr id="0" name=""/>
-        <dsp:cNvSpPr/>
-      </dsp:nvSpPr>
-      <dsp:spPr>
-        <a:xfrm>
-          <a:off x="3741880" y="983855"/>
-          <a:ext cx="1597820" cy="1059415"/>
-        </a:xfrm>
-        <a:custGeom>
-          <a:avLst/>
-          <a:gdLst/>
-          <a:ahLst/>
-          <a:cxnLst/>
-          <a:rect l="0" t="0" r="0" b="0"/>
-          <a:pathLst>
-            <a:path>
-              <a:moveTo>
-                <a:pt x="0" y="0"/>
-              </a:moveTo>
-              <a:lnTo>
-                <a:pt x="0" y="1059415"/>
-              </a:lnTo>
-              <a:lnTo>
-                <a:pt x="1597820" y="1059415"/>
-              </a:lnTo>
-            </a:path>
-          </a:pathLst>
-        </a:custGeom>
-        <a:noFill/>
-        <a:ln w="19050" cap="rnd" cmpd="sng" algn="ctr">
-          <a:solidFill>
-            <a:schemeClr val="accent1">
-              <a:shade val="60000"/>
-              <a:hueOff val="0"/>
-              <a:satOff val="0"/>
-              <a:lumOff val="0"/>
-              <a:alphaOff val="0"/>
-            </a:schemeClr>
-          </a:solidFill>
-          <a:prstDash val="solid"/>
-        </a:ln>
-        <a:effectLst/>
-      </dsp:spPr>
-      <dsp:style>
-        <a:lnRef idx="2">
-          <a:scrgbClr r="0" g="0" b="0"/>
-        </a:lnRef>
-        <a:fillRef idx="0">
-          <a:scrgbClr r="0" g="0" b="0"/>
-        </a:fillRef>
-        <a:effectRef idx="0">
-          <a:scrgbClr r="0" g="0" b="0"/>
-        </a:effectRef>
-        <a:fontRef idx="minor"/>
-      </dsp:style>
-    </dsp:sp>
-    <dsp:sp modelId="{D85A22FA-2BCC-4169-A3C8-BC1AA25D8404}">
-      <dsp:nvSpPr>
-        <dsp:cNvPr id="0" name=""/>
-        <dsp:cNvSpPr/>
-      </dsp:nvSpPr>
-      <dsp:spPr>
-        <a:xfrm>
-          <a:off x="2144059" y="2534753"/>
-          <a:ext cx="324283" cy="1059415"/>
-        </a:xfrm>
-        <a:custGeom>
-          <a:avLst/>
-          <a:gdLst/>
-          <a:ahLst/>
-          <a:cxnLst/>
-          <a:rect l="0" t="0" r="0" b="0"/>
-          <a:pathLst>
-            <a:path>
-              <a:moveTo>
-                <a:pt x="324283" y="0"/>
-              </a:moveTo>
-              <a:lnTo>
-                <a:pt x="324283" y="1059415"/>
-              </a:lnTo>
-              <a:lnTo>
-                <a:pt x="0" y="1059415"/>
-              </a:lnTo>
-            </a:path>
-          </a:pathLst>
-        </a:custGeom>
-        <a:noFill/>
-        <a:ln w="19050" cap="rnd" cmpd="sng" algn="ctr">
-          <a:solidFill>
-            <a:schemeClr val="accent1">
-              <a:shade val="80000"/>
-              <a:hueOff val="0"/>
-              <a:satOff val="0"/>
-              <a:lumOff val="0"/>
-              <a:alphaOff val="0"/>
-            </a:schemeClr>
-          </a:solidFill>
-          <a:prstDash val="solid"/>
-        </a:ln>
-        <a:effectLst/>
-      </dsp:spPr>
-      <dsp:style>
-        <a:lnRef idx="2">
-          <a:scrgbClr r="0" g="0" b="0"/>
-        </a:lnRef>
-        <a:fillRef idx="0">
-          <a:scrgbClr r="0" g="0" b="0"/>
-        </a:fillRef>
-        <a:effectRef idx="0">
-          <a:scrgbClr r="0" g="0" b="0"/>
-        </a:effectRef>
-        <a:fontRef idx="minor"/>
-      </dsp:style>
-    </dsp:sp>
-    <dsp:sp modelId="{59B338BB-B822-4BDD-A904-A0BEEC455DB2}">
-      <dsp:nvSpPr>
-        <dsp:cNvPr id="0" name=""/>
-        <dsp:cNvSpPr/>
-      </dsp:nvSpPr>
-      <dsp:spPr>
-        <a:xfrm>
-          <a:off x="3417597" y="983855"/>
-          <a:ext cx="324283" cy="1059415"/>
-        </a:xfrm>
-        <a:custGeom>
-          <a:avLst/>
-          <a:gdLst/>
-          <a:ahLst/>
-          <a:cxnLst/>
-          <a:rect l="0" t="0" r="0" b="0"/>
-          <a:pathLst>
-            <a:path>
-              <a:moveTo>
-                <a:pt x="324283" y="0"/>
-              </a:moveTo>
-              <a:lnTo>
-                <a:pt x="324283" y="1059415"/>
-              </a:lnTo>
-              <a:lnTo>
-                <a:pt x="0" y="1059415"/>
-              </a:lnTo>
-            </a:path>
-          </a:pathLst>
-        </a:custGeom>
-        <a:noFill/>
-        <a:ln w="19050" cap="rnd" cmpd="sng" algn="ctr">
-          <a:solidFill>
-            <a:schemeClr val="accent1">
-              <a:shade val="60000"/>
-              <a:hueOff val="0"/>
-              <a:satOff val="0"/>
-              <a:lumOff val="0"/>
-              <a:alphaOff val="0"/>
-            </a:schemeClr>
-          </a:solidFill>
-          <a:prstDash val="solid"/>
-        </a:ln>
-        <a:effectLst/>
-      </dsp:spPr>
-      <dsp:style>
-        <a:lnRef idx="2">
-          <a:scrgbClr r="0" g="0" b="0"/>
-        </a:lnRef>
-        <a:fillRef idx="0">
-          <a:scrgbClr r="0" g="0" b="0"/>
-        </a:fillRef>
-        <a:effectRef idx="0">
-          <a:scrgbClr r="0" g="0" b="0"/>
-        </a:effectRef>
-        <a:fontRef idx="minor"/>
-      </dsp:style>
-    </dsp:sp>
-    <dsp:sp modelId="{25B9C48D-5038-4128-A7F0-C32EBEF0B530}">
-      <dsp:nvSpPr>
-        <dsp:cNvPr id="0" name=""/>
-        <dsp:cNvSpPr/>
-      </dsp:nvSpPr>
-      <dsp:spPr>
-        <a:xfrm>
-          <a:off x="2792626" y="892"/>
-          <a:ext cx="1898507" cy="982963"/>
-        </a:xfrm>
-        <a:prstGeom prst="rect">
-          <a:avLst/>
-        </a:prstGeom>
-        <a:solidFill>
-          <a:schemeClr val="accent1">
-            <a:hueOff val="0"/>
-            <a:satOff val="0"/>
-            <a:lumOff val="0"/>
-            <a:alphaOff val="0"/>
-          </a:schemeClr>
-        </a:solidFill>
-        <a:ln w="19050" cap="rnd" cmpd="sng" algn="ctr">
-          <a:solidFill>
-            <a:schemeClr val="lt1">
-              <a:hueOff val="0"/>
-              <a:satOff val="0"/>
-              <a:lumOff val="0"/>
-              <a:alphaOff val="0"/>
-            </a:schemeClr>
-          </a:solidFill>
-          <a:prstDash val="solid"/>
-        </a:ln>
-        <a:effectLst/>
-      </dsp:spPr>
-      <dsp:style>
-        <a:lnRef idx="2">
-          <a:scrgbClr r="0" g="0" b="0"/>
-        </a:lnRef>
-        <a:fillRef idx="1">
-          <a:scrgbClr r="0" g="0" b="0"/>
-        </a:fillRef>
-        <a:effectRef idx="0">
-          <a:scrgbClr r="0" g="0" b="0"/>
-        </a:effectRef>
-        <a:fontRef idx="minor">
-          <a:schemeClr val="lt1"/>
-        </a:fontRef>
-      </dsp:style>
-      <dsp:txBody>
-        <a:bodyPr spcFirstLastPara="0" vert="horz" wrap="square" lIns="34290" tIns="34290" rIns="34290" bIns="138707" numCol="1" spcCol="1270" anchor="ctr" anchorCtr="0">
-          <a:noAutofit/>
-        </a:bodyPr>
-        <a:lstStyle/>
-        <a:p>
-          <a:pPr lvl="0" algn="ctr" defTabSz="2400300">
-            <a:lnSpc>
-              <a:spcPct val="90000"/>
-            </a:lnSpc>
-            <a:spcBef>
-              <a:spcPct val="0"/>
-            </a:spcBef>
-            <a:spcAft>
-              <a:spcPct val="35000"/>
-            </a:spcAft>
-          </a:pPr>
-          <a:r>
-            <a:rPr lang="en-US" sz="5400" kern="1200" dirty="0" smtClean="0"/>
-            <a:t>HTML</a:t>
-          </a:r>
-          <a:endParaRPr lang="en-US" sz="5400" kern="1200" dirty="0"/>
-        </a:p>
-      </dsp:txBody>
-      <dsp:txXfrm>
-        <a:off x="2792626" y="892"/>
-        <a:ext cx="1898507" cy="982963"/>
-      </dsp:txXfrm>
-    </dsp:sp>
-    <dsp:sp modelId="{55595938-3EE0-412D-834F-85C5B02DB0A5}">
-      <dsp:nvSpPr>
-        <dsp:cNvPr id="0" name=""/>
-        <dsp:cNvSpPr/>
-      </dsp:nvSpPr>
-      <dsp:spPr>
-        <a:xfrm>
-          <a:off x="3172328" y="765419"/>
-          <a:ext cx="1708657" cy="327654"/>
-        </a:xfrm>
-        <a:prstGeom prst="rect">
-          <a:avLst/>
-        </a:prstGeom>
-        <a:solidFill>
-          <a:schemeClr val="lt1">
-            <a:alpha val="90000"/>
-            <a:hueOff val="0"/>
-            <a:satOff val="0"/>
-            <a:lumOff val="0"/>
-            <a:alphaOff val="0"/>
-          </a:schemeClr>
-        </a:solidFill>
-        <a:ln w="19050" cap="rnd" cmpd="sng" algn="ctr">
-          <a:solidFill>
-            <a:schemeClr val="accent1">
-              <a:hueOff val="0"/>
-              <a:satOff val="0"/>
-              <a:lumOff val="0"/>
-              <a:alphaOff val="0"/>
-            </a:schemeClr>
-          </a:solidFill>
-          <a:prstDash val="solid"/>
-        </a:ln>
-        <a:effectLst/>
-      </dsp:spPr>
-      <dsp:style>
-        <a:lnRef idx="2">
-          <a:scrgbClr r="0" g="0" b="0"/>
-        </a:lnRef>
-        <a:fillRef idx="1">
-          <a:scrgbClr r="0" g="0" b="0"/>
-        </a:fillRef>
-        <a:effectRef idx="0">
-          <a:scrgbClr r="0" g="0" b="0"/>
-        </a:effectRef>
-        <a:fontRef idx="minor"/>
-      </dsp:style>
-      <dsp:txBody>
-        <a:bodyPr spcFirstLastPara="0" vert="horz" wrap="square" lIns="53340" tIns="13335" rIns="53340" bIns="13335" numCol="1" spcCol="1270" anchor="ctr" anchorCtr="0">
-          <a:noAutofit/>
-        </a:bodyPr>
-        <a:lstStyle/>
-        <a:p>
-          <a:pPr lvl="0" algn="r" defTabSz="933450">
-            <a:lnSpc>
-              <a:spcPct val="90000"/>
-            </a:lnSpc>
-            <a:spcBef>
-              <a:spcPct val="0"/>
-            </a:spcBef>
-            <a:spcAft>
-              <a:spcPct val="35000"/>
-            </a:spcAft>
-          </a:pPr>
-          <a:endParaRPr lang="en-US" sz="2100" kern="1200"/>
-        </a:p>
-      </dsp:txBody>
-      <dsp:txXfrm>
-        <a:off x="3172328" y="765419"/>
-        <a:ext cx="1708657" cy="327654"/>
-      </dsp:txXfrm>
-    </dsp:sp>
-    <dsp:sp modelId="{09D85D4C-5017-416D-807E-1BE5413066F8}">
-      <dsp:nvSpPr>
-        <dsp:cNvPr id="0" name=""/>
-        <dsp:cNvSpPr/>
-      </dsp:nvSpPr>
-      <dsp:spPr>
-        <a:xfrm>
-          <a:off x="1519089" y="1551790"/>
-          <a:ext cx="1898507" cy="982963"/>
-        </a:xfrm>
-        <a:prstGeom prst="rect">
-          <a:avLst/>
-        </a:prstGeom>
-        <a:solidFill>
-          <a:schemeClr val="accent1">
-            <a:hueOff val="0"/>
-            <a:satOff val="0"/>
-            <a:lumOff val="0"/>
-            <a:alphaOff val="0"/>
-          </a:schemeClr>
-        </a:solidFill>
-        <a:ln w="19050" cap="rnd" cmpd="sng" algn="ctr">
-          <a:solidFill>
-            <a:schemeClr val="lt1">
-              <a:hueOff val="0"/>
-              <a:satOff val="0"/>
-              <a:lumOff val="0"/>
-              <a:alphaOff val="0"/>
-            </a:schemeClr>
-          </a:solidFill>
-          <a:prstDash val="solid"/>
-        </a:ln>
-        <a:effectLst/>
-      </dsp:spPr>
-      <dsp:style>
-        <a:lnRef idx="2">
-          <a:scrgbClr r="0" g="0" b="0"/>
-        </a:lnRef>
-        <a:fillRef idx="1">
-          <a:scrgbClr r="0" g="0" b="0"/>
-        </a:fillRef>
-        <a:effectRef idx="0">
-          <a:scrgbClr r="0" g="0" b="0"/>
-        </a:effectRef>
-        <a:fontRef idx="minor">
-          <a:schemeClr val="lt1"/>
-        </a:fontRef>
-      </dsp:style>
-      <dsp:txBody>
-        <a:bodyPr spcFirstLastPara="0" vert="horz" wrap="square" lIns="34290" tIns="34290" rIns="34290" bIns="138707" numCol="1" spcCol="1270" anchor="ctr" anchorCtr="0">
-          <a:noAutofit/>
-        </a:bodyPr>
-        <a:lstStyle/>
-        <a:p>
-          <a:pPr lvl="0" algn="ctr" defTabSz="2400300">
-            <a:lnSpc>
-              <a:spcPct val="90000"/>
-            </a:lnSpc>
-            <a:spcBef>
-              <a:spcPct val="0"/>
-            </a:spcBef>
-            <a:spcAft>
-              <a:spcPct val="35000"/>
-            </a:spcAft>
-          </a:pPr>
-          <a:r>
-            <a:rPr lang="en-US" sz="5400" kern="1200" dirty="0" smtClean="0"/>
-            <a:t>head</a:t>
-          </a:r>
-          <a:endParaRPr lang="en-US" sz="5400" kern="1200" dirty="0"/>
-        </a:p>
-      </dsp:txBody>
-      <dsp:txXfrm>
-        <a:off x="1519089" y="1551790"/>
-        <a:ext cx="1898507" cy="982963"/>
-      </dsp:txXfrm>
-    </dsp:sp>
-    <dsp:sp modelId="{B032C6F9-0FF1-4A79-8874-FDA35F8B9CAF}">
-      <dsp:nvSpPr>
-        <dsp:cNvPr id="0" name=""/>
-        <dsp:cNvSpPr/>
-      </dsp:nvSpPr>
-      <dsp:spPr>
-        <a:xfrm>
-          <a:off x="1898791" y="2316317"/>
-          <a:ext cx="1708657" cy="327654"/>
-        </a:xfrm>
-        <a:prstGeom prst="rect">
-          <a:avLst/>
-        </a:prstGeom>
-        <a:solidFill>
-          <a:schemeClr val="lt1">
-            <a:alpha val="90000"/>
-            <a:hueOff val="0"/>
-            <a:satOff val="0"/>
-            <a:lumOff val="0"/>
-            <a:alphaOff val="0"/>
-          </a:schemeClr>
-        </a:solidFill>
-        <a:ln w="19050" cap="rnd" cmpd="sng" algn="ctr">
-          <a:solidFill>
-            <a:schemeClr val="accent1">
-              <a:hueOff val="0"/>
-              <a:satOff val="0"/>
-              <a:lumOff val="0"/>
-              <a:alphaOff val="0"/>
-            </a:schemeClr>
-          </a:solidFill>
-          <a:prstDash val="solid"/>
-        </a:ln>
-        <a:effectLst/>
-      </dsp:spPr>
-      <dsp:style>
-        <a:lnRef idx="2">
-          <a:scrgbClr r="0" g="0" b="0"/>
-        </a:lnRef>
-        <a:fillRef idx="1">
-          <a:scrgbClr r="0" g="0" b="0"/>
-        </a:fillRef>
-        <a:effectRef idx="0">
-          <a:scrgbClr r="0" g="0" b="0"/>
-        </a:effectRef>
-        <a:fontRef idx="minor"/>
-      </dsp:style>
-      <dsp:txBody>
-        <a:bodyPr spcFirstLastPara="0" vert="horz" wrap="square" lIns="53340" tIns="13335" rIns="53340" bIns="13335" numCol="1" spcCol="1270" anchor="ctr" anchorCtr="0">
-          <a:noAutofit/>
-        </a:bodyPr>
-        <a:lstStyle/>
-        <a:p>
-          <a:pPr lvl="0" algn="r" defTabSz="933450">
-            <a:lnSpc>
-              <a:spcPct val="90000"/>
-            </a:lnSpc>
-            <a:spcBef>
-              <a:spcPct val="0"/>
-            </a:spcBef>
-            <a:spcAft>
-              <a:spcPct val="35000"/>
-            </a:spcAft>
-          </a:pPr>
-          <a:endParaRPr lang="en-US" sz="2100" kern="1200"/>
-        </a:p>
-      </dsp:txBody>
-      <dsp:txXfrm>
-        <a:off x="1898791" y="2316317"/>
-        <a:ext cx="1708657" cy="327654"/>
-      </dsp:txXfrm>
-    </dsp:sp>
-    <dsp:sp modelId="{439184CC-EF3D-4D42-AD69-B78645E5125F}">
-      <dsp:nvSpPr>
-        <dsp:cNvPr id="0" name=""/>
-        <dsp:cNvSpPr/>
-      </dsp:nvSpPr>
-      <dsp:spPr>
-        <a:xfrm>
-          <a:off x="245552" y="3102687"/>
-          <a:ext cx="1898507" cy="982963"/>
-        </a:xfrm>
-        <a:prstGeom prst="rect">
-          <a:avLst/>
-        </a:prstGeom>
-        <a:solidFill>
-          <a:schemeClr val="accent1">
-            <a:hueOff val="0"/>
-            <a:satOff val="0"/>
-            <a:lumOff val="0"/>
-            <a:alphaOff val="0"/>
-          </a:schemeClr>
-        </a:solidFill>
-        <a:ln w="19050" cap="rnd" cmpd="sng" algn="ctr">
-          <a:solidFill>
-            <a:schemeClr val="lt1">
-              <a:hueOff val="0"/>
-              <a:satOff val="0"/>
-              <a:lumOff val="0"/>
-              <a:alphaOff val="0"/>
-            </a:schemeClr>
-          </a:solidFill>
-          <a:prstDash val="solid"/>
-        </a:ln>
-        <a:effectLst/>
-      </dsp:spPr>
-      <dsp:style>
-        <a:lnRef idx="2">
-          <a:scrgbClr r="0" g="0" b="0"/>
-        </a:lnRef>
-        <a:fillRef idx="1">
-          <a:scrgbClr r="0" g="0" b="0"/>
-        </a:fillRef>
-        <a:effectRef idx="0">
-          <a:scrgbClr r="0" g="0" b="0"/>
-        </a:effectRef>
-        <a:fontRef idx="minor">
-          <a:schemeClr val="lt1"/>
-        </a:fontRef>
-      </dsp:style>
-      <dsp:txBody>
-        <a:bodyPr spcFirstLastPara="0" vert="horz" wrap="square" lIns="34290" tIns="34290" rIns="34290" bIns="138707" numCol="1" spcCol="1270" anchor="ctr" anchorCtr="0">
-          <a:noAutofit/>
-        </a:bodyPr>
-        <a:lstStyle/>
-        <a:p>
-          <a:pPr lvl="0" algn="ctr" defTabSz="2400300">
-            <a:lnSpc>
-              <a:spcPct val="90000"/>
-            </a:lnSpc>
-            <a:spcBef>
-              <a:spcPct val="0"/>
-            </a:spcBef>
-            <a:spcAft>
-              <a:spcPct val="35000"/>
-            </a:spcAft>
-          </a:pPr>
-          <a:r>
-            <a:rPr lang="en-US" sz="5400" kern="1200" dirty="0" smtClean="0"/>
-            <a:t>title</a:t>
-          </a:r>
-          <a:endParaRPr lang="en-US" sz="5400" kern="1200" dirty="0"/>
-        </a:p>
-      </dsp:txBody>
-      <dsp:txXfrm>
-        <a:off x="245552" y="3102687"/>
-        <a:ext cx="1898507" cy="982963"/>
-      </dsp:txXfrm>
-    </dsp:sp>
-    <dsp:sp modelId="{66E63E2B-5119-4C5A-8D80-791FBF02CCD3}">
-      <dsp:nvSpPr>
-        <dsp:cNvPr id="0" name=""/>
-        <dsp:cNvSpPr/>
-      </dsp:nvSpPr>
-      <dsp:spPr>
-        <a:xfrm>
-          <a:off x="625253" y="3867214"/>
-          <a:ext cx="1708657" cy="327654"/>
-        </a:xfrm>
-        <a:prstGeom prst="rect">
-          <a:avLst/>
-        </a:prstGeom>
-        <a:solidFill>
-          <a:schemeClr val="lt1">
-            <a:alpha val="90000"/>
-            <a:hueOff val="0"/>
-            <a:satOff val="0"/>
-            <a:lumOff val="0"/>
-            <a:alphaOff val="0"/>
-          </a:schemeClr>
-        </a:solidFill>
-        <a:ln w="19050" cap="rnd" cmpd="sng" algn="ctr">
-          <a:solidFill>
-            <a:schemeClr val="accent1">
-              <a:hueOff val="0"/>
-              <a:satOff val="0"/>
-              <a:lumOff val="0"/>
-              <a:alphaOff val="0"/>
-            </a:schemeClr>
-          </a:solidFill>
-          <a:prstDash val="solid"/>
-        </a:ln>
-        <a:effectLst/>
-      </dsp:spPr>
-      <dsp:style>
-        <a:lnRef idx="2">
-          <a:scrgbClr r="0" g="0" b="0"/>
-        </a:lnRef>
-        <a:fillRef idx="1">
-          <a:scrgbClr r="0" g="0" b="0"/>
-        </a:fillRef>
-        <a:effectRef idx="0">
-          <a:scrgbClr r="0" g="0" b="0"/>
-        </a:effectRef>
-        <a:fontRef idx="minor"/>
-      </dsp:style>
-      <dsp:txBody>
-        <a:bodyPr spcFirstLastPara="0" vert="horz" wrap="square" lIns="40640" tIns="10160" rIns="40640" bIns="10160" numCol="1" spcCol="1270" anchor="ctr" anchorCtr="0">
-          <a:noAutofit/>
-        </a:bodyPr>
-        <a:lstStyle/>
-        <a:p>
-          <a:pPr lvl="0" algn="r" defTabSz="711200">
-            <a:lnSpc>
-              <a:spcPct val="90000"/>
-            </a:lnSpc>
-            <a:spcBef>
-              <a:spcPct val="0"/>
-            </a:spcBef>
-            <a:spcAft>
-              <a:spcPct val="35000"/>
-            </a:spcAft>
-          </a:pPr>
-          <a:r>
-            <a:rPr lang="en-US" sz="1600" kern="1200" dirty="0" smtClean="0"/>
-            <a:t>Nick’s Workshop</a:t>
-          </a:r>
-          <a:endParaRPr lang="en-US" sz="1600" kern="1200" dirty="0"/>
-        </a:p>
-      </dsp:txBody>
-      <dsp:txXfrm>
-        <a:off x="625253" y="3867214"/>
-        <a:ext cx="1708657" cy="327654"/>
-      </dsp:txXfrm>
-    </dsp:sp>
-    <dsp:sp modelId="{9B569091-8D86-41FE-B93C-38F7B5B69DFC}">
-      <dsp:nvSpPr>
-        <dsp:cNvPr id="0" name=""/>
-        <dsp:cNvSpPr/>
-      </dsp:nvSpPr>
-      <dsp:spPr>
-        <a:xfrm>
-          <a:off x="5339701" y="1551790"/>
-          <a:ext cx="1898507" cy="982963"/>
-        </a:xfrm>
-        <a:prstGeom prst="rect">
-          <a:avLst/>
-        </a:prstGeom>
-        <a:solidFill>
-          <a:schemeClr val="accent1">
-            <a:hueOff val="0"/>
-            <a:satOff val="0"/>
-            <a:lumOff val="0"/>
-            <a:alphaOff val="0"/>
-          </a:schemeClr>
-        </a:solidFill>
-        <a:ln w="19050" cap="rnd" cmpd="sng" algn="ctr">
-          <a:solidFill>
-            <a:schemeClr val="lt1">
-              <a:hueOff val="0"/>
-              <a:satOff val="0"/>
-              <a:lumOff val="0"/>
-              <a:alphaOff val="0"/>
-            </a:schemeClr>
-          </a:solidFill>
-          <a:prstDash val="solid"/>
-        </a:ln>
-        <a:effectLst/>
-      </dsp:spPr>
-      <dsp:style>
-        <a:lnRef idx="2">
-          <a:scrgbClr r="0" g="0" b="0"/>
-        </a:lnRef>
-        <a:fillRef idx="1">
-          <a:scrgbClr r="0" g="0" b="0"/>
-        </a:fillRef>
-        <a:effectRef idx="0">
-          <a:scrgbClr r="0" g="0" b="0"/>
-        </a:effectRef>
-        <a:fontRef idx="minor">
-          <a:schemeClr val="lt1"/>
-        </a:fontRef>
-      </dsp:style>
-      <dsp:txBody>
-        <a:bodyPr spcFirstLastPara="0" vert="horz" wrap="square" lIns="34290" tIns="34290" rIns="34290" bIns="138707" numCol="1" spcCol="1270" anchor="ctr" anchorCtr="0">
-          <a:noAutofit/>
-        </a:bodyPr>
-        <a:lstStyle/>
-        <a:p>
-          <a:pPr lvl="0" algn="ctr" defTabSz="2400300">
-            <a:lnSpc>
-              <a:spcPct val="90000"/>
-            </a:lnSpc>
-            <a:spcBef>
-              <a:spcPct val="0"/>
-            </a:spcBef>
-            <a:spcAft>
-              <a:spcPct val="35000"/>
-            </a:spcAft>
-          </a:pPr>
-          <a:r>
-            <a:rPr lang="en-US" sz="5400" kern="1200" dirty="0" smtClean="0"/>
-            <a:t>body</a:t>
-          </a:r>
-          <a:endParaRPr lang="en-US" sz="5400" kern="1200" dirty="0"/>
-        </a:p>
-      </dsp:txBody>
-      <dsp:txXfrm>
-        <a:off x="5339701" y="1551790"/>
-        <a:ext cx="1898507" cy="982963"/>
-      </dsp:txXfrm>
-    </dsp:sp>
-    <dsp:sp modelId="{941AE7BF-C43F-4250-9753-CD914A0CE5D9}">
-      <dsp:nvSpPr>
-        <dsp:cNvPr id="0" name=""/>
-        <dsp:cNvSpPr/>
-      </dsp:nvSpPr>
-      <dsp:spPr>
-        <a:xfrm>
-          <a:off x="5719403" y="2316317"/>
-          <a:ext cx="1708657" cy="327654"/>
-        </a:xfrm>
-        <a:prstGeom prst="rect">
-          <a:avLst/>
-        </a:prstGeom>
-        <a:solidFill>
-          <a:schemeClr val="lt1">
-            <a:alpha val="90000"/>
-            <a:hueOff val="0"/>
-            <a:satOff val="0"/>
-            <a:lumOff val="0"/>
-            <a:alphaOff val="0"/>
-          </a:schemeClr>
-        </a:solidFill>
-        <a:ln w="19050" cap="rnd" cmpd="sng" algn="ctr">
-          <a:solidFill>
-            <a:schemeClr val="accent1">
-              <a:hueOff val="0"/>
-              <a:satOff val="0"/>
-              <a:lumOff val="0"/>
-              <a:alphaOff val="0"/>
-            </a:schemeClr>
-          </a:solidFill>
-          <a:prstDash val="solid"/>
-        </a:ln>
-        <a:effectLst/>
-      </dsp:spPr>
-      <dsp:style>
-        <a:lnRef idx="2">
-          <a:scrgbClr r="0" g="0" b="0"/>
-        </a:lnRef>
-        <a:fillRef idx="1">
-          <a:scrgbClr r="0" g="0" b="0"/>
-        </a:fillRef>
-        <a:effectRef idx="0">
-          <a:scrgbClr r="0" g="0" b="0"/>
-        </a:effectRef>
-        <a:fontRef idx="minor"/>
-      </dsp:style>
-      <dsp:txBody>
-        <a:bodyPr spcFirstLastPara="0" vert="horz" wrap="square" lIns="53340" tIns="13335" rIns="53340" bIns="13335" numCol="1" spcCol="1270" anchor="ctr" anchorCtr="0">
-          <a:noAutofit/>
-        </a:bodyPr>
-        <a:lstStyle/>
-        <a:p>
-          <a:pPr lvl="0" algn="r" defTabSz="933450">
-            <a:lnSpc>
-              <a:spcPct val="90000"/>
-            </a:lnSpc>
-            <a:spcBef>
-              <a:spcPct val="0"/>
-            </a:spcBef>
-            <a:spcAft>
-              <a:spcPct val="35000"/>
-            </a:spcAft>
-          </a:pPr>
-          <a:endParaRPr lang="en-US" sz="2100" kern="1200"/>
-        </a:p>
-      </dsp:txBody>
-      <dsp:txXfrm>
-        <a:off x="5719403" y="2316317"/>
-        <a:ext cx="1708657" cy="327654"/>
-      </dsp:txXfrm>
-    </dsp:sp>
-    <dsp:sp modelId="{5BECA3EF-535E-4E9A-8C99-221DAC0D06EC}">
-      <dsp:nvSpPr>
-        <dsp:cNvPr id="0" name=""/>
-        <dsp:cNvSpPr/>
-      </dsp:nvSpPr>
-      <dsp:spPr>
-        <a:xfrm>
-          <a:off x="4066164" y="3102687"/>
-          <a:ext cx="1898507" cy="982963"/>
-        </a:xfrm>
-        <a:prstGeom prst="rect">
-          <a:avLst/>
-        </a:prstGeom>
-        <a:solidFill>
-          <a:schemeClr val="accent1">
-            <a:hueOff val="0"/>
-            <a:satOff val="0"/>
-            <a:lumOff val="0"/>
-            <a:alphaOff val="0"/>
-          </a:schemeClr>
-        </a:solidFill>
-        <a:ln w="19050" cap="rnd" cmpd="sng" algn="ctr">
-          <a:solidFill>
-            <a:schemeClr val="lt1">
-              <a:hueOff val="0"/>
-              <a:satOff val="0"/>
-              <a:lumOff val="0"/>
-              <a:alphaOff val="0"/>
-            </a:schemeClr>
-          </a:solidFill>
-          <a:prstDash val="solid"/>
-        </a:ln>
-        <a:effectLst/>
-      </dsp:spPr>
-      <dsp:style>
-        <a:lnRef idx="2">
-          <a:scrgbClr r="0" g="0" b="0"/>
-        </a:lnRef>
-        <a:fillRef idx="1">
-          <a:scrgbClr r="0" g="0" b="0"/>
-        </a:fillRef>
-        <a:effectRef idx="0">
-          <a:scrgbClr r="0" g="0" b="0"/>
-        </a:effectRef>
-        <a:fontRef idx="minor">
-          <a:schemeClr val="lt1"/>
-        </a:fontRef>
-      </dsp:style>
-      <dsp:txBody>
-        <a:bodyPr spcFirstLastPara="0" vert="horz" wrap="square" lIns="34290" tIns="34290" rIns="34290" bIns="138707" numCol="1" spcCol="1270" anchor="ctr" anchorCtr="0">
-          <a:noAutofit/>
-        </a:bodyPr>
-        <a:lstStyle/>
-        <a:p>
-          <a:pPr lvl="0" algn="ctr" defTabSz="2400300">
-            <a:lnSpc>
-              <a:spcPct val="90000"/>
-            </a:lnSpc>
-            <a:spcBef>
-              <a:spcPct val="0"/>
-            </a:spcBef>
-            <a:spcAft>
-              <a:spcPct val="35000"/>
-            </a:spcAft>
-          </a:pPr>
-          <a:r>
-            <a:rPr lang="en-US" sz="5400" kern="1200" dirty="0" smtClean="0"/>
-            <a:t>h1</a:t>
-          </a:r>
-          <a:endParaRPr lang="en-US" sz="5400" kern="1200" dirty="0"/>
-        </a:p>
-      </dsp:txBody>
-      <dsp:txXfrm>
-        <a:off x="4066164" y="3102687"/>
-        <a:ext cx="1898507" cy="982963"/>
-      </dsp:txXfrm>
-    </dsp:sp>
-    <dsp:sp modelId="{84E6CF01-0915-425A-8A0B-C030E751BC63}">
-      <dsp:nvSpPr>
-        <dsp:cNvPr id="0" name=""/>
-        <dsp:cNvSpPr/>
-      </dsp:nvSpPr>
-      <dsp:spPr>
-        <a:xfrm>
-          <a:off x="4445865" y="3867214"/>
-          <a:ext cx="1708657" cy="327654"/>
-        </a:xfrm>
-        <a:prstGeom prst="rect">
-          <a:avLst/>
-        </a:prstGeom>
-        <a:solidFill>
-          <a:schemeClr val="lt1">
-            <a:alpha val="90000"/>
-            <a:hueOff val="0"/>
-            <a:satOff val="0"/>
-            <a:lumOff val="0"/>
-            <a:alphaOff val="0"/>
-          </a:schemeClr>
-        </a:solidFill>
-        <a:ln w="19050" cap="rnd" cmpd="sng" algn="ctr">
-          <a:solidFill>
-            <a:schemeClr val="accent1">
-              <a:hueOff val="0"/>
-              <a:satOff val="0"/>
-              <a:lumOff val="0"/>
-              <a:alphaOff val="0"/>
-            </a:schemeClr>
-          </a:solidFill>
-          <a:prstDash val="solid"/>
-        </a:ln>
-        <a:effectLst/>
-      </dsp:spPr>
-      <dsp:style>
-        <a:lnRef idx="2">
-          <a:scrgbClr r="0" g="0" b="0"/>
-        </a:lnRef>
-        <a:fillRef idx="1">
-          <a:scrgbClr r="0" g="0" b="0"/>
-        </a:fillRef>
-        <a:effectRef idx="0">
-          <a:scrgbClr r="0" g="0" b="0"/>
-        </a:effectRef>
-        <a:fontRef idx="minor"/>
-      </dsp:style>
-      <dsp:txBody>
-        <a:bodyPr spcFirstLastPara="0" vert="horz" wrap="square" lIns="40640" tIns="10160" rIns="40640" bIns="10160" numCol="1" spcCol="1270" anchor="ctr" anchorCtr="0">
-          <a:noAutofit/>
-        </a:bodyPr>
-        <a:lstStyle/>
-        <a:p>
-          <a:pPr lvl="0" algn="r" defTabSz="711200">
-            <a:lnSpc>
-              <a:spcPct val="90000"/>
-            </a:lnSpc>
-            <a:spcBef>
-              <a:spcPct val="0"/>
-            </a:spcBef>
-            <a:spcAft>
-              <a:spcPct val="35000"/>
-            </a:spcAft>
-          </a:pPr>
-          <a:r>
-            <a:rPr lang="en-US" sz="1600" kern="1200" dirty="0" smtClean="0"/>
-            <a:t>Nick’s Workshop</a:t>
-          </a:r>
-          <a:endParaRPr lang="en-US" sz="1600" kern="1200" dirty="0"/>
-        </a:p>
-      </dsp:txBody>
-      <dsp:txXfrm>
-        <a:off x="4445865" y="3867214"/>
-        <a:ext cx="1708657" cy="327654"/>
-      </dsp:txXfrm>
-    </dsp:sp>
-    <dsp:sp modelId="{C82FB286-EE2F-444F-B79A-0D45C69E12A0}">
-      <dsp:nvSpPr>
-        <dsp:cNvPr id="0" name=""/>
-        <dsp:cNvSpPr/>
-      </dsp:nvSpPr>
-      <dsp:spPr>
-        <a:xfrm>
-          <a:off x="6613239" y="3102687"/>
-          <a:ext cx="1898507" cy="982963"/>
-        </a:xfrm>
-        <a:prstGeom prst="rect">
-          <a:avLst/>
-        </a:prstGeom>
-        <a:solidFill>
-          <a:schemeClr val="accent1">
-            <a:hueOff val="0"/>
-            <a:satOff val="0"/>
-            <a:lumOff val="0"/>
-            <a:alphaOff val="0"/>
-          </a:schemeClr>
-        </a:solidFill>
-        <a:ln w="19050" cap="rnd" cmpd="sng" algn="ctr">
-          <a:solidFill>
-            <a:schemeClr val="lt1">
-              <a:hueOff val="0"/>
-              <a:satOff val="0"/>
-              <a:lumOff val="0"/>
-              <a:alphaOff val="0"/>
-            </a:schemeClr>
-          </a:solidFill>
-          <a:prstDash val="solid"/>
-        </a:ln>
-        <a:effectLst/>
-      </dsp:spPr>
-      <dsp:style>
-        <a:lnRef idx="2">
-          <a:scrgbClr r="0" g="0" b="0"/>
-        </a:lnRef>
-        <a:fillRef idx="1">
-          <a:scrgbClr r="0" g="0" b="0"/>
-        </a:fillRef>
-        <a:effectRef idx="0">
-          <a:scrgbClr r="0" g="0" b="0"/>
-        </a:effectRef>
-        <a:fontRef idx="minor">
-          <a:schemeClr val="lt1"/>
-        </a:fontRef>
-      </dsp:style>
-      <dsp:txBody>
-        <a:bodyPr spcFirstLastPara="0" vert="horz" wrap="square" lIns="34290" tIns="34290" rIns="34290" bIns="138707" numCol="1" spcCol="1270" anchor="ctr" anchorCtr="0">
-          <a:noAutofit/>
-        </a:bodyPr>
-        <a:lstStyle/>
-        <a:p>
-          <a:pPr lvl="0" algn="ctr" defTabSz="2400300">
-            <a:lnSpc>
-              <a:spcPct val="90000"/>
-            </a:lnSpc>
-            <a:spcBef>
-              <a:spcPct val="0"/>
-            </a:spcBef>
-            <a:spcAft>
-              <a:spcPct val="35000"/>
-            </a:spcAft>
-          </a:pPr>
-          <a:r>
-            <a:rPr lang="en-US" sz="5400" kern="1200" dirty="0" smtClean="0"/>
-            <a:t>h3</a:t>
-          </a:r>
-          <a:endParaRPr lang="en-US" sz="5400" kern="1200" dirty="0"/>
-        </a:p>
-      </dsp:txBody>
-      <dsp:txXfrm>
-        <a:off x="6613239" y="3102687"/>
-        <a:ext cx="1898507" cy="982963"/>
-      </dsp:txXfrm>
-    </dsp:sp>
-    <dsp:sp modelId="{5ED5DF8D-9402-40FD-ADA4-A20FCE148068}">
-      <dsp:nvSpPr>
-        <dsp:cNvPr id="0" name=""/>
-        <dsp:cNvSpPr/>
-      </dsp:nvSpPr>
-      <dsp:spPr>
-        <a:xfrm>
-          <a:off x="6992940" y="3867214"/>
-          <a:ext cx="1708657" cy="327654"/>
-        </a:xfrm>
-        <a:prstGeom prst="rect">
-          <a:avLst/>
-        </a:prstGeom>
-        <a:solidFill>
-          <a:schemeClr val="lt1">
-            <a:alpha val="90000"/>
-            <a:hueOff val="0"/>
-            <a:satOff val="0"/>
-            <a:lumOff val="0"/>
-            <a:alphaOff val="0"/>
-          </a:schemeClr>
-        </a:solidFill>
-        <a:ln w="19050" cap="rnd" cmpd="sng" algn="ctr">
-          <a:solidFill>
-            <a:schemeClr val="accent1">
-              <a:hueOff val="0"/>
-              <a:satOff val="0"/>
-              <a:lumOff val="0"/>
-              <a:alphaOff val="0"/>
-            </a:schemeClr>
-          </a:solidFill>
-          <a:prstDash val="solid"/>
-        </a:ln>
-        <a:effectLst/>
-      </dsp:spPr>
-      <dsp:style>
-        <a:lnRef idx="2">
-          <a:scrgbClr r="0" g="0" b="0"/>
-        </a:lnRef>
-        <a:fillRef idx="1">
-          <a:scrgbClr r="0" g="0" b="0"/>
-        </a:fillRef>
-        <a:effectRef idx="0">
-          <a:scrgbClr r="0" g="0" b="0"/>
-        </a:effectRef>
-        <a:fontRef idx="minor"/>
-      </dsp:style>
-      <dsp:txBody>
-        <a:bodyPr spcFirstLastPara="0" vert="horz" wrap="square" lIns="53340" tIns="13335" rIns="53340" bIns="13335" numCol="1" spcCol="1270" anchor="ctr" anchorCtr="0">
-          <a:noAutofit/>
-        </a:bodyPr>
-        <a:lstStyle/>
-        <a:p>
-          <a:pPr lvl="0" algn="r" defTabSz="933450">
-            <a:lnSpc>
-              <a:spcPct val="90000"/>
-            </a:lnSpc>
-            <a:spcBef>
-              <a:spcPct val="0"/>
-            </a:spcBef>
-            <a:spcAft>
-              <a:spcPct val="35000"/>
-            </a:spcAft>
-          </a:pPr>
-          <a:r>
-            <a:rPr lang="en-US" sz="2100" kern="1200" dirty="0" smtClean="0"/>
-            <a:t>Welcome!</a:t>
-          </a:r>
-          <a:endParaRPr lang="en-US" sz="2100" kern="1200" dirty="0"/>
-        </a:p>
-      </dsp:txBody>
-      <dsp:txXfrm>
-        <a:off x="6992940" y="3867214"/>
-        <a:ext cx="1708657" cy="327654"/>
-      </dsp:txXfrm>
-    </dsp:sp>
   </dsp:spTree>
 </dsp:drawing>
 </file>
@@ -14205,7 +11697,7 @@
           <a:p>
             <a:fld id="{E8AD8B35-8AAF-4BB4-99C7-CC4175DA3045}" type="slidenum">
               <a:rPr lang="en-US" smtClean="0"/>
-              <a:t>28</a:t>
+              <a:t>31</a:t>
             </a:fld>
             <a:endParaRPr lang="en-US"/>
           </a:p>
@@ -14331,7 +11823,7 @@
           <a:p>
             <a:fld id="{E8AD8B35-8AAF-4BB4-99C7-CC4175DA3045}" type="slidenum">
               <a:rPr lang="en-US" smtClean="0"/>
-              <a:t>29</a:t>
+              <a:t>32</a:t>
             </a:fld>
             <a:endParaRPr lang="en-US"/>
           </a:p>
@@ -14517,7 +12009,7 @@
           <a:p>
             <a:fld id="{E8AD8B35-8AAF-4BB4-99C7-CC4175DA3045}" type="slidenum">
               <a:rPr lang="en-US" smtClean="0"/>
-              <a:t>30</a:t>
+              <a:t>33</a:t>
             </a:fld>
             <a:endParaRPr lang="en-US"/>
           </a:p>
@@ -14703,7 +12195,7 @@
           <a:p>
             <a:fld id="{E8AD8B35-8AAF-4BB4-99C7-CC4175DA3045}" type="slidenum">
               <a:rPr lang="en-US" smtClean="0"/>
-              <a:t>31</a:t>
+              <a:t>34</a:t>
             </a:fld>
             <a:endParaRPr lang="en-US"/>
           </a:p>
@@ -14900,7 +12392,7 @@
           <a:p>
             <a:fld id="{E8AD8B35-8AAF-4BB4-99C7-CC4175DA3045}" type="slidenum">
               <a:rPr lang="en-US" smtClean="0"/>
-              <a:t>32</a:t>
+              <a:t>35</a:t>
             </a:fld>
             <a:endParaRPr lang="en-US"/>
           </a:p>
@@ -15076,7 +12568,7 @@
           <a:p>
             <a:fld id="{E8AD8B35-8AAF-4BB4-99C7-CC4175DA3045}" type="slidenum">
               <a:rPr lang="en-US" smtClean="0"/>
-              <a:t>8</a:t>
+              <a:t>10</a:t>
             </a:fld>
             <a:endParaRPr lang="en-US"/>
           </a:p>
@@ -15160,7 +12652,7 @@
           <a:p>
             <a:fld id="{E8AD8B35-8AAF-4BB4-99C7-CC4175DA3045}" type="slidenum">
               <a:rPr lang="en-US" smtClean="0"/>
-              <a:t>9</a:t>
+              <a:t>11</a:t>
             </a:fld>
             <a:endParaRPr lang="en-US"/>
           </a:p>
@@ -15318,7 +12810,7 @@
           <a:p>
             <a:fld id="{E8AD8B35-8AAF-4BB4-99C7-CC4175DA3045}" type="slidenum">
               <a:rPr lang="en-US" smtClean="0"/>
-              <a:t>10</a:t>
+              <a:t>12</a:t>
             </a:fld>
             <a:endParaRPr lang="en-US"/>
           </a:p>
@@ -15653,7 +13145,7 @@
           <a:p>
             <a:fld id="{E8AD8B35-8AAF-4BB4-99C7-CC4175DA3045}" type="slidenum">
               <a:rPr lang="en-US" smtClean="0"/>
-              <a:t>11</a:t>
+              <a:t>13</a:t>
             </a:fld>
             <a:endParaRPr lang="en-US"/>
           </a:p>
@@ -15808,7 +13300,7 @@
           <a:p>
             <a:fld id="{E8AD8B35-8AAF-4BB4-99C7-CC4175DA3045}" type="slidenum">
               <a:rPr lang="en-US" smtClean="0"/>
-              <a:t>15</a:t>
+              <a:t>18</a:t>
             </a:fld>
             <a:endParaRPr lang="en-US"/>
           </a:p>
@@ -15918,7 +13410,7 @@
           <a:p>
             <a:fld id="{E8AD8B35-8AAF-4BB4-99C7-CC4175DA3045}" type="slidenum">
               <a:rPr lang="en-US" smtClean="0"/>
-              <a:t>16</a:t>
+              <a:t>19</a:t>
             </a:fld>
             <a:endParaRPr lang="en-US"/>
           </a:p>
@@ -16016,7 +13508,7 @@
           <a:p>
             <a:fld id="{E8AD8B35-8AAF-4BB4-99C7-CC4175DA3045}" type="slidenum">
               <a:rPr lang="en-US" smtClean="0"/>
-              <a:t>19</a:t>
+              <a:t>22</a:t>
             </a:fld>
             <a:endParaRPr lang="en-US"/>
           </a:p>
@@ -21944,10 +19436,6 @@
               <a:rPr lang="en-US" dirty="0" smtClean="0"/>
               <a:t>Modeling </a:t>
             </a:r>
-            <a:r>
-              <a:rPr lang="en-US" dirty="0" smtClean="0"/>
-              <a:t/>
-            </a:r>
             <a:br>
               <a:rPr lang="en-US" dirty="0" smtClean="0"/>
             </a:br>
@@ -21960,11 +19448,7 @@
             </a:br>
             <a:r>
               <a:rPr lang="en-US" dirty="0" smtClean="0"/>
-              <a:t>with </a:t>
-            </a:r>
-            <a:r>
-              <a:rPr lang="en-US" dirty="0" smtClean="0"/>
-              <a:t>Python</a:t>
+              <a:t>with Python</a:t>
             </a:r>
             <a:endParaRPr lang="en-US" dirty="0"/>
           </a:p>
@@ -22090,6 +19574,457 @@
             <p:ph type="title"/>
           </p:nvPr>
         </p:nvSpPr>
+        <p:spPr>
+          <a:xfrm>
+            <a:off x="1154953" y="723900"/>
+            <a:ext cx="3401064" cy="1447800"/>
+          </a:xfrm>
+        </p:spPr>
+        <p:txBody>
+          <a:bodyPr/>
+          <a:lstStyle/>
+          <a:p>
+            <a:r>
+              <a:rPr lang="en-US" dirty="0" smtClean="0"/>
+              <a:t>Presentation Format</a:t>
+            </a:r>
+            <a:endParaRPr lang="en-US" dirty="0"/>
+          </a:p>
+        </p:txBody>
+      </p:sp>
+      <p:sp>
+        <p:nvSpPr>
+          <p:cNvPr id="4" name="Text Placeholder 3"/>
+          <p:cNvSpPr>
+            <a:spLocks noGrp="1"/>
+          </p:cNvSpPr>
+          <p:nvPr>
+            <p:ph type="body" sz="half" idx="2"/>
+          </p:nvPr>
+        </p:nvSpPr>
+        <p:spPr>
+          <a:xfrm>
+            <a:off x="1154953" y="2501900"/>
+            <a:ext cx="4267947" cy="3522979"/>
+          </a:xfrm>
+        </p:spPr>
+        <p:txBody>
+          <a:bodyPr>
+            <a:noAutofit/>
+          </a:bodyPr>
+          <a:lstStyle/>
+          <a:p>
+            <a:pPr marL="285750" indent="-285750">
+              <a:buFont typeface="Arial" panose="020B0604020202020204" pitchFamily="34" charset="0"/>
+              <a:buChar char="•"/>
+            </a:pPr>
+            <a:r>
+              <a:rPr lang="en-US" sz="1800" dirty="0" smtClean="0"/>
+              <a:t>State goals</a:t>
+            </a:r>
+          </a:p>
+          <a:p>
+            <a:pPr marL="285750" indent="-285750">
+              <a:buFont typeface="Arial" panose="020B0604020202020204" pitchFamily="34" charset="0"/>
+              <a:buChar char="•"/>
+            </a:pPr>
+            <a:r>
+              <a:rPr lang="en-US" sz="1800" dirty="0" smtClean="0"/>
+              <a:t>Explain the how and why</a:t>
+            </a:r>
+          </a:p>
+          <a:p>
+            <a:pPr marL="742950" lvl="1" indent="-285750">
+              <a:buFont typeface="Arial" panose="020B0604020202020204" pitchFamily="34" charset="0"/>
+              <a:buChar char="•"/>
+            </a:pPr>
+            <a:r>
+              <a:rPr lang="en-US" sz="1600" dirty="0" smtClean="0"/>
+              <a:t>Split b/t </a:t>
+            </a:r>
+            <a:r>
+              <a:rPr lang="en-US" sz="1600" dirty="0" err="1" smtClean="0"/>
+              <a:t>Powerpoint</a:t>
+            </a:r>
+            <a:r>
+              <a:rPr lang="en-US" sz="1600" dirty="0" smtClean="0"/>
+              <a:t> and Python</a:t>
+            </a:r>
+          </a:p>
+          <a:p>
+            <a:pPr marL="285750" indent="-285750">
+              <a:buFont typeface="Arial" panose="020B0604020202020204" pitchFamily="34" charset="0"/>
+              <a:buChar char="•"/>
+            </a:pPr>
+            <a:r>
+              <a:rPr lang="en-US" sz="1800" dirty="0" smtClean="0"/>
+              <a:t>Bonus tips for experienced users</a:t>
+            </a:r>
+          </a:p>
+          <a:p>
+            <a:pPr marL="285750" indent="-285750">
+              <a:buFont typeface="Arial" panose="020B0604020202020204" pitchFamily="34" charset="0"/>
+              <a:buChar char="•"/>
+            </a:pPr>
+            <a:r>
+              <a:rPr lang="en-US" sz="1800" dirty="0" smtClean="0"/>
+              <a:t>Pause for questions after each section</a:t>
+            </a:r>
+          </a:p>
+          <a:p>
+            <a:pPr marL="742950" lvl="1" indent="-285750">
+              <a:buFont typeface="Arial" panose="020B0604020202020204" pitchFamily="34" charset="0"/>
+              <a:buChar char="•"/>
+            </a:pPr>
+            <a:r>
+              <a:rPr lang="en-US" sz="1600" dirty="0" smtClean="0"/>
+              <a:t>Focus on content rather than Python syntax</a:t>
+            </a:r>
+          </a:p>
+        </p:txBody>
+      </p:sp>
+      <p:pic>
+        <p:nvPicPr>
+          <p:cNvPr id="1026" name="Picture 2" descr="https://singbookswithemily.files.wordpress.com/2015/03/beautiful-soup-can-w-mock-turtle-coin.jpg"/>
+          <p:cNvPicPr>
+            <a:picLocks noGrp="1" noChangeAspect="1" noChangeArrowheads="1"/>
+          </p:cNvPicPr>
+          <p:nvPr>
+            <p:ph idx="1"/>
+          </p:nvPr>
+        </p:nvPicPr>
+        <p:blipFill>
+          <a:blip r:embed="rId3">
+            <a:extLst>
+              <a:ext uri="{28A0092B-C50C-407E-A947-70E740481C1C}">
+                <a14:useLocalDpi xmlns:a14="http://schemas.microsoft.com/office/drawing/2010/main" val="0"/>
+              </a:ext>
+            </a:extLst>
+          </a:blip>
+          <a:srcRect/>
+          <a:stretch>
+            <a:fillRect/>
+          </a:stretch>
+        </p:blipFill>
+        <p:spPr bwMode="auto">
+          <a:xfrm>
+            <a:off x="5860846" y="1447800"/>
+            <a:ext cx="3043645" cy="4572000"/>
+          </a:xfrm>
+          <a:prstGeom prst="rect">
+            <a:avLst/>
+          </a:prstGeom>
+          <a:noFill/>
+          <a:extLst>
+            <a:ext uri="{909E8E84-426E-40DD-AFC4-6F175D3DCCD1}">
+              <a14:hiddenFill xmlns:a14="http://schemas.microsoft.com/office/drawing/2010/main">
+                <a:solidFill>
+                  <a:srgbClr val="FFFFFF"/>
+                </a:solidFill>
+              </a14:hiddenFill>
+            </a:ext>
+          </a:extLst>
+        </p:spPr>
+      </p:pic>
+      <p:sp>
+        <p:nvSpPr>
+          <p:cNvPr id="3" name="Slide Number Placeholder 2"/>
+          <p:cNvSpPr>
+            <a:spLocks noGrp="1"/>
+          </p:cNvSpPr>
+          <p:nvPr>
+            <p:ph type="sldNum" sz="quarter" idx="12"/>
+          </p:nvPr>
+        </p:nvSpPr>
+        <p:spPr/>
+        <p:txBody>
+          <a:bodyPr/>
+          <a:lstStyle/>
+          <a:p>
+            <a:fld id="{D57F1E4F-1CFF-5643-939E-02111984F565}" type="slidenum">
+              <a:rPr lang="en-US" smtClean="0"/>
+              <a:t>10</a:t>
+            </a:fld>
+            <a:endParaRPr lang="en-US" dirty="0"/>
+          </a:p>
+        </p:txBody>
+      </p:sp>
+    </p:spTree>
+    <p:extLst>
+      <p:ext uri="{BB962C8B-B14F-4D97-AF65-F5344CB8AC3E}">
+        <p14:creationId xmlns:p14="http://schemas.microsoft.com/office/powerpoint/2010/main" val="2013821680"/>
+      </p:ext>
+    </p:extLst>
+  </p:cSld>
+  <p:clrMapOvr>
+    <a:masterClrMapping/>
+  </p:clrMapOvr>
+  <p:timing>
+    <p:tnLst>
+      <p:par>
+        <p:cTn id="1" dur="indefinite" restart="never" nodeType="tmRoot"/>
+      </p:par>
+    </p:tnLst>
+  </p:timing>
+</p:sld>
+</file>
+
+<file path=ppt/slides/slide11.xml><?xml version="1.0" encoding="utf-8"?>
+<p:sld xmlns:a="http://schemas.openxmlformats.org/drawingml/2006/main" xmlns:r="http://schemas.openxmlformats.org/officeDocument/2006/relationships" xmlns:p="http://schemas.openxmlformats.org/presentationml/2006/main">
+  <p:cSld>
+    <p:spTree>
+      <p:nvGrpSpPr>
+        <p:cNvPr id="1" name=""/>
+        <p:cNvGrpSpPr/>
+        <p:nvPr/>
+      </p:nvGrpSpPr>
+      <p:grpSpPr>
+        <a:xfrm>
+          <a:off x="0" y="0"/>
+          <a:ext cx="0" cy="0"/>
+          <a:chOff x="0" y="0"/>
+          <a:chExt cx="0" cy="0"/>
+        </a:xfrm>
+      </p:grpSpPr>
+      <p:sp>
+        <p:nvSpPr>
+          <p:cNvPr id="2" name="Title 1"/>
+          <p:cNvSpPr>
+            <a:spLocks noGrp="1"/>
+          </p:cNvSpPr>
+          <p:nvPr>
+            <p:ph type="title"/>
+          </p:nvPr>
+        </p:nvSpPr>
+        <p:spPr>
+          <a:xfrm>
+            <a:off x="1154953" y="723900"/>
+            <a:ext cx="3401064" cy="1447800"/>
+          </a:xfrm>
+        </p:spPr>
+        <p:txBody>
+          <a:bodyPr/>
+          <a:lstStyle/>
+          <a:p>
+            <a:r>
+              <a:rPr lang="en-US" dirty="0" smtClean="0"/>
+              <a:t>What’s Ahead</a:t>
+            </a:r>
+            <a:endParaRPr lang="en-US" dirty="0"/>
+          </a:p>
+        </p:txBody>
+      </p:sp>
+      <p:sp>
+        <p:nvSpPr>
+          <p:cNvPr id="4" name="Text Placeholder 3"/>
+          <p:cNvSpPr>
+            <a:spLocks noGrp="1"/>
+          </p:cNvSpPr>
+          <p:nvPr>
+            <p:ph type="body" sz="half" idx="2"/>
+          </p:nvPr>
+        </p:nvSpPr>
+        <p:spPr>
+          <a:xfrm>
+            <a:off x="1154953" y="2501900"/>
+            <a:ext cx="4267947" cy="3522979"/>
+          </a:xfrm>
+        </p:spPr>
+        <p:txBody>
+          <a:bodyPr>
+            <a:noAutofit/>
+          </a:bodyPr>
+          <a:lstStyle/>
+          <a:p>
+            <a:pPr marL="285750" indent="-285750">
+              <a:buFont typeface="Arial" panose="020B0604020202020204" pitchFamily="34" charset="0"/>
+              <a:buChar char="•"/>
+            </a:pPr>
+            <a:r>
+              <a:rPr lang="en-US" sz="1800" dirty="0" smtClean="0"/>
+              <a:t>Why Do I Need to Scrape?</a:t>
+            </a:r>
+          </a:p>
+          <a:p>
+            <a:pPr marL="285750" indent="-285750">
+              <a:buFont typeface="Arial" panose="020B0604020202020204" pitchFamily="34" charset="0"/>
+              <a:buChar char="•"/>
+            </a:pPr>
+            <a:r>
+              <a:rPr lang="en-US" sz="1800" dirty="0" smtClean="0"/>
+              <a:t>The </a:t>
+            </a:r>
+            <a:r>
+              <a:rPr lang="en-US" sz="1800" dirty="0" smtClean="0">
+                <a:latin typeface="Consolas" panose="020B0609020204030204" pitchFamily="49" charset="0"/>
+              </a:rPr>
+              <a:t>requests</a:t>
+            </a:r>
+            <a:r>
+              <a:rPr lang="en-US" sz="1800" dirty="0" smtClean="0"/>
+              <a:t> Library</a:t>
+            </a:r>
+            <a:endParaRPr lang="en-US" sz="1800" dirty="0"/>
+          </a:p>
+          <a:p>
+            <a:pPr marL="285750" indent="-285750">
+              <a:buFont typeface="Arial" panose="020B0604020202020204" pitchFamily="34" charset="0"/>
+              <a:buChar char="•"/>
+            </a:pPr>
+            <a:r>
+              <a:rPr lang="en-US" sz="1800" dirty="0" smtClean="0"/>
+              <a:t>Navigating HTML</a:t>
+            </a:r>
+          </a:p>
+          <a:p>
+            <a:pPr marL="285750" indent="-285750">
+              <a:buFont typeface="Arial" panose="020B0604020202020204" pitchFamily="34" charset="0"/>
+              <a:buChar char="•"/>
+            </a:pPr>
+            <a:r>
+              <a:rPr lang="en-US" sz="1800" dirty="0" smtClean="0"/>
+              <a:t>Crawling</a:t>
+            </a:r>
+          </a:p>
+          <a:p>
+            <a:pPr marL="285750" indent="-285750">
+              <a:buFont typeface="Arial" panose="020B0604020202020204" pitchFamily="34" charset="0"/>
+              <a:buChar char="•"/>
+            </a:pPr>
+            <a:r>
+              <a:rPr lang="en-US" sz="1800" dirty="0"/>
+              <a:t>Legal </a:t>
+            </a:r>
+            <a:r>
+              <a:rPr lang="en-US" sz="1800" dirty="0" smtClean="0"/>
+              <a:t>Stuff</a:t>
+            </a:r>
+          </a:p>
+          <a:p>
+            <a:pPr marL="285750" indent="-285750">
+              <a:buFont typeface="Arial" panose="020B0604020202020204" pitchFamily="34" charset="0"/>
+              <a:buChar char="•"/>
+            </a:pPr>
+            <a:r>
+              <a:rPr lang="en-US" sz="1800" dirty="0" smtClean="0"/>
+              <a:t>Program Architecture</a:t>
+            </a:r>
+          </a:p>
+        </p:txBody>
+      </p:sp>
+      <p:pic>
+        <p:nvPicPr>
+          <p:cNvPr id="1026" name="Picture 2" descr="https://singbookswithemily.files.wordpress.com/2015/03/beautiful-soup-can-w-mock-turtle-coin.jpg"/>
+          <p:cNvPicPr>
+            <a:picLocks noGrp="1" noChangeAspect="1" noChangeArrowheads="1"/>
+          </p:cNvPicPr>
+          <p:nvPr>
+            <p:ph idx="1"/>
+          </p:nvPr>
+        </p:nvPicPr>
+        <p:blipFill>
+          <a:blip r:embed="rId3">
+            <a:extLst>
+              <a:ext uri="{28A0092B-C50C-407E-A947-70E740481C1C}">
+                <a14:useLocalDpi xmlns:a14="http://schemas.microsoft.com/office/drawing/2010/main" val="0"/>
+              </a:ext>
+            </a:extLst>
+          </a:blip>
+          <a:srcRect/>
+          <a:stretch>
+            <a:fillRect/>
+          </a:stretch>
+        </p:blipFill>
+        <p:spPr bwMode="auto">
+          <a:xfrm>
+            <a:off x="5860846" y="1447800"/>
+            <a:ext cx="3043645" cy="4572000"/>
+          </a:xfrm>
+          <a:prstGeom prst="rect">
+            <a:avLst/>
+          </a:prstGeom>
+          <a:noFill/>
+          <a:extLst>
+            <a:ext uri="{909E8E84-426E-40DD-AFC4-6F175D3DCCD1}">
+              <a14:hiddenFill xmlns:a14="http://schemas.microsoft.com/office/drawing/2010/main">
+                <a:solidFill>
+                  <a:srgbClr val="FFFFFF"/>
+                </a:solidFill>
+              </a14:hiddenFill>
+            </a:ext>
+          </a:extLst>
+        </p:spPr>
+      </p:pic>
+      <p:sp>
+        <p:nvSpPr>
+          <p:cNvPr id="3" name="Slide Number Placeholder 2"/>
+          <p:cNvSpPr>
+            <a:spLocks noGrp="1"/>
+          </p:cNvSpPr>
+          <p:nvPr>
+            <p:ph type="sldNum" sz="quarter" idx="12"/>
+          </p:nvPr>
+        </p:nvSpPr>
+        <p:spPr/>
+        <p:txBody>
+          <a:bodyPr/>
+          <a:lstStyle/>
+          <a:p>
+            <a:fld id="{D57F1E4F-1CFF-5643-939E-02111984F565}" type="slidenum">
+              <a:rPr lang="en-US" smtClean="0"/>
+              <a:t>11</a:t>
+            </a:fld>
+            <a:endParaRPr lang="en-US" dirty="0"/>
+          </a:p>
+        </p:txBody>
+      </p:sp>
+    </p:spTree>
+    <p:extLst>
+      <p:ext uri="{BB962C8B-B14F-4D97-AF65-F5344CB8AC3E}">
+        <p14:creationId xmlns:p14="http://schemas.microsoft.com/office/powerpoint/2010/main" val="382495023"/>
+      </p:ext>
+    </p:extLst>
+  </p:cSld>
+  <p:clrMapOvr>
+    <a:masterClrMapping/>
+  </p:clrMapOvr>
+  <p:timing>
+    <p:tnLst>
+      <p:par>
+        <p:cTn id="1" dur="indefinite" restart="never" nodeType="tmRoot"/>
+      </p:par>
+    </p:tnLst>
+  </p:timing>
+</p:sld>
+</file>
+
+<file path=ppt/slides/slide12.xml><?xml version="1.0" encoding="utf-8"?>
+<p:sld xmlns:a="http://schemas.openxmlformats.org/drawingml/2006/main" xmlns:r="http://schemas.openxmlformats.org/officeDocument/2006/relationships" xmlns:p="http://schemas.openxmlformats.org/presentationml/2006/main">
+  <p:cSld>
+    <p:spTree>
+      <p:nvGrpSpPr>
+        <p:cNvPr id="1" name=""/>
+        <p:cNvGrpSpPr/>
+        <p:nvPr/>
+      </p:nvGrpSpPr>
+      <p:grpSpPr>
+        <a:xfrm>
+          <a:off x="0" y="0"/>
+          <a:ext cx="0" cy="0"/>
+          <a:chOff x="0" y="0"/>
+          <a:chExt cx="0" cy="0"/>
+        </a:xfrm>
+      </p:grpSpPr>
+      <p:sp>
+        <p:nvSpPr>
+          <p:cNvPr id="2" name="Title 1"/>
+          <p:cNvSpPr>
+            <a:spLocks noGrp="1"/>
+          </p:cNvSpPr>
+          <p:nvPr>
+            <p:ph type="title"/>
+          </p:nvPr>
+        </p:nvSpPr>
         <p:spPr/>
         <p:txBody>
           <a:bodyPr/>
@@ -22242,7 +20177,7 @@
           <a:p>
             <a:fld id="{D57F1E4F-1CFF-5643-939E-02111984F565}" type="slidenum">
               <a:rPr lang="en-US" smtClean="0"/>
-              <a:t>10</a:t>
+              <a:t>12</a:t>
             </a:fld>
             <a:endParaRPr lang="en-US" dirty="0"/>
           </a:p>
@@ -22268,7 +20203,7 @@
 </p:sld>
 </file>
 
-<file path=ppt/slides/slide11.xml><?xml version="1.0" encoding="utf-8"?>
+<file path=ppt/slides/slide13.xml><?xml version="1.0" encoding="utf-8"?>
 <p:sld xmlns:a="http://schemas.openxmlformats.org/drawingml/2006/main" xmlns:r="http://schemas.openxmlformats.org/officeDocument/2006/relationships" xmlns:p="http://schemas.openxmlformats.org/presentationml/2006/main">
   <p:cSld>
     <p:spTree>
@@ -22747,7 +20682,7 @@
           <a:p>
             <a:fld id="{D57F1E4F-1CFF-5643-939E-02111984F565}" type="slidenum">
               <a:rPr lang="en-US" smtClean="0"/>
-              <a:t>11</a:t>
+              <a:t>13</a:t>
             </a:fld>
             <a:endParaRPr lang="en-US" dirty="0"/>
           </a:p>
@@ -23471,7 +21406,7 @@
 </p:sld>
 </file>
 
-<file path=ppt/slides/slide12.xml><?xml version="1.0" encoding="utf-8"?>
+<file path=ppt/slides/slide14.xml><?xml version="1.0" encoding="utf-8"?>
 <p:sld xmlns:a="http://schemas.openxmlformats.org/drawingml/2006/main" xmlns:r="http://schemas.openxmlformats.org/officeDocument/2006/relationships" xmlns:p="http://schemas.openxmlformats.org/presentationml/2006/main">
   <p:cSld>
     <p:spTree>
@@ -23626,7 +21561,7 @@
           <a:p>
             <a:fld id="{D57F1E4F-1CFF-5643-939E-02111984F565}" type="slidenum">
               <a:rPr lang="en-US" smtClean="0"/>
-              <a:t>12</a:t>
+              <a:t>14</a:t>
             </a:fld>
             <a:endParaRPr lang="en-US" dirty="0"/>
           </a:p>
@@ -23652,7 +21587,7 @@
 </p:sld>
 </file>
 
-<file path=ppt/slides/slide13.xml><?xml version="1.0" encoding="utf-8"?>
+<file path=ppt/slides/slide15.xml><?xml version="1.0" encoding="utf-8"?>
 <p:sld xmlns:a="http://schemas.openxmlformats.org/drawingml/2006/main" xmlns:r="http://schemas.openxmlformats.org/officeDocument/2006/relationships" xmlns:p="http://schemas.openxmlformats.org/presentationml/2006/main">
   <p:cSld>
     <p:spTree>
@@ -23686,6 +21621,168 @@
           <a:p>
             <a:r>
               <a:rPr lang="en-US" dirty="0" smtClean="0"/>
+              <a:t>Two Ways to Participate</a:t>
+            </a:r>
+            <a:endParaRPr lang="en-US" dirty="0"/>
+          </a:p>
+        </p:txBody>
+      </p:sp>
+      <p:sp>
+        <p:nvSpPr>
+          <p:cNvPr id="3" name="Content Placeholder 2"/>
+          <p:cNvSpPr>
+            <a:spLocks noGrp="1"/>
+          </p:cNvSpPr>
+          <p:nvPr>
+            <p:ph idx="1"/>
+          </p:nvPr>
+        </p:nvSpPr>
+        <p:spPr/>
+        <p:txBody>
+          <a:bodyPr/>
+          <a:lstStyle/>
+          <a:p>
+            <a:r>
+              <a:rPr lang="en-US" dirty="0" smtClean="0">
+                <a:hlinkClick r:id="rId2"/>
+              </a:rPr>
+              <a:t>github.com/</a:t>
+            </a:r>
+            <a:r>
+              <a:rPr lang="en-US" dirty="0" err="1" smtClean="0">
+                <a:hlinkClick r:id="rId2"/>
+              </a:rPr>
+              <a:t>nicholas-vogt</a:t>
+            </a:r>
+            <a:r>
+              <a:rPr lang="en-US" dirty="0" smtClean="0">
+                <a:hlinkClick r:id="rId2"/>
+              </a:rPr>
+              <a:t>/modeling-march-madness</a:t>
+            </a:r>
+            <a:endParaRPr lang="en-US" dirty="0" smtClean="0"/>
+          </a:p>
+          <a:p>
+            <a:pPr marL="457200" indent="-457200">
+              <a:buFont typeface="+mj-lt"/>
+              <a:buAutoNum type="arabicPeriod"/>
+            </a:pPr>
+            <a:r>
+              <a:rPr lang="en-US" dirty="0" smtClean="0"/>
+              <a:t>Follow along with the </a:t>
+            </a:r>
+            <a:r>
+              <a:rPr lang="en-US" dirty="0" err="1" smtClean="0"/>
+              <a:t>github</a:t>
+            </a:r>
+            <a:r>
+              <a:rPr lang="en-US" dirty="0" smtClean="0"/>
+              <a:t> repo.</a:t>
+            </a:r>
+          </a:p>
+          <a:p>
+            <a:pPr marL="457200" indent="-457200">
+              <a:buFont typeface="+mj-lt"/>
+              <a:buAutoNum type="arabicPeriod"/>
+            </a:pPr>
+            <a:r>
+              <a:rPr lang="en-US" dirty="0" smtClean="0"/>
+              <a:t>Clone the repo and make notes as we go.</a:t>
+            </a:r>
+          </a:p>
+          <a:p>
+            <a:pPr marL="457200" indent="-457200">
+              <a:buFont typeface="+mj-lt"/>
+              <a:buAutoNum type="arabicPeriod"/>
+            </a:pPr>
+            <a:endParaRPr lang="en-US" dirty="0" smtClean="0"/>
+          </a:p>
+          <a:p>
+            <a:pPr marL="457200" indent="-457200">
+              <a:buFont typeface="+mj-lt"/>
+              <a:buAutoNum type="arabicPeriod"/>
+            </a:pPr>
+            <a:endParaRPr lang="en-US" dirty="0"/>
+          </a:p>
+        </p:txBody>
+      </p:sp>
+      <p:sp>
+        <p:nvSpPr>
+          <p:cNvPr id="4" name="Slide Number Placeholder 3"/>
+          <p:cNvSpPr>
+            <a:spLocks noGrp="1"/>
+          </p:cNvSpPr>
+          <p:nvPr>
+            <p:ph type="sldNum" sz="quarter" idx="12"/>
+          </p:nvPr>
+        </p:nvSpPr>
+        <p:spPr/>
+        <p:txBody>
+          <a:bodyPr/>
+          <a:lstStyle/>
+          <a:p>
+            <a:fld id="{D57F1E4F-1CFF-5643-939E-02111984F565}" type="slidenum">
+              <a:rPr lang="en-US" smtClean="0"/>
+              <a:t>15</a:t>
+            </a:fld>
+            <a:endParaRPr lang="en-US" dirty="0"/>
+          </a:p>
+        </p:txBody>
+      </p:sp>
+    </p:spTree>
+    <p:extLst>
+      <p:ext uri="{BB962C8B-B14F-4D97-AF65-F5344CB8AC3E}">
+        <p14:creationId xmlns:p14="http://schemas.microsoft.com/office/powerpoint/2010/main" val="1136497149"/>
+      </p:ext>
+    </p:extLst>
+  </p:cSld>
+  <p:clrMapOvr>
+    <a:masterClrMapping/>
+  </p:clrMapOvr>
+  <p:timing>
+    <p:tnLst>
+      <p:par>
+        <p:cTn id="1" dur="indefinite" restart="never" nodeType="tmRoot"/>
+      </p:par>
+    </p:tnLst>
+  </p:timing>
+</p:sld>
+</file>
+
+<file path=ppt/slides/slide16.xml><?xml version="1.0" encoding="utf-8"?>
+<p:sld xmlns:a="http://schemas.openxmlformats.org/drawingml/2006/main" xmlns:r="http://schemas.openxmlformats.org/officeDocument/2006/relationships" xmlns:p="http://schemas.openxmlformats.org/presentationml/2006/main">
+  <p:cSld>
+    <p:spTree>
+      <p:nvGrpSpPr>
+        <p:cNvPr id="1" name=""/>
+        <p:cNvGrpSpPr/>
+        <p:nvPr/>
+      </p:nvGrpSpPr>
+      <p:grpSpPr>
+        <a:xfrm>
+          <a:off x="0" y="0"/>
+          <a:ext cx="0" cy="0"/>
+          <a:chOff x="0" y="0"/>
+          <a:chExt cx="0" cy="0"/>
+        </a:xfrm>
+      </p:grpSpPr>
+      <p:sp>
+        <p:nvSpPr>
+          <p:cNvPr id="2" name="Title 1"/>
+          <p:cNvSpPr>
+            <a:spLocks noGrp="1"/>
+          </p:cNvSpPr>
+          <p:nvPr>
+            <p:ph type="title"/>
+          </p:nvPr>
+        </p:nvSpPr>
+        <p:spPr/>
+        <p:txBody>
+          <a:bodyPr/>
+          <a:lstStyle/>
+          <a:p>
+            <a:r>
+              <a:rPr lang="en-US" dirty="0" smtClean="0"/>
               <a:t>The </a:t>
             </a:r>
             <a:r>
@@ -23742,7 +21839,7 @@
           <a:p>
             <a:fld id="{D57F1E4F-1CFF-5643-939E-02111984F565}" type="slidenum">
               <a:rPr lang="en-US" smtClean="0"/>
-              <a:t>13</a:t>
+              <a:t>16</a:t>
             </a:fld>
             <a:endParaRPr lang="en-US" dirty="0"/>
           </a:p>
@@ -23768,534 +21865,6 @@
 </p:sld>
 </file>
 
-<file path=ppt/slides/slide14.xml><?xml version="1.0" encoding="utf-8"?>
-<p:sld xmlns:a="http://schemas.openxmlformats.org/drawingml/2006/main" xmlns:r="http://schemas.openxmlformats.org/officeDocument/2006/relationships" xmlns:p="http://schemas.openxmlformats.org/presentationml/2006/main">
-  <p:cSld>
-    <p:spTree>
-      <p:nvGrpSpPr>
-        <p:cNvPr id="1" name=""/>
-        <p:cNvGrpSpPr/>
-        <p:nvPr/>
-      </p:nvGrpSpPr>
-      <p:grpSpPr>
-        <a:xfrm>
-          <a:off x="0" y="0"/>
-          <a:ext cx="0" cy="0"/>
-          <a:chOff x="0" y="0"/>
-          <a:chExt cx="0" cy="0"/>
-        </a:xfrm>
-      </p:grpSpPr>
-      <p:sp>
-        <p:nvSpPr>
-          <p:cNvPr id="2" name="Title 1"/>
-          <p:cNvSpPr>
-            <a:spLocks noGrp="1"/>
-          </p:cNvSpPr>
-          <p:nvPr>
-            <p:ph type="title"/>
-          </p:nvPr>
-        </p:nvSpPr>
-        <p:spPr/>
-        <p:txBody>
-          <a:bodyPr/>
-          <a:lstStyle/>
-          <a:p>
-            <a:r>
-              <a:rPr lang="en-US" dirty="0" smtClean="0"/>
-              <a:t>Why scrape the whole page?</a:t>
-            </a:r>
-            <a:endParaRPr lang="en-US" dirty="0"/>
-          </a:p>
-        </p:txBody>
-      </p:sp>
-      <p:sp>
-        <p:nvSpPr>
-          <p:cNvPr id="3" name="Content Placeholder 2"/>
-          <p:cNvSpPr>
-            <a:spLocks noGrp="1"/>
-          </p:cNvSpPr>
-          <p:nvPr>
-            <p:ph idx="1"/>
-          </p:nvPr>
-        </p:nvSpPr>
-        <p:spPr/>
-        <p:txBody>
-          <a:bodyPr/>
-          <a:lstStyle/>
-          <a:p>
-            <a:r>
-              <a:rPr lang="en-US" dirty="0" smtClean="0"/>
-              <a:t>Avoid extra calls to the server when debugging mining script.</a:t>
-            </a:r>
-          </a:p>
-          <a:p>
-            <a:r>
-              <a:rPr lang="en-US" dirty="0" smtClean="0"/>
-              <a:t>Protect formatting in case of future changes to webpage. </a:t>
-            </a:r>
-            <a:endParaRPr lang="en-US" dirty="0"/>
-          </a:p>
-        </p:txBody>
-      </p:sp>
-      <p:sp>
-        <p:nvSpPr>
-          <p:cNvPr id="4" name="Slide Number Placeholder 3"/>
-          <p:cNvSpPr>
-            <a:spLocks noGrp="1"/>
-          </p:cNvSpPr>
-          <p:nvPr>
-            <p:ph type="sldNum" sz="quarter" idx="12"/>
-          </p:nvPr>
-        </p:nvSpPr>
-        <p:spPr/>
-        <p:txBody>
-          <a:bodyPr/>
-          <a:lstStyle/>
-          <a:p>
-            <a:fld id="{D57F1E4F-1CFF-5643-939E-02111984F565}" type="slidenum">
-              <a:rPr lang="en-US" smtClean="0"/>
-              <a:t>14</a:t>
-            </a:fld>
-            <a:endParaRPr lang="en-US" dirty="0"/>
-          </a:p>
-        </p:txBody>
-      </p:sp>
-    </p:spTree>
-    <p:extLst>
-      <p:ext uri="{BB962C8B-B14F-4D97-AF65-F5344CB8AC3E}">
-        <p14:creationId xmlns:p14="http://schemas.microsoft.com/office/powerpoint/2010/main" val="3982374691"/>
-      </p:ext>
-    </p:extLst>
-  </p:cSld>
-  <p:clrMapOvr>
-    <a:masterClrMapping/>
-  </p:clrMapOvr>
-</p:sld>
-</file>
-
-<file path=ppt/slides/slide15.xml><?xml version="1.0" encoding="utf-8"?>
-<p:sld xmlns:a="http://schemas.openxmlformats.org/drawingml/2006/main" xmlns:r="http://schemas.openxmlformats.org/officeDocument/2006/relationships" xmlns:p="http://schemas.openxmlformats.org/presentationml/2006/main">
-  <p:cSld>
-    <p:spTree>
-      <p:nvGrpSpPr>
-        <p:cNvPr id="1" name=""/>
-        <p:cNvGrpSpPr/>
-        <p:nvPr/>
-      </p:nvGrpSpPr>
-      <p:grpSpPr>
-        <a:xfrm>
-          <a:off x="0" y="0"/>
-          <a:ext cx="0" cy="0"/>
-          <a:chOff x="0" y="0"/>
-          <a:chExt cx="0" cy="0"/>
-        </a:xfrm>
-      </p:grpSpPr>
-      <p:sp>
-        <p:nvSpPr>
-          <p:cNvPr id="2" name="Title 1"/>
-          <p:cNvSpPr>
-            <a:spLocks noGrp="1"/>
-          </p:cNvSpPr>
-          <p:nvPr>
-            <p:ph type="title"/>
-          </p:nvPr>
-        </p:nvSpPr>
-        <p:spPr/>
-        <p:txBody>
-          <a:bodyPr/>
-          <a:lstStyle/>
-          <a:p>
-            <a:r>
-              <a:rPr lang="en-US" dirty="0" smtClean="0"/>
-              <a:t>Write raw html</a:t>
-            </a:r>
-            <a:endParaRPr lang="en-US" dirty="0"/>
-          </a:p>
-        </p:txBody>
-      </p:sp>
-      <p:sp>
-        <p:nvSpPr>
-          <p:cNvPr id="3" name="Content Placeholder 2"/>
-          <p:cNvSpPr>
-            <a:spLocks noGrp="1"/>
-          </p:cNvSpPr>
-          <p:nvPr>
-            <p:ph idx="1"/>
-          </p:nvPr>
-        </p:nvSpPr>
-        <p:spPr/>
-        <p:txBody>
-          <a:bodyPr/>
-          <a:lstStyle/>
-          <a:p>
-            <a:r>
-              <a:rPr lang="en-US" dirty="0" smtClean="0"/>
-              <a:t>If </a:t>
-            </a:r>
-            <a:r>
-              <a:rPr lang="en-US" dirty="0"/>
-              <a:t>you're writing and debugging code, store the data locally. There are two good reasons:</a:t>
-            </a:r>
-          </a:p>
-          <a:p>
-            <a:pPr marL="800100" lvl="1" indent="-342900">
-              <a:buFont typeface="+mj-lt"/>
-              <a:buAutoNum type="arabicPeriod"/>
-            </a:pPr>
-            <a:r>
-              <a:rPr lang="en-US" dirty="0"/>
-              <a:t>Sending the same request to a server dozens or possibly hundreds of times puts unnecessary burden on their systems.</a:t>
-            </a:r>
-          </a:p>
-          <a:p>
-            <a:pPr marL="800100" lvl="1" indent="-342900">
-              <a:buFont typeface="+mj-lt"/>
-              <a:buAutoNum type="arabicPeriod"/>
-            </a:pPr>
-            <a:r>
-              <a:rPr lang="en-US" dirty="0"/>
-              <a:t>It's faster to pull data from a local file.</a:t>
-            </a:r>
-          </a:p>
-          <a:p>
-            <a:r>
-              <a:rPr lang="en-US" dirty="0"/>
-              <a:t>Always write encoded bytes. </a:t>
-            </a:r>
-            <a:endParaRPr lang="en-US" dirty="0" smtClean="0"/>
-          </a:p>
-          <a:p>
-            <a:pPr lvl="1"/>
-            <a:r>
-              <a:rPr lang="en-US" dirty="0" smtClean="0"/>
-              <a:t>If </a:t>
-            </a:r>
-            <a:r>
-              <a:rPr lang="en-US" dirty="0"/>
-              <a:t>you don't yet know why, </a:t>
-            </a:r>
-            <a:r>
-              <a:rPr lang="en-US" dirty="0">
-                <a:hlinkClick r:id="rId3"/>
-              </a:rPr>
-              <a:t>check out Ned </a:t>
-            </a:r>
-            <a:r>
-              <a:rPr lang="en-US" dirty="0" err="1">
-                <a:hlinkClick r:id="rId3"/>
-              </a:rPr>
-              <a:t>Batchelder's</a:t>
-            </a:r>
-            <a:r>
-              <a:rPr lang="en-US" dirty="0">
-                <a:hlinkClick r:id="rId3"/>
-              </a:rPr>
-              <a:t> </a:t>
-            </a:r>
-            <a:r>
-              <a:rPr lang="en-US" dirty="0" err="1">
-                <a:hlinkClick r:id="rId3"/>
-              </a:rPr>
-              <a:t>PyCon</a:t>
-            </a:r>
-            <a:r>
-              <a:rPr lang="en-US" dirty="0">
-                <a:hlinkClick r:id="rId3"/>
-              </a:rPr>
-              <a:t> talk</a:t>
-            </a:r>
-            <a:r>
-              <a:rPr lang="en-US" dirty="0"/>
-              <a:t>. Watch every second of it. </a:t>
-            </a:r>
-          </a:p>
-          <a:p>
-            <a:r>
-              <a:rPr lang="en-US" dirty="0" smtClean="0"/>
-              <a:t>Add an ID number to each html file.</a:t>
-            </a:r>
-          </a:p>
-          <a:p>
-            <a:pPr lvl="1"/>
-            <a:r>
-              <a:rPr lang="en-US" dirty="0" smtClean="0"/>
-              <a:t>Hexadecimal is easily recognizable as an ID in your dataset. </a:t>
-            </a:r>
-          </a:p>
-          <a:p>
-            <a:pPr lvl="1"/>
-            <a:endParaRPr lang="en-US" dirty="0" smtClean="0"/>
-          </a:p>
-        </p:txBody>
-      </p:sp>
-      <p:sp>
-        <p:nvSpPr>
-          <p:cNvPr id="4" name="Slide Number Placeholder 3"/>
-          <p:cNvSpPr>
-            <a:spLocks noGrp="1"/>
-          </p:cNvSpPr>
-          <p:nvPr>
-            <p:ph type="sldNum" sz="quarter" idx="12"/>
-          </p:nvPr>
-        </p:nvSpPr>
-        <p:spPr/>
-        <p:txBody>
-          <a:bodyPr/>
-          <a:lstStyle/>
-          <a:p>
-            <a:fld id="{D57F1E4F-1CFF-5643-939E-02111984F565}" type="slidenum">
-              <a:rPr lang="en-US" smtClean="0"/>
-              <a:t>15</a:t>
-            </a:fld>
-            <a:endParaRPr lang="en-US" dirty="0"/>
-          </a:p>
-        </p:txBody>
-      </p:sp>
-    </p:spTree>
-    <p:extLst>
-      <p:ext uri="{BB962C8B-B14F-4D97-AF65-F5344CB8AC3E}">
-        <p14:creationId xmlns:p14="http://schemas.microsoft.com/office/powerpoint/2010/main" val="468135147"/>
-      </p:ext>
-    </p:extLst>
-  </p:cSld>
-  <p:clrMapOvr>
-    <a:masterClrMapping/>
-  </p:clrMapOvr>
-</p:sld>
-</file>
-
-<file path=ppt/slides/slide16.xml><?xml version="1.0" encoding="utf-8"?>
-<p:sld xmlns:a="http://schemas.openxmlformats.org/drawingml/2006/main" xmlns:r="http://schemas.openxmlformats.org/officeDocument/2006/relationships" xmlns:p="http://schemas.openxmlformats.org/presentationml/2006/main">
-  <p:cSld>
-    <p:spTree>
-      <p:nvGrpSpPr>
-        <p:cNvPr id="1" name=""/>
-        <p:cNvGrpSpPr/>
-        <p:nvPr/>
-      </p:nvGrpSpPr>
-      <p:grpSpPr>
-        <a:xfrm>
-          <a:off x="0" y="0"/>
-          <a:ext cx="0" cy="0"/>
-          <a:chOff x="0" y="0"/>
-          <a:chExt cx="0" cy="0"/>
-        </a:xfrm>
-      </p:grpSpPr>
-      <p:sp>
-        <p:nvSpPr>
-          <p:cNvPr id="2" name="Title 1"/>
-          <p:cNvSpPr>
-            <a:spLocks noGrp="1"/>
-          </p:cNvSpPr>
-          <p:nvPr>
-            <p:ph type="title"/>
-          </p:nvPr>
-        </p:nvSpPr>
-        <p:spPr/>
-        <p:txBody>
-          <a:bodyPr/>
-          <a:lstStyle/>
-          <a:p>
-            <a:r>
-              <a:rPr lang="en-US" dirty="0" smtClean="0"/>
-              <a:t>Bonus Tips</a:t>
-            </a:r>
-            <a:endParaRPr lang="en-US" dirty="0"/>
-          </a:p>
-        </p:txBody>
-      </p:sp>
-      <p:sp>
-        <p:nvSpPr>
-          <p:cNvPr id="3" name="Content Placeholder 2"/>
-          <p:cNvSpPr>
-            <a:spLocks noGrp="1"/>
-          </p:cNvSpPr>
-          <p:nvPr>
-            <p:ph idx="1"/>
-          </p:nvPr>
-        </p:nvSpPr>
-        <p:spPr/>
-        <p:txBody>
-          <a:bodyPr>
-            <a:normAutofit/>
-          </a:bodyPr>
-          <a:lstStyle/>
-          <a:p>
-            <a:r>
-              <a:rPr lang="en-US" dirty="0" smtClean="0"/>
-              <a:t>The </a:t>
-            </a:r>
-            <a:r>
-              <a:rPr lang="en-US" dirty="0" smtClean="0">
-                <a:latin typeface="Consolas" panose="020B0609020204030204" pitchFamily="49" charset="0"/>
-              </a:rPr>
-              <a:t>requests</a:t>
-            </a:r>
-            <a:r>
-              <a:rPr lang="en-US" dirty="0" smtClean="0"/>
-              <a:t> library has two ways to view html</a:t>
-            </a:r>
-          </a:p>
-          <a:p>
-            <a:pPr marL="800100" lvl="1" indent="-342900">
-              <a:buFont typeface="+mj-lt"/>
-              <a:buAutoNum type="arabicPeriod"/>
-            </a:pPr>
-            <a:r>
-              <a:rPr lang="en-US" altLang="en-US" sz="2000" dirty="0" err="1" smtClean="0">
-                <a:latin typeface="Consolas" panose="020B0609020204030204" pitchFamily="49" charset="0"/>
-              </a:rPr>
-              <a:t>requests.content</a:t>
-            </a:r>
-            <a:r>
-              <a:rPr lang="en-US" altLang="en-US" sz="2000" dirty="0" smtClean="0"/>
-              <a:t> </a:t>
-            </a:r>
-            <a:r>
-              <a:rPr lang="en-US" altLang="en-US" sz="2000" dirty="0"/>
-              <a:t>returns </a:t>
-            </a:r>
-            <a:r>
-              <a:rPr lang="en-US" altLang="en-US" sz="2000" dirty="0" smtClean="0"/>
-              <a:t>a Unicode encoded byte string </a:t>
-            </a:r>
-          </a:p>
-          <a:p>
-            <a:pPr marL="1200150" lvl="2" indent="-342900"/>
-            <a:r>
-              <a:rPr lang="en-US" altLang="en-US" dirty="0" smtClean="0"/>
-              <a:t>Print and </a:t>
-            </a:r>
-            <a:r>
-              <a:rPr lang="en-US" altLang="en-US" dirty="0"/>
-              <a:t>notice the "b" before "&lt;!</a:t>
-            </a:r>
-            <a:r>
-              <a:rPr lang="en-US" altLang="en-US" dirty="0" err="1"/>
-              <a:t>doctype</a:t>
-            </a:r>
-            <a:r>
-              <a:rPr lang="en-US" altLang="en-US" dirty="0"/>
-              <a:t> html</a:t>
-            </a:r>
-            <a:r>
-              <a:rPr lang="en-US" altLang="en-US" dirty="0" smtClean="0"/>
-              <a:t>&gt;”</a:t>
-            </a:r>
-          </a:p>
-          <a:p>
-            <a:pPr marL="800100" lvl="1" indent="-342900">
-              <a:buFont typeface="+mj-lt"/>
-              <a:buAutoNum type="arabicPeriod"/>
-            </a:pPr>
-            <a:r>
-              <a:rPr lang="en-US" altLang="en-US" sz="2000" dirty="0" err="1" smtClean="0">
-                <a:latin typeface="Consolas" panose="020B0609020204030204" pitchFamily="49" charset="0"/>
-              </a:rPr>
-              <a:t>requests.text</a:t>
-            </a:r>
-            <a:r>
-              <a:rPr lang="en-US" altLang="en-US" sz="2000" dirty="0" smtClean="0"/>
-              <a:t> </a:t>
-            </a:r>
-            <a:r>
-              <a:rPr lang="en-US" altLang="en-US" sz="2000" dirty="0"/>
-              <a:t>returns decoded utf-8 </a:t>
-            </a:r>
-            <a:endParaRPr lang="en-US" dirty="0" smtClean="0"/>
-          </a:p>
-          <a:p>
-            <a:r>
-              <a:rPr lang="en-US" dirty="0" smtClean="0"/>
-              <a:t>Circumvent smarter web design (but be careful)</a:t>
-            </a:r>
-          </a:p>
-          <a:p>
-            <a:pPr lvl="1"/>
-            <a:r>
-              <a:rPr lang="en-US" dirty="0" smtClean="0"/>
-              <a:t>Create a Session object (</a:t>
-            </a:r>
-            <a:r>
-              <a:rPr lang="en-US" dirty="0" err="1" smtClean="0">
-                <a:latin typeface="Consolas" panose="020B0609020204030204" pitchFamily="49" charset="0"/>
-              </a:rPr>
-              <a:t>requests.Session</a:t>
-            </a:r>
-            <a:r>
-              <a:rPr lang="en-US" dirty="0" smtClean="0"/>
-              <a:t>)</a:t>
-            </a:r>
-          </a:p>
-          <a:p>
-            <a:pPr lvl="1"/>
-            <a:r>
-              <a:rPr lang="en-US" dirty="0" smtClean="0"/>
-              <a:t>Activate your favorite VPN</a:t>
-            </a:r>
-          </a:p>
-          <a:p>
-            <a:pPr lvl="1"/>
-            <a:r>
-              <a:rPr lang="en-US" dirty="0" smtClean="0"/>
-              <a:t>Copy the headers used by your VPN (HTTP Headers is a good chrome extension)</a:t>
-            </a:r>
-          </a:p>
-          <a:p>
-            <a:pPr lvl="1"/>
-            <a:r>
-              <a:rPr lang="en-US" dirty="0" smtClean="0"/>
-              <a:t>Update </a:t>
-            </a:r>
-            <a:r>
-              <a:rPr lang="en-US" dirty="0" err="1" smtClean="0">
-                <a:latin typeface="Consolas" panose="020B0609020204030204" pitchFamily="49" charset="0"/>
-              </a:rPr>
-              <a:t>Session.headers</a:t>
-            </a:r>
-            <a:r>
-              <a:rPr lang="en-US" dirty="0" smtClean="0"/>
-              <a:t> attribute to the headers used by your VPN.</a:t>
-            </a:r>
-          </a:p>
-        </p:txBody>
-      </p:sp>
-      <p:sp>
-        <p:nvSpPr>
-          <p:cNvPr id="4" name="Slide Number Placeholder 3"/>
-          <p:cNvSpPr>
-            <a:spLocks noGrp="1"/>
-          </p:cNvSpPr>
-          <p:nvPr>
-            <p:ph type="sldNum" sz="quarter" idx="12"/>
-          </p:nvPr>
-        </p:nvSpPr>
-        <p:spPr/>
-        <p:txBody>
-          <a:bodyPr/>
-          <a:lstStyle/>
-          <a:p>
-            <a:fld id="{D57F1E4F-1CFF-5643-939E-02111984F565}" type="slidenum">
-              <a:rPr lang="en-US" smtClean="0"/>
-              <a:t>16</a:t>
-            </a:fld>
-            <a:endParaRPr lang="en-US" dirty="0"/>
-          </a:p>
-        </p:txBody>
-      </p:sp>
-    </p:spTree>
-    <p:extLst>
-      <p:ext uri="{BB962C8B-B14F-4D97-AF65-F5344CB8AC3E}">
-        <p14:creationId xmlns:p14="http://schemas.microsoft.com/office/powerpoint/2010/main" val="2451381201"/>
-      </p:ext>
-    </p:extLst>
-  </p:cSld>
-  <p:clrMapOvr>
-    <a:masterClrMapping/>
-  </p:clrMapOvr>
-</p:sld>
-</file>
-
 <file path=ppt/slides/slide17.xml><?xml version="1.0" encoding="utf-8"?>
 <p:sld xmlns:a="http://schemas.openxmlformats.org/drawingml/2006/main" xmlns:r="http://schemas.openxmlformats.org/officeDocument/2006/relationships" xmlns:p="http://schemas.openxmlformats.org/presentationml/2006/main">
   <p:cSld>
@@ -24320,36 +21889,7 @@
             <a:spLocks noGrp="1"/>
           </p:cNvSpPr>
           <p:nvPr>
-            <p:ph type="ctrTitle"/>
-          </p:nvPr>
-        </p:nvSpPr>
-        <p:spPr>
-          <a:xfrm>
-            <a:off x="1154955" y="1447801"/>
-            <a:ext cx="8825658" cy="2568388"/>
-          </a:xfrm>
-        </p:spPr>
-        <p:txBody>
-          <a:bodyPr/>
-          <a:lstStyle/>
-          <a:p>
-            <a:pPr algn="ctr"/>
-            <a:r>
-              <a:rPr lang="en-US" dirty="0" smtClean="0"/>
-              <a:t>Questions?</a:t>
-            </a:r>
-            <a:endParaRPr lang="en-US" dirty="0"/>
-          </a:p>
-        </p:txBody>
-      </p:sp>
-      <p:sp>
-        <p:nvSpPr>
-          <p:cNvPr id="4" name="Subtitle 3"/>
-          <p:cNvSpPr>
-            <a:spLocks noGrp="1"/>
-          </p:cNvSpPr>
-          <p:nvPr>
-            <p:ph type="subTitle" idx="1"/>
+            <p:ph type="title"/>
           </p:nvPr>
         </p:nvSpPr>
         <p:spPr/>
@@ -24357,13 +21897,46 @@
           <a:bodyPr/>
           <a:lstStyle/>
           <a:p>
-            <a:endParaRPr lang="en-US"/>
+            <a:r>
+              <a:rPr lang="en-US" dirty="0" smtClean="0"/>
+              <a:t>Why scrape the whole page?</a:t>
+            </a:r>
+            <a:endParaRPr lang="en-US" dirty="0"/>
           </a:p>
         </p:txBody>
       </p:sp>
       <p:sp>
         <p:nvSpPr>
-          <p:cNvPr id="3" name="Slide Number Placeholder 2"/>
+          <p:cNvPr id="3" name="Content Placeholder 2"/>
+          <p:cNvSpPr>
+            <a:spLocks noGrp="1"/>
+          </p:cNvSpPr>
+          <p:nvPr>
+            <p:ph idx="1"/>
+          </p:nvPr>
+        </p:nvSpPr>
+        <p:spPr/>
+        <p:txBody>
+          <a:bodyPr/>
+          <a:lstStyle/>
+          <a:p>
+            <a:r>
+              <a:rPr lang="en-US" dirty="0" smtClean="0"/>
+              <a:t>Avoid extra calls to the server when debugging mining script.</a:t>
+            </a:r>
+          </a:p>
+          <a:p>
+            <a:r>
+              <a:rPr lang="en-US" dirty="0" smtClean="0"/>
+              <a:t>Protect formatting in case of future changes to webpage. </a:t>
+            </a:r>
+            <a:endParaRPr lang="en-US" dirty="0"/>
+          </a:p>
+        </p:txBody>
+      </p:sp>
+      <p:sp>
+        <p:nvSpPr>
+          <p:cNvPr id="4" name="Slide Number Placeholder 3"/>
           <p:cNvSpPr>
             <a:spLocks noGrp="1"/>
           </p:cNvSpPr>
@@ -24387,7 +21960,7 @@
     </p:spTree>
     <p:extLst>
       <p:ext uri="{BB962C8B-B14F-4D97-AF65-F5344CB8AC3E}">
-        <p14:creationId xmlns:p14="http://schemas.microsoft.com/office/powerpoint/2010/main" val="4143914351"/>
+        <p14:creationId xmlns:p14="http://schemas.microsoft.com/office/powerpoint/2010/main" val="3982374691"/>
       </p:ext>
     </p:extLst>
   </p:cSld>
@@ -24431,7 +22004,7 @@
           <a:p>
             <a:r>
               <a:rPr lang="en-US" dirty="0" smtClean="0"/>
-              <a:t>Navigating HTML</a:t>
+              <a:t>Write raw html</a:t>
             </a:r>
             <a:endParaRPr lang="en-US" dirty="0"/>
           </a:p>
@@ -24439,12 +22012,12 @@
       </p:sp>
       <p:sp>
         <p:nvSpPr>
-          <p:cNvPr id="3" name="Text Placeholder 2"/>
+          <p:cNvPr id="3" name="Content Placeholder 2"/>
           <p:cNvSpPr>
             <a:spLocks noGrp="1"/>
           </p:cNvSpPr>
           <p:nvPr>
-            <p:ph type="body" idx="1"/>
+            <p:ph idx="1"/>
           </p:nvPr>
         </p:nvSpPr>
         <p:spPr/>
@@ -24453,10 +22026,102 @@
           <a:lstStyle/>
           <a:p>
             <a:r>
-              <a:rPr lang="en-US" cap="none" dirty="0" smtClean="0"/>
-              <a:t>Everything is a tree</a:t>
-            </a:r>
-            <a:endParaRPr lang="en-US" cap="none" dirty="0"/>
+              <a:rPr lang="en-US" dirty="0" smtClean="0"/>
+              <a:t>If </a:t>
+            </a:r>
+            <a:r>
+              <a:rPr lang="en-US" dirty="0"/>
+              <a:t>you're writing and debugging code, store the data locally. There are two good reasons:</a:t>
+            </a:r>
+          </a:p>
+          <a:p>
+            <a:pPr marL="800100" lvl="1" indent="-342900">
+              <a:buFont typeface="+mj-lt"/>
+              <a:buAutoNum type="arabicPeriod"/>
+            </a:pPr>
+            <a:r>
+              <a:rPr lang="en-US" dirty="0"/>
+              <a:t>Sending the same request to a server dozens or possibly hundreds of times puts unnecessary burden on their systems.</a:t>
+            </a:r>
+          </a:p>
+          <a:p>
+            <a:pPr marL="800100" lvl="1" indent="-342900">
+              <a:buFont typeface="+mj-lt"/>
+              <a:buAutoNum type="arabicPeriod"/>
+            </a:pPr>
+            <a:r>
+              <a:rPr lang="en-US" dirty="0"/>
+              <a:t>It's faster to pull data from a local file.</a:t>
+            </a:r>
+          </a:p>
+          <a:p>
+            <a:r>
+              <a:rPr lang="en-US" dirty="0"/>
+              <a:t>Always write encoded bytes. </a:t>
+            </a:r>
+            <a:endParaRPr lang="en-US" dirty="0" smtClean="0"/>
+          </a:p>
+          <a:p>
+            <a:pPr lvl="1"/>
+            <a:r>
+              <a:rPr lang="en-US" dirty="0" smtClean="0"/>
+              <a:t>If </a:t>
+            </a:r>
+            <a:r>
+              <a:rPr lang="en-US" dirty="0"/>
+              <a:t>you don't yet know why, </a:t>
+            </a:r>
+            <a:r>
+              <a:rPr lang="en-US" dirty="0">
+                <a:hlinkClick r:id="rId3"/>
+              </a:rPr>
+              <a:t>check out Ned </a:t>
+            </a:r>
+            <a:r>
+              <a:rPr lang="en-US" dirty="0" err="1">
+                <a:hlinkClick r:id="rId3"/>
+              </a:rPr>
+              <a:t>Batchelder's</a:t>
+            </a:r>
+            <a:r>
+              <a:rPr lang="en-US" dirty="0">
+                <a:hlinkClick r:id="rId3"/>
+              </a:rPr>
+              <a:t> </a:t>
+            </a:r>
+            <a:r>
+              <a:rPr lang="en-US" dirty="0" err="1">
+                <a:hlinkClick r:id="rId3"/>
+              </a:rPr>
+              <a:t>PyCon</a:t>
+            </a:r>
+            <a:r>
+              <a:rPr lang="en-US" dirty="0">
+                <a:hlinkClick r:id="rId3"/>
+              </a:rPr>
+              <a:t> talk</a:t>
+            </a:r>
+            <a:r>
+              <a:rPr lang="en-US" dirty="0"/>
+              <a:t>. Watch every second of it. </a:t>
+            </a:r>
+          </a:p>
+          <a:p>
+            <a:r>
+              <a:rPr lang="en-US" dirty="0" smtClean="0"/>
+              <a:t>Add an ID number to each html file.</a:t>
+            </a:r>
+          </a:p>
+          <a:p>
+            <a:pPr lvl="1"/>
+            <a:r>
+              <a:rPr lang="en-US" dirty="0" smtClean="0"/>
+              <a:t>Hexadecimal is easily recognizable as an ID in your dataset. </a:t>
+            </a:r>
+          </a:p>
+          <a:p>
+            <a:pPr lvl="1"/>
+            <a:endParaRPr lang="en-US" dirty="0" smtClean="0"/>
           </a:p>
         </p:txBody>
       </p:sp>
@@ -24486,20 +22151,13 @@
     </p:spTree>
     <p:extLst>
       <p:ext uri="{BB962C8B-B14F-4D97-AF65-F5344CB8AC3E}">
-        <p14:creationId xmlns:p14="http://schemas.microsoft.com/office/powerpoint/2010/main" val="2932477637"/>
+        <p14:creationId xmlns:p14="http://schemas.microsoft.com/office/powerpoint/2010/main" val="468135147"/>
       </p:ext>
     </p:extLst>
   </p:cSld>
   <p:clrMapOvr>
     <a:masterClrMapping/>
   </p:clrMapOvr>
-  <p:timing>
-    <p:tnLst>
-      <p:par>
-        <p:cTn id="1" dur="indefinite" restart="never" nodeType="tmRoot"/>
-      </p:par>
-    </p:tnLst>
-  </p:timing>
 </p:sld>
 </file>
 
@@ -24537,7 +22195,7 @@
           <a:p>
             <a:r>
               <a:rPr lang="en-US" dirty="0" smtClean="0"/>
-              <a:t>&lt;h1&gt;Review of HTML&lt;/h1&gt;</a:t>
+              <a:t>Bonus Tips</a:t>
             </a:r>
             <a:endParaRPr lang="en-US" dirty="0"/>
           </a:p>
@@ -24562,55 +22220,140 @@
           <a:p>
             <a:r>
               <a:rPr lang="en-US" dirty="0" smtClean="0"/>
-              <a:t>Hyper-Text Markup Language</a:t>
+              <a:t>The </a:t>
+            </a:r>
+            <a:r>
+              <a:rPr lang="en-US" dirty="0" smtClean="0">
+                <a:latin typeface="Consolas" panose="020B0609020204030204" pitchFamily="49" charset="0"/>
+              </a:rPr>
+              <a:t>requests</a:t>
+            </a:r>
+            <a:r>
+              <a:rPr lang="en-US" dirty="0" smtClean="0"/>
+              <a:t> library has two ways to view html</a:t>
+            </a:r>
+          </a:p>
+          <a:p>
+            <a:pPr marL="800100" lvl="1" indent="-342900">
+              <a:buFont typeface="+mj-lt"/>
+              <a:buAutoNum type="arabicPeriod"/>
+            </a:pPr>
+            <a:r>
+              <a:rPr lang="en-US" altLang="en-US" sz="2000" dirty="0" err="1" smtClean="0">
+                <a:latin typeface="Consolas" panose="020B0609020204030204" pitchFamily="49" charset="0"/>
+              </a:rPr>
+              <a:t>requests.content</a:t>
+            </a:r>
+            <a:r>
+              <a:rPr lang="en-US" altLang="en-US" sz="2000" dirty="0" smtClean="0"/>
+              <a:t> </a:t>
+            </a:r>
+            <a:r>
+              <a:rPr lang="en-US" altLang="en-US" sz="2000" dirty="0"/>
+              <a:t>returns </a:t>
+            </a:r>
+            <a:r>
+              <a:rPr lang="en-US" altLang="en-US" sz="2000" dirty="0" smtClean="0"/>
+              <a:t>a Unicode encoded byte string </a:t>
+            </a:r>
+          </a:p>
+          <a:p>
+            <a:pPr marL="1200150" lvl="2" indent="-342900"/>
+            <a:r>
+              <a:rPr lang="en-US" altLang="en-US" dirty="0" smtClean="0"/>
+              <a:t>Print and </a:t>
+            </a:r>
+            <a:r>
+              <a:rPr lang="en-US" altLang="en-US" dirty="0"/>
+              <a:t>notice the "b" before "&lt;!</a:t>
+            </a:r>
+            <a:r>
+              <a:rPr lang="en-US" altLang="en-US" dirty="0" err="1"/>
+              <a:t>doctype</a:t>
+            </a:r>
+            <a:r>
+              <a:rPr lang="en-US" altLang="en-US" dirty="0"/>
+              <a:t> html</a:t>
+            </a:r>
+            <a:r>
+              <a:rPr lang="en-US" altLang="en-US" dirty="0" smtClean="0"/>
+              <a:t>&gt;”</a:t>
+            </a:r>
+          </a:p>
+          <a:p>
+            <a:pPr marL="800100" lvl="1" indent="-342900">
+              <a:buFont typeface="+mj-lt"/>
+              <a:buAutoNum type="arabicPeriod"/>
+            </a:pPr>
+            <a:r>
+              <a:rPr lang="en-US" altLang="en-US" sz="2000" dirty="0" err="1" smtClean="0">
+                <a:latin typeface="Consolas" panose="020B0609020204030204" pitchFamily="49" charset="0"/>
+              </a:rPr>
+              <a:t>requests.text</a:t>
+            </a:r>
+            <a:r>
+              <a:rPr lang="en-US" altLang="en-US" sz="2000" dirty="0" smtClean="0"/>
+              <a:t> </a:t>
+            </a:r>
+            <a:r>
+              <a:rPr lang="en-US" altLang="en-US" sz="2000" dirty="0"/>
+              <a:t>returns decoded utf-8 </a:t>
+            </a:r>
+            <a:endParaRPr lang="en-US" dirty="0" smtClean="0"/>
+          </a:p>
+          <a:p>
+            <a:r>
+              <a:rPr lang="en-US" dirty="0" smtClean="0"/>
+              <a:t>Circumvent smarter web design (but be careful)</a:t>
             </a:r>
           </a:p>
           <a:p>
             <a:pPr lvl="1"/>
             <a:r>
               <a:rPr lang="en-US" dirty="0" smtClean="0"/>
-              <a:t>Structured Data</a:t>
+              <a:t>Create a Session object (</a:t>
+            </a:r>
+            <a:r>
+              <a:rPr lang="en-US" dirty="0" err="1" smtClean="0">
+                <a:latin typeface="Consolas" panose="020B0609020204030204" pitchFamily="49" charset="0"/>
+              </a:rPr>
+              <a:t>requests.Session</a:t>
+            </a:r>
+            <a:r>
+              <a:rPr lang="en-US" dirty="0" smtClean="0"/>
+              <a:t>)</a:t>
             </a:r>
           </a:p>
           <a:p>
             <a:pPr lvl="1"/>
             <a:r>
               <a:rPr lang="en-US" dirty="0" smtClean="0"/>
-              <a:t>How the internet talks</a:t>
-            </a:r>
-          </a:p>
-          <a:p>
+              <a:t>Activate your favorite VPN</a:t>
+            </a:r>
+          </a:p>
+          <a:p>
+            <a:pPr lvl="1"/>
             <a:r>
               <a:rPr lang="en-US" dirty="0" smtClean="0"/>
-              <a:t>You don’t need to be a web dev to scrape effectively!</a:t>
-            </a:r>
-          </a:p>
-          <a:p>
-            <a:r>
-              <a:rPr lang="en-US" dirty="0"/>
-              <a:t>If you get confused along the way, I encourage you to take </a:t>
-            </a:r>
-            <a:r>
-              <a:rPr lang="en-US" dirty="0" err="1">
-                <a:hlinkClick r:id="rId3"/>
+              <a:t>Copy the headers used by your VPN (HTTP Headers is a good chrome extension)</a:t>
+            </a:r>
+          </a:p>
+          <a:p>
+            <a:pPr lvl="1"/>
+            <a:r>
+              <a:rPr lang="en-US" dirty="0" smtClean="0"/>
+              <a:t>Update </a:t>
+            </a:r>
+            <a:r>
+              <a:rPr lang="en-US" dirty="0" err="1" smtClean="0">
+                <a:latin typeface="Consolas" panose="020B0609020204030204" pitchFamily="49" charset="0"/>
               </a:rPr>
-              <a:t>Codecademy's</a:t>
-            </a:r>
-            <a:r>
-              <a:rPr lang="en-US" dirty="0">
-                <a:hlinkClick r:id="rId3"/>
-              </a:rPr>
-              <a:t> HTML Basics</a:t>
-            </a:r>
-            <a:r>
-              <a:rPr lang="en-US" dirty="0"/>
-              <a:t> course. It's short and explains things better than I can in this workshop</a:t>
+              <a:t>Session.headers</a:t>
             </a:r>
             <a:r>
               <a:rPr lang="en-US" dirty="0" smtClean="0"/>
-              <a:t>.</a:t>
-            </a:r>
-            <a:endParaRPr lang="en-US" dirty="0"/>
+              <a:t> attribute to the headers used by your VPN.</a:t>
+            </a:r>
           </a:p>
         </p:txBody>
       </p:sp>
@@ -24640,20 +22383,13 @@
     </p:spTree>
     <p:extLst>
       <p:ext uri="{BB962C8B-B14F-4D97-AF65-F5344CB8AC3E}">
-        <p14:creationId xmlns:p14="http://schemas.microsoft.com/office/powerpoint/2010/main" val="1080653822"/>
+        <p14:creationId xmlns:p14="http://schemas.microsoft.com/office/powerpoint/2010/main" val="2451381201"/>
       </p:ext>
     </p:extLst>
   </p:cSld>
   <p:clrMapOvr>
     <a:masterClrMapping/>
   </p:clrMapOvr>
-  <p:timing>
-    <p:tnLst>
-      <p:par>
-        <p:cTn id="1" dur="indefinite" restart="never" nodeType="tmRoot"/>
-      </p:par>
-    </p:tnLst>
-  </p:timing>
 </p:sld>
 </file>
 
@@ -24691,11 +22427,7 @@
           <a:p>
             <a:r>
               <a:rPr lang="en-US" dirty="0" smtClean="0"/>
-              <a:t>Who am I? </a:t>
-            </a:r>
-            <a:r>
-              <a:rPr lang="en-US" dirty="0" smtClean="0"/>
-              <a:t>Nick Vogt</a:t>
+              <a:t>Who am I? Nick Vogt</a:t>
             </a:r>
             <a:endParaRPr lang="en-US" dirty="0"/>
           </a:p>
@@ -24739,22 +22471,14 @@
           <a:p>
             <a:r>
               <a:rPr lang="en-US" dirty="0" smtClean="0"/>
-              <a:t>Python </a:t>
-            </a:r>
+              <a:t>Python Enthusiast</a:t>
+            </a:r>
+            <a:endParaRPr lang="en-US" dirty="0"/>
+          </a:p>
+          <a:p>
             <a:r>
               <a:rPr lang="en-US" dirty="0" smtClean="0"/>
-              <a:t>Enthusiast</a:t>
-            </a:r>
-            <a:endParaRPr lang="en-US" dirty="0"/>
-          </a:p>
-          <a:p>
-            <a:r>
-              <a:rPr lang="en-US" dirty="0" smtClean="0"/>
-              <a:t>Sports </a:t>
-            </a:r>
-            <a:r>
-              <a:rPr lang="en-US" dirty="0" smtClean="0"/>
-              <a:t>Fanatic</a:t>
+              <a:t>Sports Fanatic</a:t>
             </a:r>
           </a:p>
           <a:p>
@@ -24766,7 +22490,6 @@
               <a:rPr lang="en-US" dirty="0" smtClean="0"/>
               <a:t>Ford</a:t>
             </a:r>
-            <a:endParaRPr lang="en-US" dirty="0" smtClean="0"/>
           </a:p>
         </p:txBody>
       </p:sp>
@@ -24837,7 +22560,36 @@
             <a:spLocks noGrp="1"/>
           </p:cNvSpPr>
           <p:nvPr>
-            <p:ph type="title"/>
+            <p:ph type="ctrTitle"/>
+          </p:nvPr>
+        </p:nvSpPr>
+        <p:spPr>
+          <a:xfrm>
+            <a:off x="1154955" y="1447801"/>
+            <a:ext cx="8825658" cy="2568388"/>
+          </a:xfrm>
+        </p:spPr>
+        <p:txBody>
+          <a:bodyPr/>
+          <a:lstStyle/>
+          <a:p>
+            <a:pPr algn="ctr"/>
+            <a:r>
+              <a:rPr lang="en-US" dirty="0" smtClean="0"/>
+              <a:t>Questions?</a:t>
+            </a:r>
+            <a:endParaRPr lang="en-US" dirty="0"/>
+          </a:p>
+        </p:txBody>
+      </p:sp>
+      <p:sp>
+        <p:nvSpPr>
+          <p:cNvPr id="4" name="Subtitle 3"/>
+          <p:cNvSpPr>
+            <a:spLocks noGrp="1"/>
+          </p:cNvSpPr>
+          <p:nvPr>
+            <p:ph type="subTitle" idx="1"/>
           </p:nvPr>
         </p:nvSpPr>
         <p:spPr/>
@@ -24845,133 +22597,13 @@
           <a:bodyPr/>
           <a:lstStyle/>
           <a:p>
-            <a:r>
-              <a:rPr lang="en-US" dirty="0" smtClean="0"/>
-              <a:t>Let’s Talk about Trees</a:t>
-            </a:r>
-            <a:endParaRPr lang="en-US" dirty="0"/>
+            <a:endParaRPr lang="en-US"/>
           </a:p>
         </p:txBody>
       </p:sp>
       <p:sp>
         <p:nvSpPr>
-          <p:cNvPr id="3" name="Content Placeholder 2"/>
-          <p:cNvSpPr>
-            <a:spLocks noGrp="1"/>
-          </p:cNvSpPr>
-          <p:nvPr>
-            <p:ph idx="1"/>
-          </p:nvPr>
-        </p:nvSpPr>
-        <p:spPr/>
-        <p:txBody>
-          <a:bodyPr/>
-          <a:lstStyle/>
-          <a:p>
-            <a:r>
-              <a:rPr lang="en-US" dirty="0" smtClean="0"/>
-              <a:t>Nick’s Workshops 2017</a:t>
-            </a:r>
-          </a:p>
-          <a:p>
-            <a:pPr lvl="1"/>
-            <a:r>
-              <a:rPr lang="en-US" dirty="0" smtClean="0"/>
-              <a:t>/data</a:t>
-            </a:r>
-          </a:p>
-          <a:p>
-            <a:pPr lvl="2"/>
-            <a:r>
-              <a:rPr lang="en-US" dirty="0" smtClean="0"/>
-              <a:t>cbb-scores-2016-2017.csv</a:t>
-            </a:r>
-          </a:p>
-          <a:p>
-            <a:pPr lvl="1"/>
-            <a:r>
-              <a:rPr lang="en-US" dirty="0" smtClean="0"/>
-              <a:t>/</a:t>
-            </a:r>
-            <a:r>
-              <a:rPr lang="en-US" dirty="0" err="1" smtClean="0"/>
-              <a:t>src</a:t>
-            </a:r>
-            <a:endParaRPr lang="en-US" dirty="0" smtClean="0"/>
-          </a:p>
-          <a:p>
-            <a:pPr lvl="2"/>
-            <a:r>
-              <a:rPr lang="en-US" dirty="0" smtClean="0"/>
-              <a:t>Scraper.py</a:t>
-            </a:r>
-          </a:p>
-          <a:p>
-            <a:pPr lvl="2"/>
-            <a:r>
-              <a:rPr lang="en-US" dirty="0" smtClean="0"/>
-              <a:t>web-scraping-with-beautiful-</a:t>
-            </a:r>
-            <a:r>
-              <a:rPr lang="en-US" dirty="0" err="1" smtClean="0"/>
-              <a:t>soup.ipynb</a:t>
-            </a:r>
-            <a:endParaRPr lang="en-US" dirty="0" smtClean="0"/>
-          </a:p>
-          <a:p>
-            <a:pPr lvl="1"/>
-            <a:r>
-              <a:rPr lang="en-US" dirty="0"/>
-              <a:t>1 Web Scraping with </a:t>
-            </a:r>
-            <a:r>
-              <a:rPr lang="en-US" dirty="0" smtClean="0"/>
-              <a:t>BeautifulSoup.pptx</a:t>
-            </a:r>
-          </a:p>
-          <a:p>
-            <a:pPr lvl="1"/>
-            <a:r>
-              <a:rPr lang="en-US" dirty="0" smtClean="0"/>
-              <a:t>2 </a:t>
-            </a:r>
-            <a:r>
-              <a:rPr lang="en-US" dirty="0"/>
-              <a:t>Mining and Feature </a:t>
-            </a:r>
-            <a:r>
-              <a:rPr lang="en-US" dirty="0" smtClean="0"/>
-              <a:t>Engineering.pptx</a:t>
-            </a:r>
-          </a:p>
-          <a:p>
-            <a:pPr lvl="1"/>
-            <a:r>
-              <a:rPr lang="en-US" dirty="0"/>
-              <a:t>3 Choosing a </a:t>
-            </a:r>
-            <a:r>
-              <a:rPr lang="en-US" dirty="0" smtClean="0"/>
-              <a:t>Model.pptx</a:t>
-            </a:r>
-          </a:p>
-          <a:p>
-            <a:pPr lvl="1"/>
-            <a:r>
-              <a:rPr lang="en-US" dirty="0"/>
-              <a:t>4 Model Evaluation.pptx</a:t>
-            </a:r>
-            <a:endParaRPr lang="en-US" dirty="0" smtClean="0"/>
-          </a:p>
-          <a:p>
-            <a:pPr lvl="1"/>
-            <a:endParaRPr lang="en-US" dirty="0"/>
-          </a:p>
-        </p:txBody>
-      </p:sp>
-      <p:sp>
-        <p:nvSpPr>
-          <p:cNvPr id="4" name="Slide Number Placeholder 3"/>
+          <p:cNvPr id="3" name="Slide Number Placeholder 2"/>
           <p:cNvSpPr>
             <a:spLocks noGrp="1"/>
           </p:cNvSpPr>
@@ -24995,20 +22627,13 @@
     </p:spTree>
     <p:extLst>
       <p:ext uri="{BB962C8B-B14F-4D97-AF65-F5344CB8AC3E}">
-        <p14:creationId xmlns:p14="http://schemas.microsoft.com/office/powerpoint/2010/main" val="3303914423"/>
+        <p14:creationId xmlns:p14="http://schemas.microsoft.com/office/powerpoint/2010/main" val="4143914351"/>
       </p:ext>
     </p:extLst>
   </p:cSld>
   <p:clrMapOvr>
     <a:masterClrMapping/>
   </p:clrMapOvr>
-  <p:timing>
-    <p:tnLst>
-      <p:par>
-        <p:cTn id="1" dur="indefinite" restart="never" nodeType="tmRoot"/>
-      </p:par>
-    </p:tnLst>
-  </p:timing>
 </p:sld>
 </file>
 
@@ -25046,40 +22671,38 @@
           <a:p>
             <a:r>
               <a:rPr lang="en-US" dirty="0" smtClean="0"/>
-              <a:t>Let’s Talk about Trees</a:t>
+              <a:t>Navigating HTML</a:t>
             </a:r>
             <a:endParaRPr lang="en-US" dirty="0"/>
           </a:p>
         </p:txBody>
       </p:sp>
-      <p:graphicFrame>
-        <p:nvGraphicFramePr>
-          <p:cNvPr id="4" name="Content Placeholder 3"/>
-          <p:cNvGraphicFramePr>
-            <a:graphicFrameLocks noGrp="1"/>
-          </p:cNvGraphicFramePr>
-          <p:nvPr>
-            <p:ph idx="1"/>
-            <p:extLst>
-              <p:ext uri="{D42A27DB-BD31-4B8C-83A1-F6EECF244321}">
-                <p14:modId xmlns:p14="http://schemas.microsoft.com/office/powerpoint/2010/main" val="3096344208"/>
-              </p:ext>
-            </p:extLst>
-          </p:nvPr>
-        </p:nvGraphicFramePr>
-        <p:xfrm>
-          <a:off x="1103313" y="2052638"/>
-          <a:ext cx="8947150" cy="4195762"/>
-        </p:xfrm>
-        <a:graphic>
-          <a:graphicData uri="http://schemas.openxmlformats.org/drawingml/2006/diagram">
-            <dgm:relIds xmlns:dgm="http://schemas.openxmlformats.org/drawingml/2006/diagram" xmlns:r="http://schemas.openxmlformats.org/officeDocument/2006/relationships" r:dm="rId2" r:lo="rId3" r:qs="rId4" r:cs="rId5"/>
-          </a:graphicData>
-        </a:graphic>
-      </p:graphicFrame>
-      <p:sp>
-        <p:nvSpPr>
-          <p:cNvPr id="3" name="Slide Number Placeholder 2"/>
+      <p:sp>
+        <p:nvSpPr>
+          <p:cNvPr id="3" name="Text Placeholder 2"/>
+          <p:cNvSpPr>
+            <a:spLocks noGrp="1"/>
+          </p:cNvSpPr>
+          <p:nvPr>
+            <p:ph type="body" idx="1"/>
+          </p:nvPr>
+        </p:nvSpPr>
+        <p:spPr/>
+        <p:txBody>
+          <a:bodyPr/>
+          <a:lstStyle/>
+          <a:p>
+            <a:r>
+              <a:rPr lang="en-US" cap="none" dirty="0" smtClean="0"/>
+              <a:t>Everything is a tree</a:t>
+            </a:r>
+            <a:endParaRPr lang="en-US" cap="none" dirty="0"/>
+          </a:p>
+        </p:txBody>
+      </p:sp>
+      <p:sp>
+        <p:nvSpPr>
+          <p:cNvPr id="4" name="Slide Number Placeholder 3"/>
           <p:cNvSpPr>
             <a:spLocks noGrp="1"/>
           </p:cNvSpPr>
@@ -25103,7 +22726,7 @@
     </p:spTree>
     <p:extLst>
       <p:ext uri="{BB962C8B-B14F-4D97-AF65-F5344CB8AC3E}">
-        <p14:creationId xmlns:p14="http://schemas.microsoft.com/office/powerpoint/2010/main" val="4012767007"/>
+        <p14:creationId xmlns:p14="http://schemas.microsoft.com/office/powerpoint/2010/main" val="2932477637"/>
       </p:ext>
     </p:extLst>
   </p:cSld>
@@ -25154,40 +22777,86 @@
           <a:p>
             <a:r>
               <a:rPr lang="en-US" dirty="0" smtClean="0"/>
-              <a:t>HTML stores information as a tree</a:t>
+              <a:t>&lt;h1&gt;Review of HTML&lt;/h1&gt;</a:t>
             </a:r>
             <a:endParaRPr lang="en-US" dirty="0"/>
           </a:p>
         </p:txBody>
       </p:sp>
-      <p:graphicFrame>
-        <p:nvGraphicFramePr>
-          <p:cNvPr id="10" name="Content Placeholder 9"/>
-          <p:cNvGraphicFramePr>
-            <a:graphicFrameLocks noGrp="1"/>
-          </p:cNvGraphicFramePr>
+      <p:sp>
+        <p:nvSpPr>
+          <p:cNvPr id="3" name="Content Placeholder 2"/>
+          <p:cNvSpPr>
+            <a:spLocks noGrp="1"/>
+          </p:cNvSpPr>
           <p:nvPr>
             <p:ph idx="1"/>
-            <p:extLst>
-              <p:ext uri="{D42A27DB-BD31-4B8C-83A1-F6EECF244321}">
-                <p14:modId xmlns:p14="http://schemas.microsoft.com/office/powerpoint/2010/main" val="4013477464"/>
-              </p:ext>
-            </p:extLst>
-          </p:nvPr>
-        </p:nvGraphicFramePr>
-        <p:xfrm>
-          <a:off x="1103313" y="2052638"/>
-          <a:ext cx="8947150" cy="4195762"/>
-        </p:xfrm>
-        <a:graphic>
-          <a:graphicData uri="http://schemas.openxmlformats.org/drawingml/2006/diagram">
-            <dgm:relIds xmlns:dgm="http://schemas.openxmlformats.org/drawingml/2006/diagram" xmlns:r="http://schemas.openxmlformats.org/officeDocument/2006/relationships" r:dm="rId2" r:lo="rId3" r:qs="rId4" r:cs="rId5"/>
-          </a:graphicData>
-        </a:graphic>
-      </p:graphicFrame>
-      <p:sp>
-        <p:nvSpPr>
-          <p:cNvPr id="3" name="Slide Number Placeholder 2"/>
+          </p:nvPr>
+        </p:nvSpPr>
+        <p:spPr/>
+        <p:txBody>
+          <a:bodyPr>
+            <a:normAutofit/>
+          </a:bodyPr>
+          <a:lstStyle/>
+          <a:p>
+            <a:r>
+              <a:rPr lang="en-US" dirty="0" smtClean="0"/>
+              <a:t>Hyper-Text Markup Language</a:t>
+            </a:r>
+          </a:p>
+          <a:p>
+            <a:pPr lvl="1"/>
+            <a:r>
+              <a:rPr lang="en-US" dirty="0" smtClean="0"/>
+              <a:t>Structured Data</a:t>
+            </a:r>
+          </a:p>
+          <a:p>
+            <a:pPr lvl="1"/>
+            <a:r>
+              <a:rPr lang="en-US" dirty="0" smtClean="0"/>
+              <a:t>How the internet talks</a:t>
+            </a:r>
+          </a:p>
+          <a:p>
+            <a:r>
+              <a:rPr lang="en-US" dirty="0" smtClean="0"/>
+              <a:t>You don’t need to be a web dev to scrape effectively!</a:t>
+            </a:r>
+          </a:p>
+          <a:p>
+            <a:r>
+              <a:rPr lang="en-US" dirty="0"/>
+              <a:t>If you get confused along the way, I encourage you to take </a:t>
+            </a:r>
+            <a:r>
+              <a:rPr lang="en-US" dirty="0" err="1">
+                <a:hlinkClick r:id="rId3"/>
+              </a:rPr>
+              <a:t>Codecademy's</a:t>
+            </a:r>
+            <a:r>
+              <a:rPr lang="en-US" dirty="0">
+                <a:hlinkClick r:id="rId3"/>
+              </a:rPr>
+              <a:t> HTML Basics</a:t>
+            </a:r>
+            <a:r>
+              <a:rPr lang="en-US" dirty="0"/>
+              <a:t> course. It's short and explains things better than I can in this workshop</a:t>
+            </a:r>
+            <a:r>
+              <a:rPr lang="en-US" dirty="0" smtClean="0"/>
+              <a:t>.</a:t>
+            </a:r>
+            <a:endParaRPr lang="en-US" dirty="0"/>
+          </a:p>
+        </p:txBody>
+      </p:sp>
+      <p:sp>
+        <p:nvSpPr>
+          <p:cNvPr id="4" name="Slide Number Placeholder 3"/>
           <p:cNvSpPr>
             <a:spLocks noGrp="1"/>
           </p:cNvSpPr>
@@ -25211,7 +22880,7 @@
     </p:spTree>
     <p:extLst>
       <p:ext uri="{BB962C8B-B14F-4D97-AF65-F5344CB8AC3E}">
-        <p14:creationId xmlns:p14="http://schemas.microsoft.com/office/powerpoint/2010/main" val="3609874286"/>
+        <p14:creationId xmlns:p14="http://schemas.microsoft.com/office/powerpoint/2010/main" val="1080653822"/>
       </p:ext>
     </p:extLst>
   </p:cSld>
@@ -25261,9 +22930,10 @@
           <a:lstStyle/>
           <a:p>
             <a:r>
-              <a:rPr lang="en-US" dirty="0"/>
-              <a:t>HTML stores information as a tree</a:t>
-            </a:r>
+              <a:rPr lang="en-US" dirty="0" smtClean="0"/>
+              <a:t>Let’s Talk about Trees</a:t>
+            </a:r>
+            <a:endParaRPr lang="en-US" dirty="0"/>
           </a:p>
         </p:txBody>
       </p:sp>
@@ -25274,69 +22944,7 @@
             <a:spLocks noGrp="1"/>
           </p:cNvSpPr>
           <p:nvPr>
-            <p:ph sz="half" idx="1"/>
-          </p:nvPr>
-        </p:nvSpPr>
-        <p:spPr/>
-        <p:txBody>
-          <a:bodyPr>
-            <a:normAutofit/>
-          </a:bodyPr>
-          <a:lstStyle/>
-          <a:p>
-            <a:r>
-              <a:rPr lang="en-US" sz="2800" dirty="0" smtClean="0"/>
-              <a:t>HTML</a:t>
-            </a:r>
-          </a:p>
-          <a:p>
-            <a:pPr lvl="1"/>
-            <a:r>
-              <a:rPr lang="en-US" sz="2400" dirty="0" smtClean="0"/>
-              <a:t>head</a:t>
-            </a:r>
-          </a:p>
-          <a:p>
-            <a:pPr lvl="2"/>
-            <a:r>
-              <a:rPr lang="en-US" sz="2000" dirty="0" smtClean="0"/>
-              <a:t>title “Nick’s Workshop”</a:t>
-            </a:r>
-          </a:p>
-          <a:p>
-            <a:pPr lvl="1"/>
-            <a:r>
-              <a:rPr lang="en-US" sz="2400" dirty="0" smtClean="0"/>
-              <a:t>body</a:t>
-            </a:r>
-          </a:p>
-          <a:p>
-            <a:pPr lvl="2"/>
-            <a:r>
-              <a:rPr lang="en-US" sz="2000" dirty="0" smtClean="0"/>
-              <a:t>h1: “Nick’s Workshop”</a:t>
-            </a:r>
-          </a:p>
-          <a:p>
-            <a:pPr lvl="2"/>
-            <a:r>
-              <a:rPr lang="en-US" sz="2000" dirty="0" smtClean="0"/>
-              <a:t>h3: “Welcome!”</a:t>
-            </a:r>
-          </a:p>
-          <a:p>
-            <a:endParaRPr lang="en-US" sz="2800" dirty="0"/>
-          </a:p>
-        </p:txBody>
-      </p:sp>
-      <p:sp>
-        <p:nvSpPr>
-          <p:cNvPr id="4" name="Content Placeholder 3"/>
-          <p:cNvSpPr>
-            <a:spLocks noGrp="1"/>
-          </p:cNvSpPr>
-          <p:nvPr>
-            <p:ph sz="half" idx="2"/>
+            <p:ph idx="1"/>
           </p:nvPr>
         </p:nvSpPr>
         <p:spPr/>
@@ -25344,105 +22952,110 @@
           <a:bodyPr/>
           <a:lstStyle/>
           <a:p>
-            <a:pPr marL="0" indent="0">
-              <a:buNone/>
-            </a:pPr>
             <a:r>
               <a:rPr lang="en-US" dirty="0" smtClean="0"/>
-              <a:t>&lt;html&gt;</a:t>
-            </a:r>
+              <a:t>Nick’s Workshops 2017</a:t>
+            </a:r>
+          </a:p>
+          <a:p>
+            <a:pPr lvl="1"/>
+            <a:r>
+              <a:rPr lang="en-US" dirty="0" smtClean="0"/>
+              <a:t>/data</a:t>
+            </a:r>
+          </a:p>
+          <a:p>
+            <a:pPr lvl="2"/>
+            <a:r>
+              <a:rPr lang="en-US" dirty="0" smtClean="0"/>
+              <a:t>cbb-scores-2016-2017.csv</a:t>
+            </a:r>
+          </a:p>
+          <a:p>
+            <a:pPr lvl="1"/>
+            <a:r>
+              <a:rPr lang="en-US" dirty="0" smtClean="0"/>
+              <a:t>/</a:t>
+            </a:r>
+            <a:r>
+              <a:rPr lang="en-US" dirty="0" err="1" smtClean="0"/>
+              <a:t>src</a:t>
+            </a:r>
+            <a:endParaRPr lang="en-US" dirty="0" smtClean="0"/>
+          </a:p>
+          <a:p>
+            <a:pPr lvl="2"/>
+            <a:r>
+              <a:rPr lang="en-US" dirty="0" smtClean="0"/>
+              <a:t>Scraper.py</a:t>
+            </a:r>
+          </a:p>
+          <a:p>
+            <a:pPr lvl="2"/>
+            <a:r>
+              <a:rPr lang="en-US" dirty="0" smtClean="0"/>
+              <a:t>web-scraping-with-beautiful-</a:t>
+            </a:r>
+            <a:r>
+              <a:rPr lang="en-US" dirty="0" err="1" smtClean="0"/>
+              <a:t>soup.ipynb</a:t>
+            </a:r>
+            <a:endParaRPr lang="en-US" dirty="0" smtClean="0"/>
+          </a:p>
+          <a:p>
+            <a:pPr lvl="1"/>
+            <a:r>
+              <a:rPr lang="en-US" dirty="0"/>
+              <a:t>1 Web Scraping with </a:t>
+            </a:r>
+            <a:r>
+              <a:rPr lang="en-US" dirty="0" smtClean="0"/>
+              <a:t>BeautifulSoup.pptx</a:t>
+            </a:r>
+          </a:p>
+          <a:p>
+            <a:pPr lvl="1"/>
+            <a:r>
+              <a:rPr lang="en-US" dirty="0" smtClean="0"/>
+              <a:t>2 </a:t>
+            </a:r>
+            <a:r>
+              <a:rPr lang="en-US" dirty="0"/>
+              <a:t>Mining and Feature </a:t>
+            </a:r>
+            <a:r>
+              <a:rPr lang="en-US" dirty="0" smtClean="0"/>
+              <a:t>Engineering.pptx</a:t>
+            </a:r>
+          </a:p>
+          <a:p>
+            <a:pPr lvl="1"/>
+            <a:r>
+              <a:rPr lang="en-US" dirty="0"/>
+              <a:t>3 Choosing a </a:t>
+            </a:r>
+            <a:r>
+              <a:rPr lang="en-US" dirty="0" smtClean="0"/>
+              <a:t>Model.pptx</a:t>
+            </a:r>
+          </a:p>
+          <a:p>
+            <a:pPr lvl="1"/>
+            <a:r>
+              <a:rPr lang="en-US" dirty="0"/>
+              <a:t>4 Model Evaluation.pptx</a:t>
+            </a:r>
+            <a:endParaRPr lang="en-US" dirty="0" smtClean="0"/>
+          </a:p>
+          <a:p>
+            <a:pPr lvl="1"/>
             <a:endParaRPr lang="en-US" dirty="0"/>
           </a:p>
-          <a:p>
-            <a:pPr marL="0" indent="0">
-              <a:buNone/>
-            </a:pPr>
-            <a:r>
-              <a:rPr lang="en-US" dirty="0" smtClean="0"/>
-              <a:t>	&lt;head&gt;</a:t>
-            </a:r>
-          </a:p>
-          <a:p>
-            <a:pPr marL="400050" lvl="1" indent="0">
-              <a:buNone/>
-            </a:pPr>
-            <a:r>
-              <a:rPr lang="en-US" dirty="0"/>
-              <a:t>	</a:t>
-            </a:r>
-            <a:r>
-              <a:rPr lang="en-US" dirty="0" smtClean="0"/>
-              <a:t>	&lt;title&gt;Nick’s Workshop&lt;/title&gt;</a:t>
-            </a:r>
-          </a:p>
-          <a:p>
-            <a:pPr marL="400050" lvl="1" indent="0">
-              <a:buNone/>
-            </a:pPr>
-            <a:r>
-              <a:rPr lang="en-US" dirty="0" smtClean="0"/>
-              <a:t>&lt;/head&gt;</a:t>
-            </a:r>
-          </a:p>
-          <a:p>
-            <a:pPr marL="400050" lvl="1" indent="0">
-              <a:buNone/>
-            </a:pPr>
-            <a:r>
-              <a:rPr lang="en-US" dirty="0" smtClean="0"/>
-              <a:t>&lt;body&gt;</a:t>
-            </a:r>
-          </a:p>
-          <a:p>
-            <a:pPr marL="400050" lvl="1" indent="0">
-              <a:buNone/>
-            </a:pPr>
-            <a:r>
-              <a:rPr lang="en-US" dirty="0"/>
-              <a:t>	</a:t>
-            </a:r>
-            <a:r>
-              <a:rPr lang="en-US" dirty="0" smtClean="0"/>
-              <a:t>	&lt;h1&gt;Nick’s Workshop&lt;/h1&gt;</a:t>
-            </a:r>
-          </a:p>
-          <a:p>
-            <a:pPr marL="400050" lvl="1" indent="0">
-              <a:buNone/>
-            </a:pPr>
-            <a:r>
-              <a:rPr lang="en-US" dirty="0"/>
-              <a:t>	</a:t>
-            </a:r>
-            <a:r>
-              <a:rPr lang="en-US" dirty="0" smtClean="0"/>
-              <a:t>	&lt;h3&gt;Welcome!&lt;/h3&gt;</a:t>
-            </a:r>
-          </a:p>
-          <a:p>
-            <a:pPr marL="400050" lvl="1" indent="0">
-              <a:buNone/>
-            </a:pPr>
-            <a:r>
-              <a:rPr lang="en-US" dirty="0" smtClean="0"/>
-              <a:t>&lt;/body&gt;</a:t>
-            </a:r>
-          </a:p>
-          <a:p>
-            <a:pPr marL="0" indent="0">
-              <a:buNone/>
-            </a:pPr>
-            <a:r>
-              <a:rPr lang="en-US" dirty="0" smtClean="0"/>
-              <a:t>&lt;/html&gt;</a:t>
-            </a:r>
-            <a:endParaRPr lang="en-US" dirty="0"/>
-          </a:p>
         </p:txBody>
       </p:sp>
       <p:sp>
         <p:nvSpPr>
-          <p:cNvPr id="5" name="Slide Number Placeholder 4"/>
+          <p:cNvPr id="4" name="Slide Number Placeholder 3"/>
           <p:cNvSpPr>
             <a:spLocks noGrp="1"/>
           </p:cNvSpPr>
@@ -25466,7 +23079,7 @@
     </p:spTree>
     <p:extLst>
       <p:ext uri="{BB962C8B-B14F-4D97-AF65-F5344CB8AC3E}">
-        <p14:creationId xmlns:p14="http://schemas.microsoft.com/office/powerpoint/2010/main" val="2176810318"/>
+        <p14:creationId xmlns:p14="http://schemas.microsoft.com/office/powerpoint/2010/main" val="3303914423"/>
       </p:ext>
     </p:extLst>
   </p:cSld>
@@ -25507,36 +23120,7 @@
             <a:spLocks noGrp="1"/>
           </p:cNvSpPr>
           <p:nvPr>
-            <p:ph type="ctrTitle"/>
-          </p:nvPr>
-        </p:nvSpPr>
-        <p:spPr>
-          <a:xfrm>
-            <a:off x="1154955" y="1447801"/>
-            <a:ext cx="8825658" cy="2568388"/>
-          </a:xfrm>
-        </p:spPr>
-        <p:txBody>
-          <a:bodyPr/>
-          <a:lstStyle/>
-          <a:p>
-            <a:pPr algn="ctr"/>
-            <a:r>
-              <a:rPr lang="en-US" dirty="0" smtClean="0"/>
-              <a:t>Questions?</a:t>
-            </a:r>
-            <a:endParaRPr lang="en-US" dirty="0"/>
-          </a:p>
-        </p:txBody>
-      </p:sp>
-      <p:sp>
-        <p:nvSpPr>
-          <p:cNvPr id="4" name="Subtitle 3"/>
-          <p:cNvSpPr>
-            <a:spLocks noGrp="1"/>
-          </p:cNvSpPr>
-          <p:nvPr>
-            <p:ph type="subTitle" idx="1"/>
+            <p:ph type="title"/>
           </p:nvPr>
         </p:nvSpPr>
         <p:spPr/>
@@ -25544,10 +23128,39 @@
           <a:bodyPr/>
           <a:lstStyle/>
           <a:p>
-            <a:endParaRPr lang="en-US"/>
+            <a:r>
+              <a:rPr lang="en-US" dirty="0" smtClean="0"/>
+              <a:t>Let’s Talk about Trees</a:t>
+            </a:r>
+            <a:endParaRPr lang="en-US" dirty="0"/>
           </a:p>
         </p:txBody>
       </p:sp>
+      <p:graphicFrame>
+        <p:nvGraphicFramePr>
+          <p:cNvPr id="4" name="Content Placeholder 3"/>
+          <p:cNvGraphicFramePr>
+            <a:graphicFrameLocks noGrp="1"/>
+          </p:cNvGraphicFramePr>
+          <p:nvPr>
+            <p:ph idx="1"/>
+            <p:extLst>
+              <p:ext uri="{D42A27DB-BD31-4B8C-83A1-F6EECF244321}">
+                <p14:modId xmlns:p14="http://schemas.microsoft.com/office/powerpoint/2010/main" val="3096344208"/>
+              </p:ext>
+            </p:extLst>
+          </p:nvPr>
+        </p:nvGraphicFramePr>
+        <p:xfrm>
+          <a:off x="1103313" y="2052638"/>
+          <a:ext cx="8947150" cy="4195762"/>
+        </p:xfrm>
+        <a:graphic>
+          <a:graphicData uri="http://schemas.openxmlformats.org/drawingml/2006/diagram">
+            <dgm:relIds xmlns:dgm="http://schemas.openxmlformats.org/drawingml/2006/diagram" xmlns:r="http://schemas.openxmlformats.org/officeDocument/2006/relationships" r:dm="rId2" r:lo="rId3" r:qs="rId4" r:cs="rId5"/>
+          </a:graphicData>
+        </a:graphic>
+      </p:graphicFrame>
       <p:sp>
         <p:nvSpPr>
           <p:cNvPr id="3" name="Slide Number Placeholder 2"/>
@@ -25574,7 +23187,7 @@
     </p:spTree>
     <p:extLst>
       <p:ext uri="{BB962C8B-B14F-4D97-AF65-F5344CB8AC3E}">
-        <p14:creationId xmlns:p14="http://schemas.microsoft.com/office/powerpoint/2010/main" val="1972493769"/>
+        <p14:creationId xmlns:p14="http://schemas.microsoft.com/office/powerpoint/2010/main" val="4012767007"/>
       </p:ext>
     </p:extLst>
   </p:cSld>
@@ -25625,42 +23238,40 @@
           <a:p>
             <a:r>
               <a:rPr lang="en-US" dirty="0" smtClean="0"/>
-              <a:t>Make the crawler </a:t>
-            </a:r>
-            <a:r>
-              <a:rPr lang="en-US" i="1" dirty="0" smtClean="0"/>
-              <a:t>crawl</a:t>
+              <a:t>HTML stores information as a tree</a:t>
             </a:r>
             <a:endParaRPr lang="en-US" dirty="0"/>
           </a:p>
         </p:txBody>
       </p:sp>
-      <p:sp>
-        <p:nvSpPr>
-          <p:cNvPr id="3" name="Text Placeholder 2"/>
-          <p:cNvSpPr>
-            <a:spLocks noGrp="1"/>
-          </p:cNvSpPr>
-          <p:nvPr>
-            <p:ph type="body" idx="1"/>
-          </p:nvPr>
-        </p:nvSpPr>
-        <p:spPr/>
-        <p:txBody>
-          <a:bodyPr/>
-          <a:lstStyle/>
-          <a:p>
-            <a:r>
-              <a:rPr lang="en-US" cap="none" dirty="0" smtClean="0"/>
-              <a:t>Like learning to walk, only with code. </a:t>
-            </a:r>
-            <a:endParaRPr lang="en-US" cap="none" dirty="0"/>
-          </a:p>
-        </p:txBody>
-      </p:sp>
-      <p:sp>
-        <p:nvSpPr>
-          <p:cNvPr id="4" name="Slide Number Placeholder 3"/>
+      <p:graphicFrame>
+        <p:nvGraphicFramePr>
+          <p:cNvPr id="10" name="Content Placeholder 9"/>
+          <p:cNvGraphicFramePr>
+            <a:graphicFrameLocks noGrp="1"/>
+          </p:cNvGraphicFramePr>
+          <p:nvPr>
+            <p:ph idx="1"/>
+            <p:extLst>
+              <p:ext uri="{D42A27DB-BD31-4B8C-83A1-F6EECF244321}">
+                <p14:modId xmlns:p14="http://schemas.microsoft.com/office/powerpoint/2010/main" val="4013477464"/>
+              </p:ext>
+            </p:extLst>
+          </p:nvPr>
+        </p:nvGraphicFramePr>
+        <p:xfrm>
+          <a:off x="1103313" y="2052638"/>
+          <a:ext cx="8947150" cy="4195762"/>
+        </p:xfrm>
+        <a:graphic>
+          <a:graphicData uri="http://schemas.openxmlformats.org/drawingml/2006/diagram">
+            <dgm:relIds xmlns:dgm="http://schemas.openxmlformats.org/drawingml/2006/diagram" xmlns:r="http://schemas.openxmlformats.org/officeDocument/2006/relationships" r:dm="rId2" r:lo="rId3" r:qs="rId4" r:cs="rId5"/>
+          </a:graphicData>
+        </a:graphic>
+      </p:graphicFrame>
+      <p:sp>
+        <p:nvSpPr>
+          <p:cNvPr id="3" name="Slide Number Placeholder 2"/>
           <p:cNvSpPr>
             <a:spLocks noGrp="1"/>
           </p:cNvSpPr>
@@ -25684,7 +23295,7 @@
     </p:spTree>
     <p:extLst>
       <p:ext uri="{BB962C8B-B14F-4D97-AF65-F5344CB8AC3E}">
-        <p14:creationId xmlns:p14="http://schemas.microsoft.com/office/powerpoint/2010/main" val="3212936333"/>
+        <p14:creationId xmlns:p14="http://schemas.microsoft.com/office/powerpoint/2010/main" val="3609874286"/>
       </p:ext>
     </p:extLst>
   </p:cSld>
@@ -25734,14 +23345,9 @@
           <a:lstStyle/>
           <a:p>
             <a:r>
-              <a:rPr lang="en-US" dirty="0" smtClean="0"/>
-              <a:t>Make the crawler </a:t>
-            </a:r>
-            <a:r>
-              <a:rPr lang="en-US" i="1" dirty="0" smtClean="0"/>
-              <a:t>crawl</a:t>
-            </a:r>
-            <a:endParaRPr lang="en-US" i="1" dirty="0"/>
+              <a:rPr lang="en-US" dirty="0"/>
+              <a:t>HTML stores information as a tree</a:t>
+            </a:r>
           </a:p>
         </p:txBody>
       </p:sp>
@@ -25752,7 +23358,7 @@
             <a:spLocks noGrp="1"/>
           </p:cNvSpPr>
           <p:nvPr>
-            <p:ph idx="1"/>
+            <p:ph sz="half" idx="1"/>
           </p:nvPr>
         </p:nvSpPr>
         <p:spPr/>
@@ -25763,64 +23369,164 @@
           <a:lstStyle/>
           <a:p>
             <a:r>
+              <a:rPr lang="en-US" sz="2800" dirty="0" smtClean="0"/>
+              <a:t>HTML</a:t>
+            </a:r>
+          </a:p>
+          <a:p>
+            <a:pPr lvl="1"/>
+            <a:r>
+              <a:rPr lang="en-US" sz="2400" dirty="0" smtClean="0"/>
+              <a:t>head</a:t>
+            </a:r>
+          </a:p>
+          <a:p>
+            <a:pPr lvl="2"/>
+            <a:r>
+              <a:rPr lang="en-US" sz="2000" dirty="0" smtClean="0"/>
+              <a:t>title “Nick’s Workshop”</a:t>
+            </a:r>
+          </a:p>
+          <a:p>
+            <a:pPr lvl="1"/>
+            <a:r>
+              <a:rPr lang="en-US" sz="2400" dirty="0" smtClean="0"/>
+              <a:t>body</a:t>
+            </a:r>
+          </a:p>
+          <a:p>
+            <a:pPr lvl="2"/>
+            <a:r>
+              <a:rPr lang="en-US" sz="2000" dirty="0" smtClean="0"/>
+              <a:t>h1: “Nick’s Workshop”</a:t>
+            </a:r>
+          </a:p>
+          <a:p>
+            <a:pPr lvl="2"/>
+            <a:r>
+              <a:rPr lang="en-US" sz="2000" dirty="0" smtClean="0"/>
+              <a:t>h3: “Welcome!”</a:t>
+            </a:r>
+          </a:p>
+          <a:p>
+            <a:endParaRPr lang="en-US" sz="2800" dirty="0"/>
+          </a:p>
+        </p:txBody>
+      </p:sp>
+      <p:sp>
+        <p:nvSpPr>
+          <p:cNvPr id="4" name="Content Placeholder 3"/>
+          <p:cNvSpPr>
+            <a:spLocks noGrp="1"/>
+          </p:cNvSpPr>
+          <p:nvPr>
+            <p:ph sz="half" idx="2"/>
+          </p:nvPr>
+        </p:nvSpPr>
+        <p:spPr/>
+        <p:txBody>
+          <a:bodyPr/>
+          <a:lstStyle/>
+          <a:p>
+            <a:pPr marL="0" indent="0">
+              <a:buNone/>
+            </a:pPr>
+            <a:r>
+              <a:rPr lang="en-US" dirty="0" smtClean="0"/>
+              <a:t>&lt;html&gt;</a:t>
+            </a:r>
+            <a:endParaRPr lang="en-US" dirty="0"/>
+          </a:p>
+          <a:p>
+            <a:pPr marL="0" indent="0">
+              <a:buNone/>
+            </a:pPr>
+            <a:r>
+              <a:rPr lang="en-US" dirty="0" smtClean="0"/>
+              <a:t>	&lt;head&gt;</a:t>
+            </a:r>
+          </a:p>
+          <a:p>
+            <a:pPr marL="400050" lvl="1" indent="0">
+              <a:buNone/>
+            </a:pPr>
+            <a:r>
               <a:rPr lang="en-US" dirty="0"/>
-              <a:t>We often want to follow internal links on webpages to get to more interesting data. </a:t>
-            </a:r>
-            <a:endParaRPr lang="en-US" dirty="0" smtClean="0"/>
-          </a:p>
-          <a:p>
-            <a:pPr lvl="1"/>
-            <a:r>
-              <a:rPr lang="en-US" dirty="0" err="1" smtClean="0">
-                <a:latin typeface="Consolas" panose="020B0609020204030204" pitchFamily="49" charset="0"/>
-              </a:rPr>
-              <a:t>BeautifulSoup</a:t>
+              <a:t>	</a:t>
             </a:r>
             <a:r>
               <a:rPr lang="en-US" dirty="0" smtClean="0"/>
-              <a:t> will help </a:t>
-            </a:r>
+              <a:t>	&lt;title&gt;Nick’s Workshop&lt;/title&gt;</a:t>
+            </a:r>
+          </a:p>
+          <a:p>
+            <a:pPr marL="400050" lvl="1" indent="0">
+              <a:buNone/>
+            </a:pPr>
+            <a:r>
+              <a:rPr lang="en-US" dirty="0" smtClean="0"/>
+              <a:t>&lt;/head&gt;</a:t>
+            </a:r>
+          </a:p>
+          <a:p>
+            <a:pPr marL="400050" lvl="1" indent="0">
+              <a:buNone/>
+            </a:pPr>
+            <a:r>
+              <a:rPr lang="en-US" dirty="0" smtClean="0"/>
+              <a:t>&lt;body&gt;</a:t>
+            </a:r>
+          </a:p>
+          <a:p>
+            <a:pPr marL="400050" lvl="1" indent="0">
+              <a:buNone/>
+            </a:pPr>
             <a:r>
               <a:rPr lang="en-US" dirty="0"/>
-              <a:t>us navigate HTML documents.</a:t>
-            </a:r>
-          </a:p>
-          <a:p>
-            <a:pPr lvl="2"/>
+              <a:t>	</a:t>
+            </a:r>
             <a:r>
               <a:rPr lang="en-US" dirty="0" smtClean="0"/>
-              <a:t>We’ll cover this library in more depth in the data mining workshop. It’ll be more important there.</a:t>
-            </a:r>
-          </a:p>
-          <a:p>
+              <a:t>	&lt;h1&gt;Nick’s Workshop&lt;/h1&gt;</a:t>
+            </a:r>
+          </a:p>
+          <a:p>
+            <a:pPr marL="400050" lvl="1" indent="0">
+              <a:buNone/>
+            </a:pPr>
+            <a:r>
+              <a:rPr lang="en-US" dirty="0"/>
+              <a:t>	</a:t>
+            </a:r>
             <a:r>
               <a:rPr lang="en-US" dirty="0" smtClean="0"/>
-              <a:t>Here's </a:t>
-            </a:r>
-            <a:r>
-              <a:rPr lang="en-US" dirty="0"/>
-              <a:t>the plan of attack:</a:t>
-            </a:r>
-          </a:p>
-          <a:p>
-            <a:pPr lvl="1"/>
-            <a:r>
-              <a:rPr lang="en-US" dirty="0"/>
-              <a:t>Identify links in a webpage. </a:t>
-            </a:r>
-          </a:p>
-          <a:p>
-            <a:pPr lvl="1"/>
-            <a:r>
-              <a:rPr lang="en-US" dirty="0"/>
-              <a:t>Follow those links. </a:t>
-            </a:r>
+              <a:t>	&lt;h3&gt;Welcome!&lt;/h3&gt;</a:t>
+            </a:r>
+          </a:p>
+          <a:p>
+            <a:pPr marL="400050" lvl="1" indent="0">
+              <a:buNone/>
+            </a:pPr>
+            <a:r>
+              <a:rPr lang="en-US" dirty="0" smtClean="0"/>
+              <a:t>&lt;/body&gt;</a:t>
+            </a:r>
+          </a:p>
+          <a:p>
+            <a:pPr marL="0" indent="0">
+              <a:buNone/>
+            </a:pPr>
+            <a:r>
+              <a:rPr lang="en-US" dirty="0" smtClean="0"/>
+              <a:t>&lt;/html&gt;</a:t>
+            </a:r>
+            <a:endParaRPr lang="en-US" dirty="0"/>
           </a:p>
         </p:txBody>
       </p:sp>
       <p:sp>
         <p:nvSpPr>
-          <p:cNvPr id="4" name="Slide Number Placeholder 3"/>
+          <p:cNvPr id="5" name="Slide Number Placeholder 4"/>
           <p:cNvSpPr>
             <a:spLocks noGrp="1"/>
           </p:cNvSpPr>
@@ -25844,7 +23550,7 @@
     </p:spTree>
     <p:extLst>
       <p:ext uri="{BB962C8B-B14F-4D97-AF65-F5344CB8AC3E}">
-        <p14:creationId xmlns:p14="http://schemas.microsoft.com/office/powerpoint/2010/main" val="303214607"/>
+        <p14:creationId xmlns:p14="http://schemas.microsoft.com/office/powerpoint/2010/main" val="2176810318"/>
       </p:ext>
     </p:extLst>
   </p:cSld>
@@ -25885,7 +23591,36 @@
             <a:spLocks noGrp="1"/>
           </p:cNvSpPr>
           <p:nvPr>
-            <p:ph type="title"/>
+            <p:ph type="ctrTitle"/>
+          </p:nvPr>
+        </p:nvSpPr>
+        <p:spPr>
+          <a:xfrm>
+            <a:off x="1154955" y="1447801"/>
+            <a:ext cx="8825658" cy="2568388"/>
+          </a:xfrm>
+        </p:spPr>
+        <p:txBody>
+          <a:bodyPr/>
+          <a:lstStyle/>
+          <a:p>
+            <a:pPr algn="ctr"/>
+            <a:r>
+              <a:rPr lang="en-US" dirty="0" smtClean="0"/>
+              <a:t>Questions?</a:t>
+            </a:r>
+            <a:endParaRPr lang="en-US" dirty="0"/>
+          </a:p>
+        </p:txBody>
+      </p:sp>
+      <p:sp>
+        <p:nvSpPr>
+          <p:cNvPr id="4" name="Subtitle 3"/>
+          <p:cNvSpPr>
+            <a:spLocks noGrp="1"/>
+          </p:cNvSpPr>
+          <p:nvPr>
+            <p:ph type="subTitle" idx="1"/>
           </p:nvPr>
         </p:nvSpPr>
         <p:spPr/>
@@ -25893,194 +23628,13 @@
           <a:bodyPr/>
           <a:lstStyle/>
           <a:p>
-            <a:r>
-              <a:rPr lang="en-US" dirty="0" smtClean="0"/>
-              <a:t>Quick intro to </a:t>
-            </a:r>
-            <a:r>
-              <a:rPr lang="en-US" dirty="0" err="1" smtClean="0">
-                <a:latin typeface="Consolas" panose="020B0609020204030204" pitchFamily="49" charset="0"/>
-              </a:rPr>
-              <a:t>BeautifulSoup</a:t>
-            </a:r>
-            <a:endParaRPr lang="en-US" i="1" dirty="0">
-              <a:latin typeface="Consolas" panose="020B0609020204030204" pitchFamily="49" charset="0"/>
-            </a:endParaRPr>
+            <a:endParaRPr lang="en-US"/>
           </a:p>
         </p:txBody>
       </p:sp>
       <p:sp>
         <p:nvSpPr>
-          <p:cNvPr id="3" name="Content Placeholder 2"/>
-          <p:cNvSpPr>
-            <a:spLocks noGrp="1"/>
-          </p:cNvSpPr>
-          <p:nvPr>
-            <p:ph idx="1"/>
-          </p:nvPr>
-        </p:nvSpPr>
-        <p:spPr/>
-        <p:txBody>
-          <a:bodyPr>
-            <a:normAutofit/>
-          </a:bodyPr>
-          <a:lstStyle/>
-          <a:p>
-            <a:r>
-              <a:rPr lang="en-US" dirty="0"/>
-              <a:t>We can navigate the tree using html tags in one of two ways</a:t>
-            </a:r>
-            <a:r>
-              <a:rPr lang="en-US" dirty="0" smtClean="0"/>
-              <a:t>:</a:t>
-            </a:r>
-            <a:endParaRPr lang="en-US" dirty="0"/>
-          </a:p>
-          <a:p>
-            <a:pPr marL="400050">
-              <a:buFont typeface="+mj-lt"/>
-              <a:buAutoNum type="arabicPeriod"/>
-            </a:pPr>
-            <a:r>
-              <a:rPr lang="en-US" dirty="0" err="1" smtClean="0">
-                <a:latin typeface="Consolas" panose="020B0609020204030204" pitchFamily="49" charset="0"/>
-              </a:rPr>
-              <a:t>BeautifulSoup</a:t>
-            </a:r>
-            <a:r>
-              <a:rPr lang="en-US" dirty="0" smtClean="0"/>
-              <a:t> attributes</a:t>
-            </a:r>
-          </a:p>
-          <a:p>
-            <a:pPr marL="400050">
-              <a:buFont typeface="+mj-lt"/>
-              <a:buAutoNum type="arabicPeriod"/>
-            </a:pPr>
-            <a:r>
-              <a:rPr lang="en-US" dirty="0" err="1" smtClean="0">
-                <a:latin typeface="Consolas" panose="020B0609020204030204" pitchFamily="49" charset="0"/>
-              </a:rPr>
-              <a:t>BeautifulSoup</a:t>
-            </a:r>
-            <a:r>
-              <a:rPr lang="en-US" dirty="0" smtClean="0"/>
-              <a:t> </a:t>
-            </a:r>
-            <a:r>
-              <a:rPr lang="en-US" dirty="0">
-                <a:latin typeface="Consolas" panose="020B0609020204030204" pitchFamily="49" charset="0"/>
-              </a:rPr>
-              <a:t>find</a:t>
-            </a:r>
-            <a:r>
-              <a:rPr lang="en-US" dirty="0"/>
-              <a:t> and </a:t>
-            </a:r>
-            <a:r>
-              <a:rPr lang="en-US" dirty="0" err="1">
-                <a:latin typeface="Consolas" panose="020B0609020204030204" pitchFamily="49" charset="0"/>
-              </a:rPr>
-              <a:t>find_all</a:t>
-            </a:r>
-            <a:r>
-              <a:rPr lang="en-US" dirty="0"/>
-              <a:t> methods</a:t>
-            </a:r>
-          </a:p>
-          <a:p>
-            <a:r>
-              <a:rPr lang="en-US" dirty="0" smtClean="0"/>
-              <a:t>Attributes and the </a:t>
-            </a:r>
-            <a:r>
-              <a:rPr lang="en-US" dirty="0">
-                <a:latin typeface="Consolas" panose="020B0609020204030204" pitchFamily="49" charset="0"/>
-              </a:rPr>
-              <a:t>find</a:t>
-            </a:r>
-            <a:r>
-              <a:rPr lang="en-US" dirty="0"/>
-              <a:t> </a:t>
-            </a:r>
-            <a:r>
-              <a:rPr lang="en-US" dirty="0" smtClean="0"/>
-              <a:t>method will always </a:t>
-            </a:r>
-            <a:r>
-              <a:rPr lang="en-US" dirty="0"/>
-              <a:t>find the first instance which matches the specifications. </a:t>
-            </a:r>
-            <a:endParaRPr lang="en-US" dirty="0" smtClean="0"/>
-          </a:p>
-          <a:p>
-            <a:pPr lvl="1"/>
-            <a:r>
-              <a:rPr lang="en-US" dirty="0" smtClean="0"/>
-              <a:t>Use </a:t>
-            </a:r>
-            <a:r>
-              <a:rPr lang="en-US" dirty="0" err="1">
-                <a:latin typeface="Consolas" panose="020B0609020204030204" pitchFamily="49" charset="0"/>
-              </a:rPr>
-              <a:t>find_all</a:t>
-            </a:r>
-            <a:r>
-              <a:rPr lang="en-US" dirty="0"/>
-              <a:t> t</a:t>
-            </a:r>
-            <a:r>
-              <a:rPr lang="en-US" dirty="0" smtClean="0"/>
-              <a:t>o </a:t>
-            </a:r>
-            <a:r>
-              <a:rPr lang="en-US" dirty="0"/>
-              <a:t>find all </a:t>
-            </a:r>
-            <a:r>
-              <a:rPr lang="en-US" dirty="0" smtClean="0"/>
-              <a:t>matches.</a:t>
-            </a:r>
-          </a:p>
-          <a:p>
-            <a:r>
-              <a:rPr lang="en-US" dirty="0" smtClean="0"/>
-              <a:t>Link attributes look like this:</a:t>
-            </a:r>
-          </a:p>
-          <a:p>
-            <a:pPr marL="0" indent="0" algn="ctr">
-              <a:buNone/>
-            </a:pPr>
-            <a:r>
-              <a:rPr lang="en-US" dirty="0" smtClean="0"/>
-              <a:t>&lt;a </a:t>
-            </a:r>
-            <a:r>
-              <a:rPr lang="en-US" dirty="0" err="1" smtClean="0"/>
-              <a:t>href</a:t>
-            </a:r>
-            <a:r>
-              <a:rPr lang="en-US" dirty="0" smtClean="0"/>
-              <a:t>=“http://google.com”&gt;Google&lt;/a&gt;</a:t>
-            </a:r>
-            <a:endParaRPr lang="en-US" dirty="0"/>
-          </a:p>
-          <a:p>
-            <a:r>
-              <a:rPr lang="en-US" dirty="0" smtClean="0"/>
-              <a:t>We can extract information about the attribute using the get() method.</a:t>
-            </a:r>
-            <a:endParaRPr lang="en-US" dirty="0"/>
-          </a:p>
-          <a:p>
-            <a:endParaRPr lang="en-US" dirty="0"/>
-          </a:p>
-        </p:txBody>
-      </p:sp>
-      <p:sp>
-        <p:nvSpPr>
-          <p:cNvPr id="4" name="Slide Number Placeholder 3"/>
+          <p:cNvPr id="3" name="Slide Number Placeholder 2"/>
           <p:cNvSpPr>
             <a:spLocks noGrp="1"/>
           </p:cNvSpPr>
@@ -26104,7 +23658,7 @@
     </p:spTree>
     <p:extLst>
       <p:ext uri="{BB962C8B-B14F-4D97-AF65-F5344CB8AC3E}">
-        <p14:creationId xmlns:p14="http://schemas.microsoft.com/office/powerpoint/2010/main" val="346961422"/>
+        <p14:creationId xmlns:p14="http://schemas.microsoft.com/office/powerpoint/2010/main" val="1972493769"/>
       </p:ext>
     </p:extLst>
   </p:cSld>
@@ -26155,7 +23709,11 @@
           <a:p>
             <a:r>
               <a:rPr lang="en-US" dirty="0" smtClean="0"/>
-              <a:t>Bonus Tips</a:t>
+              <a:t>Make the crawler </a:t>
+            </a:r>
+            <a:r>
+              <a:rPr lang="en-US" i="1" dirty="0" smtClean="0"/>
+              <a:t>crawl</a:t>
             </a:r>
             <a:endParaRPr lang="en-US" dirty="0"/>
           </a:p>
@@ -26163,12 +23721,12 @@
       </p:sp>
       <p:sp>
         <p:nvSpPr>
-          <p:cNvPr id="3" name="Content Placeholder 2"/>
+          <p:cNvPr id="3" name="Text Placeholder 2"/>
           <p:cNvSpPr>
             <a:spLocks noGrp="1"/>
           </p:cNvSpPr>
           <p:nvPr>
-            <p:ph idx="1"/>
+            <p:ph type="body" idx="1"/>
           </p:nvPr>
         </p:nvSpPr>
         <p:spPr/>
@@ -26177,148 +23735,10 @@
           <a:lstStyle/>
           <a:p>
             <a:r>
-              <a:rPr lang="en-US" dirty="0" smtClean="0"/>
-              <a:t>Be careful of what objects are being returned.</a:t>
-            </a:r>
-          </a:p>
-          <a:p>
-            <a:pPr lvl="1"/>
-            <a:r>
-              <a:rPr lang="en-US" dirty="0"/>
-              <a:t>The </a:t>
-            </a:r>
-            <a:r>
-              <a:rPr lang="en-US" dirty="0" smtClean="0">
-                <a:latin typeface="Consolas" panose="020B0609020204030204" pitchFamily="49" charset="0"/>
-              </a:rPr>
-              <a:t>find</a:t>
-            </a:r>
-            <a:r>
-              <a:rPr lang="en-US" dirty="0" smtClean="0"/>
-              <a:t> </a:t>
-            </a:r>
-            <a:r>
-              <a:rPr lang="en-US" dirty="0"/>
-              <a:t>method returns a </a:t>
-            </a:r>
-            <a:r>
-              <a:rPr lang="en-US" dirty="0" smtClean="0">
-                <a:latin typeface="Consolas" panose="020B0609020204030204" pitchFamily="49" charset="0"/>
-              </a:rPr>
-              <a:t>Tag</a:t>
-            </a:r>
-            <a:r>
-              <a:rPr lang="en-US" dirty="0" smtClean="0"/>
-              <a:t> object</a:t>
-            </a:r>
-            <a:r>
-              <a:rPr lang="en-US" dirty="0"/>
-              <a:t>.</a:t>
-            </a:r>
-            <a:endParaRPr lang="en-US" dirty="0" smtClean="0"/>
-          </a:p>
-          <a:p>
-            <a:pPr lvl="1"/>
-            <a:r>
-              <a:rPr lang="en-US" dirty="0" smtClean="0"/>
-              <a:t>The </a:t>
-            </a:r>
-            <a:r>
-              <a:rPr lang="en-US" dirty="0" err="1">
-                <a:latin typeface="Consolas" panose="020B0609020204030204" pitchFamily="49" charset="0"/>
-              </a:rPr>
-              <a:t>find_all</a:t>
-            </a:r>
-            <a:r>
-              <a:rPr lang="en-US" dirty="0"/>
-              <a:t> </a:t>
-            </a:r>
-            <a:r>
-              <a:rPr lang="en-US" dirty="0" smtClean="0"/>
-              <a:t>method returns a </a:t>
-            </a:r>
-            <a:r>
-              <a:rPr lang="en-US" dirty="0" err="1" smtClean="0">
-                <a:latin typeface="Consolas" panose="020B0609020204030204" pitchFamily="49" charset="0"/>
-              </a:rPr>
-              <a:t>ResultSet</a:t>
-            </a:r>
-            <a:r>
-              <a:rPr lang="en-US" dirty="0" smtClean="0"/>
-              <a:t> object.</a:t>
-            </a:r>
-          </a:p>
-          <a:p>
-            <a:pPr lvl="2"/>
-            <a:r>
-              <a:rPr lang="en-US" dirty="0" smtClean="0"/>
-              <a:t>You can’t chain</a:t>
-            </a:r>
-            <a:r>
-              <a:rPr lang="en-US" dirty="0"/>
-              <a:t> </a:t>
-            </a:r>
-            <a:r>
-              <a:rPr lang="en-US" dirty="0" err="1" smtClean="0">
-                <a:latin typeface="Consolas" panose="020B0609020204030204" pitchFamily="49" charset="0"/>
-              </a:rPr>
-              <a:t>ResultSet</a:t>
-            </a:r>
-            <a:r>
-              <a:rPr lang="en-US" dirty="0" smtClean="0"/>
-              <a:t> objects together like you can with </a:t>
-            </a:r>
-            <a:r>
-              <a:rPr lang="en-US" dirty="0">
-                <a:latin typeface="Consolas" panose="020B0609020204030204" pitchFamily="49" charset="0"/>
-              </a:rPr>
-              <a:t>Tag</a:t>
-            </a:r>
-            <a:r>
-              <a:rPr lang="en-US" dirty="0"/>
-              <a:t> </a:t>
-            </a:r>
-            <a:r>
-              <a:rPr lang="en-US" dirty="0" smtClean="0"/>
-              <a:t>attributes and methods.</a:t>
-            </a:r>
-          </a:p>
-          <a:p>
-            <a:r>
-              <a:rPr lang="en-US" dirty="0" smtClean="0"/>
-              <a:t>In practice, we need more information to find the proper links.</a:t>
-            </a:r>
-          </a:p>
-          <a:p>
-            <a:pPr lvl="1"/>
-            <a:r>
-              <a:rPr lang="en-US" dirty="0" smtClean="0"/>
-              <a:t>Chrome has a </a:t>
-            </a:r>
-            <a:r>
-              <a:rPr lang="en-US" dirty="0" err="1" smtClean="0"/>
-              <a:t>SelectorGadget</a:t>
-            </a:r>
-            <a:r>
-              <a:rPr lang="en-US" dirty="0" smtClean="0"/>
-              <a:t> add-on which makes finding the proper html tags </a:t>
-            </a:r>
-            <a:r>
-              <a:rPr lang="en-US" i="1" dirty="0" smtClean="0"/>
-              <a:t>much</a:t>
-            </a:r>
-            <a:r>
-              <a:rPr lang="en-US" dirty="0" smtClean="0"/>
-              <a:t> easier.</a:t>
-            </a:r>
-          </a:p>
-          <a:p>
-            <a:pPr lvl="1"/>
-            <a:r>
-              <a:rPr lang="en-US" dirty="0" smtClean="0"/>
-              <a:t>We’ll cover this in more depth during the data mining workshop. It has deeper applications there. </a:t>
-            </a:r>
-            <a:endParaRPr lang="en-US" dirty="0"/>
+              <a:rPr lang="en-US" cap="none" dirty="0" smtClean="0"/>
+              <a:t>Like learning to walk, only with code. </a:t>
+            </a:r>
+            <a:endParaRPr lang="en-US" cap="none" dirty="0"/>
           </a:p>
         </p:txBody>
       </p:sp>
@@ -26348,7 +23768,7 @@
     </p:spTree>
     <p:extLst>
       <p:ext uri="{BB962C8B-B14F-4D97-AF65-F5344CB8AC3E}">
-        <p14:creationId xmlns:p14="http://schemas.microsoft.com/office/powerpoint/2010/main" val="2943957291"/>
+        <p14:creationId xmlns:p14="http://schemas.microsoft.com/office/powerpoint/2010/main" val="3212936333"/>
       </p:ext>
     </p:extLst>
   </p:cSld>
@@ -26399,11 +23819,13 @@
           <a:p>
             <a:r>
               <a:rPr lang="en-US" dirty="0" smtClean="0"/>
-              <a:t>Following internal links</a:t>
-            </a:r>
-            <a:endParaRPr lang="en-US" i="1" dirty="0">
-              <a:latin typeface="Consolas" panose="020B0609020204030204" pitchFamily="49" charset="0"/>
-            </a:endParaRPr>
+              <a:t>Make the crawler </a:t>
+            </a:r>
+            <a:r>
+              <a:rPr lang="en-US" i="1" dirty="0" smtClean="0"/>
+              <a:t>crawl</a:t>
+            </a:r>
+            <a:endParaRPr lang="en-US" i="1" dirty="0"/>
           </a:p>
         </p:txBody>
       </p:sp>
@@ -26426,82 +23848,56 @@
           <a:p>
             <a:r>
               <a:rPr lang="en-US" dirty="0"/>
-              <a:t>We now know how to find internal links on a page. There are two things we want to do </a:t>
+              <a:t>We often want to follow internal links on webpages to get to more interesting data. </a:t>
+            </a:r>
+            <a:endParaRPr lang="en-US" dirty="0" smtClean="0"/>
+          </a:p>
+          <a:p>
+            <a:pPr lvl="1"/>
+            <a:r>
+              <a:rPr lang="en-US" dirty="0" err="1" smtClean="0">
+                <a:latin typeface="Consolas" panose="020B0609020204030204" pitchFamily="49" charset="0"/>
+              </a:rPr>
+              <a:t>BeautifulSoup</a:t>
             </a:r>
             <a:r>
               <a:rPr lang="en-US" dirty="0" smtClean="0"/>
-              <a:t>next:</a:t>
-            </a:r>
-          </a:p>
-          <a:p>
-            <a:pPr marL="800100" lvl="1" indent="-342900">
-              <a:buFont typeface="+mj-lt"/>
-              <a:buAutoNum type="arabicPeriod"/>
-            </a:pPr>
+              <a:t> will help </a:t>
+            </a:r>
+            <a:r>
+              <a:rPr lang="en-US" dirty="0"/>
+              <a:t>us navigate HTML documents.</a:t>
+            </a:r>
+          </a:p>
+          <a:p>
+            <a:pPr lvl="2"/>
             <a:r>
               <a:rPr lang="en-US" dirty="0" smtClean="0"/>
-              <a:t>Scrape </a:t>
+              <a:t>We’ll cover this library in more depth in the data mining workshop. It’ll be more important there.</a:t>
+            </a:r>
+          </a:p>
+          <a:p>
+            <a:r>
+              <a:rPr lang="en-US" dirty="0" smtClean="0"/>
+              <a:t>Here's </a:t>
             </a:r>
             <a:r>
               <a:rPr lang="en-US" dirty="0"/>
-              <a:t>the box scores for more game data</a:t>
-            </a:r>
-            <a:r>
-              <a:rPr lang="en-US" dirty="0" smtClean="0"/>
-              <a:t>;</a:t>
-            </a:r>
-          </a:p>
-          <a:p>
-            <a:pPr marL="800100" lvl="1" indent="-342900">
-              <a:buFont typeface="+mj-lt"/>
-              <a:buAutoNum type="arabicPeriod"/>
-            </a:pPr>
-            <a:r>
-              <a:rPr lang="en-US" dirty="0" smtClean="0"/>
-              <a:t>Find </a:t>
-            </a:r>
+              <a:t>the plan of attack:</a:t>
+            </a:r>
+          </a:p>
+          <a:p>
+            <a:pPr lvl="1"/>
             <a:r>
               <a:rPr lang="en-US" dirty="0"/>
-              <a:t>scores from different dates. </a:t>
-            </a:r>
-          </a:p>
-          <a:p>
-            <a:endParaRPr lang="en-US" dirty="0" smtClean="0"/>
-          </a:p>
-          <a:p>
-            <a:r>
-              <a:rPr lang="en-US" dirty="0" smtClean="0"/>
-              <a:t>We'll </a:t>
-            </a:r>
+              <a:t>Identify links in a webpage. </a:t>
+            </a:r>
+          </a:p>
+          <a:p>
+            <a:pPr lvl="1"/>
             <a:r>
               <a:rPr lang="en-US" dirty="0"/>
-              <a:t>switch gears now to scraping </a:t>
-            </a:r>
-            <a:r>
-              <a:rPr lang="en-US" dirty="0" smtClean="0">
-                <a:hlinkClick r:id="rId3"/>
-              </a:rPr>
-              <a:t>NCAA </a:t>
-            </a:r>
-            <a:r>
-              <a:rPr lang="en-US" dirty="0">
-                <a:hlinkClick r:id="rId3"/>
-              </a:rPr>
-              <a:t>basketball box scores on </a:t>
-            </a:r>
-            <a:r>
-              <a:rPr lang="en-US" dirty="0" smtClean="0">
-                <a:hlinkClick r:id="rId3"/>
-              </a:rPr>
-              <a:t>sports-reference</a:t>
-            </a:r>
-            <a:r>
-              <a:rPr lang="en-US" dirty="0" smtClean="0"/>
-              <a:t> </a:t>
-            </a:r>
-            <a:r>
-              <a:rPr lang="en-US" dirty="0"/>
-              <a:t>to demonstrate. </a:t>
+              <a:t>Follow those links. </a:t>
             </a:r>
           </a:p>
         </p:txBody>
@@ -26532,7 +23928,7 @@
     </p:spTree>
     <p:extLst>
       <p:ext uri="{BB962C8B-B14F-4D97-AF65-F5344CB8AC3E}">
-        <p14:creationId xmlns:p14="http://schemas.microsoft.com/office/powerpoint/2010/main" val="1712848606"/>
+        <p14:creationId xmlns:p14="http://schemas.microsoft.com/office/powerpoint/2010/main" val="303214607"/>
       </p:ext>
     </p:extLst>
   </p:cSld>
@@ -26775,7 +24171,13 @@
           <a:p>
             <a:r>
               <a:rPr lang="en-US" dirty="0" smtClean="0"/>
-              <a:t>Absolute and relative paths</a:t>
+              <a:t>Quick intro to </a:t>
+            </a:r>
+            <a:r>
+              <a:rPr lang="en-US" dirty="0" err="1" smtClean="0">
+                <a:latin typeface="Consolas" panose="020B0609020204030204" pitchFamily="49" charset="0"/>
+              </a:rPr>
+              <a:t>BeautifulSoup</a:t>
             </a:r>
             <a:endParaRPr lang="en-US" i="1" dirty="0">
               <a:latin typeface="Consolas" panose="020B0609020204030204" pitchFamily="49" charset="0"/>
@@ -26802,23 +24204,88 @@
           <a:p>
             <a:r>
               <a:rPr lang="en-US" dirty="0"/>
-              <a:t>Web pages contain </a:t>
-            </a:r>
-            <a:r>
-              <a:rPr lang="en-US" u="sng" dirty="0"/>
-              <a:t>absolute</a:t>
+              <a:t>We can navigate the tree using html tags in one of two ways</a:t>
+            </a:r>
+            <a:r>
+              <a:rPr lang="en-US" dirty="0" smtClean="0"/>
+              <a:t>:</a:t>
+            </a:r>
+            <a:endParaRPr lang="en-US" dirty="0"/>
+          </a:p>
+          <a:p>
+            <a:pPr marL="400050">
+              <a:buFont typeface="+mj-lt"/>
+              <a:buAutoNum type="arabicPeriod"/>
+            </a:pPr>
+            <a:r>
+              <a:rPr lang="en-US" dirty="0" err="1" smtClean="0">
+                <a:latin typeface="Consolas" panose="020B0609020204030204" pitchFamily="49" charset="0"/>
+              </a:rPr>
+              <a:t>BeautifulSoup</a:t>
+            </a:r>
+            <a:r>
+              <a:rPr lang="en-US" dirty="0" smtClean="0"/>
+              <a:t> attributes</a:t>
+            </a:r>
+          </a:p>
+          <a:p>
+            <a:pPr marL="400050">
+              <a:buFont typeface="+mj-lt"/>
+              <a:buAutoNum type="arabicPeriod"/>
+            </a:pPr>
+            <a:r>
+              <a:rPr lang="en-US" dirty="0" err="1" smtClean="0">
+                <a:latin typeface="Consolas" panose="020B0609020204030204" pitchFamily="49" charset="0"/>
+              </a:rPr>
+              <a:t>BeautifulSoup</a:t>
+            </a:r>
+            <a:r>
+              <a:rPr lang="en-US" dirty="0" smtClean="0"/>
+              <a:t> </a:t>
+            </a:r>
+            <a:r>
+              <a:rPr lang="en-US" dirty="0">
+                <a:latin typeface="Consolas" panose="020B0609020204030204" pitchFamily="49" charset="0"/>
+              </a:rPr>
+              <a:t>find</a:t>
             </a:r>
             <a:r>
               <a:rPr lang="en-US" dirty="0"/>
-              <a:t> paths and </a:t>
-            </a:r>
-            <a:r>
-              <a:rPr lang="en-US" u="sng" dirty="0"/>
-              <a:t>relative</a:t>
+              <a:t> and </a:t>
+            </a:r>
+            <a:r>
+              <a:rPr lang="en-US" dirty="0" err="1">
+                <a:latin typeface="Consolas" panose="020B0609020204030204" pitchFamily="49" charset="0"/>
+              </a:rPr>
+              <a:t>find_all</a:t>
             </a:r>
             <a:r>
               <a:rPr lang="en-US" dirty="0"/>
-              <a:t> paths. </a:t>
+              <a:t> methods</a:t>
+            </a:r>
+          </a:p>
+          <a:p>
+            <a:r>
+              <a:rPr lang="en-US" dirty="0" smtClean="0"/>
+              <a:t>Attributes and the </a:t>
+            </a:r>
+            <a:r>
+              <a:rPr lang="en-US" dirty="0">
+                <a:latin typeface="Consolas" panose="020B0609020204030204" pitchFamily="49" charset="0"/>
+              </a:rPr>
+              <a:t>find</a:t>
+            </a:r>
+            <a:r>
+              <a:rPr lang="en-US" dirty="0"/>
+              <a:t> </a:t>
+            </a:r>
+            <a:r>
+              <a:rPr lang="en-US" dirty="0" smtClean="0"/>
+              <a:t>method will always </a:t>
+            </a:r>
+            <a:r>
+              <a:rPr lang="en-US" dirty="0"/>
+              <a:t>find the first instance which matches the specifications. </a:t>
             </a:r>
             <a:endParaRPr lang="en-US" dirty="0" smtClean="0"/>
           </a:p>
@@ -26826,96 +24293,64 @@
             <a:pPr lvl="1"/>
             <a:r>
               <a:rPr lang="en-US" dirty="0" smtClean="0"/>
-              <a:t>An </a:t>
-            </a:r>
-            <a:r>
-              <a:rPr lang="en-US" u="sng" dirty="0"/>
-              <a:t>absolute</a:t>
+              <a:t>Use </a:t>
+            </a:r>
+            <a:r>
+              <a:rPr lang="en-US" dirty="0" err="1">
+                <a:latin typeface="Consolas" panose="020B0609020204030204" pitchFamily="49" charset="0"/>
+              </a:rPr>
+              <a:t>find_all</a:t>
             </a:r>
             <a:r>
               <a:rPr lang="en-US" dirty="0"/>
-              <a:t> path contains the entire address to a link. </a:t>
-            </a:r>
-            <a:endParaRPr lang="en-US" dirty="0" smtClean="0"/>
-          </a:p>
-          <a:p>
-            <a:pPr lvl="1"/>
+              <a:t> t</a:t>
+            </a:r>
             <a:r>
               <a:rPr lang="en-US" dirty="0" smtClean="0"/>
-              <a:t>A </a:t>
-            </a:r>
-            <a:r>
-              <a:rPr lang="en-US" u="sng" dirty="0"/>
-              <a:t>relative</a:t>
+              <a:t>o </a:t>
             </a:r>
             <a:r>
               <a:rPr lang="en-US" dirty="0"/>
-              <a:t> path contains the address </a:t>
-            </a:r>
-            <a:r>
-              <a:rPr lang="en-US" i="1" dirty="0"/>
-              <a:t>relative</a:t>
-            </a:r>
-            <a:r>
-              <a:rPr lang="en-US" dirty="0"/>
-              <a:t> to another base address. </a:t>
-            </a:r>
-          </a:p>
-          <a:p>
-            <a:r>
-              <a:rPr lang="en-US" dirty="0"/>
-              <a:t>Internal links almost always contain relative paths. </a:t>
-            </a:r>
-            <a:endParaRPr lang="en-US" dirty="0" smtClean="0"/>
-          </a:p>
-          <a:p>
-            <a:pPr lvl="1"/>
+              <a:t>find all </a:t>
+            </a:r>
             <a:r>
               <a:rPr lang="en-US" dirty="0" smtClean="0"/>
-              <a:t>For </a:t>
-            </a:r>
-            <a:r>
-              <a:rPr lang="en-US" dirty="0"/>
-              <a:t>example, the link to college basketball stats on </a:t>
-            </a:r>
+              <a:t>matches.</a:t>
+            </a:r>
+          </a:p>
+          <a:p>
             <a:r>
               <a:rPr lang="en-US" dirty="0" smtClean="0"/>
-              <a:t>sports-reference is </a:t>
-            </a:r>
-            <a:r>
-              <a:rPr lang="en-US" dirty="0"/>
-              <a:t>"/</a:t>
-            </a:r>
-            <a:r>
-              <a:rPr lang="en-US" dirty="0" err="1"/>
-              <a:t>cbb</a:t>
-            </a:r>
-            <a:r>
-              <a:rPr lang="en-US" dirty="0"/>
-              <a:t>". </a:t>
-            </a:r>
-            <a:endParaRPr lang="en-US" dirty="0" smtClean="0"/>
-          </a:p>
-          <a:p>
-            <a:pPr lvl="2"/>
+              <a:t>Link attributes look like this:</a:t>
+            </a:r>
+          </a:p>
+          <a:p>
+            <a:pPr marL="0" indent="0" algn="ctr">
+              <a:buNone/>
+            </a:pPr>
             <a:r>
               <a:rPr lang="en-US" dirty="0" smtClean="0"/>
-              <a:t>The </a:t>
-            </a:r>
-            <a:r>
-              <a:rPr lang="en-US" dirty="0"/>
-              <a:t>web pages knows this is an internal link and will send the user to http://sports-reference.com/cbb. </a:t>
-            </a:r>
-          </a:p>
-          <a:p>
+              <a:t>&lt;a </a:t>
+            </a:r>
+            <a:r>
+              <a:rPr lang="en-US" dirty="0" err="1" smtClean="0"/>
+              <a:t>href</a:t>
+            </a:r>
             <a:r>
               <a:rPr lang="en-US" dirty="0" smtClean="0"/>
-              <a:t>To </a:t>
-            </a:r>
-            <a:r>
-              <a:rPr lang="en-US" dirty="0"/>
-              <a:t>get the box score data, we must make a similar correction. </a:t>
-            </a:r>
+              <a:t>=“http://google.com”&gt;Google&lt;/a&gt;</a:t>
+            </a:r>
+            <a:endParaRPr lang="en-US" dirty="0"/>
+          </a:p>
+          <a:p>
+            <a:r>
+              <a:rPr lang="en-US" dirty="0" smtClean="0"/>
+              <a:t>We can extract information about the attribute using the get() method.</a:t>
+            </a:r>
+            <a:endParaRPr lang="en-US" dirty="0"/>
+          </a:p>
+          <a:p>
+            <a:endParaRPr lang="en-US" dirty="0"/>
           </a:p>
         </p:txBody>
       </p:sp>
@@ -26945,7 +24380,7 @@
     </p:spTree>
     <p:extLst>
       <p:ext uri="{BB962C8B-B14F-4D97-AF65-F5344CB8AC3E}">
-        <p14:creationId xmlns:p14="http://schemas.microsoft.com/office/powerpoint/2010/main" val="2045471823"/>
+        <p14:creationId xmlns:p14="http://schemas.microsoft.com/office/powerpoint/2010/main" val="346961422"/>
       </p:ext>
     </p:extLst>
   </p:cSld>
@@ -26996,11 +24431,9 @@
           <a:p>
             <a:r>
               <a:rPr lang="en-US" dirty="0" smtClean="0"/>
-              <a:t>Absolute and relative paths</a:t>
-            </a:r>
-            <a:endParaRPr lang="en-US" i="1" dirty="0">
-              <a:latin typeface="Consolas" panose="020B0609020204030204" pitchFamily="49" charset="0"/>
-            </a:endParaRPr>
+              <a:t>Bonus Tips</a:t>
+            </a:r>
+            <a:endParaRPr lang="en-US" dirty="0"/>
           </a:p>
         </p:txBody>
       </p:sp>
@@ -27016,127 +24449,152 @@
         </p:nvSpPr>
         <p:spPr/>
         <p:txBody>
-          <a:bodyPr>
-            <a:normAutofit/>
-          </a:bodyPr>
+          <a:bodyPr/>
           <a:lstStyle/>
           <a:p>
             <a:r>
+              <a:rPr lang="en-US" dirty="0" smtClean="0"/>
+              <a:t>Be careful of what objects are being returned.</a:t>
+            </a:r>
+          </a:p>
+          <a:p>
+            <a:pPr lvl="1"/>
+            <a:r>
               <a:rPr lang="en-US" dirty="0"/>
-              <a:t>Web pages contain </a:t>
-            </a:r>
-            <a:r>
-              <a:rPr lang="en-US" u="sng" dirty="0"/>
-              <a:t>absolute</a:t>
+              <a:t>The </a:t>
+            </a:r>
+            <a:r>
+              <a:rPr lang="en-US" dirty="0" smtClean="0">
+                <a:latin typeface="Consolas" panose="020B0609020204030204" pitchFamily="49" charset="0"/>
+              </a:rPr>
+              <a:t>find</a:t>
+            </a:r>
+            <a:r>
+              <a:rPr lang="en-US" dirty="0" smtClean="0"/>
+              <a:t> </a:t>
             </a:r>
             <a:r>
               <a:rPr lang="en-US" dirty="0"/>
-              <a:t> paths and </a:t>
-            </a:r>
-            <a:r>
-              <a:rPr lang="en-US" u="sng" dirty="0"/>
-              <a:t>relative</a:t>
+              <a:t>method returns a </a:t>
+            </a:r>
+            <a:r>
+              <a:rPr lang="en-US" dirty="0" smtClean="0">
+                <a:latin typeface="Consolas" panose="020B0609020204030204" pitchFamily="49" charset="0"/>
+              </a:rPr>
+              <a:t>Tag</a:t>
+            </a:r>
+            <a:r>
+              <a:rPr lang="en-US" dirty="0" smtClean="0"/>
+              <a:t> object</a:t>
             </a:r>
             <a:r>
               <a:rPr lang="en-US" dirty="0"/>
-              <a:t> paths. </a:t>
+              <a:t>.</a:t>
             </a:r>
             <a:endParaRPr lang="en-US" dirty="0" smtClean="0"/>
           </a:p>
           <a:p>
             <a:pPr lvl="1"/>
-            <a:r>
-              <a:rPr lang="en-US" dirty="0" smtClean="0"/>
-              <a:t>An </a:t>
-            </a:r>
-            <a:r>
-              <a:rPr lang="en-US" u="sng" dirty="0"/>
-              <a:t>absolute</a:t>
-            </a:r>
-            <a:r>
-              <a:rPr lang="en-US" dirty="0"/>
-              <a:t> path contains the entire address to a link. </a:t>
-            </a:r>
-            <a:endParaRPr lang="en-US" dirty="0" smtClean="0"/>
-          </a:p>
-          <a:p>
-            <a:pPr lvl="1"/>
-            <a:r>
-              <a:rPr lang="en-US" dirty="0" smtClean="0"/>
-              <a:t>A </a:t>
-            </a:r>
-            <a:r>
-              <a:rPr lang="en-US" u="sng" dirty="0"/>
-              <a:t>relative</a:t>
-            </a:r>
-            <a:r>
-              <a:rPr lang="en-US" dirty="0"/>
-              <a:t> path contains the address </a:t>
-            </a:r>
-            <a:r>
-              <a:rPr lang="en-US" i="1" dirty="0"/>
-              <a:t>relative</a:t>
-            </a:r>
-            <a:r>
-              <a:rPr lang="en-US" dirty="0"/>
-              <a:t> to another base address. </a:t>
-            </a:r>
-          </a:p>
-          <a:p>
-            <a:r>
-              <a:rPr lang="en-US" dirty="0"/>
-              <a:t>Internal links almost always contain relative paths. </a:t>
-            </a:r>
-            <a:endParaRPr lang="en-US" dirty="0" smtClean="0"/>
-          </a:p>
-          <a:p>
-            <a:pPr lvl="1"/>
-            <a:r>
-              <a:rPr lang="en-US" dirty="0" smtClean="0"/>
-              <a:t>For </a:t>
-            </a:r>
-            <a:r>
-              <a:rPr lang="en-US" dirty="0"/>
-              <a:t>example, the link to college basketball stats on </a:t>
-            </a:r>
-            <a:r>
-              <a:rPr lang="en-US" dirty="0" smtClean="0"/>
-              <a:t>sports-reference is </a:t>
-            </a:r>
-            <a:r>
-              <a:rPr lang="en-US" dirty="0"/>
-              <a:t>"/</a:t>
-            </a:r>
-            <a:r>
-              <a:rPr lang="en-US" dirty="0" err="1"/>
-              <a:t>cbb</a:t>
-            </a:r>
-            <a:r>
-              <a:rPr lang="en-US" dirty="0"/>
-              <a:t>". </a:t>
-            </a:r>
-            <a:endParaRPr lang="en-US" dirty="0" smtClean="0"/>
-          </a:p>
-          <a:p>
-            <a:pPr lvl="2"/>
             <a:r>
               <a:rPr lang="en-US" dirty="0" smtClean="0"/>
               <a:t>The </a:t>
             </a:r>
             <a:r>
+              <a:rPr lang="en-US" dirty="0" err="1">
+                <a:latin typeface="Consolas" panose="020B0609020204030204" pitchFamily="49" charset="0"/>
+              </a:rPr>
+              <a:t>find_all</a:t>
+            </a:r>
+            <a:r>
               <a:rPr lang="en-US" dirty="0"/>
-              <a:t>web pages knows this is an internal link and will send the user to http://sports-reference.com/cbb. </a:t>
-            </a:r>
-          </a:p>
-          <a:p>
+              <a:t> </a:t>
+            </a:r>
             <a:r>
               <a:rPr lang="en-US" dirty="0" smtClean="0"/>
-              <a:t>To </a:t>
+              <a:t>method returns a </a:t>
+            </a:r>
+            <a:r>
+              <a:rPr lang="en-US" dirty="0" err="1" smtClean="0">
+                <a:latin typeface="Consolas" panose="020B0609020204030204" pitchFamily="49" charset="0"/>
+              </a:rPr>
+              <a:t>ResultSet</a:t>
+            </a:r>
+            <a:r>
+              <a:rPr lang="en-US" dirty="0" smtClean="0"/>
+              <a:t> object.</a:t>
+            </a:r>
+          </a:p>
+          <a:p>
+            <a:pPr lvl="2"/>
+            <a:r>
+              <a:rPr lang="en-US" dirty="0" smtClean="0"/>
+              <a:t>You can’t chain</a:t>
             </a:r>
             <a:r>
               <a:rPr lang="en-US" dirty="0"/>
-              <a:t>get the box score data, we must make a similar correction. </a:t>
-            </a:r>
+              <a:t> </a:t>
+            </a:r>
+            <a:r>
+              <a:rPr lang="en-US" dirty="0" err="1" smtClean="0">
+                <a:latin typeface="Consolas" panose="020B0609020204030204" pitchFamily="49" charset="0"/>
+              </a:rPr>
+              <a:t>ResultSet</a:t>
+            </a:r>
+            <a:r>
+              <a:rPr lang="en-US" dirty="0" smtClean="0"/>
+              <a:t> objects together like you can with </a:t>
+            </a:r>
+            <a:r>
+              <a:rPr lang="en-US" dirty="0">
+                <a:latin typeface="Consolas" panose="020B0609020204030204" pitchFamily="49" charset="0"/>
+              </a:rPr>
+              <a:t>Tag</a:t>
+            </a:r>
+            <a:r>
+              <a:rPr lang="en-US" dirty="0"/>
+              <a:t> </a:t>
+            </a:r>
+            <a:r>
+              <a:rPr lang="en-US" dirty="0" smtClean="0"/>
+              <a:t>attributes and methods.</a:t>
+            </a:r>
+          </a:p>
+          <a:p>
+            <a:r>
+              <a:rPr lang="en-US" dirty="0" smtClean="0"/>
+              <a:t>In practice, we need more information to find the proper links.</a:t>
+            </a:r>
+          </a:p>
+          <a:p>
+            <a:pPr lvl="1"/>
+            <a:r>
+              <a:rPr lang="en-US" dirty="0" smtClean="0"/>
+              <a:t>Chrome has a </a:t>
+            </a:r>
+            <a:r>
+              <a:rPr lang="en-US" dirty="0" err="1" smtClean="0"/>
+              <a:t>SelectorGadget</a:t>
+            </a:r>
+            <a:r>
+              <a:rPr lang="en-US" dirty="0" smtClean="0"/>
+              <a:t> add-on which makes finding the proper html tags </a:t>
+            </a:r>
+            <a:r>
+              <a:rPr lang="en-US" i="1" dirty="0" smtClean="0"/>
+              <a:t>much</a:t>
+            </a:r>
+            <a:r>
+              <a:rPr lang="en-US" dirty="0" smtClean="0"/>
+              <a:t> easier.</a:t>
+            </a:r>
+          </a:p>
+          <a:p>
+            <a:pPr lvl="1"/>
+            <a:r>
+              <a:rPr lang="en-US" dirty="0" smtClean="0"/>
+              <a:t>We’ll cover this in more depth during the data mining workshop. It has deeper applications there. </a:t>
+            </a:r>
+            <a:endParaRPr lang="en-US" dirty="0"/>
           </a:p>
         </p:txBody>
       </p:sp>
@@ -27166,7 +24624,7 @@
     </p:spTree>
     <p:extLst>
       <p:ext uri="{BB962C8B-B14F-4D97-AF65-F5344CB8AC3E}">
-        <p14:creationId xmlns:p14="http://schemas.microsoft.com/office/powerpoint/2010/main" val="2338468529"/>
+        <p14:creationId xmlns:p14="http://schemas.microsoft.com/office/powerpoint/2010/main" val="2943957291"/>
       </p:ext>
     </p:extLst>
   </p:cSld>
@@ -27217,9 +24675,11 @@
           <a:p>
             <a:r>
               <a:rPr lang="en-US" dirty="0" smtClean="0"/>
-              <a:t>Bonus Tips</a:t>
-            </a:r>
-            <a:endParaRPr lang="en-US" dirty="0"/>
+              <a:t>Following internal links</a:t>
+            </a:r>
+            <a:endParaRPr lang="en-US" i="1" dirty="0">
+              <a:latin typeface="Consolas" panose="020B0609020204030204" pitchFamily="49" charset="0"/>
+            </a:endParaRPr>
           </a:p>
         </p:txBody>
       </p:sp>
@@ -27241,93 +24701,75 @@
           <a:lstStyle/>
           <a:p>
             <a:r>
+              <a:rPr lang="en-US" dirty="0"/>
+              <a:t>We now know how to find internal links on a page. There are two things we want to do </a:t>
+            </a:r>
+            <a:r>
               <a:rPr lang="en-US" dirty="0" smtClean="0"/>
-              <a:t>We </a:t>
+              <a:t>next:</a:t>
+            </a:r>
+          </a:p>
+          <a:p>
+            <a:pPr marL="800100" lvl="1" indent="-342900">
+              <a:buFont typeface="+mj-lt"/>
+              <a:buAutoNum type="arabicPeriod"/>
+            </a:pPr>
+            <a:r>
+              <a:rPr lang="en-US" dirty="0" smtClean="0"/>
+              <a:t>Scrape </a:t>
             </a:r>
             <a:r>
               <a:rPr lang="en-US" dirty="0"/>
-              <a:t>may be tempted to navigate to other </a:t>
-            </a:r>
-            <a:r>
-              <a:rPr lang="en-US" dirty="0" err="1"/>
-              <a:t>gamesheets</a:t>
+              <a:t>the box scores for more game data</a:t>
+            </a:r>
+            <a:r>
+              <a:rPr lang="en-US" dirty="0" smtClean="0"/>
+              <a:t>;</a:t>
+            </a:r>
+          </a:p>
+          <a:p>
+            <a:pPr marL="800100" lvl="1" indent="-342900">
+              <a:buFont typeface="+mj-lt"/>
+              <a:buAutoNum type="arabicPeriod"/>
+            </a:pPr>
+            <a:r>
+              <a:rPr lang="en-US" dirty="0" smtClean="0"/>
+              <a:t>Find </a:t>
             </a:r>
             <a:r>
               <a:rPr lang="en-US" dirty="0"/>
-              <a:t> the same </a:t>
-            </a:r>
+              <a:t>scores from different dates. </a:t>
+            </a:r>
+          </a:p>
+          <a:p>
+            <a:endParaRPr lang="en-US" dirty="0" smtClean="0"/>
+          </a:p>
+          <a:p>
             <a:r>
               <a:rPr lang="en-US" dirty="0" smtClean="0"/>
-              <a:t>way, but there’s a better way:</a:t>
-            </a:r>
-          </a:p>
-          <a:p>
-            <a:pPr lvl="1"/>
-            <a:r>
-              <a:rPr lang="en-US" dirty="0" smtClean="0"/>
-              <a:t>Notice </a:t>
+              <a:t>We'll </a:t>
             </a:r>
             <a:r>
               <a:rPr lang="en-US" dirty="0"/>
-              <a:t>the URL takes date parameters.</a:t>
-            </a:r>
-          </a:p>
-          <a:p>
-            <a:pPr marL="0" indent="0" algn="ctr">
-              <a:buNone/>
-            </a:pPr>
-            <a:r>
-              <a:rPr lang="en-US" dirty="0" smtClean="0"/>
-              <a:t>?</a:t>
-            </a:r>
-            <a:r>
-              <a:rPr lang="en-US" dirty="0"/>
-              <a:t>month=01&amp;day=22&amp;year=2017 </a:t>
-            </a:r>
-          </a:p>
-          <a:p>
-            <a:r>
-              <a:rPr lang="en-US" dirty="0" smtClean="0"/>
-              <a:t>We </a:t>
-            </a:r>
-            <a:r>
-              <a:rPr lang="en-US" dirty="0"/>
-              <a:t>can </a:t>
-            </a:r>
-            <a:r>
-              <a:rPr lang="en-US" dirty="0" smtClean="0"/>
-              <a:t>scrape </a:t>
-            </a:r>
-            <a:r>
-              <a:rPr lang="en-US" dirty="0"/>
-              <a:t>the scores for a given date and use the date we specified</a:t>
-            </a:r>
-            <a:r>
-              <a:rPr lang="en-US" dirty="0" smtClean="0"/>
-              <a:t>.</a:t>
-            </a:r>
-          </a:p>
-          <a:p>
-            <a:pPr lvl="1"/>
-            <a:r>
-              <a:rPr lang="en-US" dirty="0" smtClean="0"/>
-              <a:t>This </a:t>
-            </a:r>
-            <a:r>
-              <a:rPr lang="en-US" dirty="0"/>
-              <a:t>solves the additional problem of navigating to other dates. It will </a:t>
-            </a:r>
-            <a:r>
-              <a:rPr lang="en-US" dirty="0" smtClean="0"/>
-              <a:t>also </a:t>
-            </a:r>
-            <a:r>
-              <a:rPr lang="en-US" dirty="0"/>
-              <a:t>makes the code </a:t>
-            </a:r>
-            <a:r>
-              <a:rPr lang="en-US" i="1" dirty="0" smtClean="0"/>
-              <a:t>much</a:t>
+              <a:t>switch gears now to scraping </a:t>
+            </a:r>
+            <a:r>
+              <a:rPr lang="en-US" dirty="0" smtClean="0">
+                <a:hlinkClick r:id="rId3"/>
+              </a:rPr>
+              <a:t>NCAA </a:t>
+            </a:r>
+            <a:r>
+              <a:rPr lang="en-US" dirty="0">
+                <a:hlinkClick r:id="rId3"/>
+              </a:rPr>
+              <a:t>basketball box scores on </a:t>
+            </a:r>
+            <a:r>
+              <a:rPr lang="en-US" dirty="0" smtClean="0">
+                <a:hlinkClick r:id="rId3"/>
+              </a:rPr>
+              <a:t>sports-reference</a:t>
             </a:r>
             <a:r>
               <a:rPr lang="en-US" dirty="0" smtClean="0"/>
@@ -27335,39 +24777,7 @@
             </a:r>
             <a:r>
               <a:rPr lang="en-US" dirty="0"/>
-              <a:t>easier to read and debug later on</a:t>
-            </a:r>
-            <a:r>
-              <a:rPr lang="en-US" dirty="0" smtClean="0"/>
-              <a:t>.</a:t>
-            </a:r>
-          </a:p>
-          <a:p>
-            <a:r>
-              <a:rPr lang="en-US" dirty="0" smtClean="0"/>
-              <a:t>URL </a:t>
-            </a:r>
-            <a:r>
-              <a:rPr lang="en-US" dirty="0"/>
-              <a:t>parameters rarely require a specific order. </a:t>
-            </a:r>
-            <a:endParaRPr lang="en-US" dirty="0" smtClean="0"/>
-          </a:p>
-          <a:p>
-            <a:pPr marL="0" indent="0" algn="ctr">
-              <a:buNone/>
-            </a:pPr>
-            <a:r>
-              <a:rPr lang="en-US" dirty="0" smtClean="0"/>
-              <a:t>?</a:t>
-            </a:r>
-            <a:r>
-              <a:rPr lang="en-US" dirty="0"/>
-              <a:t> </a:t>
-            </a:r>
-            <a:r>
-              <a:rPr lang="en-US" dirty="0" smtClean="0"/>
-              <a:t>year=2017&amp;month=01&amp;day=22</a:t>
+              <a:t>to demonstrate. </a:t>
             </a:r>
           </a:p>
         </p:txBody>
@@ -27398,7 +24808,7 @@
     </p:spTree>
     <p:extLst>
       <p:ext uri="{BB962C8B-B14F-4D97-AF65-F5344CB8AC3E}">
-        <p14:creationId xmlns:p14="http://schemas.microsoft.com/office/powerpoint/2010/main" val="4076771972"/>
+        <p14:creationId xmlns:p14="http://schemas.microsoft.com/office/powerpoint/2010/main" val="1712848606"/>
       </p:ext>
     </p:extLst>
   </p:cSld>
@@ -27439,36 +24849,7 @@
             <a:spLocks noGrp="1"/>
           </p:cNvSpPr>
           <p:nvPr>
-            <p:ph type="ctrTitle"/>
-          </p:nvPr>
-        </p:nvSpPr>
-        <p:spPr>
-          <a:xfrm>
-            <a:off x="1154955" y="1447801"/>
-            <a:ext cx="8825658" cy="2568388"/>
-          </a:xfrm>
-        </p:spPr>
-        <p:txBody>
-          <a:bodyPr/>
-          <a:lstStyle/>
-          <a:p>
-            <a:pPr algn="ctr"/>
-            <a:r>
-              <a:rPr lang="en-US" dirty="0" smtClean="0"/>
-              <a:t>Questions?</a:t>
-            </a:r>
-            <a:endParaRPr lang="en-US" dirty="0"/>
-          </a:p>
-        </p:txBody>
-      </p:sp>
-      <p:sp>
-        <p:nvSpPr>
-          <p:cNvPr id="4" name="Subtitle 3"/>
-          <p:cNvSpPr>
-            <a:spLocks noGrp="1"/>
-          </p:cNvSpPr>
-          <p:nvPr>
-            <p:ph type="subTitle" idx="1"/>
+            <p:ph type="title"/>
           </p:nvPr>
         </p:nvSpPr>
         <p:spPr/>
@@ -27476,13 +24857,155 @@
           <a:bodyPr/>
           <a:lstStyle/>
           <a:p>
-            <a:endParaRPr lang="en-US"/>
+            <a:r>
+              <a:rPr lang="en-US" dirty="0" smtClean="0"/>
+              <a:t>Absolute and relative paths</a:t>
+            </a:r>
+            <a:endParaRPr lang="en-US" i="1" dirty="0">
+              <a:latin typeface="Consolas" panose="020B0609020204030204" pitchFamily="49" charset="0"/>
+            </a:endParaRPr>
           </a:p>
         </p:txBody>
       </p:sp>
       <p:sp>
         <p:nvSpPr>
-          <p:cNvPr id="3" name="Slide Number Placeholder 2"/>
+          <p:cNvPr id="3" name="Content Placeholder 2"/>
+          <p:cNvSpPr>
+            <a:spLocks noGrp="1"/>
+          </p:cNvSpPr>
+          <p:nvPr>
+            <p:ph idx="1"/>
+          </p:nvPr>
+        </p:nvSpPr>
+        <p:spPr/>
+        <p:txBody>
+          <a:bodyPr>
+            <a:normAutofit/>
+          </a:bodyPr>
+          <a:lstStyle/>
+          <a:p>
+            <a:r>
+              <a:rPr lang="en-US" dirty="0"/>
+              <a:t>Web pages contain </a:t>
+            </a:r>
+            <a:r>
+              <a:rPr lang="en-US" u="sng" dirty="0"/>
+              <a:t>absolute</a:t>
+            </a:r>
+            <a:r>
+              <a:rPr lang="en-US" dirty="0"/>
+              <a:t> paths and </a:t>
+            </a:r>
+            <a:r>
+              <a:rPr lang="en-US" u="sng" dirty="0"/>
+              <a:t>relative</a:t>
+            </a:r>
+            <a:r>
+              <a:rPr lang="en-US" dirty="0"/>
+              <a:t> paths. </a:t>
+            </a:r>
+            <a:endParaRPr lang="en-US" dirty="0" smtClean="0"/>
+          </a:p>
+          <a:p>
+            <a:pPr lvl="1"/>
+            <a:r>
+              <a:rPr lang="en-US" dirty="0" smtClean="0"/>
+              <a:t>An </a:t>
+            </a:r>
+            <a:r>
+              <a:rPr lang="en-US" u="sng" dirty="0"/>
+              <a:t>absolute</a:t>
+            </a:r>
+            <a:r>
+              <a:rPr lang="en-US" dirty="0"/>
+              <a:t> path contains the entire address to a link. </a:t>
+            </a:r>
+            <a:endParaRPr lang="en-US" dirty="0" smtClean="0"/>
+          </a:p>
+          <a:p>
+            <a:pPr lvl="1"/>
+            <a:r>
+              <a:rPr lang="en-US" dirty="0" smtClean="0"/>
+              <a:t>A </a:t>
+            </a:r>
+            <a:r>
+              <a:rPr lang="en-US" u="sng" dirty="0"/>
+              <a:t>relative</a:t>
+            </a:r>
+            <a:r>
+              <a:rPr lang="en-US" dirty="0"/>
+              <a:t> path contains the address </a:t>
+            </a:r>
+            <a:r>
+              <a:rPr lang="en-US" i="1" dirty="0"/>
+              <a:t>relative</a:t>
+            </a:r>
+            <a:r>
+              <a:rPr lang="en-US" dirty="0"/>
+              <a:t> to another base address. </a:t>
+            </a:r>
+          </a:p>
+          <a:p>
+            <a:r>
+              <a:rPr lang="en-US" dirty="0"/>
+              <a:t>Internal links almost always contain relative paths. </a:t>
+            </a:r>
+            <a:endParaRPr lang="en-US" dirty="0" smtClean="0"/>
+          </a:p>
+          <a:p>
+            <a:pPr lvl="1"/>
+            <a:r>
+              <a:rPr lang="en-US" dirty="0" smtClean="0"/>
+              <a:t>For </a:t>
+            </a:r>
+            <a:r>
+              <a:rPr lang="en-US" dirty="0"/>
+              <a:t>example, the link to college basketball stats on </a:t>
+            </a:r>
+            <a:r>
+              <a:rPr lang="en-US" dirty="0" smtClean="0"/>
+              <a:t>sports-reference is </a:t>
+            </a:r>
+            <a:r>
+              <a:rPr lang="en-US" dirty="0"/>
+              <a:t>"/</a:t>
+            </a:r>
+            <a:r>
+              <a:rPr lang="en-US" dirty="0" err="1"/>
+              <a:t>cbb</a:t>
+            </a:r>
+            <a:r>
+              <a:rPr lang="en-US" dirty="0"/>
+              <a:t>". </a:t>
+            </a:r>
+            <a:endParaRPr lang="en-US" dirty="0" smtClean="0"/>
+          </a:p>
+          <a:p>
+            <a:pPr lvl="2"/>
+            <a:r>
+              <a:rPr lang="en-US" dirty="0" smtClean="0"/>
+              <a:t>The </a:t>
+            </a:r>
+            <a:r>
+              <a:rPr lang="en-US" dirty="0"/>
+              <a:t>web pages knows this is an internal link and will send the user to http://sports-reference.com/cbb. </a:t>
+            </a:r>
+          </a:p>
+          <a:p>
+            <a:r>
+              <a:rPr lang="en-US" dirty="0" smtClean="0"/>
+              <a:t>To </a:t>
+            </a:r>
+            <a:r>
+              <a:rPr lang="en-US" dirty="0"/>
+              <a:t>get the box score data, we must make a similar correction. </a:t>
+            </a:r>
+          </a:p>
+        </p:txBody>
+      </p:sp>
+      <p:sp>
+        <p:nvSpPr>
+          <p:cNvPr id="4" name="Slide Number Placeholder 3"/>
           <p:cNvSpPr>
             <a:spLocks noGrp="1"/>
           </p:cNvSpPr>
@@ -27506,7 +25029,7 @@
     </p:spTree>
     <p:extLst>
       <p:ext uri="{BB962C8B-B14F-4D97-AF65-F5344CB8AC3E}">
-        <p14:creationId xmlns:p14="http://schemas.microsoft.com/office/powerpoint/2010/main" val="369632690"/>
+        <p14:creationId xmlns:p14="http://schemas.microsoft.com/office/powerpoint/2010/main" val="2045471823"/>
       </p:ext>
     </p:extLst>
   </p:cSld>
@@ -27557,32 +25080,147 @@
           <a:p>
             <a:r>
               <a:rPr lang="en-US" dirty="0" smtClean="0"/>
-              <a:t>Legal Stuff</a:t>
-            </a:r>
-            <a:endParaRPr lang="en-US" dirty="0"/>
+              <a:t>Absolute and relative paths</a:t>
+            </a:r>
+            <a:endParaRPr lang="en-US" i="1" dirty="0">
+              <a:latin typeface="Consolas" panose="020B0609020204030204" pitchFamily="49" charset="0"/>
+            </a:endParaRPr>
           </a:p>
         </p:txBody>
       </p:sp>
       <p:sp>
         <p:nvSpPr>
-          <p:cNvPr id="3" name="Text Placeholder 2"/>
+          <p:cNvPr id="3" name="Content Placeholder 2"/>
           <p:cNvSpPr>
             <a:spLocks noGrp="1"/>
           </p:cNvSpPr>
           <p:nvPr>
-            <p:ph type="body" idx="1"/>
+            <p:ph idx="1"/>
           </p:nvPr>
         </p:nvSpPr>
         <p:spPr/>
         <p:txBody>
-          <a:bodyPr/>
+          <a:bodyPr>
+            <a:normAutofit/>
+          </a:bodyPr>
           <a:lstStyle/>
           <a:p>
             <a:r>
-              <a:rPr lang="en-US" cap="none" dirty="0" smtClean="0"/>
-              <a:t>Check yourself before you wreck yourself.</a:t>
-            </a:r>
-            <a:endParaRPr lang="en-US" cap="none" dirty="0"/>
+              <a:rPr lang="en-US" dirty="0"/>
+              <a:t>Web pages contain </a:t>
+            </a:r>
+            <a:r>
+              <a:rPr lang="en-US" u="sng" dirty="0"/>
+              <a:t>absolute</a:t>
+            </a:r>
+            <a:r>
+              <a:rPr lang="en-US" dirty="0"/>
+              <a:t> paths and </a:t>
+            </a:r>
+            <a:r>
+              <a:rPr lang="en-US" u="sng" dirty="0"/>
+              <a:t>relative</a:t>
+            </a:r>
+            <a:r>
+              <a:rPr lang="en-US" dirty="0"/>
+              <a:t> paths. </a:t>
+            </a:r>
+            <a:endParaRPr lang="en-US" dirty="0" smtClean="0"/>
+          </a:p>
+          <a:p>
+            <a:pPr lvl="1"/>
+            <a:r>
+              <a:rPr lang="en-US" dirty="0" smtClean="0"/>
+              <a:t>An </a:t>
+            </a:r>
+            <a:r>
+              <a:rPr lang="en-US" u="sng" dirty="0"/>
+              <a:t>absolute</a:t>
+            </a:r>
+            <a:r>
+              <a:rPr lang="en-US" dirty="0"/>
+              <a:t> path contains the entire address to a link. </a:t>
+            </a:r>
+            <a:endParaRPr lang="en-US" dirty="0" smtClean="0"/>
+          </a:p>
+          <a:p>
+            <a:pPr lvl="1"/>
+            <a:r>
+              <a:rPr lang="en-US" dirty="0" smtClean="0"/>
+              <a:t>A </a:t>
+            </a:r>
+            <a:r>
+              <a:rPr lang="en-US" u="sng" dirty="0"/>
+              <a:t>relative</a:t>
+            </a:r>
+            <a:r>
+              <a:rPr lang="en-US" dirty="0"/>
+              <a:t> path contains the address </a:t>
+            </a:r>
+            <a:r>
+              <a:rPr lang="en-US" i="1" dirty="0"/>
+              <a:t>relative</a:t>
+            </a:r>
+            <a:r>
+              <a:rPr lang="en-US" dirty="0"/>
+              <a:t> to another base address. </a:t>
+            </a:r>
+          </a:p>
+          <a:p>
+            <a:r>
+              <a:rPr lang="en-US" dirty="0"/>
+              <a:t>Internal links almost always contain relative paths. </a:t>
+            </a:r>
+            <a:endParaRPr lang="en-US" dirty="0" smtClean="0"/>
+          </a:p>
+          <a:p>
+            <a:pPr lvl="1"/>
+            <a:r>
+              <a:rPr lang="en-US" dirty="0" smtClean="0"/>
+              <a:t>For </a:t>
+            </a:r>
+            <a:r>
+              <a:rPr lang="en-US" dirty="0"/>
+              <a:t>example, the link to college basketball stats on </a:t>
+            </a:r>
+            <a:r>
+              <a:rPr lang="en-US" dirty="0" smtClean="0"/>
+              <a:t>sports-reference is </a:t>
+            </a:r>
+            <a:r>
+              <a:rPr lang="en-US" dirty="0"/>
+              <a:t>"/</a:t>
+            </a:r>
+            <a:r>
+              <a:rPr lang="en-US" dirty="0" err="1"/>
+              <a:t>cbb</a:t>
+            </a:r>
+            <a:r>
+              <a:rPr lang="en-US" dirty="0"/>
+              <a:t>". </a:t>
+            </a:r>
+            <a:endParaRPr lang="en-US" dirty="0" smtClean="0"/>
+          </a:p>
+          <a:p>
+            <a:pPr lvl="2"/>
+            <a:r>
+              <a:rPr lang="en-US" dirty="0" smtClean="0"/>
+              <a:t>The </a:t>
+            </a:r>
+            <a:r>
+              <a:rPr lang="en-US" dirty="0"/>
+              <a:t>web pages knows this is an internal link and will send the user to http://sports-reference.com/cbb. </a:t>
+            </a:r>
+          </a:p>
+          <a:p>
+            <a:r>
+              <a:rPr lang="en-US" dirty="0" smtClean="0"/>
+              <a:t>To </a:t>
+            </a:r>
+            <a:r>
+              <a:rPr lang="en-US" dirty="0"/>
+              <a:t>get the box score data, we must make a similar correction. </a:t>
+            </a:r>
           </a:p>
         </p:txBody>
       </p:sp>
@@ -27612,7 +25250,7 @@
     </p:spTree>
     <p:extLst>
       <p:ext uri="{BB962C8B-B14F-4D97-AF65-F5344CB8AC3E}">
-        <p14:creationId xmlns:p14="http://schemas.microsoft.com/office/powerpoint/2010/main" val="3670932340"/>
+        <p14:creationId xmlns:p14="http://schemas.microsoft.com/office/powerpoint/2010/main" val="2338468529"/>
       </p:ext>
     </p:extLst>
   </p:cSld>
@@ -27663,7 +25301,7 @@
           <a:p>
             <a:r>
               <a:rPr lang="en-US" dirty="0" smtClean="0"/>
-              <a:t>Scraping Politely (not illegally)</a:t>
+              <a:t>Bonus Tips</a:t>
             </a:r>
             <a:endParaRPr lang="en-US" dirty="0"/>
           </a:p>
@@ -27681,37 +25319,72 @@
         </p:nvSpPr>
         <p:spPr/>
         <p:txBody>
-          <a:bodyPr/>
+          <a:bodyPr>
+            <a:normAutofit/>
+          </a:bodyPr>
           <a:lstStyle/>
           <a:p>
             <a:r>
               <a:rPr lang="en-US" dirty="0" smtClean="0"/>
-              <a:t>Spiders, crawlers, scrapers, etc. are known as </a:t>
-            </a:r>
-            <a:r>
-              <a:rPr lang="en-US" u="sng" dirty="0" smtClean="0"/>
-              <a:t>robots</a:t>
+              <a:t>We </a:t>
+            </a:r>
+            <a:r>
+              <a:rPr lang="en-US" dirty="0"/>
+              <a:t>may be tempted to navigate to other </a:t>
+            </a:r>
+            <a:r>
+              <a:rPr lang="en-US" dirty="0" err="1"/>
+              <a:t>gamesheets</a:t>
+            </a:r>
+            <a:r>
+              <a:rPr lang="en-US" dirty="0"/>
+              <a:t> the same </a:t>
             </a:r>
             <a:r>
               <a:rPr lang="en-US" dirty="0" smtClean="0"/>
-              <a:t> online.</a:t>
+              <a:t>way, but there’s a better way:</a:t>
             </a:r>
           </a:p>
           <a:p>
             <a:pPr lvl="1"/>
             <a:r>
               <a:rPr lang="en-US" dirty="0" smtClean="0"/>
-              <a:t>Most sites have a robots.txt page which tells robots what they “can and cannot” scrape.</a:t>
-            </a:r>
-          </a:p>
-          <a:p>
+              <a:t>Notice </a:t>
+            </a:r>
+            <a:r>
+              <a:rPr lang="en-US" dirty="0"/>
+              <a:t>the URL takes date parameters.</a:t>
+            </a:r>
+          </a:p>
+          <a:p>
+            <a:pPr marL="0" indent="0" algn="ctr">
+              <a:buNone/>
+            </a:pPr>
             <a:r>
               <a:rPr lang="en-US" dirty="0" smtClean="0"/>
-              <a:t>Many websites </a:t>
+              <a:t>?</a:t>
             </a:r>
             <a:r>
               <a:rPr lang="en-US" dirty="0"/>
-              <a:t>track IPs and other information to identify robots</a:t>
+              <a:t>month=01&amp;day=22&amp;year=2017 </a:t>
+            </a:r>
+          </a:p>
+          <a:p>
+            <a:r>
+              <a:rPr lang="en-US" dirty="0" smtClean="0"/>
+              <a:t>We </a:t>
+            </a:r>
+            <a:r>
+              <a:rPr lang="en-US" dirty="0"/>
+              <a:t>can </a:t>
+            </a:r>
+            <a:r>
+              <a:rPr lang="en-US" dirty="0" smtClean="0"/>
+              <a:t>scrape </a:t>
+            </a:r>
+            <a:r>
+              <a:rPr lang="en-US" dirty="0"/>
+              <a:t>the scores for a given date and use the date we specified</a:t>
             </a:r>
             <a:r>
               <a:rPr lang="en-US" dirty="0" smtClean="0"/>
@@ -27722,54 +25395,64 @@
             <a:pPr lvl="1"/>
             <a:r>
               <a:rPr lang="en-US" dirty="0" smtClean="0"/>
-              <a:t>In my experience, these tracking services are either really bad or poorly maintained.</a:t>
-            </a:r>
-          </a:p>
-          <a:p>
+              <a:t>This </a:t>
+            </a:r>
+            <a:r>
+              <a:rPr lang="en-US" dirty="0"/>
+              <a:t>solves the additional problem of navigating to other dates. It will </a:t>
+            </a:r>
             <a:r>
               <a:rPr lang="en-US" dirty="0" smtClean="0"/>
-              <a:t>Websites pay money for their servers.</a:t>
-            </a:r>
-          </a:p>
-          <a:p>
-            <a:pPr lvl="1"/>
+              <a:t>also </a:t>
+            </a:r>
+            <a:r>
+              <a:rPr lang="en-US" dirty="0"/>
+              <a:t>makes the code </a:t>
+            </a:r>
+            <a:r>
+              <a:rPr lang="en-US" i="1" dirty="0" smtClean="0"/>
+              <a:t>much</a:t>
+            </a:r>
             <a:r>
               <a:rPr lang="en-US" dirty="0" smtClean="0"/>
-              <a:t>Your scraper uses server time that could instead go to </a:t>
-            </a:r>
-            <a:r>
-              <a:rPr lang="en-US" i="1" dirty="0" smtClean="0"/>
-              <a:t>real</a:t>
+              <a:t> </a:t>
+            </a:r>
+            <a:r>
+              <a:rPr lang="en-US" dirty="0"/>
+              <a:t>easier to read and debug later on</a:t>
             </a:r>
             <a:r>
               <a:rPr lang="en-US" dirty="0" smtClean="0"/>
-              <a:t> users.</a:t>
-            </a:r>
-          </a:p>
-          <a:p>
-            <a:pPr lvl="1"/>
+              <a:t>.</a:t>
+            </a:r>
+          </a:p>
+          <a:p>
             <a:r>
               <a:rPr lang="en-US" dirty="0" smtClean="0"/>
-              <a:t>Websites may ban your IP if they suspect your using a robot.</a:t>
-            </a:r>
-          </a:p>
-          <a:p>
+              <a:t>URL </a:t>
+            </a:r>
+            <a:r>
+              <a:rPr lang="en-US" dirty="0"/>
+              <a:t>parameters rarely require a specific order. </a:t>
+            </a:r>
+            <a:endParaRPr lang="en-US" dirty="0" smtClean="0"/>
+          </a:p>
+          <a:p>
+            <a:pPr marL="0" indent="0" algn="ctr">
+              <a:buNone/>
+            </a:pPr>
             <a:r>
               <a:rPr lang="en-US" dirty="0" smtClean="0"/>
-              <a:t>If you break the servers, </a:t>
-            </a:r>
-            <a:r>
-              <a:rPr lang="en-US" u="sng" dirty="0" smtClean="0"/>
-              <a:t>you can be held liable for damages.</a:t>
-            </a:r>
-            <a:endParaRPr lang="en-US" dirty="0" smtClean="0"/>
-          </a:p>
-          <a:p>
-            <a:pPr lvl="1"/>
-            <a:endParaRPr lang="en-US" dirty="0" smtClean="0"/>
-          </a:p>
-          <a:p>
-            <a:endParaRPr lang="en-US" dirty="0"/>
+              <a:t>?</a:t>
+            </a:r>
+            <a:r>
+              <a:rPr lang="en-US" dirty="0"/>
+              <a:t> </a:t>
+            </a:r>
+            <a:r>
+              <a:rPr lang="en-US" dirty="0" smtClean="0"/>
+              <a:t>year=2017&amp;month=01&amp;day=22</a:t>
+            </a:r>
           </a:p>
         </p:txBody>
       </p:sp>
@@ -27799,7 +25482,7 @@
     </p:spTree>
     <p:extLst>
       <p:ext uri="{BB962C8B-B14F-4D97-AF65-F5344CB8AC3E}">
-        <p14:creationId xmlns:p14="http://schemas.microsoft.com/office/powerpoint/2010/main" val="1192598336"/>
+        <p14:creationId xmlns:p14="http://schemas.microsoft.com/office/powerpoint/2010/main" val="4076771972"/>
       </p:ext>
     </p:extLst>
   </p:cSld>
@@ -27840,7 +25523,36 @@
             <a:spLocks noGrp="1"/>
           </p:cNvSpPr>
           <p:nvPr>
-            <p:ph type="title"/>
+            <p:ph type="ctrTitle"/>
+          </p:nvPr>
+        </p:nvSpPr>
+        <p:spPr>
+          <a:xfrm>
+            <a:off x="1154955" y="1447801"/>
+            <a:ext cx="8825658" cy="2568388"/>
+          </a:xfrm>
+        </p:spPr>
+        <p:txBody>
+          <a:bodyPr/>
+          <a:lstStyle/>
+          <a:p>
+            <a:pPr algn="ctr"/>
+            <a:r>
+              <a:rPr lang="en-US" dirty="0" smtClean="0"/>
+              <a:t>Questions?</a:t>
+            </a:r>
+            <a:endParaRPr lang="en-US" dirty="0"/>
+          </a:p>
+        </p:txBody>
+      </p:sp>
+      <p:sp>
+        <p:nvSpPr>
+          <p:cNvPr id="4" name="Subtitle 3"/>
+          <p:cNvSpPr>
+            <a:spLocks noGrp="1"/>
+          </p:cNvSpPr>
+          <p:nvPr>
+            <p:ph type="subTitle" idx="1"/>
           </p:nvPr>
         </p:nvSpPr>
         <p:spPr/>
@@ -27848,72 +25560,13 @@
           <a:bodyPr/>
           <a:lstStyle/>
           <a:p>
-            <a:r>
-              <a:rPr lang="en-US" dirty="0" smtClean="0"/>
-              <a:t>So what do you do?</a:t>
-            </a:r>
-            <a:endParaRPr lang="en-US" dirty="0"/>
+            <a:endParaRPr lang="en-US"/>
           </a:p>
         </p:txBody>
       </p:sp>
       <p:sp>
         <p:nvSpPr>
-          <p:cNvPr id="3" name="Content Placeholder 2"/>
-          <p:cNvSpPr>
-            <a:spLocks noGrp="1"/>
-          </p:cNvSpPr>
-          <p:nvPr>
-            <p:ph idx="1"/>
-          </p:nvPr>
-        </p:nvSpPr>
-        <p:spPr/>
-        <p:txBody>
-          <a:bodyPr/>
-          <a:lstStyle/>
-          <a:p>
-            <a:r>
-              <a:rPr lang="en-US" dirty="0" smtClean="0"/>
-              <a:t>Assign a 5 or 10 second crawl-delay to your scraper. </a:t>
-            </a:r>
-          </a:p>
-          <a:p>
-            <a:pPr lvl="1"/>
-            <a:r>
-              <a:rPr lang="en-US" dirty="0" smtClean="0"/>
-              <a:t>Left unchecked, your scraper may ping (i.e. contact) the server several times per second.</a:t>
-            </a:r>
-          </a:p>
-          <a:p>
-            <a:pPr lvl="1"/>
-            <a:r>
-              <a:rPr lang="en-US" dirty="0" smtClean="0"/>
-              <a:t>Most large websites (e.g. ESPN) can handle that kind of traffic. </a:t>
-            </a:r>
-          </a:p>
-          <a:p>
-            <a:pPr lvl="2"/>
-            <a:r>
-              <a:rPr lang="en-US" dirty="0" smtClean="0"/>
-              <a:t>Smaller sites cannot.</a:t>
-            </a:r>
-          </a:p>
-          <a:p>
-            <a:r>
-              <a:rPr lang="en-US" dirty="0" smtClean="0"/>
-              <a:t>Don’t scrape if you can help it.</a:t>
-            </a:r>
-          </a:p>
-          <a:p>
-            <a:endParaRPr lang="en-US" dirty="0" smtClean="0"/>
-          </a:p>
-          <a:p>
-            <a:endParaRPr lang="en-US" dirty="0"/>
-          </a:p>
-        </p:txBody>
-      </p:sp>
-      <p:sp>
-        <p:nvSpPr>
-          <p:cNvPr id="4" name="Slide Number Placeholder 3"/>
+          <p:cNvPr id="3" name="Slide Number Placeholder 2"/>
           <p:cNvSpPr>
             <a:spLocks noGrp="1"/>
           </p:cNvSpPr>
@@ -27937,7 +25590,7 @@
     </p:spTree>
     <p:extLst>
       <p:ext uri="{BB962C8B-B14F-4D97-AF65-F5344CB8AC3E}">
-        <p14:creationId xmlns:p14="http://schemas.microsoft.com/office/powerpoint/2010/main" val="3270372070"/>
+        <p14:creationId xmlns:p14="http://schemas.microsoft.com/office/powerpoint/2010/main" val="369632690"/>
       </p:ext>
     </p:extLst>
   </p:cSld>
@@ -27988,7 +25641,7 @@
           <a:p>
             <a:r>
               <a:rPr lang="en-US" dirty="0" smtClean="0"/>
-              <a:t>Program Architecture</a:t>
+              <a:t>Legal Stuff</a:t>
             </a:r>
             <a:endParaRPr lang="en-US" dirty="0"/>
           </a:p>
@@ -28011,7 +25664,7 @@
           <a:p>
             <a:r>
               <a:rPr lang="en-US" cap="none" dirty="0" smtClean="0"/>
-              <a:t>Structure your program to make debugging and updating easier.</a:t>
+              <a:t>Check yourself before you wreck yourself.</a:t>
             </a:r>
             <a:endParaRPr lang="en-US" cap="none" dirty="0"/>
           </a:p>
@@ -28043,7 +25696,7 @@
     </p:spTree>
     <p:extLst>
       <p:ext uri="{BB962C8B-B14F-4D97-AF65-F5344CB8AC3E}">
-        <p14:creationId xmlns:p14="http://schemas.microsoft.com/office/powerpoint/2010/main" val="4269547054"/>
+        <p14:creationId xmlns:p14="http://schemas.microsoft.com/office/powerpoint/2010/main" val="3670932340"/>
       </p:ext>
     </p:extLst>
   </p:cSld>
@@ -28094,7 +25747,7 @@
           <a:p>
             <a:r>
               <a:rPr lang="en-US" dirty="0" smtClean="0"/>
-              <a:t>Program Architecture</a:t>
+              <a:t>Scraping Politely (not illegally)</a:t>
             </a:r>
             <a:endParaRPr lang="en-US" dirty="0"/>
           </a:p>
@@ -28117,33 +25770,90 @@
           <a:p>
             <a:r>
               <a:rPr lang="en-US" dirty="0" smtClean="0"/>
-              <a:t>Python is an object-oriented language. </a:t>
-            </a:r>
-          </a:p>
-          <a:p>
+              <a:t>Spiders, crawlers, scrapers, etc. are known as </a:t>
+            </a:r>
+            <a:r>
+              <a:rPr lang="en-US" u="sng" dirty="0" smtClean="0"/>
+              <a:t>robots</a:t>
+            </a:r>
             <a:r>
               <a:rPr lang="en-US" dirty="0" smtClean="0"/>
-              <a:t>Object-oriented code is the norm in industry (for better or worse).</a:t>
-            </a:r>
-          </a:p>
-          <a:p>
+              <a:t> online.</a:t>
+            </a:r>
+          </a:p>
+          <a:p>
+            <a:pPr lvl="1"/>
             <a:r>
               <a:rPr lang="en-US" dirty="0" smtClean="0"/>
-              <a:t>Write object-oriented code.</a:t>
-            </a:r>
-          </a:p>
-          <a:p>
-            <a:endParaRPr lang="en-US" dirty="0"/>
+              <a:t>Most sites have a robots.txt page which tells robots what they “can and cannot” scrape.</a:t>
+            </a:r>
           </a:p>
           <a:p>
             <a:r>
               <a:rPr lang="en-US" dirty="0" smtClean="0"/>
-              <a:t>Let’s walk through the Scraper class in the Scraper.py file</a:t>
+              <a:t>Many websites </a:t>
+            </a:r>
+            <a:r>
+              <a:rPr lang="en-US" dirty="0"/>
+              <a:t>track IPs and other information to identify robots</a:t>
             </a:r>
             <a:r>
               <a:rPr lang="en-US" dirty="0" smtClean="0"/>
               <a:t>.</a:t>
             </a:r>
+          </a:p>
+          <a:p>
+            <a:pPr lvl="1"/>
+            <a:r>
+              <a:rPr lang="en-US" dirty="0" smtClean="0"/>
+              <a:t>In my experience, these tracking services are either really bad or poorly maintained.</a:t>
+            </a:r>
+          </a:p>
+          <a:p>
+            <a:r>
+              <a:rPr lang="en-US" dirty="0" smtClean="0"/>
+              <a:t>Websites pay money for their servers.</a:t>
+            </a:r>
+          </a:p>
+          <a:p>
+            <a:pPr lvl="1"/>
+            <a:r>
+              <a:rPr lang="en-US" dirty="0" smtClean="0"/>
+              <a:t>Your scraper uses server time that could instead go to </a:t>
+            </a:r>
+            <a:r>
+              <a:rPr lang="en-US" i="1" dirty="0" smtClean="0"/>
+              <a:t>real</a:t>
+            </a:r>
+            <a:r>
+              <a:rPr lang="en-US" dirty="0" smtClean="0"/>
+              <a:t> users.</a:t>
+            </a:r>
+          </a:p>
+          <a:p>
+            <a:pPr lvl="1"/>
+            <a:r>
+              <a:rPr lang="en-US" dirty="0" smtClean="0"/>
+              <a:t>Websites may ban your IP if they suspect your using a robot.</a:t>
+            </a:r>
+          </a:p>
+          <a:p>
+            <a:r>
+              <a:rPr lang="en-US" dirty="0" smtClean="0"/>
+              <a:t>If you break the servers, </a:t>
+            </a:r>
+            <a:r>
+              <a:rPr lang="en-US" u="sng" dirty="0" smtClean="0"/>
+              <a:t>you can be held liable for damages.</a:t>
+            </a:r>
+            <a:endParaRPr lang="en-US" dirty="0" smtClean="0"/>
+          </a:p>
+          <a:p>
+            <a:pPr lvl="1"/>
+            <a:endParaRPr lang="en-US" dirty="0" smtClean="0"/>
+          </a:p>
+          <a:p>
+            <a:endParaRPr lang="en-US" dirty="0"/>
           </a:p>
         </p:txBody>
       </p:sp>
@@ -28173,7 +25883,7 @@
     </p:spTree>
     <p:extLst>
       <p:ext uri="{BB962C8B-B14F-4D97-AF65-F5344CB8AC3E}">
-        <p14:creationId xmlns:p14="http://schemas.microsoft.com/office/powerpoint/2010/main" val="2438925654"/>
+        <p14:creationId xmlns:p14="http://schemas.microsoft.com/office/powerpoint/2010/main" val="1192598336"/>
       </p:ext>
     </p:extLst>
   </p:cSld>
@@ -28224,7 +25934,7 @@
           <a:p>
             <a:r>
               <a:rPr lang="en-US" dirty="0" smtClean="0"/>
-              <a:t>Program Architecture</a:t>
+              <a:t>So what do you do?</a:t>
             </a:r>
             <a:endParaRPr lang="en-US" dirty="0"/>
           </a:p>
@@ -28246,22 +25956,39 @@
           <a:lstStyle/>
           <a:p>
             <a:r>
-              <a:rPr lang="en-US" smtClean="0"/>
-              <a:t>Simplify procedural code. </a:t>
-            </a:r>
-          </a:p>
-          <a:p>
-            <a:r>
               <a:rPr lang="en-US" dirty="0" smtClean="0"/>
-              <a:t>Document everything. You will forget it later. </a:t>
+              <a:t>Assign a 5 or 10 second crawl-delay to your scraper. </a:t>
             </a:r>
           </a:p>
           <a:p>
             <a:pPr lvl="1"/>
             <a:r>
               <a:rPr lang="en-US" dirty="0" smtClean="0"/>
-              <a:t>Python 3.6 has type hints. Use them. </a:t>
-            </a:r>
+              <a:t>Left unchecked, your scraper may ping (i.e. contact) the server several times per second.</a:t>
+            </a:r>
+          </a:p>
+          <a:p>
+            <a:pPr lvl="1"/>
+            <a:r>
+              <a:rPr lang="en-US" dirty="0" smtClean="0"/>
+              <a:t>Most large websites (e.g. ESPN) can handle that kind of traffic. </a:t>
+            </a:r>
+          </a:p>
+          <a:p>
+            <a:pPr lvl="2"/>
+            <a:r>
+              <a:rPr lang="en-US" dirty="0" smtClean="0"/>
+              <a:t>Smaller sites cannot.</a:t>
+            </a:r>
+          </a:p>
+          <a:p>
+            <a:r>
+              <a:rPr lang="en-US" dirty="0" smtClean="0"/>
+              <a:t>Don’t scrape if you can help it.</a:t>
+            </a:r>
+          </a:p>
+          <a:p>
+            <a:endParaRPr lang="en-US" dirty="0" smtClean="0"/>
           </a:p>
           <a:p>
             <a:endParaRPr lang="en-US" dirty="0"/>
@@ -28294,7 +26021,7 @@
     </p:spTree>
     <p:extLst>
       <p:ext uri="{BB962C8B-B14F-4D97-AF65-F5344CB8AC3E}">
-        <p14:creationId xmlns:p14="http://schemas.microsoft.com/office/powerpoint/2010/main" val="751826669"/>
+        <p14:creationId xmlns:p14="http://schemas.microsoft.com/office/powerpoint/2010/main" val="3270372070"/>
       </p:ext>
     </p:extLst>
   </p:cSld>
@@ -28335,7 +26062,7 @@
             <a:spLocks noGrp="1"/>
           </p:cNvSpPr>
           <p:nvPr>
-            <p:ph type="title"/>
+            <p:ph type="ctrTitle"/>
           </p:nvPr>
         </p:nvSpPr>
         <p:spPr/>
@@ -28345,7 +26072,14 @@
           <a:p>
             <a:r>
               <a:rPr lang="en-US" dirty="0" smtClean="0"/>
-              <a:t>Two Ways to Participate</a:t>
+              <a:t>Part 1 of 4:</a:t>
+            </a:r>
+            <a:br>
+              <a:rPr lang="en-US" dirty="0" smtClean="0"/>
+            </a:br>
+            <a:r>
+              <a:rPr lang="en-US" dirty="0" smtClean="0"/>
+              <a:t>Web Scraping</a:t>
             </a:r>
             <a:endParaRPr lang="en-US" dirty="0"/>
           </a:p>
@@ -28353,12 +26087,12 @@
       </p:sp>
       <p:sp>
         <p:nvSpPr>
-          <p:cNvPr id="3" name="Content Placeholder 2"/>
+          <p:cNvPr id="3" name="Subtitle 2"/>
           <p:cNvSpPr>
             <a:spLocks noGrp="1"/>
           </p:cNvSpPr>
           <p:nvPr>
-            <p:ph idx="1"/>
+            <p:ph type="subTitle" idx="1"/>
           </p:nvPr>
         </p:nvSpPr>
         <p:spPr/>
@@ -28367,70 +26101,18 @@
           <a:lstStyle/>
           <a:p>
             <a:r>
-              <a:rPr lang="en-US" dirty="0" smtClean="0">
-                <a:hlinkClick r:id="rId2"/>
-              </a:rPr>
-              <a:t>github.com/</a:t>
-            </a:r>
-            <a:r>
-              <a:rPr lang="en-US" dirty="0" err="1" smtClean="0">
-                <a:hlinkClick r:id="rId2"/>
-              </a:rPr>
-              <a:t>nicholas-vogt</a:t>
-            </a:r>
-            <a:r>
-              <a:rPr lang="en-US" dirty="0" smtClean="0">
-                <a:hlinkClick r:id="rId2"/>
-              </a:rPr>
-              <a:t>/modeling-march-madness</a:t>
-            </a:r>
-            <a:endParaRPr lang="en-US" dirty="0" smtClean="0"/>
-          </a:p>
-          <a:p>
-            <a:pPr marL="457200" indent="-457200">
-              <a:buFont typeface="+mj-lt"/>
-              <a:buAutoNum type="arabicPeriod"/>
-            </a:pPr>
-            <a:r>
-              <a:rPr lang="en-US" dirty="0" smtClean="0"/>
-              <a:t>Follow </a:t>
-            </a:r>
-            <a:r>
-              <a:rPr lang="en-US" dirty="0" smtClean="0"/>
-              <a:t>along with the </a:t>
-            </a:r>
-            <a:r>
-              <a:rPr lang="en-US" dirty="0" err="1" smtClean="0"/>
-              <a:t>github</a:t>
-            </a:r>
-            <a:r>
-              <a:rPr lang="en-US" dirty="0" smtClean="0"/>
-              <a:t> repo.</a:t>
-            </a:r>
-          </a:p>
-          <a:p>
-            <a:pPr marL="457200" indent="-457200">
-              <a:buFont typeface="+mj-lt"/>
-              <a:buAutoNum type="arabicPeriod"/>
-            </a:pPr>
-            <a:r>
-              <a:rPr lang="en-US" dirty="0" smtClean="0"/>
-              <a:t>Clone the repo and make notes as we go.</a:t>
-            </a:r>
-          </a:p>
-          <a:p>
-            <a:pPr marL="457200" indent="-457200">
-              <a:buFont typeface="+mj-lt"/>
-              <a:buAutoNum type="arabicPeriod"/>
-            </a:pPr>
-            <a:endParaRPr lang="en-US" dirty="0" smtClean="0"/>
-          </a:p>
-          <a:p>
-            <a:pPr marL="457200" indent="-457200">
-              <a:buFont typeface="+mj-lt"/>
-              <a:buAutoNum type="arabicPeriod"/>
-            </a:pPr>
-            <a:endParaRPr lang="en-US" dirty="0"/>
+              <a:rPr lang="en-US" cap="none" dirty="0" smtClean="0"/>
+              <a:t>Follow along with the web-</a:t>
+            </a:r>
+            <a:r>
+              <a:rPr lang="en-US" cap="none" dirty="0" err="1" smtClean="0"/>
+              <a:t>scraping.ipynb</a:t>
+            </a:r>
+            <a:r>
+              <a:rPr lang="en-US" cap="none" dirty="0" smtClean="0"/>
+              <a:t> notebook. </a:t>
+            </a:r>
+            <a:endParaRPr lang="en-US" cap="none" dirty="0"/>
           </a:p>
         </p:txBody>
       </p:sp>
@@ -28460,13 +26142,373 @@
     </p:spTree>
     <p:extLst>
       <p:ext uri="{BB962C8B-B14F-4D97-AF65-F5344CB8AC3E}">
-        <p14:creationId xmlns:p14="http://schemas.microsoft.com/office/powerpoint/2010/main" val="1136497149"/>
+        <p14:creationId xmlns:p14="http://schemas.microsoft.com/office/powerpoint/2010/main" val="3505210323"/>
       </p:ext>
     </p:extLst>
   </p:cSld>
   <p:clrMapOvr>
     <a:masterClrMapping/>
   </p:clrMapOvr>
+  <p:timing>
+    <p:tnLst>
+      <p:par>
+        <p:cTn id="1" dur="indefinite" restart="never" nodeType="tmRoot"/>
+      </p:par>
+    </p:tnLst>
+  </p:timing>
+</p:sld>
+</file>
+
+<file path=ppt/slides/slide40.xml><?xml version="1.0" encoding="utf-8"?>
+<p:sld xmlns:a="http://schemas.openxmlformats.org/drawingml/2006/main" xmlns:r="http://schemas.openxmlformats.org/officeDocument/2006/relationships" xmlns:p="http://schemas.openxmlformats.org/presentationml/2006/main">
+  <p:cSld>
+    <p:spTree>
+      <p:nvGrpSpPr>
+        <p:cNvPr id="1" name=""/>
+        <p:cNvGrpSpPr/>
+        <p:nvPr/>
+      </p:nvGrpSpPr>
+      <p:grpSpPr>
+        <a:xfrm>
+          <a:off x="0" y="0"/>
+          <a:ext cx="0" cy="0"/>
+          <a:chOff x="0" y="0"/>
+          <a:chExt cx="0" cy="0"/>
+        </a:xfrm>
+      </p:grpSpPr>
+      <p:sp>
+        <p:nvSpPr>
+          <p:cNvPr id="2" name="Title 1"/>
+          <p:cNvSpPr>
+            <a:spLocks noGrp="1"/>
+          </p:cNvSpPr>
+          <p:nvPr>
+            <p:ph type="title"/>
+          </p:nvPr>
+        </p:nvSpPr>
+        <p:spPr/>
+        <p:txBody>
+          <a:bodyPr/>
+          <a:lstStyle/>
+          <a:p>
+            <a:r>
+              <a:rPr lang="en-US" dirty="0" smtClean="0"/>
+              <a:t>Program Architecture</a:t>
+            </a:r>
+            <a:endParaRPr lang="en-US" dirty="0"/>
+          </a:p>
+        </p:txBody>
+      </p:sp>
+      <p:sp>
+        <p:nvSpPr>
+          <p:cNvPr id="3" name="Text Placeholder 2"/>
+          <p:cNvSpPr>
+            <a:spLocks noGrp="1"/>
+          </p:cNvSpPr>
+          <p:nvPr>
+            <p:ph type="body" idx="1"/>
+          </p:nvPr>
+        </p:nvSpPr>
+        <p:spPr/>
+        <p:txBody>
+          <a:bodyPr/>
+          <a:lstStyle/>
+          <a:p>
+            <a:r>
+              <a:rPr lang="en-US" cap="none" dirty="0" smtClean="0"/>
+              <a:t>Structure your program to make debugging and updating easier.</a:t>
+            </a:r>
+            <a:endParaRPr lang="en-US" cap="none" dirty="0"/>
+          </a:p>
+        </p:txBody>
+      </p:sp>
+      <p:sp>
+        <p:nvSpPr>
+          <p:cNvPr id="4" name="Slide Number Placeholder 3"/>
+          <p:cNvSpPr>
+            <a:spLocks noGrp="1"/>
+          </p:cNvSpPr>
+          <p:nvPr>
+            <p:ph type="sldNum" sz="quarter" idx="12"/>
+          </p:nvPr>
+        </p:nvSpPr>
+        <p:spPr/>
+        <p:txBody>
+          <a:bodyPr/>
+          <a:lstStyle/>
+          <a:p>
+            <a:fld id="{D57F1E4F-1CFF-5643-939E-02111984F565}" type="slidenum">
+              <a:rPr lang="en-US" smtClean="0"/>
+              <a:t>40</a:t>
+            </a:fld>
+            <a:endParaRPr lang="en-US" dirty="0"/>
+          </a:p>
+        </p:txBody>
+      </p:sp>
+    </p:spTree>
+    <p:extLst>
+      <p:ext uri="{BB962C8B-B14F-4D97-AF65-F5344CB8AC3E}">
+        <p14:creationId xmlns:p14="http://schemas.microsoft.com/office/powerpoint/2010/main" val="4269547054"/>
+      </p:ext>
+    </p:extLst>
+  </p:cSld>
+  <p:clrMapOvr>
+    <a:masterClrMapping/>
+  </p:clrMapOvr>
+  <p:timing>
+    <p:tnLst>
+      <p:par>
+        <p:cTn id="1" dur="indefinite" restart="never" nodeType="tmRoot"/>
+      </p:par>
+    </p:tnLst>
+  </p:timing>
+</p:sld>
+</file>
+
+<file path=ppt/slides/slide41.xml><?xml version="1.0" encoding="utf-8"?>
+<p:sld xmlns:a="http://schemas.openxmlformats.org/drawingml/2006/main" xmlns:r="http://schemas.openxmlformats.org/officeDocument/2006/relationships" xmlns:p="http://schemas.openxmlformats.org/presentationml/2006/main">
+  <p:cSld>
+    <p:spTree>
+      <p:nvGrpSpPr>
+        <p:cNvPr id="1" name=""/>
+        <p:cNvGrpSpPr/>
+        <p:nvPr/>
+      </p:nvGrpSpPr>
+      <p:grpSpPr>
+        <a:xfrm>
+          <a:off x="0" y="0"/>
+          <a:ext cx="0" cy="0"/>
+          <a:chOff x="0" y="0"/>
+          <a:chExt cx="0" cy="0"/>
+        </a:xfrm>
+      </p:grpSpPr>
+      <p:sp>
+        <p:nvSpPr>
+          <p:cNvPr id="2" name="Title 1"/>
+          <p:cNvSpPr>
+            <a:spLocks noGrp="1"/>
+          </p:cNvSpPr>
+          <p:nvPr>
+            <p:ph type="title"/>
+          </p:nvPr>
+        </p:nvSpPr>
+        <p:spPr/>
+        <p:txBody>
+          <a:bodyPr/>
+          <a:lstStyle/>
+          <a:p>
+            <a:r>
+              <a:rPr lang="en-US" dirty="0" smtClean="0"/>
+              <a:t>Program Architecture</a:t>
+            </a:r>
+            <a:endParaRPr lang="en-US" dirty="0"/>
+          </a:p>
+        </p:txBody>
+      </p:sp>
+      <p:sp>
+        <p:nvSpPr>
+          <p:cNvPr id="3" name="Content Placeholder 2"/>
+          <p:cNvSpPr>
+            <a:spLocks noGrp="1"/>
+          </p:cNvSpPr>
+          <p:nvPr>
+            <p:ph idx="1"/>
+          </p:nvPr>
+        </p:nvSpPr>
+        <p:spPr/>
+        <p:txBody>
+          <a:bodyPr/>
+          <a:lstStyle/>
+          <a:p>
+            <a:r>
+              <a:rPr lang="en-US" dirty="0" smtClean="0"/>
+              <a:t>Python is an object-oriented language. </a:t>
+            </a:r>
+          </a:p>
+          <a:p>
+            <a:r>
+              <a:rPr lang="en-US" dirty="0" smtClean="0"/>
+              <a:t>Object-oriented code is the norm in industry (for better or worse).</a:t>
+            </a:r>
+          </a:p>
+          <a:p>
+            <a:r>
+              <a:rPr lang="en-US" dirty="0" smtClean="0"/>
+              <a:t>Write object-oriented code.</a:t>
+            </a:r>
+          </a:p>
+          <a:p>
+            <a:endParaRPr lang="en-US" dirty="0"/>
+          </a:p>
+          <a:p>
+            <a:r>
+              <a:rPr lang="en-US" dirty="0" smtClean="0"/>
+              <a:t>Let’s walk through the Scraper class in the Scraper.py file.</a:t>
+            </a:r>
+          </a:p>
+        </p:txBody>
+      </p:sp>
+      <p:sp>
+        <p:nvSpPr>
+          <p:cNvPr id="4" name="Slide Number Placeholder 3"/>
+          <p:cNvSpPr>
+            <a:spLocks noGrp="1"/>
+          </p:cNvSpPr>
+          <p:nvPr>
+            <p:ph type="sldNum" sz="quarter" idx="12"/>
+          </p:nvPr>
+        </p:nvSpPr>
+        <p:spPr/>
+        <p:txBody>
+          <a:bodyPr/>
+          <a:lstStyle/>
+          <a:p>
+            <a:fld id="{D57F1E4F-1CFF-5643-939E-02111984F565}" type="slidenum">
+              <a:rPr lang="en-US" smtClean="0"/>
+              <a:t>41</a:t>
+            </a:fld>
+            <a:endParaRPr lang="en-US" dirty="0"/>
+          </a:p>
+        </p:txBody>
+      </p:sp>
+    </p:spTree>
+    <p:extLst>
+      <p:ext uri="{BB962C8B-B14F-4D97-AF65-F5344CB8AC3E}">
+        <p14:creationId xmlns:p14="http://schemas.microsoft.com/office/powerpoint/2010/main" val="2438925654"/>
+      </p:ext>
+    </p:extLst>
+  </p:cSld>
+  <p:clrMapOvr>
+    <a:masterClrMapping/>
+  </p:clrMapOvr>
+  <p:timing>
+    <p:tnLst>
+      <p:par>
+        <p:cTn id="1" dur="indefinite" restart="never" nodeType="tmRoot"/>
+      </p:par>
+    </p:tnLst>
+  </p:timing>
+</p:sld>
+</file>
+
+<file path=ppt/slides/slide42.xml><?xml version="1.0" encoding="utf-8"?>
+<p:sld xmlns:a="http://schemas.openxmlformats.org/drawingml/2006/main" xmlns:r="http://schemas.openxmlformats.org/officeDocument/2006/relationships" xmlns:p="http://schemas.openxmlformats.org/presentationml/2006/main">
+  <p:cSld>
+    <p:spTree>
+      <p:nvGrpSpPr>
+        <p:cNvPr id="1" name=""/>
+        <p:cNvGrpSpPr/>
+        <p:nvPr/>
+      </p:nvGrpSpPr>
+      <p:grpSpPr>
+        <a:xfrm>
+          <a:off x="0" y="0"/>
+          <a:ext cx="0" cy="0"/>
+          <a:chOff x="0" y="0"/>
+          <a:chExt cx="0" cy="0"/>
+        </a:xfrm>
+      </p:grpSpPr>
+      <p:sp>
+        <p:nvSpPr>
+          <p:cNvPr id="2" name="Title 1"/>
+          <p:cNvSpPr>
+            <a:spLocks noGrp="1"/>
+          </p:cNvSpPr>
+          <p:nvPr>
+            <p:ph type="title"/>
+          </p:nvPr>
+        </p:nvSpPr>
+        <p:spPr/>
+        <p:txBody>
+          <a:bodyPr/>
+          <a:lstStyle/>
+          <a:p>
+            <a:r>
+              <a:rPr lang="en-US" dirty="0" smtClean="0"/>
+              <a:t>Program Architecture</a:t>
+            </a:r>
+            <a:endParaRPr lang="en-US" dirty="0"/>
+          </a:p>
+        </p:txBody>
+      </p:sp>
+      <p:sp>
+        <p:nvSpPr>
+          <p:cNvPr id="3" name="Content Placeholder 2"/>
+          <p:cNvSpPr>
+            <a:spLocks noGrp="1"/>
+          </p:cNvSpPr>
+          <p:nvPr>
+            <p:ph idx="1"/>
+          </p:nvPr>
+        </p:nvSpPr>
+        <p:spPr/>
+        <p:txBody>
+          <a:bodyPr/>
+          <a:lstStyle/>
+          <a:p>
+            <a:r>
+              <a:rPr lang="en-US" smtClean="0"/>
+              <a:t>Simplify procedural code. </a:t>
+            </a:r>
+          </a:p>
+          <a:p>
+            <a:r>
+              <a:rPr lang="en-US" dirty="0" smtClean="0"/>
+              <a:t>Document everything. You will forget it later. </a:t>
+            </a:r>
+          </a:p>
+          <a:p>
+            <a:pPr lvl="1"/>
+            <a:r>
+              <a:rPr lang="en-US" dirty="0" smtClean="0"/>
+              <a:t>Python 3.6 has type hints. Use them. </a:t>
+            </a:r>
+          </a:p>
+          <a:p>
+            <a:endParaRPr lang="en-US" dirty="0"/>
+          </a:p>
+        </p:txBody>
+      </p:sp>
+      <p:sp>
+        <p:nvSpPr>
+          <p:cNvPr id="4" name="Slide Number Placeholder 3"/>
+          <p:cNvSpPr>
+            <a:spLocks noGrp="1"/>
+          </p:cNvSpPr>
+          <p:nvPr>
+            <p:ph type="sldNum" sz="quarter" idx="12"/>
+          </p:nvPr>
+        </p:nvSpPr>
+        <p:spPr/>
+        <p:txBody>
+          <a:bodyPr/>
+          <a:lstStyle/>
+          <a:p>
+            <a:fld id="{D57F1E4F-1CFF-5643-939E-02111984F565}" type="slidenum">
+              <a:rPr lang="en-US" smtClean="0"/>
+              <a:t>42</a:t>
+            </a:fld>
+            <a:endParaRPr lang="en-US" dirty="0"/>
+          </a:p>
+        </p:txBody>
+      </p:sp>
+    </p:spTree>
+    <p:extLst>
+      <p:ext uri="{BB962C8B-B14F-4D97-AF65-F5344CB8AC3E}">
+        <p14:creationId xmlns:p14="http://schemas.microsoft.com/office/powerpoint/2010/main" val="751826669"/>
+      </p:ext>
+    </p:extLst>
+  </p:cSld>
+  <p:clrMapOvr>
+    <a:masterClrMapping/>
+  </p:clrMapOvr>
+  <p:timing>
+    <p:tnLst>
+      <p:par>
+        <p:cTn id="1" dur="indefinite" restart="never" nodeType="tmRoot"/>
+      </p:par>
+    </p:tnLst>
+  </p:timing>
 </p:sld>
 </file>
 
@@ -28620,12 +26662,12 @@
       </p:grpSpPr>
       <p:sp>
         <p:nvSpPr>
-          <p:cNvPr id="2" name="Title 1"/>
+          <p:cNvPr id="10" name="Title 9"/>
           <p:cNvSpPr>
             <a:spLocks noGrp="1"/>
           </p:cNvSpPr>
           <p:nvPr>
-            <p:ph type="ctrTitle"/>
+            <p:ph type="title"/>
           </p:nvPr>
         </p:nvSpPr>
         <p:spPr/>
@@ -28635,53 +26677,44 @@
           <a:p>
             <a:r>
               <a:rPr lang="en-US" dirty="0" smtClean="0"/>
-              <a:t>Part 1 of 4:</a:t>
-            </a:r>
-            <a:br>
-              <a:rPr lang="en-US" dirty="0" smtClean="0"/>
-            </a:br>
-            <a:r>
-              <a:rPr lang="en-US" dirty="0" smtClean="0"/>
-              <a:t>Web Scraping</a:t>
+              <a:t>Why are we here?</a:t>
             </a:r>
             <a:endParaRPr lang="en-US" dirty="0"/>
           </a:p>
         </p:txBody>
       </p:sp>
-      <p:sp>
-        <p:nvSpPr>
-          <p:cNvPr id="3" name="Subtitle 2"/>
-          <p:cNvSpPr>
-            <a:spLocks noGrp="1"/>
-          </p:cNvSpPr>
-          <p:nvPr>
-            <p:ph type="subTitle" idx="1"/>
-          </p:nvPr>
-        </p:nvSpPr>
-        <p:spPr/>
-        <p:txBody>
-          <a:bodyPr/>
-          <a:lstStyle/>
-          <a:p>
-            <a:r>
-              <a:rPr lang="en-US" cap="none" dirty="0" smtClean="0"/>
-              <a:t>Follow along with the web-</a:t>
-            </a:r>
-            <a:r>
-              <a:rPr lang="en-US" cap="none" dirty="0" err="1" smtClean="0"/>
-              <a:t>scraping.ipynb</a:t>
-            </a:r>
-            <a:r>
-              <a:rPr lang="en-US" cap="none" dirty="0" smtClean="0"/>
-              <a:t> notebook. </a:t>
-            </a:r>
-            <a:endParaRPr lang="en-US" cap="none" dirty="0"/>
-          </a:p>
-        </p:txBody>
-      </p:sp>
-      <p:sp>
-        <p:nvSpPr>
-          <p:cNvPr id="4" name="Slide Number Placeholder 3"/>
+      <p:pic>
+        <p:nvPicPr>
+          <p:cNvPr id="8" name="Content Placeholder 7"/>
+          <p:cNvPicPr>
+            <a:picLocks noGrp="1" noChangeAspect="1"/>
+          </p:cNvPicPr>
+          <p:nvPr>
+            <p:ph idx="1"/>
+          </p:nvPr>
+        </p:nvPicPr>
+        <p:blipFill>
+          <a:blip r:embed="rId2">
+            <a:extLst>
+              <a:ext uri="{28A0092B-C50C-407E-A947-70E740481C1C}">
+                <a14:useLocalDpi xmlns:a14="http://schemas.microsoft.com/office/drawing/2010/main" val="0"/>
+              </a:ext>
+            </a:extLst>
+          </a:blip>
+          <a:stretch>
+            <a:fillRect/>
+          </a:stretch>
+        </p:blipFill>
+        <p:spPr>
+          <a:xfrm>
+            <a:off x="3341386" y="2052638"/>
+            <a:ext cx="4471003" cy="4195762"/>
+          </a:xfrm>
+        </p:spPr>
+      </p:pic>
+      <p:sp>
+        <p:nvSpPr>
+          <p:cNvPr id="5" name="Slide Number Placeholder 4"/>
           <p:cNvSpPr>
             <a:spLocks noGrp="1"/>
           </p:cNvSpPr>
@@ -28705,7 +26738,7 @@
     </p:spTree>
     <p:extLst>
       <p:ext uri="{BB962C8B-B14F-4D97-AF65-F5344CB8AC3E}">
-        <p14:creationId xmlns:p14="http://schemas.microsoft.com/office/powerpoint/2010/main" val="3505210323"/>
+        <p14:creationId xmlns:p14="http://schemas.microsoft.com/office/powerpoint/2010/main" val="2428990076"/>
       </p:ext>
     </p:extLst>
   </p:cSld>
@@ -28756,57 +26789,7 @@
           <a:p>
             <a:r>
               <a:rPr lang="en-US" dirty="0" smtClean="0"/>
-              <a:t>What you can expect</a:t>
-            </a:r>
-            <a:endParaRPr lang="en-US" dirty="0"/>
-          </a:p>
-        </p:txBody>
-      </p:sp>
-      <p:sp>
-        <p:nvSpPr>
-          <p:cNvPr id="3" name="Content Placeholder 2"/>
-          <p:cNvSpPr>
-            <a:spLocks noGrp="1"/>
-          </p:cNvSpPr>
-          <p:nvPr>
-            <p:ph idx="1"/>
-          </p:nvPr>
-        </p:nvSpPr>
-        <p:spPr/>
-        <p:txBody>
-          <a:bodyPr/>
-          <a:lstStyle/>
-          <a:p>
-            <a:r>
-              <a:rPr lang="en-US" dirty="0" smtClean="0"/>
-              <a:t>How and why we need to scrape.</a:t>
-            </a:r>
-          </a:p>
-          <a:p>
-            <a:r>
-              <a:rPr lang="en-US" dirty="0" smtClean="0"/>
-              <a:t>Avoid bans from sites you’re scraping.</a:t>
-            </a:r>
-          </a:p>
-          <a:p>
-            <a:r>
-              <a:rPr lang="en-US" dirty="0"/>
-              <a:t>Designated question slides after each section.</a:t>
-            </a:r>
-          </a:p>
-          <a:p>
-            <a:r>
-              <a:rPr lang="en-US" dirty="0" smtClean="0"/>
-              <a:t>Bonus tips to point experienced Python users in the right direction.</a:t>
-            </a:r>
-          </a:p>
-          <a:p>
-            <a:endParaRPr lang="en-US" dirty="0" smtClean="0"/>
-          </a:p>
-          <a:p>
-            <a:r>
-              <a:rPr lang="en-US" dirty="0" smtClean="0"/>
-              <a:t>What else do you hope to learn?</a:t>
+              <a:t>Why are we here?</a:t>
             </a:r>
             <a:endParaRPr lang="en-US" dirty="0"/>
           </a:p>
@@ -28835,16 +26818,49 @@
           </a:p>
         </p:txBody>
       </p:sp>
+      <p:pic>
+        <p:nvPicPr>
+          <p:cNvPr id="8" name="Content Placeholder 7"/>
+          <p:cNvPicPr>
+            <a:picLocks noGrp="1" noChangeAspect="1"/>
+          </p:cNvPicPr>
+          <p:nvPr>
+            <p:ph idx="1"/>
+          </p:nvPr>
+        </p:nvPicPr>
+        <p:blipFill>
+          <a:blip r:embed="rId2"/>
+          <a:stretch>
+            <a:fillRect/>
+          </a:stretch>
+        </p:blipFill>
+        <p:spPr>
+          <a:xfrm>
+            <a:off x="2481263" y="2688431"/>
+            <a:ext cx="6191250" cy="2924175"/>
+          </a:xfrm>
+          <a:prstGeom prst="rect">
+            <a:avLst/>
+          </a:prstGeom>
+        </p:spPr>
+      </p:pic>
     </p:spTree>
     <p:extLst>
       <p:ext uri="{BB962C8B-B14F-4D97-AF65-F5344CB8AC3E}">
-        <p14:creationId xmlns:p14="http://schemas.microsoft.com/office/powerpoint/2010/main" val="338542374"/>
+        <p14:creationId xmlns:p14="http://schemas.microsoft.com/office/powerpoint/2010/main" val="658026746"/>
       </p:ext>
     </p:extLst>
   </p:cSld>
   <p:clrMapOvr>
     <a:masterClrMapping/>
   </p:clrMapOvr>
+  <p:timing>
+    <p:tnLst>
+      <p:par>
+        <p:cTn id="1" dur="indefinite" restart="never" nodeType="tmRoot"/>
+      </p:par>
+    </p:tnLst>
+  </p:timing>
 </p:sld>
 </file>
 
@@ -28867,7 +26883,7 @@
       </p:grpSpPr>
       <p:sp>
         <p:nvSpPr>
-          <p:cNvPr id="2" name="Title 1"/>
+          <p:cNvPr id="10" name="Title 9"/>
           <p:cNvSpPr>
             <a:spLocks noGrp="1"/>
           </p:cNvSpPr>
@@ -28875,19 +26891,14 @@
             <p:ph type="title"/>
           </p:nvPr>
         </p:nvSpPr>
-        <p:spPr>
-          <a:xfrm>
-            <a:off x="1154953" y="723900"/>
-            <a:ext cx="3401064" cy="1447800"/>
-          </a:xfrm>
-        </p:spPr>
+        <p:spPr/>
         <p:txBody>
           <a:bodyPr/>
           <a:lstStyle/>
           <a:p>
             <a:r>
               <a:rPr lang="en-US" dirty="0" smtClean="0"/>
-              <a:t>Presentation Format</a:t>
+              <a:t>Why are we here?</a:t>
             </a:r>
             <a:endParaRPr lang="en-US" dirty="0"/>
           </a:p>
@@ -28895,166 +26906,60 @@
       </p:sp>
       <p:sp>
         <p:nvSpPr>
-          <p:cNvPr id="4" name="Text Placeholder 3"/>
+          <p:cNvPr id="5" name="Slide Number Placeholder 4"/>
           <p:cNvSpPr>
             <a:spLocks noGrp="1"/>
           </p:cNvSpPr>
           <p:nvPr>
-            <p:ph type="body" sz="half" idx="2"/>
-          </p:nvPr>
-        </p:nvSpPr>
-        <p:spPr>
-          <a:xfrm>
-            <a:off x="1154953" y="2501900"/>
-            <a:ext cx="4267947" cy="3522979"/>
-          </a:xfrm>
-        </p:spPr>
+            <p:ph type="sldNum" sz="quarter" idx="12"/>
+          </p:nvPr>
+        </p:nvSpPr>
+        <p:spPr/>
         <p:txBody>
-          <a:bodyPr>
-            <a:noAutofit/>
-          </a:bodyPr>
+          <a:bodyPr/>
           <a:lstStyle/>
           <a:p>
-            <a:pPr marL="285750" indent="-285750">
-              <a:buFont typeface="Arial" panose="020B0604020202020204" pitchFamily="34" charset="0"/>
-              <a:buChar char="•"/>
-            </a:pPr>
-            <a:r>
-              <a:rPr lang="en-US" sz="1800" dirty="0" smtClean="0"/>
-              <a:t>State goals</a:t>
-            </a:r>
-          </a:p>
-          <a:p>
-            <a:pPr marL="285750" indent="-285750">
-              <a:buFont typeface="Arial" panose="020B0604020202020204" pitchFamily="34" charset="0"/>
-              <a:buChar char="•"/>
-            </a:pPr>
-            <a:r>
-              <a:rPr lang="en-US" sz="1800" dirty="0" smtClean="0"/>
-              <a:t>Explain the how and why</a:t>
-            </a:r>
-          </a:p>
-          <a:p>
-            <a:pPr marL="742950" lvl="1" indent="-285750">
-              <a:buFont typeface="Arial" panose="020B0604020202020204" pitchFamily="34" charset="0"/>
-              <a:buChar char="•"/>
-            </a:pPr>
-            <a:r>
-              <a:rPr lang="en-US" sz="1600" dirty="0" smtClean="0"/>
-              <a:t>Split b/t </a:t>
-            </a:r>
-            <a:r>
-              <a:rPr lang="en-US" sz="1600" dirty="0" err="1" smtClean="0"/>
-              <a:t>Powerpoint</a:t>
-            </a:r>
-            <a:r>
-              <a:rPr lang="en-US" sz="1600" dirty="0" smtClean="0"/>
-              <a:t> and Python</a:t>
-            </a:r>
-          </a:p>
-          <a:p>
-            <a:pPr marL="285750" indent="-285750">
-              <a:buFont typeface="Arial" panose="020B0604020202020204" pitchFamily="34" charset="0"/>
-              <a:buChar char="•"/>
-            </a:pPr>
-            <a:r>
-              <a:rPr lang="en-US" sz="1800" dirty="0" smtClean="0"/>
-              <a:t>Bonus tips for experienced users</a:t>
-            </a:r>
-            <a:endParaRPr lang="en-US" sz="1800" dirty="0" smtClean="0"/>
-          </a:p>
-          <a:p>
-            <a:pPr marL="285750" indent="-285750">
-              <a:buFont typeface="Arial" panose="020B0604020202020204" pitchFamily="34" charset="0"/>
-              <a:buChar char="•"/>
-            </a:pPr>
-            <a:r>
-              <a:rPr lang="en-US" sz="1800" dirty="0" smtClean="0"/>
-              <a:t>Pause for questions after each section</a:t>
-            </a:r>
-          </a:p>
-          <a:p>
-            <a:pPr marL="742950" lvl="1" indent="-285750">
-              <a:buFont typeface="Arial" panose="020B0604020202020204" pitchFamily="34" charset="0"/>
-              <a:buChar char="•"/>
-            </a:pPr>
-            <a:r>
-              <a:rPr lang="en-US" sz="1600" dirty="0" smtClean="0"/>
-              <a:t>Focus on content rather than Python syntax</a:t>
-            </a:r>
+            <a:fld id="{D57F1E4F-1CFF-5643-939E-02111984F565}" type="slidenum">
+              <a:rPr lang="en-US" smtClean="0"/>
+              <a:t>8</a:t>
+            </a:fld>
+            <a:endParaRPr lang="en-US" dirty="0"/>
           </a:p>
         </p:txBody>
       </p:sp>
       <p:pic>
         <p:nvPicPr>
-          <p:cNvPr id="1026" name="Picture 2" descr="https://singbookswithemily.files.wordpress.com/2015/03/beautiful-soup-can-w-mock-turtle-coin.jpg"/>
+          <p:cNvPr id="6" name="Content Placeholder 5"/>
           <p:cNvPicPr>
-            <a:picLocks noGrp="1" noChangeAspect="1" noChangeArrowheads="1"/>
+            <a:picLocks noGrp="1" noChangeAspect="1"/>
           </p:cNvPicPr>
           <p:nvPr>
             <p:ph idx="1"/>
           </p:nvPr>
         </p:nvPicPr>
         <p:blipFill>
-          <a:blip r:embed="rId3">
+          <a:blip r:embed="rId2">
             <a:extLst>
               <a:ext uri="{28A0092B-C50C-407E-A947-70E740481C1C}">
                 <a14:useLocalDpi xmlns:a14="http://schemas.microsoft.com/office/drawing/2010/main" val="0"/>
               </a:ext>
             </a:extLst>
           </a:blip>
-          <a:srcRect/>
           <a:stretch>
             <a:fillRect/>
           </a:stretch>
         </p:blipFill>
-        <p:spPr bwMode="auto">
+        <p:spPr>
           <a:xfrm>
-            <a:off x="5860846" y="1447800"/>
-            <a:ext cx="3043645" cy="4572000"/>
+            <a:off x="4090988" y="2688431"/>
+            <a:ext cx="2971800" cy="2924175"/>
           </a:xfrm>
-          <a:prstGeom prst="rect">
-            <a:avLst/>
-          </a:prstGeom>
-          <a:noFill/>
-          <a:extLst>
-            <a:ext uri="{909E8E84-426E-40DD-AFC4-6F175D3DCCD1}">
-              <a14:hiddenFill xmlns:a14="http://schemas.microsoft.com/office/drawing/2010/main">
-                <a:solidFill>
-                  <a:srgbClr val="FFFFFF"/>
-                </a:solidFill>
-              </a14:hiddenFill>
-            </a:ext>
-          </a:extLst>
         </p:spPr>
       </p:pic>
-      <p:sp>
-        <p:nvSpPr>
-          <p:cNvPr id="3" name="Slide Number Placeholder 2"/>
-          <p:cNvSpPr>
-            <a:spLocks noGrp="1"/>
-          </p:cNvSpPr>
-          <p:nvPr>
-            <p:ph type="sldNum" sz="quarter" idx="12"/>
-          </p:nvPr>
-        </p:nvSpPr>
-        <p:spPr/>
-        <p:txBody>
-          <a:bodyPr/>
-          <a:lstStyle/>
-          <a:p>
-            <a:fld id="{D57F1E4F-1CFF-5643-939E-02111984F565}" type="slidenum">
-              <a:rPr lang="en-US" smtClean="0"/>
-              <a:t>8</a:t>
-            </a:fld>
-            <a:endParaRPr lang="en-US" dirty="0"/>
-          </a:p>
-        </p:txBody>
-      </p:sp>
     </p:spTree>
     <p:extLst>
       <p:ext uri="{BB962C8B-B14F-4D97-AF65-F5344CB8AC3E}">
-        <p14:creationId xmlns:p14="http://schemas.microsoft.com/office/powerpoint/2010/main" val="2013821680"/>
+        <p14:creationId xmlns:p14="http://schemas.microsoft.com/office/powerpoint/2010/main" val="1348356517"/>
       </p:ext>
     </p:extLst>
   </p:cSld>
@@ -29098,19 +27003,14 @@
             <p:ph type="title"/>
           </p:nvPr>
         </p:nvSpPr>
-        <p:spPr>
-          <a:xfrm>
-            <a:off x="1154953" y="723900"/>
-            <a:ext cx="3401064" cy="1447800"/>
-          </a:xfrm>
-        </p:spPr>
+        <p:spPr/>
         <p:txBody>
           <a:bodyPr/>
           <a:lstStyle/>
           <a:p>
             <a:r>
               <a:rPr lang="en-US" dirty="0" smtClean="0"/>
-              <a:t>What’s Ahead</a:t>
+              <a:t>What you can expect</a:t>
             </a:r>
             <a:endParaRPr lang="en-US" dirty="0"/>
           </a:p>
@@ -29118,153 +27018,57 @@
       </p:sp>
       <p:sp>
         <p:nvSpPr>
-          <p:cNvPr id="4" name="Text Placeholder 3"/>
+          <p:cNvPr id="3" name="Content Placeholder 2"/>
           <p:cNvSpPr>
             <a:spLocks noGrp="1"/>
           </p:cNvSpPr>
           <p:nvPr>
-            <p:ph type="body" sz="half" idx="2"/>
-          </p:nvPr>
-        </p:nvSpPr>
-        <p:spPr>
-          <a:xfrm>
-            <a:off x="1154953" y="2501900"/>
-            <a:ext cx="4267947" cy="3522979"/>
-          </a:xfrm>
-        </p:spPr>
+            <p:ph idx="1"/>
+          </p:nvPr>
+        </p:nvSpPr>
+        <p:spPr/>
         <p:txBody>
-          <a:bodyPr>
-            <a:noAutofit/>
-          </a:bodyPr>
+          <a:bodyPr/>
           <a:lstStyle/>
           <a:p>
-            <a:pPr marL="285750" indent="-285750">
-              <a:buFont typeface="Arial" panose="020B0604020202020204" pitchFamily="34" charset="0"/>
-              <a:buChar char="•"/>
-            </a:pPr>
-            <a:r>
-              <a:rPr lang="en-US" sz="1800" dirty="0" smtClean="0"/>
-              <a:t>Why Do I Need to Scrape?</a:t>
-            </a:r>
-          </a:p>
-          <a:p>
-            <a:pPr marL="285750" indent="-285750">
-              <a:buFont typeface="Arial" panose="020B0604020202020204" pitchFamily="34" charset="0"/>
-              <a:buChar char="•"/>
-            </a:pPr>
-            <a:r>
-              <a:rPr lang="en-US" sz="1800" dirty="0" smtClean="0"/>
-              <a:t>The </a:t>
-            </a:r>
-            <a:r>
-              <a:rPr lang="en-US" sz="1800" dirty="0" smtClean="0">
-                <a:latin typeface="Consolas" panose="020B0609020204030204" pitchFamily="49" charset="0"/>
-              </a:rPr>
-              <a:t>requests</a:t>
-            </a:r>
-            <a:r>
-              <a:rPr lang="en-US" sz="1800" dirty="0" smtClean="0"/>
-              <a:t> Library</a:t>
-            </a:r>
-            <a:endParaRPr lang="en-US" sz="1800" dirty="0"/>
-          </a:p>
-          <a:p>
-            <a:pPr marL="285750" indent="-285750">
-              <a:buFont typeface="Arial" panose="020B0604020202020204" pitchFamily="34" charset="0"/>
-              <a:buChar char="•"/>
-            </a:pPr>
-            <a:r>
-              <a:rPr lang="en-US" sz="1800" dirty="0" smtClean="0"/>
-              <a:t>Navigating HTML</a:t>
-            </a:r>
-          </a:p>
-          <a:p>
-            <a:pPr marL="285750" indent="-285750">
-              <a:buFont typeface="Arial" panose="020B0604020202020204" pitchFamily="34" charset="0"/>
-              <a:buChar char="•"/>
-            </a:pPr>
-            <a:r>
-              <a:rPr lang="en-US" sz="1800" dirty="0" smtClean="0"/>
-              <a:t>Crawling</a:t>
-            </a:r>
-          </a:p>
-          <a:p>
-            <a:pPr marL="285750" indent="-285750">
-              <a:buFont typeface="Arial" panose="020B0604020202020204" pitchFamily="34" charset="0"/>
-              <a:buChar char="•"/>
-            </a:pPr>
-            <a:r>
-              <a:rPr lang="en-US" sz="1800" dirty="0"/>
-              <a:t>Legal </a:t>
-            </a:r>
-            <a:r>
-              <a:rPr lang="en-US" sz="1800" dirty="0" smtClean="0"/>
-              <a:t>Stuff</a:t>
-            </a:r>
-          </a:p>
-          <a:p>
-            <a:pPr marL="285750" indent="-285750">
-              <a:buFont typeface="Arial" panose="020B0604020202020204" pitchFamily="34" charset="0"/>
-              <a:buChar char="•"/>
-            </a:pPr>
-            <a:r>
-              <a:rPr lang="en-US" sz="1800" dirty="0" smtClean="0"/>
-              <a:t>Program </a:t>
-            </a:r>
-            <a:r>
-              <a:rPr lang="en-US" sz="1800" dirty="0" smtClean="0"/>
-              <a:t>Architecture</a:t>
-            </a:r>
-            <a:endParaRPr lang="en-US" sz="1800" dirty="0" smtClean="0"/>
+            <a:r>
+              <a:rPr lang="en-US" dirty="0" smtClean="0"/>
+              <a:t>How and why we need to scrape.</a:t>
+            </a:r>
+          </a:p>
+          <a:p>
+            <a:r>
+              <a:rPr lang="en-US" dirty="0" smtClean="0"/>
+              <a:t>Avoid bans from sites you’re scraping.</a:t>
+            </a:r>
+          </a:p>
+          <a:p>
+            <a:r>
+              <a:rPr lang="en-US" dirty="0"/>
+              <a:t>Designated question slides after each section.</a:t>
+            </a:r>
+          </a:p>
+          <a:p>
+            <a:r>
+              <a:rPr lang="en-US" dirty="0" smtClean="0"/>
+              <a:t>Bonus tips to point experienced Python users in the right direction.</a:t>
+            </a:r>
+          </a:p>
+          <a:p>
+            <a:endParaRPr lang="en-US" dirty="0" smtClean="0"/>
+          </a:p>
+          <a:p>
+            <a:r>
+              <a:rPr lang="en-US" dirty="0" smtClean="0"/>
+              <a:t>What else do you hope to learn?</a:t>
+            </a:r>
+            <a:endParaRPr lang="en-US" dirty="0"/>
           </a:p>
         </p:txBody>
       </p:sp>
-      <p:pic>
-        <p:nvPicPr>
-          <p:cNvPr id="1026" name="Picture 2" descr="https://singbookswithemily.files.wordpress.com/2015/03/beautiful-soup-can-w-mock-turtle-coin.jpg"/>
-          <p:cNvPicPr>
-            <a:picLocks noGrp="1" noChangeAspect="1" noChangeArrowheads="1"/>
-          </p:cNvPicPr>
-          <p:nvPr>
-            <p:ph idx="1"/>
-          </p:nvPr>
-        </p:nvPicPr>
-        <p:blipFill>
-          <a:blip r:embed="rId3">
-            <a:extLst>
-              <a:ext uri="{28A0092B-C50C-407E-A947-70E740481C1C}">
-                <a14:useLocalDpi xmlns:a14="http://schemas.microsoft.com/office/drawing/2010/main" val="0"/>
-              </a:ext>
-            </a:extLst>
-          </a:blip>
-          <a:srcRect/>
-          <a:stretch>
-            <a:fillRect/>
-          </a:stretch>
-        </p:blipFill>
-        <p:spPr bwMode="auto">
-          <a:xfrm>
-            <a:off x="5860846" y="1447800"/>
-            <a:ext cx="3043645" cy="4572000"/>
-          </a:xfrm>
-          <a:prstGeom prst="rect">
-            <a:avLst/>
-          </a:prstGeom>
-          <a:noFill/>
-          <a:extLst>
-            <a:ext uri="{909E8E84-426E-40DD-AFC4-6F175D3DCCD1}">
-              <a14:hiddenFill xmlns:a14="http://schemas.microsoft.com/office/drawing/2010/main">
-                <a:solidFill>
-                  <a:srgbClr val="FFFFFF"/>
-                </a:solidFill>
-              </a14:hiddenFill>
-            </a:ext>
-          </a:extLst>
-        </p:spPr>
-      </p:pic>
-      <p:sp>
-        <p:nvSpPr>
-          <p:cNvPr id="3" name="Slide Number Placeholder 2"/>
+      <p:sp>
+        <p:nvSpPr>
+          <p:cNvPr id="4" name="Slide Number Placeholder 3"/>
           <p:cNvSpPr>
             <a:spLocks noGrp="1"/>
           </p:cNvSpPr>
@@ -29288,7 +27092,7 @@
     </p:spTree>
     <p:extLst>
       <p:ext uri="{BB962C8B-B14F-4D97-AF65-F5344CB8AC3E}">
-        <p14:creationId xmlns:p14="http://schemas.microsoft.com/office/powerpoint/2010/main" val="382495023"/>
+        <p14:creationId xmlns:p14="http://schemas.microsoft.com/office/powerpoint/2010/main" val="338542374"/>
       </p:ext>
     </p:extLst>
   </p:cSld>
